--- a/2014-08-11 That Conference - Hybrid Apps/Building PhoneGap Mobile App w KendoUI.pptx
+++ b/2014-08-11 That Conference - Hybrid Apps/Building PhoneGap Mobile App w KendoUI.pptx
@@ -5,41 +5,42 @@
     <p:sldMasterId id="2147483660" r:id="rId1"/>
   </p:sldMasterIdLst>
   <p:notesMasterIdLst>
-    <p:notesMasterId r:id="rId34"/>
+    <p:notesMasterId r:id="rId35"/>
   </p:notesMasterIdLst>
   <p:sldIdLst>
     <p:sldId id="256" r:id="rId2"/>
-    <p:sldId id="258" r:id="rId3"/>
-    <p:sldId id="287" r:id="rId4"/>
-    <p:sldId id="260" r:id="rId5"/>
-    <p:sldId id="269" r:id="rId6"/>
-    <p:sldId id="270" r:id="rId7"/>
-    <p:sldId id="274" r:id="rId8"/>
-    <p:sldId id="275" r:id="rId9"/>
-    <p:sldId id="276" r:id="rId10"/>
-    <p:sldId id="277" r:id="rId11"/>
-    <p:sldId id="279" r:id="rId12"/>
-    <p:sldId id="278" r:id="rId13"/>
-    <p:sldId id="280" r:id="rId14"/>
-    <p:sldId id="266" r:id="rId15"/>
-    <p:sldId id="265" r:id="rId16"/>
-    <p:sldId id="282" r:id="rId17"/>
-    <p:sldId id="288" r:id="rId18"/>
-    <p:sldId id="289" r:id="rId19"/>
-    <p:sldId id="285" r:id="rId20"/>
-    <p:sldId id="284" r:id="rId21"/>
-    <p:sldId id="283" r:id="rId22"/>
-    <p:sldId id="273" r:id="rId23"/>
-    <p:sldId id="262" r:id="rId24"/>
-    <p:sldId id="261" r:id="rId25"/>
-    <p:sldId id="281" r:id="rId26"/>
-    <p:sldId id="271" r:id="rId27"/>
-    <p:sldId id="257" r:id="rId28"/>
-    <p:sldId id="286" r:id="rId29"/>
-    <p:sldId id="263" r:id="rId30"/>
-    <p:sldId id="290" r:id="rId31"/>
-    <p:sldId id="291" r:id="rId32"/>
-    <p:sldId id="264" r:id="rId33"/>
+    <p:sldId id="292" r:id="rId3"/>
+    <p:sldId id="258" r:id="rId4"/>
+    <p:sldId id="287" r:id="rId5"/>
+    <p:sldId id="260" r:id="rId6"/>
+    <p:sldId id="269" r:id="rId7"/>
+    <p:sldId id="270" r:id="rId8"/>
+    <p:sldId id="274" r:id="rId9"/>
+    <p:sldId id="275" r:id="rId10"/>
+    <p:sldId id="276" r:id="rId11"/>
+    <p:sldId id="277" r:id="rId12"/>
+    <p:sldId id="279" r:id="rId13"/>
+    <p:sldId id="278" r:id="rId14"/>
+    <p:sldId id="280" r:id="rId15"/>
+    <p:sldId id="266" r:id="rId16"/>
+    <p:sldId id="265" r:id="rId17"/>
+    <p:sldId id="282" r:id="rId18"/>
+    <p:sldId id="288" r:id="rId19"/>
+    <p:sldId id="289" r:id="rId20"/>
+    <p:sldId id="285" r:id="rId21"/>
+    <p:sldId id="284" r:id="rId22"/>
+    <p:sldId id="283" r:id="rId23"/>
+    <p:sldId id="273" r:id="rId24"/>
+    <p:sldId id="262" r:id="rId25"/>
+    <p:sldId id="261" r:id="rId26"/>
+    <p:sldId id="281" r:id="rId27"/>
+    <p:sldId id="271" r:id="rId28"/>
+    <p:sldId id="257" r:id="rId29"/>
+    <p:sldId id="286" r:id="rId30"/>
+    <p:sldId id="263" r:id="rId31"/>
+    <p:sldId id="290" r:id="rId32"/>
+    <p:sldId id="291" r:id="rId33"/>
+    <p:sldId id="264" r:id="rId34"/>
   </p:sldIdLst>
   <p:sldSz cx="9144000" cy="6858000" type="screen4x3"/>
   <p:notesSz cx="6858000" cy="9144000"/>
@@ -223,7 +224,7 @@
           <a:p>
             <a:fld id="{EC2BCC37-2920-4C1D-8057-51EE69B1718A}" type="datetimeFigureOut">
               <a:rPr lang="en-US" smtClean="0"/>
-              <a:t>7/28/2014</a:t>
+              <a:t>7/29/2014</a:t>
             </a:fld>
             <a:endParaRPr lang="en-US"/>
           </a:p>
@@ -510,7 +511,7 @@
       </p:grpSpPr>
       <p:sp>
         <p:nvSpPr>
-          <p:cNvPr id="2" name="Slide Image Placeholder 1"/>
+          <p:cNvPr id="46" name="Shape 46"/>
           <p:cNvSpPr>
             <a:spLocks noGrp="1" noRot="1" noChangeAspect="1"/>
           </p:cNvSpPr>
@@ -518,56 +519,70 @@
             <p:ph type="sldImg"/>
           </p:nvPr>
         </p:nvSpPr>
-        <p:spPr/>
-      </p:sp>
-      <p:sp>
-        <p:nvSpPr>
-          <p:cNvPr id="3" name="Notes Placeholder 2"/>
+        <p:spPr>
+          <a:xfrm>
+            <a:off x="381000" y="685800"/>
+            <a:ext cx="6096000" cy="3429000"/>
+          </a:xfrm>
+          <a:prstGeom prst="rect">
+            <a:avLst/>
+          </a:prstGeom>
+        </p:spPr>
+        <p:txBody>
+          <a:bodyPr/>
+          <a:lstStyle/>
+          <a:p>
+            <a:pPr lvl="0"/>
+            <a:endParaRPr/>
+          </a:p>
+        </p:txBody>
+      </p:sp>
+      <p:sp>
+        <p:nvSpPr>
+          <p:cNvPr id="47" name="Shape 47"/>
           <p:cNvSpPr>
             <a:spLocks noGrp="1"/>
           </p:cNvSpPr>
           <p:nvPr>
-            <p:ph type="body" idx="1"/>
+            <p:ph type="body" sz="quarter" idx="1"/>
           </p:nvPr>
         </p:nvSpPr>
-        <p:spPr/>
+        <p:spPr>
+          <a:prstGeom prst="rect">
+            <a:avLst/>
+          </a:prstGeom>
+        </p:spPr>
         <p:txBody>
           <a:bodyPr/>
           <a:lstStyle/>
           <a:p>
-            <a:endParaRPr lang="en-US" dirty="0"/>
+            <a:pPr lvl="0">
+              <a:defRPr sz="1800"/>
+            </a:pPr>
+            <a:r>
+              <a:rPr lang="en-US" sz="3200" dirty="0" smtClean="0"/>
+              <a:t>T</a:t>
+            </a:r>
+            <a:r>
+              <a:rPr sz="3200" dirty="0" smtClean="0"/>
+              <a:t>hank</a:t>
+            </a:r>
+            <a:r>
+              <a:rPr lang="en-US" sz="3200" dirty="0" smtClean="0"/>
+              <a:t>s to</a:t>
+            </a:r>
+            <a:r>
+              <a:rPr sz="3200" dirty="0" smtClean="0"/>
+              <a:t> </a:t>
+            </a:r>
+            <a:r>
+              <a:rPr sz="3200" dirty="0"/>
+              <a:t>our Principal, Platinum and Gold Sponsors.</a:t>
+            </a:r>
           </a:p>
         </p:txBody>
       </p:sp>
-      <p:sp>
-        <p:nvSpPr>
-          <p:cNvPr id="4" name="Slide Number Placeholder 3"/>
-          <p:cNvSpPr>
-            <a:spLocks noGrp="1"/>
-          </p:cNvSpPr>
-          <p:nvPr>
-            <p:ph type="sldNum" sz="quarter" idx="10"/>
-          </p:nvPr>
-        </p:nvSpPr>
-        <p:spPr/>
-        <p:txBody>
-          <a:bodyPr/>
-          <a:lstStyle/>
-          <a:p>
-            <a:fld id="{8E70A4CB-D5A4-4016-9063-EAE2719754C8}" type="slidenum">
-              <a:rPr lang="en-US" smtClean="0"/>
-              <a:t>4</a:t>
-            </a:fld>
-            <a:endParaRPr lang="en-US"/>
-          </a:p>
-        </p:txBody>
-      </p:sp>
     </p:spTree>
-    <p:extLst>
-      <p:ext uri="{BB962C8B-B14F-4D97-AF65-F5344CB8AC3E}">
-        <p14:creationId xmlns:p14="http://schemas.microsoft.com/office/powerpoint/2010/main" val="1511137842"/>
-      </p:ext>
-    </p:extLst>
   </p:cSld>
   <p:clrMapOvr>
     <a:masterClrMapping/>
@@ -619,6 +634,14 @@
           <a:bodyPr/>
           <a:lstStyle/>
           <a:p>
+            <a:r>
+              <a:rPr lang="en-US" dirty="0" smtClean="0"/>
+              <a:t>Using KendoUI Mobile, PG Build and PhoneGap</a:t>
+            </a:r>
+            <a:r>
+              <a:rPr lang="en-US" baseline="0" dirty="0" smtClean="0"/>
+              <a:t> we cover all the parts of a hybrid app!</a:t>
+            </a:r>
             <a:endParaRPr lang="en-US" dirty="0"/>
           </a:p>
         </p:txBody>
@@ -649,7 +672,7 @@
     </p:spTree>
     <p:extLst>
       <p:ext uri="{BB962C8B-B14F-4D97-AF65-F5344CB8AC3E}">
-        <p14:creationId xmlns:p14="http://schemas.microsoft.com/office/powerpoint/2010/main" val="1815945070"/>
+        <p14:creationId xmlns:p14="http://schemas.microsoft.com/office/powerpoint/2010/main" val="4002310454"/>
       </p:ext>
     </p:extLst>
   </p:cSld>
@@ -733,7 +756,7 @@
     </p:spTree>
     <p:extLst>
       <p:ext uri="{BB962C8B-B14F-4D97-AF65-F5344CB8AC3E}">
-        <p14:creationId xmlns:p14="http://schemas.microsoft.com/office/powerpoint/2010/main" val="6760467"/>
+        <p14:creationId xmlns:p14="http://schemas.microsoft.com/office/powerpoint/2010/main" val="1815945070"/>
       </p:ext>
     </p:extLst>
   </p:cSld>
@@ -787,28 +810,6 @@
           <a:bodyPr/>
           <a:lstStyle/>
           <a:p>
-            <a:r>
-              <a:rPr lang="en-US" dirty="0" smtClean="0"/>
-              <a:t>TODO: find</a:t>
-            </a:r>
-            <a:r>
-              <a:rPr lang="en-US" baseline="0" dirty="0" smtClean="0"/>
-              <a:t> performance graph? Windows phone 8 software? Moving to same rendering as other 2 soon?</a:t>
-            </a:r>
-          </a:p>
-          <a:p>
-            <a:r>
-              <a:rPr lang="en-US" baseline="0" dirty="0" smtClean="0"/>
-              <a:t>Consider what is “good enough” for you/your business. Will users notice a few </a:t>
-            </a:r>
-            <a:r>
-              <a:rPr lang="en-US" baseline="0" dirty="0" err="1" smtClean="0"/>
-              <a:t>ms</a:t>
-            </a:r>
-            <a:r>
-              <a:rPr lang="en-US" baseline="0" dirty="0" smtClean="0"/>
-              <a:t> delay?</a:t>
-            </a:r>
             <a:endParaRPr lang="en-US" dirty="0"/>
           </a:p>
         </p:txBody>
@@ -839,7 +840,7 @@
     </p:spTree>
     <p:extLst>
       <p:ext uri="{BB962C8B-B14F-4D97-AF65-F5344CB8AC3E}">
-        <p14:creationId xmlns:p14="http://schemas.microsoft.com/office/powerpoint/2010/main" val="387615304"/>
+        <p14:creationId xmlns:p14="http://schemas.microsoft.com/office/powerpoint/2010/main" val="6760467"/>
       </p:ext>
     </p:extLst>
   </p:cSld>
@@ -894,12 +895,20 @@
           <a:lstStyle/>
           <a:p>
             <a:r>
-              <a:rPr lang="en-US" dirty="0" smtClean="0"/>
-              <a:t>TODO: orange/red</a:t>
-            </a:r>
-            <a:r>
               <a:rPr lang="en-US" baseline="0" dirty="0" smtClean="0"/>
-              <a:t> checkmarks</a:t>
+              <a:t>Consider </a:t>
+            </a:r>
+            <a:r>
+              <a:rPr lang="en-US" baseline="0" dirty="0" smtClean="0"/>
+              <a:t>what is “good enough” for you/your business. Will users notice a few </a:t>
+            </a:r>
+            <a:r>
+              <a:rPr lang="en-US" baseline="0" dirty="0" err="1" smtClean="0"/>
+              <a:t>ms</a:t>
+            </a:r>
+            <a:r>
+              <a:rPr lang="en-US" baseline="0" dirty="0" smtClean="0"/>
+              <a:t> delay?</a:t>
             </a:r>
             <a:endParaRPr lang="en-US" dirty="0"/>
           </a:p>
@@ -922,7 +931,7 @@
           <a:p>
             <a:fld id="{8E70A4CB-D5A4-4016-9063-EAE2719754C8}" type="slidenum">
               <a:rPr lang="en-US" smtClean="0"/>
-              <a:t>30</a:t>
+              <a:t>29</a:t>
             </a:fld>
             <a:endParaRPr lang="en-US"/>
           </a:p>
@@ -931,7 +940,7 @@
     </p:spTree>
     <p:extLst>
       <p:ext uri="{BB962C8B-B14F-4D97-AF65-F5344CB8AC3E}">
-        <p14:creationId xmlns:p14="http://schemas.microsoft.com/office/powerpoint/2010/main" val="1543007744"/>
+        <p14:creationId xmlns:p14="http://schemas.microsoft.com/office/powerpoint/2010/main" val="387615304"/>
       </p:ext>
     </p:extLst>
   </p:cSld>
@@ -987,7 +996,11 @@
           <a:p>
             <a:r>
               <a:rPr lang="en-US" dirty="0" smtClean="0"/>
-              <a:t>TODO - links</a:t>
+              <a:t>TODO: orange/red</a:t>
+            </a:r>
+            <a:r>
+              <a:rPr lang="en-US" baseline="0" dirty="0" smtClean="0"/>
+              <a:t> checkmarks</a:t>
             </a:r>
             <a:endParaRPr lang="en-US" dirty="0"/>
           </a:p>
@@ -1011,6 +1024,90 @@
             <a:fld id="{8E70A4CB-D5A4-4016-9063-EAE2719754C8}" type="slidenum">
               <a:rPr lang="en-US" smtClean="0"/>
               <a:t>31</a:t>
+            </a:fld>
+            <a:endParaRPr lang="en-US"/>
+          </a:p>
+        </p:txBody>
+      </p:sp>
+    </p:spTree>
+    <p:extLst>
+      <p:ext uri="{BB962C8B-B14F-4D97-AF65-F5344CB8AC3E}">
+        <p14:creationId xmlns:p14="http://schemas.microsoft.com/office/powerpoint/2010/main" val="1543007744"/>
+      </p:ext>
+    </p:extLst>
+  </p:cSld>
+  <p:clrMapOvr>
+    <a:masterClrMapping/>
+  </p:clrMapOvr>
+</p:notes>
+</file>
+
+<file path=ppt/notesSlides/notesSlide15.xml><?xml version="1.0" encoding="utf-8"?>
+<p:notes xmlns:a="http://schemas.openxmlformats.org/drawingml/2006/main" xmlns:r="http://schemas.openxmlformats.org/officeDocument/2006/relationships" xmlns:p="http://schemas.openxmlformats.org/presentationml/2006/main">
+  <p:cSld>
+    <p:spTree>
+      <p:nvGrpSpPr>
+        <p:cNvPr id="1" name=""/>
+        <p:cNvGrpSpPr/>
+        <p:nvPr/>
+      </p:nvGrpSpPr>
+      <p:grpSpPr>
+        <a:xfrm>
+          <a:off x="0" y="0"/>
+          <a:ext cx="0" cy="0"/>
+          <a:chOff x="0" y="0"/>
+          <a:chExt cx="0" cy="0"/>
+        </a:xfrm>
+      </p:grpSpPr>
+      <p:sp>
+        <p:nvSpPr>
+          <p:cNvPr id="2" name="Slide Image Placeholder 1"/>
+          <p:cNvSpPr>
+            <a:spLocks noGrp="1" noRot="1" noChangeAspect="1"/>
+          </p:cNvSpPr>
+          <p:nvPr>
+            <p:ph type="sldImg"/>
+          </p:nvPr>
+        </p:nvSpPr>
+        <p:spPr/>
+      </p:sp>
+      <p:sp>
+        <p:nvSpPr>
+          <p:cNvPr id="3" name="Notes Placeholder 2"/>
+          <p:cNvSpPr>
+            <a:spLocks noGrp="1"/>
+          </p:cNvSpPr>
+          <p:nvPr>
+            <p:ph type="body" idx="1"/>
+          </p:nvPr>
+        </p:nvSpPr>
+        <p:spPr/>
+        <p:txBody>
+          <a:bodyPr/>
+          <a:lstStyle/>
+          <a:p>
+            <a:endParaRPr lang="en-US" dirty="0"/>
+          </a:p>
+        </p:txBody>
+      </p:sp>
+      <p:sp>
+        <p:nvSpPr>
+          <p:cNvPr id="4" name="Slide Number Placeholder 3"/>
+          <p:cNvSpPr>
+            <a:spLocks noGrp="1"/>
+          </p:cNvSpPr>
+          <p:nvPr>
+            <p:ph type="sldNum" sz="quarter" idx="10"/>
+          </p:nvPr>
+        </p:nvSpPr>
+        <p:spPr/>
+        <p:txBody>
+          <a:bodyPr/>
+          <a:lstStyle/>
+          <a:p>
+            <a:fld id="{8E70A4CB-D5A4-4016-9063-EAE2719754C8}" type="slidenum">
+              <a:rPr lang="en-US" smtClean="0"/>
+              <a:t>32</a:t>
             </a:fld>
             <a:endParaRPr lang="en-US"/>
           </a:p>
@@ -1073,14 +1170,6 @@
           <a:bodyPr/>
           <a:lstStyle/>
           <a:p>
-            <a:r>
-              <a:rPr lang="en-US" dirty="0" smtClean="0"/>
-              <a:t>TODO: fix</a:t>
-            </a:r>
-            <a:r>
-              <a:rPr lang="en-US" baseline="0" dirty="0" smtClean="0"/>
-              <a:t> arrows</a:t>
-            </a:r>
             <a:endParaRPr lang="en-US" dirty="0"/>
           </a:p>
         </p:txBody>
@@ -1111,7 +1200,7 @@
     </p:spTree>
     <p:extLst>
       <p:ext uri="{BB962C8B-B14F-4D97-AF65-F5344CB8AC3E}">
-        <p14:creationId xmlns:p14="http://schemas.microsoft.com/office/powerpoint/2010/main" val="1023796823"/>
+        <p14:creationId xmlns:p14="http://schemas.microsoft.com/office/powerpoint/2010/main" val="1511137842"/>
       </p:ext>
     </p:extLst>
   </p:cSld>
@@ -1165,18 +1254,6 @@
           <a:bodyPr/>
           <a:lstStyle/>
           <a:p>
-            <a:r>
-              <a:rPr lang="en-US" dirty="0" smtClean="0"/>
-              <a:t>In order to create an app,</a:t>
-            </a:r>
-            <a:r>
-              <a:rPr lang="en-US" baseline="0" dirty="0" smtClean="0"/>
-              <a:t> we have two major parts: Web and Native</a:t>
-            </a:r>
-            <a:r>
-              <a:rPr lang="en-US" baseline="0" dirty="0" smtClean="0"/>
-              <a:t>.  TODO: reference IBM image.</a:t>
-            </a:r>
             <a:endParaRPr lang="en-US" dirty="0"/>
           </a:p>
         </p:txBody>
@@ -1198,7 +1275,7 @@
           <a:p>
             <a:fld id="{8E70A4CB-D5A4-4016-9063-EAE2719754C8}" type="slidenum">
               <a:rPr lang="en-US" smtClean="0"/>
-              <a:t>9</a:t>
+              <a:t>6</a:t>
             </a:fld>
             <a:endParaRPr lang="en-US"/>
           </a:p>
@@ -1207,7 +1284,7 @@
     </p:spTree>
     <p:extLst>
       <p:ext uri="{BB962C8B-B14F-4D97-AF65-F5344CB8AC3E}">
-        <p14:creationId xmlns:p14="http://schemas.microsoft.com/office/powerpoint/2010/main" val="4002310454"/>
+        <p14:creationId xmlns:p14="http://schemas.microsoft.com/office/powerpoint/2010/main" val="1023796823"/>
       </p:ext>
     </p:extLst>
   </p:cSld>
@@ -1261,6 +1338,18 @@
           <a:bodyPr/>
           <a:lstStyle/>
           <a:p>
+            <a:r>
+              <a:rPr lang="en-US" dirty="0" smtClean="0"/>
+              <a:t>In order to create an app,</a:t>
+            </a:r>
+            <a:r>
+              <a:rPr lang="en-US" baseline="0" dirty="0" smtClean="0"/>
+              <a:t> we have two major parts: Web and Native</a:t>
+            </a:r>
+            <a:r>
+              <a:rPr lang="en-US" baseline="0" dirty="0" smtClean="0"/>
+              <a:t>.</a:t>
+            </a:r>
             <a:endParaRPr lang="en-US" dirty="0"/>
           </a:p>
         </p:txBody>
@@ -1282,7 +1371,7 @@
           <a:p>
             <a:fld id="{8E70A4CB-D5A4-4016-9063-EAE2719754C8}" type="slidenum">
               <a:rPr lang="en-US" smtClean="0"/>
-              <a:t>13</a:t>
+              <a:t>10</a:t>
             </a:fld>
             <a:endParaRPr lang="en-US"/>
           </a:p>
@@ -1291,7 +1380,7 @@
     </p:spTree>
     <p:extLst>
       <p:ext uri="{BB962C8B-B14F-4D97-AF65-F5344CB8AC3E}">
-        <p14:creationId xmlns:p14="http://schemas.microsoft.com/office/powerpoint/2010/main" val="4185907973"/>
+        <p14:creationId xmlns:p14="http://schemas.microsoft.com/office/powerpoint/2010/main" val="4002310454"/>
       </p:ext>
     </p:extLst>
   </p:cSld>
@@ -1345,14 +1434,6 @@
           <a:bodyPr/>
           <a:lstStyle/>
           <a:p>
-            <a:r>
-              <a:rPr lang="en-US" dirty="0" smtClean="0"/>
-              <a:t>KendoUI Mobile is part of the</a:t>
-            </a:r>
-            <a:r>
-              <a:rPr lang="en-US" baseline="0" dirty="0" smtClean="0"/>
-              <a:t> larger KendoUI framework suite</a:t>
-            </a:r>
             <a:endParaRPr lang="en-US" dirty="0"/>
           </a:p>
         </p:txBody>
@@ -1374,7 +1455,7 @@
           <a:p>
             <a:fld id="{8E70A4CB-D5A4-4016-9063-EAE2719754C8}" type="slidenum">
               <a:rPr lang="en-US" smtClean="0"/>
-              <a:t>15</a:t>
+              <a:t>14</a:t>
             </a:fld>
             <a:endParaRPr lang="en-US"/>
           </a:p>
@@ -1383,7 +1464,7 @@
     </p:spTree>
     <p:extLst>
       <p:ext uri="{BB962C8B-B14F-4D97-AF65-F5344CB8AC3E}">
-        <p14:creationId xmlns:p14="http://schemas.microsoft.com/office/powerpoint/2010/main" val="3755059056"/>
+        <p14:creationId xmlns:p14="http://schemas.microsoft.com/office/powerpoint/2010/main" val="4185907973"/>
       </p:ext>
     </p:extLst>
   </p:cSld>
@@ -1439,15 +1520,11 @@
           <a:p>
             <a:r>
               <a:rPr lang="en-US" dirty="0" smtClean="0"/>
-              <a:t>How do</a:t>
+              <a:t>KendoUI Mobile is part of the</a:t>
             </a:r>
             <a:r>
               <a:rPr lang="en-US" baseline="0" dirty="0" smtClean="0"/>
-              <a:t> we transform our web app into a native one</a:t>
-            </a:r>
-            <a:r>
-              <a:rPr lang="en-US" baseline="0" dirty="0" smtClean="0"/>
-              <a:t>?</a:t>
+              <a:t> larger KendoUI framework suite</a:t>
             </a:r>
             <a:endParaRPr lang="en-US" dirty="0"/>
           </a:p>
@@ -1470,7 +1547,7 @@
           <a:p>
             <a:fld id="{8E70A4CB-D5A4-4016-9063-EAE2719754C8}" type="slidenum">
               <a:rPr lang="en-US" smtClean="0"/>
-              <a:t>21</a:t>
+              <a:t>16</a:t>
             </a:fld>
             <a:endParaRPr lang="en-US"/>
           </a:p>
@@ -1479,7 +1556,7 @@
     </p:spTree>
     <p:extLst>
       <p:ext uri="{BB962C8B-B14F-4D97-AF65-F5344CB8AC3E}">
-        <p14:creationId xmlns:p14="http://schemas.microsoft.com/office/powerpoint/2010/main" val="2771626486"/>
+        <p14:creationId xmlns:p14="http://schemas.microsoft.com/office/powerpoint/2010/main" val="3755059056"/>
       </p:ext>
     </p:extLst>
   </p:cSld>
@@ -1533,6 +1610,14 @@
           <a:bodyPr/>
           <a:lstStyle/>
           <a:p>
+            <a:r>
+              <a:rPr lang="en-US" dirty="0" smtClean="0"/>
+              <a:t>How do</a:t>
+            </a:r>
+            <a:r>
+              <a:rPr lang="en-US" baseline="0" dirty="0" smtClean="0"/>
+              <a:t> we transform our web app into a native one?</a:t>
+            </a:r>
             <a:endParaRPr lang="en-US" dirty="0"/>
           </a:p>
         </p:txBody>
@@ -1563,7 +1648,7 @@
     </p:spTree>
     <p:extLst>
       <p:ext uri="{BB962C8B-B14F-4D97-AF65-F5344CB8AC3E}">
-        <p14:creationId xmlns:p14="http://schemas.microsoft.com/office/powerpoint/2010/main" val="1612502210"/>
+        <p14:creationId xmlns:p14="http://schemas.microsoft.com/office/powerpoint/2010/main" val="2771626486"/>
       </p:ext>
     </p:extLst>
   </p:cSld>
@@ -1617,35 +1702,6 @@
           <a:bodyPr/>
           <a:lstStyle/>
           <a:p>
-            <a:r>
-              <a:rPr lang="en-US" dirty="0" smtClean="0"/>
-              <a:t>First,</a:t>
-            </a:r>
-            <a:r>
-              <a:rPr lang="en-US" baseline="0" dirty="0" smtClean="0"/>
-              <a:t> you zip up your code and upload it here. The Build service starts running, takes only a few minutes tops. All selected app platforms are here. You can download each compiled app here, and load it onto a device.</a:t>
-            </a:r>
-            <a:endParaRPr lang="en-US" dirty="0" smtClean="0"/>
-          </a:p>
-          <a:p>
-            <a:r>
-              <a:rPr lang="en-US" dirty="0" smtClean="0"/>
-              <a:t>TODO</a:t>
-            </a:r>
-            <a:r>
-              <a:rPr lang="en-US" dirty="0" smtClean="0"/>
-              <a:t>: prep</a:t>
-            </a:r>
-            <a:r>
-              <a:rPr lang="en-US" baseline="0" dirty="0" smtClean="0"/>
-              <a:t> other slides like this in case of No </a:t>
-            </a:r>
-            <a:r>
-              <a:rPr lang="en-US" baseline="0" dirty="0" smtClean="0"/>
-              <a:t>Internet</a:t>
-            </a:r>
-          </a:p>
-          <a:p>
             <a:endParaRPr lang="en-US" dirty="0"/>
           </a:p>
         </p:txBody>
@@ -1667,7 +1723,7 @@
           <a:p>
             <a:fld id="{8E70A4CB-D5A4-4016-9063-EAE2719754C8}" type="slidenum">
               <a:rPr lang="en-US" smtClean="0"/>
-              <a:t>24</a:t>
+              <a:t>23</a:t>
             </a:fld>
             <a:endParaRPr lang="en-US"/>
           </a:p>
@@ -1676,7 +1732,7 @@
     </p:spTree>
     <p:extLst>
       <p:ext uri="{BB962C8B-B14F-4D97-AF65-F5344CB8AC3E}">
-        <p14:creationId xmlns:p14="http://schemas.microsoft.com/office/powerpoint/2010/main" val="1727237859"/>
+        <p14:creationId xmlns:p14="http://schemas.microsoft.com/office/powerpoint/2010/main" val="1612502210"/>
       </p:ext>
     </p:extLst>
   </p:cSld>
@@ -1732,12 +1788,25 @@
           <a:p>
             <a:r>
               <a:rPr lang="en-US" dirty="0" smtClean="0"/>
-              <a:t>Using KendoUI Mobile, PG Build and PhoneGap</a:t>
+              <a:t>First,</a:t>
             </a:r>
             <a:r>
               <a:rPr lang="en-US" baseline="0" dirty="0" smtClean="0"/>
-              <a:t> we cover all the parts of a hybrid app!</a:t>
-            </a:r>
+              <a:t> you zip up your code and upload it here. The Build service starts running, takes only a few minutes tops. All selected app platforms are here. You can download each compiled app here, and load it onto a device.</a:t>
+            </a:r>
+            <a:endParaRPr lang="en-US" dirty="0" smtClean="0"/>
+          </a:p>
+          <a:p>
+            <a:r>
+              <a:rPr lang="en-US" dirty="0" smtClean="0"/>
+              <a:t>TODO: prep</a:t>
+            </a:r>
+            <a:r>
+              <a:rPr lang="en-US" baseline="0" dirty="0" smtClean="0"/>
+              <a:t> other slides like this in case of No Internet</a:t>
+            </a:r>
+          </a:p>
+          <a:p>
             <a:endParaRPr lang="en-US" dirty="0"/>
           </a:p>
         </p:txBody>
@@ -1768,7 +1837,7 @@
     </p:spTree>
     <p:extLst>
       <p:ext uri="{BB962C8B-B14F-4D97-AF65-F5344CB8AC3E}">
-        <p14:creationId xmlns:p14="http://schemas.microsoft.com/office/powerpoint/2010/main" val="4002310454"/>
+        <p14:creationId xmlns:p14="http://schemas.microsoft.com/office/powerpoint/2010/main" val="1727237859"/>
       </p:ext>
     </p:extLst>
   </p:cSld>
@@ -1975,7 +2044,7 @@
           <a:p>
             <a:fld id="{34ED9B13-E5A7-4F15-9144-85834FFDF6F3}" type="datetimeFigureOut">
               <a:rPr lang="en-US" smtClean="0"/>
-              <a:t>7/28/2014</a:t>
+              <a:t>7/29/2014</a:t>
             </a:fld>
             <a:endParaRPr lang="en-US"/>
           </a:p>
@@ -2160,7 +2229,7 @@
           <a:p>
             <a:fld id="{34ED9B13-E5A7-4F15-9144-85834FFDF6F3}" type="datetimeFigureOut">
               <a:rPr lang="en-US" smtClean="0"/>
-              <a:t>7/28/2014</a:t>
+              <a:t>7/29/2014</a:t>
             </a:fld>
             <a:endParaRPr lang="en-US"/>
           </a:p>
@@ -2366,7 +2435,7 @@
           <a:p>
             <a:fld id="{34ED9B13-E5A7-4F15-9144-85834FFDF6F3}" type="datetimeFigureOut">
               <a:rPr lang="en-US" smtClean="0"/>
-              <a:t>7/28/2014</a:t>
+              <a:t>7/29/2014</a:t>
             </a:fld>
             <a:endParaRPr lang="en-US"/>
           </a:p>
@@ -2426,6 +2495,180 @@
       </p:par>
     </p:tnLst>
   </p:timing>
+</p:sldLayout>
+</file>
+
+<file path=ppt/slideLayouts/slideLayout12.xml><?xml version="1.0" encoding="utf-8"?>
+<p:sldLayout xmlns:a="http://schemas.openxmlformats.org/drawingml/2006/main" xmlns:r="http://schemas.openxmlformats.org/officeDocument/2006/relationships" xmlns:p="http://schemas.openxmlformats.org/presentationml/2006/main" type="tx">
+  <p:cSld name="Title &amp; Subtitle">
+    <p:spTree>
+      <p:nvGrpSpPr>
+        <p:cNvPr id="1" name=""/>
+        <p:cNvGrpSpPr/>
+        <p:nvPr/>
+      </p:nvGrpSpPr>
+      <p:grpSpPr>
+        <a:xfrm>
+          <a:off x="0" y="0"/>
+          <a:ext cx="0" cy="0"/>
+          <a:chOff x="0" y="0"/>
+          <a:chExt cx="0" cy="0"/>
+        </a:xfrm>
+      </p:grpSpPr>
+      <p:sp>
+        <p:nvSpPr>
+          <p:cNvPr id="5" name="Shape 5"/>
+          <p:cNvSpPr>
+            <a:spLocks noGrp="1"/>
+          </p:cNvSpPr>
+          <p:nvPr>
+            <p:ph type="title"/>
+          </p:nvPr>
+        </p:nvSpPr>
+        <p:spPr>
+          <a:xfrm>
+            <a:off x="1812727" y="1151930"/>
+            <a:ext cx="5518547" cy="2321719"/>
+          </a:xfrm>
+          <a:prstGeom prst="rect">
+            <a:avLst/>
+          </a:prstGeom>
+        </p:spPr>
+        <p:txBody>
+          <a:bodyPr anchor="b"/>
+          <a:lstStyle/>
+          <a:p>
+            <a:pPr lvl="0">
+              <a:defRPr sz="1800"/>
+            </a:pPr>
+            <a:r>
+              <a:rPr sz="4700"/>
+              <a:t>Title Text</a:t>
+            </a:r>
+          </a:p>
+        </p:txBody>
+      </p:sp>
+      <p:sp>
+        <p:nvSpPr>
+          <p:cNvPr id="6" name="Shape 6"/>
+          <p:cNvSpPr>
+            <a:spLocks noGrp="1"/>
+          </p:cNvSpPr>
+          <p:nvPr>
+            <p:ph type="body" idx="1"/>
+          </p:nvPr>
+        </p:nvSpPr>
+        <p:spPr>
+          <a:xfrm>
+            <a:off x="1812727" y="3536156"/>
+            <a:ext cx="5518547" cy="794743"/>
+          </a:xfrm>
+          <a:prstGeom prst="rect">
+            <a:avLst/>
+          </a:prstGeom>
+        </p:spPr>
+        <p:txBody>
+          <a:bodyPr anchor="t"/>
+          <a:lstStyle>
+            <a:lvl1pPr marL="0" indent="0" algn="ctr">
+              <a:spcBef>
+                <a:spcPts val="0"/>
+              </a:spcBef>
+              <a:buSzTx/>
+              <a:buNone/>
+              <a:defRPr sz="1800"/>
+            </a:lvl1pPr>
+            <a:lvl2pPr marL="0" indent="96012" algn="ctr">
+              <a:spcBef>
+                <a:spcPts val="0"/>
+              </a:spcBef>
+              <a:buSzTx/>
+              <a:buNone/>
+              <a:defRPr sz="1800"/>
+            </a:lvl2pPr>
+            <a:lvl3pPr marL="0" indent="192024" algn="ctr">
+              <a:spcBef>
+                <a:spcPts val="0"/>
+              </a:spcBef>
+              <a:buSzTx/>
+              <a:buNone/>
+              <a:defRPr sz="1800"/>
+            </a:lvl3pPr>
+            <a:lvl4pPr marL="0" indent="288036" algn="ctr">
+              <a:spcBef>
+                <a:spcPts val="0"/>
+              </a:spcBef>
+              <a:buSzTx/>
+              <a:buNone/>
+              <a:defRPr sz="1800"/>
+            </a:lvl4pPr>
+            <a:lvl5pPr marL="0" indent="384048" algn="ctr">
+              <a:spcBef>
+                <a:spcPts val="0"/>
+              </a:spcBef>
+              <a:buSzTx/>
+              <a:buNone/>
+              <a:defRPr sz="1800"/>
+            </a:lvl5pPr>
+          </a:lstStyle>
+          <a:p>
+            <a:pPr lvl="0">
+              <a:defRPr sz="1800"/>
+            </a:pPr>
+            <a:r>
+              <a:rPr sz="1800"/>
+              <a:t>Body Level One</a:t>
+            </a:r>
+          </a:p>
+          <a:p>
+            <a:pPr lvl="1">
+              <a:defRPr sz="1800"/>
+            </a:pPr>
+            <a:r>
+              <a:rPr sz="1800"/>
+              <a:t>Body Level Two</a:t>
+            </a:r>
+          </a:p>
+          <a:p>
+            <a:pPr lvl="2">
+              <a:defRPr sz="1800"/>
+            </a:pPr>
+            <a:r>
+              <a:rPr sz="1800"/>
+              <a:t>Body Level Three</a:t>
+            </a:r>
+          </a:p>
+          <a:p>
+            <a:pPr lvl="3">
+              <a:defRPr sz="1800"/>
+            </a:pPr>
+            <a:r>
+              <a:rPr sz="1800"/>
+              <a:t>Body Level Four</a:t>
+            </a:r>
+          </a:p>
+          <a:p>
+            <a:pPr lvl="4">
+              <a:defRPr sz="1800"/>
+            </a:pPr>
+            <a:r>
+              <a:rPr sz="1800"/>
+              <a:t>Body Level Five</a:t>
+            </a:r>
+          </a:p>
+        </p:txBody>
+      </p:sp>
+    </p:spTree>
+    <p:extLst>
+      <p:ext uri="{BB962C8B-B14F-4D97-AF65-F5344CB8AC3E}">
+        <p14:creationId xmlns:p14="http://schemas.microsoft.com/office/powerpoint/2010/main" val="2803179557"/>
+      </p:ext>
+    </p:extLst>
+  </p:cSld>
+  <p:clrMapOvr>
+    <a:masterClrMapping/>
+  </p:clrMapOvr>
+  <p:transition spd="med"/>
 </p:sldLayout>
 </file>
 
@@ -2535,7 +2778,7 @@
           <a:p>
             <a:fld id="{34ED9B13-E5A7-4F15-9144-85834FFDF6F3}" type="datetimeFigureOut">
               <a:rPr lang="en-US" smtClean="0"/>
-              <a:t>7/28/2014</a:t>
+              <a:t>7/29/2014</a:t>
             </a:fld>
             <a:endParaRPr lang="en-US"/>
           </a:p>
@@ -2822,7 +3065,7 @@
           <a:p>
             <a:fld id="{34ED9B13-E5A7-4F15-9144-85834FFDF6F3}" type="datetimeFigureOut">
               <a:rPr lang="en-US" smtClean="0"/>
-              <a:t>7/28/2014</a:t>
+              <a:t>7/29/2014</a:t>
             </a:fld>
             <a:endParaRPr lang="en-US"/>
           </a:p>
@@ -3129,7 +3372,7 @@
           <a:p>
             <a:fld id="{34ED9B13-E5A7-4F15-9144-85834FFDF6F3}" type="datetimeFigureOut">
               <a:rPr lang="en-US" smtClean="0"/>
-              <a:t>7/28/2014</a:t>
+              <a:t>7/29/2014</a:t>
             </a:fld>
             <a:endParaRPr lang="en-US"/>
           </a:p>
@@ -3579,7 +3822,7 @@
           <a:p>
             <a:fld id="{34ED9B13-E5A7-4F15-9144-85834FFDF6F3}" type="datetimeFigureOut">
               <a:rPr lang="en-US" smtClean="0"/>
-              <a:t>7/28/2014</a:t>
+              <a:t>7/29/2014</a:t>
             </a:fld>
             <a:endParaRPr lang="en-US"/>
           </a:p>
@@ -3689,7 +3932,7 @@
           <a:p>
             <a:fld id="{34ED9B13-E5A7-4F15-9144-85834FFDF6F3}" type="datetimeFigureOut">
               <a:rPr lang="en-US" smtClean="0"/>
-              <a:t>7/28/2014</a:t>
+              <a:t>7/29/2014</a:t>
             </a:fld>
             <a:endParaRPr lang="en-US"/>
           </a:p>
@@ -3817,7 +4060,7 @@
           <a:p>
             <a:fld id="{34ED9B13-E5A7-4F15-9144-85834FFDF6F3}" type="datetimeFigureOut">
               <a:rPr lang="en-US" smtClean="0"/>
-              <a:t>7/28/2014</a:t>
+              <a:t>7/29/2014</a:t>
             </a:fld>
             <a:endParaRPr lang="en-US"/>
           </a:p>
@@ -4110,7 +4353,7 @@
           <a:p>
             <a:fld id="{34ED9B13-E5A7-4F15-9144-85834FFDF6F3}" type="datetimeFigureOut">
               <a:rPr lang="en-US" smtClean="0"/>
-              <a:t>7/28/2014</a:t>
+              <a:t>7/29/2014</a:t>
             </a:fld>
             <a:endParaRPr lang="en-US"/>
           </a:p>
@@ -4389,7 +4632,7 @@
           <a:p>
             <a:fld id="{34ED9B13-E5A7-4F15-9144-85834FFDF6F3}" type="datetimeFigureOut">
               <a:rPr lang="en-US" smtClean="0"/>
-              <a:t>7/28/2014</a:t>
+              <a:t>7/29/2014</a:t>
             </a:fld>
             <a:endParaRPr lang="en-US"/>
           </a:p>
@@ -4664,6 +4907,7 @@
     <p:sldLayoutId id="2147483669" r:id="rId9"/>
     <p:sldLayoutId id="2147483670" r:id="rId10"/>
     <p:sldLayoutId id="2147483671" r:id="rId11"/>
+    <p:sldLayoutId id="2147483672" r:id="rId12"/>
   </p:sldLayoutIdLst>
   <p:timing>
     <p:tnLst>
@@ -5062,7 +5306,7 @@
         <p:spPr>
           <a:xfrm>
             <a:off x="4800600" y="2523067"/>
-            <a:ext cx="4343400" cy="4093428"/>
+            <a:ext cx="4343400" cy="2246769"/>
           </a:xfrm>
           <a:prstGeom prst="rect">
             <a:avLst/>
@@ -5091,15 +5335,7 @@
                   <a:schemeClr val="bg1"/>
                 </a:solidFill>
               </a:rPr>
-              <a:t>The </a:t>
-            </a:r>
-            <a:r>
-              <a:rPr lang="en-US" sz="2800" smtClean="0">
-                <a:solidFill>
-                  <a:schemeClr val="bg1"/>
-                </a:solidFill>
-              </a:rPr>
-              <a:t>SAVO Group   </a:t>
+              <a:t>The SAVO Group   </a:t>
             </a:r>
             <a:endParaRPr lang="en-US" sz="2800" dirty="0" smtClean="0">
               <a:solidFill>
@@ -5142,46 +5378,11 @@
               </a:rPr>
               <a:t>netkow.com</a:t>
             </a:r>
-          </a:p>
-          <a:p>
-            <a:endParaRPr lang="en-US" sz="2400" dirty="0">
+            <a:endParaRPr lang="en-US" sz="2800" dirty="0" smtClean="0">
               <a:solidFill>
                 <a:schemeClr val="bg1"/>
               </a:solidFill>
             </a:endParaRPr>
-          </a:p>
-          <a:p>
-            <a:endParaRPr lang="en-US" sz="2400" dirty="0" smtClean="0">
-              <a:solidFill>
-                <a:schemeClr val="bg1"/>
-              </a:solidFill>
-            </a:endParaRPr>
-          </a:p>
-          <a:p>
-            <a:endParaRPr lang="en-US" sz="2400" dirty="0">
-              <a:solidFill>
-                <a:schemeClr val="bg1"/>
-              </a:solidFill>
-            </a:endParaRPr>
-          </a:p>
-          <a:p>
-            <a:pPr algn="r"/>
-            <a:endParaRPr lang="en-US" sz="2400" dirty="0" smtClean="0">
-              <a:solidFill>
-                <a:schemeClr val="bg1"/>
-              </a:solidFill>
-            </a:endParaRPr>
-          </a:p>
-          <a:p>
-            <a:pPr algn="r"/>
-            <a:r>
-              <a:rPr lang="en-US" sz="2400" dirty="0" smtClean="0">
-                <a:solidFill>
-                  <a:schemeClr val="bg1"/>
-                </a:solidFill>
-              </a:rPr>
-              <a:t>That Conference 2014</a:t>
-            </a:r>
           </a:p>
         </p:txBody>
       </p:sp>
@@ -5226,6 +5427,33 @@
           </a:extLst>
         </p:spPr>
       </p:pic>
+      <p:pic>
+        <p:nvPicPr>
+          <p:cNvPr id="6" name="Header-Logo.png"/>
+          <p:cNvPicPr/>
+          <p:nvPr/>
+        </p:nvPicPr>
+        <p:blipFill>
+          <a:blip r:embed="rId4">
+            <a:extLst/>
+          </a:blip>
+          <a:stretch>
+            <a:fillRect/>
+          </a:stretch>
+        </p:blipFill>
+        <p:spPr>
+          <a:xfrm>
+            <a:off x="6143171" y="4664171"/>
+            <a:ext cx="2971800" cy="2161172"/>
+          </a:xfrm>
+          <a:prstGeom prst="rect">
+            <a:avLst/>
+          </a:prstGeom>
+          <a:ln w="12700">
+            <a:miter lim="400000"/>
+          </a:ln>
+        </p:spPr>
+      </p:pic>
     </p:spTree>
     <p:extLst>
       <p:ext uri="{BB962C8B-B14F-4D97-AF65-F5344CB8AC3E}">
@@ -5275,12 +5503,14 @@
         </p:nvSpPr>
         <p:spPr>
           <a:xfrm>
-            <a:off x="685800" y="2286000"/>
-            <a:ext cx="7162800" cy="3886200"/>
+            <a:off x="685800" y="1545336"/>
+            <a:ext cx="4953000" cy="2493264"/>
           </a:xfrm>
         </p:spPr>
         <p:txBody>
-          <a:bodyPr/>
+          <a:bodyPr>
+            <a:normAutofit/>
+          </a:bodyPr>
           <a:lstStyle/>
           <a:p>
             <a:pPr marL="0" indent="0">
@@ -5288,59 +5518,44 @@
             </a:pPr>
             <a:r>
               <a:rPr lang="en-US" dirty="0" smtClean="0"/>
-              <a:t>Write JS normally</a:t>
-            </a:r>
-            <a:endParaRPr lang="en-US" dirty="0" smtClean="0"/>
+              <a:t>Web</a:t>
+            </a:r>
+            <a:r>
+              <a:rPr lang="en-US" i="0" dirty="0" smtClean="0"/>
+              <a:t>:</a:t>
+            </a:r>
           </a:p>
           <a:p>
             <a:pPr lvl="1"/>
             <a:r>
-              <a:rPr lang="en-US" dirty="0" smtClean="0"/>
-              <a:t>Classes, libraries, unit </a:t>
-            </a:r>
-            <a:r>
-              <a:rPr lang="en-US" dirty="0" smtClean="0"/>
-              <a:t>testing</a:t>
-            </a:r>
+              <a:rPr lang="en-US" i="0" dirty="0"/>
+              <a:t>All app logic (JavaScript</a:t>
+            </a:r>
+            <a:r>
+              <a:rPr lang="en-US" i="0" dirty="0" smtClean="0"/>
+              <a:t>)</a:t>
+            </a:r>
+          </a:p>
+          <a:p>
+            <a:pPr lvl="1"/>
+            <a:r>
+              <a:rPr lang="en-US" i="0" dirty="0" smtClean="0"/>
+              <a:t>Layout (HTML)</a:t>
+            </a:r>
+          </a:p>
+          <a:p>
+            <a:pPr lvl="1"/>
+            <a:r>
+              <a:rPr lang="en-US" i="0" dirty="0" smtClean="0"/>
+              <a:t>Styling (CSS)</a:t>
+            </a:r>
+            <a:endParaRPr lang="en-US" b="1" i="0" dirty="0" smtClean="0"/>
           </a:p>
           <a:p>
             <a:pPr marL="0" indent="0">
               <a:buNone/>
             </a:pPr>
-            <a:endParaRPr lang="en-US" dirty="0" smtClean="0"/>
-          </a:p>
-          <a:p>
-            <a:pPr marL="0" indent="0">
-              <a:buNone/>
-            </a:pPr>
-            <a:r>
-              <a:rPr lang="en-US" dirty="0" smtClean="0"/>
-              <a:t>Popular Frameworks </a:t>
-            </a:r>
-            <a:r>
-              <a:rPr lang="en-US" dirty="0" smtClean="0"/>
-              <a:t>are </a:t>
-            </a:r>
-            <a:r>
-              <a:rPr lang="en-US" dirty="0" smtClean="0"/>
-              <a:t>compatible</a:t>
-            </a:r>
-            <a:endParaRPr lang="en-US" dirty="0" smtClean="0"/>
-          </a:p>
-          <a:p>
-            <a:pPr lvl="1"/>
-            <a:r>
-              <a:rPr lang="en-US" dirty="0" smtClean="0"/>
-              <a:t>Angular, Knockout, Backbone</a:t>
-            </a:r>
-          </a:p>
-          <a:p>
-            <a:pPr lvl="1"/>
-            <a:endParaRPr lang="en-US" dirty="0"/>
-          </a:p>
-          <a:p>
-            <a:pPr lvl="1"/>
-            <a:endParaRPr lang="en-US" dirty="0"/>
+            <a:endParaRPr lang="en-US" b="1" i="0" dirty="0" smtClean="0"/>
           </a:p>
         </p:txBody>
       </p:sp>
@@ -5354,23 +5569,80 @@
             <p:ph type="title"/>
           </p:nvPr>
         </p:nvSpPr>
-        <p:spPr/>
+        <p:spPr>
+          <a:xfrm>
+            <a:off x="1828800" y="304800"/>
+            <a:ext cx="5867400" cy="838200"/>
+          </a:xfrm>
+        </p:spPr>
         <p:txBody>
-          <a:bodyPr/>
+          <a:bodyPr>
+            <a:normAutofit/>
+          </a:bodyPr>
           <a:lstStyle/>
           <a:p>
             <a:r>
               <a:rPr lang="en-US" dirty="0" smtClean="0"/>
-              <a:t>Web: </a:t>
-            </a:r>
-            <a:r>
-              <a:rPr lang="en-US" dirty="0" smtClean="0"/>
-              <a:t>javascript app logic</a:t>
+              <a:t>Creating a Hybrid app: Parts?</a:t>
             </a:r>
             <a:endParaRPr lang="en-US" dirty="0"/>
           </a:p>
         </p:txBody>
       </p:sp>
+      <p:pic>
+        <p:nvPicPr>
+          <p:cNvPr id="6146" name="Picture 2"/>
+          <p:cNvPicPr>
+            <a:picLocks noChangeAspect="1" noChangeArrowheads="1"/>
+          </p:cNvPicPr>
+          <p:nvPr/>
+        </p:nvPicPr>
+        <p:blipFill>
+          <a:blip r:embed="rId3">
+            <a:extLst>
+              <a:ext uri="{28A0092B-C50C-407E-A947-70E740481C1C}">
+                <a14:useLocalDpi xmlns:a14="http://schemas.microsoft.com/office/drawing/2010/main" val="0"/>
+              </a:ext>
+            </a:extLst>
+          </a:blip>
+          <a:srcRect/>
+          <a:stretch>
+            <a:fillRect/>
+          </a:stretch>
+        </p:blipFill>
+        <p:spPr bwMode="auto">
+          <a:xfrm>
+            <a:off x="5901350" y="1676400"/>
+            <a:ext cx="2000250" cy="4094629"/>
+          </a:xfrm>
+          <a:prstGeom prst="rect">
+            <a:avLst/>
+          </a:prstGeom>
+          <a:noFill/>
+          <a:ln>
+            <a:noFill/>
+          </a:ln>
+          <a:extLst>
+            <a:ext uri="{909E8E84-426E-40DD-AFC4-6F175D3DCCD1}">
+              <a14:hiddenFill xmlns:a14="http://schemas.microsoft.com/office/drawing/2010/main">
+                <a:solidFill>
+                  <a:schemeClr val="accent1"/>
+                </a:solidFill>
+              </a14:hiddenFill>
+            </a:ext>
+            <a:ext uri="{91240B29-F687-4F45-9708-019B960494DF}">
+              <a14:hiddenLine xmlns:a14="http://schemas.microsoft.com/office/drawing/2010/main" w="9525">
+                <a:solidFill>
+                  <a:schemeClr val="tx1"/>
+                </a:solidFill>
+                <a:miter lim="800000"/>
+                <a:headEnd/>
+                <a:tailEnd/>
+              </a14:hiddenLine>
+            </a:ext>
+          </a:extLst>
+        </p:spPr>
+      </p:pic>
       <p:sp>
         <p:nvSpPr>
           <p:cNvPr id="4" name="TextBox 3"/>
@@ -5379,8 +5651,8 @@
         </p:nvSpPr>
         <p:spPr>
           <a:xfrm>
-            <a:off x="2895600" y="1219200"/>
-            <a:ext cx="3200400" cy="584775"/>
+            <a:off x="609600" y="4114800"/>
+            <a:ext cx="5029200" cy="2412968"/>
           </a:xfrm>
           <a:prstGeom prst="rect">
             <a:avLst/>
@@ -5404,7 +5676,7 @@
                   <a:srgbClr val="3F3F3F"/>
                 </a:solidFill>
               </a:rPr>
-              <a:t>No </a:t>
+              <a:t>Native Code </a:t>
             </a:r>
             <a:r>
               <a:rPr lang="en-US" sz="3200" i="1" dirty="0">
@@ -5412,7 +5684,113 @@
                   <a:srgbClr val="3F3F3F"/>
                 </a:solidFill>
               </a:rPr>
-              <a:t>surprises here!</a:t>
+              <a:t>&amp; Native Shell</a:t>
+            </a:r>
+            <a:r>
+              <a:rPr lang="en-US" sz="3200" dirty="0">
+                <a:solidFill>
+                  <a:srgbClr val="3F3F3F"/>
+                </a:solidFill>
+              </a:rPr>
+              <a:t>:</a:t>
+            </a:r>
+          </a:p>
+          <a:p>
+            <a:pPr marL="742950" lvl="1" indent="-285750">
+              <a:spcBef>
+                <a:spcPct val="20000"/>
+              </a:spcBef>
+              <a:buFont typeface="Arial" pitchFamily="34" charset="0"/>
+              <a:buChar char="–"/>
+            </a:pPr>
+            <a:r>
+              <a:rPr lang="en-US" sz="2800" dirty="0" smtClean="0">
+                <a:solidFill>
+                  <a:srgbClr val="3F3F3F"/>
+                </a:solidFill>
+              </a:rPr>
+              <a:t>WebView container</a:t>
+            </a:r>
+          </a:p>
+          <a:p>
+            <a:pPr marL="742950" lvl="1" indent="-285750">
+              <a:spcBef>
+                <a:spcPct val="20000"/>
+              </a:spcBef>
+              <a:buFont typeface="Arial" pitchFamily="34" charset="0"/>
+              <a:buChar char="–"/>
+            </a:pPr>
+            <a:r>
+              <a:rPr lang="en-US" sz="2800" dirty="0" smtClean="0">
+                <a:solidFill>
+                  <a:srgbClr val="3F3F3F"/>
+                </a:solidFill>
+              </a:rPr>
+              <a:t>Compiled </a:t>
+            </a:r>
+            <a:r>
+              <a:rPr lang="en-US" sz="2800" dirty="0">
+                <a:solidFill>
+                  <a:srgbClr val="3F3F3F"/>
+                </a:solidFill>
+              </a:rPr>
+              <a:t>app</a:t>
+            </a:r>
+          </a:p>
+          <a:p>
+            <a:pPr marL="742950" lvl="1" indent="-285750">
+              <a:spcBef>
+                <a:spcPct val="20000"/>
+              </a:spcBef>
+              <a:buFont typeface="Arial" pitchFamily="34" charset="0"/>
+              <a:buChar char="–"/>
+            </a:pPr>
+            <a:r>
+              <a:rPr lang="en-US" sz="2800" dirty="0">
+                <a:solidFill>
+                  <a:srgbClr val="3F3F3F"/>
+                </a:solidFill>
+              </a:rPr>
+              <a:t>Device APIs</a:t>
+            </a:r>
+            <a:endParaRPr lang="en-US" sz="2800" b="1" dirty="0">
+              <a:solidFill>
+                <a:srgbClr val="3F3F3F"/>
+              </a:solidFill>
+            </a:endParaRPr>
+          </a:p>
+          <a:p>
+            <a:endParaRPr lang="en-US" dirty="0"/>
+          </a:p>
+        </p:txBody>
+      </p:sp>
+      <p:sp>
+        <p:nvSpPr>
+          <p:cNvPr id="5" name="TextBox 4"/>
+          <p:cNvSpPr txBox="1"/>
+          <p:nvPr/>
+        </p:nvSpPr>
+        <p:spPr>
+          <a:xfrm>
+            <a:off x="76200" y="6412468"/>
+            <a:ext cx="1752600" cy="369332"/>
+          </a:xfrm>
+          <a:prstGeom prst="rect">
+            <a:avLst/>
+          </a:prstGeom>
+          <a:noFill/>
+        </p:spPr>
+        <p:txBody>
+          <a:bodyPr wrap="square" rtlCol="0">
+            <a:spAutoFit/>
+          </a:bodyPr>
+          <a:lstStyle/>
+          <a:p>
+            <a:r>
+              <a:rPr lang="en-US" dirty="0" smtClean="0">
+                <a:hlinkClick r:id="rId4"/>
+              </a:rPr>
+              <a:t>IBM</a:t>
             </a:r>
             <a:endParaRPr lang="en-US" dirty="0"/>
           </a:p>
@@ -5421,7 +5799,7 @@
     </p:spTree>
     <p:extLst>
       <p:ext uri="{BB962C8B-B14F-4D97-AF65-F5344CB8AC3E}">
-        <p14:creationId xmlns:p14="http://schemas.microsoft.com/office/powerpoint/2010/main" val="1024370116"/>
+        <p14:creationId xmlns:p14="http://schemas.microsoft.com/office/powerpoint/2010/main" val="2500618528"/>
       </p:ext>
     </p:extLst>
   </p:cSld>
@@ -5462,7 +5840,11 @@
                                           </p:stCondLst>
                                         </p:cTn>
                                         <p:tgtEl>
-                                          <p:spTgt spid="4"/>
+                                          <p:spTgt spid="2">
+                                            <p:txEl>
+                                              <p:pRg st="0" end="0"/>
+                                            </p:txEl>
+                                          </p:spTgt>
                                         </p:tgtEl>
                                         <p:attrNameLst>
                                           <p:attrName>style.visibility</p:attrName>
@@ -5476,7 +5858,11 @@
                                       <p:cBhvr>
                                         <p:cTn id="7" dur="1000"/>
                                         <p:tgtEl>
-                                          <p:spTgt spid="4"/>
+                                          <p:spTgt spid="2">
+                                            <p:txEl>
+                                              <p:pRg st="0" end="0"/>
+                                            </p:txEl>
+                                          </p:spTgt>
                                         </p:tgtEl>
                                       </p:cBhvr>
                                     </p:animEffect>
@@ -5484,7 +5870,11 @@
                                       <p:cBhvr>
                                         <p:cTn id="8" dur="1000" fill="hold"/>
                                         <p:tgtEl>
-                                          <p:spTgt spid="4"/>
+                                          <p:spTgt spid="2">
+                                            <p:txEl>
+                                              <p:pRg st="0" end="0"/>
+                                            </p:txEl>
+                                          </p:spTgt>
                                         </p:tgtEl>
                                         <p:attrNameLst>
                                           <p:attrName>ppt_x</p:attrName>
@@ -5507,7 +5897,302 @@
                                       <p:cBhvr>
                                         <p:cTn id="9" dur="1000" fill="hold"/>
                                         <p:tgtEl>
-                                          <p:spTgt spid="4"/>
+                                          <p:spTgt spid="2">
+                                            <p:txEl>
+                                              <p:pRg st="0" end="0"/>
+                                            </p:txEl>
+                                          </p:spTgt>
+                                        </p:tgtEl>
+                                        <p:attrNameLst>
+                                          <p:attrName>ppt_y</p:attrName>
+                                        </p:attrNameLst>
+                                      </p:cBhvr>
+                                      <p:tavLst>
+                                        <p:tav tm="0">
+                                          <p:val>
+                                            <p:strVal val="#ppt_y+.1"/>
+                                          </p:val>
+                                        </p:tav>
+                                        <p:tav tm="100000">
+                                          <p:val>
+                                            <p:strVal val="#ppt_y"/>
+                                          </p:val>
+                                        </p:tav>
+                                      </p:tavLst>
+                                    </p:anim>
+                                  </p:childTnLst>
+                                </p:cTn>
+                              </p:par>
+                              <p:par>
+                                <p:cTn id="10" presetID="42" presetClass="entr" presetSubtype="0" fill="hold" grpId="0" nodeType="withEffect">
+                                  <p:stCondLst>
+                                    <p:cond delay="0"/>
+                                  </p:stCondLst>
+                                  <p:childTnLst>
+                                    <p:set>
+                                      <p:cBhvr>
+                                        <p:cTn id="11" dur="1" fill="hold">
+                                          <p:stCondLst>
+                                            <p:cond delay="0"/>
+                                          </p:stCondLst>
+                                        </p:cTn>
+                                        <p:tgtEl>
+                                          <p:spTgt spid="2">
+                                            <p:txEl>
+                                              <p:pRg st="1" end="1"/>
+                                            </p:txEl>
+                                          </p:spTgt>
+                                        </p:tgtEl>
+                                        <p:attrNameLst>
+                                          <p:attrName>style.visibility</p:attrName>
+                                        </p:attrNameLst>
+                                      </p:cBhvr>
+                                      <p:to>
+                                        <p:strVal val="visible"/>
+                                      </p:to>
+                                    </p:set>
+                                    <p:animEffect transition="in" filter="fade">
+                                      <p:cBhvr>
+                                        <p:cTn id="12" dur="1000"/>
+                                        <p:tgtEl>
+                                          <p:spTgt spid="2">
+                                            <p:txEl>
+                                              <p:pRg st="1" end="1"/>
+                                            </p:txEl>
+                                          </p:spTgt>
+                                        </p:tgtEl>
+                                      </p:cBhvr>
+                                    </p:animEffect>
+                                    <p:anim calcmode="lin" valueType="num">
+                                      <p:cBhvr>
+                                        <p:cTn id="13" dur="1000" fill="hold"/>
+                                        <p:tgtEl>
+                                          <p:spTgt spid="2">
+                                            <p:txEl>
+                                              <p:pRg st="1" end="1"/>
+                                            </p:txEl>
+                                          </p:spTgt>
+                                        </p:tgtEl>
+                                        <p:attrNameLst>
+                                          <p:attrName>ppt_x</p:attrName>
+                                        </p:attrNameLst>
+                                      </p:cBhvr>
+                                      <p:tavLst>
+                                        <p:tav tm="0">
+                                          <p:val>
+                                            <p:strVal val="#ppt_x"/>
+                                          </p:val>
+                                        </p:tav>
+                                        <p:tav tm="100000">
+                                          <p:val>
+                                            <p:strVal val="#ppt_x"/>
+                                          </p:val>
+                                        </p:tav>
+                                      </p:tavLst>
+                                    </p:anim>
+                                    <p:anim calcmode="lin" valueType="num">
+                                      <p:cBhvr>
+                                        <p:cTn id="14" dur="1000" fill="hold"/>
+                                        <p:tgtEl>
+                                          <p:spTgt spid="2">
+                                            <p:txEl>
+                                              <p:pRg st="1" end="1"/>
+                                            </p:txEl>
+                                          </p:spTgt>
+                                        </p:tgtEl>
+                                        <p:attrNameLst>
+                                          <p:attrName>ppt_y</p:attrName>
+                                        </p:attrNameLst>
+                                      </p:cBhvr>
+                                      <p:tavLst>
+                                        <p:tav tm="0">
+                                          <p:val>
+                                            <p:strVal val="#ppt_y+.1"/>
+                                          </p:val>
+                                        </p:tav>
+                                        <p:tav tm="100000">
+                                          <p:val>
+                                            <p:strVal val="#ppt_y"/>
+                                          </p:val>
+                                        </p:tav>
+                                      </p:tavLst>
+                                    </p:anim>
+                                  </p:childTnLst>
+                                </p:cTn>
+                              </p:par>
+                              <p:par>
+                                <p:cTn id="15" presetID="42" presetClass="entr" presetSubtype="0" fill="hold" grpId="0" nodeType="withEffect">
+                                  <p:stCondLst>
+                                    <p:cond delay="0"/>
+                                  </p:stCondLst>
+                                  <p:childTnLst>
+                                    <p:set>
+                                      <p:cBhvr>
+                                        <p:cTn id="16" dur="1" fill="hold">
+                                          <p:stCondLst>
+                                            <p:cond delay="0"/>
+                                          </p:stCondLst>
+                                        </p:cTn>
+                                        <p:tgtEl>
+                                          <p:spTgt spid="2">
+                                            <p:txEl>
+                                              <p:pRg st="2" end="2"/>
+                                            </p:txEl>
+                                          </p:spTgt>
+                                        </p:tgtEl>
+                                        <p:attrNameLst>
+                                          <p:attrName>style.visibility</p:attrName>
+                                        </p:attrNameLst>
+                                      </p:cBhvr>
+                                      <p:to>
+                                        <p:strVal val="visible"/>
+                                      </p:to>
+                                    </p:set>
+                                    <p:animEffect transition="in" filter="fade">
+                                      <p:cBhvr>
+                                        <p:cTn id="17" dur="1000"/>
+                                        <p:tgtEl>
+                                          <p:spTgt spid="2">
+                                            <p:txEl>
+                                              <p:pRg st="2" end="2"/>
+                                            </p:txEl>
+                                          </p:spTgt>
+                                        </p:tgtEl>
+                                      </p:cBhvr>
+                                    </p:animEffect>
+                                    <p:anim calcmode="lin" valueType="num">
+                                      <p:cBhvr>
+                                        <p:cTn id="18" dur="1000" fill="hold"/>
+                                        <p:tgtEl>
+                                          <p:spTgt spid="2">
+                                            <p:txEl>
+                                              <p:pRg st="2" end="2"/>
+                                            </p:txEl>
+                                          </p:spTgt>
+                                        </p:tgtEl>
+                                        <p:attrNameLst>
+                                          <p:attrName>ppt_x</p:attrName>
+                                        </p:attrNameLst>
+                                      </p:cBhvr>
+                                      <p:tavLst>
+                                        <p:tav tm="0">
+                                          <p:val>
+                                            <p:strVal val="#ppt_x"/>
+                                          </p:val>
+                                        </p:tav>
+                                        <p:tav tm="100000">
+                                          <p:val>
+                                            <p:strVal val="#ppt_x"/>
+                                          </p:val>
+                                        </p:tav>
+                                      </p:tavLst>
+                                    </p:anim>
+                                    <p:anim calcmode="lin" valueType="num">
+                                      <p:cBhvr>
+                                        <p:cTn id="19" dur="1000" fill="hold"/>
+                                        <p:tgtEl>
+                                          <p:spTgt spid="2">
+                                            <p:txEl>
+                                              <p:pRg st="2" end="2"/>
+                                            </p:txEl>
+                                          </p:spTgt>
+                                        </p:tgtEl>
+                                        <p:attrNameLst>
+                                          <p:attrName>ppt_y</p:attrName>
+                                        </p:attrNameLst>
+                                      </p:cBhvr>
+                                      <p:tavLst>
+                                        <p:tav tm="0">
+                                          <p:val>
+                                            <p:strVal val="#ppt_y+.1"/>
+                                          </p:val>
+                                        </p:tav>
+                                        <p:tav tm="100000">
+                                          <p:val>
+                                            <p:strVal val="#ppt_y"/>
+                                          </p:val>
+                                        </p:tav>
+                                      </p:tavLst>
+                                    </p:anim>
+                                  </p:childTnLst>
+                                </p:cTn>
+                              </p:par>
+                              <p:par>
+                                <p:cTn id="20" presetID="42" presetClass="entr" presetSubtype="0" fill="hold" grpId="0" nodeType="withEffect">
+                                  <p:stCondLst>
+                                    <p:cond delay="0"/>
+                                  </p:stCondLst>
+                                  <p:childTnLst>
+                                    <p:set>
+                                      <p:cBhvr>
+                                        <p:cTn id="21" dur="1" fill="hold">
+                                          <p:stCondLst>
+                                            <p:cond delay="0"/>
+                                          </p:stCondLst>
+                                        </p:cTn>
+                                        <p:tgtEl>
+                                          <p:spTgt spid="2">
+                                            <p:txEl>
+                                              <p:pRg st="3" end="3"/>
+                                            </p:txEl>
+                                          </p:spTgt>
+                                        </p:tgtEl>
+                                        <p:attrNameLst>
+                                          <p:attrName>style.visibility</p:attrName>
+                                        </p:attrNameLst>
+                                      </p:cBhvr>
+                                      <p:to>
+                                        <p:strVal val="visible"/>
+                                      </p:to>
+                                    </p:set>
+                                    <p:animEffect transition="in" filter="fade">
+                                      <p:cBhvr>
+                                        <p:cTn id="22" dur="1000"/>
+                                        <p:tgtEl>
+                                          <p:spTgt spid="2">
+                                            <p:txEl>
+                                              <p:pRg st="3" end="3"/>
+                                            </p:txEl>
+                                          </p:spTgt>
+                                        </p:tgtEl>
+                                      </p:cBhvr>
+                                    </p:animEffect>
+                                    <p:anim calcmode="lin" valueType="num">
+                                      <p:cBhvr>
+                                        <p:cTn id="23" dur="1000" fill="hold"/>
+                                        <p:tgtEl>
+                                          <p:spTgt spid="2">
+                                            <p:txEl>
+                                              <p:pRg st="3" end="3"/>
+                                            </p:txEl>
+                                          </p:spTgt>
+                                        </p:tgtEl>
+                                        <p:attrNameLst>
+                                          <p:attrName>ppt_x</p:attrName>
+                                        </p:attrNameLst>
+                                      </p:cBhvr>
+                                      <p:tavLst>
+                                        <p:tav tm="0">
+                                          <p:val>
+                                            <p:strVal val="#ppt_x"/>
+                                          </p:val>
+                                        </p:tav>
+                                        <p:tav tm="100000">
+                                          <p:val>
+                                            <p:strVal val="#ppt_x"/>
+                                          </p:val>
+                                        </p:tav>
+                                      </p:tavLst>
+                                    </p:anim>
+                                    <p:anim calcmode="lin" valueType="num">
+                                      <p:cBhvr>
+                                        <p:cTn id="24" dur="1000" fill="hold"/>
+                                        <p:tgtEl>
+                                          <p:spTgt spid="2">
+                                            <p:txEl>
+                                              <p:pRg st="3" end="3"/>
+                                            </p:txEl>
+                                          </p:spTgt>
                                         </p:tgtEl>
                                         <p:attrNameLst>
                                           <p:attrName>ppt_y</p:attrName>
@@ -5536,36 +6221,32 @@
                     </p:cTn>
                   </p:par>
                   <p:par>
-                    <p:cTn id="10" fill="hold">
+                    <p:cTn id="25" fill="hold">
                       <p:stCondLst>
                         <p:cond delay="indefinite"/>
                       </p:stCondLst>
                       <p:childTnLst>
                         <p:par>
-                          <p:cTn id="11" fill="hold">
+                          <p:cTn id="26" fill="hold">
                             <p:stCondLst>
                               <p:cond delay="0"/>
                             </p:stCondLst>
                             <p:childTnLst>
                               <p:par>
-                                <p:cTn id="12" presetID="42" presetClass="entr" presetSubtype="0" fill="hold" grpId="0" nodeType="clickEffect">
+                                <p:cTn id="27" presetID="42" presetClass="entr" presetSubtype="0" fill="hold" grpId="0" nodeType="clickEffect">
                                   <p:stCondLst>
                                     <p:cond delay="0"/>
                                   </p:stCondLst>
                                   <p:childTnLst>
                                     <p:set>
                                       <p:cBhvr>
-                                        <p:cTn id="13" dur="1" fill="hold">
+                                        <p:cTn id="28" dur="1" fill="hold">
                                           <p:stCondLst>
                                             <p:cond delay="0"/>
                                           </p:stCondLst>
                                         </p:cTn>
                                         <p:tgtEl>
-                                          <p:spTgt spid="2">
-                                            <p:txEl>
-                                              <p:pRg st="0" end="0"/>
-                                            </p:txEl>
-                                          </p:spTgt>
+                                          <p:spTgt spid="4"/>
                                         </p:tgtEl>
                                         <p:attrNameLst>
                                           <p:attrName>style.visibility</p:attrName>
@@ -5577,25 +6258,17 @@
                                     </p:set>
                                     <p:animEffect transition="in" filter="fade">
                                       <p:cBhvr>
-                                        <p:cTn id="14" dur="1000"/>
-                                        <p:tgtEl>
-                                          <p:spTgt spid="2">
-                                            <p:txEl>
-                                              <p:pRg st="0" end="0"/>
-                                            </p:txEl>
-                                          </p:spTgt>
+                                        <p:cTn id="29" dur="1000"/>
+                                        <p:tgtEl>
+                                          <p:spTgt spid="4"/>
                                         </p:tgtEl>
                                       </p:cBhvr>
                                     </p:animEffect>
                                     <p:anim calcmode="lin" valueType="num">
                                       <p:cBhvr>
-                                        <p:cTn id="15" dur="1000" fill="hold"/>
-                                        <p:tgtEl>
-                                          <p:spTgt spid="2">
-                                            <p:txEl>
-                                              <p:pRg st="0" end="0"/>
-                                            </p:txEl>
-                                          </p:spTgt>
+                                        <p:cTn id="30" dur="1000" fill="hold"/>
+                                        <p:tgtEl>
+                                          <p:spTgt spid="4"/>
                                         </p:tgtEl>
                                         <p:attrNameLst>
                                           <p:attrName>ppt_x</p:attrName>
@@ -5616,322 +6289,9 @@
                                     </p:anim>
                                     <p:anim calcmode="lin" valueType="num">
                                       <p:cBhvr>
-                                        <p:cTn id="16" dur="1000" fill="hold"/>
-                                        <p:tgtEl>
-                                          <p:spTgt spid="2">
-                                            <p:txEl>
-                                              <p:pRg st="0" end="0"/>
-                                            </p:txEl>
-                                          </p:spTgt>
-                                        </p:tgtEl>
-                                        <p:attrNameLst>
-                                          <p:attrName>ppt_y</p:attrName>
-                                        </p:attrNameLst>
-                                      </p:cBhvr>
-                                      <p:tavLst>
-                                        <p:tav tm="0">
-                                          <p:val>
-                                            <p:strVal val="#ppt_y+.1"/>
-                                          </p:val>
-                                        </p:tav>
-                                        <p:tav tm="100000">
-                                          <p:val>
-                                            <p:strVal val="#ppt_y"/>
-                                          </p:val>
-                                        </p:tav>
-                                      </p:tavLst>
-                                    </p:anim>
-                                  </p:childTnLst>
-                                </p:cTn>
-                              </p:par>
-                              <p:par>
-                                <p:cTn id="17" presetID="42" presetClass="entr" presetSubtype="0" fill="hold" grpId="0" nodeType="withEffect">
-                                  <p:stCondLst>
-                                    <p:cond delay="0"/>
-                                  </p:stCondLst>
-                                  <p:childTnLst>
-                                    <p:set>
-                                      <p:cBhvr>
-                                        <p:cTn id="18" dur="1" fill="hold">
-                                          <p:stCondLst>
-                                            <p:cond delay="0"/>
-                                          </p:stCondLst>
-                                        </p:cTn>
-                                        <p:tgtEl>
-                                          <p:spTgt spid="2">
-                                            <p:txEl>
-                                              <p:pRg st="1" end="1"/>
-                                            </p:txEl>
-                                          </p:spTgt>
-                                        </p:tgtEl>
-                                        <p:attrNameLst>
-                                          <p:attrName>style.visibility</p:attrName>
-                                        </p:attrNameLst>
-                                      </p:cBhvr>
-                                      <p:to>
-                                        <p:strVal val="visible"/>
-                                      </p:to>
-                                    </p:set>
-                                    <p:animEffect transition="in" filter="fade">
-                                      <p:cBhvr>
-                                        <p:cTn id="19" dur="1000"/>
-                                        <p:tgtEl>
-                                          <p:spTgt spid="2">
-                                            <p:txEl>
-                                              <p:pRg st="1" end="1"/>
-                                            </p:txEl>
-                                          </p:spTgt>
-                                        </p:tgtEl>
-                                      </p:cBhvr>
-                                    </p:animEffect>
-                                    <p:anim calcmode="lin" valueType="num">
-                                      <p:cBhvr>
-                                        <p:cTn id="20" dur="1000" fill="hold"/>
-                                        <p:tgtEl>
-                                          <p:spTgt spid="2">
-                                            <p:txEl>
-                                              <p:pRg st="1" end="1"/>
-                                            </p:txEl>
-                                          </p:spTgt>
-                                        </p:tgtEl>
-                                        <p:attrNameLst>
-                                          <p:attrName>ppt_x</p:attrName>
-                                        </p:attrNameLst>
-                                      </p:cBhvr>
-                                      <p:tavLst>
-                                        <p:tav tm="0">
-                                          <p:val>
-                                            <p:strVal val="#ppt_x"/>
-                                          </p:val>
-                                        </p:tav>
-                                        <p:tav tm="100000">
-                                          <p:val>
-                                            <p:strVal val="#ppt_x"/>
-                                          </p:val>
-                                        </p:tav>
-                                      </p:tavLst>
-                                    </p:anim>
-                                    <p:anim calcmode="lin" valueType="num">
-                                      <p:cBhvr>
-                                        <p:cTn id="21" dur="1000" fill="hold"/>
-                                        <p:tgtEl>
-                                          <p:spTgt spid="2">
-                                            <p:txEl>
-                                              <p:pRg st="1" end="1"/>
-                                            </p:txEl>
-                                          </p:spTgt>
-                                        </p:tgtEl>
-                                        <p:attrNameLst>
-                                          <p:attrName>ppt_y</p:attrName>
-                                        </p:attrNameLst>
-                                      </p:cBhvr>
-                                      <p:tavLst>
-                                        <p:tav tm="0">
-                                          <p:val>
-                                            <p:strVal val="#ppt_y+.1"/>
-                                          </p:val>
-                                        </p:tav>
-                                        <p:tav tm="100000">
-                                          <p:val>
-                                            <p:strVal val="#ppt_y"/>
-                                          </p:val>
-                                        </p:tav>
-                                      </p:tavLst>
-                                    </p:anim>
-                                  </p:childTnLst>
-                                </p:cTn>
-                              </p:par>
-                            </p:childTnLst>
-                          </p:cTn>
-                        </p:par>
-                      </p:childTnLst>
-                    </p:cTn>
-                  </p:par>
-                  <p:par>
-                    <p:cTn id="22" fill="hold">
-                      <p:stCondLst>
-                        <p:cond delay="indefinite"/>
-                      </p:stCondLst>
-                      <p:childTnLst>
-                        <p:par>
-                          <p:cTn id="23" fill="hold">
-                            <p:stCondLst>
-                              <p:cond delay="0"/>
-                            </p:stCondLst>
-                            <p:childTnLst>
-                              <p:par>
-                                <p:cTn id="24" presetID="42" presetClass="entr" presetSubtype="0" fill="hold" grpId="0" nodeType="clickEffect">
-                                  <p:stCondLst>
-                                    <p:cond delay="0"/>
-                                  </p:stCondLst>
-                                  <p:childTnLst>
-                                    <p:set>
-                                      <p:cBhvr>
-                                        <p:cTn id="25" dur="1" fill="hold">
-                                          <p:stCondLst>
-                                            <p:cond delay="0"/>
-                                          </p:stCondLst>
-                                        </p:cTn>
-                                        <p:tgtEl>
-                                          <p:spTgt spid="2">
-                                            <p:txEl>
-                                              <p:pRg st="3" end="3"/>
-                                            </p:txEl>
-                                          </p:spTgt>
-                                        </p:tgtEl>
-                                        <p:attrNameLst>
-                                          <p:attrName>style.visibility</p:attrName>
-                                        </p:attrNameLst>
-                                      </p:cBhvr>
-                                      <p:to>
-                                        <p:strVal val="visible"/>
-                                      </p:to>
-                                    </p:set>
-                                    <p:animEffect transition="in" filter="fade">
-                                      <p:cBhvr>
-                                        <p:cTn id="26" dur="1000"/>
-                                        <p:tgtEl>
-                                          <p:spTgt spid="2">
-                                            <p:txEl>
-                                              <p:pRg st="3" end="3"/>
-                                            </p:txEl>
-                                          </p:spTgt>
-                                        </p:tgtEl>
-                                      </p:cBhvr>
-                                    </p:animEffect>
-                                    <p:anim calcmode="lin" valueType="num">
-                                      <p:cBhvr>
-                                        <p:cTn id="27" dur="1000" fill="hold"/>
-                                        <p:tgtEl>
-                                          <p:spTgt spid="2">
-                                            <p:txEl>
-                                              <p:pRg st="3" end="3"/>
-                                            </p:txEl>
-                                          </p:spTgt>
-                                        </p:tgtEl>
-                                        <p:attrNameLst>
-                                          <p:attrName>ppt_x</p:attrName>
-                                        </p:attrNameLst>
-                                      </p:cBhvr>
-                                      <p:tavLst>
-                                        <p:tav tm="0">
-                                          <p:val>
-                                            <p:strVal val="#ppt_x"/>
-                                          </p:val>
-                                        </p:tav>
-                                        <p:tav tm="100000">
-                                          <p:val>
-                                            <p:strVal val="#ppt_x"/>
-                                          </p:val>
-                                        </p:tav>
-                                      </p:tavLst>
-                                    </p:anim>
-                                    <p:anim calcmode="lin" valueType="num">
-                                      <p:cBhvr>
-                                        <p:cTn id="28" dur="1000" fill="hold"/>
-                                        <p:tgtEl>
-                                          <p:spTgt spid="2">
-                                            <p:txEl>
-                                              <p:pRg st="3" end="3"/>
-                                            </p:txEl>
-                                          </p:spTgt>
-                                        </p:tgtEl>
-                                        <p:attrNameLst>
-                                          <p:attrName>ppt_y</p:attrName>
-                                        </p:attrNameLst>
-                                      </p:cBhvr>
-                                      <p:tavLst>
-                                        <p:tav tm="0">
-                                          <p:val>
-                                            <p:strVal val="#ppt_y+.1"/>
-                                          </p:val>
-                                        </p:tav>
-                                        <p:tav tm="100000">
-                                          <p:val>
-                                            <p:strVal val="#ppt_y"/>
-                                          </p:val>
-                                        </p:tav>
-                                      </p:tavLst>
-                                    </p:anim>
-                                  </p:childTnLst>
-                                </p:cTn>
-                              </p:par>
-                              <p:par>
-                                <p:cTn id="29" presetID="42" presetClass="entr" presetSubtype="0" fill="hold" grpId="0" nodeType="withEffect">
-                                  <p:stCondLst>
-                                    <p:cond delay="0"/>
-                                  </p:stCondLst>
-                                  <p:childTnLst>
-                                    <p:set>
-                                      <p:cBhvr>
-                                        <p:cTn id="30" dur="1" fill="hold">
-                                          <p:stCondLst>
-                                            <p:cond delay="0"/>
-                                          </p:stCondLst>
-                                        </p:cTn>
-                                        <p:tgtEl>
-                                          <p:spTgt spid="2">
-                                            <p:txEl>
-                                              <p:pRg st="4" end="4"/>
-                                            </p:txEl>
-                                          </p:spTgt>
-                                        </p:tgtEl>
-                                        <p:attrNameLst>
-                                          <p:attrName>style.visibility</p:attrName>
-                                        </p:attrNameLst>
-                                      </p:cBhvr>
-                                      <p:to>
-                                        <p:strVal val="visible"/>
-                                      </p:to>
-                                    </p:set>
-                                    <p:animEffect transition="in" filter="fade">
-                                      <p:cBhvr>
-                                        <p:cTn id="31" dur="1000"/>
-                                        <p:tgtEl>
-                                          <p:spTgt spid="2">
-                                            <p:txEl>
-                                              <p:pRg st="4" end="4"/>
-                                            </p:txEl>
-                                          </p:spTgt>
-                                        </p:tgtEl>
-                                      </p:cBhvr>
-                                    </p:animEffect>
-                                    <p:anim calcmode="lin" valueType="num">
-                                      <p:cBhvr>
-                                        <p:cTn id="32" dur="1000" fill="hold"/>
-                                        <p:tgtEl>
-                                          <p:spTgt spid="2">
-                                            <p:txEl>
-                                              <p:pRg st="4" end="4"/>
-                                            </p:txEl>
-                                          </p:spTgt>
-                                        </p:tgtEl>
-                                        <p:attrNameLst>
-                                          <p:attrName>ppt_x</p:attrName>
-                                        </p:attrNameLst>
-                                      </p:cBhvr>
-                                      <p:tavLst>
-                                        <p:tav tm="0">
-                                          <p:val>
-                                            <p:strVal val="#ppt_x"/>
-                                          </p:val>
-                                        </p:tav>
-                                        <p:tav tm="100000">
-                                          <p:val>
-                                            <p:strVal val="#ppt_x"/>
-                                          </p:val>
-                                        </p:tav>
-                                      </p:tavLst>
-                                    </p:anim>
-                                    <p:anim calcmode="lin" valueType="num">
-                                      <p:cBhvr>
-                                        <p:cTn id="33" dur="1000" fill="hold"/>
-                                        <p:tgtEl>
-                                          <p:spTgt spid="2">
-                                            <p:txEl>
-                                              <p:pRg st="4" end="4"/>
-                                            </p:txEl>
-                                          </p:spTgt>
+                                        <p:cTn id="31" dur="1000" fill="hold"/>
+                                        <p:tgtEl>
+                                          <p:spTgt spid="4"/>
                                         </p:tgtEl>
                                         <p:attrNameLst>
                                           <p:attrName>ppt_y</p:attrName>
@@ -5989,6 +6349,730 @@
 </file>
 
 <file path=ppt/slides/slide11.xml><?xml version="1.0" encoding="utf-8"?>
+<p:sld xmlns:a="http://schemas.openxmlformats.org/drawingml/2006/main" xmlns:r="http://schemas.openxmlformats.org/officeDocument/2006/relationships" xmlns:p="http://schemas.openxmlformats.org/presentationml/2006/main">
+  <p:cSld>
+    <p:spTree>
+      <p:nvGrpSpPr>
+        <p:cNvPr id="1" name=""/>
+        <p:cNvGrpSpPr/>
+        <p:nvPr/>
+      </p:nvGrpSpPr>
+      <p:grpSpPr>
+        <a:xfrm>
+          <a:off x="0" y="0"/>
+          <a:ext cx="0" cy="0"/>
+          <a:chOff x="0" y="0"/>
+          <a:chExt cx="0" cy="0"/>
+        </a:xfrm>
+      </p:grpSpPr>
+      <p:sp>
+        <p:nvSpPr>
+          <p:cNvPr id="2" name="Content Placeholder 1"/>
+          <p:cNvSpPr>
+            <a:spLocks noGrp="1"/>
+          </p:cNvSpPr>
+          <p:nvPr>
+            <p:ph sz="quarter" idx="13"/>
+          </p:nvPr>
+        </p:nvSpPr>
+        <p:spPr>
+          <a:xfrm>
+            <a:off x="685800" y="2286000"/>
+            <a:ext cx="7162800" cy="3886200"/>
+          </a:xfrm>
+        </p:spPr>
+        <p:txBody>
+          <a:bodyPr/>
+          <a:lstStyle/>
+          <a:p>
+            <a:pPr marL="0" indent="0">
+              <a:buNone/>
+            </a:pPr>
+            <a:r>
+              <a:rPr lang="en-US" dirty="0" smtClean="0"/>
+              <a:t>Write JS normally</a:t>
+            </a:r>
+          </a:p>
+          <a:p>
+            <a:pPr lvl="1"/>
+            <a:r>
+              <a:rPr lang="en-US" dirty="0" smtClean="0"/>
+              <a:t>Classes, libraries, unit testing</a:t>
+            </a:r>
+          </a:p>
+          <a:p>
+            <a:pPr marL="0" indent="0">
+              <a:buNone/>
+            </a:pPr>
+            <a:endParaRPr lang="en-US" dirty="0" smtClean="0"/>
+          </a:p>
+          <a:p>
+            <a:pPr marL="0" indent="0">
+              <a:buNone/>
+            </a:pPr>
+            <a:r>
+              <a:rPr lang="en-US" dirty="0" smtClean="0"/>
+              <a:t>Popular Frameworks are compatible</a:t>
+            </a:r>
+          </a:p>
+          <a:p>
+            <a:pPr lvl="1"/>
+            <a:r>
+              <a:rPr lang="en-US" dirty="0" smtClean="0"/>
+              <a:t>Angular, Knockout, Backbone</a:t>
+            </a:r>
+          </a:p>
+          <a:p>
+            <a:pPr lvl="1"/>
+            <a:endParaRPr lang="en-US" dirty="0"/>
+          </a:p>
+          <a:p>
+            <a:pPr lvl="1"/>
+            <a:endParaRPr lang="en-US" dirty="0"/>
+          </a:p>
+        </p:txBody>
+      </p:sp>
+      <p:sp>
+        <p:nvSpPr>
+          <p:cNvPr id="3" name="Title 2"/>
+          <p:cNvSpPr>
+            <a:spLocks noGrp="1"/>
+          </p:cNvSpPr>
+          <p:nvPr>
+            <p:ph type="title"/>
+          </p:nvPr>
+        </p:nvSpPr>
+        <p:spPr/>
+        <p:txBody>
+          <a:bodyPr/>
+          <a:lstStyle/>
+          <a:p>
+            <a:r>
+              <a:rPr lang="en-US" dirty="0" smtClean="0"/>
+              <a:t>Web: javascript app logic</a:t>
+            </a:r>
+            <a:endParaRPr lang="en-US" dirty="0"/>
+          </a:p>
+        </p:txBody>
+      </p:sp>
+      <p:sp>
+        <p:nvSpPr>
+          <p:cNvPr id="4" name="TextBox 3"/>
+          <p:cNvSpPr txBox="1"/>
+          <p:nvPr/>
+        </p:nvSpPr>
+        <p:spPr>
+          <a:xfrm>
+            <a:off x="2895600" y="1219200"/>
+            <a:ext cx="3200400" cy="584775"/>
+          </a:xfrm>
+          <a:prstGeom prst="rect">
+            <a:avLst/>
+          </a:prstGeom>
+          <a:noFill/>
+        </p:spPr>
+        <p:txBody>
+          <a:bodyPr wrap="square" rtlCol="0">
+            <a:spAutoFit/>
+          </a:bodyPr>
+          <a:lstStyle/>
+          <a:p>
+            <a:pPr lvl="0">
+              <a:spcBef>
+                <a:spcPct val="20000"/>
+              </a:spcBef>
+            </a:pPr>
+            <a:r>
+              <a:rPr lang="en-US" sz="3200" i="1" dirty="0" smtClean="0">
+                <a:solidFill>
+                  <a:srgbClr val="3F3F3F"/>
+                </a:solidFill>
+              </a:rPr>
+              <a:t>No </a:t>
+            </a:r>
+            <a:r>
+              <a:rPr lang="en-US" sz="3200" i="1" dirty="0">
+                <a:solidFill>
+                  <a:srgbClr val="3F3F3F"/>
+                </a:solidFill>
+              </a:rPr>
+              <a:t>surprises here!</a:t>
+            </a:r>
+            <a:endParaRPr lang="en-US" dirty="0"/>
+          </a:p>
+        </p:txBody>
+      </p:sp>
+    </p:spTree>
+    <p:extLst>
+      <p:ext uri="{BB962C8B-B14F-4D97-AF65-F5344CB8AC3E}">
+        <p14:creationId xmlns:p14="http://schemas.microsoft.com/office/powerpoint/2010/main" val="1024370116"/>
+      </p:ext>
+    </p:extLst>
+  </p:cSld>
+  <p:clrMapOvr>
+    <a:masterClrMapping/>
+  </p:clrMapOvr>
+  <p:timing>
+    <p:tnLst>
+      <p:par>
+        <p:cTn id="1" dur="indefinite" restart="never" nodeType="tmRoot">
+          <p:childTnLst>
+            <p:seq concurrent="1" nextAc="seek">
+              <p:cTn id="2" dur="indefinite" nodeType="mainSeq">
+                <p:childTnLst>
+                  <p:par>
+                    <p:cTn id="3" fill="hold">
+                      <p:stCondLst>
+                        <p:cond delay="indefinite"/>
+                      </p:stCondLst>
+                      <p:childTnLst>
+                        <p:par>
+                          <p:cTn id="4" fill="hold">
+                            <p:stCondLst>
+                              <p:cond delay="0"/>
+                            </p:stCondLst>
+                            <p:childTnLst>
+                              <p:par>
+                                <p:cTn id="5" presetID="42" presetClass="entr" presetSubtype="0" fill="hold" grpId="0" nodeType="clickEffect">
+                                  <p:stCondLst>
+                                    <p:cond delay="0"/>
+                                  </p:stCondLst>
+                                  <p:childTnLst>
+                                    <p:set>
+                                      <p:cBhvr>
+                                        <p:cTn id="6" dur="1" fill="hold">
+                                          <p:stCondLst>
+                                            <p:cond delay="0"/>
+                                          </p:stCondLst>
+                                        </p:cTn>
+                                        <p:tgtEl>
+                                          <p:spTgt spid="4"/>
+                                        </p:tgtEl>
+                                        <p:attrNameLst>
+                                          <p:attrName>style.visibility</p:attrName>
+                                        </p:attrNameLst>
+                                      </p:cBhvr>
+                                      <p:to>
+                                        <p:strVal val="visible"/>
+                                      </p:to>
+                                    </p:set>
+                                    <p:animEffect transition="in" filter="fade">
+                                      <p:cBhvr>
+                                        <p:cTn id="7" dur="1000"/>
+                                        <p:tgtEl>
+                                          <p:spTgt spid="4"/>
+                                        </p:tgtEl>
+                                      </p:cBhvr>
+                                    </p:animEffect>
+                                    <p:anim calcmode="lin" valueType="num">
+                                      <p:cBhvr>
+                                        <p:cTn id="8" dur="1000" fill="hold"/>
+                                        <p:tgtEl>
+                                          <p:spTgt spid="4"/>
+                                        </p:tgtEl>
+                                        <p:attrNameLst>
+                                          <p:attrName>ppt_x</p:attrName>
+                                        </p:attrNameLst>
+                                      </p:cBhvr>
+                                      <p:tavLst>
+                                        <p:tav tm="0">
+                                          <p:val>
+                                            <p:strVal val="#ppt_x"/>
+                                          </p:val>
+                                        </p:tav>
+                                        <p:tav tm="100000">
+                                          <p:val>
+                                            <p:strVal val="#ppt_x"/>
+                                          </p:val>
+                                        </p:tav>
+                                      </p:tavLst>
+                                    </p:anim>
+                                    <p:anim calcmode="lin" valueType="num">
+                                      <p:cBhvr>
+                                        <p:cTn id="9" dur="1000" fill="hold"/>
+                                        <p:tgtEl>
+                                          <p:spTgt spid="4"/>
+                                        </p:tgtEl>
+                                        <p:attrNameLst>
+                                          <p:attrName>ppt_y</p:attrName>
+                                        </p:attrNameLst>
+                                      </p:cBhvr>
+                                      <p:tavLst>
+                                        <p:tav tm="0">
+                                          <p:val>
+                                            <p:strVal val="#ppt_y+.1"/>
+                                          </p:val>
+                                        </p:tav>
+                                        <p:tav tm="100000">
+                                          <p:val>
+                                            <p:strVal val="#ppt_y"/>
+                                          </p:val>
+                                        </p:tav>
+                                      </p:tavLst>
+                                    </p:anim>
+                                  </p:childTnLst>
+                                </p:cTn>
+                              </p:par>
+                            </p:childTnLst>
+                          </p:cTn>
+                        </p:par>
+                      </p:childTnLst>
+                    </p:cTn>
+                  </p:par>
+                  <p:par>
+                    <p:cTn id="10" fill="hold">
+                      <p:stCondLst>
+                        <p:cond delay="indefinite"/>
+                      </p:stCondLst>
+                      <p:childTnLst>
+                        <p:par>
+                          <p:cTn id="11" fill="hold">
+                            <p:stCondLst>
+                              <p:cond delay="0"/>
+                            </p:stCondLst>
+                            <p:childTnLst>
+                              <p:par>
+                                <p:cTn id="12" presetID="42" presetClass="entr" presetSubtype="0" fill="hold" grpId="0" nodeType="clickEffect">
+                                  <p:stCondLst>
+                                    <p:cond delay="0"/>
+                                  </p:stCondLst>
+                                  <p:childTnLst>
+                                    <p:set>
+                                      <p:cBhvr>
+                                        <p:cTn id="13" dur="1" fill="hold">
+                                          <p:stCondLst>
+                                            <p:cond delay="0"/>
+                                          </p:stCondLst>
+                                        </p:cTn>
+                                        <p:tgtEl>
+                                          <p:spTgt spid="2">
+                                            <p:txEl>
+                                              <p:pRg st="0" end="0"/>
+                                            </p:txEl>
+                                          </p:spTgt>
+                                        </p:tgtEl>
+                                        <p:attrNameLst>
+                                          <p:attrName>style.visibility</p:attrName>
+                                        </p:attrNameLst>
+                                      </p:cBhvr>
+                                      <p:to>
+                                        <p:strVal val="visible"/>
+                                      </p:to>
+                                    </p:set>
+                                    <p:animEffect transition="in" filter="fade">
+                                      <p:cBhvr>
+                                        <p:cTn id="14" dur="1000"/>
+                                        <p:tgtEl>
+                                          <p:spTgt spid="2">
+                                            <p:txEl>
+                                              <p:pRg st="0" end="0"/>
+                                            </p:txEl>
+                                          </p:spTgt>
+                                        </p:tgtEl>
+                                      </p:cBhvr>
+                                    </p:animEffect>
+                                    <p:anim calcmode="lin" valueType="num">
+                                      <p:cBhvr>
+                                        <p:cTn id="15" dur="1000" fill="hold"/>
+                                        <p:tgtEl>
+                                          <p:spTgt spid="2">
+                                            <p:txEl>
+                                              <p:pRg st="0" end="0"/>
+                                            </p:txEl>
+                                          </p:spTgt>
+                                        </p:tgtEl>
+                                        <p:attrNameLst>
+                                          <p:attrName>ppt_x</p:attrName>
+                                        </p:attrNameLst>
+                                      </p:cBhvr>
+                                      <p:tavLst>
+                                        <p:tav tm="0">
+                                          <p:val>
+                                            <p:strVal val="#ppt_x"/>
+                                          </p:val>
+                                        </p:tav>
+                                        <p:tav tm="100000">
+                                          <p:val>
+                                            <p:strVal val="#ppt_x"/>
+                                          </p:val>
+                                        </p:tav>
+                                      </p:tavLst>
+                                    </p:anim>
+                                    <p:anim calcmode="lin" valueType="num">
+                                      <p:cBhvr>
+                                        <p:cTn id="16" dur="1000" fill="hold"/>
+                                        <p:tgtEl>
+                                          <p:spTgt spid="2">
+                                            <p:txEl>
+                                              <p:pRg st="0" end="0"/>
+                                            </p:txEl>
+                                          </p:spTgt>
+                                        </p:tgtEl>
+                                        <p:attrNameLst>
+                                          <p:attrName>ppt_y</p:attrName>
+                                        </p:attrNameLst>
+                                      </p:cBhvr>
+                                      <p:tavLst>
+                                        <p:tav tm="0">
+                                          <p:val>
+                                            <p:strVal val="#ppt_y+.1"/>
+                                          </p:val>
+                                        </p:tav>
+                                        <p:tav tm="100000">
+                                          <p:val>
+                                            <p:strVal val="#ppt_y"/>
+                                          </p:val>
+                                        </p:tav>
+                                      </p:tavLst>
+                                    </p:anim>
+                                  </p:childTnLst>
+                                </p:cTn>
+                              </p:par>
+                              <p:par>
+                                <p:cTn id="17" presetID="42" presetClass="entr" presetSubtype="0" fill="hold" grpId="0" nodeType="withEffect">
+                                  <p:stCondLst>
+                                    <p:cond delay="0"/>
+                                  </p:stCondLst>
+                                  <p:childTnLst>
+                                    <p:set>
+                                      <p:cBhvr>
+                                        <p:cTn id="18" dur="1" fill="hold">
+                                          <p:stCondLst>
+                                            <p:cond delay="0"/>
+                                          </p:stCondLst>
+                                        </p:cTn>
+                                        <p:tgtEl>
+                                          <p:spTgt spid="2">
+                                            <p:txEl>
+                                              <p:pRg st="1" end="1"/>
+                                            </p:txEl>
+                                          </p:spTgt>
+                                        </p:tgtEl>
+                                        <p:attrNameLst>
+                                          <p:attrName>style.visibility</p:attrName>
+                                        </p:attrNameLst>
+                                      </p:cBhvr>
+                                      <p:to>
+                                        <p:strVal val="visible"/>
+                                      </p:to>
+                                    </p:set>
+                                    <p:animEffect transition="in" filter="fade">
+                                      <p:cBhvr>
+                                        <p:cTn id="19" dur="1000"/>
+                                        <p:tgtEl>
+                                          <p:spTgt spid="2">
+                                            <p:txEl>
+                                              <p:pRg st="1" end="1"/>
+                                            </p:txEl>
+                                          </p:spTgt>
+                                        </p:tgtEl>
+                                      </p:cBhvr>
+                                    </p:animEffect>
+                                    <p:anim calcmode="lin" valueType="num">
+                                      <p:cBhvr>
+                                        <p:cTn id="20" dur="1000" fill="hold"/>
+                                        <p:tgtEl>
+                                          <p:spTgt spid="2">
+                                            <p:txEl>
+                                              <p:pRg st="1" end="1"/>
+                                            </p:txEl>
+                                          </p:spTgt>
+                                        </p:tgtEl>
+                                        <p:attrNameLst>
+                                          <p:attrName>ppt_x</p:attrName>
+                                        </p:attrNameLst>
+                                      </p:cBhvr>
+                                      <p:tavLst>
+                                        <p:tav tm="0">
+                                          <p:val>
+                                            <p:strVal val="#ppt_x"/>
+                                          </p:val>
+                                        </p:tav>
+                                        <p:tav tm="100000">
+                                          <p:val>
+                                            <p:strVal val="#ppt_x"/>
+                                          </p:val>
+                                        </p:tav>
+                                      </p:tavLst>
+                                    </p:anim>
+                                    <p:anim calcmode="lin" valueType="num">
+                                      <p:cBhvr>
+                                        <p:cTn id="21" dur="1000" fill="hold"/>
+                                        <p:tgtEl>
+                                          <p:spTgt spid="2">
+                                            <p:txEl>
+                                              <p:pRg st="1" end="1"/>
+                                            </p:txEl>
+                                          </p:spTgt>
+                                        </p:tgtEl>
+                                        <p:attrNameLst>
+                                          <p:attrName>ppt_y</p:attrName>
+                                        </p:attrNameLst>
+                                      </p:cBhvr>
+                                      <p:tavLst>
+                                        <p:tav tm="0">
+                                          <p:val>
+                                            <p:strVal val="#ppt_y+.1"/>
+                                          </p:val>
+                                        </p:tav>
+                                        <p:tav tm="100000">
+                                          <p:val>
+                                            <p:strVal val="#ppt_y"/>
+                                          </p:val>
+                                        </p:tav>
+                                      </p:tavLst>
+                                    </p:anim>
+                                  </p:childTnLst>
+                                </p:cTn>
+                              </p:par>
+                            </p:childTnLst>
+                          </p:cTn>
+                        </p:par>
+                      </p:childTnLst>
+                    </p:cTn>
+                  </p:par>
+                  <p:par>
+                    <p:cTn id="22" fill="hold">
+                      <p:stCondLst>
+                        <p:cond delay="indefinite"/>
+                      </p:stCondLst>
+                      <p:childTnLst>
+                        <p:par>
+                          <p:cTn id="23" fill="hold">
+                            <p:stCondLst>
+                              <p:cond delay="0"/>
+                            </p:stCondLst>
+                            <p:childTnLst>
+                              <p:par>
+                                <p:cTn id="24" presetID="42" presetClass="entr" presetSubtype="0" fill="hold" grpId="0" nodeType="clickEffect">
+                                  <p:stCondLst>
+                                    <p:cond delay="0"/>
+                                  </p:stCondLst>
+                                  <p:childTnLst>
+                                    <p:set>
+                                      <p:cBhvr>
+                                        <p:cTn id="25" dur="1" fill="hold">
+                                          <p:stCondLst>
+                                            <p:cond delay="0"/>
+                                          </p:stCondLst>
+                                        </p:cTn>
+                                        <p:tgtEl>
+                                          <p:spTgt spid="2">
+                                            <p:txEl>
+                                              <p:pRg st="3" end="3"/>
+                                            </p:txEl>
+                                          </p:spTgt>
+                                        </p:tgtEl>
+                                        <p:attrNameLst>
+                                          <p:attrName>style.visibility</p:attrName>
+                                        </p:attrNameLst>
+                                      </p:cBhvr>
+                                      <p:to>
+                                        <p:strVal val="visible"/>
+                                      </p:to>
+                                    </p:set>
+                                    <p:animEffect transition="in" filter="fade">
+                                      <p:cBhvr>
+                                        <p:cTn id="26" dur="1000"/>
+                                        <p:tgtEl>
+                                          <p:spTgt spid="2">
+                                            <p:txEl>
+                                              <p:pRg st="3" end="3"/>
+                                            </p:txEl>
+                                          </p:spTgt>
+                                        </p:tgtEl>
+                                      </p:cBhvr>
+                                    </p:animEffect>
+                                    <p:anim calcmode="lin" valueType="num">
+                                      <p:cBhvr>
+                                        <p:cTn id="27" dur="1000" fill="hold"/>
+                                        <p:tgtEl>
+                                          <p:spTgt spid="2">
+                                            <p:txEl>
+                                              <p:pRg st="3" end="3"/>
+                                            </p:txEl>
+                                          </p:spTgt>
+                                        </p:tgtEl>
+                                        <p:attrNameLst>
+                                          <p:attrName>ppt_x</p:attrName>
+                                        </p:attrNameLst>
+                                      </p:cBhvr>
+                                      <p:tavLst>
+                                        <p:tav tm="0">
+                                          <p:val>
+                                            <p:strVal val="#ppt_x"/>
+                                          </p:val>
+                                        </p:tav>
+                                        <p:tav tm="100000">
+                                          <p:val>
+                                            <p:strVal val="#ppt_x"/>
+                                          </p:val>
+                                        </p:tav>
+                                      </p:tavLst>
+                                    </p:anim>
+                                    <p:anim calcmode="lin" valueType="num">
+                                      <p:cBhvr>
+                                        <p:cTn id="28" dur="1000" fill="hold"/>
+                                        <p:tgtEl>
+                                          <p:spTgt spid="2">
+                                            <p:txEl>
+                                              <p:pRg st="3" end="3"/>
+                                            </p:txEl>
+                                          </p:spTgt>
+                                        </p:tgtEl>
+                                        <p:attrNameLst>
+                                          <p:attrName>ppt_y</p:attrName>
+                                        </p:attrNameLst>
+                                      </p:cBhvr>
+                                      <p:tavLst>
+                                        <p:tav tm="0">
+                                          <p:val>
+                                            <p:strVal val="#ppt_y+.1"/>
+                                          </p:val>
+                                        </p:tav>
+                                        <p:tav tm="100000">
+                                          <p:val>
+                                            <p:strVal val="#ppt_y"/>
+                                          </p:val>
+                                        </p:tav>
+                                      </p:tavLst>
+                                    </p:anim>
+                                  </p:childTnLst>
+                                </p:cTn>
+                              </p:par>
+                              <p:par>
+                                <p:cTn id="29" presetID="42" presetClass="entr" presetSubtype="0" fill="hold" grpId="0" nodeType="withEffect">
+                                  <p:stCondLst>
+                                    <p:cond delay="0"/>
+                                  </p:stCondLst>
+                                  <p:childTnLst>
+                                    <p:set>
+                                      <p:cBhvr>
+                                        <p:cTn id="30" dur="1" fill="hold">
+                                          <p:stCondLst>
+                                            <p:cond delay="0"/>
+                                          </p:stCondLst>
+                                        </p:cTn>
+                                        <p:tgtEl>
+                                          <p:spTgt spid="2">
+                                            <p:txEl>
+                                              <p:pRg st="4" end="4"/>
+                                            </p:txEl>
+                                          </p:spTgt>
+                                        </p:tgtEl>
+                                        <p:attrNameLst>
+                                          <p:attrName>style.visibility</p:attrName>
+                                        </p:attrNameLst>
+                                      </p:cBhvr>
+                                      <p:to>
+                                        <p:strVal val="visible"/>
+                                      </p:to>
+                                    </p:set>
+                                    <p:animEffect transition="in" filter="fade">
+                                      <p:cBhvr>
+                                        <p:cTn id="31" dur="1000"/>
+                                        <p:tgtEl>
+                                          <p:spTgt spid="2">
+                                            <p:txEl>
+                                              <p:pRg st="4" end="4"/>
+                                            </p:txEl>
+                                          </p:spTgt>
+                                        </p:tgtEl>
+                                      </p:cBhvr>
+                                    </p:animEffect>
+                                    <p:anim calcmode="lin" valueType="num">
+                                      <p:cBhvr>
+                                        <p:cTn id="32" dur="1000" fill="hold"/>
+                                        <p:tgtEl>
+                                          <p:spTgt spid="2">
+                                            <p:txEl>
+                                              <p:pRg st="4" end="4"/>
+                                            </p:txEl>
+                                          </p:spTgt>
+                                        </p:tgtEl>
+                                        <p:attrNameLst>
+                                          <p:attrName>ppt_x</p:attrName>
+                                        </p:attrNameLst>
+                                      </p:cBhvr>
+                                      <p:tavLst>
+                                        <p:tav tm="0">
+                                          <p:val>
+                                            <p:strVal val="#ppt_x"/>
+                                          </p:val>
+                                        </p:tav>
+                                        <p:tav tm="100000">
+                                          <p:val>
+                                            <p:strVal val="#ppt_x"/>
+                                          </p:val>
+                                        </p:tav>
+                                      </p:tavLst>
+                                    </p:anim>
+                                    <p:anim calcmode="lin" valueType="num">
+                                      <p:cBhvr>
+                                        <p:cTn id="33" dur="1000" fill="hold"/>
+                                        <p:tgtEl>
+                                          <p:spTgt spid="2">
+                                            <p:txEl>
+                                              <p:pRg st="4" end="4"/>
+                                            </p:txEl>
+                                          </p:spTgt>
+                                        </p:tgtEl>
+                                        <p:attrNameLst>
+                                          <p:attrName>ppt_y</p:attrName>
+                                        </p:attrNameLst>
+                                      </p:cBhvr>
+                                      <p:tavLst>
+                                        <p:tav tm="0">
+                                          <p:val>
+                                            <p:strVal val="#ppt_y+.1"/>
+                                          </p:val>
+                                        </p:tav>
+                                        <p:tav tm="100000">
+                                          <p:val>
+                                            <p:strVal val="#ppt_y"/>
+                                          </p:val>
+                                        </p:tav>
+                                      </p:tavLst>
+                                    </p:anim>
+                                  </p:childTnLst>
+                                </p:cTn>
+                              </p:par>
+                            </p:childTnLst>
+                          </p:cTn>
+                        </p:par>
+                      </p:childTnLst>
+                    </p:cTn>
+                  </p:par>
+                </p:childTnLst>
+              </p:cTn>
+              <p:prevCondLst>
+                <p:cond evt="onPrev" delay="0">
+                  <p:tgtEl>
+                    <p:sldTgt/>
+                  </p:tgtEl>
+                </p:cond>
+              </p:prevCondLst>
+              <p:nextCondLst>
+                <p:cond evt="onNext" delay="0">
+                  <p:tgtEl>
+                    <p:sldTgt/>
+                  </p:tgtEl>
+                </p:cond>
+              </p:nextCondLst>
+            </p:seq>
+          </p:childTnLst>
+        </p:cTn>
+      </p:par>
+    </p:tnLst>
+    <p:bldLst>
+      <p:bldP spid="2" grpId="0" uiExpand="1" build="p"/>
+      <p:bldP spid="4" grpId="0"/>
+    </p:bldLst>
+  </p:timing>
+</p:sld>
+</file>
+
+<file path=ppt/slides/slide12.xml><?xml version="1.0" encoding="utf-8"?>
 <p:sld xmlns:a="http://schemas.openxmlformats.org/drawingml/2006/main" xmlns:r="http://schemas.openxmlformats.org/officeDocument/2006/relationships" xmlns:p="http://schemas.openxmlformats.org/presentationml/2006/main">
   <p:cSld>
     <p:spTree>
@@ -6480,7 +7564,7 @@
 </p:sld>
 </file>
 
-<file path=ppt/slides/slide12.xml><?xml version="1.0" encoding="utf-8"?>
+<file path=ppt/slides/slide13.xml><?xml version="1.0" encoding="utf-8"?>
 <p:sld xmlns:a="http://schemas.openxmlformats.org/drawingml/2006/main" xmlns:r="http://schemas.openxmlformats.org/officeDocument/2006/relationships" xmlns:p="http://schemas.openxmlformats.org/presentationml/2006/main">
   <p:cSld>
     <p:spTree>
@@ -6762,7 +7846,7 @@
 </p:sld>
 </file>
 
-<file path=ppt/slides/slide13.xml><?xml version="1.0" encoding="utf-8"?>
+<file path=ppt/slides/slide14.xml><?xml version="1.0" encoding="utf-8"?>
 <p:sld xmlns:a="http://schemas.openxmlformats.org/drawingml/2006/main" xmlns:r="http://schemas.openxmlformats.org/officeDocument/2006/relationships" xmlns:p="http://schemas.openxmlformats.org/presentationml/2006/main">
   <p:cSld>
     <p:spTree>
@@ -7291,7 +8375,7 @@
 </p:sld>
 </file>
 
-<file path=ppt/slides/slide14.xml><?xml version="1.0" encoding="utf-8"?>
+<file path=ppt/slides/slide15.xml><?xml version="1.0" encoding="utf-8"?>
 <p:sld xmlns:a="http://schemas.openxmlformats.org/drawingml/2006/main" xmlns:r="http://schemas.openxmlformats.org/officeDocument/2006/relationships" xmlns:p="http://schemas.openxmlformats.org/presentationml/2006/main">
   <p:cSld>
     <p:spTree>
@@ -7600,6 +8684,38 @@
           </a:extLst>
         </p:spPr>
       </p:pic>
+      <p:sp>
+        <p:nvSpPr>
+          <p:cNvPr id="2" name="TextBox 1"/>
+          <p:cNvSpPr txBox="1"/>
+          <p:nvPr/>
+        </p:nvSpPr>
+        <p:spPr>
+          <a:xfrm>
+            <a:off x="0" y="6477000"/>
+            <a:ext cx="1600200" cy="369332"/>
+          </a:xfrm>
+          <a:prstGeom prst="rect">
+            <a:avLst/>
+          </a:prstGeom>
+          <a:noFill/>
+        </p:spPr>
+        <p:txBody>
+          <a:bodyPr wrap="square" rtlCol="0">
+            <a:spAutoFit/>
+          </a:bodyPr>
+          <a:lstStyle/>
+          <a:p>
+            <a:r>
+              <a:rPr lang="en-US" dirty="0" smtClean="0">
+                <a:hlinkClick r:id="rId6"/>
+              </a:rPr>
+              <a:t>KendoUI.com</a:t>
+            </a:r>
+            <a:endParaRPr lang="en-US" dirty="0"/>
+          </a:p>
+        </p:txBody>
+      </p:sp>
     </p:spTree>
     <p:extLst>
       <p:ext uri="{BB962C8B-B14F-4D97-AF65-F5344CB8AC3E}">
@@ -7620,7 +8736,7 @@
 </p:sld>
 </file>
 
-<file path=ppt/slides/slide15.xml><?xml version="1.0" encoding="utf-8"?>
+<file path=ppt/slides/slide16.xml><?xml version="1.0" encoding="utf-8"?>
 <p:sld xmlns:a="http://schemas.openxmlformats.org/drawingml/2006/main" xmlns:r="http://schemas.openxmlformats.org/officeDocument/2006/relationships" xmlns:p="http://schemas.openxmlformats.org/presentationml/2006/main">
   <p:cSld>
     <p:spTree>
@@ -7907,258 +9023,42 @@
           </a:p>
         </p:txBody>
       </p:sp>
+      <p:sp>
+        <p:nvSpPr>
+          <p:cNvPr id="8" name="TextBox 7"/>
+          <p:cNvSpPr txBox="1"/>
+          <p:nvPr/>
+        </p:nvSpPr>
+        <p:spPr>
+          <a:xfrm>
+            <a:off x="0" y="6477000"/>
+            <a:ext cx="1600200" cy="369332"/>
+          </a:xfrm>
+          <a:prstGeom prst="rect">
+            <a:avLst/>
+          </a:prstGeom>
+          <a:noFill/>
+        </p:spPr>
+        <p:txBody>
+          <a:bodyPr wrap="square" rtlCol="0">
+            <a:spAutoFit/>
+          </a:bodyPr>
+          <a:lstStyle/>
+          <a:p>
+            <a:r>
+              <a:rPr lang="en-US" dirty="0" smtClean="0">
+                <a:hlinkClick r:id="rId6"/>
+              </a:rPr>
+              <a:t>KendoUI.com</a:t>
+            </a:r>
+            <a:endParaRPr lang="en-US" dirty="0"/>
+          </a:p>
+        </p:txBody>
+      </p:sp>
     </p:spTree>
     <p:extLst>
       <p:ext uri="{BB962C8B-B14F-4D97-AF65-F5344CB8AC3E}">
         <p14:creationId xmlns:p14="http://schemas.microsoft.com/office/powerpoint/2010/main" val="4182239172"/>
-      </p:ext>
-    </p:extLst>
-  </p:cSld>
-  <p:clrMapOvr>
-    <a:masterClrMapping/>
-  </p:clrMapOvr>
-  <p:timing>
-    <p:tnLst>
-      <p:par>
-        <p:cTn id="1" dur="indefinite" restart="never" nodeType="tmRoot"/>
-      </p:par>
-    </p:tnLst>
-  </p:timing>
-</p:sld>
-</file>
-
-<file path=ppt/slides/slide16.xml><?xml version="1.0" encoding="utf-8"?>
-<p:sld xmlns:a="http://schemas.openxmlformats.org/drawingml/2006/main" xmlns:r="http://schemas.openxmlformats.org/officeDocument/2006/relationships" xmlns:p="http://schemas.openxmlformats.org/presentationml/2006/main">
-  <p:cSld>
-    <p:spTree>
-      <p:nvGrpSpPr>
-        <p:cNvPr id="1" name=""/>
-        <p:cNvGrpSpPr/>
-        <p:nvPr/>
-      </p:nvGrpSpPr>
-      <p:grpSpPr>
-        <a:xfrm>
-          <a:off x="0" y="0"/>
-          <a:ext cx="0" cy="0"/>
-          <a:chOff x="0" y="0"/>
-          <a:chExt cx="0" cy="0"/>
-        </a:xfrm>
-      </p:grpSpPr>
-      <p:sp>
-        <p:nvSpPr>
-          <p:cNvPr id="2" name="Content Placeholder 1"/>
-          <p:cNvSpPr>
-            <a:spLocks noGrp="1"/>
-          </p:cNvSpPr>
-          <p:nvPr>
-            <p:ph sz="quarter" idx="13"/>
-          </p:nvPr>
-        </p:nvSpPr>
-        <p:spPr>
-          <a:xfrm>
-            <a:off x="685800" y="1066800"/>
-            <a:ext cx="7848600" cy="5486400"/>
-          </a:xfrm>
-        </p:spPr>
-        <p:txBody>
-          <a:bodyPr>
-            <a:noAutofit/>
-          </a:bodyPr>
-          <a:lstStyle/>
-          <a:p>
-            <a:pPr marL="0" indent="0">
-              <a:buNone/>
-            </a:pPr>
-            <a:r>
-              <a:rPr lang="en-US" sz="2800" dirty="0" smtClean="0"/>
-              <a:t>/* </a:t>
-            </a:r>
-            <a:r>
-              <a:rPr lang="en-US" sz="2800" dirty="0"/>
-              <a:t>Phones */</a:t>
-            </a:r>
-          </a:p>
-          <a:p>
-            <a:pPr marL="0" indent="0">
-              <a:buNone/>
-            </a:pPr>
-            <a:r>
-              <a:rPr lang="en-US" sz="2800" dirty="0" smtClean="0"/>
-              <a:t>@</a:t>
-            </a:r>
-            <a:r>
-              <a:rPr lang="en-US" sz="2800" dirty="0"/>
-              <a:t>media only screen </a:t>
-            </a:r>
-            <a:r>
-              <a:rPr lang="en-US" sz="2800" dirty="0" smtClean="0"/>
-              <a:t> </a:t>
-            </a:r>
-          </a:p>
-          <a:p>
-            <a:pPr marL="0" indent="0">
-              <a:buNone/>
-            </a:pPr>
-            <a:r>
-              <a:rPr lang="en-US" sz="2800" dirty="0" smtClean="0"/>
-              <a:t>	and </a:t>
-            </a:r>
-            <a:r>
-              <a:rPr lang="en-US" sz="2800" dirty="0"/>
-              <a:t>(min-device-width : 320px) </a:t>
-            </a:r>
-          </a:p>
-          <a:p>
-            <a:pPr marL="0" indent="0">
-              <a:buNone/>
-            </a:pPr>
-            <a:r>
-              <a:rPr lang="en-US" sz="2800" dirty="0"/>
-              <a:t>	</a:t>
-            </a:r>
-            <a:r>
-              <a:rPr lang="en-US" sz="2800" dirty="0" smtClean="0"/>
-              <a:t>and </a:t>
-            </a:r>
-            <a:r>
-              <a:rPr lang="en-US" sz="2800" dirty="0"/>
-              <a:t>(max-device-width : 480px) {</a:t>
-            </a:r>
-          </a:p>
-          <a:p>
-            <a:pPr marL="0" indent="0">
-              <a:buNone/>
-            </a:pPr>
-            <a:r>
-              <a:rPr lang="en-US" sz="2800" dirty="0"/>
-              <a:t>	</a:t>
-            </a:r>
-            <a:r>
-              <a:rPr lang="en-US" sz="2800" dirty="0" smtClean="0"/>
-              <a:t>	</a:t>
-            </a:r>
-          </a:p>
-          <a:p>
-            <a:pPr marL="0" indent="0">
-              <a:buNone/>
-            </a:pPr>
-            <a:r>
-              <a:rPr lang="en-US" sz="2800" dirty="0"/>
-              <a:t>	</a:t>
-            </a:r>
-            <a:r>
-              <a:rPr lang="en-US" sz="2800" dirty="0" smtClean="0"/>
-              <a:t>	.</a:t>
-            </a:r>
-            <a:r>
-              <a:rPr lang="en-US" sz="2800" dirty="0" err="1" smtClean="0"/>
-              <a:t>img</a:t>
-            </a:r>
-            <a:r>
-              <a:rPr lang="en-US" sz="2800" dirty="0" smtClean="0"/>
-              <a:t>-round  </a:t>
-            </a:r>
-            <a:r>
-              <a:rPr lang="en-US" sz="2800" dirty="0"/>
-              <a:t>{</a:t>
-            </a:r>
-          </a:p>
-          <a:p>
-            <a:pPr marL="0" indent="0">
-              <a:buNone/>
-            </a:pPr>
-            <a:r>
-              <a:rPr lang="en-US" sz="2800" dirty="0"/>
-              <a:t>			height: 40%;</a:t>
-            </a:r>
-          </a:p>
-          <a:p>
-            <a:pPr marL="0" indent="0">
-              <a:buNone/>
-            </a:pPr>
-            <a:r>
-              <a:rPr lang="en-US" sz="2800" dirty="0"/>
-              <a:t>			width: 75%;</a:t>
-            </a:r>
-          </a:p>
-          <a:p>
-            <a:pPr marL="0" indent="0">
-              <a:buNone/>
-            </a:pPr>
-            <a:r>
-              <a:rPr lang="en-US" sz="2800" dirty="0"/>
-              <a:t>	</a:t>
-            </a:r>
-            <a:r>
-              <a:rPr lang="en-US" sz="2800" dirty="0" smtClean="0"/>
-              <a:t>	}</a:t>
-            </a:r>
-            <a:endParaRPr lang="en-US" sz="2800" dirty="0"/>
-          </a:p>
-          <a:p>
-            <a:pPr marL="0" indent="0">
-              <a:buNone/>
-            </a:pPr>
-            <a:r>
-              <a:rPr lang="en-US" sz="2800" dirty="0" smtClean="0"/>
-              <a:t>}</a:t>
-            </a:r>
-            <a:endParaRPr lang="en-US" sz="2800" dirty="0"/>
-          </a:p>
-          <a:p>
-            <a:pPr marL="0" indent="0">
-              <a:buNone/>
-            </a:pPr>
-            <a:endParaRPr lang="en-US" sz="2800" dirty="0"/>
-          </a:p>
-          <a:p>
-            <a:pPr marL="0" indent="0">
-              <a:buNone/>
-            </a:pPr>
-            <a:r>
-              <a:rPr lang="en-US" sz="2800" dirty="0"/>
-              <a:t>			</a:t>
-            </a:r>
-          </a:p>
-          <a:p>
-            <a:pPr marL="0" indent="0">
-              <a:buNone/>
-            </a:pPr>
-            <a:r>
-              <a:rPr lang="en-US" sz="2800" dirty="0"/>
-              <a:t>			</a:t>
-            </a:r>
-            <a:endParaRPr lang="en-US" sz="2800" dirty="0"/>
-          </a:p>
-        </p:txBody>
-      </p:sp>
-      <p:sp>
-        <p:nvSpPr>
-          <p:cNvPr id="3" name="Title 2"/>
-          <p:cNvSpPr>
-            <a:spLocks noGrp="1"/>
-          </p:cNvSpPr>
-          <p:nvPr>
-            <p:ph type="title"/>
-          </p:nvPr>
-        </p:nvSpPr>
-        <p:spPr/>
-        <p:txBody>
-          <a:bodyPr/>
-          <a:lstStyle/>
-          <a:p>
-            <a:r>
-              <a:rPr lang="en-US" dirty="0" smtClean="0"/>
-              <a:t>Responsive UI?</a:t>
-            </a:r>
-            <a:endParaRPr lang="en-US" dirty="0"/>
-          </a:p>
-        </p:txBody>
-      </p:sp>
-    </p:spTree>
-    <p:extLst>
-      <p:ext uri="{BB962C8B-B14F-4D97-AF65-F5344CB8AC3E}">
-        <p14:creationId xmlns:p14="http://schemas.microsoft.com/office/powerpoint/2010/main" val="1466882383"/>
       </p:ext>
     </p:extLst>
   </p:cSld>
@@ -8204,13 +9104,13 @@
         </p:nvSpPr>
         <p:spPr>
           <a:xfrm>
-            <a:off x="685800" y="990600"/>
-            <a:ext cx="7772400" cy="5562600"/>
+            <a:off x="685800" y="1066800"/>
+            <a:ext cx="7848600" cy="5486400"/>
           </a:xfrm>
         </p:spPr>
         <p:txBody>
           <a:bodyPr>
-            <a:normAutofit lnSpcReduction="10000"/>
+            <a:noAutofit/>
           </a:bodyPr>
           <a:lstStyle/>
           <a:p>
@@ -8218,16 +9118,12 @@
               <a:buNone/>
             </a:pPr>
             <a:r>
-              <a:rPr lang="en-US" dirty="0"/>
+              <a:rPr lang="en-US" sz="2800" dirty="0" smtClean="0"/>
               <a:t>/* </a:t>
             </a:r>
             <a:r>
-              <a:rPr lang="en-US" dirty="0" smtClean="0"/>
-              <a:t>iPads/tablets </a:t>
-            </a:r>
-            <a:r>
-              <a:rPr lang="en-US" dirty="0"/>
-              <a:t>*/</a:t>
+              <a:rPr lang="en-US" sz="2800" dirty="0"/>
+              <a:t>Phones */</a:t>
             </a:r>
           </a:p>
           <a:p>
@@ -8235,12 +9131,16 @@
               <a:buNone/>
             </a:pPr>
             <a:r>
-              <a:rPr lang="en-US" dirty="0" smtClean="0"/>
+              <a:rPr lang="en-US" sz="2800" dirty="0" smtClean="0"/>
               <a:t>@</a:t>
             </a:r>
             <a:r>
-              <a:rPr lang="en-US" dirty="0"/>
+              <a:rPr lang="en-US" sz="2800" dirty="0"/>
               <a:t>media only screen </a:t>
+            </a:r>
+            <a:r>
+              <a:rPr lang="en-US" sz="2800" dirty="0" smtClean="0"/>
+              <a:t> </a:t>
             </a:r>
           </a:p>
           <a:p>
@@ -8248,12 +9148,12 @@
               <a:buNone/>
             </a:pPr>
             <a:r>
-              <a:rPr lang="en-US" dirty="0" smtClean="0"/>
+              <a:rPr lang="en-US" sz="2800" dirty="0" smtClean="0"/>
               <a:t>	and </a:t>
             </a:r>
             <a:r>
-              <a:rPr lang="en-US" dirty="0"/>
-              <a:t>(min-device-width : 768px) </a:t>
+              <a:rPr lang="en-US" sz="2800" dirty="0"/>
+              <a:t>(min-device-width : 320px) </a:t>
             </a:r>
           </a:p>
           <a:p>
@@ -8261,34 +9161,29 @@
               <a:buNone/>
             </a:pPr>
             <a:r>
-              <a:rPr lang="en-US" dirty="0"/>
+              <a:rPr lang="en-US" sz="2800" dirty="0"/>
               <a:t>	</a:t>
             </a:r>
             <a:r>
-              <a:rPr lang="en-US" dirty="0" smtClean="0"/>
+              <a:rPr lang="en-US" sz="2800" dirty="0" smtClean="0"/>
               <a:t>and </a:t>
             </a:r>
             <a:r>
-              <a:rPr lang="en-US" dirty="0"/>
-              <a:t>(max-device-width : 1024px) </a:t>
-            </a:r>
-            <a:r>
-              <a:rPr lang="en-US" dirty="0" smtClean="0"/>
-              <a:t>{</a:t>
-            </a:r>
-            <a:r>
-              <a:rPr lang="en-US" dirty="0"/>
-              <a:t>	</a:t>
-            </a:r>
-            <a:endParaRPr lang="en-US" dirty="0" smtClean="0"/>
+              <a:rPr lang="en-US" sz="2800" dirty="0"/>
+              <a:t>(max-device-width : 480px) {</a:t>
+            </a:r>
           </a:p>
           <a:p>
             <a:pPr marL="0" indent="0">
               <a:buNone/>
             </a:pPr>
             <a:r>
-              <a:rPr lang="en-US" dirty="0" smtClean="0"/>
-              <a:t>		</a:t>
+              <a:rPr lang="en-US" sz="2800" dirty="0"/>
+              <a:t>	</a:t>
+            </a:r>
+            <a:r>
+              <a:rPr lang="en-US" sz="2800" dirty="0" smtClean="0"/>
+              <a:t>	</a:t>
             </a:r>
           </a:p>
           <a:p>
@@ -8296,20 +9191,24 @@
               <a:buNone/>
             </a:pPr>
             <a:r>
-              <a:rPr lang="en-US" dirty="0"/>
+              <a:rPr lang="en-US" sz="2800" dirty="0"/>
               <a:t>	</a:t>
             </a:r>
             <a:r>
-              <a:rPr lang="en-US" dirty="0" smtClean="0"/>
+              <a:rPr lang="en-US" sz="2800" dirty="0" smtClean="0"/>
               <a:t>	.</a:t>
             </a:r>
             <a:r>
-              <a:rPr lang="en-US" dirty="0" err="1"/>
+              <a:rPr lang="en-US" sz="2800" dirty="0" err="1" smtClean="0"/>
               <a:t>img</a:t>
             </a:r>
             <a:r>
-              <a:rPr lang="en-US" dirty="0"/>
-              <a:t>-round  {</a:t>
+              <a:rPr lang="en-US" sz="2800" dirty="0" smtClean="0"/>
+              <a:t>-round  </a:t>
+            </a:r>
+            <a:r>
+              <a:rPr lang="en-US" sz="2800" dirty="0"/>
+              <a:t>{</a:t>
             </a:r>
           </a:p>
           <a:p>
@@ -8317,16 +9216,8 @@
               <a:buNone/>
             </a:pPr>
             <a:r>
-              <a:rPr lang="en-US" dirty="0"/>
-              <a:t>			height: </a:t>
-            </a:r>
-            <a:r>
-              <a:rPr lang="en-US" dirty="0" smtClean="0"/>
-              <a:t>60</a:t>
-            </a:r>
-            <a:r>
-              <a:rPr lang="en-US" dirty="0"/>
-              <a:t>%;</a:t>
+              <a:rPr lang="en-US" sz="2800" dirty="0"/>
+              <a:t>			height: 40%;</a:t>
             </a:r>
           </a:p>
           <a:p>
@@ -8334,40 +9225,57 @@
               <a:buNone/>
             </a:pPr>
             <a:r>
-              <a:rPr lang="en-US" dirty="0"/>
-              <a:t>			width: </a:t>
-            </a:r>
-            <a:r>
-              <a:rPr lang="en-US" dirty="0" smtClean="0"/>
-              <a:t>80%;</a:t>
-            </a:r>
-            <a:endParaRPr lang="en-US" dirty="0"/>
+              <a:rPr lang="en-US" sz="2800" dirty="0"/>
+              <a:t>			width: 75%;</a:t>
+            </a:r>
           </a:p>
           <a:p>
             <a:pPr marL="0" indent="0">
               <a:buNone/>
             </a:pPr>
             <a:r>
-              <a:rPr lang="en-US" dirty="0"/>
-              <a:t>		</a:t>
-            </a:r>
-            <a:r>
-              <a:rPr lang="en-US" dirty="0" smtClean="0"/>
-              <a:t>}</a:t>
-            </a:r>
+              <a:rPr lang="en-US" sz="2800" dirty="0"/>
+              <a:t>	</a:t>
+            </a:r>
+            <a:r>
+              <a:rPr lang="en-US" sz="2800" dirty="0" smtClean="0"/>
+              <a:t>	}</a:t>
+            </a:r>
+            <a:endParaRPr lang="en-US" sz="2800" dirty="0"/>
           </a:p>
           <a:p>
             <a:pPr marL="0" indent="0">
               <a:buNone/>
             </a:pPr>
             <a:r>
-              <a:rPr lang="en-US" dirty="0" smtClean="0"/>
+              <a:rPr lang="en-US" sz="2800" dirty="0" smtClean="0"/>
               <a:t>}</a:t>
             </a:r>
-            <a:endParaRPr lang="en-US" dirty="0"/>
-          </a:p>
-          <a:p>
-            <a:endParaRPr lang="en-US" dirty="0"/>
+            <a:endParaRPr lang="en-US" sz="2800" dirty="0"/>
+          </a:p>
+          <a:p>
+            <a:pPr marL="0" indent="0">
+              <a:buNone/>
+            </a:pPr>
+            <a:endParaRPr lang="en-US" sz="2800" dirty="0"/>
+          </a:p>
+          <a:p>
+            <a:pPr marL="0" indent="0">
+              <a:buNone/>
+            </a:pPr>
+            <a:r>
+              <a:rPr lang="en-US" sz="2800" dirty="0"/>
+              <a:t>			</a:t>
+            </a:r>
+          </a:p>
+          <a:p>
+            <a:pPr marL="0" indent="0">
+              <a:buNone/>
+            </a:pPr>
+            <a:r>
+              <a:rPr lang="en-US" sz="2800" dirty="0"/>
+              <a:t>			</a:t>
+            </a:r>
           </a:p>
         </p:txBody>
       </p:sp>
@@ -8397,7 +9305,7 @@
     </p:spTree>
     <p:extLst>
       <p:ext uri="{BB962C8B-B14F-4D97-AF65-F5344CB8AC3E}">
-        <p14:creationId xmlns:p14="http://schemas.microsoft.com/office/powerpoint/2010/main" val="227727531"/>
+        <p14:creationId xmlns:p14="http://schemas.microsoft.com/office/powerpoint/2010/main" val="1466882383"/>
       </p:ext>
     </p:extLst>
   </p:cSld>
@@ -8443,6 +9351,245 @@
         </p:nvSpPr>
         <p:spPr>
           <a:xfrm>
+            <a:off x="685800" y="990600"/>
+            <a:ext cx="7772400" cy="5562600"/>
+          </a:xfrm>
+        </p:spPr>
+        <p:txBody>
+          <a:bodyPr>
+            <a:normAutofit lnSpcReduction="10000"/>
+          </a:bodyPr>
+          <a:lstStyle/>
+          <a:p>
+            <a:pPr marL="0" indent="0">
+              <a:buNone/>
+            </a:pPr>
+            <a:r>
+              <a:rPr lang="en-US" dirty="0"/>
+              <a:t>/* </a:t>
+            </a:r>
+            <a:r>
+              <a:rPr lang="en-US" dirty="0" smtClean="0"/>
+              <a:t>iPads/tablets </a:t>
+            </a:r>
+            <a:r>
+              <a:rPr lang="en-US" dirty="0"/>
+              <a:t>*/</a:t>
+            </a:r>
+          </a:p>
+          <a:p>
+            <a:pPr marL="0" indent="0">
+              <a:buNone/>
+            </a:pPr>
+            <a:r>
+              <a:rPr lang="en-US" dirty="0" smtClean="0"/>
+              <a:t>@</a:t>
+            </a:r>
+            <a:r>
+              <a:rPr lang="en-US" dirty="0"/>
+              <a:t>media only screen </a:t>
+            </a:r>
+          </a:p>
+          <a:p>
+            <a:pPr marL="0" indent="0">
+              <a:buNone/>
+            </a:pPr>
+            <a:r>
+              <a:rPr lang="en-US" dirty="0" smtClean="0"/>
+              <a:t>	and </a:t>
+            </a:r>
+            <a:r>
+              <a:rPr lang="en-US" dirty="0"/>
+              <a:t>(min-device-width : 768px) </a:t>
+            </a:r>
+          </a:p>
+          <a:p>
+            <a:pPr marL="0" indent="0">
+              <a:buNone/>
+            </a:pPr>
+            <a:r>
+              <a:rPr lang="en-US" dirty="0"/>
+              <a:t>	</a:t>
+            </a:r>
+            <a:r>
+              <a:rPr lang="en-US" dirty="0" smtClean="0"/>
+              <a:t>and </a:t>
+            </a:r>
+            <a:r>
+              <a:rPr lang="en-US" dirty="0"/>
+              <a:t>(max-device-width : 1024px) </a:t>
+            </a:r>
+            <a:r>
+              <a:rPr lang="en-US" dirty="0" smtClean="0"/>
+              <a:t>{</a:t>
+            </a:r>
+            <a:r>
+              <a:rPr lang="en-US" dirty="0"/>
+              <a:t>	</a:t>
+            </a:r>
+            <a:endParaRPr lang="en-US" dirty="0" smtClean="0"/>
+          </a:p>
+          <a:p>
+            <a:pPr marL="0" indent="0">
+              <a:buNone/>
+            </a:pPr>
+            <a:r>
+              <a:rPr lang="en-US" dirty="0" smtClean="0"/>
+              <a:t>		</a:t>
+            </a:r>
+          </a:p>
+          <a:p>
+            <a:pPr marL="0" indent="0">
+              <a:buNone/>
+            </a:pPr>
+            <a:r>
+              <a:rPr lang="en-US" dirty="0"/>
+              <a:t>	</a:t>
+            </a:r>
+            <a:r>
+              <a:rPr lang="en-US" dirty="0" smtClean="0"/>
+              <a:t>	.</a:t>
+            </a:r>
+            <a:r>
+              <a:rPr lang="en-US" dirty="0" err="1"/>
+              <a:t>img</a:t>
+            </a:r>
+            <a:r>
+              <a:rPr lang="en-US" dirty="0"/>
+              <a:t>-round  {</a:t>
+            </a:r>
+          </a:p>
+          <a:p>
+            <a:pPr marL="0" indent="0">
+              <a:buNone/>
+            </a:pPr>
+            <a:r>
+              <a:rPr lang="en-US" dirty="0"/>
+              <a:t>			height: </a:t>
+            </a:r>
+            <a:r>
+              <a:rPr lang="en-US" dirty="0" smtClean="0"/>
+              <a:t>60</a:t>
+            </a:r>
+            <a:r>
+              <a:rPr lang="en-US" dirty="0"/>
+              <a:t>%;</a:t>
+            </a:r>
+          </a:p>
+          <a:p>
+            <a:pPr marL="0" indent="0">
+              <a:buNone/>
+            </a:pPr>
+            <a:r>
+              <a:rPr lang="en-US" dirty="0"/>
+              <a:t>			width: </a:t>
+            </a:r>
+            <a:r>
+              <a:rPr lang="en-US" dirty="0" smtClean="0"/>
+              <a:t>80%;</a:t>
+            </a:r>
+            <a:endParaRPr lang="en-US" dirty="0"/>
+          </a:p>
+          <a:p>
+            <a:pPr marL="0" indent="0">
+              <a:buNone/>
+            </a:pPr>
+            <a:r>
+              <a:rPr lang="en-US" dirty="0"/>
+              <a:t>		</a:t>
+            </a:r>
+            <a:r>
+              <a:rPr lang="en-US" dirty="0" smtClean="0"/>
+              <a:t>}</a:t>
+            </a:r>
+          </a:p>
+          <a:p>
+            <a:pPr marL="0" indent="0">
+              <a:buNone/>
+            </a:pPr>
+            <a:r>
+              <a:rPr lang="en-US" dirty="0" smtClean="0"/>
+              <a:t>}</a:t>
+            </a:r>
+            <a:endParaRPr lang="en-US" dirty="0"/>
+          </a:p>
+          <a:p>
+            <a:endParaRPr lang="en-US" dirty="0"/>
+          </a:p>
+        </p:txBody>
+      </p:sp>
+      <p:sp>
+        <p:nvSpPr>
+          <p:cNvPr id="3" name="Title 2"/>
+          <p:cNvSpPr>
+            <a:spLocks noGrp="1"/>
+          </p:cNvSpPr>
+          <p:nvPr>
+            <p:ph type="title"/>
+          </p:nvPr>
+        </p:nvSpPr>
+        <p:spPr/>
+        <p:txBody>
+          <a:bodyPr/>
+          <a:lstStyle/>
+          <a:p>
+            <a:r>
+              <a:rPr lang="en-US" dirty="0" smtClean="0"/>
+              <a:t>Responsive UI?</a:t>
+            </a:r>
+            <a:endParaRPr lang="en-US" dirty="0"/>
+          </a:p>
+        </p:txBody>
+      </p:sp>
+    </p:spTree>
+    <p:extLst>
+      <p:ext uri="{BB962C8B-B14F-4D97-AF65-F5344CB8AC3E}">
+        <p14:creationId xmlns:p14="http://schemas.microsoft.com/office/powerpoint/2010/main" val="227727531"/>
+      </p:ext>
+    </p:extLst>
+  </p:cSld>
+  <p:clrMapOvr>
+    <a:masterClrMapping/>
+  </p:clrMapOvr>
+  <p:timing>
+    <p:tnLst>
+      <p:par>
+        <p:cTn id="1" dur="indefinite" restart="never" nodeType="tmRoot"/>
+      </p:par>
+    </p:tnLst>
+  </p:timing>
+</p:sld>
+</file>
+
+<file path=ppt/slides/slide19.xml><?xml version="1.0" encoding="utf-8"?>
+<p:sld xmlns:a="http://schemas.openxmlformats.org/drawingml/2006/main" xmlns:r="http://schemas.openxmlformats.org/officeDocument/2006/relationships" xmlns:p="http://schemas.openxmlformats.org/presentationml/2006/main">
+  <p:cSld>
+    <p:spTree>
+      <p:nvGrpSpPr>
+        <p:cNvPr id="1" name=""/>
+        <p:cNvGrpSpPr/>
+        <p:nvPr/>
+      </p:nvGrpSpPr>
+      <p:grpSpPr>
+        <a:xfrm>
+          <a:off x="0" y="0"/>
+          <a:ext cx="0" cy="0"/>
+          <a:chOff x="0" y="0"/>
+          <a:chExt cx="0" cy="0"/>
+        </a:xfrm>
+      </p:grpSpPr>
+      <p:sp>
+        <p:nvSpPr>
+          <p:cNvPr id="2" name="Content Placeholder 1"/>
+          <p:cNvSpPr>
+            <a:spLocks noGrp="1"/>
+          </p:cNvSpPr>
+          <p:nvPr>
+            <p:ph sz="quarter" idx="13"/>
+          </p:nvPr>
+        </p:nvSpPr>
+        <p:spPr>
+          <a:xfrm>
             <a:off x="685800" y="1066800"/>
             <a:ext cx="7772400" cy="5486400"/>
           </a:xfrm>
@@ -8626,7 +9773,335 @@
 </p:sld>
 </file>
 
-<file path=ppt/slides/slide19.xml><?xml version="1.0" encoding="utf-8"?>
+<file path=ppt/slides/slide2.xml><?xml version="1.0" encoding="utf-8"?>
+<p:sld xmlns:a="http://schemas.openxmlformats.org/drawingml/2006/main" xmlns:r="http://schemas.openxmlformats.org/officeDocument/2006/relationships" xmlns:p="http://schemas.openxmlformats.org/presentationml/2006/main">
+  <p:cSld>
+    <p:spTree>
+      <p:nvGrpSpPr>
+        <p:cNvPr id="1" name=""/>
+        <p:cNvGrpSpPr/>
+        <p:nvPr/>
+      </p:nvGrpSpPr>
+      <p:grpSpPr>
+        <a:xfrm>
+          <a:off x="0" y="0"/>
+          <a:ext cx="0" cy="0"/>
+          <a:chOff x="0" y="0"/>
+          <a:chExt cx="0" cy="0"/>
+        </a:xfrm>
+      </p:grpSpPr>
+      <p:pic>
+        <p:nvPicPr>
+          <p:cNvPr id="35" name="API-plat.jpg"/>
+          <p:cNvPicPr/>
+          <p:nvPr/>
+        </p:nvPicPr>
+        <p:blipFill>
+          <a:blip r:embed="rId3">
+            <a:extLst/>
+          </a:blip>
+          <a:stretch>
+            <a:fillRect/>
+          </a:stretch>
+        </p:blipFill>
+        <p:spPr>
+          <a:xfrm>
+            <a:off x="2540776" y="2645678"/>
+            <a:ext cx="1933575" cy="1943101"/>
+          </a:xfrm>
+          <a:prstGeom prst="rect">
+            <a:avLst/>
+          </a:prstGeom>
+          <a:ln w="12700">
+            <a:miter lim="400000"/>
+          </a:ln>
+        </p:spPr>
+      </p:pic>
+      <p:pic>
+        <p:nvPicPr>
+          <p:cNvPr id="36" name="InRule-Plat.jpg"/>
+          <p:cNvPicPr/>
+          <p:nvPr/>
+        </p:nvPicPr>
+        <p:blipFill>
+          <a:blip r:embed="rId4">
+            <a:extLst/>
+          </a:blip>
+          <a:stretch>
+            <a:fillRect/>
+          </a:stretch>
+        </p:blipFill>
+        <p:spPr>
+          <a:xfrm>
+            <a:off x="411902" y="2645678"/>
+            <a:ext cx="1933575" cy="1943101"/>
+          </a:xfrm>
+          <a:prstGeom prst="rect">
+            <a:avLst/>
+          </a:prstGeom>
+          <a:ln w="12700">
+            <a:miter lim="400000"/>
+          </a:ln>
+        </p:spPr>
+      </p:pic>
+      <p:pic>
+        <p:nvPicPr>
+          <p:cNvPr id="37" name="paypalBraintree.jpg"/>
+          <p:cNvPicPr/>
+          <p:nvPr/>
+        </p:nvPicPr>
+        <p:blipFill>
+          <a:blip r:embed="rId5">
+            <a:extLst/>
+          </a:blip>
+          <a:stretch>
+            <a:fillRect/>
+          </a:stretch>
+        </p:blipFill>
+        <p:spPr>
+          <a:xfrm>
+            <a:off x="6798524" y="2645678"/>
+            <a:ext cx="1933575" cy="1943101"/>
+          </a:xfrm>
+          <a:prstGeom prst="rect">
+            <a:avLst/>
+          </a:prstGeom>
+          <a:ln w="12700">
+            <a:miter lim="400000"/>
+          </a:ln>
+        </p:spPr>
+      </p:pic>
+      <p:pic>
+        <p:nvPicPr>
+          <p:cNvPr id="38" name="wordpress-com.jpg"/>
+          <p:cNvPicPr/>
+          <p:nvPr/>
+        </p:nvPicPr>
+        <p:blipFill>
+          <a:blip r:embed="rId6">
+            <a:extLst/>
+          </a:blip>
+          <a:stretch>
+            <a:fillRect/>
+          </a:stretch>
+        </p:blipFill>
+        <p:spPr>
+          <a:xfrm>
+            <a:off x="4669650" y="2645678"/>
+            <a:ext cx="1933575" cy="1943101"/>
+          </a:xfrm>
+          <a:prstGeom prst="rect">
+            <a:avLst/>
+          </a:prstGeom>
+          <a:ln w="12700">
+            <a:miter lim="400000"/>
+          </a:ln>
+        </p:spPr>
+      </p:pic>
+      <p:pic>
+        <p:nvPicPr>
+          <p:cNvPr id="39" name="gold-1-skyline.jpg"/>
+          <p:cNvPicPr/>
+          <p:nvPr/>
+        </p:nvPicPr>
+        <p:blipFill>
+          <a:blip r:embed="rId7">
+            <a:extLst/>
+          </a:blip>
+          <a:stretch>
+            <a:fillRect/>
+          </a:stretch>
+        </p:blipFill>
+        <p:spPr>
+          <a:xfrm>
+            <a:off x="872859" y="4701353"/>
+            <a:ext cx="952500" cy="1270001"/>
+          </a:xfrm>
+          <a:prstGeom prst="rect">
+            <a:avLst/>
+          </a:prstGeom>
+          <a:ln w="12700">
+            <a:miter lim="400000"/>
+          </a:ln>
+        </p:spPr>
+      </p:pic>
+      <p:pic>
+        <p:nvPicPr>
+          <p:cNvPr id="40" name="gold-6-ts.jpg"/>
+          <p:cNvPicPr/>
+          <p:nvPr/>
+        </p:nvPicPr>
+        <p:blipFill>
+          <a:blip r:embed="rId8">
+            <a:extLst/>
+          </a:blip>
+          <a:stretch>
+            <a:fillRect/>
+          </a:stretch>
+        </p:blipFill>
+        <p:spPr>
+          <a:xfrm>
+            <a:off x="7318641" y="4701353"/>
+            <a:ext cx="952500" cy="1270001"/>
+          </a:xfrm>
+          <a:prstGeom prst="rect">
+            <a:avLst/>
+          </a:prstGeom>
+          <a:ln w="12700">
+            <a:miter lim="400000"/>
+          </a:ln>
+        </p:spPr>
+      </p:pic>
+      <p:pic>
+        <p:nvPicPr>
+          <p:cNvPr id="41" name="gold-2-safenet.jpg"/>
+          <p:cNvPicPr/>
+          <p:nvPr/>
+        </p:nvPicPr>
+        <p:blipFill>
+          <a:blip r:embed="rId9">
+            <a:extLst/>
+          </a:blip>
+          <a:stretch>
+            <a:fillRect/>
+          </a:stretch>
+        </p:blipFill>
+        <p:spPr>
+          <a:xfrm>
+            <a:off x="2162016" y="4701353"/>
+            <a:ext cx="952500" cy="1270001"/>
+          </a:xfrm>
+          <a:prstGeom prst="rect">
+            <a:avLst/>
+          </a:prstGeom>
+          <a:ln w="12700">
+            <a:miter lim="400000"/>
+          </a:ln>
+        </p:spPr>
+      </p:pic>
+      <p:pic>
+        <p:nvPicPr>
+          <p:cNvPr id="42" name="gold-3-devexpress.jpg"/>
+          <p:cNvPicPr/>
+          <p:nvPr/>
+        </p:nvPicPr>
+        <p:blipFill>
+          <a:blip r:embed="rId10">
+            <a:extLst/>
+          </a:blip>
+          <a:stretch>
+            <a:fillRect/>
+          </a:stretch>
+        </p:blipFill>
+        <p:spPr>
+          <a:xfrm>
+            <a:off x="3451172" y="4701353"/>
+            <a:ext cx="952500" cy="1270001"/>
+          </a:xfrm>
+          <a:prstGeom prst="rect">
+            <a:avLst/>
+          </a:prstGeom>
+          <a:ln w="12700">
+            <a:miter lim="400000"/>
+          </a:ln>
+        </p:spPr>
+      </p:pic>
+      <p:pic>
+        <p:nvPicPr>
+          <p:cNvPr id="43" name="gold-4-omni.jpg"/>
+          <p:cNvPicPr/>
+          <p:nvPr/>
+        </p:nvPicPr>
+        <p:blipFill>
+          <a:blip r:embed="rId11">
+            <a:extLst/>
+          </a:blip>
+          <a:stretch>
+            <a:fillRect/>
+          </a:stretch>
+        </p:blipFill>
+        <p:spPr>
+          <a:xfrm>
+            <a:off x="4740329" y="4701353"/>
+            <a:ext cx="952500" cy="1270001"/>
+          </a:xfrm>
+          <a:prstGeom prst="rect">
+            <a:avLst/>
+          </a:prstGeom>
+          <a:ln w="12700">
+            <a:miter lim="400000"/>
+          </a:ln>
+        </p:spPr>
+      </p:pic>
+      <p:pic>
+        <p:nvPicPr>
+          <p:cNvPr id="44" name="gold-5-corvisa.jpg"/>
+          <p:cNvPicPr/>
+          <p:nvPr/>
+        </p:nvPicPr>
+        <p:blipFill>
+          <a:blip r:embed="rId12">
+            <a:extLst/>
+          </a:blip>
+          <a:stretch>
+            <a:fillRect/>
+          </a:stretch>
+        </p:blipFill>
+        <p:spPr>
+          <a:xfrm>
+            <a:off x="6029485" y="4701353"/>
+            <a:ext cx="952500" cy="1270001"/>
+          </a:xfrm>
+          <a:prstGeom prst="rect">
+            <a:avLst/>
+          </a:prstGeom>
+          <a:ln w="12700">
+            <a:miter lim="400000"/>
+          </a:ln>
+        </p:spPr>
+      </p:pic>
+      <p:pic>
+        <p:nvPicPr>
+          <p:cNvPr id="45" name="ibm.png"/>
+          <p:cNvPicPr/>
+          <p:nvPr/>
+        </p:nvPicPr>
+        <p:blipFill>
+          <a:blip r:embed="rId13">
+            <a:extLst/>
+          </a:blip>
+          <a:stretch>
+            <a:fillRect/>
+          </a:stretch>
+        </p:blipFill>
+        <p:spPr>
+          <a:xfrm>
+            <a:off x="2914363" y="761213"/>
+            <a:ext cx="3315275" cy="1771891"/>
+          </a:xfrm>
+          <a:prstGeom prst="rect">
+            <a:avLst/>
+          </a:prstGeom>
+          <a:ln w="12700">
+            <a:miter lim="400000"/>
+          </a:ln>
+        </p:spPr>
+      </p:pic>
+    </p:spTree>
+    <p:extLst>
+      <p:ext uri="{BB962C8B-B14F-4D97-AF65-F5344CB8AC3E}">
+        <p14:creationId xmlns:p14="http://schemas.microsoft.com/office/powerpoint/2010/main" val="3460265157"/>
+      </p:ext>
+    </p:extLst>
+  </p:cSld>
+  <p:clrMapOvr>
+    <a:masterClrMapping/>
+  </p:clrMapOvr>
+  <p:transition spd="med"/>
+</p:sld>
+</file>
+
+<file path=ppt/slides/slide20.xml><?xml version="1.0" encoding="utf-8"?>
 <p:sld xmlns:a="http://schemas.openxmlformats.org/drawingml/2006/main" xmlns:r="http://schemas.openxmlformats.org/officeDocument/2006/relationships" xmlns:p="http://schemas.openxmlformats.org/presentationml/2006/main">
   <p:cSld>
     <p:spTree>
@@ -8983,7 +10458,7 @@
 </p:sld>
 </file>
 
-<file path=ppt/slides/slide2.xml><?xml version="1.0" encoding="utf-8"?>
+<file path=ppt/slides/slide21.xml><?xml version="1.0" encoding="utf-8"?>
 <p:sld xmlns:a="http://schemas.openxmlformats.org/drawingml/2006/main" xmlns:r="http://schemas.openxmlformats.org/officeDocument/2006/relationships" xmlns:p="http://schemas.openxmlformats.org/presentationml/2006/main">
   <p:cSld>
     <p:spTree>
@@ -9002,265 +10477,6 @@
       </p:grpSpPr>
       <p:sp>
         <p:nvSpPr>
-          <p:cNvPr id="3" name="Title 2"/>
-          <p:cNvSpPr>
-            <a:spLocks noGrp="1"/>
-          </p:cNvSpPr>
-          <p:nvPr>
-            <p:ph type="title"/>
-          </p:nvPr>
-        </p:nvSpPr>
-        <p:spPr>
-          <a:xfrm>
-            <a:off x="3429000" y="152400"/>
-            <a:ext cx="2073348" cy="609600"/>
-          </a:xfrm>
-        </p:spPr>
-        <p:txBody>
-          <a:bodyPr>
-            <a:normAutofit/>
-          </a:bodyPr>
-          <a:lstStyle/>
-          <a:p>
-            <a:pPr algn="ctr"/>
-            <a:r>
-              <a:rPr lang="en-US" sz="2500" dirty="0" smtClean="0"/>
-              <a:t>About me</a:t>
-            </a:r>
-            <a:endParaRPr lang="en-US" sz="2500" dirty="0"/>
-          </a:p>
-        </p:txBody>
-      </p:sp>
-      <p:sp>
-        <p:nvSpPr>
-          <p:cNvPr id="4" name="TextBox 3"/>
-          <p:cNvSpPr txBox="1"/>
-          <p:nvPr/>
-        </p:nvSpPr>
-        <p:spPr>
-          <a:xfrm>
-            <a:off x="457200" y="1143000"/>
-            <a:ext cx="7924800" cy="5293757"/>
-          </a:xfrm>
-          <a:prstGeom prst="rect">
-            <a:avLst/>
-          </a:prstGeom>
-          <a:noFill/>
-        </p:spPr>
-        <p:txBody>
-          <a:bodyPr wrap="square" rtlCol="0">
-            <a:spAutoFit/>
-          </a:bodyPr>
-          <a:lstStyle/>
-          <a:p>
-            <a:r>
-              <a:rPr lang="en-US" sz="2600" b="1" dirty="0" smtClean="0">
-                <a:solidFill>
-                  <a:schemeClr val="bg1"/>
-                </a:solidFill>
-              </a:rPr>
-              <a:t>Senior Developer for The SAVO Group </a:t>
-            </a:r>
-            <a:r>
-              <a:rPr lang="en-US" sz="2600" dirty="0" smtClean="0">
-                <a:solidFill>
-                  <a:schemeClr val="bg1"/>
-                </a:solidFill>
-              </a:rPr>
-              <a:t>– 5 years</a:t>
-            </a:r>
-          </a:p>
-          <a:p>
-            <a:pPr marL="742950" lvl="1" indent="-285750">
-              <a:buFont typeface="Arial" panose="020B0604020202020204" pitchFamily="34" charset="0"/>
-              <a:buChar char="•"/>
-            </a:pPr>
-            <a:r>
-              <a:rPr lang="en-US" sz="2600" dirty="0" smtClean="0">
-                <a:solidFill>
-                  <a:schemeClr val="bg1"/>
-                </a:solidFill>
-              </a:rPr>
-              <a:t>Sales Productivity SaaS</a:t>
-            </a:r>
-          </a:p>
-          <a:p>
-            <a:pPr marL="742950" lvl="1" indent="-285750">
-              <a:buFont typeface="Arial" panose="020B0604020202020204" pitchFamily="34" charset="0"/>
-              <a:buChar char="•"/>
-            </a:pPr>
-            <a:r>
-              <a:rPr lang="en-US" sz="2600" dirty="0" smtClean="0">
-                <a:solidFill>
-                  <a:schemeClr val="bg1"/>
-                </a:solidFill>
-              </a:rPr>
-              <a:t>Backend .NET C# development: user/document automation, tools</a:t>
-            </a:r>
-          </a:p>
-          <a:p>
-            <a:pPr marL="742950" lvl="1" indent="-285750">
-              <a:buFont typeface="Arial" panose="020B0604020202020204" pitchFamily="34" charset="0"/>
-              <a:buChar char="•"/>
-            </a:pPr>
-            <a:endParaRPr lang="en-US" sz="2600" dirty="0" smtClean="0">
-              <a:solidFill>
-                <a:schemeClr val="bg1"/>
-              </a:solidFill>
-            </a:endParaRPr>
-          </a:p>
-          <a:p>
-            <a:r>
-              <a:rPr lang="en-US" sz="2600" b="1" dirty="0" smtClean="0">
-                <a:solidFill>
-                  <a:schemeClr val="bg1"/>
-                </a:solidFill>
-              </a:rPr>
-              <a:t>Mobile app development for Netkosoft </a:t>
-            </a:r>
-            <a:r>
-              <a:rPr lang="en-US" sz="2600" dirty="0" smtClean="0">
-                <a:solidFill>
-                  <a:schemeClr val="bg1"/>
-                </a:solidFill>
-              </a:rPr>
-              <a:t>– 1 year</a:t>
-            </a:r>
-          </a:p>
-          <a:p>
-            <a:pPr marL="742950" lvl="1" indent="-285750">
-              <a:buFont typeface="Arial" panose="020B0604020202020204" pitchFamily="34" charset="0"/>
-              <a:buChar char="•"/>
-            </a:pPr>
-            <a:r>
-              <a:rPr lang="en-US" sz="2600" dirty="0" smtClean="0">
-                <a:solidFill>
-                  <a:schemeClr val="bg1"/>
-                </a:solidFill>
-              </a:rPr>
-              <a:t>Focus on front-end development</a:t>
-            </a:r>
-          </a:p>
-          <a:p>
-            <a:pPr marL="742950" lvl="1" indent="-285750">
-              <a:buFont typeface="Arial" panose="020B0604020202020204" pitchFamily="34" charset="0"/>
-              <a:buChar char="•"/>
-            </a:pPr>
-            <a:r>
-              <a:rPr lang="en-US" sz="2600" dirty="0" smtClean="0">
-                <a:solidFill>
-                  <a:schemeClr val="bg1"/>
-                </a:solidFill>
-              </a:rPr>
-              <a:t>Entirely PhoneGap-based, Hybrid apps</a:t>
-            </a:r>
-          </a:p>
-          <a:p>
-            <a:pPr marL="742950" lvl="1" indent="-285750">
-              <a:buFont typeface="Arial" panose="020B0604020202020204" pitchFamily="34" charset="0"/>
-              <a:buChar char="•"/>
-            </a:pPr>
-            <a:r>
-              <a:rPr lang="en-US" sz="2600" dirty="0" smtClean="0">
-                <a:solidFill>
-                  <a:schemeClr val="bg1"/>
-                </a:solidFill>
-              </a:rPr>
-              <a:t>Team of Two (Partnered with Graphic Designer)</a:t>
-            </a:r>
-          </a:p>
-          <a:p>
-            <a:pPr marL="742950" lvl="1" indent="-285750">
-              <a:buFont typeface="Arial" panose="020B0604020202020204" pitchFamily="34" charset="0"/>
-              <a:buChar char="•"/>
-            </a:pPr>
-            <a:endParaRPr lang="en-US" sz="2600" dirty="0">
-              <a:solidFill>
-                <a:schemeClr val="bg1"/>
-              </a:solidFill>
-            </a:endParaRPr>
-          </a:p>
-          <a:p>
-            <a:r>
-              <a:rPr lang="en-US" sz="2600" b="1" dirty="0" smtClean="0">
-                <a:solidFill>
-                  <a:schemeClr val="bg1"/>
-                </a:solidFill>
-              </a:rPr>
-              <a:t>Netkow.com Blog</a:t>
-            </a:r>
-            <a:endParaRPr lang="en-US" sz="2600" dirty="0">
-              <a:solidFill>
-                <a:schemeClr val="bg1"/>
-              </a:solidFill>
-            </a:endParaRPr>
-          </a:p>
-          <a:p>
-            <a:pPr marL="742950" lvl="1" indent="-285750">
-              <a:buFont typeface="Arial" panose="020B0604020202020204" pitchFamily="34" charset="0"/>
-              <a:buChar char="•"/>
-            </a:pPr>
-            <a:r>
-              <a:rPr lang="en-US" sz="2600" dirty="0" smtClean="0">
-                <a:solidFill>
-                  <a:schemeClr val="bg1"/>
-                </a:solidFill>
-              </a:rPr>
-              <a:t>Technology trends, programming, PhoneGap</a:t>
-            </a:r>
-          </a:p>
-          <a:p>
-            <a:pPr marL="285750" indent="-285750">
-              <a:buFont typeface="Arial" panose="020B0604020202020204" pitchFamily="34" charset="0"/>
-              <a:buChar char="•"/>
-            </a:pPr>
-            <a:endParaRPr lang="en-US" sz="2600" dirty="0">
-              <a:solidFill>
-                <a:schemeClr val="bg1"/>
-              </a:solidFill>
-            </a:endParaRPr>
-          </a:p>
-        </p:txBody>
-      </p:sp>
-    </p:spTree>
-    <p:extLst>
-      <p:ext uri="{BB962C8B-B14F-4D97-AF65-F5344CB8AC3E}">
-        <p14:creationId xmlns:p14="http://schemas.microsoft.com/office/powerpoint/2010/main" val="1034644854"/>
-      </p:ext>
-    </p:extLst>
-  </p:cSld>
-  <p:clrMapOvr>
-    <a:masterClrMapping/>
-  </p:clrMapOvr>
-  <p:timing>
-    <p:tnLst>
-      <p:par>
-        <p:cTn id="1" dur="indefinite" restart="never" nodeType="tmRoot"/>
-      </p:par>
-    </p:tnLst>
-  </p:timing>
-</p:sld>
-</file>
-
-<file path=ppt/slides/slide20.xml><?xml version="1.0" encoding="utf-8"?>
-<p:sld xmlns:a="http://schemas.openxmlformats.org/drawingml/2006/main" xmlns:r="http://schemas.openxmlformats.org/officeDocument/2006/relationships" xmlns:p="http://schemas.openxmlformats.org/presentationml/2006/main">
-  <p:cSld>
-    <p:spTree>
-      <p:nvGrpSpPr>
-        <p:cNvPr id="1" name=""/>
-        <p:cNvGrpSpPr/>
-        <p:nvPr/>
-      </p:nvGrpSpPr>
-      <p:grpSpPr>
-        <a:xfrm>
-          <a:off x="0" y="0"/>
-          <a:ext cx="0" cy="0"/>
-          <a:chOff x="0" y="0"/>
-          <a:chExt cx="0" cy="0"/>
-        </a:xfrm>
-      </p:grpSpPr>
-      <p:sp>
-        <p:nvSpPr>
           <p:cNvPr id="2" name="Content Placeholder 1"/>
           <p:cNvSpPr>
             <a:spLocks noGrp="1"/>
@@ -9290,15 +10506,7 @@
                   <a:srgbClr val="FF0000"/>
                 </a:solidFill>
               </a:rPr>
-              <a:t>~$</a:t>
-            </a:r>
-            <a:r>
-              <a:rPr lang="en-US" sz="4800" dirty="0" smtClean="0">
-                <a:solidFill>
-                  <a:srgbClr val="FF0000"/>
-                </a:solidFill>
-              </a:rPr>
-              <a:t>700, </a:t>
+              <a:t>~$700, </a:t>
             </a:r>
             <a:r>
               <a:rPr lang="en-US" sz="4800" dirty="0">
@@ -9314,15 +10522,7 @@
                   <a:srgbClr val="FF0000"/>
                 </a:solidFill>
               </a:rPr>
-              <a:t>arly </a:t>
-            </a:r>
-            <a:r>
-              <a:rPr lang="en-US" sz="4800" dirty="0" smtClean="0">
-                <a:solidFill>
-                  <a:srgbClr val="FF0000"/>
-                </a:solidFill>
-              </a:rPr>
-              <a:t>2013</a:t>
+              <a:t>arly 2013</a:t>
             </a:r>
           </a:p>
           <a:p>
@@ -9357,15 +10557,7 @@
                   <a:srgbClr val="FFFF00"/>
                 </a:solidFill>
               </a:rPr>
-              <a:t>ate </a:t>
-            </a:r>
-            <a:r>
-              <a:rPr lang="en-US" sz="4800" dirty="0" smtClean="0">
-                <a:solidFill>
-                  <a:srgbClr val="FFFF00"/>
-                </a:solidFill>
-              </a:rPr>
-              <a:t>2013</a:t>
+              <a:t>ate 2013</a:t>
             </a:r>
           </a:p>
           <a:p>
@@ -9390,23 +10582,7 @@
                   <a:srgbClr val="66FF33"/>
                 </a:solidFill>
               </a:rPr>
-              <a:t>Free/open-source</a:t>
-            </a:r>
-            <a:r>
-              <a:rPr lang="en-US" sz="4800" dirty="0" smtClean="0">
-                <a:solidFill>
-                  <a:srgbClr val="66FF33"/>
-                </a:solidFill>
-              </a:rPr>
-              <a:t>, April </a:t>
-            </a:r>
-            <a:r>
-              <a:rPr lang="en-US" sz="4800" dirty="0" smtClean="0">
-                <a:solidFill>
-                  <a:srgbClr val="66FF33"/>
-                </a:solidFill>
-              </a:rPr>
-              <a:t>2014 </a:t>
+              <a:t>Free/open-source, April 2014 </a:t>
             </a:r>
             <a:endParaRPr lang="en-US" sz="4800" dirty="0">
               <a:solidFill>
@@ -9831,7 +11007,7 @@
 </p:sld>
 </file>
 
-<file path=ppt/slides/slide21.xml><?xml version="1.0" encoding="utf-8"?>
+<file path=ppt/slides/slide22.xml><?xml version="1.0" encoding="utf-8"?>
 <p:sld xmlns:a="http://schemas.openxmlformats.org/drawingml/2006/main" xmlns:r="http://schemas.openxmlformats.org/officeDocument/2006/relationships" xmlns:p="http://schemas.openxmlformats.org/presentationml/2006/main">
   <p:cSld>
     <p:spTree>
@@ -10518,7 +11694,7 @@
 </p:sld>
 </file>
 
-<file path=ppt/slides/slide22.xml><?xml version="1.0" encoding="utf-8"?>
+<file path=ppt/slides/slide23.xml><?xml version="1.0" encoding="utf-8"?>
 <p:sld xmlns:a="http://schemas.openxmlformats.org/drawingml/2006/main" xmlns:r="http://schemas.openxmlformats.org/officeDocument/2006/relationships" xmlns:p="http://schemas.openxmlformats.org/presentationml/2006/main">
   <p:cSld>
     <p:spTree>
@@ -10730,45 +11906,21 @@
                   <a:schemeClr val="bg1"/>
                 </a:solidFill>
               </a:rPr>
-              <a:t>compilers, or hardware </a:t>
-            </a:r>
+              <a:t>compilers, or hardware (iOS requires a Mac)</a:t>
+            </a:r>
+          </a:p>
+          <a:p>
+            <a:pPr marL="285750" indent="-285750">
+              <a:buFontTx/>
+              <a:buChar char="-"/>
+            </a:pPr>
             <a:r>
               <a:rPr lang="en-US" sz="2600" dirty="0" smtClean="0">
                 <a:solidFill>
                   <a:schemeClr val="bg1"/>
                 </a:solidFill>
               </a:rPr>
-              <a:t>(</a:t>
-            </a:r>
-            <a:r>
-              <a:rPr lang="en-US" sz="2600" dirty="0" smtClean="0">
-                <a:solidFill>
-                  <a:schemeClr val="bg1"/>
-                </a:solidFill>
-              </a:rPr>
-              <a:t>iOS requires a Mac)</a:t>
-            </a:r>
-          </a:p>
-          <a:p>
-            <a:pPr marL="285750" indent="-285750">
-              <a:buFontTx/>
-              <a:buChar char="-"/>
-            </a:pPr>
-            <a:r>
-              <a:rPr lang="en-US" sz="2600" dirty="0" smtClean="0">
-                <a:solidFill>
-                  <a:schemeClr val="bg1"/>
-                </a:solidFill>
-              </a:rPr>
-              <a:t>1 private app </a:t>
-            </a:r>
-            <a:r>
-              <a:rPr lang="en-US" sz="2600" dirty="0" smtClean="0">
-                <a:solidFill>
-                  <a:schemeClr val="bg1"/>
-                </a:solidFill>
-              </a:rPr>
-              <a:t>free, unlimited open source apps </a:t>
+              <a:t>1 private app free, unlimited open source apps </a:t>
             </a:r>
             <a:endParaRPr lang="en-US" sz="2600" dirty="0">
               <a:solidFill>
@@ -11633,7 +12785,7 @@
 </p:sld>
 </file>
 
-<file path=ppt/slides/slide23.xml><?xml version="1.0" encoding="utf-8"?>
+<file path=ppt/slides/slide24.xml><?xml version="1.0" encoding="utf-8"?>
 <p:sld xmlns:a="http://schemas.openxmlformats.org/drawingml/2006/main" xmlns:r="http://schemas.openxmlformats.org/officeDocument/2006/relationships" xmlns:p="http://schemas.openxmlformats.org/presentationml/2006/main">
   <p:cSld>
     <p:spTree>
@@ -11679,7 +12831,6 @@
               <a:rPr lang="en-US" dirty="0" smtClean="0"/>
               <a:t>Plugins</a:t>
             </a:r>
-            <a:endParaRPr lang="en-US" dirty="0" smtClean="0"/>
           </a:p>
           <a:p>
             <a:pPr lvl="1"/>
@@ -11733,11 +12884,7 @@
             <a:pPr lvl="1"/>
             <a:r>
               <a:rPr lang="en-US" dirty="0" smtClean="0"/>
-              <a:t>Use individually </a:t>
-            </a:r>
-            <a:r>
-              <a:rPr lang="en-US" dirty="0" smtClean="0"/>
-              <a:t>or with a team</a:t>
+              <a:t>Use individually or with a team</a:t>
             </a:r>
           </a:p>
           <a:p>
@@ -13038,7 +14185,7 @@
 </p:sld>
 </file>
 
-<file path=ppt/slides/slide24.xml><?xml version="1.0" encoding="utf-8"?>
+<file path=ppt/slides/slide25.xml><?xml version="1.0" encoding="utf-8"?>
 <p:sld xmlns:a="http://schemas.openxmlformats.org/drawingml/2006/main" xmlns:r="http://schemas.openxmlformats.org/officeDocument/2006/relationships" xmlns:p="http://schemas.openxmlformats.org/presentationml/2006/main">
   <p:cSld>
     <p:spTree>
@@ -13219,7 +14366,7 @@
 </p:sld>
 </file>
 
-<file path=ppt/slides/slide25.xml><?xml version="1.0" encoding="utf-8"?>
+<file path=ppt/slides/slide26.xml><?xml version="1.0" encoding="utf-8"?>
 <p:sld xmlns:a="http://schemas.openxmlformats.org/drawingml/2006/main" xmlns:r="http://schemas.openxmlformats.org/officeDocument/2006/relationships" xmlns:p="http://schemas.openxmlformats.org/presentationml/2006/main">
   <p:cSld>
     <p:spTree>
@@ -14189,7 +15336,7 @@
 </p:sld>
 </file>
 
-<file path=ppt/slides/slide26.xml><?xml version="1.0" encoding="utf-8"?>
+<file path=ppt/slides/slide27.xml><?xml version="1.0" encoding="utf-8"?>
 <p:sld xmlns:a="http://schemas.openxmlformats.org/drawingml/2006/main" xmlns:r="http://schemas.openxmlformats.org/officeDocument/2006/relationships" xmlns:p="http://schemas.openxmlformats.org/presentationml/2006/main">
   <p:cSld>
     <p:spTree>
@@ -14682,15 +15829,7 @@
                   <a:schemeClr val="bg1"/>
                 </a:solidFill>
               </a:rPr>
-              <a:t>Over 10,000 </a:t>
-            </a:r>
-            <a:r>
-              <a:rPr lang="en-US" dirty="0" smtClean="0">
-                <a:solidFill>
-                  <a:schemeClr val="bg1"/>
-                </a:solidFill>
-              </a:rPr>
-              <a:t>paying users in 1 year</a:t>
+              <a:t>Over 10,000 paying users in 1 year</a:t>
             </a:r>
             <a:endParaRPr lang="en-US" dirty="0">
               <a:solidFill>
@@ -14720,7 +15859,7 @@
 </p:sld>
 </file>
 
-<file path=ppt/slides/slide27.xml><?xml version="1.0" encoding="utf-8"?>
+<file path=ppt/slides/slide28.xml><?xml version="1.0" encoding="utf-8"?>
 <p:sld xmlns:a="http://schemas.openxmlformats.org/drawingml/2006/main" xmlns:r="http://schemas.openxmlformats.org/officeDocument/2006/relationships" xmlns:p="http://schemas.openxmlformats.org/presentationml/2006/main">
   <p:cSld>
     <p:spTree>
@@ -15074,7 +16213,7 @@
 </p:sld>
 </file>
 
-<file path=ppt/slides/slide28.xml><?xml version="1.0" encoding="utf-8"?>
+<file path=ppt/slides/slide29.xml><?xml version="1.0" encoding="utf-8"?>
 <p:sld xmlns:a="http://schemas.openxmlformats.org/drawingml/2006/main" xmlns:r="http://schemas.openxmlformats.org/officeDocument/2006/relationships" xmlns:p="http://schemas.openxmlformats.org/presentationml/2006/main">
   <p:cSld>
     <p:spTree>
@@ -15109,7 +16248,7 @@
         </p:spPr>
         <p:txBody>
           <a:bodyPr>
-            <a:normAutofit fontScale="92500" lnSpcReduction="10000"/>
+            <a:normAutofit fontScale="92500" lnSpcReduction="20000"/>
           </a:bodyPr>
           <a:lstStyle/>
           <a:p>
@@ -15154,11 +16293,7 @@
             <a:pPr lvl="1"/>
             <a:r>
               <a:rPr lang="en-US" i="0" dirty="0" smtClean="0"/>
-              <a:t>iOS</a:t>
-            </a:r>
-            <a:r>
-              <a:rPr lang="en-US" i="0" dirty="0" smtClean="0"/>
-              <a:t>: </a:t>
+              <a:t>iOS: </a:t>
             </a:r>
             <a:r>
               <a:rPr lang="en-US" i="0" dirty="0"/>
@@ -15190,8 +16325,20 @@
             </a:r>
             <a:r>
               <a:rPr lang="en-US" i="0" dirty="0"/>
-              <a:t>: v4.4 has new WebView version based on Chromium</a:t>
-            </a:r>
+              <a:t>: v4.4 has new WebView version based on </a:t>
+            </a:r>
+            <a:r>
+              <a:rPr lang="en-US" i="0" dirty="0" smtClean="0"/>
+              <a:t>Chromium</a:t>
+            </a:r>
+          </a:p>
+          <a:p>
+            <a:pPr lvl="1"/>
+            <a:r>
+              <a:rPr lang="en-US" i="0" dirty="0" smtClean="0"/>
+              <a:t>Windows Phone 8: IE10-based WebView</a:t>
+            </a:r>
+            <a:endParaRPr lang="en-US" i="0" dirty="0"/>
           </a:p>
           <a:p>
             <a:pPr marL="0" indent="0">
@@ -15762,7 +16909,7 @@
                                         <p:tgtEl>
                                           <p:spTgt spid="2">
                                             <p:txEl>
-                                              <p:pRg st="6" end="6"/>
+                                              <p:pRg st="5" end="5"/>
                                             </p:txEl>
                                           </p:spTgt>
                                         </p:tgtEl>
@@ -15780,7 +16927,7 @@
                                         <p:tgtEl>
                                           <p:spTgt spid="2">
                                             <p:txEl>
-                                              <p:pRg st="6" end="6"/>
+                                              <p:pRg st="5" end="5"/>
                                             </p:txEl>
                                           </p:spTgt>
                                         </p:tgtEl>
@@ -15792,7 +16939,7 @@
                                         <p:tgtEl>
                                           <p:spTgt spid="2">
                                             <p:txEl>
-                                              <p:pRg st="6" end="6"/>
+                                              <p:pRg st="5" end="5"/>
                                             </p:txEl>
                                           </p:spTgt>
                                         </p:tgtEl>
@@ -15819,7 +16966,122 @@
                                         <p:tgtEl>
                                           <p:spTgt spid="2">
                                             <p:txEl>
-                                              <p:pRg st="6" end="6"/>
+                                              <p:pRg st="5" end="5"/>
+                                            </p:txEl>
+                                          </p:spTgt>
+                                        </p:tgtEl>
+                                        <p:attrNameLst>
+                                          <p:attrName>ppt_y</p:attrName>
+                                        </p:attrNameLst>
+                                      </p:cBhvr>
+                                      <p:tavLst>
+                                        <p:tav tm="0">
+                                          <p:val>
+                                            <p:strVal val="#ppt_y+.1"/>
+                                          </p:val>
+                                        </p:tav>
+                                        <p:tav tm="100000">
+                                          <p:val>
+                                            <p:strVal val="#ppt_y"/>
+                                          </p:val>
+                                        </p:tav>
+                                      </p:tavLst>
+                                    </p:anim>
+                                  </p:childTnLst>
+                                </p:cTn>
+                              </p:par>
+                            </p:childTnLst>
+                          </p:cTn>
+                        </p:par>
+                      </p:childTnLst>
+                    </p:cTn>
+                  </p:par>
+                  <p:par>
+                    <p:cTn id="36" fill="hold">
+                      <p:stCondLst>
+                        <p:cond delay="indefinite"/>
+                      </p:stCondLst>
+                      <p:childTnLst>
+                        <p:par>
+                          <p:cTn id="37" fill="hold">
+                            <p:stCondLst>
+                              <p:cond delay="0"/>
+                            </p:stCondLst>
+                            <p:childTnLst>
+                              <p:par>
+                                <p:cTn id="38" presetID="42" presetClass="entr" presetSubtype="0" fill="hold" nodeType="clickEffect">
+                                  <p:stCondLst>
+                                    <p:cond delay="0"/>
+                                  </p:stCondLst>
+                                  <p:childTnLst>
+                                    <p:set>
+                                      <p:cBhvr>
+                                        <p:cTn id="39" dur="1" fill="hold">
+                                          <p:stCondLst>
+                                            <p:cond delay="0"/>
+                                          </p:stCondLst>
+                                        </p:cTn>
+                                        <p:tgtEl>
+                                          <p:spTgt spid="2">
+                                            <p:txEl>
+                                              <p:pRg st="7" end="7"/>
+                                            </p:txEl>
+                                          </p:spTgt>
+                                        </p:tgtEl>
+                                        <p:attrNameLst>
+                                          <p:attrName>style.visibility</p:attrName>
+                                        </p:attrNameLst>
+                                      </p:cBhvr>
+                                      <p:to>
+                                        <p:strVal val="visible"/>
+                                      </p:to>
+                                    </p:set>
+                                    <p:animEffect transition="in" filter="fade">
+                                      <p:cBhvr>
+                                        <p:cTn id="40" dur="1000"/>
+                                        <p:tgtEl>
+                                          <p:spTgt spid="2">
+                                            <p:txEl>
+                                              <p:pRg st="7" end="7"/>
+                                            </p:txEl>
+                                          </p:spTgt>
+                                        </p:tgtEl>
+                                      </p:cBhvr>
+                                    </p:animEffect>
+                                    <p:anim calcmode="lin" valueType="num">
+                                      <p:cBhvr>
+                                        <p:cTn id="41" dur="1000" fill="hold"/>
+                                        <p:tgtEl>
+                                          <p:spTgt spid="2">
+                                            <p:txEl>
+                                              <p:pRg st="7" end="7"/>
+                                            </p:txEl>
+                                          </p:spTgt>
+                                        </p:tgtEl>
+                                        <p:attrNameLst>
+                                          <p:attrName>ppt_x</p:attrName>
+                                        </p:attrNameLst>
+                                      </p:cBhvr>
+                                      <p:tavLst>
+                                        <p:tav tm="0">
+                                          <p:val>
+                                            <p:strVal val="#ppt_x"/>
+                                          </p:val>
+                                        </p:tav>
+                                        <p:tav tm="100000">
+                                          <p:val>
+                                            <p:strVal val="#ppt_x"/>
+                                          </p:val>
+                                        </p:tav>
+                                      </p:tavLst>
+                                    </p:anim>
+                                    <p:anim calcmode="lin" valueType="num">
+                                      <p:cBhvr>
+                                        <p:cTn id="42" dur="1000" fill="hold"/>
+                                        <p:tgtEl>
+                                          <p:spTgt spid="2">
+                                            <p:txEl>
+                                              <p:pRg st="7" end="7"/>
                                             </p:txEl>
                                           </p:spTgt>
                                         </p:tgtEl>
@@ -15874,7 +17136,7 @@
 </p:sld>
 </file>
 
-<file path=ppt/slides/slide29.xml><?xml version="1.0" encoding="utf-8"?>
+<file path=ppt/slides/slide3.xml><?xml version="1.0" encoding="utf-8"?>
 <p:sld xmlns:a="http://schemas.openxmlformats.org/drawingml/2006/main" xmlns:r="http://schemas.openxmlformats.org/officeDocument/2006/relationships" xmlns:p="http://schemas.openxmlformats.org/presentationml/2006/main">
   <p:cSld>
     <p:spTree>
@@ -15893,6 +17155,265 @@
       </p:grpSpPr>
       <p:sp>
         <p:nvSpPr>
+          <p:cNvPr id="3" name="Title 2"/>
+          <p:cNvSpPr>
+            <a:spLocks noGrp="1"/>
+          </p:cNvSpPr>
+          <p:nvPr>
+            <p:ph type="title"/>
+          </p:nvPr>
+        </p:nvSpPr>
+        <p:spPr>
+          <a:xfrm>
+            <a:off x="3429000" y="152400"/>
+            <a:ext cx="2073348" cy="609600"/>
+          </a:xfrm>
+        </p:spPr>
+        <p:txBody>
+          <a:bodyPr>
+            <a:normAutofit/>
+          </a:bodyPr>
+          <a:lstStyle/>
+          <a:p>
+            <a:pPr algn="ctr"/>
+            <a:r>
+              <a:rPr lang="en-US" sz="2500" dirty="0" smtClean="0"/>
+              <a:t>About me</a:t>
+            </a:r>
+            <a:endParaRPr lang="en-US" sz="2500" dirty="0"/>
+          </a:p>
+        </p:txBody>
+      </p:sp>
+      <p:sp>
+        <p:nvSpPr>
+          <p:cNvPr id="4" name="TextBox 3"/>
+          <p:cNvSpPr txBox="1"/>
+          <p:nvPr/>
+        </p:nvSpPr>
+        <p:spPr>
+          <a:xfrm>
+            <a:off x="457200" y="1143000"/>
+            <a:ext cx="7924800" cy="5293757"/>
+          </a:xfrm>
+          <a:prstGeom prst="rect">
+            <a:avLst/>
+          </a:prstGeom>
+          <a:noFill/>
+        </p:spPr>
+        <p:txBody>
+          <a:bodyPr wrap="square" rtlCol="0">
+            <a:spAutoFit/>
+          </a:bodyPr>
+          <a:lstStyle/>
+          <a:p>
+            <a:r>
+              <a:rPr lang="en-US" sz="2600" b="1" dirty="0" smtClean="0">
+                <a:solidFill>
+                  <a:schemeClr val="bg1"/>
+                </a:solidFill>
+              </a:rPr>
+              <a:t>Senior Developer for The SAVO Group </a:t>
+            </a:r>
+            <a:r>
+              <a:rPr lang="en-US" sz="2600" dirty="0" smtClean="0">
+                <a:solidFill>
+                  <a:schemeClr val="bg1"/>
+                </a:solidFill>
+              </a:rPr>
+              <a:t>– 5 years</a:t>
+            </a:r>
+          </a:p>
+          <a:p>
+            <a:pPr marL="742950" lvl="1" indent="-285750">
+              <a:buFont typeface="Arial" panose="020B0604020202020204" pitchFamily="34" charset="0"/>
+              <a:buChar char="•"/>
+            </a:pPr>
+            <a:r>
+              <a:rPr lang="en-US" sz="2600" dirty="0" smtClean="0">
+                <a:solidFill>
+                  <a:schemeClr val="bg1"/>
+                </a:solidFill>
+              </a:rPr>
+              <a:t>Sales Productivity SaaS</a:t>
+            </a:r>
+          </a:p>
+          <a:p>
+            <a:pPr marL="742950" lvl="1" indent="-285750">
+              <a:buFont typeface="Arial" panose="020B0604020202020204" pitchFamily="34" charset="0"/>
+              <a:buChar char="•"/>
+            </a:pPr>
+            <a:r>
+              <a:rPr lang="en-US" sz="2600" dirty="0" smtClean="0">
+                <a:solidFill>
+                  <a:schemeClr val="bg1"/>
+                </a:solidFill>
+              </a:rPr>
+              <a:t>Backend .NET C# development: user/document automation, tools</a:t>
+            </a:r>
+          </a:p>
+          <a:p>
+            <a:pPr marL="742950" lvl="1" indent="-285750">
+              <a:buFont typeface="Arial" panose="020B0604020202020204" pitchFamily="34" charset="0"/>
+              <a:buChar char="•"/>
+            </a:pPr>
+            <a:endParaRPr lang="en-US" sz="2600" dirty="0" smtClean="0">
+              <a:solidFill>
+                <a:schemeClr val="bg1"/>
+              </a:solidFill>
+            </a:endParaRPr>
+          </a:p>
+          <a:p>
+            <a:r>
+              <a:rPr lang="en-US" sz="2600" b="1" dirty="0" smtClean="0">
+                <a:solidFill>
+                  <a:schemeClr val="bg1"/>
+                </a:solidFill>
+              </a:rPr>
+              <a:t>Mobile app development for Netkosoft </a:t>
+            </a:r>
+            <a:r>
+              <a:rPr lang="en-US" sz="2600" dirty="0" smtClean="0">
+                <a:solidFill>
+                  <a:schemeClr val="bg1"/>
+                </a:solidFill>
+              </a:rPr>
+              <a:t>– 1 year</a:t>
+            </a:r>
+          </a:p>
+          <a:p>
+            <a:pPr marL="742950" lvl="1" indent="-285750">
+              <a:buFont typeface="Arial" panose="020B0604020202020204" pitchFamily="34" charset="0"/>
+              <a:buChar char="•"/>
+            </a:pPr>
+            <a:r>
+              <a:rPr lang="en-US" sz="2600" dirty="0" smtClean="0">
+                <a:solidFill>
+                  <a:schemeClr val="bg1"/>
+                </a:solidFill>
+              </a:rPr>
+              <a:t>Focus on front-end development</a:t>
+            </a:r>
+          </a:p>
+          <a:p>
+            <a:pPr marL="742950" lvl="1" indent="-285750">
+              <a:buFont typeface="Arial" panose="020B0604020202020204" pitchFamily="34" charset="0"/>
+              <a:buChar char="•"/>
+            </a:pPr>
+            <a:r>
+              <a:rPr lang="en-US" sz="2600" dirty="0" smtClean="0">
+                <a:solidFill>
+                  <a:schemeClr val="bg1"/>
+                </a:solidFill>
+              </a:rPr>
+              <a:t>Entirely PhoneGap-based, Hybrid apps</a:t>
+            </a:r>
+          </a:p>
+          <a:p>
+            <a:pPr marL="742950" lvl="1" indent="-285750">
+              <a:buFont typeface="Arial" panose="020B0604020202020204" pitchFamily="34" charset="0"/>
+              <a:buChar char="•"/>
+            </a:pPr>
+            <a:r>
+              <a:rPr lang="en-US" sz="2600" dirty="0" smtClean="0">
+                <a:solidFill>
+                  <a:schemeClr val="bg1"/>
+                </a:solidFill>
+              </a:rPr>
+              <a:t>Team of Two (Partnered with Graphic Designer)</a:t>
+            </a:r>
+          </a:p>
+          <a:p>
+            <a:pPr marL="742950" lvl="1" indent="-285750">
+              <a:buFont typeface="Arial" panose="020B0604020202020204" pitchFamily="34" charset="0"/>
+              <a:buChar char="•"/>
+            </a:pPr>
+            <a:endParaRPr lang="en-US" sz="2600" dirty="0">
+              <a:solidFill>
+                <a:schemeClr val="bg1"/>
+              </a:solidFill>
+            </a:endParaRPr>
+          </a:p>
+          <a:p>
+            <a:r>
+              <a:rPr lang="en-US" sz="2600" b="1" dirty="0" smtClean="0">
+                <a:solidFill>
+                  <a:schemeClr val="bg1"/>
+                </a:solidFill>
+              </a:rPr>
+              <a:t>Netkow.com Blog</a:t>
+            </a:r>
+            <a:endParaRPr lang="en-US" sz="2600" dirty="0">
+              <a:solidFill>
+                <a:schemeClr val="bg1"/>
+              </a:solidFill>
+            </a:endParaRPr>
+          </a:p>
+          <a:p>
+            <a:pPr marL="742950" lvl="1" indent="-285750">
+              <a:buFont typeface="Arial" panose="020B0604020202020204" pitchFamily="34" charset="0"/>
+              <a:buChar char="•"/>
+            </a:pPr>
+            <a:r>
+              <a:rPr lang="en-US" sz="2600" dirty="0" smtClean="0">
+                <a:solidFill>
+                  <a:schemeClr val="bg1"/>
+                </a:solidFill>
+              </a:rPr>
+              <a:t>Technology trends, programming, PhoneGap</a:t>
+            </a:r>
+          </a:p>
+          <a:p>
+            <a:pPr marL="285750" indent="-285750">
+              <a:buFont typeface="Arial" panose="020B0604020202020204" pitchFamily="34" charset="0"/>
+              <a:buChar char="•"/>
+            </a:pPr>
+            <a:endParaRPr lang="en-US" sz="2600" dirty="0">
+              <a:solidFill>
+                <a:schemeClr val="bg1"/>
+              </a:solidFill>
+            </a:endParaRPr>
+          </a:p>
+        </p:txBody>
+      </p:sp>
+    </p:spTree>
+    <p:extLst>
+      <p:ext uri="{BB962C8B-B14F-4D97-AF65-F5344CB8AC3E}">
+        <p14:creationId xmlns:p14="http://schemas.microsoft.com/office/powerpoint/2010/main" val="1034644854"/>
+      </p:ext>
+    </p:extLst>
+  </p:cSld>
+  <p:clrMapOvr>
+    <a:masterClrMapping/>
+  </p:clrMapOvr>
+  <p:timing>
+    <p:tnLst>
+      <p:par>
+        <p:cTn id="1" dur="indefinite" restart="never" nodeType="tmRoot"/>
+      </p:par>
+    </p:tnLst>
+  </p:timing>
+</p:sld>
+</file>
+
+<file path=ppt/slides/slide30.xml><?xml version="1.0" encoding="utf-8"?>
+<p:sld xmlns:a="http://schemas.openxmlformats.org/drawingml/2006/main" xmlns:r="http://schemas.openxmlformats.org/officeDocument/2006/relationships" xmlns:p="http://schemas.openxmlformats.org/presentationml/2006/main">
+  <p:cSld>
+    <p:spTree>
+      <p:nvGrpSpPr>
+        <p:cNvPr id="1" name=""/>
+        <p:cNvGrpSpPr/>
+        <p:nvPr/>
+      </p:nvGrpSpPr>
+      <p:grpSpPr>
+        <a:xfrm>
+          <a:off x="0" y="0"/>
+          <a:ext cx="0" cy="0"/>
+          <a:chOff x="0" y="0"/>
+          <a:chExt cx="0" cy="0"/>
+        </a:xfrm>
+      </p:grpSpPr>
+      <p:sp>
+        <p:nvSpPr>
           <p:cNvPr id="2" name="Content Placeholder 1"/>
           <p:cNvSpPr>
             <a:spLocks noGrp="1"/>
@@ -15918,11 +17439,7 @@
             </a:pPr>
             <a:r>
               <a:rPr lang="en-US" sz="4000" b="1" dirty="0" smtClean="0"/>
-              <a:t>Pick</a:t>
-            </a:r>
-            <a:r>
-              <a:rPr lang="en-US" sz="4000" b="1" dirty="0" smtClean="0"/>
-              <a:t> Hybrid!</a:t>
+              <a:t>Pick Hybrid!</a:t>
             </a:r>
           </a:p>
           <a:p>
@@ -15974,11 +17491,7 @@
             </a:pPr>
             <a:r>
               <a:rPr lang="en-US" dirty="0" smtClean="0"/>
-              <a:t>	Build </a:t>
-            </a:r>
-            <a:r>
-              <a:rPr lang="en-US" dirty="0" smtClean="0"/>
-              <a:t>for all devices</a:t>
+              <a:t>	Build for all devices</a:t>
             </a:r>
           </a:p>
           <a:p>
@@ -16048,307 +17561,7 @@
 </p:sld>
 </file>
 
-<file path=ppt/slides/slide3.xml><?xml version="1.0" encoding="utf-8"?>
-<p:sld xmlns:a="http://schemas.openxmlformats.org/drawingml/2006/main" xmlns:r="http://schemas.openxmlformats.org/officeDocument/2006/relationships" xmlns:p="http://schemas.openxmlformats.org/presentationml/2006/main">
-  <p:cSld>
-    <p:spTree>
-      <p:nvGrpSpPr>
-        <p:cNvPr id="1" name=""/>
-        <p:cNvGrpSpPr/>
-        <p:nvPr/>
-      </p:nvGrpSpPr>
-      <p:grpSpPr>
-        <a:xfrm>
-          <a:off x="0" y="0"/>
-          <a:ext cx="0" cy="0"/>
-          <a:chOff x="0" y="0"/>
-          <a:chExt cx="0" cy="0"/>
-        </a:xfrm>
-      </p:grpSpPr>
-      <p:sp>
-        <p:nvSpPr>
-          <p:cNvPr id="2" name="Content Placeholder 1"/>
-          <p:cNvSpPr>
-            <a:spLocks noGrp="1"/>
-          </p:cNvSpPr>
-          <p:nvPr>
-            <p:ph sz="quarter" idx="13"/>
-          </p:nvPr>
-        </p:nvSpPr>
-        <p:spPr>
-          <a:xfrm>
-            <a:off x="685800" y="1545336"/>
-            <a:ext cx="7772400" cy="4626864"/>
-          </a:xfrm>
-        </p:spPr>
-        <p:txBody>
-          <a:bodyPr>
-            <a:normAutofit/>
-          </a:bodyPr>
-          <a:lstStyle/>
-          <a:p>
-            <a:pPr marL="0" indent="0" algn="ctr">
-              <a:buNone/>
-            </a:pPr>
-            <a:r>
-              <a:rPr lang="en-US" sz="8000" i="0" dirty="0"/>
-              <a:t>By 2016, </a:t>
-            </a:r>
-            <a:r>
-              <a:rPr lang="en-US" sz="8000" dirty="0" smtClean="0"/>
-              <a:t>&gt; </a:t>
-            </a:r>
-            <a:r>
-              <a:rPr lang="en-US" sz="8000" b="1" dirty="0" smtClean="0"/>
-              <a:t>50</a:t>
-            </a:r>
-            <a:r>
-              <a:rPr lang="en-US" sz="8000" b="1" dirty="0"/>
-              <a:t>%</a:t>
-            </a:r>
-            <a:r>
-              <a:rPr lang="en-US" sz="8000" dirty="0"/>
-              <a:t> </a:t>
-            </a:r>
-            <a:r>
-              <a:rPr lang="en-US" sz="8000" i="0" dirty="0" smtClean="0"/>
-              <a:t>of </a:t>
-            </a:r>
-            <a:r>
-              <a:rPr lang="en-US" sz="8000" i="0" dirty="0"/>
-              <a:t>mobile apps will be </a:t>
-            </a:r>
-            <a:r>
-              <a:rPr lang="en-US" sz="8000" i="0" dirty="0" smtClean="0"/>
-              <a:t>hybrid.</a:t>
-            </a:r>
-            <a:endParaRPr lang="en-US" sz="8000" i="0" dirty="0"/>
-          </a:p>
-          <a:p>
-            <a:pPr marL="0" indent="0">
-              <a:buNone/>
-            </a:pPr>
-            <a:endParaRPr lang="en-US" sz="8000" dirty="0"/>
-          </a:p>
-        </p:txBody>
-      </p:sp>
-      <p:sp>
-        <p:nvSpPr>
-          <p:cNvPr id="3" name="Title 2"/>
-          <p:cNvSpPr>
-            <a:spLocks noGrp="1"/>
-          </p:cNvSpPr>
-          <p:nvPr>
-            <p:ph type="title"/>
-          </p:nvPr>
-        </p:nvSpPr>
-        <p:spPr/>
-        <p:txBody>
-          <a:bodyPr/>
-          <a:lstStyle/>
-          <a:p>
-            <a:r>
-              <a:rPr lang="en-US" dirty="0" smtClean="0"/>
-              <a:t>Why this talk?</a:t>
-            </a:r>
-            <a:endParaRPr lang="en-US" dirty="0"/>
-          </a:p>
-        </p:txBody>
-      </p:sp>
-      <p:sp>
-        <p:nvSpPr>
-          <p:cNvPr id="4" name="TextBox 3"/>
-          <p:cNvSpPr txBox="1"/>
-          <p:nvPr/>
-        </p:nvSpPr>
-        <p:spPr>
-          <a:xfrm>
-            <a:off x="0" y="6412468"/>
-            <a:ext cx="1752600" cy="369332"/>
-          </a:xfrm>
-          <a:prstGeom prst="rect">
-            <a:avLst/>
-          </a:prstGeom>
-          <a:noFill/>
-        </p:spPr>
-        <p:txBody>
-          <a:bodyPr wrap="square" rtlCol="0">
-            <a:spAutoFit/>
-          </a:bodyPr>
-          <a:lstStyle/>
-          <a:p>
-            <a:r>
-              <a:rPr lang="en-US" dirty="0">
-                <a:hlinkClick r:id="rId2"/>
-              </a:rPr>
-              <a:t>Gartner</a:t>
-            </a:r>
-            <a:endParaRPr lang="en-US" dirty="0"/>
-          </a:p>
-        </p:txBody>
-      </p:sp>
-    </p:spTree>
-    <p:extLst>
-      <p:ext uri="{BB962C8B-B14F-4D97-AF65-F5344CB8AC3E}">
-        <p14:creationId xmlns:p14="http://schemas.microsoft.com/office/powerpoint/2010/main" val="2341425145"/>
-      </p:ext>
-    </p:extLst>
-  </p:cSld>
-  <p:clrMapOvr>
-    <a:masterClrMapping/>
-  </p:clrMapOvr>
-  <p:timing>
-    <p:tnLst>
-      <p:par>
-        <p:cTn id="1" dur="indefinite" restart="never" nodeType="tmRoot">
-          <p:childTnLst>
-            <p:seq concurrent="1" nextAc="seek">
-              <p:cTn id="2" dur="indefinite" nodeType="mainSeq">
-                <p:childTnLst>
-                  <p:par>
-                    <p:cTn id="3" fill="hold">
-                      <p:stCondLst>
-                        <p:cond delay="indefinite"/>
-                      </p:stCondLst>
-                      <p:childTnLst>
-                        <p:par>
-                          <p:cTn id="4" fill="hold">
-                            <p:stCondLst>
-                              <p:cond delay="0"/>
-                            </p:stCondLst>
-                            <p:childTnLst>
-                              <p:par>
-                                <p:cTn id="5" presetID="42" presetClass="entr" presetSubtype="0" fill="hold" grpId="0" nodeType="clickEffect">
-                                  <p:stCondLst>
-                                    <p:cond delay="0"/>
-                                  </p:stCondLst>
-                                  <p:childTnLst>
-                                    <p:set>
-                                      <p:cBhvr>
-                                        <p:cTn id="6" dur="1" fill="hold">
-                                          <p:stCondLst>
-                                            <p:cond delay="0"/>
-                                          </p:stCondLst>
-                                        </p:cTn>
-                                        <p:tgtEl>
-                                          <p:spTgt spid="2">
-                                            <p:txEl>
-                                              <p:pRg st="0" end="0"/>
-                                            </p:txEl>
-                                          </p:spTgt>
-                                        </p:tgtEl>
-                                        <p:attrNameLst>
-                                          <p:attrName>style.visibility</p:attrName>
-                                        </p:attrNameLst>
-                                      </p:cBhvr>
-                                      <p:to>
-                                        <p:strVal val="visible"/>
-                                      </p:to>
-                                    </p:set>
-                                    <p:animEffect transition="in" filter="fade">
-                                      <p:cBhvr>
-                                        <p:cTn id="7" dur="1000"/>
-                                        <p:tgtEl>
-                                          <p:spTgt spid="2">
-                                            <p:txEl>
-                                              <p:pRg st="0" end="0"/>
-                                            </p:txEl>
-                                          </p:spTgt>
-                                        </p:tgtEl>
-                                      </p:cBhvr>
-                                    </p:animEffect>
-                                    <p:anim calcmode="lin" valueType="num">
-                                      <p:cBhvr>
-                                        <p:cTn id="8" dur="1000" fill="hold"/>
-                                        <p:tgtEl>
-                                          <p:spTgt spid="2">
-                                            <p:txEl>
-                                              <p:pRg st="0" end="0"/>
-                                            </p:txEl>
-                                          </p:spTgt>
-                                        </p:tgtEl>
-                                        <p:attrNameLst>
-                                          <p:attrName>ppt_x</p:attrName>
-                                        </p:attrNameLst>
-                                      </p:cBhvr>
-                                      <p:tavLst>
-                                        <p:tav tm="0">
-                                          <p:val>
-                                            <p:strVal val="#ppt_x"/>
-                                          </p:val>
-                                        </p:tav>
-                                        <p:tav tm="100000">
-                                          <p:val>
-                                            <p:strVal val="#ppt_x"/>
-                                          </p:val>
-                                        </p:tav>
-                                      </p:tavLst>
-                                    </p:anim>
-                                    <p:anim calcmode="lin" valueType="num">
-                                      <p:cBhvr>
-                                        <p:cTn id="9" dur="1000" fill="hold"/>
-                                        <p:tgtEl>
-                                          <p:spTgt spid="2">
-                                            <p:txEl>
-                                              <p:pRg st="0" end="0"/>
-                                            </p:txEl>
-                                          </p:spTgt>
-                                        </p:tgtEl>
-                                        <p:attrNameLst>
-                                          <p:attrName>ppt_y</p:attrName>
-                                        </p:attrNameLst>
-                                      </p:cBhvr>
-                                      <p:tavLst>
-                                        <p:tav tm="0">
-                                          <p:val>
-                                            <p:strVal val="#ppt_y+.1"/>
-                                          </p:val>
-                                        </p:tav>
-                                        <p:tav tm="100000">
-                                          <p:val>
-                                            <p:strVal val="#ppt_y"/>
-                                          </p:val>
-                                        </p:tav>
-                                      </p:tavLst>
-                                    </p:anim>
-                                  </p:childTnLst>
-                                </p:cTn>
-                              </p:par>
-                            </p:childTnLst>
-                          </p:cTn>
-                        </p:par>
-                      </p:childTnLst>
-                    </p:cTn>
-                  </p:par>
-                </p:childTnLst>
-              </p:cTn>
-              <p:prevCondLst>
-                <p:cond evt="onPrev" delay="0">
-                  <p:tgtEl>
-                    <p:sldTgt/>
-                  </p:tgtEl>
-                </p:cond>
-              </p:prevCondLst>
-              <p:nextCondLst>
-                <p:cond evt="onNext" delay="0">
-                  <p:tgtEl>
-                    <p:sldTgt/>
-                  </p:tgtEl>
-                </p:cond>
-              </p:nextCondLst>
-            </p:seq>
-          </p:childTnLst>
-        </p:cTn>
-      </p:par>
-    </p:tnLst>
-    <p:bldLst>
-      <p:bldP spid="2" grpId="0" uiExpand="1" build="p"/>
-    </p:bldLst>
-  </p:timing>
-</p:sld>
-</file>
-
-<file path=ppt/slides/slide30.xml><?xml version="1.0" encoding="utf-8"?>
+<file path=ppt/slides/slide31.xml><?xml version="1.0" encoding="utf-8"?>
 <p:sld xmlns:a="http://schemas.openxmlformats.org/drawingml/2006/main" xmlns:r="http://schemas.openxmlformats.org/officeDocument/2006/relationships" xmlns:p="http://schemas.openxmlformats.org/presentationml/2006/main">
   <p:cSld>
     <p:spTree>
@@ -16617,7 +17830,7 @@
 </p:sld>
 </file>
 
-<file path=ppt/slides/slide31.xml><?xml version="1.0" encoding="utf-8"?>
+<file path=ppt/slides/slide32.xml><?xml version="1.0" encoding="utf-8"?>
 <p:sld xmlns:a="http://schemas.openxmlformats.org/drawingml/2006/main" xmlns:r="http://schemas.openxmlformats.org/officeDocument/2006/relationships" xmlns:p="http://schemas.openxmlformats.org/presentationml/2006/main">
   <p:cSld>
     <p:spTree>
@@ -16706,9 +17919,12 @@
               <a:buNone/>
             </a:pPr>
             <a:r>
-              <a:rPr lang="en-US" dirty="0" smtClean="0"/>
+              <a:rPr lang="en-US" dirty="0" smtClean="0">
+                <a:hlinkClick r:id="rId5"/>
+              </a:rPr>
               <a:t>PhoneGap Build Starter Template</a:t>
             </a:r>
+            <a:endParaRPr lang="en-US" dirty="0" smtClean="0"/>
           </a:p>
           <a:p>
             <a:pPr marL="0" indent="0" algn="ctr">
@@ -16721,8 +17937,20 @@
               <a:buNone/>
             </a:pPr>
             <a:r>
+              <a:rPr lang="en-US" dirty="0" smtClean="0">
+                <a:hlinkClick r:id="rId6"/>
+              </a:rPr>
+              <a:t>This </a:t>
+            </a:r>
+            <a:r>
+              <a:rPr lang="en-US" dirty="0" smtClean="0">
+                <a:hlinkClick r:id="rId6"/>
+              </a:rPr>
+              <a:t>Presentation</a:t>
+            </a:r>
+            <a:r>
               <a:rPr lang="en-US" dirty="0" smtClean="0"/>
-              <a:t>This Presentation</a:t>
+              <a:t>: PPTX and code</a:t>
             </a:r>
             <a:endParaRPr lang="en-US" dirty="0"/>
           </a:p>
@@ -16771,7 +17999,7 @@
 </p:sld>
 </file>
 
-<file path=ppt/slides/slide32.xml><?xml version="1.0" encoding="utf-8"?>
+<file path=ppt/slides/slide33.xml><?xml version="1.0" encoding="utf-8"?>
 <p:sld xmlns:a="http://schemas.openxmlformats.org/drawingml/2006/main" xmlns:r="http://schemas.openxmlformats.org/officeDocument/2006/relationships" xmlns:p="http://schemas.openxmlformats.org/presentationml/2006/main">
   <p:cSld>
     <p:spTree>
@@ -16824,7 +18052,7 @@
         </p:nvSpPr>
         <p:spPr>
           <a:xfrm>
-            <a:off x="1295400" y="2081748"/>
+            <a:off x="-76200" y="2081748"/>
             <a:ext cx="6553200" cy="3785652"/>
           </a:xfrm>
           <a:prstGeom prst="rect">
@@ -16845,15 +18073,7 @@
                   <a:schemeClr val="bg1"/>
                 </a:solidFill>
               </a:rPr>
-              <a:t>Matt </a:t>
-            </a:r>
-            <a:r>
-              <a:rPr lang="en-US" sz="5400" dirty="0" smtClean="0">
-                <a:solidFill>
-                  <a:schemeClr val="bg1"/>
-                </a:solidFill>
-              </a:rPr>
-              <a:t>Netkow</a:t>
+              <a:t>Matt Netkow</a:t>
             </a:r>
           </a:p>
           <a:p>
@@ -16902,14 +18122,36 @@
               </a:rPr>
               <a:t>matt.netkow@gmail.com</a:t>
             </a:r>
-            <a:endParaRPr lang="en-US" sz="4400" dirty="0" smtClean="0">
-              <a:solidFill>
-                <a:schemeClr val="bg1"/>
-              </a:solidFill>
-            </a:endParaRPr>
           </a:p>
         </p:txBody>
       </p:sp>
+      <p:pic>
+        <p:nvPicPr>
+          <p:cNvPr id="4" name="nextYear.png"/>
+          <p:cNvPicPr/>
+          <p:nvPr/>
+        </p:nvPicPr>
+        <p:blipFill>
+          <a:blip r:embed="rId3">
+            <a:extLst/>
+          </a:blip>
+          <a:stretch>
+            <a:fillRect/>
+          </a:stretch>
+        </p:blipFill>
+        <p:spPr>
+          <a:xfrm>
+            <a:off x="6105129" y="2819400"/>
+            <a:ext cx="2962671" cy="2438400"/>
+          </a:xfrm>
+          <a:prstGeom prst="rect">
+            <a:avLst/>
+          </a:prstGeom>
+          <a:ln w="12700">
+            <a:miter lim="400000"/>
+          </a:ln>
+        </p:spPr>
+      </p:pic>
     </p:spTree>
     <p:extLst>
       <p:ext uri="{BB962C8B-B14F-4D97-AF65-F5344CB8AC3E}">
@@ -16949,6 +18191,306 @@
       </p:grpSpPr>
       <p:sp>
         <p:nvSpPr>
+          <p:cNvPr id="2" name="Content Placeholder 1"/>
+          <p:cNvSpPr>
+            <a:spLocks noGrp="1"/>
+          </p:cNvSpPr>
+          <p:nvPr>
+            <p:ph sz="quarter" idx="13"/>
+          </p:nvPr>
+        </p:nvSpPr>
+        <p:spPr>
+          <a:xfrm>
+            <a:off x="685800" y="1545336"/>
+            <a:ext cx="7772400" cy="4626864"/>
+          </a:xfrm>
+        </p:spPr>
+        <p:txBody>
+          <a:bodyPr>
+            <a:normAutofit/>
+          </a:bodyPr>
+          <a:lstStyle/>
+          <a:p>
+            <a:pPr marL="0" indent="0" algn="ctr">
+              <a:buNone/>
+            </a:pPr>
+            <a:r>
+              <a:rPr lang="en-US" sz="8000" i="0" dirty="0"/>
+              <a:t>By 2016, </a:t>
+            </a:r>
+            <a:r>
+              <a:rPr lang="en-US" sz="8000" dirty="0" smtClean="0"/>
+              <a:t>&gt; </a:t>
+            </a:r>
+            <a:r>
+              <a:rPr lang="en-US" sz="8000" b="1" dirty="0" smtClean="0"/>
+              <a:t>50</a:t>
+            </a:r>
+            <a:r>
+              <a:rPr lang="en-US" sz="8000" b="1" dirty="0"/>
+              <a:t>%</a:t>
+            </a:r>
+            <a:r>
+              <a:rPr lang="en-US" sz="8000" dirty="0"/>
+              <a:t> </a:t>
+            </a:r>
+            <a:r>
+              <a:rPr lang="en-US" sz="8000" i="0" dirty="0" smtClean="0"/>
+              <a:t>of </a:t>
+            </a:r>
+            <a:r>
+              <a:rPr lang="en-US" sz="8000" i="0" dirty="0"/>
+              <a:t>mobile apps will be </a:t>
+            </a:r>
+            <a:r>
+              <a:rPr lang="en-US" sz="8000" i="0" dirty="0" smtClean="0"/>
+              <a:t>hybrid.</a:t>
+            </a:r>
+            <a:endParaRPr lang="en-US" sz="8000" i="0" dirty="0"/>
+          </a:p>
+          <a:p>
+            <a:pPr marL="0" indent="0">
+              <a:buNone/>
+            </a:pPr>
+            <a:endParaRPr lang="en-US" sz="8000" dirty="0"/>
+          </a:p>
+        </p:txBody>
+      </p:sp>
+      <p:sp>
+        <p:nvSpPr>
+          <p:cNvPr id="3" name="Title 2"/>
+          <p:cNvSpPr>
+            <a:spLocks noGrp="1"/>
+          </p:cNvSpPr>
+          <p:nvPr>
+            <p:ph type="title"/>
+          </p:nvPr>
+        </p:nvSpPr>
+        <p:spPr/>
+        <p:txBody>
+          <a:bodyPr/>
+          <a:lstStyle/>
+          <a:p>
+            <a:r>
+              <a:rPr lang="en-US" dirty="0" smtClean="0"/>
+              <a:t>Why this talk?</a:t>
+            </a:r>
+            <a:endParaRPr lang="en-US" dirty="0"/>
+          </a:p>
+        </p:txBody>
+      </p:sp>
+      <p:sp>
+        <p:nvSpPr>
+          <p:cNvPr id="4" name="TextBox 3"/>
+          <p:cNvSpPr txBox="1"/>
+          <p:nvPr/>
+        </p:nvSpPr>
+        <p:spPr>
+          <a:xfrm>
+            <a:off x="0" y="6412468"/>
+            <a:ext cx="1752600" cy="369332"/>
+          </a:xfrm>
+          <a:prstGeom prst="rect">
+            <a:avLst/>
+          </a:prstGeom>
+          <a:noFill/>
+        </p:spPr>
+        <p:txBody>
+          <a:bodyPr wrap="square" rtlCol="0">
+            <a:spAutoFit/>
+          </a:bodyPr>
+          <a:lstStyle/>
+          <a:p>
+            <a:r>
+              <a:rPr lang="en-US" dirty="0">
+                <a:hlinkClick r:id="rId2"/>
+              </a:rPr>
+              <a:t>Gartner</a:t>
+            </a:r>
+            <a:endParaRPr lang="en-US" dirty="0"/>
+          </a:p>
+        </p:txBody>
+      </p:sp>
+    </p:spTree>
+    <p:extLst>
+      <p:ext uri="{BB962C8B-B14F-4D97-AF65-F5344CB8AC3E}">
+        <p14:creationId xmlns:p14="http://schemas.microsoft.com/office/powerpoint/2010/main" val="2341425145"/>
+      </p:ext>
+    </p:extLst>
+  </p:cSld>
+  <p:clrMapOvr>
+    <a:masterClrMapping/>
+  </p:clrMapOvr>
+  <p:timing>
+    <p:tnLst>
+      <p:par>
+        <p:cTn id="1" dur="indefinite" restart="never" nodeType="tmRoot">
+          <p:childTnLst>
+            <p:seq concurrent="1" nextAc="seek">
+              <p:cTn id="2" dur="indefinite" nodeType="mainSeq">
+                <p:childTnLst>
+                  <p:par>
+                    <p:cTn id="3" fill="hold">
+                      <p:stCondLst>
+                        <p:cond delay="indefinite"/>
+                      </p:stCondLst>
+                      <p:childTnLst>
+                        <p:par>
+                          <p:cTn id="4" fill="hold">
+                            <p:stCondLst>
+                              <p:cond delay="0"/>
+                            </p:stCondLst>
+                            <p:childTnLst>
+                              <p:par>
+                                <p:cTn id="5" presetID="42" presetClass="entr" presetSubtype="0" fill="hold" grpId="0" nodeType="clickEffect">
+                                  <p:stCondLst>
+                                    <p:cond delay="0"/>
+                                  </p:stCondLst>
+                                  <p:childTnLst>
+                                    <p:set>
+                                      <p:cBhvr>
+                                        <p:cTn id="6" dur="1" fill="hold">
+                                          <p:stCondLst>
+                                            <p:cond delay="0"/>
+                                          </p:stCondLst>
+                                        </p:cTn>
+                                        <p:tgtEl>
+                                          <p:spTgt spid="2">
+                                            <p:txEl>
+                                              <p:pRg st="0" end="0"/>
+                                            </p:txEl>
+                                          </p:spTgt>
+                                        </p:tgtEl>
+                                        <p:attrNameLst>
+                                          <p:attrName>style.visibility</p:attrName>
+                                        </p:attrNameLst>
+                                      </p:cBhvr>
+                                      <p:to>
+                                        <p:strVal val="visible"/>
+                                      </p:to>
+                                    </p:set>
+                                    <p:animEffect transition="in" filter="fade">
+                                      <p:cBhvr>
+                                        <p:cTn id="7" dur="1000"/>
+                                        <p:tgtEl>
+                                          <p:spTgt spid="2">
+                                            <p:txEl>
+                                              <p:pRg st="0" end="0"/>
+                                            </p:txEl>
+                                          </p:spTgt>
+                                        </p:tgtEl>
+                                      </p:cBhvr>
+                                    </p:animEffect>
+                                    <p:anim calcmode="lin" valueType="num">
+                                      <p:cBhvr>
+                                        <p:cTn id="8" dur="1000" fill="hold"/>
+                                        <p:tgtEl>
+                                          <p:spTgt spid="2">
+                                            <p:txEl>
+                                              <p:pRg st="0" end="0"/>
+                                            </p:txEl>
+                                          </p:spTgt>
+                                        </p:tgtEl>
+                                        <p:attrNameLst>
+                                          <p:attrName>ppt_x</p:attrName>
+                                        </p:attrNameLst>
+                                      </p:cBhvr>
+                                      <p:tavLst>
+                                        <p:tav tm="0">
+                                          <p:val>
+                                            <p:strVal val="#ppt_x"/>
+                                          </p:val>
+                                        </p:tav>
+                                        <p:tav tm="100000">
+                                          <p:val>
+                                            <p:strVal val="#ppt_x"/>
+                                          </p:val>
+                                        </p:tav>
+                                      </p:tavLst>
+                                    </p:anim>
+                                    <p:anim calcmode="lin" valueType="num">
+                                      <p:cBhvr>
+                                        <p:cTn id="9" dur="1000" fill="hold"/>
+                                        <p:tgtEl>
+                                          <p:spTgt spid="2">
+                                            <p:txEl>
+                                              <p:pRg st="0" end="0"/>
+                                            </p:txEl>
+                                          </p:spTgt>
+                                        </p:tgtEl>
+                                        <p:attrNameLst>
+                                          <p:attrName>ppt_y</p:attrName>
+                                        </p:attrNameLst>
+                                      </p:cBhvr>
+                                      <p:tavLst>
+                                        <p:tav tm="0">
+                                          <p:val>
+                                            <p:strVal val="#ppt_y+.1"/>
+                                          </p:val>
+                                        </p:tav>
+                                        <p:tav tm="100000">
+                                          <p:val>
+                                            <p:strVal val="#ppt_y"/>
+                                          </p:val>
+                                        </p:tav>
+                                      </p:tavLst>
+                                    </p:anim>
+                                  </p:childTnLst>
+                                </p:cTn>
+                              </p:par>
+                            </p:childTnLst>
+                          </p:cTn>
+                        </p:par>
+                      </p:childTnLst>
+                    </p:cTn>
+                  </p:par>
+                </p:childTnLst>
+              </p:cTn>
+              <p:prevCondLst>
+                <p:cond evt="onPrev" delay="0">
+                  <p:tgtEl>
+                    <p:sldTgt/>
+                  </p:tgtEl>
+                </p:cond>
+              </p:prevCondLst>
+              <p:nextCondLst>
+                <p:cond evt="onNext" delay="0">
+                  <p:tgtEl>
+                    <p:sldTgt/>
+                  </p:tgtEl>
+                </p:cond>
+              </p:nextCondLst>
+            </p:seq>
+          </p:childTnLst>
+        </p:cTn>
+      </p:par>
+    </p:tnLst>
+    <p:bldLst>
+      <p:bldP spid="2" grpId="0" uiExpand="1" build="p"/>
+    </p:bldLst>
+  </p:timing>
+</p:sld>
+</file>
+
+<file path=ppt/slides/slide5.xml><?xml version="1.0" encoding="utf-8"?>
+<p:sld xmlns:a="http://schemas.openxmlformats.org/drawingml/2006/main" xmlns:r="http://schemas.openxmlformats.org/officeDocument/2006/relationships" xmlns:p="http://schemas.openxmlformats.org/presentationml/2006/main">
+  <p:cSld>
+    <p:spTree>
+      <p:nvGrpSpPr>
+        <p:cNvPr id="1" name=""/>
+        <p:cNvGrpSpPr/>
+        <p:nvPr/>
+      </p:nvGrpSpPr>
+      <p:grpSpPr>
+        <a:xfrm>
+          <a:off x="0" y="0"/>
+          <a:ext cx="0" cy="0"/>
+          <a:chOff x="0" y="0"/>
+          <a:chExt cx="0" cy="0"/>
+        </a:xfrm>
+      </p:grpSpPr>
+      <p:sp>
+        <p:nvSpPr>
           <p:cNvPr id="3" name="Title 2"/>
           <p:cNvSpPr>
             <a:spLocks noGrp="1"/>
@@ -17022,21 +18564,8 @@
                   <a:schemeClr val="bg1"/>
                 </a:solidFill>
               </a:rPr>
-              <a:t> </a:t>
-            </a:r>
-            <a:r>
-              <a:rPr lang="en-US" dirty="0" smtClean="0">
-                <a:solidFill>
-                  <a:schemeClr val="bg1"/>
-                </a:solidFill>
-              </a:rPr>
-              <a:t>user</a:t>
-            </a:r>
-            <a:endParaRPr lang="en-US" dirty="0" smtClean="0">
-              <a:solidFill>
-                <a:schemeClr val="bg1"/>
-              </a:solidFill>
-            </a:endParaRPr>
+              <a:t> user</a:t>
+            </a:r>
           </a:p>
         </p:txBody>
       </p:sp>
@@ -18325,7 +19854,7 @@
 </p:sld>
 </file>
 
-<file path=ppt/slides/slide5.xml><?xml version="1.0" encoding="utf-8"?>
+<file path=ppt/slides/slide6.xml><?xml version="1.0" encoding="utf-8"?>
 <p:sld xmlns:a="http://schemas.openxmlformats.org/drawingml/2006/main" xmlns:r="http://schemas.openxmlformats.org/officeDocument/2006/relationships" xmlns:p="http://schemas.openxmlformats.org/presentationml/2006/main">
   <p:cSld>
     <p:spTree>
@@ -18639,6 +20168,22 @@
                                       </p:cBhvr>
                                     </p:animEffect>
                                   </p:childTnLst>
+                                  <p:subTnLst>
+                                    <p:set>
+                                      <p:cBhvr override="childStyle">
+                                        <p:cTn dur="1" fill="hold" display="0" masterRel="nextClick" afterEffect="1"/>
+                                        <p:tgtEl>
+                                          <p:spTgt spid="4"/>
+                                        </p:tgtEl>
+                                        <p:attrNameLst>
+                                          <p:attrName>style.visibility</p:attrName>
+                                        </p:attrNameLst>
+                                      </p:cBhvr>
+                                      <p:to>
+                                        <p:strVal val="hidden"/>
+                                      </p:to>
+                                    </p:set>
+                                  </p:subTnLst>
                                 </p:cTn>
                               </p:par>
                             </p:childTnLst>
@@ -18692,6 +20237,22 @@
                                       </p:cBhvr>
                                     </p:animEffect>
                                   </p:childTnLst>
+                                  <p:subTnLst>
+                                    <p:set>
+                                      <p:cBhvr override="childStyle">
+                                        <p:cTn dur="1" fill="hold" display="0" masterRel="nextClick" afterEffect="1"/>
+                                        <p:tgtEl>
+                                          <p:spTgt spid="6"/>
+                                        </p:tgtEl>
+                                        <p:attrNameLst>
+                                          <p:attrName>style.visibility</p:attrName>
+                                        </p:attrNameLst>
+                                      </p:cBhvr>
+                                      <p:to>
+                                        <p:strVal val="hidden"/>
+                                      </p:to>
+                                    </p:set>
+                                  </p:subTnLst>
                                 </p:cTn>
                               </p:par>
                             </p:childTnLst>
@@ -18783,7 +20344,7 @@
 </p:sld>
 </file>
 
-<file path=ppt/slides/slide6.xml><?xml version="1.0" encoding="utf-8"?>
+<file path=ppt/slides/slide7.xml><?xml version="1.0" encoding="utf-8"?>
 <p:sld xmlns:a="http://schemas.openxmlformats.org/drawingml/2006/main" xmlns:r="http://schemas.openxmlformats.org/officeDocument/2006/relationships" xmlns:p="http://schemas.openxmlformats.org/presentationml/2006/main">
   <p:cSld>
     <p:spTree>
@@ -19049,186 +20610,6 @@
 </p:sld>
 </file>
 
-<file path=ppt/slides/slide7.xml><?xml version="1.0" encoding="utf-8"?>
-<p:sld xmlns:a="http://schemas.openxmlformats.org/drawingml/2006/main" xmlns:r="http://schemas.openxmlformats.org/officeDocument/2006/relationships" xmlns:p="http://schemas.openxmlformats.org/presentationml/2006/main">
-  <p:cSld>
-    <p:spTree>
-      <p:nvGrpSpPr>
-        <p:cNvPr id="1" name=""/>
-        <p:cNvGrpSpPr/>
-        <p:nvPr/>
-      </p:nvGrpSpPr>
-      <p:grpSpPr>
-        <a:xfrm>
-          <a:off x="0" y="0"/>
-          <a:ext cx="0" cy="0"/>
-          <a:chOff x="0" y="0"/>
-          <a:chExt cx="0" cy="0"/>
-        </a:xfrm>
-      </p:grpSpPr>
-      <p:sp>
-        <p:nvSpPr>
-          <p:cNvPr id="2" name="Content Placeholder 1"/>
-          <p:cNvSpPr>
-            <a:spLocks noGrp="1"/>
-          </p:cNvSpPr>
-          <p:nvPr>
-            <p:ph sz="quarter" idx="13"/>
-          </p:nvPr>
-        </p:nvSpPr>
-        <p:spPr>
-          <a:xfrm>
-            <a:off x="685800" y="1143000"/>
-            <a:ext cx="7696200" cy="5562600"/>
-          </a:xfrm>
-        </p:spPr>
-        <p:txBody>
-          <a:bodyPr>
-            <a:normAutofit/>
-          </a:bodyPr>
-          <a:lstStyle/>
-          <a:p>
-            <a:pPr marL="0" indent="0">
-              <a:buNone/>
-            </a:pPr>
-            <a:r>
-              <a:rPr lang="en-US" i="0" dirty="0"/>
-              <a:t>Lower Cost: </a:t>
-            </a:r>
-          </a:p>
-          <a:p>
-            <a:pPr lvl="1"/>
-            <a:r>
-              <a:rPr lang="en-US" i="0" dirty="0"/>
-              <a:t>Single codebase</a:t>
-            </a:r>
-          </a:p>
-          <a:p>
-            <a:pPr lvl="1"/>
-            <a:r>
-              <a:rPr lang="en-US" i="0" dirty="0"/>
-              <a:t>Single technology stack</a:t>
-            </a:r>
-          </a:p>
-          <a:p>
-            <a:pPr lvl="1"/>
-            <a:r>
-              <a:rPr lang="en-US" i="0" dirty="0"/>
-              <a:t>Reuse business logic code</a:t>
-            </a:r>
-            <a:r>
-              <a:rPr lang="en-US" i="0" dirty="0" smtClean="0"/>
-              <a:t>*</a:t>
-            </a:r>
-            <a:endParaRPr lang="en-US" i="0" dirty="0"/>
-          </a:p>
-          <a:p>
-            <a:pPr marL="0" indent="0">
-              <a:buNone/>
-            </a:pPr>
-            <a:endParaRPr lang="en-US" i="0" dirty="0" smtClean="0"/>
-          </a:p>
-          <a:p>
-            <a:pPr marL="0" indent="0">
-              <a:buNone/>
-            </a:pPr>
-            <a:r>
-              <a:rPr lang="en-US" i="0" dirty="0" smtClean="0"/>
-              <a:t>This matters because:</a:t>
-            </a:r>
-          </a:p>
-          <a:p>
-            <a:pPr lvl="1"/>
-            <a:r>
-              <a:rPr lang="en-US" i="0" dirty="0" smtClean="0"/>
-              <a:t>BYOD </a:t>
-            </a:r>
-            <a:r>
-              <a:rPr lang="en-US" i="0" dirty="0"/>
-              <a:t>trend </a:t>
-            </a:r>
-            <a:r>
-              <a:rPr lang="en-US" i="0" dirty="0" smtClean="0"/>
-              <a:t>continues to gain momentum</a:t>
-            </a:r>
-          </a:p>
-          <a:p>
-            <a:pPr lvl="1"/>
-            <a:r>
-              <a:rPr lang="en-US" i="0" dirty="0" smtClean="0"/>
-              <a:t>Mobile/remote </a:t>
-            </a:r>
-            <a:r>
-              <a:rPr lang="en-US" i="0" dirty="0"/>
-              <a:t>work </a:t>
-            </a:r>
-            <a:r>
-              <a:rPr lang="en-US" i="0" dirty="0" smtClean="0"/>
-              <a:t>increasing across </a:t>
-            </a:r>
-            <a:r>
-              <a:rPr lang="en-US" i="0" dirty="0"/>
-              <a:t>many industries</a:t>
-            </a:r>
-          </a:p>
-          <a:p>
-            <a:pPr marL="0" indent="0">
-              <a:buNone/>
-            </a:pPr>
-            <a:endParaRPr lang="en-US" i="0" dirty="0" smtClean="0"/>
-          </a:p>
-          <a:p>
-            <a:endParaRPr lang="en-US" dirty="0"/>
-          </a:p>
-        </p:txBody>
-      </p:sp>
-      <p:sp>
-        <p:nvSpPr>
-          <p:cNvPr id="3" name="Title 2"/>
-          <p:cNvSpPr>
-            <a:spLocks noGrp="1"/>
-          </p:cNvSpPr>
-          <p:nvPr>
-            <p:ph type="title"/>
-          </p:nvPr>
-        </p:nvSpPr>
-        <p:spPr/>
-        <p:txBody>
-          <a:bodyPr/>
-          <a:lstStyle/>
-          <a:p>
-            <a:r>
-              <a:rPr lang="en-US" dirty="0" smtClean="0"/>
-              <a:t>Why hybrid? </a:t>
-            </a:r>
-            <a:r>
-              <a:rPr lang="en-US" i="1" dirty="0" smtClean="0"/>
-              <a:t>business</a:t>
-            </a:r>
-            <a:endParaRPr lang="en-US" i="1" dirty="0"/>
-          </a:p>
-        </p:txBody>
-      </p:sp>
-    </p:spTree>
-    <p:extLst>
-      <p:ext uri="{BB962C8B-B14F-4D97-AF65-F5344CB8AC3E}">
-        <p14:creationId xmlns:p14="http://schemas.microsoft.com/office/powerpoint/2010/main" val="845217067"/>
-      </p:ext>
-    </p:extLst>
-  </p:cSld>
-  <p:clrMapOvr>
-    <a:masterClrMapping/>
-  </p:clrMapOvr>
-  <p:timing>
-    <p:tnLst>
-      <p:par>
-        <p:cTn id="1" dur="indefinite" restart="never" nodeType="tmRoot"/>
-      </p:par>
-    </p:tnLst>
-  </p:timing>
-</p:sld>
-</file>
-
 <file path=ppt/slides/slide8.xml><?xml version="1.0" encoding="utf-8"?>
 <p:sld xmlns:a="http://schemas.openxmlformats.org/drawingml/2006/main" xmlns:r="http://schemas.openxmlformats.org/officeDocument/2006/relationships" xmlns:p="http://schemas.openxmlformats.org/presentationml/2006/main">
   <p:cSld>
@@ -19258,8 +20639,8 @@
         </p:nvSpPr>
         <p:spPr>
           <a:xfrm>
-            <a:off x="685800" y="1219200"/>
-            <a:ext cx="7543800" cy="5084064"/>
+            <a:off x="685800" y="1143000"/>
+            <a:ext cx="7696200" cy="5562600"/>
           </a:xfrm>
         </p:spPr>
         <p:txBody>
@@ -19273,35 +20654,32 @@
             </a:pPr>
             <a:r>
               <a:rPr lang="en-US" i="0" dirty="0"/>
-              <a:t>M</a:t>
+              <a:t>Lower Cost: </a:t>
+            </a:r>
+          </a:p>
+          <a:p>
+            <a:pPr lvl="1"/>
+            <a:r>
+              <a:rPr lang="en-US" i="0" dirty="0"/>
+              <a:t>Single codebase</a:t>
+            </a:r>
+          </a:p>
+          <a:p>
+            <a:pPr lvl="1"/>
+            <a:r>
+              <a:rPr lang="en-US" i="0" dirty="0"/>
+              <a:t>Single technology stack</a:t>
+            </a:r>
+          </a:p>
+          <a:p>
+            <a:pPr lvl="1"/>
+            <a:r>
+              <a:rPr lang="en-US" i="0" dirty="0"/>
+              <a:t>Reuse business logic code</a:t>
             </a:r>
             <a:r>
               <a:rPr lang="en-US" i="0" dirty="0" smtClean="0"/>
-              <a:t>ore </a:t>
-            </a:r>
-            <a:r>
-              <a:rPr lang="en-US" i="0" dirty="0"/>
-              <a:t>opportunities: web technology increasing across devices </a:t>
-            </a:r>
-            <a:endParaRPr lang="en-US" i="0" dirty="0" smtClean="0"/>
-          </a:p>
-          <a:p>
-            <a:pPr lvl="1"/>
-            <a:r>
-              <a:rPr lang="en-US" i="0" dirty="0" smtClean="0"/>
-              <a:t>TV</a:t>
-            </a:r>
-            <a:r>
-              <a:rPr lang="en-US" i="0" dirty="0" smtClean="0"/>
-              <a:t>, </a:t>
-            </a:r>
-            <a:r>
-              <a:rPr lang="en-US" i="0" dirty="0"/>
-              <a:t>cars, </a:t>
-            </a:r>
-            <a:r>
-              <a:rPr lang="en-US" i="0" dirty="0" err="1" smtClean="0"/>
-              <a:t>smartwatches</a:t>
+              <a:t>*</a:t>
             </a:r>
             <a:endParaRPr lang="en-US" i="0" dirty="0"/>
           </a:p>
@@ -19309,7 +20687,7 @@
             <a:pPr marL="0" indent="0">
               <a:buNone/>
             </a:pPr>
-            <a:endParaRPr lang="en-US" i="0" dirty="0"/>
+            <a:endParaRPr lang="en-US" i="0" dirty="0" smtClean="0"/>
           </a:p>
           <a:p>
             <a:pPr marL="0" indent="0">
@@ -19317,36 +20695,48 @@
             </a:pPr>
             <a:r>
               <a:rPr lang="en-US" i="0" dirty="0" smtClean="0"/>
-              <a:t>Constantly </a:t>
+              <a:t>This matters because:</a:t>
+            </a:r>
+          </a:p>
+          <a:p>
+            <a:pPr lvl="1"/>
+            <a:r>
+              <a:rPr lang="en-US" i="0" dirty="0" smtClean="0"/>
+              <a:t>BYOD </a:t>
             </a:r>
             <a:r>
               <a:rPr lang="en-US" i="0" dirty="0"/>
-              <a:t>getting </a:t>
+              <a:t>trend </a:t>
             </a:r>
             <a:r>
               <a:rPr lang="en-US" i="0" dirty="0" smtClean="0"/>
-              <a:t>better: tools, frameworks, lower barrier to entry</a:t>
-            </a:r>
-            <a:endParaRPr lang="en-US" i="0" dirty="0"/>
+              <a:t>continues to gain momentum</a:t>
+            </a:r>
+          </a:p>
+          <a:p>
+            <a:pPr lvl="1"/>
+            <a:r>
+              <a:rPr lang="en-US" i="0" dirty="0" smtClean="0"/>
+              <a:t>Mobile/remote </a:t>
+            </a:r>
+            <a:r>
+              <a:rPr lang="en-US" i="0" dirty="0"/>
+              <a:t>work </a:t>
+            </a:r>
+            <a:r>
+              <a:rPr lang="en-US" i="0" dirty="0" smtClean="0"/>
+              <a:t>increasing across </a:t>
+            </a:r>
+            <a:r>
+              <a:rPr lang="en-US" i="0" dirty="0"/>
+              <a:t>many industries</a:t>
+            </a:r>
           </a:p>
           <a:p>
             <a:pPr marL="0" indent="0">
               <a:buNone/>
             </a:pPr>
-            <a:endParaRPr lang="en-US" i="0" dirty="0"/>
-          </a:p>
-          <a:p>
-            <a:pPr marL="0" indent="0">
-              <a:buNone/>
-            </a:pPr>
-            <a:r>
-              <a:rPr lang="en-US" i="0" dirty="0" smtClean="0"/>
-              <a:t>Career</a:t>
-            </a:r>
-            <a:r>
-              <a:rPr lang="en-US" i="0" dirty="0"/>
-              <a:t>: developers who are strong in both frontend &amp; backend are desirable</a:t>
-            </a:r>
+            <a:endParaRPr lang="en-US" i="0" dirty="0" smtClean="0"/>
           </a:p>
           <a:p>
             <a:endParaRPr lang="en-US" dirty="0"/>
@@ -19374,7 +20764,7 @@
             </a:r>
             <a:r>
               <a:rPr lang="en-US" i="1" dirty="0" smtClean="0"/>
-              <a:t>individual</a:t>
+              <a:t>business</a:t>
             </a:r>
             <a:endParaRPr lang="en-US" i="1" dirty="0"/>
           </a:p>
@@ -19383,7 +20773,7 @@
     </p:spTree>
     <p:extLst>
       <p:ext uri="{BB962C8B-B14F-4D97-AF65-F5344CB8AC3E}">
-        <p14:creationId xmlns:p14="http://schemas.microsoft.com/office/powerpoint/2010/main" val="939529157"/>
+        <p14:creationId xmlns:p14="http://schemas.microsoft.com/office/powerpoint/2010/main" val="845217067"/>
       </p:ext>
     </p:extLst>
   </p:cSld>
@@ -19429,8 +20819,8 @@
         </p:nvSpPr>
         <p:spPr>
           <a:xfrm>
-            <a:off x="685800" y="1545336"/>
-            <a:ext cx="4953000" cy="2493264"/>
+            <a:off x="685800" y="1219200"/>
+            <a:ext cx="7543800" cy="5084064"/>
           </a:xfrm>
         </p:spPr>
         <p:txBody>
@@ -19443,45 +20833,80 @@
               <a:buNone/>
             </a:pPr>
             <a:r>
-              <a:rPr lang="en-US" dirty="0" smtClean="0"/>
-              <a:t>Web</a:t>
+              <a:rPr lang="en-US" i="0" dirty="0"/>
+              <a:t>M</a:t>
             </a:r>
             <a:r>
               <a:rPr lang="en-US" i="0" dirty="0" smtClean="0"/>
-              <a:t>:</a:t>
-            </a:r>
+              <a:t>ore </a:t>
+            </a:r>
+            <a:r>
+              <a:rPr lang="en-US" i="0" dirty="0"/>
+              <a:t>opportunities: web technology increasing across devices </a:t>
+            </a:r>
+            <a:endParaRPr lang="en-US" i="0" dirty="0" smtClean="0"/>
           </a:p>
           <a:p>
             <a:pPr lvl="1"/>
             <a:r>
+              <a:rPr lang="en-US" i="0" dirty="0" smtClean="0"/>
+              <a:t>TV, </a:t>
+            </a:r>
+            <a:r>
               <a:rPr lang="en-US" i="0" dirty="0"/>
-              <a:t>All app logic (JavaScript</a:t>
-            </a:r>
-            <a:r>
-              <a:rPr lang="en-US" i="0" dirty="0" smtClean="0"/>
-              <a:t>)</a:t>
-            </a:r>
-          </a:p>
-          <a:p>
-            <a:pPr lvl="1"/>
-            <a:r>
-              <a:rPr lang="en-US" i="0" dirty="0" smtClean="0"/>
-              <a:t>Layout (HTML)</a:t>
-            </a:r>
-          </a:p>
-          <a:p>
-            <a:pPr lvl="1"/>
-            <a:r>
-              <a:rPr lang="en-US" i="0" dirty="0" smtClean="0"/>
-              <a:t>Styling (CSS)</a:t>
-            </a:r>
-            <a:endParaRPr lang="en-US" b="1" i="0" dirty="0" smtClean="0"/>
+              <a:t>cars, </a:t>
+            </a:r>
+            <a:r>
+              <a:rPr lang="en-US" i="0" dirty="0" err="1" smtClean="0"/>
+              <a:t>smartwatches</a:t>
+            </a:r>
+            <a:endParaRPr lang="en-US" i="0" dirty="0"/>
           </a:p>
           <a:p>
             <a:pPr marL="0" indent="0">
               <a:buNone/>
             </a:pPr>
-            <a:endParaRPr lang="en-US" b="1" i="0" dirty="0" smtClean="0"/>
+            <a:endParaRPr lang="en-US" i="0" dirty="0"/>
+          </a:p>
+          <a:p>
+            <a:pPr marL="0" indent="0">
+              <a:buNone/>
+            </a:pPr>
+            <a:r>
+              <a:rPr lang="en-US" i="0" dirty="0" smtClean="0"/>
+              <a:t>Constantly </a:t>
+            </a:r>
+            <a:r>
+              <a:rPr lang="en-US" i="0" dirty="0"/>
+              <a:t>getting </a:t>
+            </a:r>
+            <a:r>
+              <a:rPr lang="en-US" i="0" dirty="0" smtClean="0"/>
+              <a:t>better: tools, frameworks, lower barrier to entry</a:t>
+            </a:r>
+            <a:endParaRPr lang="en-US" i="0" dirty="0"/>
+          </a:p>
+          <a:p>
+            <a:pPr marL="0" indent="0">
+              <a:buNone/>
+            </a:pPr>
+            <a:endParaRPr lang="en-US" i="0" dirty="0"/>
+          </a:p>
+          <a:p>
+            <a:pPr marL="0" indent="0">
+              <a:buNone/>
+            </a:pPr>
+            <a:r>
+              <a:rPr lang="en-US" i="0" dirty="0" smtClean="0"/>
+              <a:t>Career</a:t>
+            </a:r>
+            <a:r>
+              <a:rPr lang="en-US" i="0" dirty="0"/>
+              <a:t>: developers who are strong in both frontend &amp; backend are desirable</a:t>
+            </a:r>
+          </a:p>
+          <a:p>
+            <a:endParaRPr lang="en-US" dirty="0"/>
           </a:p>
         </p:txBody>
       </p:sp>
@@ -19495,205 +20920,27 @@
             <p:ph type="title"/>
           </p:nvPr>
         </p:nvSpPr>
-        <p:spPr>
-          <a:xfrm>
-            <a:off x="1828800" y="304800"/>
-            <a:ext cx="5867400" cy="838200"/>
-          </a:xfrm>
-        </p:spPr>
+        <p:spPr/>
         <p:txBody>
-          <a:bodyPr>
-            <a:normAutofit/>
-          </a:bodyPr>
+          <a:bodyPr/>
           <a:lstStyle/>
           <a:p>
             <a:r>
               <a:rPr lang="en-US" dirty="0" smtClean="0"/>
-              <a:t>Creating a Hybrid app: Parts?</a:t>
-            </a:r>
-            <a:endParaRPr lang="en-US" dirty="0"/>
-          </a:p>
-        </p:txBody>
-      </p:sp>
-      <p:pic>
-        <p:nvPicPr>
-          <p:cNvPr id="6146" name="Picture 2"/>
-          <p:cNvPicPr>
-            <a:picLocks noChangeAspect="1" noChangeArrowheads="1"/>
-          </p:cNvPicPr>
-          <p:nvPr/>
-        </p:nvPicPr>
-        <p:blipFill>
-          <a:blip r:embed="rId3">
-            <a:extLst>
-              <a:ext uri="{28A0092B-C50C-407E-A947-70E740481C1C}">
-                <a14:useLocalDpi xmlns:a14="http://schemas.microsoft.com/office/drawing/2010/main" val="0"/>
-              </a:ext>
-            </a:extLst>
-          </a:blip>
-          <a:srcRect/>
-          <a:stretch>
-            <a:fillRect/>
-          </a:stretch>
-        </p:blipFill>
-        <p:spPr bwMode="auto">
-          <a:xfrm>
-            <a:off x="5901350" y="1676400"/>
-            <a:ext cx="2000250" cy="4094629"/>
-          </a:xfrm>
-          <a:prstGeom prst="rect">
-            <a:avLst/>
-          </a:prstGeom>
-          <a:noFill/>
-          <a:ln>
-            <a:noFill/>
-          </a:ln>
-          <a:extLst>
-            <a:ext uri="{909E8E84-426E-40DD-AFC4-6F175D3DCCD1}">
-              <a14:hiddenFill xmlns:a14="http://schemas.microsoft.com/office/drawing/2010/main">
-                <a:solidFill>
-                  <a:schemeClr val="accent1"/>
-                </a:solidFill>
-              </a14:hiddenFill>
-            </a:ext>
-            <a:ext uri="{91240B29-F687-4F45-9708-019B960494DF}">
-              <a14:hiddenLine xmlns:a14="http://schemas.microsoft.com/office/drawing/2010/main" w="9525">
-                <a:solidFill>
-                  <a:schemeClr val="tx1"/>
-                </a:solidFill>
-                <a:miter lim="800000"/>
-                <a:headEnd/>
-                <a:tailEnd/>
-              </a14:hiddenLine>
-            </a:ext>
-          </a:extLst>
-        </p:spPr>
-      </p:pic>
-      <p:sp>
-        <p:nvSpPr>
-          <p:cNvPr id="4" name="TextBox 3"/>
-          <p:cNvSpPr txBox="1"/>
-          <p:nvPr/>
-        </p:nvSpPr>
-        <p:spPr>
-          <a:xfrm>
-            <a:off x="609600" y="4114800"/>
-            <a:ext cx="5029200" cy="2412968"/>
-          </a:xfrm>
-          <a:prstGeom prst="rect">
-            <a:avLst/>
-          </a:prstGeom>
-          <a:noFill/>
-        </p:spPr>
-        <p:txBody>
-          <a:bodyPr wrap="square" rtlCol="0">
-            <a:spAutoFit/>
-          </a:bodyPr>
-          <a:lstStyle/>
-          <a:p>
-            <a:pPr lvl="0">
-              <a:spcBef>
-                <a:spcPct val="20000"/>
-              </a:spcBef>
-            </a:pPr>
-            <a:r>
-              <a:rPr lang="en-US" sz="3200" i="1" dirty="0" smtClean="0">
-                <a:solidFill>
-                  <a:srgbClr val="3F3F3F"/>
-                </a:solidFill>
-              </a:rPr>
-              <a:t>Native Code </a:t>
-            </a:r>
-            <a:r>
-              <a:rPr lang="en-US" sz="3200" i="1" dirty="0">
-                <a:solidFill>
-                  <a:srgbClr val="3F3F3F"/>
-                </a:solidFill>
-              </a:rPr>
-              <a:t>&amp; Native Shell</a:t>
-            </a:r>
-            <a:r>
-              <a:rPr lang="en-US" sz="3200" dirty="0">
-                <a:solidFill>
-                  <a:srgbClr val="3F3F3F"/>
-                </a:solidFill>
-              </a:rPr>
-              <a:t>:</a:t>
-            </a:r>
-          </a:p>
-          <a:p>
-            <a:pPr marL="742950" lvl="1" indent="-285750">
-              <a:spcBef>
-                <a:spcPct val="20000"/>
-              </a:spcBef>
-              <a:buFont typeface="Arial" pitchFamily="34" charset="0"/>
-              <a:buChar char="–"/>
-            </a:pPr>
-            <a:r>
-              <a:rPr lang="en-US" sz="2800" dirty="0" smtClean="0">
-                <a:solidFill>
-                  <a:srgbClr val="3F3F3F"/>
-                </a:solidFill>
-              </a:rPr>
-              <a:t>WebView container</a:t>
-            </a:r>
-          </a:p>
-          <a:p>
-            <a:pPr marL="742950" lvl="1" indent="-285750">
-              <a:spcBef>
-                <a:spcPct val="20000"/>
-              </a:spcBef>
-              <a:buFont typeface="Arial" pitchFamily="34" charset="0"/>
-              <a:buChar char="–"/>
-            </a:pPr>
-            <a:r>
-              <a:rPr lang="en-US" sz="2800" dirty="0" smtClean="0">
-                <a:solidFill>
-                  <a:srgbClr val="3F3F3F"/>
-                </a:solidFill>
-              </a:rPr>
-              <a:t>Compiled </a:t>
-            </a:r>
-            <a:r>
-              <a:rPr lang="en-US" sz="2800" dirty="0">
-                <a:solidFill>
-                  <a:srgbClr val="3F3F3F"/>
-                </a:solidFill>
-              </a:rPr>
-              <a:t>app</a:t>
-            </a:r>
-          </a:p>
-          <a:p>
-            <a:pPr marL="742950" lvl="1" indent="-285750">
-              <a:spcBef>
-                <a:spcPct val="20000"/>
-              </a:spcBef>
-              <a:buFont typeface="Arial" pitchFamily="34" charset="0"/>
-              <a:buChar char="–"/>
-            </a:pPr>
-            <a:r>
-              <a:rPr lang="en-US" sz="2800" dirty="0">
-                <a:solidFill>
-                  <a:srgbClr val="3F3F3F"/>
-                </a:solidFill>
-              </a:rPr>
-              <a:t>Device APIs</a:t>
-            </a:r>
-            <a:endParaRPr lang="en-US" sz="2800" b="1" dirty="0">
-              <a:solidFill>
-                <a:srgbClr val="3F3F3F"/>
-              </a:solidFill>
-            </a:endParaRPr>
-          </a:p>
-          <a:p>
-            <a:endParaRPr lang="en-US" dirty="0"/>
+              <a:t>Why hybrid? </a:t>
+            </a:r>
+            <a:r>
+              <a:rPr lang="en-US" i="1" dirty="0" smtClean="0"/>
+              <a:t>individual</a:t>
+            </a:r>
+            <a:endParaRPr lang="en-US" i="1" dirty="0"/>
           </a:p>
         </p:txBody>
       </p:sp>
     </p:spTree>
     <p:extLst>
       <p:ext uri="{BB962C8B-B14F-4D97-AF65-F5344CB8AC3E}">
-        <p14:creationId xmlns:p14="http://schemas.microsoft.com/office/powerpoint/2010/main" val="2500618528"/>
+        <p14:creationId xmlns:p14="http://schemas.microsoft.com/office/powerpoint/2010/main" val="939529157"/>
       </p:ext>
     </p:extLst>
   </p:cSld>
@@ -19703,541 +20950,9 @@
   <p:timing>
     <p:tnLst>
       <p:par>
-        <p:cTn id="1" dur="indefinite" restart="never" nodeType="tmRoot">
-          <p:childTnLst>
-            <p:seq concurrent="1" nextAc="seek">
-              <p:cTn id="2" dur="indefinite" nodeType="mainSeq">
-                <p:childTnLst>
-                  <p:par>
-                    <p:cTn id="3" fill="hold">
-                      <p:stCondLst>
-                        <p:cond delay="indefinite"/>
-                      </p:stCondLst>
-                      <p:childTnLst>
-                        <p:par>
-                          <p:cTn id="4" fill="hold">
-                            <p:stCondLst>
-                              <p:cond delay="0"/>
-                            </p:stCondLst>
-                            <p:childTnLst>
-                              <p:par>
-                                <p:cTn id="5" presetID="42" presetClass="entr" presetSubtype="0" fill="hold" grpId="0" nodeType="clickEffect">
-                                  <p:stCondLst>
-                                    <p:cond delay="0"/>
-                                  </p:stCondLst>
-                                  <p:childTnLst>
-                                    <p:set>
-                                      <p:cBhvr>
-                                        <p:cTn id="6" dur="1" fill="hold">
-                                          <p:stCondLst>
-                                            <p:cond delay="0"/>
-                                          </p:stCondLst>
-                                        </p:cTn>
-                                        <p:tgtEl>
-                                          <p:spTgt spid="2">
-                                            <p:txEl>
-                                              <p:pRg st="0" end="0"/>
-                                            </p:txEl>
-                                          </p:spTgt>
-                                        </p:tgtEl>
-                                        <p:attrNameLst>
-                                          <p:attrName>style.visibility</p:attrName>
-                                        </p:attrNameLst>
-                                      </p:cBhvr>
-                                      <p:to>
-                                        <p:strVal val="visible"/>
-                                      </p:to>
-                                    </p:set>
-                                    <p:animEffect transition="in" filter="fade">
-                                      <p:cBhvr>
-                                        <p:cTn id="7" dur="1000"/>
-                                        <p:tgtEl>
-                                          <p:spTgt spid="2">
-                                            <p:txEl>
-                                              <p:pRg st="0" end="0"/>
-                                            </p:txEl>
-                                          </p:spTgt>
-                                        </p:tgtEl>
-                                      </p:cBhvr>
-                                    </p:animEffect>
-                                    <p:anim calcmode="lin" valueType="num">
-                                      <p:cBhvr>
-                                        <p:cTn id="8" dur="1000" fill="hold"/>
-                                        <p:tgtEl>
-                                          <p:spTgt spid="2">
-                                            <p:txEl>
-                                              <p:pRg st="0" end="0"/>
-                                            </p:txEl>
-                                          </p:spTgt>
-                                        </p:tgtEl>
-                                        <p:attrNameLst>
-                                          <p:attrName>ppt_x</p:attrName>
-                                        </p:attrNameLst>
-                                      </p:cBhvr>
-                                      <p:tavLst>
-                                        <p:tav tm="0">
-                                          <p:val>
-                                            <p:strVal val="#ppt_x"/>
-                                          </p:val>
-                                        </p:tav>
-                                        <p:tav tm="100000">
-                                          <p:val>
-                                            <p:strVal val="#ppt_x"/>
-                                          </p:val>
-                                        </p:tav>
-                                      </p:tavLst>
-                                    </p:anim>
-                                    <p:anim calcmode="lin" valueType="num">
-                                      <p:cBhvr>
-                                        <p:cTn id="9" dur="1000" fill="hold"/>
-                                        <p:tgtEl>
-                                          <p:spTgt spid="2">
-                                            <p:txEl>
-                                              <p:pRg st="0" end="0"/>
-                                            </p:txEl>
-                                          </p:spTgt>
-                                        </p:tgtEl>
-                                        <p:attrNameLst>
-                                          <p:attrName>ppt_y</p:attrName>
-                                        </p:attrNameLst>
-                                      </p:cBhvr>
-                                      <p:tavLst>
-                                        <p:tav tm="0">
-                                          <p:val>
-                                            <p:strVal val="#ppt_y+.1"/>
-                                          </p:val>
-                                        </p:tav>
-                                        <p:tav tm="100000">
-                                          <p:val>
-                                            <p:strVal val="#ppt_y"/>
-                                          </p:val>
-                                        </p:tav>
-                                      </p:tavLst>
-                                    </p:anim>
-                                  </p:childTnLst>
-                                </p:cTn>
-                              </p:par>
-                              <p:par>
-                                <p:cTn id="10" presetID="42" presetClass="entr" presetSubtype="0" fill="hold" grpId="0" nodeType="withEffect">
-                                  <p:stCondLst>
-                                    <p:cond delay="0"/>
-                                  </p:stCondLst>
-                                  <p:childTnLst>
-                                    <p:set>
-                                      <p:cBhvr>
-                                        <p:cTn id="11" dur="1" fill="hold">
-                                          <p:stCondLst>
-                                            <p:cond delay="0"/>
-                                          </p:stCondLst>
-                                        </p:cTn>
-                                        <p:tgtEl>
-                                          <p:spTgt spid="2">
-                                            <p:txEl>
-                                              <p:pRg st="1" end="1"/>
-                                            </p:txEl>
-                                          </p:spTgt>
-                                        </p:tgtEl>
-                                        <p:attrNameLst>
-                                          <p:attrName>style.visibility</p:attrName>
-                                        </p:attrNameLst>
-                                      </p:cBhvr>
-                                      <p:to>
-                                        <p:strVal val="visible"/>
-                                      </p:to>
-                                    </p:set>
-                                    <p:animEffect transition="in" filter="fade">
-                                      <p:cBhvr>
-                                        <p:cTn id="12" dur="1000"/>
-                                        <p:tgtEl>
-                                          <p:spTgt spid="2">
-                                            <p:txEl>
-                                              <p:pRg st="1" end="1"/>
-                                            </p:txEl>
-                                          </p:spTgt>
-                                        </p:tgtEl>
-                                      </p:cBhvr>
-                                    </p:animEffect>
-                                    <p:anim calcmode="lin" valueType="num">
-                                      <p:cBhvr>
-                                        <p:cTn id="13" dur="1000" fill="hold"/>
-                                        <p:tgtEl>
-                                          <p:spTgt spid="2">
-                                            <p:txEl>
-                                              <p:pRg st="1" end="1"/>
-                                            </p:txEl>
-                                          </p:spTgt>
-                                        </p:tgtEl>
-                                        <p:attrNameLst>
-                                          <p:attrName>ppt_x</p:attrName>
-                                        </p:attrNameLst>
-                                      </p:cBhvr>
-                                      <p:tavLst>
-                                        <p:tav tm="0">
-                                          <p:val>
-                                            <p:strVal val="#ppt_x"/>
-                                          </p:val>
-                                        </p:tav>
-                                        <p:tav tm="100000">
-                                          <p:val>
-                                            <p:strVal val="#ppt_x"/>
-                                          </p:val>
-                                        </p:tav>
-                                      </p:tavLst>
-                                    </p:anim>
-                                    <p:anim calcmode="lin" valueType="num">
-                                      <p:cBhvr>
-                                        <p:cTn id="14" dur="1000" fill="hold"/>
-                                        <p:tgtEl>
-                                          <p:spTgt spid="2">
-                                            <p:txEl>
-                                              <p:pRg st="1" end="1"/>
-                                            </p:txEl>
-                                          </p:spTgt>
-                                        </p:tgtEl>
-                                        <p:attrNameLst>
-                                          <p:attrName>ppt_y</p:attrName>
-                                        </p:attrNameLst>
-                                      </p:cBhvr>
-                                      <p:tavLst>
-                                        <p:tav tm="0">
-                                          <p:val>
-                                            <p:strVal val="#ppt_y+.1"/>
-                                          </p:val>
-                                        </p:tav>
-                                        <p:tav tm="100000">
-                                          <p:val>
-                                            <p:strVal val="#ppt_y"/>
-                                          </p:val>
-                                        </p:tav>
-                                      </p:tavLst>
-                                    </p:anim>
-                                  </p:childTnLst>
-                                </p:cTn>
-                              </p:par>
-                              <p:par>
-                                <p:cTn id="15" presetID="42" presetClass="entr" presetSubtype="0" fill="hold" grpId="0" nodeType="withEffect">
-                                  <p:stCondLst>
-                                    <p:cond delay="0"/>
-                                  </p:stCondLst>
-                                  <p:childTnLst>
-                                    <p:set>
-                                      <p:cBhvr>
-                                        <p:cTn id="16" dur="1" fill="hold">
-                                          <p:stCondLst>
-                                            <p:cond delay="0"/>
-                                          </p:stCondLst>
-                                        </p:cTn>
-                                        <p:tgtEl>
-                                          <p:spTgt spid="2">
-                                            <p:txEl>
-                                              <p:pRg st="2" end="2"/>
-                                            </p:txEl>
-                                          </p:spTgt>
-                                        </p:tgtEl>
-                                        <p:attrNameLst>
-                                          <p:attrName>style.visibility</p:attrName>
-                                        </p:attrNameLst>
-                                      </p:cBhvr>
-                                      <p:to>
-                                        <p:strVal val="visible"/>
-                                      </p:to>
-                                    </p:set>
-                                    <p:animEffect transition="in" filter="fade">
-                                      <p:cBhvr>
-                                        <p:cTn id="17" dur="1000"/>
-                                        <p:tgtEl>
-                                          <p:spTgt spid="2">
-                                            <p:txEl>
-                                              <p:pRg st="2" end="2"/>
-                                            </p:txEl>
-                                          </p:spTgt>
-                                        </p:tgtEl>
-                                      </p:cBhvr>
-                                    </p:animEffect>
-                                    <p:anim calcmode="lin" valueType="num">
-                                      <p:cBhvr>
-                                        <p:cTn id="18" dur="1000" fill="hold"/>
-                                        <p:tgtEl>
-                                          <p:spTgt spid="2">
-                                            <p:txEl>
-                                              <p:pRg st="2" end="2"/>
-                                            </p:txEl>
-                                          </p:spTgt>
-                                        </p:tgtEl>
-                                        <p:attrNameLst>
-                                          <p:attrName>ppt_x</p:attrName>
-                                        </p:attrNameLst>
-                                      </p:cBhvr>
-                                      <p:tavLst>
-                                        <p:tav tm="0">
-                                          <p:val>
-                                            <p:strVal val="#ppt_x"/>
-                                          </p:val>
-                                        </p:tav>
-                                        <p:tav tm="100000">
-                                          <p:val>
-                                            <p:strVal val="#ppt_x"/>
-                                          </p:val>
-                                        </p:tav>
-                                      </p:tavLst>
-                                    </p:anim>
-                                    <p:anim calcmode="lin" valueType="num">
-                                      <p:cBhvr>
-                                        <p:cTn id="19" dur="1000" fill="hold"/>
-                                        <p:tgtEl>
-                                          <p:spTgt spid="2">
-                                            <p:txEl>
-                                              <p:pRg st="2" end="2"/>
-                                            </p:txEl>
-                                          </p:spTgt>
-                                        </p:tgtEl>
-                                        <p:attrNameLst>
-                                          <p:attrName>ppt_y</p:attrName>
-                                        </p:attrNameLst>
-                                      </p:cBhvr>
-                                      <p:tavLst>
-                                        <p:tav tm="0">
-                                          <p:val>
-                                            <p:strVal val="#ppt_y+.1"/>
-                                          </p:val>
-                                        </p:tav>
-                                        <p:tav tm="100000">
-                                          <p:val>
-                                            <p:strVal val="#ppt_y"/>
-                                          </p:val>
-                                        </p:tav>
-                                      </p:tavLst>
-                                    </p:anim>
-                                  </p:childTnLst>
-                                </p:cTn>
-                              </p:par>
-                              <p:par>
-                                <p:cTn id="20" presetID="42" presetClass="entr" presetSubtype="0" fill="hold" grpId="0" nodeType="withEffect">
-                                  <p:stCondLst>
-                                    <p:cond delay="0"/>
-                                  </p:stCondLst>
-                                  <p:childTnLst>
-                                    <p:set>
-                                      <p:cBhvr>
-                                        <p:cTn id="21" dur="1" fill="hold">
-                                          <p:stCondLst>
-                                            <p:cond delay="0"/>
-                                          </p:stCondLst>
-                                        </p:cTn>
-                                        <p:tgtEl>
-                                          <p:spTgt spid="2">
-                                            <p:txEl>
-                                              <p:pRg st="3" end="3"/>
-                                            </p:txEl>
-                                          </p:spTgt>
-                                        </p:tgtEl>
-                                        <p:attrNameLst>
-                                          <p:attrName>style.visibility</p:attrName>
-                                        </p:attrNameLst>
-                                      </p:cBhvr>
-                                      <p:to>
-                                        <p:strVal val="visible"/>
-                                      </p:to>
-                                    </p:set>
-                                    <p:animEffect transition="in" filter="fade">
-                                      <p:cBhvr>
-                                        <p:cTn id="22" dur="1000"/>
-                                        <p:tgtEl>
-                                          <p:spTgt spid="2">
-                                            <p:txEl>
-                                              <p:pRg st="3" end="3"/>
-                                            </p:txEl>
-                                          </p:spTgt>
-                                        </p:tgtEl>
-                                      </p:cBhvr>
-                                    </p:animEffect>
-                                    <p:anim calcmode="lin" valueType="num">
-                                      <p:cBhvr>
-                                        <p:cTn id="23" dur="1000" fill="hold"/>
-                                        <p:tgtEl>
-                                          <p:spTgt spid="2">
-                                            <p:txEl>
-                                              <p:pRg st="3" end="3"/>
-                                            </p:txEl>
-                                          </p:spTgt>
-                                        </p:tgtEl>
-                                        <p:attrNameLst>
-                                          <p:attrName>ppt_x</p:attrName>
-                                        </p:attrNameLst>
-                                      </p:cBhvr>
-                                      <p:tavLst>
-                                        <p:tav tm="0">
-                                          <p:val>
-                                            <p:strVal val="#ppt_x"/>
-                                          </p:val>
-                                        </p:tav>
-                                        <p:tav tm="100000">
-                                          <p:val>
-                                            <p:strVal val="#ppt_x"/>
-                                          </p:val>
-                                        </p:tav>
-                                      </p:tavLst>
-                                    </p:anim>
-                                    <p:anim calcmode="lin" valueType="num">
-                                      <p:cBhvr>
-                                        <p:cTn id="24" dur="1000" fill="hold"/>
-                                        <p:tgtEl>
-                                          <p:spTgt spid="2">
-                                            <p:txEl>
-                                              <p:pRg st="3" end="3"/>
-                                            </p:txEl>
-                                          </p:spTgt>
-                                        </p:tgtEl>
-                                        <p:attrNameLst>
-                                          <p:attrName>ppt_y</p:attrName>
-                                        </p:attrNameLst>
-                                      </p:cBhvr>
-                                      <p:tavLst>
-                                        <p:tav tm="0">
-                                          <p:val>
-                                            <p:strVal val="#ppt_y+.1"/>
-                                          </p:val>
-                                        </p:tav>
-                                        <p:tav tm="100000">
-                                          <p:val>
-                                            <p:strVal val="#ppt_y"/>
-                                          </p:val>
-                                        </p:tav>
-                                      </p:tavLst>
-                                    </p:anim>
-                                  </p:childTnLst>
-                                </p:cTn>
-                              </p:par>
-                            </p:childTnLst>
-                          </p:cTn>
-                        </p:par>
-                      </p:childTnLst>
-                    </p:cTn>
-                  </p:par>
-                  <p:par>
-                    <p:cTn id="25" fill="hold">
-                      <p:stCondLst>
-                        <p:cond delay="indefinite"/>
-                      </p:stCondLst>
-                      <p:childTnLst>
-                        <p:par>
-                          <p:cTn id="26" fill="hold">
-                            <p:stCondLst>
-                              <p:cond delay="0"/>
-                            </p:stCondLst>
-                            <p:childTnLst>
-                              <p:par>
-                                <p:cTn id="27" presetID="42" presetClass="entr" presetSubtype="0" fill="hold" grpId="0" nodeType="clickEffect">
-                                  <p:stCondLst>
-                                    <p:cond delay="0"/>
-                                  </p:stCondLst>
-                                  <p:childTnLst>
-                                    <p:set>
-                                      <p:cBhvr>
-                                        <p:cTn id="28" dur="1" fill="hold">
-                                          <p:stCondLst>
-                                            <p:cond delay="0"/>
-                                          </p:stCondLst>
-                                        </p:cTn>
-                                        <p:tgtEl>
-                                          <p:spTgt spid="4"/>
-                                        </p:tgtEl>
-                                        <p:attrNameLst>
-                                          <p:attrName>style.visibility</p:attrName>
-                                        </p:attrNameLst>
-                                      </p:cBhvr>
-                                      <p:to>
-                                        <p:strVal val="visible"/>
-                                      </p:to>
-                                    </p:set>
-                                    <p:animEffect transition="in" filter="fade">
-                                      <p:cBhvr>
-                                        <p:cTn id="29" dur="1000"/>
-                                        <p:tgtEl>
-                                          <p:spTgt spid="4"/>
-                                        </p:tgtEl>
-                                      </p:cBhvr>
-                                    </p:animEffect>
-                                    <p:anim calcmode="lin" valueType="num">
-                                      <p:cBhvr>
-                                        <p:cTn id="30" dur="1000" fill="hold"/>
-                                        <p:tgtEl>
-                                          <p:spTgt spid="4"/>
-                                        </p:tgtEl>
-                                        <p:attrNameLst>
-                                          <p:attrName>ppt_x</p:attrName>
-                                        </p:attrNameLst>
-                                      </p:cBhvr>
-                                      <p:tavLst>
-                                        <p:tav tm="0">
-                                          <p:val>
-                                            <p:strVal val="#ppt_x"/>
-                                          </p:val>
-                                        </p:tav>
-                                        <p:tav tm="100000">
-                                          <p:val>
-                                            <p:strVal val="#ppt_x"/>
-                                          </p:val>
-                                        </p:tav>
-                                      </p:tavLst>
-                                    </p:anim>
-                                    <p:anim calcmode="lin" valueType="num">
-                                      <p:cBhvr>
-                                        <p:cTn id="31" dur="1000" fill="hold"/>
-                                        <p:tgtEl>
-                                          <p:spTgt spid="4"/>
-                                        </p:tgtEl>
-                                        <p:attrNameLst>
-                                          <p:attrName>ppt_y</p:attrName>
-                                        </p:attrNameLst>
-                                      </p:cBhvr>
-                                      <p:tavLst>
-                                        <p:tav tm="0">
-                                          <p:val>
-                                            <p:strVal val="#ppt_y+.1"/>
-                                          </p:val>
-                                        </p:tav>
-                                        <p:tav tm="100000">
-                                          <p:val>
-                                            <p:strVal val="#ppt_y"/>
-                                          </p:val>
-                                        </p:tav>
-                                      </p:tavLst>
-                                    </p:anim>
-                                  </p:childTnLst>
-                                </p:cTn>
-                              </p:par>
-                            </p:childTnLst>
-                          </p:cTn>
-                        </p:par>
-                      </p:childTnLst>
-                    </p:cTn>
-                  </p:par>
-                </p:childTnLst>
-              </p:cTn>
-              <p:prevCondLst>
-                <p:cond evt="onPrev" delay="0">
-                  <p:tgtEl>
-                    <p:sldTgt/>
-                  </p:tgtEl>
-                </p:cond>
-              </p:prevCondLst>
-              <p:nextCondLst>
-                <p:cond evt="onNext" delay="0">
-                  <p:tgtEl>
-                    <p:sldTgt/>
-                  </p:tgtEl>
-                </p:cond>
-              </p:nextCondLst>
-            </p:seq>
-          </p:childTnLst>
-        </p:cTn>
+        <p:cTn id="1" dur="indefinite" restart="never" nodeType="tmRoot"/>
       </p:par>
     </p:tnLst>
-    <p:bldLst>
-      <p:bldP spid="2" grpId="0" uiExpand="1" build="p"/>
-      <p:bldP spid="4" grpId="0"/>
-    </p:bldLst>
   </p:timing>
 </p:sld>
 </file>

--- a/2014-08-11 That Conference - Hybrid Apps/Building PhoneGap Mobile App w KendoUI.pptx
+++ b/2014-08-11 That Conference - Hybrid Apps/Building PhoneGap Mobile App w KendoUI.pptx
@@ -5,7 +5,7 @@
     <p:sldMasterId id="2147483660" r:id="rId1"/>
   </p:sldMasterIdLst>
   <p:notesMasterIdLst>
-    <p:notesMasterId r:id="rId35"/>
+    <p:notesMasterId r:id="rId36"/>
   </p:notesMasterIdLst>
   <p:sldIdLst>
     <p:sldId id="256" r:id="rId2"/>
@@ -13,34 +13,35 @@
     <p:sldId id="258" r:id="rId4"/>
     <p:sldId id="287" r:id="rId5"/>
     <p:sldId id="260" r:id="rId6"/>
-    <p:sldId id="269" r:id="rId7"/>
-    <p:sldId id="270" r:id="rId8"/>
-    <p:sldId id="274" r:id="rId9"/>
-    <p:sldId id="275" r:id="rId10"/>
-    <p:sldId id="276" r:id="rId11"/>
-    <p:sldId id="277" r:id="rId12"/>
-    <p:sldId id="279" r:id="rId13"/>
-    <p:sldId id="278" r:id="rId14"/>
-    <p:sldId id="280" r:id="rId15"/>
-    <p:sldId id="266" r:id="rId16"/>
-    <p:sldId id="265" r:id="rId17"/>
-    <p:sldId id="282" r:id="rId18"/>
-    <p:sldId id="288" r:id="rId19"/>
-    <p:sldId id="289" r:id="rId20"/>
-    <p:sldId id="285" r:id="rId21"/>
-    <p:sldId id="284" r:id="rId22"/>
-    <p:sldId id="283" r:id="rId23"/>
-    <p:sldId id="273" r:id="rId24"/>
-    <p:sldId id="262" r:id="rId25"/>
-    <p:sldId id="261" r:id="rId26"/>
-    <p:sldId id="281" r:id="rId27"/>
-    <p:sldId id="271" r:id="rId28"/>
-    <p:sldId id="257" r:id="rId29"/>
-    <p:sldId id="286" r:id="rId30"/>
-    <p:sldId id="263" r:id="rId31"/>
+    <p:sldId id="257" r:id="rId7"/>
+    <p:sldId id="269" r:id="rId8"/>
+    <p:sldId id="270" r:id="rId9"/>
+    <p:sldId id="274" r:id="rId10"/>
+    <p:sldId id="275" r:id="rId11"/>
+    <p:sldId id="276" r:id="rId12"/>
+    <p:sldId id="277" r:id="rId13"/>
+    <p:sldId id="279" r:id="rId14"/>
+    <p:sldId id="278" r:id="rId15"/>
+    <p:sldId id="280" r:id="rId16"/>
+    <p:sldId id="266" r:id="rId17"/>
+    <p:sldId id="265" r:id="rId18"/>
+    <p:sldId id="282" r:id="rId19"/>
+    <p:sldId id="288" r:id="rId20"/>
+    <p:sldId id="289" r:id="rId21"/>
+    <p:sldId id="285" r:id="rId22"/>
+    <p:sldId id="284" r:id="rId23"/>
+    <p:sldId id="283" r:id="rId24"/>
+    <p:sldId id="273" r:id="rId25"/>
+    <p:sldId id="262" r:id="rId26"/>
+    <p:sldId id="261" r:id="rId27"/>
+    <p:sldId id="294" r:id="rId28"/>
+    <p:sldId id="281" r:id="rId29"/>
+    <p:sldId id="293" r:id="rId30"/>
+    <p:sldId id="286" r:id="rId31"/>
     <p:sldId id="290" r:id="rId32"/>
-    <p:sldId id="291" r:id="rId33"/>
-    <p:sldId id="264" r:id="rId34"/>
+    <p:sldId id="263" r:id="rId33"/>
+    <p:sldId id="291" r:id="rId34"/>
+    <p:sldId id="264" r:id="rId35"/>
   </p:sldIdLst>
   <p:sldSz cx="9144000" cy="6858000" type="screen4x3"/>
   <p:notesSz cx="6858000" cy="9144000"/>
@@ -224,7 +225,7 @@
           <a:p>
             <a:fld id="{EC2BCC37-2920-4C1D-8057-51EE69B1718A}" type="datetimeFigureOut">
               <a:rPr lang="en-US" smtClean="0"/>
-              <a:t>7/29/2014</a:t>
+              <a:t>8/3/2014</a:t>
             </a:fld>
             <a:endParaRPr lang="en-US"/>
           </a:p>
@@ -511,7 +512,7 @@
       </p:grpSpPr>
       <p:sp>
         <p:nvSpPr>
-          <p:cNvPr id="46" name="Shape 46"/>
+          <p:cNvPr id="2" name="Slide Image Placeholder 1"/>
           <p:cNvSpPr>
             <a:spLocks noGrp="1" noRot="1" noChangeAspect="1"/>
           </p:cNvSpPr>
@@ -519,70 +520,60 @@
             <p:ph type="sldImg"/>
           </p:nvPr>
         </p:nvSpPr>
-        <p:spPr>
-          <a:xfrm>
-            <a:off x="381000" y="685800"/>
-            <a:ext cx="6096000" cy="3429000"/>
-          </a:xfrm>
-          <a:prstGeom prst="rect">
-            <a:avLst/>
-          </a:prstGeom>
-        </p:spPr>
-        <p:txBody>
-          <a:bodyPr/>
-          <a:lstStyle/>
-          <a:p>
-            <a:pPr lvl="0"/>
-            <a:endParaRPr/>
-          </a:p>
-        </p:txBody>
-      </p:sp>
-      <p:sp>
-        <p:nvSpPr>
-          <p:cNvPr id="47" name="Shape 47"/>
+        <p:spPr/>
+      </p:sp>
+      <p:sp>
+        <p:nvSpPr>
+          <p:cNvPr id="3" name="Notes Placeholder 2"/>
           <p:cNvSpPr>
             <a:spLocks noGrp="1"/>
           </p:cNvSpPr>
           <p:nvPr>
-            <p:ph type="body" sz="quarter" idx="1"/>
+            <p:ph type="body" idx="1"/>
           </p:nvPr>
         </p:nvSpPr>
-        <p:spPr>
-          <a:prstGeom prst="rect">
-            <a:avLst/>
-          </a:prstGeom>
-        </p:spPr>
+        <p:spPr/>
         <p:txBody>
           <a:bodyPr/>
           <a:lstStyle/>
           <a:p>
-            <a:pPr lvl="0">
-              <a:defRPr sz="1800"/>
-            </a:pPr>
-            <a:r>
-              <a:rPr lang="en-US" sz="3200" dirty="0" smtClean="0"/>
-              <a:t>T</a:t>
-            </a:r>
-            <a:r>
-              <a:rPr sz="3200" dirty="0" smtClean="0"/>
-              <a:t>hank</a:t>
-            </a:r>
-            <a:r>
-              <a:rPr lang="en-US" sz="3200" dirty="0" smtClean="0"/>
-              <a:t>s to</a:t>
-            </a:r>
-            <a:r>
-              <a:rPr sz="3200" dirty="0" smtClean="0"/>
-              <a:t> </a:t>
-            </a:r>
-            <a:r>
-              <a:rPr sz="3200" dirty="0"/>
-              <a:t>our Principal, Platinum and Gold Sponsors.</a:t>
-            </a:r>
+            <a:r>
+              <a:rPr lang="en-US" dirty="0" smtClean="0"/>
+              <a:t>Explain the title…</a:t>
+            </a:r>
+            <a:endParaRPr lang="en-US" dirty="0"/>
           </a:p>
         </p:txBody>
       </p:sp>
+      <p:sp>
+        <p:nvSpPr>
+          <p:cNvPr id="4" name="Slide Number Placeholder 3"/>
+          <p:cNvSpPr>
+            <a:spLocks noGrp="1"/>
+          </p:cNvSpPr>
+          <p:nvPr>
+            <p:ph type="sldNum" sz="quarter" idx="10"/>
+          </p:nvPr>
+        </p:nvSpPr>
+        <p:spPr/>
+        <p:txBody>
+          <a:bodyPr/>
+          <a:lstStyle/>
+          <a:p>
+            <a:fld id="{8E70A4CB-D5A4-4016-9063-EAE2719754C8}" type="slidenum">
+              <a:rPr lang="en-US" smtClean="0"/>
+              <a:t>1</a:t>
+            </a:fld>
+            <a:endParaRPr lang="en-US"/>
+          </a:p>
+        </p:txBody>
+      </p:sp>
     </p:spTree>
+    <p:extLst>
+      <p:ext uri="{BB962C8B-B14F-4D97-AF65-F5344CB8AC3E}">
+        <p14:creationId xmlns:p14="http://schemas.microsoft.com/office/powerpoint/2010/main" val="3444454005"/>
+      </p:ext>
+    </p:extLst>
   </p:cSld>
   <p:clrMapOvr>
     <a:masterClrMapping/>
@@ -634,14 +625,6 @@
           <a:bodyPr/>
           <a:lstStyle/>
           <a:p>
-            <a:r>
-              <a:rPr lang="en-US" dirty="0" smtClean="0"/>
-              <a:t>Using KendoUI Mobile, PG Build and PhoneGap</a:t>
-            </a:r>
-            <a:r>
-              <a:rPr lang="en-US" baseline="0" dirty="0" smtClean="0"/>
-              <a:t> we cover all the parts of a hybrid app!</a:t>
-            </a:r>
             <a:endParaRPr lang="en-US" dirty="0"/>
           </a:p>
         </p:txBody>
@@ -663,7 +646,7 @@
           <a:p>
             <a:fld id="{8E70A4CB-D5A4-4016-9063-EAE2719754C8}" type="slidenum">
               <a:rPr lang="en-US" smtClean="0"/>
-              <a:t>26</a:t>
+              <a:t>21</a:t>
             </a:fld>
             <a:endParaRPr lang="en-US"/>
           </a:p>
@@ -672,7 +655,7 @@
     </p:spTree>
     <p:extLst>
       <p:ext uri="{BB962C8B-B14F-4D97-AF65-F5344CB8AC3E}">
-        <p14:creationId xmlns:p14="http://schemas.microsoft.com/office/powerpoint/2010/main" val="4002310454"/>
+        <p14:creationId xmlns:p14="http://schemas.microsoft.com/office/powerpoint/2010/main" val="3385583576"/>
       </p:ext>
     </p:extLst>
   </p:cSld>
@@ -726,6 +709,14 @@
           <a:bodyPr/>
           <a:lstStyle/>
           <a:p>
+            <a:r>
+              <a:rPr lang="en-US" dirty="0" smtClean="0"/>
+              <a:t>How do</a:t>
+            </a:r>
+            <a:r>
+              <a:rPr lang="en-US" baseline="0" dirty="0" smtClean="0"/>
+              <a:t> we transform our web app into a native one?</a:t>
+            </a:r>
             <a:endParaRPr lang="en-US" dirty="0"/>
           </a:p>
         </p:txBody>
@@ -747,7 +738,7 @@
           <a:p>
             <a:fld id="{8E70A4CB-D5A4-4016-9063-EAE2719754C8}" type="slidenum">
               <a:rPr lang="en-US" smtClean="0"/>
-              <a:t>27</a:t>
+              <a:t>23</a:t>
             </a:fld>
             <a:endParaRPr lang="en-US"/>
           </a:p>
@@ -756,7 +747,7 @@
     </p:spTree>
     <p:extLst>
       <p:ext uri="{BB962C8B-B14F-4D97-AF65-F5344CB8AC3E}">
-        <p14:creationId xmlns:p14="http://schemas.microsoft.com/office/powerpoint/2010/main" val="1815945070"/>
+        <p14:creationId xmlns:p14="http://schemas.microsoft.com/office/powerpoint/2010/main" val="2771626486"/>
       </p:ext>
     </p:extLst>
   </p:cSld>
@@ -831,7 +822,7 @@
           <a:p>
             <a:fld id="{8E70A4CB-D5A4-4016-9063-EAE2719754C8}" type="slidenum">
               <a:rPr lang="en-US" smtClean="0"/>
-              <a:t>28</a:t>
+              <a:t>24</a:t>
             </a:fld>
             <a:endParaRPr lang="en-US"/>
           </a:p>
@@ -840,7 +831,7 @@
     </p:spTree>
     <p:extLst>
       <p:ext uri="{BB962C8B-B14F-4D97-AF65-F5344CB8AC3E}">
-        <p14:creationId xmlns:p14="http://schemas.microsoft.com/office/powerpoint/2010/main" val="6760467"/>
+        <p14:creationId xmlns:p14="http://schemas.microsoft.com/office/powerpoint/2010/main" val="1612502210"/>
       </p:ext>
     </p:extLst>
   </p:cSld>
@@ -895,21 +886,26 @@
           <a:lstStyle/>
           <a:p>
             <a:r>
+              <a:rPr lang="en-US" dirty="0" smtClean="0"/>
+              <a:t>First,</a:t>
+            </a:r>
+            <a:r>
               <a:rPr lang="en-US" baseline="0" dirty="0" smtClean="0"/>
-              <a:t>Consider </a:t>
+              <a:t> you zip up your code and upload it here. The Build service starts running, takes only a few minutes tops. All selected app platforms are here. You can download each compiled app here, and load it onto a device.</a:t>
+            </a:r>
+            <a:endParaRPr lang="en-US" dirty="0" smtClean="0"/>
+          </a:p>
+          <a:p>
+            <a:r>
+              <a:rPr lang="en-US" dirty="0" smtClean="0"/>
+              <a:t>TODO: prep</a:t>
             </a:r>
             <a:r>
               <a:rPr lang="en-US" baseline="0" dirty="0" smtClean="0"/>
-              <a:t>what is “good enough” for you/your business. Will users notice a few </a:t>
-            </a:r>
-            <a:r>
-              <a:rPr lang="en-US" baseline="0" dirty="0" err="1" smtClean="0"/>
-              <a:t>ms</a:t>
-            </a:r>
-            <a:r>
-              <a:rPr lang="en-US" baseline="0" dirty="0" smtClean="0"/>
-              <a:t> delay?</a:t>
-            </a:r>
+              <a:t> other slides like this in case of No Internet</a:t>
+            </a:r>
+          </a:p>
+          <a:p>
             <a:endParaRPr lang="en-US" dirty="0"/>
           </a:p>
         </p:txBody>
@@ -931,7 +927,7 @@
           <a:p>
             <a:fld id="{8E70A4CB-D5A4-4016-9063-EAE2719754C8}" type="slidenum">
               <a:rPr lang="en-US" smtClean="0"/>
-              <a:t>29</a:t>
+              <a:t>26</a:t>
             </a:fld>
             <a:endParaRPr lang="en-US"/>
           </a:p>
@@ -940,7 +936,7 @@
     </p:spTree>
     <p:extLst>
       <p:ext uri="{BB962C8B-B14F-4D97-AF65-F5344CB8AC3E}">
-        <p14:creationId xmlns:p14="http://schemas.microsoft.com/office/powerpoint/2010/main" val="387615304"/>
+        <p14:creationId xmlns:p14="http://schemas.microsoft.com/office/powerpoint/2010/main" val="1727237859"/>
       </p:ext>
     </p:extLst>
   </p:cSld>
@@ -996,11 +992,11 @@
           <a:p>
             <a:r>
               <a:rPr lang="en-US" dirty="0" smtClean="0"/>
-              <a:t>TODO: orange/red</a:t>
+              <a:t>Using KendoUI Mobile, PG Build and PhoneGap</a:t>
             </a:r>
             <a:r>
               <a:rPr lang="en-US" baseline="0" dirty="0" smtClean="0"/>
-              <a:t> checkmarks</a:t>
+              <a:t> we cover all the parts of a hybrid app!</a:t>
             </a:r>
             <a:endParaRPr lang="en-US" dirty="0"/>
           </a:p>
@@ -1023,7 +1019,7 @@
           <a:p>
             <a:fld id="{8E70A4CB-D5A4-4016-9063-EAE2719754C8}" type="slidenum">
               <a:rPr lang="en-US" smtClean="0"/>
-              <a:t>31</a:t>
+              <a:t>28</a:t>
             </a:fld>
             <a:endParaRPr lang="en-US"/>
           </a:p>
@@ -1032,7 +1028,7 @@
     </p:spTree>
     <p:extLst>
       <p:ext uri="{BB962C8B-B14F-4D97-AF65-F5344CB8AC3E}">
-        <p14:creationId xmlns:p14="http://schemas.microsoft.com/office/powerpoint/2010/main" val="1543007744"/>
+        <p14:creationId xmlns:p14="http://schemas.microsoft.com/office/powerpoint/2010/main" val="4002310454"/>
       </p:ext>
     </p:extLst>
   </p:cSld>
@@ -1086,6 +1082,10 @@
           <a:bodyPr/>
           <a:lstStyle/>
           <a:p>
+            <a:r>
+              <a:rPr lang="en-US" dirty="0" smtClean="0"/>
+              <a:t>TODO</a:t>
+            </a:r>
             <a:endParaRPr lang="en-US" dirty="0"/>
           </a:p>
         </p:txBody>
@@ -1107,7 +1107,271 @@
           <a:p>
             <a:fld id="{8E70A4CB-D5A4-4016-9063-EAE2719754C8}" type="slidenum">
               <a:rPr lang="en-US" smtClean="0"/>
-              <a:t>32</a:t>
+              <a:t>29</a:t>
+            </a:fld>
+            <a:endParaRPr lang="en-US"/>
+          </a:p>
+        </p:txBody>
+      </p:sp>
+    </p:spTree>
+    <p:extLst>
+      <p:ext uri="{BB962C8B-B14F-4D97-AF65-F5344CB8AC3E}">
+        <p14:creationId xmlns:p14="http://schemas.microsoft.com/office/powerpoint/2010/main" val="2138734457"/>
+      </p:ext>
+    </p:extLst>
+  </p:cSld>
+  <p:clrMapOvr>
+    <a:masterClrMapping/>
+  </p:clrMapOvr>
+</p:notes>
+</file>
+
+<file path=ppt/notesSlides/notesSlide16.xml><?xml version="1.0" encoding="utf-8"?>
+<p:notes xmlns:a="http://schemas.openxmlformats.org/drawingml/2006/main" xmlns:r="http://schemas.openxmlformats.org/officeDocument/2006/relationships" xmlns:p="http://schemas.openxmlformats.org/presentationml/2006/main">
+  <p:cSld>
+    <p:spTree>
+      <p:nvGrpSpPr>
+        <p:cNvPr id="1" name=""/>
+        <p:cNvGrpSpPr/>
+        <p:nvPr/>
+      </p:nvGrpSpPr>
+      <p:grpSpPr>
+        <a:xfrm>
+          <a:off x="0" y="0"/>
+          <a:ext cx="0" cy="0"/>
+          <a:chOff x="0" y="0"/>
+          <a:chExt cx="0" cy="0"/>
+        </a:xfrm>
+      </p:grpSpPr>
+      <p:sp>
+        <p:nvSpPr>
+          <p:cNvPr id="2" name="Slide Image Placeholder 1"/>
+          <p:cNvSpPr>
+            <a:spLocks noGrp="1" noRot="1" noChangeAspect="1"/>
+          </p:cNvSpPr>
+          <p:nvPr>
+            <p:ph type="sldImg"/>
+          </p:nvPr>
+        </p:nvSpPr>
+        <p:spPr/>
+      </p:sp>
+      <p:sp>
+        <p:nvSpPr>
+          <p:cNvPr id="3" name="Notes Placeholder 2"/>
+          <p:cNvSpPr>
+            <a:spLocks noGrp="1"/>
+          </p:cNvSpPr>
+          <p:nvPr>
+            <p:ph type="body" idx="1"/>
+          </p:nvPr>
+        </p:nvSpPr>
+        <p:spPr/>
+        <p:txBody>
+          <a:bodyPr/>
+          <a:lstStyle/>
+          <a:p>
+            <a:r>
+              <a:rPr lang="en-US" baseline="0" dirty="0" smtClean="0"/>
+              <a:t>Nix this?</a:t>
+            </a:r>
+            <a:endParaRPr lang="en-US" dirty="0"/>
+          </a:p>
+        </p:txBody>
+      </p:sp>
+      <p:sp>
+        <p:nvSpPr>
+          <p:cNvPr id="4" name="Slide Number Placeholder 3"/>
+          <p:cNvSpPr>
+            <a:spLocks noGrp="1"/>
+          </p:cNvSpPr>
+          <p:nvPr>
+            <p:ph type="sldNum" sz="quarter" idx="10"/>
+          </p:nvPr>
+        </p:nvSpPr>
+        <p:spPr/>
+        <p:txBody>
+          <a:bodyPr/>
+          <a:lstStyle/>
+          <a:p>
+            <a:fld id="{8E70A4CB-D5A4-4016-9063-EAE2719754C8}" type="slidenum">
+              <a:rPr lang="en-US" smtClean="0"/>
+              <a:t>30</a:t>
+            </a:fld>
+            <a:endParaRPr lang="en-US"/>
+          </a:p>
+        </p:txBody>
+      </p:sp>
+    </p:spTree>
+    <p:extLst>
+      <p:ext uri="{BB962C8B-B14F-4D97-AF65-F5344CB8AC3E}">
+        <p14:creationId xmlns:p14="http://schemas.microsoft.com/office/powerpoint/2010/main" val="387615304"/>
+      </p:ext>
+    </p:extLst>
+  </p:cSld>
+  <p:clrMapOvr>
+    <a:masterClrMapping/>
+  </p:clrMapOvr>
+</p:notes>
+</file>
+
+<file path=ppt/notesSlides/notesSlide17.xml><?xml version="1.0" encoding="utf-8"?>
+<p:notes xmlns:a="http://schemas.openxmlformats.org/drawingml/2006/main" xmlns:r="http://schemas.openxmlformats.org/officeDocument/2006/relationships" xmlns:p="http://schemas.openxmlformats.org/presentationml/2006/main">
+  <p:cSld>
+    <p:spTree>
+      <p:nvGrpSpPr>
+        <p:cNvPr id="1" name=""/>
+        <p:cNvGrpSpPr/>
+        <p:nvPr/>
+      </p:nvGrpSpPr>
+      <p:grpSpPr>
+        <a:xfrm>
+          <a:off x="0" y="0"/>
+          <a:ext cx="0" cy="0"/>
+          <a:chOff x="0" y="0"/>
+          <a:chExt cx="0" cy="0"/>
+        </a:xfrm>
+      </p:grpSpPr>
+      <p:sp>
+        <p:nvSpPr>
+          <p:cNvPr id="2" name="Slide Image Placeholder 1"/>
+          <p:cNvSpPr>
+            <a:spLocks noGrp="1" noRot="1" noChangeAspect="1"/>
+          </p:cNvSpPr>
+          <p:nvPr>
+            <p:ph type="sldImg"/>
+          </p:nvPr>
+        </p:nvSpPr>
+        <p:spPr/>
+      </p:sp>
+      <p:sp>
+        <p:nvSpPr>
+          <p:cNvPr id="3" name="Notes Placeholder 2"/>
+          <p:cNvSpPr>
+            <a:spLocks noGrp="1"/>
+          </p:cNvSpPr>
+          <p:nvPr>
+            <p:ph type="body" idx="1"/>
+          </p:nvPr>
+        </p:nvSpPr>
+        <p:spPr/>
+        <p:txBody>
+          <a:bodyPr/>
+          <a:lstStyle/>
+          <a:p>
+            <a:r>
+              <a:rPr lang="en-US" dirty="0" smtClean="0"/>
+              <a:t>TODO: orange/red</a:t>
+            </a:r>
+            <a:r>
+              <a:rPr lang="en-US" baseline="0" dirty="0" smtClean="0"/>
+              <a:t> checkmarks</a:t>
+            </a:r>
+            <a:endParaRPr lang="en-US" dirty="0"/>
+          </a:p>
+        </p:txBody>
+      </p:sp>
+      <p:sp>
+        <p:nvSpPr>
+          <p:cNvPr id="4" name="Slide Number Placeholder 3"/>
+          <p:cNvSpPr>
+            <a:spLocks noGrp="1"/>
+          </p:cNvSpPr>
+          <p:nvPr>
+            <p:ph type="sldNum" sz="quarter" idx="10"/>
+          </p:nvPr>
+        </p:nvSpPr>
+        <p:spPr/>
+        <p:txBody>
+          <a:bodyPr/>
+          <a:lstStyle/>
+          <a:p>
+            <a:fld id="{8E70A4CB-D5A4-4016-9063-EAE2719754C8}" type="slidenum">
+              <a:rPr lang="en-US" smtClean="0"/>
+              <a:t>31</a:t>
+            </a:fld>
+            <a:endParaRPr lang="en-US"/>
+          </a:p>
+        </p:txBody>
+      </p:sp>
+    </p:spTree>
+    <p:extLst>
+      <p:ext uri="{BB962C8B-B14F-4D97-AF65-F5344CB8AC3E}">
+        <p14:creationId xmlns:p14="http://schemas.microsoft.com/office/powerpoint/2010/main" val="1543007744"/>
+      </p:ext>
+    </p:extLst>
+  </p:cSld>
+  <p:clrMapOvr>
+    <a:masterClrMapping/>
+  </p:clrMapOvr>
+</p:notes>
+</file>
+
+<file path=ppt/notesSlides/notesSlide18.xml><?xml version="1.0" encoding="utf-8"?>
+<p:notes xmlns:a="http://schemas.openxmlformats.org/drawingml/2006/main" xmlns:r="http://schemas.openxmlformats.org/officeDocument/2006/relationships" xmlns:p="http://schemas.openxmlformats.org/presentationml/2006/main">
+  <p:cSld>
+    <p:spTree>
+      <p:nvGrpSpPr>
+        <p:cNvPr id="1" name=""/>
+        <p:cNvGrpSpPr/>
+        <p:nvPr/>
+      </p:nvGrpSpPr>
+      <p:grpSpPr>
+        <a:xfrm>
+          <a:off x="0" y="0"/>
+          <a:ext cx="0" cy="0"/>
+          <a:chOff x="0" y="0"/>
+          <a:chExt cx="0" cy="0"/>
+        </a:xfrm>
+      </p:grpSpPr>
+      <p:sp>
+        <p:nvSpPr>
+          <p:cNvPr id="2" name="Slide Image Placeholder 1"/>
+          <p:cNvSpPr>
+            <a:spLocks noGrp="1" noRot="1" noChangeAspect="1"/>
+          </p:cNvSpPr>
+          <p:nvPr>
+            <p:ph type="sldImg"/>
+          </p:nvPr>
+        </p:nvSpPr>
+        <p:spPr/>
+      </p:sp>
+      <p:sp>
+        <p:nvSpPr>
+          <p:cNvPr id="3" name="Notes Placeholder 2"/>
+          <p:cNvSpPr>
+            <a:spLocks noGrp="1"/>
+          </p:cNvSpPr>
+          <p:nvPr>
+            <p:ph type="body" idx="1"/>
+          </p:nvPr>
+        </p:nvSpPr>
+        <p:spPr/>
+        <p:txBody>
+          <a:bodyPr/>
+          <a:lstStyle/>
+          <a:p>
+            <a:endParaRPr lang="en-US" dirty="0"/>
+          </a:p>
+        </p:txBody>
+      </p:sp>
+      <p:sp>
+        <p:nvSpPr>
+          <p:cNvPr id="4" name="Slide Number Placeholder 3"/>
+          <p:cNvSpPr>
+            <a:spLocks noGrp="1"/>
+          </p:cNvSpPr>
+          <p:nvPr>
+            <p:ph type="sldNum" sz="quarter" idx="10"/>
+          </p:nvPr>
+        </p:nvSpPr>
+        <p:spPr/>
+        <p:txBody>
+          <a:bodyPr/>
+          <a:lstStyle/>
+          <a:p>
+            <a:fld id="{8E70A4CB-D5A4-4016-9063-EAE2719754C8}" type="slidenum">
+              <a:rPr lang="en-US" smtClean="0"/>
+              <a:t>33</a:t>
             </a:fld>
             <a:endParaRPr lang="en-US"/>
           </a:p>
@@ -1145,7 +1409,7 @@
       </p:grpSpPr>
       <p:sp>
         <p:nvSpPr>
-          <p:cNvPr id="2" name="Slide Image Placeholder 1"/>
+          <p:cNvPr id="46" name="Shape 46"/>
           <p:cNvSpPr>
             <a:spLocks noGrp="1" noRot="1" noChangeAspect="1"/>
           </p:cNvSpPr>
@@ -1153,56 +1417,70 @@
             <p:ph type="sldImg"/>
           </p:nvPr>
         </p:nvSpPr>
-        <p:spPr/>
-      </p:sp>
-      <p:sp>
-        <p:nvSpPr>
-          <p:cNvPr id="3" name="Notes Placeholder 2"/>
+        <p:spPr>
+          <a:xfrm>
+            <a:off x="381000" y="685800"/>
+            <a:ext cx="6096000" cy="3429000"/>
+          </a:xfrm>
+          <a:prstGeom prst="rect">
+            <a:avLst/>
+          </a:prstGeom>
+        </p:spPr>
+        <p:txBody>
+          <a:bodyPr/>
+          <a:lstStyle/>
+          <a:p>
+            <a:pPr lvl="0"/>
+            <a:endParaRPr/>
+          </a:p>
+        </p:txBody>
+      </p:sp>
+      <p:sp>
+        <p:nvSpPr>
+          <p:cNvPr id="47" name="Shape 47"/>
           <p:cNvSpPr>
             <a:spLocks noGrp="1"/>
           </p:cNvSpPr>
           <p:nvPr>
-            <p:ph type="body" idx="1"/>
+            <p:ph type="body" sz="quarter" idx="1"/>
           </p:nvPr>
         </p:nvSpPr>
-        <p:spPr/>
+        <p:spPr>
+          <a:prstGeom prst="rect">
+            <a:avLst/>
+          </a:prstGeom>
+        </p:spPr>
         <p:txBody>
           <a:bodyPr/>
           <a:lstStyle/>
           <a:p>
-            <a:endParaRPr lang="en-US" dirty="0"/>
+            <a:pPr lvl="0">
+              <a:defRPr sz="1800"/>
+            </a:pPr>
+            <a:r>
+              <a:rPr lang="en-US" sz="3200" dirty="0" smtClean="0"/>
+              <a:t>T</a:t>
+            </a:r>
+            <a:r>
+              <a:rPr sz="3200" dirty="0" smtClean="0"/>
+              <a:t>hank</a:t>
+            </a:r>
+            <a:r>
+              <a:rPr lang="en-US" sz="3200" dirty="0" smtClean="0"/>
+              <a:t>s to</a:t>
+            </a:r>
+            <a:r>
+              <a:rPr sz="3200" dirty="0" smtClean="0"/>
+              <a:t> </a:t>
+            </a:r>
+            <a:r>
+              <a:rPr sz="3200" dirty="0"/>
+              <a:t>our Principal, Platinum and Gold Sponsors.</a:t>
+            </a:r>
           </a:p>
         </p:txBody>
       </p:sp>
-      <p:sp>
-        <p:nvSpPr>
-          <p:cNvPr id="4" name="Slide Number Placeholder 3"/>
-          <p:cNvSpPr>
-            <a:spLocks noGrp="1"/>
-          </p:cNvSpPr>
-          <p:nvPr>
-            <p:ph type="sldNum" sz="quarter" idx="10"/>
-          </p:nvPr>
-        </p:nvSpPr>
-        <p:spPr/>
-        <p:txBody>
-          <a:bodyPr/>
-          <a:lstStyle/>
-          <a:p>
-            <a:fld id="{8E70A4CB-D5A4-4016-9063-EAE2719754C8}" type="slidenum">
-              <a:rPr lang="en-US" smtClean="0"/>
-              <a:t>5</a:t>
-            </a:fld>
-            <a:endParaRPr lang="en-US"/>
-          </a:p>
-        </p:txBody>
-      </p:sp>
     </p:spTree>
-    <p:extLst>
-      <p:ext uri="{BB962C8B-B14F-4D97-AF65-F5344CB8AC3E}">
-        <p14:creationId xmlns:p14="http://schemas.microsoft.com/office/powerpoint/2010/main" val="1511137842"/>
-      </p:ext>
-    </p:extLst>
   </p:cSld>
   <p:clrMapOvr>
     <a:masterClrMapping/>
@@ -1275,7 +1553,7 @@
           <a:p>
             <a:fld id="{8E70A4CB-D5A4-4016-9063-EAE2719754C8}" type="slidenum">
               <a:rPr lang="en-US" smtClean="0"/>
-              <a:t>6</a:t>
+              <a:t>5</a:t>
             </a:fld>
             <a:endParaRPr lang="en-US"/>
           </a:p>
@@ -1284,7 +1562,7 @@
     </p:spTree>
     <p:extLst>
       <p:ext uri="{BB962C8B-B14F-4D97-AF65-F5344CB8AC3E}">
-        <p14:creationId xmlns:p14="http://schemas.microsoft.com/office/powerpoint/2010/main" val="1023796823"/>
+        <p14:creationId xmlns:p14="http://schemas.microsoft.com/office/powerpoint/2010/main" val="1511137842"/>
       </p:ext>
     </p:extLst>
   </p:cSld>
@@ -1338,18 +1616,6 @@
           <a:bodyPr/>
           <a:lstStyle/>
           <a:p>
-            <a:r>
-              <a:rPr lang="en-US" dirty="0" smtClean="0"/>
-              <a:t>In order to create an app,</a:t>
-            </a:r>
-            <a:r>
-              <a:rPr lang="en-US" baseline="0" dirty="0" smtClean="0"/>
-              <a:t> we have two major parts: Web and Native</a:t>
-            </a:r>
-            <a:r>
-              <a:rPr lang="en-US" baseline="0" dirty="0" smtClean="0"/>
-              <a:t>.</a:t>
-            </a:r>
             <a:endParaRPr lang="en-US" dirty="0"/>
           </a:p>
         </p:txBody>
@@ -1371,7 +1637,7 @@
           <a:p>
             <a:fld id="{8E70A4CB-D5A4-4016-9063-EAE2719754C8}" type="slidenum">
               <a:rPr lang="en-US" smtClean="0"/>
-              <a:t>10</a:t>
+              <a:t>6</a:t>
             </a:fld>
             <a:endParaRPr lang="en-US"/>
           </a:p>
@@ -1380,7 +1646,7 @@
     </p:spTree>
     <p:extLst>
       <p:ext uri="{BB962C8B-B14F-4D97-AF65-F5344CB8AC3E}">
-        <p14:creationId xmlns:p14="http://schemas.microsoft.com/office/powerpoint/2010/main" val="4002310454"/>
+        <p14:creationId xmlns:p14="http://schemas.microsoft.com/office/powerpoint/2010/main" val="6760467"/>
       </p:ext>
     </p:extLst>
   </p:cSld>
@@ -1434,6 +1700,14 @@
           <a:bodyPr/>
           <a:lstStyle/>
           <a:p>
+            <a:r>
+              <a:rPr lang="en-US" dirty="0" smtClean="0"/>
+              <a:t>Simpler</a:t>
+            </a:r>
+            <a:r>
+              <a:rPr lang="en-US" baseline="0" dirty="0" smtClean="0"/>
+              <a:t> slide. Explain image better – the axis.</a:t>
+            </a:r>
             <a:endParaRPr lang="en-US" dirty="0"/>
           </a:p>
         </p:txBody>
@@ -1455,7 +1729,7 @@
           <a:p>
             <a:fld id="{8E70A4CB-D5A4-4016-9063-EAE2719754C8}" type="slidenum">
               <a:rPr lang="en-US" smtClean="0"/>
-              <a:t>14</a:t>
+              <a:t>7</a:t>
             </a:fld>
             <a:endParaRPr lang="en-US"/>
           </a:p>
@@ -1464,7 +1738,7 @@
     </p:spTree>
     <p:extLst>
       <p:ext uri="{BB962C8B-B14F-4D97-AF65-F5344CB8AC3E}">
-        <p14:creationId xmlns:p14="http://schemas.microsoft.com/office/powerpoint/2010/main" val="4185907973"/>
+        <p14:creationId xmlns:p14="http://schemas.microsoft.com/office/powerpoint/2010/main" val="1023796823"/>
       </p:ext>
     </p:extLst>
   </p:cSld>
@@ -1520,11 +1794,11 @@
           <a:p>
             <a:r>
               <a:rPr lang="en-US" dirty="0" smtClean="0"/>
-              <a:t>KendoUI Mobile is part of the</a:t>
+              <a:t>In order to create an app,</a:t>
             </a:r>
             <a:r>
               <a:rPr lang="en-US" baseline="0" dirty="0" smtClean="0"/>
-              <a:t> larger KendoUI framework suite</a:t>
+              <a:t> we have two major parts: Web and Native.</a:t>
             </a:r>
             <a:endParaRPr lang="en-US" dirty="0"/>
           </a:p>
@@ -1547,7 +1821,7 @@
           <a:p>
             <a:fld id="{8E70A4CB-D5A4-4016-9063-EAE2719754C8}" type="slidenum">
               <a:rPr lang="en-US" smtClean="0"/>
-              <a:t>16</a:t>
+              <a:t>11</a:t>
             </a:fld>
             <a:endParaRPr lang="en-US"/>
           </a:p>
@@ -1556,7 +1830,7 @@
     </p:spTree>
     <p:extLst>
       <p:ext uri="{BB962C8B-B14F-4D97-AF65-F5344CB8AC3E}">
-        <p14:creationId xmlns:p14="http://schemas.microsoft.com/office/powerpoint/2010/main" val="3755059056"/>
+        <p14:creationId xmlns:p14="http://schemas.microsoft.com/office/powerpoint/2010/main" val="4002310454"/>
       </p:ext>
     </p:extLst>
   </p:cSld>
@@ -1612,11 +1886,27 @@
           <a:p>
             <a:r>
               <a:rPr lang="en-US" dirty="0" smtClean="0"/>
-              <a:t>How do</a:t>
+              <a:t>Reference split between </a:t>
+            </a:r>
+            <a:r>
+              <a:rPr lang="en-US" dirty="0" err="1" smtClean="0"/>
+              <a:t>dev</a:t>
+            </a:r>
+            <a:r>
+              <a:rPr lang="en-US" dirty="0" smtClean="0"/>
+              <a:t> &amp; designers.. Mobile teams smaller. More</a:t>
             </a:r>
             <a:r>
               <a:rPr lang="en-US" baseline="0" dirty="0" smtClean="0"/>
-              <a:t> we transform our web app into a native one?</a:t>
+              <a:t> relevant than ever for </a:t>
+            </a:r>
+            <a:r>
+              <a:rPr lang="en-US" baseline="0" dirty="0" err="1" smtClean="0"/>
+              <a:t>devs</a:t>
+            </a:r>
+            <a:r>
+              <a:rPr lang="en-US" baseline="0" dirty="0" smtClean="0"/>
+              <a:t>.</a:t>
             </a:r>
             <a:endParaRPr lang="en-US" dirty="0"/>
           </a:p>
@@ -1639,7 +1929,7 @@
           <a:p>
             <a:fld id="{8E70A4CB-D5A4-4016-9063-EAE2719754C8}" type="slidenum">
               <a:rPr lang="en-US" smtClean="0"/>
-              <a:t>22</a:t>
+              <a:t>13</a:t>
             </a:fld>
             <a:endParaRPr lang="en-US"/>
           </a:p>
@@ -1648,7 +1938,7 @@
     </p:spTree>
     <p:extLst>
       <p:ext uri="{BB962C8B-B14F-4D97-AF65-F5344CB8AC3E}">
-        <p14:creationId xmlns:p14="http://schemas.microsoft.com/office/powerpoint/2010/main" val="2771626486"/>
+        <p14:creationId xmlns:p14="http://schemas.microsoft.com/office/powerpoint/2010/main" val="4116950798"/>
       </p:ext>
     </p:extLst>
   </p:cSld>
@@ -1702,6 +1992,10 @@
           <a:bodyPr/>
           <a:lstStyle/>
           <a:p>
+            <a:r>
+              <a:rPr lang="en-US" dirty="0" smtClean="0"/>
+              <a:t>animation</a:t>
+            </a:r>
             <a:endParaRPr lang="en-US" dirty="0"/>
           </a:p>
         </p:txBody>
@@ -1723,7 +2017,7 @@
           <a:p>
             <a:fld id="{8E70A4CB-D5A4-4016-9063-EAE2719754C8}" type="slidenum">
               <a:rPr lang="en-US" smtClean="0"/>
-              <a:t>23</a:t>
+              <a:t>15</a:t>
             </a:fld>
             <a:endParaRPr lang="en-US"/>
           </a:p>
@@ -1732,7 +2026,7 @@
     </p:spTree>
     <p:extLst>
       <p:ext uri="{BB962C8B-B14F-4D97-AF65-F5344CB8AC3E}">
-        <p14:creationId xmlns:p14="http://schemas.microsoft.com/office/powerpoint/2010/main" val="1612502210"/>
+        <p14:creationId xmlns:p14="http://schemas.microsoft.com/office/powerpoint/2010/main" val="4185907973"/>
       </p:ext>
     </p:extLst>
   </p:cSld>
@@ -1788,25 +2082,12 @@
           <a:p>
             <a:r>
               <a:rPr lang="en-US" dirty="0" smtClean="0"/>
-              <a:t>First,</a:t>
+              <a:t>KendoUI Mobile is part of the</a:t>
             </a:r>
             <a:r>
               <a:rPr lang="en-US" baseline="0" dirty="0" smtClean="0"/>
-              <a:t> you zip up your code and upload it here. The Build service starts running, takes only a few minutes tops. All selected app platforms are here. You can download each compiled app here, and load it onto a device.</a:t>
-            </a:r>
-            <a:endParaRPr lang="en-US" dirty="0" smtClean="0"/>
-          </a:p>
-          <a:p>
-            <a:r>
-              <a:rPr lang="en-US" dirty="0" smtClean="0"/>
-              <a:t>TODO: prep</a:t>
-            </a:r>
-            <a:r>
-              <a:rPr lang="en-US" baseline="0" dirty="0" smtClean="0"/>
-              <a:t> other slides like this in case of No Internet</a:t>
-            </a:r>
-          </a:p>
-          <a:p>
+              <a:t> larger KendoUI framework suite</a:t>
+            </a:r>
             <a:endParaRPr lang="en-US" dirty="0"/>
           </a:p>
         </p:txBody>
@@ -1828,7 +2109,7 @@
           <a:p>
             <a:fld id="{8E70A4CB-D5A4-4016-9063-EAE2719754C8}" type="slidenum">
               <a:rPr lang="en-US" smtClean="0"/>
-              <a:t>25</a:t>
+              <a:t>17</a:t>
             </a:fld>
             <a:endParaRPr lang="en-US"/>
           </a:p>
@@ -1837,7 +2118,7 @@
     </p:spTree>
     <p:extLst>
       <p:ext uri="{BB962C8B-B14F-4D97-AF65-F5344CB8AC3E}">
-        <p14:creationId xmlns:p14="http://schemas.microsoft.com/office/powerpoint/2010/main" val="1727237859"/>
+        <p14:creationId xmlns:p14="http://schemas.microsoft.com/office/powerpoint/2010/main" val="3755059056"/>
       </p:ext>
     </p:extLst>
   </p:cSld>
@@ -2044,7 +2325,7 @@
           <a:p>
             <a:fld id="{34ED9B13-E5A7-4F15-9144-85834FFDF6F3}" type="datetimeFigureOut">
               <a:rPr lang="en-US" smtClean="0"/>
-              <a:t>7/29/2014</a:t>
+              <a:t>8/3/2014</a:t>
             </a:fld>
             <a:endParaRPr lang="en-US"/>
           </a:p>
@@ -2229,7 +2510,7 @@
           <a:p>
             <a:fld id="{34ED9B13-E5A7-4F15-9144-85834FFDF6F3}" type="datetimeFigureOut">
               <a:rPr lang="en-US" smtClean="0"/>
-              <a:t>7/29/2014</a:t>
+              <a:t>8/3/2014</a:t>
             </a:fld>
             <a:endParaRPr lang="en-US"/>
           </a:p>
@@ -2435,7 +2716,7 @@
           <a:p>
             <a:fld id="{34ED9B13-E5A7-4F15-9144-85834FFDF6F3}" type="datetimeFigureOut">
               <a:rPr lang="en-US" smtClean="0"/>
-              <a:t>7/29/2014</a:t>
+              <a:t>8/3/2014</a:t>
             </a:fld>
             <a:endParaRPr lang="en-US"/>
           </a:p>
@@ -2778,7 +3059,7 @@
           <a:p>
             <a:fld id="{34ED9B13-E5A7-4F15-9144-85834FFDF6F3}" type="datetimeFigureOut">
               <a:rPr lang="en-US" smtClean="0"/>
-              <a:t>7/29/2014</a:t>
+              <a:t>8/3/2014</a:t>
             </a:fld>
             <a:endParaRPr lang="en-US"/>
           </a:p>
@@ -3065,7 +3346,7 @@
           <a:p>
             <a:fld id="{34ED9B13-E5A7-4F15-9144-85834FFDF6F3}" type="datetimeFigureOut">
               <a:rPr lang="en-US" smtClean="0"/>
-              <a:t>7/29/2014</a:t>
+              <a:t>8/3/2014</a:t>
             </a:fld>
             <a:endParaRPr lang="en-US"/>
           </a:p>
@@ -3372,7 +3653,7 @@
           <a:p>
             <a:fld id="{34ED9B13-E5A7-4F15-9144-85834FFDF6F3}" type="datetimeFigureOut">
               <a:rPr lang="en-US" smtClean="0"/>
-              <a:t>7/29/2014</a:t>
+              <a:t>8/3/2014</a:t>
             </a:fld>
             <a:endParaRPr lang="en-US"/>
           </a:p>
@@ -3822,7 +4103,7 @@
           <a:p>
             <a:fld id="{34ED9B13-E5A7-4F15-9144-85834FFDF6F3}" type="datetimeFigureOut">
               <a:rPr lang="en-US" smtClean="0"/>
-              <a:t>7/29/2014</a:t>
+              <a:t>8/3/2014</a:t>
             </a:fld>
             <a:endParaRPr lang="en-US"/>
           </a:p>
@@ -3932,7 +4213,7 @@
           <a:p>
             <a:fld id="{34ED9B13-E5A7-4F15-9144-85834FFDF6F3}" type="datetimeFigureOut">
               <a:rPr lang="en-US" smtClean="0"/>
-              <a:t>7/29/2014</a:t>
+              <a:t>8/3/2014</a:t>
             </a:fld>
             <a:endParaRPr lang="en-US"/>
           </a:p>
@@ -4060,7 +4341,7 @@
           <a:p>
             <a:fld id="{34ED9B13-E5A7-4F15-9144-85834FFDF6F3}" type="datetimeFigureOut">
               <a:rPr lang="en-US" smtClean="0"/>
-              <a:t>7/29/2014</a:t>
+              <a:t>8/3/2014</a:t>
             </a:fld>
             <a:endParaRPr lang="en-US"/>
           </a:p>
@@ -4353,7 +4634,7 @@
           <a:p>
             <a:fld id="{34ED9B13-E5A7-4F15-9144-85834FFDF6F3}" type="datetimeFigureOut">
               <a:rPr lang="en-US" smtClean="0"/>
-              <a:t>7/29/2014</a:t>
+              <a:t>8/3/2014</a:t>
             </a:fld>
             <a:endParaRPr lang="en-US"/>
           </a:p>
@@ -4632,7 +4913,7 @@
           <a:p>
             <a:fld id="{34ED9B13-E5A7-4F15-9144-85834FFDF6F3}" type="datetimeFigureOut">
               <a:rPr lang="en-US" smtClean="0"/>
-              <a:t>7/29/2014</a:t>
+              <a:t>8/3/2014</a:t>
             </a:fld>
             <a:endParaRPr lang="en-US"/>
           </a:p>
@@ -5341,7 +5622,7 @@
               <a:solidFill>
                 <a:schemeClr val="bg1"/>
               </a:solidFill>
-              <a:hlinkClick r:id="rId2"/>
+              <a:hlinkClick r:id="rId3"/>
             </a:endParaRPr>
           </a:p>
           <a:p>
@@ -5378,11 +5659,6 @@
               </a:rPr>
               <a:t>netkow.com</a:t>
             </a:r>
-            <a:endParaRPr lang="en-US" sz="2800" dirty="0" smtClean="0">
-              <a:solidFill>
-                <a:schemeClr val="bg1"/>
-              </a:solidFill>
-            </a:endParaRPr>
           </a:p>
         </p:txBody>
       </p:sp>
@@ -5395,7 +5671,7 @@
           <p:nvPr/>
         </p:nvPicPr>
         <p:blipFill>
-          <a:blip r:embed="rId3">
+          <a:blip r:embed="rId4">
             <a:extLst>
               <a:ext uri="{28A0092B-C50C-407E-A947-70E740481C1C}">
                 <a14:useLocalDpi xmlns:a14="http://schemas.microsoft.com/office/drawing/2010/main" val="0"/>
@@ -5434,7 +5710,7 @@
           <p:nvPr/>
         </p:nvPicPr>
         <p:blipFill>
-          <a:blip r:embed="rId4">
+          <a:blip r:embed="rId5">
             <a:extLst/>
           </a:blip>
           <a:stretch>
@@ -5503,6 +5779,181 @@
         </p:nvSpPr>
         <p:spPr>
           <a:xfrm>
+            <a:off x="685800" y="1219200"/>
+            <a:ext cx="7543800" cy="5084064"/>
+          </a:xfrm>
+        </p:spPr>
+        <p:txBody>
+          <a:bodyPr>
+            <a:normAutofit/>
+          </a:bodyPr>
+          <a:lstStyle/>
+          <a:p>
+            <a:pPr marL="0" indent="0">
+              <a:buNone/>
+            </a:pPr>
+            <a:r>
+              <a:rPr lang="en-US" i="0" dirty="0"/>
+              <a:t>M</a:t>
+            </a:r>
+            <a:r>
+              <a:rPr lang="en-US" i="0" dirty="0" smtClean="0"/>
+              <a:t>ore </a:t>
+            </a:r>
+            <a:r>
+              <a:rPr lang="en-US" i="0" dirty="0"/>
+              <a:t>opportunities: web technology </a:t>
+            </a:r>
+            <a:r>
+              <a:rPr lang="en-US" i="0" dirty="0" smtClean="0"/>
+              <a:t>usage increasing </a:t>
+            </a:r>
+            <a:r>
+              <a:rPr lang="en-US" i="0" dirty="0"/>
+              <a:t>across devices </a:t>
+            </a:r>
+            <a:endParaRPr lang="en-US" i="0" dirty="0" smtClean="0"/>
+          </a:p>
+          <a:p>
+            <a:pPr lvl="1"/>
+            <a:r>
+              <a:rPr lang="en-US" i="0" dirty="0" smtClean="0"/>
+              <a:t>TV, </a:t>
+            </a:r>
+            <a:r>
+              <a:rPr lang="en-US" i="0" dirty="0"/>
+              <a:t>cars, </a:t>
+            </a:r>
+            <a:r>
+              <a:rPr lang="en-US" i="0" dirty="0" err="1" smtClean="0"/>
+              <a:t>smartwatches</a:t>
+            </a:r>
+            <a:endParaRPr lang="en-US" i="0" dirty="0"/>
+          </a:p>
+          <a:p>
+            <a:pPr marL="0" indent="0">
+              <a:buNone/>
+            </a:pPr>
+            <a:endParaRPr lang="en-US" i="0" dirty="0"/>
+          </a:p>
+          <a:p>
+            <a:pPr marL="0" indent="0">
+              <a:buNone/>
+            </a:pPr>
+            <a:r>
+              <a:rPr lang="en-US" i="0" dirty="0" smtClean="0"/>
+              <a:t>Constantly </a:t>
+            </a:r>
+            <a:r>
+              <a:rPr lang="en-US" i="0" dirty="0"/>
+              <a:t>getting </a:t>
+            </a:r>
+            <a:r>
+              <a:rPr lang="en-US" i="0" dirty="0" smtClean="0"/>
+              <a:t>better: tools, frameworks, lower barrier to entry</a:t>
+            </a:r>
+            <a:endParaRPr lang="en-US" i="0" dirty="0"/>
+          </a:p>
+          <a:p>
+            <a:pPr marL="0" indent="0">
+              <a:buNone/>
+            </a:pPr>
+            <a:endParaRPr lang="en-US" i="0" dirty="0"/>
+          </a:p>
+          <a:p>
+            <a:pPr marL="0" indent="0">
+              <a:buNone/>
+            </a:pPr>
+            <a:r>
+              <a:rPr lang="en-US" i="0" dirty="0" smtClean="0"/>
+              <a:t>Career</a:t>
+            </a:r>
+            <a:r>
+              <a:rPr lang="en-US" i="0" dirty="0"/>
+              <a:t>: developers who are strong in both frontend &amp; backend are desirable</a:t>
+            </a:r>
+          </a:p>
+          <a:p>
+            <a:endParaRPr lang="en-US" dirty="0"/>
+          </a:p>
+        </p:txBody>
+      </p:sp>
+      <p:sp>
+        <p:nvSpPr>
+          <p:cNvPr id="3" name="Title 2"/>
+          <p:cNvSpPr>
+            <a:spLocks noGrp="1"/>
+          </p:cNvSpPr>
+          <p:nvPr>
+            <p:ph type="title"/>
+          </p:nvPr>
+        </p:nvSpPr>
+        <p:spPr/>
+        <p:txBody>
+          <a:bodyPr/>
+          <a:lstStyle/>
+          <a:p>
+            <a:r>
+              <a:rPr lang="en-US" dirty="0" smtClean="0"/>
+              <a:t>Why hybrid? </a:t>
+            </a:r>
+            <a:r>
+              <a:rPr lang="en-US" i="1" dirty="0" smtClean="0"/>
+              <a:t>individual</a:t>
+            </a:r>
+            <a:endParaRPr lang="en-US" i="1" dirty="0"/>
+          </a:p>
+        </p:txBody>
+      </p:sp>
+    </p:spTree>
+    <p:extLst>
+      <p:ext uri="{BB962C8B-B14F-4D97-AF65-F5344CB8AC3E}">
+        <p14:creationId xmlns:p14="http://schemas.microsoft.com/office/powerpoint/2010/main" val="939529157"/>
+      </p:ext>
+    </p:extLst>
+  </p:cSld>
+  <p:clrMapOvr>
+    <a:masterClrMapping/>
+  </p:clrMapOvr>
+  <p:timing>
+    <p:tnLst>
+      <p:par>
+        <p:cTn id="1" dur="indefinite" restart="never" nodeType="tmRoot"/>
+      </p:par>
+    </p:tnLst>
+  </p:timing>
+</p:sld>
+</file>
+
+<file path=ppt/slides/slide11.xml><?xml version="1.0" encoding="utf-8"?>
+<p:sld xmlns:a="http://schemas.openxmlformats.org/drawingml/2006/main" xmlns:r="http://schemas.openxmlformats.org/officeDocument/2006/relationships" xmlns:p="http://schemas.openxmlformats.org/presentationml/2006/main">
+  <p:cSld>
+    <p:spTree>
+      <p:nvGrpSpPr>
+        <p:cNvPr id="1" name=""/>
+        <p:cNvGrpSpPr/>
+        <p:nvPr/>
+      </p:nvGrpSpPr>
+      <p:grpSpPr>
+        <a:xfrm>
+          <a:off x="0" y="0"/>
+          <a:ext cx="0" cy="0"/>
+          <a:chOff x="0" y="0"/>
+          <a:chExt cx="0" cy="0"/>
+        </a:xfrm>
+      </p:grpSpPr>
+      <p:sp>
+        <p:nvSpPr>
+          <p:cNvPr id="2" name="Content Placeholder 1"/>
+          <p:cNvSpPr>
+            <a:spLocks noGrp="1"/>
+          </p:cNvSpPr>
+          <p:nvPr>
+            <p:ph sz="quarter" idx="13"/>
+          </p:nvPr>
+        </p:nvSpPr>
+        <p:spPr>
+          <a:xfrm>
             <a:off x="685800" y="1545336"/>
             <a:ext cx="4953000" cy="2493264"/>
           </a:xfrm>
@@ -6292,730 +6743,6 @@
                                         <p:cTn id="31" dur="1000" fill="hold"/>
                                         <p:tgtEl>
                                           <p:spTgt spid="4"/>
-                                        </p:tgtEl>
-                                        <p:attrNameLst>
-                                          <p:attrName>ppt_y</p:attrName>
-                                        </p:attrNameLst>
-                                      </p:cBhvr>
-                                      <p:tavLst>
-                                        <p:tav tm="0">
-                                          <p:val>
-                                            <p:strVal val="#ppt_y+.1"/>
-                                          </p:val>
-                                        </p:tav>
-                                        <p:tav tm="100000">
-                                          <p:val>
-                                            <p:strVal val="#ppt_y"/>
-                                          </p:val>
-                                        </p:tav>
-                                      </p:tavLst>
-                                    </p:anim>
-                                  </p:childTnLst>
-                                </p:cTn>
-                              </p:par>
-                            </p:childTnLst>
-                          </p:cTn>
-                        </p:par>
-                      </p:childTnLst>
-                    </p:cTn>
-                  </p:par>
-                </p:childTnLst>
-              </p:cTn>
-              <p:prevCondLst>
-                <p:cond evt="onPrev" delay="0">
-                  <p:tgtEl>
-                    <p:sldTgt/>
-                  </p:tgtEl>
-                </p:cond>
-              </p:prevCondLst>
-              <p:nextCondLst>
-                <p:cond evt="onNext" delay="0">
-                  <p:tgtEl>
-                    <p:sldTgt/>
-                  </p:tgtEl>
-                </p:cond>
-              </p:nextCondLst>
-            </p:seq>
-          </p:childTnLst>
-        </p:cTn>
-      </p:par>
-    </p:tnLst>
-    <p:bldLst>
-      <p:bldP spid="2" grpId="0" uiExpand="1" build="p"/>
-      <p:bldP spid="4" grpId="0"/>
-    </p:bldLst>
-  </p:timing>
-</p:sld>
-</file>
-
-<file path=ppt/slides/slide11.xml><?xml version="1.0" encoding="utf-8"?>
-<p:sld xmlns:a="http://schemas.openxmlformats.org/drawingml/2006/main" xmlns:r="http://schemas.openxmlformats.org/officeDocument/2006/relationships" xmlns:p="http://schemas.openxmlformats.org/presentationml/2006/main">
-  <p:cSld>
-    <p:spTree>
-      <p:nvGrpSpPr>
-        <p:cNvPr id="1" name=""/>
-        <p:cNvGrpSpPr/>
-        <p:nvPr/>
-      </p:nvGrpSpPr>
-      <p:grpSpPr>
-        <a:xfrm>
-          <a:off x="0" y="0"/>
-          <a:ext cx="0" cy="0"/>
-          <a:chOff x="0" y="0"/>
-          <a:chExt cx="0" cy="0"/>
-        </a:xfrm>
-      </p:grpSpPr>
-      <p:sp>
-        <p:nvSpPr>
-          <p:cNvPr id="2" name="Content Placeholder 1"/>
-          <p:cNvSpPr>
-            <a:spLocks noGrp="1"/>
-          </p:cNvSpPr>
-          <p:nvPr>
-            <p:ph sz="quarter" idx="13"/>
-          </p:nvPr>
-        </p:nvSpPr>
-        <p:spPr>
-          <a:xfrm>
-            <a:off x="685800" y="2286000"/>
-            <a:ext cx="7162800" cy="3886200"/>
-          </a:xfrm>
-        </p:spPr>
-        <p:txBody>
-          <a:bodyPr/>
-          <a:lstStyle/>
-          <a:p>
-            <a:pPr marL="0" indent="0">
-              <a:buNone/>
-            </a:pPr>
-            <a:r>
-              <a:rPr lang="en-US" dirty="0" smtClean="0"/>
-              <a:t>Write JS normally</a:t>
-            </a:r>
-          </a:p>
-          <a:p>
-            <a:pPr lvl="1"/>
-            <a:r>
-              <a:rPr lang="en-US" dirty="0" smtClean="0"/>
-              <a:t>Classes, libraries, unit testing</a:t>
-            </a:r>
-          </a:p>
-          <a:p>
-            <a:pPr marL="0" indent="0">
-              <a:buNone/>
-            </a:pPr>
-            <a:endParaRPr lang="en-US" dirty="0" smtClean="0"/>
-          </a:p>
-          <a:p>
-            <a:pPr marL="0" indent="0">
-              <a:buNone/>
-            </a:pPr>
-            <a:r>
-              <a:rPr lang="en-US" dirty="0" smtClean="0"/>
-              <a:t>Popular Frameworks are compatible</a:t>
-            </a:r>
-          </a:p>
-          <a:p>
-            <a:pPr lvl="1"/>
-            <a:r>
-              <a:rPr lang="en-US" dirty="0" smtClean="0"/>
-              <a:t>Angular, Knockout, Backbone</a:t>
-            </a:r>
-          </a:p>
-          <a:p>
-            <a:pPr lvl="1"/>
-            <a:endParaRPr lang="en-US" dirty="0"/>
-          </a:p>
-          <a:p>
-            <a:pPr lvl="1"/>
-            <a:endParaRPr lang="en-US" dirty="0"/>
-          </a:p>
-        </p:txBody>
-      </p:sp>
-      <p:sp>
-        <p:nvSpPr>
-          <p:cNvPr id="3" name="Title 2"/>
-          <p:cNvSpPr>
-            <a:spLocks noGrp="1"/>
-          </p:cNvSpPr>
-          <p:nvPr>
-            <p:ph type="title"/>
-          </p:nvPr>
-        </p:nvSpPr>
-        <p:spPr/>
-        <p:txBody>
-          <a:bodyPr/>
-          <a:lstStyle/>
-          <a:p>
-            <a:r>
-              <a:rPr lang="en-US" dirty="0" smtClean="0"/>
-              <a:t>Web: javascript app logic</a:t>
-            </a:r>
-            <a:endParaRPr lang="en-US" dirty="0"/>
-          </a:p>
-        </p:txBody>
-      </p:sp>
-      <p:sp>
-        <p:nvSpPr>
-          <p:cNvPr id="4" name="TextBox 3"/>
-          <p:cNvSpPr txBox="1"/>
-          <p:nvPr/>
-        </p:nvSpPr>
-        <p:spPr>
-          <a:xfrm>
-            <a:off x="2895600" y="1219200"/>
-            <a:ext cx="3200400" cy="584775"/>
-          </a:xfrm>
-          <a:prstGeom prst="rect">
-            <a:avLst/>
-          </a:prstGeom>
-          <a:noFill/>
-        </p:spPr>
-        <p:txBody>
-          <a:bodyPr wrap="square" rtlCol="0">
-            <a:spAutoFit/>
-          </a:bodyPr>
-          <a:lstStyle/>
-          <a:p>
-            <a:pPr lvl="0">
-              <a:spcBef>
-                <a:spcPct val="20000"/>
-              </a:spcBef>
-            </a:pPr>
-            <a:r>
-              <a:rPr lang="en-US" sz="3200" i="1" dirty="0" smtClean="0">
-                <a:solidFill>
-                  <a:srgbClr val="3F3F3F"/>
-                </a:solidFill>
-              </a:rPr>
-              <a:t>No </a:t>
-            </a:r>
-            <a:r>
-              <a:rPr lang="en-US" sz="3200" i="1" dirty="0">
-                <a:solidFill>
-                  <a:srgbClr val="3F3F3F"/>
-                </a:solidFill>
-              </a:rPr>
-              <a:t>surprises here!</a:t>
-            </a:r>
-            <a:endParaRPr lang="en-US" dirty="0"/>
-          </a:p>
-        </p:txBody>
-      </p:sp>
-    </p:spTree>
-    <p:extLst>
-      <p:ext uri="{BB962C8B-B14F-4D97-AF65-F5344CB8AC3E}">
-        <p14:creationId xmlns:p14="http://schemas.microsoft.com/office/powerpoint/2010/main" val="1024370116"/>
-      </p:ext>
-    </p:extLst>
-  </p:cSld>
-  <p:clrMapOvr>
-    <a:masterClrMapping/>
-  </p:clrMapOvr>
-  <p:timing>
-    <p:tnLst>
-      <p:par>
-        <p:cTn id="1" dur="indefinite" restart="never" nodeType="tmRoot">
-          <p:childTnLst>
-            <p:seq concurrent="1" nextAc="seek">
-              <p:cTn id="2" dur="indefinite" nodeType="mainSeq">
-                <p:childTnLst>
-                  <p:par>
-                    <p:cTn id="3" fill="hold">
-                      <p:stCondLst>
-                        <p:cond delay="indefinite"/>
-                      </p:stCondLst>
-                      <p:childTnLst>
-                        <p:par>
-                          <p:cTn id="4" fill="hold">
-                            <p:stCondLst>
-                              <p:cond delay="0"/>
-                            </p:stCondLst>
-                            <p:childTnLst>
-                              <p:par>
-                                <p:cTn id="5" presetID="42" presetClass="entr" presetSubtype="0" fill="hold" grpId="0" nodeType="clickEffect">
-                                  <p:stCondLst>
-                                    <p:cond delay="0"/>
-                                  </p:stCondLst>
-                                  <p:childTnLst>
-                                    <p:set>
-                                      <p:cBhvr>
-                                        <p:cTn id="6" dur="1" fill="hold">
-                                          <p:stCondLst>
-                                            <p:cond delay="0"/>
-                                          </p:stCondLst>
-                                        </p:cTn>
-                                        <p:tgtEl>
-                                          <p:spTgt spid="4"/>
-                                        </p:tgtEl>
-                                        <p:attrNameLst>
-                                          <p:attrName>style.visibility</p:attrName>
-                                        </p:attrNameLst>
-                                      </p:cBhvr>
-                                      <p:to>
-                                        <p:strVal val="visible"/>
-                                      </p:to>
-                                    </p:set>
-                                    <p:animEffect transition="in" filter="fade">
-                                      <p:cBhvr>
-                                        <p:cTn id="7" dur="1000"/>
-                                        <p:tgtEl>
-                                          <p:spTgt spid="4"/>
-                                        </p:tgtEl>
-                                      </p:cBhvr>
-                                    </p:animEffect>
-                                    <p:anim calcmode="lin" valueType="num">
-                                      <p:cBhvr>
-                                        <p:cTn id="8" dur="1000" fill="hold"/>
-                                        <p:tgtEl>
-                                          <p:spTgt spid="4"/>
-                                        </p:tgtEl>
-                                        <p:attrNameLst>
-                                          <p:attrName>ppt_x</p:attrName>
-                                        </p:attrNameLst>
-                                      </p:cBhvr>
-                                      <p:tavLst>
-                                        <p:tav tm="0">
-                                          <p:val>
-                                            <p:strVal val="#ppt_x"/>
-                                          </p:val>
-                                        </p:tav>
-                                        <p:tav tm="100000">
-                                          <p:val>
-                                            <p:strVal val="#ppt_x"/>
-                                          </p:val>
-                                        </p:tav>
-                                      </p:tavLst>
-                                    </p:anim>
-                                    <p:anim calcmode="lin" valueType="num">
-                                      <p:cBhvr>
-                                        <p:cTn id="9" dur="1000" fill="hold"/>
-                                        <p:tgtEl>
-                                          <p:spTgt spid="4"/>
-                                        </p:tgtEl>
-                                        <p:attrNameLst>
-                                          <p:attrName>ppt_y</p:attrName>
-                                        </p:attrNameLst>
-                                      </p:cBhvr>
-                                      <p:tavLst>
-                                        <p:tav tm="0">
-                                          <p:val>
-                                            <p:strVal val="#ppt_y+.1"/>
-                                          </p:val>
-                                        </p:tav>
-                                        <p:tav tm="100000">
-                                          <p:val>
-                                            <p:strVal val="#ppt_y"/>
-                                          </p:val>
-                                        </p:tav>
-                                      </p:tavLst>
-                                    </p:anim>
-                                  </p:childTnLst>
-                                </p:cTn>
-                              </p:par>
-                            </p:childTnLst>
-                          </p:cTn>
-                        </p:par>
-                      </p:childTnLst>
-                    </p:cTn>
-                  </p:par>
-                  <p:par>
-                    <p:cTn id="10" fill="hold">
-                      <p:stCondLst>
-                        <p:cond delay="indefinite"/>
-                      </p:stCondLst>
-                      <p:childTnLst>
-                        <p:par>
-                          <p:cTn id="11" fill="hold">
-                            <p:stCondLst>
-                              <p:cond delay="0"/>
-                            </p:stCondLst>
-                            <p:childTnLst>
-                              <p:par>
-                                <p:cTn id="12" presetID="42" presetClass="entr" presetSubtype="0" fill="hold" grpId="0" nodeType="clickEffect">
-                                  <p:stCondLst>
-                                    <p:cond delay="0"/>
-                                  </p:stCondLst>
-                                  <p:childTnLst>
-                                    <p:set>
-                                      <p:cBhvr>
-                                        <p:cTn id="13" dur="1" fill="hold">
-                                          <p:stCondLst>
-                                            <p:cond delay="0"/>
-                                          </p:stCondLst>
-                                        </p:cTn>
-                                        <p:tgtEl>
-                                          <p:spTgt spid="2">
-                                            <p:txEl>
-                                              <p:pRg st="0" end="0"/>
-                                            </p:txEl>
-                                          </p:spTgt>
-                                        </p:tgtEl>
-                                        <p:attrNameLst>
-                                          <p:attrName>style.visibility</p:attrName>
-                                        </p:attrNameLst>
-                                      </p:cBhvr>
-                                      <p:to>
-                                        <p:strVal val="visible"/>
-                                      </p:to>
-                                    </p:set>
-                                    <p:animEffect transition="in" filter="fade">
-                                      <p:cBhvr>
-                                        <p:cTn id="14" dur="1000"/>
-                                        <p:tgtEl>
-                                          <p:spTgt spid="2">
-                                            <p:txEl>
-                                              <p:pRg st="0" end="0"/>
-                                            </p:txEl>
-                                          </p:spTgt>
-                                        </p:tgtEl>
-                                      </p:cBhvr>
-                                    </p:animEffect>
-                                    <p:anim calcmode="lin" valueType="num">
-                                      <p:cBhvr>
-                                        <p:cTn id="15" dur="1000" fill="hold"/>
-                                        <p:tgtEl>
-                                          <p:spTgt spid="2">
-                                            <p:txEl>
-                                              <p:pRg st="0" end="0"/>
-                                            </p:txEl>
-                                          </p:spTgt>
-                                        </p:tgtEl>
-                                        <p:attrNameLst>
-                                          <p:attrName>ppt_x</p:attrName>
-                                        </p:attrNameLst>
-                                      </p:cBhvr>
-                                      <p:tavLst>
-                                        <p:tav tm="0">
-                                          <p:val>
-                                            <p:strVal val="#ppt_x"/>
-                                          </p:val>
-                                        </p:tav>
-                                        <p:tav tm="100000">
-                                          <p:val>
-                                            <p:strVal val="#ppt_x"/>
-                                          </p:val>
-                                        </p:tav>
-                                      </p:tavLst>
-                                    </p:anim>
-                                    <p:anim calcmode="lin" valueType="num">
-                                      <p:cBhvr>
-                                        <p:cTn id="16" dur="1000" fill="hold"/>
-                                        <p:tgtEl>
-                                          <p:spTgt spid="2">
-                                            <p:txEl>
-                                              <p:pRg st="0" end="0"/>
-                                            </p:txEl>
-                                          </p:spTgt>
-                                        </p:tgtEl>
-                                        <p:attrNameLst>
-                                          <p:attrName>ppt_y</p:attrName>
-                                        </p:attrNameLst>
-                                      </p:cBhvr>
-                                      <p:tavLst>
-                                        <p:tav tm="0">
-                                          <p:val>
-                                            <p:strVal val="#ppt_y+.1"/>
-                                          </p:val>
-                                        </p:tav>
-                                        <p:tav tm="100000">
-                                          <p:val>
-                                            <p:strVal val="#ppt_y"/>
-                                          </p:val>
-                                        </p:tav>
-                                      </p:tavLst>
-                                    </p:anim>
-                                  </p:childTnLst>
-                                </p:cTn>
-                              </p:par>
-                              <p:par>
-                                <p:cTn id="17" presetID="42" presetClass="entr" presetSubtype="0" fill="hold" grpId="0" nodeType="withEffect">
-                                  <p:stCondLst>
-                                    <p:cond delay="0"/>
-                                  </p:stCondLst>
-                                  <p:childTnLst>
-                                    <p:set>
-                                      <p:cBhvr>
-                                        <p:cTn id="18" dur="1" fill="hold">
-                                          <p:stCondLst>
-                                            <p:cond delay="0"/>
-                                          </p:stCondLst>
-                                        </p:cTn>
-                                        <p:tgtEl>
-                                          <p:spTgt spid="2">
-                                            <p:txEl>
-                                              <p:pRg st="1" end="1"/>
-                                            </p:txEl>
-                                          </p:spTgt>
-                                        </p:tgtEl>
-                                        <p:attrNameLst>
-                                          <p:attrName>style.visibility</p:attrName>
-                                        </p:attrNameLst>
-                                      </p:cBhvr>
-                                      <p:to>
-                                        <p:strVal val="visible"/>
-                                      </p:to>
-                                    </p:set>
-                                    <p:animEffect transition="in" filter="fade">
-                                      <p:cBhvr>
-                                        <p:cTn id="19" dur="1000"/>
-                                        <p:tgtEl>
-                                          <p:spTgt spid="2">
-                                            <p:txEl>
-                                              <p:pRg st="1" end="1"/>
-                                            </p:txEl>
-                                          </p:spTgt>
-                                        </p:tgtEl>
-                                      </p:cBhvr>
-                                    </p:animEffect>
-                                    <p:anim calcmode="lin" valueType="num">
-                                      <p:cBhvr>
-                                        <p:cTn id="20" dur="1000" fill="hold"/>
-                                        <p:tgtEl>
-                                          <p:spTgt spid="2">
-                                            <p:txEl>
-                                              <p:pRg st="1" end="1"/>
-                                            </p:txEl>
-                                          </p:spTgt>
-                                        </p:tgtEl>
-                                        <p:attrNameLst>
-                                          <p:attrName>ppt_x</p:attrName>
-                                        </p:attrNameLst>
-                                      </p:cBhvr>
-                                      <p:tavLst>
-                                        <p:tav tm="0">
-                                          <p:val>
-                                            <p:strVal val="#ppt_x"/>
-                                          </p:val>
-                                        </p:tav>
-                                        <p:tav tm="100000">
-                                          <p:val>
-                                            <p:strVal val="#ppt_x"/>
-                                          </p:val>
-                                        </p:tav>
-                                      </p:tavLst>
-                                    </p:anim>
-                                    <p:anim calcmode="lin" valueType="num">
-                                      <p:cBhvr>
-                                        <p:cTn id="21" dur="1000" fill="hold"/>
-                                        <p:tgtEl>
-                                          <p:spTgt spid="2">
-                                            <p:txEl>
-                                              <p:pRg st="1" end="1"/>
-                                            </p:txEl>
-                                          </p:spTgt>
-                                        </p:tgtEl>
-                                        <p:attrNameLst>
-                                          <p:attrName>ppt_y</p:attrName>
-                                        </p:attrNameLst>
-                                      </p:cBhvr>
-                                      <p:tavLst>
-                                        <p:tav tm="0">
-                                          <p:val>
-                                            <p:strVal val="#ppt_y+.1"/>
-                                          </p:val>
-                                        </p:tav>
-                                        <p:tav tm="100000">
-                                          <p:val>
-                                            <p:strVal val="#ppt_y"/>
-                                          </p:val>
-                                        </p:tav>
-                                      </p:tavLst>
-                                    </p:anim>
-                                  </p:childTnLst>
-                                </p:cTn>
-                              </p:par>
-                            </p:childTnLst>
-                          </p:cTn>
-                        </p:par>
-                      </p:childTnLst>
-                    </p:cTn>
-                  </p:par>
-                  <p:par>
-                    <p:cTn id="22" fill="hold">
-                      <p:stCondLst>
-                        <p:cond delay="indefinite"/>
-                      </p:stCondLst>
-                      <p:childTnLst>
-                        <p:par>
-                          <p:cTn id="23" fill="hold">
-                            <p:stCondLst>
-                              <p:cond delay="0"/>
-                            </p:stCondLst>
-                            <p:childTnLst>
-                              <p:par>
-                                <p:cTn id="24" presetID="42" presetClass="entr" presetSubtype="0" fill="hold" grpId="0" nodeType="clickEffect">
-                                  <p:stCondLst>
-                                    <p:cond delay="0"/>
-                                  </p:stCondLst>
-                                  <p:childTnLst>
-                                    <p:set>
-                                      <p:cBhvr>
-                                        <p:cTn id="25" dur="1" fill="hold">
-                                          <p:stCondLst>
-                                            <p:cond delay="0"/>
-                                          </p:stCondLst>
-                                        </p:cTn>
-                                        <p:tgtEl>
-                                          <p:spTgt spid="2">
-                                            <p:txEl>
-                                              <p:pRg st="3" end="3"/>
-                                            </p:txEl>
-                                          </p:spTgt>
-                                        </p:tgtEl>
-                                        <p:attrNameLst>
-                                          <p:attrName>style.visibility</p:attrName>
-                                        </p:attrNameLst>
-                                      </p:cBhvr>
-                                      <p:to>
-                                        <p:strVal val="visible"/>
-                                      </p:to>
-                                    </p:set>
-                                    <p:animEffect transition="in" filter="fade">
-                                      <p:cBhvr>
-                                        <p:cTn id="26" dur="1000"/>
-                                        <p:tgtEl>
-                                          <p:spTgt spid="2">
-                                            <p:txEl>
-                                              <p:pRg st="3" end="3"/>
-                                            </p:txEl>
-                                          </p:spTgt>
-                                        </p:tgtEl>
-                                      </p:cBhvr>
-                                    </p:animEffect>
-                                    <p:anim calcmode="lin" valueType="num">
-                                      <p:cBhvr>
-                                        <p:cTn id="27" dur="1000" fill="hold"/>
-                                        <p:tgtEl>
-                                          <p:spTgt spid="2">
-                                            <p:txEl>
-                                              <p:pRg st="3" end="3"/>
-                                            </p:txEl>
-                                          </p:spTgt>
-                                        </p:tgtEl>
-                                        <p:attrNameLst>
-                                          <p:attrName>ppt_x</p:attrName>
-                                        </p:attrNameLst>
-                                      </p:cBhvr>
-                                      <p:tavLst>
-                                        <p:tav tm="0">
-                                          <p:val>
-                                            <p:strVal val="#ppt_x"/>
-                                          </p:val>
-                                        </p:tav>
-                                        <p:tav tm="100000">
-                                          <p:val>
-                                            <p:strVal val="#ppt_x"/>
-                                          </p:val>
-                                        </p:tav>
-                                      </p:tavLst>
-                                    </p:anim>
-                                    <p:anim calcmode="lin" valueType="num">
-                                      <p:cBhvr>
-                                        <p:cTn id="28" dur="1000" fill="hold"/>
-                                        <p:tgtEl>
-                                          <p:spTgt spid="2">
-                                            <p:txEl>
-                                              <p:pRg st="3" end="3"/>
-                                            </p:txEl>
-                                          </p:spTgt>
-                                        </p:tgtEl>
-                                        <p:attrNameLst>
-                                          <p:attrName>ppt_y</p:attrName>
-                                        </p:attrNameLst>
-                                      </p:cBhvr>
-                                      <p:tavLst>
-                                        <p:tav tm="0">
-                                          <p:val>
-                                            <p:strVal val="#ppt_y+.1"/>
-                                          </p:val>
-                                        </p:tav>
-                                        <p:tav tm="100000">
-                                          <p:val>
-                                            <p:strVal val="#ppt_y"/>
-                                          </p:val>
-                                        </p:tav>
-                                      </p:tavLst>
-                                    </p:anim>
-                                  </p:childTnLst>
-                                </p:cTn>
-                              </p:par>
-                              <p:par>
-                                <p:cTn id="29" presetID="42" presetClass="entr" presetSubtype="0" fill="hold" grpId="0" nodeType="withEffect">
-                                  <p:stCondLst>
-                                    <p:cond delay="0"/>
-                                  </p:stCondLst>
-                                  <p:childTnLst>
-                                    <p:set>
-                                      <p:cBhvr>
-                                        <p:cTn id="30" dur="1" fill="hold">
-                                          <p:stCondLst>
-                                            <p:cond delay="0"/>
-                                          </p:stCondLst>
-                                        </p:cTn>
-                                        <p:tgtEl>
-                                          <p:spTgt spid="2">
-                                            <p:txEl>
-                                              <p:pRg st="4" end="4"/>
-                                            </p:txEl>
-                                          </p:spTgt>
-                                        </p:tgtEl>
-                                        <p:attrNameLst>
-                                          <p:attrName>style.visibility</p:attrName>
-                                        </p:attrNameLst>
-                                      </p:cBhvr>
-                                      <p:to>
-                                        <p:strVal val="visible"/>
-                                      </p:to>
-                                    </p:set>
-                                    <p:animEffect transition="in" filter="fade">
-                                      <p:cBhvr>
-                                        <p:cTn id="31" dur="1000"/>
-                                        <p:tgtEl>
-                                          <p:spTgt spid="2">
-                                            <p:txEl>
-                                              <p:pRg st="4" end="4"/>
-                                            </p:txEl>
-                                          </p:spTgt>
-                                        </p:tgtEl>
-                                      </p:cBhvr>
-                                    </p:animEffect>
-                                    <p:anim calcmode="lin" valueType="num">
-                                      <p:cBhvr>
-                                        <p:cTn id="32" dur="1000" fill="hold"/>
-                                        <p:tgtEl>
-                                          <p:spTgt spid="2">
-                                            <p:txEl>
-                                              <p:pRg st="4" end="4"/>
-                                            </p:txEl>
-                                          </p:spTgt>
-                                        </p:tgtEl>
-                                        <p:attrNameLst>
-                                          <p:attrName>ppt_x</p:attrName>
-                                        </p:attrNameLst>
-                                      </p:cBhvr>
-                                      <p:tavLst>
-                                        <p:tav tm="0">
-                                          <p:val>
-                                            <p:strVal val="#ppt_x"/>
-                                          </p:val>
-                                        </p:tav>
-                                        <p:tav tm="100000">
-                                          <p:val>
-                                            <p:strVal val="#ppt_x"/>
-                                          </p:val>
-                                        </p:tav>
-                                      </p:tavLst>
-                                    </p:anim>
-                                    <p:anim calcmode="lin" valueType="num">
-                                      <p:cBhvr>
-                                        <p:cTn id="33" dur="1000" fill="hold"/>
-                                        <p:tgtEl>
-                                          <p:spTgt spid="2">
-                                            <p:txEl>
-                                              <p:pRg st="4" end="4"/>
-                                            </p:txEl>
-                                          </p:spTgt>
                                         </p:tgtEl>
                                         <p:attrNameLst>
                                           <p:attrName>ppt_y</p:attrName>
@@ -7091,6 +6818,730 @@
       </p:grpSpPr>
       <p:sp>
         <p:nvSpPr>
+          <p:cNvPr id="2" name="Content Placeholder 1"/>
+          <p:cNvSpPr>
+            <a:spLocks noGrp="1"/>
+          </p:cNvSpPr>
+          <p:nvPr>
+            <p:ph sz="quarter" idx="13"/>
+          </p:nvPr>
+        </p:nvSpPr>
+        <p:spPr>
+          <a:xfrm>
+            <a:off x="685800" y="2286000"/>
+            <a:ext cx="7162800" cy="3886200"/>
+          </a:xfrm>
+        </p:spPr>
+        <p:txBody>
+          <a:bodyPr/>
+          <a:lstStyle/>
+          <a:p>
+            <a:pPr marL="0" indent="0">
+              <a:buNone/>
+            </a:pPr>
+            <a:r>
+              <a:rPr lang="en-US" dirty="0" smtClean="0"/>
+              <a:t>Write JS normally</a:t>
+            </a:r>
+          </a:p>
+          <a:p>
+            <a:pPr lvl="1"/>
+            <a:r>
+              <a:rPr lang="en-US" dirty="0" smtClean="0"/>
+              <a:t>Classes, libraries, unit testing</a:t>
+            </a:r>
+          </a:p>
+          <a:p>
+            <a:pPr marL="0" indent="0">
+              <a:buNone/>
+            </a:pPr>
+            <a:endParaRPr lang="en-US" dirty="0" smtClean="0"/>
+          </a:p>
+          <a:p>
+            <a:pPr marL="0" indent="0">
+              <a:buNone/>
+            </a:pPr>
+            <a:r>
+              <a:rPr lang="en-US" dirty="0" smtClean="0"/>
+              <a:t>Popular Frameworks are compatible</a:t>
+            </a:r>
+          </a:p>
+          <a:p>
+            <a:pPr lvl="1"/>
+            <a:r>
+              <a:rPr lang="en-US" dirty="0" smtClean="0"/>
+              <a:t>Angular, Knockout, Backbone</a:t>
+            </a:r>
+          </a:p>
+          <a:p>
+            <a:pPr lvl="1"/>
+            <a:endParaRPr lang="en-US" dirty="0"/>
+          </a:p>
+          <a:p>
+            <a:pPr lvl="1"/>
+            <a:endParaRPr lang="en-US" dirty="0"/>
+          </a:p>
+        </p:txBody>
+      </p:sp>
+      <p:sp>
+        <p:nvSpPr>
+          <p:cNvPr id="3" name="Title 2"/>
+          <p:cNvSpPr>
+            <a:spLocks noGrp="1"/>
+          </p:cNvSpPr>
+          <p:nvPr>
+            <p:ph type="title"/>
+          </p:nvPr>
+        </p:nvSpPr>
+        <p:spPr/>
+        <p:txBody>
+          <a:bodyPr/>
+          <a:lstStyle/>
+          <a:p>
+            <a:r>
+              <a:rPr lang="en-US" dirty="0" smtClean="0"/>
+              <a:t>Web: javascript app logic</a:t>
+            </a:r>
+            <a:endParaRPr lang="en-US" dirty="0"/>
+          </a:p>
+        </p:txBody>
+      </p:sp>
+      <p:sp>
+        <p:nvSpPr>
+          <p:cNvPr id="4" name="TextBox 3"/>
+          <p:cNvSpPr txBox="1"/>
+          <p:nvPr/>
+        </p:nvSpPr>
+        <p:spPr>
+          <a:xfrm>
+            <a:off x="2895600" y="1219200"/>
+            <a:ext cx="3200400" cy="584775"/>
+          </a:xfrm>
+          <a:prstGeom prst="rect">
+            <a:avLst/>
+          </a:prstGeom>
+          <a:noFill/>
+        </p:spPr>
+        <p:txBody>
+          <a:bodyPr wrap="square" rtlCol="0">
+            <a:spAutoFit/>
+          </a:bodyPr>
+          <a:lstStyle/>
+          <a:p>
+            <a:pPr lvl="0">
+              <a:spcBef>
+                <a:spcPct val="20000"/>
+              </a:spcBef>
+            </a:pPr>
+            <a:r>
+              <a:rPr lang="en-US" sz="3200" i="1" dirty="0" smtClean="0">
+                <a:solidFill>
+                  <a:srgbClr val="3F3F3F"/>
+                </a:solidFill>
+              </a:rPr>
+              <a:t>No </a:t>
+            </a:r>
+            <a:r>
+              <a:rPr lang="en-US" sz="3200" i="1" dirty="0">
+                <a:solidFill>
+                  <a:srgbClr val="3F3F3F"/>
+                </a:solidFill>
+              </a:rPr>
+              <a:t>surprises here!</a:t>
+            </a:r>
+            <a:endParaRPr lang="en-US" dirty="0"/>
+          </a:p>
+        </p:txBody>
+      </p:sp>
+    </p:spTree>
+    <p:extLst>
+      <p:ext uri="{BB962C8B-B14F-4D97-AF65-F5344CB8AC3E}">
+        <p14:creationId xmlns:p14="http://schemas.microsoft.com/office/powerpoint/2010/main" val="1024370116"/>
+      </p:ext>
+    </p:extLst>
+  </p:cSld>
+  <p:clrMapOvr>
+    <a:masterClrMapping/>
+  </p:clrMapOvr>
+  <p:timing>
+    <p:tnLst>
+      <p:par>
+        <p:cTn id="1" dur="indefinite" restart="never" nodeType="tmRoot">
+          <p:childTnLst>
+            <p:seq concurrent="1" nextAc="seek">
+              <p:cTn id="2" dur="indefinite" nodeType="mainSeq">
+                <p:childTnLst>
+                  <p:par>
+                    <p:cTn id="3" fill="hold">
+                      <p:stCondLst>
+                        <p:cond delay="indefinite"/>
+                      </p:stCondLst>
+                      <p:childTnLst>
+                        <p:par>
+                          <p:cTn id="4" fill="hold">
+                            <p:stCondLst>
+                              <p:cond delay="0"/>
+                            </p:stCondLst>
+                            <p:childTnLst>
+                              <p:par>
+                                <p:cTn id="5" presetID="42" presetClass="entr" presetSubtype="0" fill="hold" grpId="0" nodeType="clickEffect">
+                                  <p:stCondLst>
+                                    <p:cond delay="0"/>
+                                  </p:stCondLst>
+                                  <p:childTnLst>
+                                    <p:set>
+                                      <p:cBhvr>
+                                        <p:cTn id="6" dur="1" fill="hold">
+                                          <p:stCondLst>
+                                            <p:cond delay="0"/>
+                                          </p:stCondLst>
+                                        </p:cTn>
+                                        <p:tgtEl>
+                                          <p:spTgt spid="4"/>
+                                        </p:tgtEl>
+                                        <p:attrNameLst>
+                                          <p:attrName>style.visibility</p:attrName>
+                                        </p:attrNameLst>
+                                      </p:cBhvr>
+                                      <p:to>
+                                        <p:strVal val="visible"/>
+                                      </p:to>
+                                    </p:set>
+                                    <p:animEffect transition="in" filter="fade">
+                                      <p:cBhvr>
+                                        <p:cTn id="7" dur="1000"/>
+                                        <p:tgtEl>
+                                          <p:spTgt spid="4"/>
+                                        </p:tgtEl>
+                                      </p:cBhvr>
+                                    </p:animEffect>
+                                    <p:anim calcmode="lin" valueType="num">
+                                      <p:cBhvr>
+                                        <p:cTn id="8" dur="1000" fill="hold"/>
+                                        <p:tgtEl>
+                                          <p:spTgt spid="4"/>
+                                        </p:tgtEl>
+                                        <p:attrNameLst>
+                                          <p:attrName>ppt_x</p:attrName>
+                                        </p:attrNameLst>
+                                      </p:cBhvr>
+                                      <p:tavLst>
+                                        <p:tav tm="0">
+                                          <p:val>
+                                            <p:strVal val="#ppt_x"/>
+                                          </p:val>
+                                        </p:tav>
+                                        <p:tav tm="100000">
+                                          <p:val>
+                                            <p:strVal val="#ppt_x"/>
+                                          </p:val>
+                                        </p:tav>
+                                      </p:tavLst>
+                                    </p:anim>
+                                    <p:anim calcmode="lin" valueType="num">
+                                      <p:cBhvr>
+                                        <p:cTn id="9" dur="1000" fill="hold"/>
+                                        <p:tgtEl>
+                                          <p:spTgt spid="4"/>
+                                        </p:tgtEl>
+                                        <p:attrNameLst>
+                                          <p:attrName>ppt_y</p:attrName>
+                                        </p:attrNameLst>
+                                      </p:cBhvr>
+                                      <p:tavLst>
+                                        <p:tav tm="0">
+                                          <p:val>
+                                            <p:strVal val="#ppt_y+.1"/>
+                                          </p:val>
+                                        </p:tav>
+                                        <p:tav tm="100000">
+                                          <p:val>
+                                            <p:strVal val="#ppt_y"/>
+                                          </p:val>
+                                        </p:tav>
+                                      </p:tavLst>
+                                    </p:anim>
+                                  </p:childTnLst>
+                                </p:cTn>
+                              </p:par>
+                            </p:childTnLst>
+                          </p:cTn>
+                        </p:par>
+                      </p:childTnLst>
+                    </p:cTn>
+                  </p:par>
+                  <p:par>
+                    <p:cTn id="10" fill="hold">
+                      <p:stCondLst>
+                        <p:cond delay="indefinite"/>
+                      </p:stCondLst>
+                      <p:childTnLst>
+                        <p:par>
+                          <p:cTn id="11" fill="hold">
+                            <p:stCondLst>
+                              <p:cond delay="0"/>
+                            </p:stCondLst>
+                            <p:childTnLst>
+                              <p:par>
+                                <p:cTn id="12" presetID="42" presetClass="entr" presetSubtype="0" fill="hold" grpId="0" nodeType="clickEffect">
+                                  <p:stCondLst>
+                                    <p:cond delay="0"/>
+                                  </p:stCondLst>
+                                  <p:childTnLst>
+                                    <p:set>
+                                      <p:cBhvr>
+                                        <p:cTn id="13" dur="1" fill="hold">
+                                          <p:stCondLst>
+                                            <p:cond delay="0"/>
+                                          </p:stCondLst>
+                                        </p:cTn>
+                                        <p:tgtEl>
+                                          <p:spTgt spid="2">
+                                            <p:txEl>
+                                              <p:pRg st="0" end="0"/>
+                                            </p:txEl>
+                                          </p:spTgt>
+                                        </p:tgtEl>
+                                        <p:attrNameLst>
+                                          <p:attrName>style.visibility</p:attrName>
+                                        </p:attrNameLst>
+                                      </p:cBhvr>
+                                      <p:to>
+                                        <p:strVal val="visible"/>
+                                      </p:to>
+                                    </p:set>
+                                    <p:animEffect transition="in" filter="fade">
+                                      <p:cBhvr>
+                                        <p:cTn id="14" dur="1000"/>
+                                        <p:tgtEl>
+                                          <p:spTgt spid="2">
+                                            <p:txEl>
+                                              <p:pRg st="0" end="0"/>
+                                            </p:txEl>
+                                          </p:spTgt>
+                                        </p:tgtEl>
+                                      </p:cBhvr>
+                                    </p:animEffect>
+                                    <p:anim calcmode="lin" valueType="num">
+                                      <p:cBhvr>
+                                        <p:cTn id="15" dur="1000" fill="hold"/>
+                                        <p:tgtEl>
+                                          <p:spTgt spid="2">
+                                            <p:txEl>
+                                              <p:pRg st="0" end="0"/>
+                                            </p:txEl>
+                                          </p:spTgt>
+                                        </p:tgtEl>
+                                        <p:attrNameLst>
+                                          <p:attrName>ppt_x</p:attrName>
+                                        </p:attrNameLst>
+                                      </p:cBhvr>
+                                      <p:tavLst>
+                                        <p:tav tm="0">
+                                          <p:val>
+                                            <p:strVal val="#ppt_x"/>
+                                          </p:val>
+                                        </p:tav>
+                                        <p:tav tm="100000">
+                                          <p:val>
+                                            <p:strVal val="#ppt_x"/>
+                                          </p:val>
+                                        </p:tav>
+                                      </p:tavLst>
+                                    </p:anim>
+                                    <p:anim calcmode="lin" valueType="num">
+                                      <p:cBhvr>
+                                        <p:cTn id="16" dur="1000" fill="hold"/>
+                                        <p:tgtEl>
+                                          <p:spTgt spid="2">
+                                            <p:txEl>
+                                              <p:pRg st="0" end="0"/>
+                                            </p:txEl>
+                                          </p:spTgt>
+                                        </p:tgtEl>
+                                        <p:attrNameLst>
+                                          <p:attrName>ppt_y</p:attrName>
+                                        </p:attrNameLst>
+                                      </p:cBhvr>
+                                      <p:tavLst>
+                                        <p:tav tm="0">
+                                          <p:val>
+                                            <p:strVal val="#ppt_y+.1"/>
+                                          </p:val>
+                                        </p:tav>
+                                        <p:tav tm="100000">
+                                          <p:val>
+                                            <p:strVal val="#ppt_y"/>
+                                          </p:val>
+                                        </p:tav>
+                                      </p:tavLst>
+                                    </p:anim>
+                                  </p:childTnLst>
+                                </p:cTn>
+                              </p:par>
+                              <p:par>
+                                <p:cTn id="17" presetID="42" presetClass="entr" presetSubtype="0" fill="hold" grpId="0" nodeType="withEffect">
+                                  <p:stCondLst>
+                                    <p:cond delay="0"/>
+                                  </p:stCondLst>
+                                  <p:childTnLst>
+                                    <p:set>
+                                      <p:cBhvr>
+                                        <p:cTn id="18" dur="1" fill="hold">
+                                          <p:stCondLst>
+                                            <p:cond delay="0"/>
+                                          </p:stCondLst>
+                                        </p:cTn>
+                                        <p:tgtEl>
+                                          <p:spTgt spid="2">
+                                            <p:txEl>
+                                              <p:pRg st="1" end="1"/>
+                                            </p:txEl>
+                                          </p:spTgt>
+                                        </p:tgtEl>
+                                        <p:attrNameLst>
+                                          <p:attrName>style.visibility</p:attrName>
+                                        </p:attrNameLst>
+                                      </p:cBhvr>
+                                      <p:to>
+                                        <p:strVal val="visible"/>
+                                      </p:to>
+                                    </p:set>
+                                    <p:animEffect transition="in" filter="fade">
+                                      <p:cBhvr>
+                                        <p:cTn id="19" dur="1000"/>
+                                        <p:tgtEl>
+                                          <p:spTgt spid="2">
+                                            <p:txEl>
+                                              <p:pRg st="1" end="1"/>
+                                            </p:txEl>
+                                          </p:spTgt>
+                                        </p:tgtEl>
+                                      </p:cBhvr>
+                                    </p:animEffect>
+                                    <p:anim calcmode="lin" valueType="num">
+                                      <p:cBhvr>
+                                        <p:cTn id="20" dur="1000" fill="hold"/>
+                                        <p:tgtEl>
+                                          <p:spTgt spid="2">
+                                            <p:txEl>
+                                              <p:pRg st="1" end="1"/>
+                                            </p:txEl>
+                                          </p:spTgt>
+                                        </p:tgtEl>
+                                        <p:attrNameLst>
+                                          <p:attrName>ppt_x</p:attrName>
+                                        </p:attrNameLst>
+                                      </p:cBhvr>
+                                      <p:tavLst>
+                                        <p:tav tm="0">
+                                          <p:val>
+                                            <p:strVal val="#ppt_x"/>
+                                          </p:val>
+                                        </p:tav>
+                                        <p:tav tm="100000">
+                                          <p:val>
+                                            <p:strVal val="#ppt_x"/>
+                                          </p:val>
+                                        </p:tav>
+                                      </p:tavLst>
+                                    </p:anim>
+                                    <p:anim calcmode="lin" valueType="num">
+                                      <p:cBhvr>
+                                        <p:cTn id="21" dur="1000" fill="hold"/>
+                                        <p:tgtEl>
+                                          <p:spTgt spid="2">
+                                            <p:txEl>
+                                              <p:pRg st="1" end="1"/>
+                                            </p:txEl>
+                                          </p:spTgt>
+                                        </p:tgtEl>
+                                        <p:attrNameLst>
+                                          <p:attrName>ppt_y</p:attrName>
+                                        </p:attrNameLst>
+                                      </p:cBhvr>
+                                      <p:tavLst>
+                                        <p:tav tm="0">
+                                          <p:val>
+                                            <p:strVal val="#ppt_y+.1"/>
+                                          </p:val>
+                                        </p:tav>
+                                        <p:tav tm="100000">
+                                          <p:val>
+                                            <p:strVal val="#ppt_y"/>
+                                          </p:val>
+                                        </p:tav>
+                                      </p:tavLst>
+                                    </p:anim>
+                                  </p:childTnLst>
+                                </p:cTn>
+                              </p:par>
+                            </p:childTnLst>
+                          </p:cTn>
+                        </p:par>
+                      </p:childTnLst>
+                    </p:cTn>
+                  </p:par>
+                  <p:par>
+                    <p:cTn id="22" fill="hold">
+                      <p:stCondLst>
+                        <p:cond delay="indefinite"/>
+                      </p:stCondLst>
+                      <p:childTnLst>
+                        <p:par>
+                          <p:cTn id="23" fill="hold">
+                            <p:stCondLst>
+                              <p:cond delay="0"/>
+                            </p:stCondLst>
+                            <p:childTnLst>
+                              <p:par>
+                                <p:cTn id="24" presetID="42" presetClass="entr" presetSubtype="0" fill="hold" grpId="0" nodeType="clickEffect">
+                                  <p:stCondLst>
+                                    <p:cond delay="0"/>
+                                  </p:stCondLst>
+                                  <p:childTnLst>
+                                    <p:set>
+                                      <p:cBhvr>
+                                        <p:cTn id="25" dur="1" fill="hold">
+                                          <p:stCondLst>
+                                            <p:cond delay="0"/>
+                                          </p:stCondLst>
+                                        </p:cTn>
+                                        <p:tgtEl>
+                                          <p:spTgt spid="2">
+                                            <p:txEl>
+                                              <p:pRg st="3" end="3"/>
+                                            </p:txEl>
+                                          </p:spTgt>
+                                        </p:tgtEl>
+                                        <p:attrNameLst>
+                                          <p:attrName>style.visibility</p:attrName>
+                                        </p:attrNameLst>
+                                      </p:cBhvr>
+                                      <p:to>
+                                        <p:strVal val="visible"/>
+                                      </p:to>
+                                    </p:set>
+                                    <p:animEffect transition="in" filter="fade">
+                                      <p:cBhvr>
+                                        <p:cTn id="26" dur="1000"/>
+                                        <p:tgtEl>
+                                          <p:spTgt spid="2">
+                                            <p:txEl>
+                                              <p:pRg st="3" end="3"/>
+                                            </p:txEl>
+                                          </p:spTgt>
+                                        </p:tgtEl>
+                                      </p:cBhvr>
+                                    </p:animEffect>
+                                    <p:anim calcmode="lin" valueType="num">
+                                      <p:cBhvr>
+                                        <p:cTn id="27" dur="1000" fill="hold"/>
+                                        <p:tgtEl>
+                                          <p:spTgt spid="2">
+                                            <p:txEl>
+                                              <p:pRg st="3" end="3"/>
+                                            </p:txEl>
+                                          </p:spTgt>
+                                        </p:tgtEl>
+                                        <p:attrNameLst>
+                                          <p:attrName>ppt_x</p:attrName>
+                                        </p:attrNameLst>
+                                      </p:cBhvr>
+                                      <p:tavLst>
+                                        <p:tav tm="0">
+                                          <p:val>
+                                            <p:strVal val="#ppt_x"/>
+                                          </p:val>
+                                        </p:tav>
+                                        <p:tav tm="100000">
+                                          <p:val>
+                                            <p:strVal val="#ppt_x"/>
+                                          </p:val>
+                                        </p:tav>
+                                      </p:tavLst>
+                                    </p:anim>
+                                    <p:anim calcmode="lin" valueType="num">
+                                      <p:cBhvr>
+                                        <p:cTn id="28" dur="1000" fill="hold"/>
+                                        <p:tgtEl>
+                                          <p:spTgt spid="2">
+                                            <p:txEl>
+                                              <p:pRg st="3" end="3"/>
+                                            </p:txEl>
+                                          </p:spTgt>
+                                        </p:tgtEl>
+                                        <p:attrNameLst>
+                                          <p:attrName>ppt_y</p:attrName>
+                                        </p:attrNameLst>
+                                      </p:cBhvr>
+                                      <p:tavLst>
+                                        <p:tav tm="0">
+                                          <p:val>
+                                            <p:strVal val="#ppt_y+.1"/>
+                                          </p:val>
+                                        </p:tav>
+                                        <p:tav tm="100000">
+                                          <p:val>
+                                            <p:strVal val="#ppt_y"/>
+                                          </p:val>
+                                        </p:tav>
+                                      </p:tavLst>
+                                    </p:anim>
+                                  </p:childTnLst>
+                                </p:cTn>
+                              </p:par>
+                              <p:par>
+                                <p:cTn id="29" presetID="42" presetClass="entr" presetSubtype="0" fill="hold" grpId="0" nodeType="withEffect">
+                                  <p:stCondLst>
+                                    <p:cond delay="0"/>
+                                  </p:stCondLst>
+                                  <p:childTnLst>
+                                    <p:set>
+                                      <p:cBhvr>
+                                        <p:cTn id="30" dur="1" fill="hold">
+                                          <p:stCondLst>
+                                            <p:cond delay="0"/>
+                                          </p:stCondLst>
+                                        </p:cTn>
+                                        <p:tgtEl>
+                                          <p:spTgt spid="2">
+                                            <p:txEl>
+                                              <p:pRg st="4" end="4"/>
+                                            </p:txEl>
+                                          </p:spTgt>
+                                        </p:tgtEl>
+                                        <p:attrNameLst>
+                                          <p:attrName>style.visibility</p:attrName>
+                                        </p:attrNameLst>
+                                      </p:cBhvr>
+                                      <p:to>
+                                        <p:strVal val="visible"/>
+                                      </p:to>
+                                    </p:set>
+                                    <p:animEffect transition="in" filter="fade">
+                                      <p:cBhvr>
+                                        <p:cTn id="31" dur="1000"/>
+                                        <p:tgtEl>
+                                          <p:spTgt spid="2">
+                                            <p:txEl>
+                                              <p:pRg st="4" end="4"/>
+                                            </p:txEl>
+                                          </p:spTgt>
+                                        </p:tgtEl>
+                                      </p:cBhvr>
+                                    </p:animEffect>
+                                    <p:anim calcmode="lin" valueType="num">
+                                      <p:cBhvr>
+                                        <p:cTn id="32" dur="1000" fill="hold"/>
+                                        <p:tgtEl>
+                                          <p:spTgt spid="2">
+                                            <p:txEl>
+                                              <p:pRg st="4" end="4"/>
+                                            </p:txEl>
+                                          </p:spTgt>
+                                        </p:tgtEl>
+                                        <p:attrNameLst>
+                                          <p:attrName>ppt_x</p:attrName>
+                                        </p:attrNameLst>
+                                      </p:cBhvr>
+                                      <p:tavLst>
+                                        <p:tav tm="0">
+                                          <p:val>
+                                            <p:strVal val="#ppt_x"/>
+                                          </p:val>
+                                        </p:tav>
+                                        <p:tav tm="100000">
+                                          <p:val>
+                                            <p:strVal val="#ppt_x"/>
+                                          </p:val>
+                                        </p:tav>
+                                      </p:tavLst>
+                                    </p:anim>
+                                    <p:anim calcmode="lin" valueType="num">
+                                      <p:cBhvr>
+                                        <p:cTn id="33" dur="1000" fill="hold"/>
+                                        <p:tgtEl>
+                                          <p:spTgt spid="2">
+                                            <p:txEl>
+                                              <p:pRg st="4" end="4"/>
+                                            </p:txEl>
+                                          </p:spTgt>
+                                        </p:tgtEl>
+                                        <p:attrNameLst>
+                                          <p:attrName>ppt_y</p:attrName>
+                                        </p:attrNameLst>
+                                      </p:cBhvr>
+                                      <p:tavLst>
+                                        <p:tav tm="0">
+                                          <p:val>
+                                            <p:strVal val="#ppt_y+.1"/>
+                                          </p:val>
+                                        </p:tav>
+                                        <p:tav tm="100000">
+                                          <p:val>
+                                            <p:strVal val="#ppt_y"/>
+                                          </p:val>
+                                        </p:tav>
+                                      </p:tavLst>
+                                    </p:anim>
+                                  </p:childTnLst>
+                                </p:cTn>
+                              </p:par>
+                            </p:childTnLst>
+                          </p:cTn>
+                        </p:par>
+                      </p:childTnLst>
+                    </p:cTn>
+                  </p:par>
+                </p:childTnLst>
+              </p:cTn>
+              <p:prevCondLst>
+                <p:cond evt="onPrev" delay="0">
+                  <p:tgtEl>
+                    <p:sldTgt/>
+                  </p:tgtEl>
+                </p:cond>
+              </p:prevCondLst>
+              <p:nextCondLst>
+                <p:cond evt="onNext" delay="0">
+                  <p:tgtEl>
+                    <p:sldTgt/>
+                  </p:tgtEl>
+                </p:cond>
+              </p:nextCondLst>
+            </p:seq>
+          </p:childTnLst>
+        </p:cTn>
+      </p:par>
+    </p:tnLst>
+    <p:bldLst>
+      <p:bldP spid="2" grpId="0" uiExpand="1" build="p"/>
+      <p:bldP spid="4" grpId="0"/>
+    </p:bldLst>
+  </p:timing>
+</p:sld>
+</file>
+
+<file path=ppt/slides/slide13.xml><?xml version="1.0" encoding="utf-8"?>
+<p:sld xmlns:a="http://schemas.openxmlformats.org/drawingml/2006/main" xmlns:r="http://schemas.openxmlformats.org/officeDocument/2006/relationships" xmlns:p="http://schemas.openxmlformats.org/presentationml/2006/main">
+  <p:cSld>
+    <p:spTree>
+      <p:nvGrpSpPr>
+        <p:cNvPr id="1" name=""/>
+        <p:cNvGrpSpPr/>
+        <p:nvPr/>
+      </p:nvGrpSpPr>
+      <p:grpSpPr>
+        <a:xfrm>
+          <a:off x="0" y="0"/>
+          <a:ext cx="0" cy="0"/>
+          <a:chOff x="0" y="0"/>
+          <a:chExt cx="0" cy="0"/>
+        </a:xfrm>
+      </p:grpSpPr>
+      <p:sp>
+        <p:nvSpPr>
           <p:cNvPr id="3" name="Title 2"/>
           <p:cNvSpPr>
             <a:spLocks noGrp="1"/>
@@ -7121,7 +7572,7 @@
           <p:nvPr/>
         </p:nvPicPr>
         <p:blipFill>
-          <a:blip r:embed="rId2">
+          <a:blip r:embed="rId3">
             <a:extLst>
               <a:ext uri="{28A0092B-C50C-407E-A947-70E740481C1C}">
                 <a14:useLocalDpi xmlns:a14="http://schemas.microsoft.com/office/drawing/2010/main" val="0"/>
@@ -7162,7 +7613,7 @@
           <p:nvPr/>
         </p:nvPicPr>
         <p:blipFill>
-          <a:blip r:embed="rId3">
+          <a:blip r:embed="rId4">
             <a:extLst>
               <a:ext uri="{28A0092B-C50C-407E-A947-70E740481C1C}">
                 <a14:useLocalDpi xmlns:a14="http://schemas.microsoft.com/office/drawing/2010/main" val="0"/>
@@ -7564,7 +8015,7 @@
 </p:sld>
 </file>
 
-<file path=ppt/slides/slide13.xml><?xml version="1.0" encoding="utf-8"?>
+<file path=ppt/slides/slide14.xml><?xml version="1.0" encoding="utf-8"?>
 <p:sld xmlns:a="http://schemas.openxmlformats.org/drawingml/2006/main" xmlns:r="http://schemas.openxmlformats.org/officeDocument/2006/relationships" xmlns:p="http://schemas.openxmlformats.org/presentationml/2006/main">
   <p:cSld>
     <p:spTree>
@@ -7846,7 +8297,7 @@
 </p:sld>
 </file>
 
-<file path=ppt/slides/slide14.xml><?xml version="1.0" encoding="utf-8"?>
+<file path=ppt/slides/slide15.xml><?xml version="1.0" encoding="utf-8"?>
 <p:sld xmlns:a="http://schemas.openxmlformats.org/drawingml/2006/main" xmlns:r="http://schemas.openxmlformats.org/officeDocument/2006/relationships" xmlns:p="http://schemas.openxmlformats.org/presentationml/2006/main">
   <p:cSld>
     <p:spTree>
@@ -8375,7 +8826,7 @@
 </p:sld>
 </file>
 
-<file path=ppt/slides/slide15.xml><?xml version="1.0" encoding="utf-8"?>
+<file path=ppt/slides/slide16.xml><?xml version="1.0" encoding="utf-8"?>
 <p:sld xmlns:a="http://schemas.openxmlformats.org/drawingml/2006/main" xmlns:r="http://schemas.openxmlformats.org/officeDocument/2006/relationships" xmlns:p="http://schemas.openxmlformats.org/presentationml/2006/main">
   <p:cSld>
     <p:spTree>
@@ -8736,7 +9187,7 @@
 </p:sld>
 </file>
 
-<file path=ppt/slides/slide16.xml><?xml version="1.0" encoding="utf-8"?>
+<file path=ppt/slides/slide17.xml><?xml version="1.0" encoding="utf-8"?>
 <p:sld xmlns:a="http://schemas.openxmlformats.org/drawingml/2006/main" xmlns:r="http://schemas.openxmlformats.org/officeDocument/2006/relationships" xmlns:p="http://schemas.openxmlformats.org/presentationml/2006/main">
   <p:cSld>
     <p:spTree>
@@ -9075,253 +9526,6 @@
 </p:sld>
 </file>
 
-<file path=ppt/slides/slide17.xml><?xml version="1.0" encoding="utf-8"?>
-<p:sld xmlns:a="http://schemas.openxmlformats.org/drawingml/2006/main" xmlns:r="http://schemas.openxmlformats.org/officeDocument/2006/relationships" xmlns:p="http://schemas.openxmlformats.org/presentationml/2006/main">
-  <p:cSld>
-    <p:spTree>
-      <p:nvGrpSpPr>
-        <p:cNvPr id="1" name=""/>
-        <p:cNvGrpSpPr/>
-        <p:nvPr/>
-      </p:nvGrpSpPr>
-      <p:grpSpPr>
-        <a:xfrm>
-          <a:off x="0" y="0"/>
-          <a:ext cx="0" cy="0"/>
-          <a:chOff x="0" y="0"/>
-          <a:chExt cx="0" cy="0"/>
-        </a:xfrm>
-      </p:grpSpPr>
-      <p:sp>
-        <p:nvSpPr>
-          <p:cNvPr id="2" name="Content Placeholder 1"/>
-          <p:cNvSpPr>
-            <a:spLocks noGrp="1"/>
-          </p:cNvSpPr>
-          <p:nvPr>
-            <p:ph sz="quarter" idx="13"/>
-          </p:nvPr>
-        </p:nvSpPr>
-        <p:spPr>
-          <a:xfrm>
-            <a:off x="685800" y="1066800"/>
-            <a:ext cx="7848600" cy="5486400"/>
-          </a:xfrm>
-        </p:spPr>
-        <p:txBody>
-          <a:bodyPr>
-            <a:noAutofit/>
-          </a:bodyPr>
-          <a:lstStyle/>
-          <a:p>
-            <a:pPr marL="0" indent="0">
-              <a:buNone/>
-            </a:pPr>
-            <a:r>
-              <a:rPr lang="en-US" sz="2800" dirty="0" smtClean="0"/>
-              <a:t>/* </a:t>
-            </a:r>
-            <a:r>
-              <a:rPr lang="en-US" sz="2800" dirty="0"/>
-              <a:t>Phones */</a:t>
-            </a:r>
-          </a:p>
-          <a:p>
-            <a:pPr marL="0" indent="0">
-              <a:buNone/>
-            </a:pPr>
-            <a:r>
-              <a:rPr lang="en-US" sz="2800" dirty="0" smtClean="0"/>
-              <a:t>@</a:t>
-            </a:r>
-            <a:r>
-              <a:rPr lang="en-US" sz="2800" dirty="0"/>
-              <a:t>media only screen </a:t>
-            </a:r>
-            <a:r>
-              <a:rPr lang="en-US" sz="2800" dirty="0" smtClean="0"/>
-              <a:t> </a:t>
-            </a:r>
-          </a:p>
-          <a:p>
-            <a:pPr marL="0" indent="0">
-              <a:buNone/>
-            </a:pPr>
-            <a:r>
-              <a:rPr lang="en-US" sz="2800" dirty="0" smtClean="0"/>
-              <a:t>	and </a:t>
-            </a:r>
-            <a:r>
-              <a:rPr lang="en-US" sz="2800" dirty="0"/>
-              <a:t>(min-device-width : 320px) </a:t>
-            </a:r>
-          </a:p>
-          <a:p>
-            <a:pPr marL="0" indent="0">
-              <a:buNone/>
-            </a:pPr>
-            <a:r>
-              <a:rPr lang="en-US" sz="2800" dirty="0"/>
-              <a:t>	</a:t>
-            </a:r>
-            <a:r>
-              <a:rPr lang="en-US" sz="2800" dirty="0" smtClean="0"/>
-              <a:t>and </a:t>
-            </a:r>
-            <a:r>
-              <a:rPr lang="en-US" sz="2800" dirty="0"/>
-              <a:t>(max-device-width : 480px) {</a:t>
-            </a:r>
-          </a:p>
-          <a:p>
-            <a:pPr marL="0" indent="0">
-              <a:buNone/>
-            </a:pPr>
-            <a:r>
-              <a:rPr lang="en-US" sz="2800" dirty="0"/>
-              <a:t>	</a:t>
-            </a:r>
-            <a:r>
-              <a:rPr lang="en-US" sz="2800" dirty="0" smtClean="0"/>
-              <a:t>	</a:t>
-            </a:r>
-          </a:p>
-          <a:p>
-            <a:pPr marL="0" indent="0">
-              <a:buNone/>
-            </a:pPr>
-            <a:r>
-              <a:rPr lang="en-US" sz="2800" dirty="0"/>
-              <a:t>	</a:t>
-            </a:r>
-            <a:r>
-              <a:rPr lang="en-US" sz="2800" dirty="0" smtClean="0"/>
-              <a:t>	.</a:t>
-            </a:r>
-            <a:r>
-              <a:rPr lang="en-US" sz="2800" dirty="0" err="1" smtClean="0"/>
-              <a:t>img</a:t>
-            </a:r>
-            <a:r>
-              <a:rPr lang="en-US" sz="2800" dirty="0" smtClean="0"/>
-              <a:t>-round  </a:t>
-            </a:r>
-            <a:r>
-              <a:rPr lang="en-US" sz="2800" dirty="0"/>
-              <a:t>{</a:t>
-            </a:r>
-          </a:p>
-          <a:p>
-            <a:pPr marL="0" indent="0">
-              <a:buNone/>
-            </a:pPr>
-            <a:r>
-              <a:rPr lang="en-US" sz="2800" dirty="0"/>
-              <a:t>			height: 40%;</a:t>
-            </a:r>
-          </a:p>
-          <a:p>
-            <a:pPr marL="0" indent="0">
-              <a:buNone/>
-            </a:pPr>
-            <a:r>
-              <a:rPr lang="en-US" sz="2800" dirty="0"/>
-              <a:t>			width: 75%;</a:t>
-            </a:r>
-          </a:p>
-          <a:p>
-            <a:pPr marL="0" indent="0">
-              <a:buNone/>
-            </a:pPr>
-            <a:r>
-              <a:rPr lang="en-US" sz="2800" dirty="0"/>
-              <a:t>	</a:t>
-            </a:r>
-            <a:r>
-              <a:rPr lang="en-US" sz="2800" dirty="0" smtClean="0"/>
-              <a:t>	}</a:t>
-            </a:r>
-            <a:endParaRPr lang="en-US" sz="2800" dirty="0"/>
-          </a:p>
-          <a:p>
-            <a:pPr marL="0" indent="0">
-              <a:buNone/>
-            </a:pPr>
-            <a:r>
-              <a:rPr lang="en-US" sz="2800" dirty="0" smtClean="0"/>
-              <a:t>}</a:t>
-            </a:r>
-            <a:endParaRPr lang="en-US" sz="2800" dirty="0"/>
-          </a:p>
-          <a:p>
-            <a:pPr marL="0" indent="0">
-              <a:buNone/>
-            </a:pPr>
-            <a:endParaRPr lang="en-US" sz="2800" dirty="0"/>
-          </a:p>
-          <a:p>
-            <a:pPr marL="0" indent="0">
-              <a:buNone/>
-            </a:pPr>
-            <a:r>
-              <a:rPr lang="en-US" sz="2800" dirty="0"/>
-              <a:t>			</a:t>
-            </a:r>
-          </a:p>
-          <a:p>
-            <a:pPr marL="0" indent="0">
-              <a:buNone/>
-            </a:pPr>
-            <a:r>
-              <a:rPr lang="en-US" sz="2800" dirty="0"/>
-              <a:t>			</a:t>
-            </a:r>
-          </a:p>
-        </p:txBody>
-      </p:sp>
-      <p:sp>
-        <p:nvSpPr>
-          <p:cNvPr id="3" name="Title 2"/>
-          <p:cNvSpPr>
-            <a:spLocks noGrp="1"/>
-          </p:cNvSpPr>
-          <p:nvPr>
-            <p:ph type="title"/>
-          </p:nvPr>
-        </p:nvSpPr>
-        <p:spPr/>
-        <p:txBody>
-          <a:bodyPr/>
-          <a:lstStyle/>
-          <a:p>
-            <a:r>
-              <a:rPr lang="en-US" dirty="0" smtClean="0"/>
-              <a:t>Responsive UI?</a:t>
-            </a:r>
-            <a:endParaRPr lang="en-US" dirty="0"/>
-          </a:p>
-        </p:txBody>
-      </p:sp>
-    </p:spTree>
-    <p:extLst>
-      <p:ext uri="{BB962C8B-B14F-4D97-AF65-F5344CB8AC3E}">
-        <p14:creationId xmlns:p14="http://schemas.microsoft.com/office/powerpoint/2010/main" val="1466882383"/>
-      </p:ext>
-    </p:extLst>
-  </p:cSld>
-  <p:clrMapOvr>
-    <a:masterClrMapping/>
-  </p:clrMapOvr>
-  <p:timing>
-    <p:tnLst>
-      <p:par>
-        <p:cTn id="1" dur="indefinite" restart="never" nodeType="tmRoot"/>
-      </p:par>
-    </p:tnLst>
-  </p:timing>
-</p:sld>
-</file>
-
 <file path=ppt/slides/slide18.xml><?xml version="1.0" encoding="utf-8"?>
 <p:sld xmlns:a="http://schemas.openxmlformats.org/drawingml/2006/main" xmlns:r="http://schemas.openxmlformats.org/officeDocument/2006/relationships" xmlns:p="http://schemas.openxmlformats.org/presentationml/2006/main">
   <p:cSld>
@@ -9351,13 +9555,13 @@
         </p:nvSpPr>
         <p:spPr>
           <a:xfrm>
-            <a:off x="685800" y="990600"/>
-            <a:ext cx="7772400" cy="5562600"/>
+            <a:off x="685800" y="1066800"/>
+            <a:ext cx="7848600" cy="5486400"/>
           </a:xfrm>
         </p:spPr>
         <p:txBody>
           <a:bodyPr>
-            <a:normAutofit lnSpcReduction="10000"/>
+            <a:noAutofit/>
           </a:bodyPr>
           <a:lstStyle/>
           <a:p>
@@ -9365,16 +9569,12 @@
               <a:buNone/>
             </a:pPr>
             <a:r>
-              <a:rPr lang="en-US" dirty="0"/>
+              <a:rPr lang="en-US" sz="2800" dirty="0" smtClean="0"/>
               <a:t>/* </a:t>
             </a:r>
             <a:r>
-              <a:rPr lang="en-US" dirty="0" smtClean="0"/>
-              <a:t>iPads/tablets </a:t>
-            </a:r>
-            <a:r>
-              <a:rPr lang="en-US" dirty="0"/>
-              <a:t>*/</a:t>
+              <a:rPr lang="en-US" sz="2800" dirty="0"/>
+              <a:t>Phones */</a:t>
             </a:r>
           </a:p>
           <a:p>
@@ -9382,12 +9582,16 @@
               <a:buNone/>
             </a:pPr>
             <a:r>
-              <a:rPr lang="en-US" dirty="0" smtClean="0"/>
+              <a:rPr lang="en-US" sz="2800" dirty="0" smtClean="0"/>
               <a:t>@</a:t>
             </a:r>
             <a:r>
-              <a:rPr lang="en-US" dirty="0"/>
+              <a:rPr lang="en-US" sz="2800" dirty="0"/>
               <a:t>media only screen </a:t>
+            </a:r>
+            <a:r>
+              <a:rPr lang="en-US" sz="2800" dirty="0" smtClean="0"/>
+              <a:t> </a:t>
             </a:r>
           </a:p>
           <a:p>
@@ -9395,12 +9599,12 @@
               <a:buNone/>
             </a:pPr>
             <a:r>
-              <a:rPr lang="en-US" dirty="0" smtClean="0"/>
+              <a:rPr lang="en-US" sz="2800" dirty="0" smtClean="0"/>
               <a:t>	and </a:t>
             </a:r>
             <a:r>
-              <a:rPr lang="en-US" dirty="0"/>
-              <a:t>(min-device-width : 768px) </a:t>
+              <a:rPr lang="en-US" sz="2800" dirty="0"/>
+              <a:t>(min-device-width : 320px) </a:t>
             </a:r>
           </a:p>
           <a:p>
@@ -9408,34 +9612,29 @@
               <a:buNone/>
             </a:pPr>
             <a:r>
-              <a:rPr lang="en-US" dirty="0"/>
+              <a:rPr lang="en-US" sz="2800" dirty="0"/>
               <a:t>	</a:t>
             </a:r>
             <a:r>
-              <a:rPr lang="en-US" dirty="0" smtClean="0"/>
+              <a:rPr lang="en-US" sz="2800" dirty="0" smtClean="0"/>
               <a:t>and </a:t>
             </a:r>
             <a:r>
-              <a:rPr lang="en-US" dirty="0"/>
-              <a:t>(max-device-width : 1024px) </a:t>
-            </a:r>
-            <a:r>
-              <a:rPr lang="en-US" dirty="0" smtClean="0"/>
-              <a:t>{</a:t>
-            </a:r>
-            <a:r>
-              <a:rPr lang="en-US" dirty="0"/>
-              <a:t>	</a:t>
-            </a:r>
-            <a:endParaRPr lang="en-US" dirty="0" smtClean="0"/>
+              <a:rPr lang="en-US" sz="2800" dirty="0"/>
+              <a:t>(max-device-width : 480px) {</a:t>
+            </a:r>
           </a:p>
           <a:p>
             <a:pPr marL="0" indent="0">
               <a:buNone/>
             </a:pPr>
             <a:r>
-              <a:rPr lang="en-US" dirty="0" smtClean="0"/>
-              <a:t>		</a:t>
+              <a:rPr lang="en-US" sz="2800" dirty="0"/>
+              <a:t>	</a:t>
+            </a:r>
+            <a:r>
+              <a:rPr lang="en-US" sz="2800" dirty="0" smtClean="0"/>
+              <a:t>	</a:t>
             </a:r>
           </a:p>
           <a:p>
@@ -9443,20 +9642,24 @@
               <a:buNone/>
             </a:pPr>
             <a:r>
-              <a:rPr lang="en-US" dirty="0"/>
+              <a:rPr lang="en-US" sz="2800" dirty="0"/>
               <a:t>	</a:t>
             </a:r>
             <a:r>
-              <a:rPr lang="en-US" dirty="0" smtClean="0"/>
+              <a:rPr lang="en-US" sz="2800" dirty="0" smtClean="0"/>
               <a:t>	.</a:t>
             </a:r>
             <a:r>
-              <a:rPr lang="en-US" dirty="0" err="1"/>
+              <a:rPr lang="en-US" sz="2800" dirty="0" err="1" smtClean="0"/>
               <a:t>img</a:t>
             </a:r>
             <a:r>
-              <a:rPr lang="en-US" dirty="0"/>
-              <a:t>-round  {</a:t>
+              <a:rPr lang="en-US" sz="2800" dirty="0" smtClean="0"/>
+              <a:t>-round  </a:t>
+            </a:r>
+            <a:r>
+              <a:rPr lang="en-US" sz="2800" dirty="0"/>
+              <a:t>{</a:t>
             </a:r>
           </a:p>
           <a:p>
@@ -9464,16 +9667,8 @@
               <a:buNone/>
             </a:pPr>
             <a:r>
-              <a:rPr lang="en-US" dirty="0"/>
-              <a:t>			height: </a:t>
-            </a:r>
-            <a:r>
-              <a:rPr lang="en-US" dirty="0" smtClean="0"/>
-              <a:t>60</a:t>
-            </a:r>
-            <a:r>
-              <a:rPr lang="en-US" dirty="0"/>
-              <a:t>%;</a:t>
+              <a:rPr lang="en-US" sz="2800" dirty="0"/>
+              <a:t>			height: 40%;</a:t>
             </a:r>
           </a:p>
           <a:p>
@@ -9481,40 +9676,57 @@
               <a:buNone/>
             </a:pPr>
             <a:r>
-              <a:rPr lang="en-US" dirty="0"/>
-              <a:t>			width: </a:t>
-            </a:r>
-            <a:r>
-              <a:rPr lang="en-US" dirty="0" smtClean="0"/>
-              <a:t>80%;</a:t>
-            </a:r>
-            <a:endParaRPr lang="en-US" dirty="0"/>
+              <a:rPr lang="en-US" sz="2800" dirty="0"/>
+              <a:t>			width: 75%;</a:t>
+            </a:r>
           </a:p>
           <a:p>
             <a:pPr marL="0" indent="0">
               <a:buNone/>
             </a:pPr>
             <a:r>
-              <a:rPr lang="en-US" dirty="0"/>
-              <a:t>		</a:t>
-            </a:r>
-            <a:r>
-              <a:rPr lang="en-US" dirty="0" smtClean="0"/>
-              <a:t>}</a:t>
-            </a:r>
+              <a:rPr lang="en-US" sz="2800" dirty="0"/>
+              <a:t>	</a:t>
+            </a:r>
+            <a:r>
+              <a:rPr lang="en-US" sz="2800" dirty="0" smtClean="0"/>
+              <a:t>	}</a:t>
+            </a:r>
+            <a:endParaRPr lang="en-US" sz="2800" dirty="0"/>
           </a:p>
           <a:p>
             <a:pPr marL="0" indent="0">
               <a:buNone/>
             </a:pPr>
             <a:r>
-              <a:rPr lang="en-US" dirty="0" smtClean="0"/>
+              <a:rPr lang="en-US" sz="2800" dirty="0" smtClean="0"/>
               <a:t>}</a:t>
             </a:r>
-            <a:endParaRPr lang="en-US" dirty="0"/>
-          </a:p>
-          <a:p>
-            <a:endParaRPr lang="en-US" dirty="0"/>
+            <a:endParaRPr lang="en-US" sz="2800" dirty="0"/>
+          </a:p>
+          <a:p>
+            <a:pPr marL="0" indent="0">
+              <a:buNone/>
+            </a:pPr>
+            <a:endParaRPr lang="en-US" sz="2800" dirty="0"/>
+          </a:p>
+          <a:p>
+            <a:pPr marL="0" indent="0">
+              <a:buNone/>
+            </a:pPr>
+            <a:r>
+              <a:rPr lang="en-US" sz="2800" dirty="0"/>
+              <a:t>			</a:t>
+            </a:r>
+          </a:p>
+          <a:p>
+            <a:pPr marL="0" indent="0">
+              <a:buNone/>
+            </a:pPr>
+            <a:r>
+              <a:rPr lang="en-US" sz="2800" dirty="0"/>
+              <a:t>			</a:t>
+            </a:r>
           </a:p>
         </p:txBody>
       </p:sp>
@@ -9544,7 +9756,7 @@
     </p:spTree>
     <p:extLst>
       <p:ext uri="{BB962C8B-B14F-4D97-AF65-F5344CB8AC3E}">
-        <p14:creationId xmlns:p14="http://schemas.microsoft.com/office/powerpoint/2010/main" val="227727531"/>
+        <p14:creationId xmlns:p14="http://schemas.microsoft.com/office/powerpoint/2010/main" val="1466882383"/>
       </p:ext>
     </p:extLst>
   </p:cSld>
@@ -9590,8 +9802,8 @@
         </p:nvSpPr>
         <p:spPr>
           <a:xfrm>
-            <a:off x="685800" y="1066800"/>
-            <a:ext cx="7772400" cy="5486400"/>
+            <a:off x="685800" y="990600"/>
+            <a:ext cx="7772400" cy="5562600"/>
           </a:xfrm>
         </p:spPr>
         <p:txBody>
@@ -9605,7 +9817,15 @@
             </a:pPr>
             <a:r>
               <a:rPr lang="en-US" dirty="0"/>
-              <a:t>/* Desktops and laptops ----------- */</a:t>
+              <a:t>/* </a:t>
+            </a:r>
+            <a:r>
+              <a:rPr lang="en-US" dirty="0" smtClean="0"/>
+              <a:t>iPads/tablets </a:t>
+            </a:r>
+            <a:r>
+              <a:rPr lang="en-US" dirty="0"/>
+              <a:t>*/</a:t>
             </a:r>
           </a:p>
           <a:p>
@@ -9626,16 +9846,12 @@
               <a:buNone/>
             </a:pPr>
             <a:r>
+              <a:rPr lang="en-US" dirty="0" smtClean="0"/>
+              <a:t>	and </a:t>
+            </a:r>
+            <a:r>
               <a:rPr lang="en-US" dirty="0"/>
-              <a:t>	</a:t>
-            </a:r>
-            <a:r>
-              <a:rPr lang="en-US" dirty="0" smtClean="0"/>
-              <a:t>and </a:t>
-            </a:r>
-            <a:r>
-              <a:rPr lang="en-US" dirty="0"/>
-              <a:t>(min-width : 1224px) {</a:t>
+              <a:t>(min-device-width : 768px) </a:t>
             </a:r>
           </a:p>
           <a:p>
@@ -9644,7 +9860,23 @@
             </a:pPr>
             <a:r>
               <a:rPr lang="en-US" dirty="0"/>
-              <a:t>			</a:t>
+              <a:t>	</a:t>
+            </a:r>
+            <a:r>
+              <a:rPr lang="en-US" dirty="0" smtClean="0"/>
+              <a:t>and </a:t>
+            </a:r>
+            <a:r>
+              <a:rPr lang="en-US" dirty="0"/>
+              <a:t>(max-device-width : 1024px) </a:t>
+            </a:r>
+            <a:r>
+              <a:rPr lang="en-US" dirty="0" smtClean="0"/>
+              <a:t>{</a:t>
+            </a:r>
+            <a:r>
+              <a:rPr lang="en-US" dirty="0"/>
+              <a:t>	</a:t>
             </a:r>
             <a:endParaRPr lang="en-US" dirty="0" smtClean="0"/>
           </a:p>
@@ -9654,15 +9886,7 @@
             </a:pPr>
             <a:r>
               <a:rPr lang="en-US" dirty="0" smtClean="0"/>
-              <a:t>		.</a:t>
-            </a:r>
-            <a:r>
-              <a:rPr lang="en-US" dirty="0" err="1"/>
-              <a:t>img</a:t>
-            </a:r>
-            <a:r>
-              <a:rPr lang="en-US" dirty="0"/>
-              <a:t>-round  {</a:t>
+              <a:t>		</a:t>
             </a:r>
           </a:p>
           <a:p>
@@ -9671,15 +9895,19 @@
             </a:pPr>
             <a:r>
               <a:rPr lang="en-US" dirty="0"/>
-              <a:t>			height: </a:t>
+              <a:t>	</a:t>
             </a:r>
             <a:r>
               <a:rPr lang="en-US" dirty="0" smtClean="0"/>
-              <a:t>20</a:t>
+              <a:t>	.</a:t>
+            </a:r>
+            <a:r>
+              <a:rPr lang="en-US" dirty="0" err="1"/>
+              <a:t>img</a:t>
             </a:r>
             <a:r>
               <a:rPr lang="en-US" dirty="0"/>
-              <a:t>%;</a:t>
+              <a:t>-round  {</a:t>
             </a:r>
           </a:p>
           <a:p>
@@ -9688,11 +9916,11 @@
             </a:pPr>
             <a:r>
               <a:rPr lang="en-US" dirty="0"/>
-              <a:t>			width: </a:t>
+              <a:t>			height: </a:t>
             </a:r>
             <a:r>
               <a:rPr lang="en-US" dirty="0" smtClean="0"/>
-              <a:t>40</a:t>
+              <a:t>60</a:t>
             </a:r>
             <a:r>
               <a:rPr lang="en-US" dirty="0"/>
@@ -9705,18 +9933,26 @@
             </a:pPr>
             <a:r>
               <a:rPr lang="en-US" dirty="0"/>
-              <a:t>		</a:t>
+              <a:t>			width: </a:t>
             </a:r>
             <a:r>
               <a:rPr lang="en-US" dirty="0" smtClean="0"/>
-              <a:t>}</a:t>
-            </a:r>
+              <a:t>80%;</a:t>
+            </a:r>
+            <a:endParaRPr lang="en-US" dirty="0"/>
           </a:p>
           <a:p>
             <a:pPr marL="0" indent="0">
               <a:buNone/>
             </a:pPr>
-            <a:endParaRPr lang="en-US" dirty="0"/>
+            <a:r>
+              <a:rPr lang="en-US" dirty="0"/>
+              <a:t>		</a:t>
+            </a:r>
+            <a:r>
+              <a:rPr lang="en-US" dirty="0" smtClean="0"/>
+              <a:t>}</a:t>
+            </a:r>
           </a:p>
           <a:p>
             <a:pPr marL="0" indent="0">
@@ -9726,6 +9962,9 @@
               <a:rPr lang="en-US" dirty="0" smtClean="0"/>
               <a:t>}</a:t>
             </a:r>
+            <a:endParaRPr lang="en-US" dirty="0"/>
+          </a:p>
+          <a:p>
             <a:endParaRPr lang="en-US" dirty="0"/>
           </a:p>
         </p:txBody>
@@ -9756,7 +9995,7 @@
     </p:spTree>
     <p:extLst>
       <p:ext uri="{BB962C8B-B14F-4D97-AF65-F5344CB8AC3E}">
-        <p14:creationId xmlns:p14="http://schemas.microsoft.com/office/powerpoint/2010/main" val="2775245378"/>
+        <p14:creationId xmlns:p14="http://schemas.microsoft.com/office/powerpoint/2010/main" val="227727531"/>
       </p:ext>
     </p:extLst>
   </p:cSld>
@@ -10098,6 +10337,13 @@
     <a:masterClrMapping/>
   </p:clrMapOvr>
   <p:transition spd="med"/>
+  <p:timing>
+    <p:tnLst>
+      <p:par>
+        <p:cTn id="1" dur="indefinite" restart="never" nodeType="tmRoot"/>
+      </p:par>
+    </p:tnLst>
+  </p:timing>
 </p:sld>
 </file>
 
@@ -10130,6 +10376,218 @@
         </p:nvSpPr>
         <p:spPr>
           <a:xfrm>
+            <a:off x="685800" y="1066800"/>
+            <a:ext cx="7772400" cy="5486400"/>
+          </a:xfrm>
+        </p:spPr>
+        <p:txBody>
+          <a:bodyPr>
+            <a:normAutofit lnSpcReduction="10000"/>
+          </a:bodyPr>
+          <a:lstStyle/>
+          <a:p>
+            <a:pPr marL="0" indent="0">
+              <a:buNone/>
+            </a:pPr>
+            <a:r>
+              <a:rPr lang="en-US" dirty="0"/>
+              <a:t>/* Desktops and laptops ----------- */</a:t>
+            </a:r>
+          </a:p>
+          <a:p>
+            <a:pPr marL="0" indent="0">
+              <a:buNone/>
+            </a:pPr>
+            <a:r>
+              <a:rPr lang="en-US" dirty="0" smtClean="0"/>
+              <a:t>@</a:t>
+            </a:r>
+            <a:r>
+              <a:rPr lang="en-US" dirty="0"/>
+              <a:t>media only screen </a:t>
+            </a:r>
+          </a:p>
+          <a:p>
+            <a:pPr marL="0" indent="0">
+              <a:buNone/>
+            </a:pPr>
+            <a:r>
+              <a:rPr lang="en-US" dirty="0"/>
+              <a:t>	</a:t>
+            </a:r>
+            <a:r>
+              <a:rPr lang="en-US" dirty="0" smtClean="0"/>
+              <a:t>and </a:t>
+            </a:r>
+            <a:r>
+              <a:rPr lang="en-US" dirty="0"/>
+              <a:t>(min-width : 1224px) {</a:t>
+            </a:r>
+          </a:p>
+          <a:p>
+            <a:pPr marL="0" indent="0">
+              <a:buNone/>
+            </a:pPr>
+            <a:r>
+              <a:rPr lang="en-US" dirty="0"/>
+              <a:t>			</a:t>
+            </a:r>
+            <a:endParaRPr lang="en-US" dirty="0" smtClean="0"/>
+          </a:p>
+          <a:p>
+            <a:pPr marL="0" indent="0">
+              <a:buNone/>
+            </a:pPr>
+            <a:r>
+              <a:rPr lang="en-US" dirty="0" smtClean="0"/>
+              <a:t>		.</a:t>
+            </a:r>
+            <a:r>
+              <a:rPr lang="en-US" dirty="0" err="1"/>
+              <a:t>img</a:t>
+            </a:r>
+            <a:r>
+              <a:rPr lang="en-US" dirty="0"/>
+              <a:t>-round  {</a:t>
+            </a:r>
+          </a:p>
+          <a:p>
+            <a:pPr marL="0" indent="0">
+              <a:buNone/>
+            </a:pPr>
+            <a:r>
+              <a:rPr lang="en-US" dirty="0"/>
+              <a:t>			height: </a:t>
+            </a:r>
+            <a:r>
+              <a:rPr lang="en-US" dirty="0" smtClean="0"/>
+              <a:t>20</a:t>
+            </a:r>
+            <a:r>
+              <a:rPr lang="en-US" dirty="0"/>
+              <a:t>%;</a:t>
+            </a:r>
+          </a:p>
+          <a:p>
+            <a:pPr marL="0" indent="0">
+              <a:buNone/>
+            </a:pPr>
+            <a:r>
+              <a:rPr lang="en-US" dirty="0"/>
+              <a:t>			width: </a:t>
+            </a:r>
+            <a:r>
+              <a:rPr lang="en-US" dirty="0" smtClean="0"/>
+              <a:t>40</a:t>
+            </a:r>
+            <a:r>
+              <a:rPr lang="en-US" dirty="0"/>
+              <a:t>%;</a:t>
+            </a:r>
+          </a:p>
+          <a:p>
+            <a:pPr marL="0" indent="0">
+              <a:buNone/>
+            </a:pPr>
+            <a:r>
+              <a:rPr lang="en-US" dirty="0"/>
+              <a:t>		</a:t>
+            </a:r>
+            <a:r>
+              <a:rPr lang="en-US" dirty="0" smtClean="0"/>
+              <a:t>}</a:t>
+            </a:r>
+          </a:p>
+          <a:p>
+            <a:pPr marL="0" indent="0">
+              <a:buNone/>
+            </a:pPr>
+            <a:endParaRPr lang="en-US" dirty="0"/>
+          </a:p>
+          <a:p>
+            <a:pPr marL="0" indent="0">
+              <a:buNone/>
+            </a:pPr>
+            <a:r>
+              <a:rPr lang="en-US" dirty="0" smtClean="0"/>
+              <a:t>}</a:t>
+            </a:r>
+            <a:endParaRPr lang="en-US" dirty="0"/>
+          </a:p>
+        </p:txBody>
+      </p:sp>
+      <p:sp>
+        <p:nvSpPr>
+          <p:cNvPr id="3" name="Title 2"/>
+          <p:cNvSpPr>
+            <a:spLocks noGrp="1"/>
+          </p:cNvSpPr>
+          <p:nvPr>
+            <p:ph type="title"/>
+          </p:nvPr>
+        </p:nvSpPr>
+        <p:spPr/>
+        <p:txBody>
+          <a:bodyPr/>
+          <a:lstStyle/>
+          <a:p>
+            <a:r>
+              <a:rPr lang="en-US" dirty="0" smtClean="0"/>
+              <a:t>Responsive UI?</a:t>
+            </a:r>
+            <a:endParaRPr lang="en-US" dirty="0"/>
+          </a:p>
+        </p:txBody>
+      </p:sp>
+    </p:spTree>
+    <p:extLst>
+      <p:ext uri="{BB962C8B-B14F-4D97-AF65-F5344CB8AC3E}">
+        <p14:creationId xmlns:p14="http://schemas.microsoft.com/office/powerpoint/2010/main" val="2775245378"/>
+      </p:ext>
+    </p:extLst>
+  </p:cSld>
+  <p:clrMapOvr>
+    <a:masterClrMapping/>
+  </p:clrMapOvr>
+  <p:timing>
+    <p:tnLst>
+      <p:par>
+        <p:cTn id="1" dur="indefinite" restart="never" nodeType="tmRoot"/>
+      </p:par>
+    </p:tnLst>
+  </p:timing>
+</p:sld>
+</file>
+
+<file path=ppt/slides/slide21.xml><?xml version="1.0" encoding="utf-8"?>
+<p:sld xmlns:a="http://schemas.openxmlformats.org/drawingml/2006/main" xmlns:r="http://schemas.openxmlformats.org/officeDocument/2006/relationships" xmlns:p="http://schemas.openxmlformats.org/presentationml/2006/main">
+  <p:cSld>
+    <p:spTree>
+      <p:nvGrpSpPr>
+        <p:cNvPr id="1" name=""/>
+        <p:cNvGrpSpPr/>
+        <p:nvPr/>
+      </p:nvGrpSpPr>
+      <p:grpSpPr>
+        <a:xfrm>
+          <a:off x="0" y="0"/>
+          <a:ext cx="0" cy="0"/>
+          <a:chOff x="0" y="0"/>
+          <a:chExt cx="0" cy="0"/>
+        </a:xfrm>
+      </p:grpSpPr>
+      <p:sp>
+        <p:nvSpPr>
+          <p:cNvPr id="2" name="Content Placeholder 1"/>
+          <p:cNvSpPr>
+            <a:spLocks noGrp="1"/>
+          </p:cNvSpPr>
+          <p:nvPr>
+            <p:ph sz="quarter" idx="13"/>
+          </p:nvPr>
+        </p:nvSpPr>
+        <p:spPr>
+          <a:xfrm>
             <a:off x="914400" y="990600"/>
             <a:ext cx="1981200" cy="609600"/>
           </a:xfrm>
@@ -10143,7 +10601,11 @@
             </a:pPr>
             <a:r>
               <a:rPr lang="en-US" dirty="0" smtClean="0"/>
-              <a:t>Without:</a:t>
+              <a:t>Before</a:t>
+            </a:r>
+            <a:r>
+              <a:rPr lang="en-US" dirty="0" smtClean="0"/>
+              <a:t>:</a:t>
             </a:r>
             <a:endParaRPr lang="en-US" dirty="0"/>
           </a:p>
@@ -10181,7 +10643,7 @@
           <p:nvPr/>
         </p:nvPicPr>
         <p:blipFill>
-          <a:blip r:embed="rId2">
+          <a:blip r:embed="rId3">
             <a:extLst>
               <a:ext uri="{28A0092B-C50C-407E-A947-70E740481C1C}">
                 <a14:useLocalDpi xmlns:a14="http://schemas.microsoft.com/office/drawing/2010/main" val="0"/>
@@ -10378,7 +10840,11 @@
             </a:pPr>
             <a:r>
               <a:rPr lang="en-US" dirty="0" smtClean="0"/>
-              <a:t>With:</a:t>
+              <a:t>After</a:t>
+            </a:r>
+            <a:r>
+              <a:rPr lang="en-US" dirty="0" smtClean="0"/>
+              <a:t>:</a:t>
             </a:r>
             <a:endParaRPr lang="en-US" dirty="0"/>
           </a:p>
@@ -10386,14 +10852,14 @@
       </p:sp>
       <p:pic>
         <p:nvPicPr>
-          <p:cNvPr id="7" name="Picture 11"/>
+          <p:cNvPr id="8" name="Picture 2" descr="https://s4.mzstatic.com/us/r30/Purple/v4/19/a1/11/19a11158-9c6c-bdcb-ae3f-85d89d51a539/mzl.ckfjgpxo.png?downloadKey=1402969696_b1547a092671ba7d7c1ded8edb08406c"/>
           <p:cNvPicPr>
             <a:picLocks noChangeAspect="1" noChangeArrowheads="1"/>
           </p:cNvPicPr>
           <p:nvPr/>
         </p:nvPicPr>
         <p:blipFill>
-          <a:blip r:embed="rId3">
+          <a:blip r:embed="rId4">
             <a:extLst>
               <a:ext uri="{28A0092B-C50C-407E-A947-70E740481C1C}">
                 <a14:useLocalDpi xmlns:a14="http://schemas.microsoft.com/office/drawing/2010/main" val="0"/>
@@ -10407,33 +10873,20 @@
         </p:blipFill>
         <p:spPr bwMode="auto">
           <a:xfrm>
-            <a:off x="4751950" y="1574703"/>
-            <a:ext cx="2851612" cy="5130895"/>
+            <a:off x="4724400" y="1574704"/>
+            <a:ext cx="2895600" cy="5139690"/>
           </a:xfrm>
           <a:prstGeom prst="rect">
             <a:avLst/>
           </a:prstGeom>
           <a:noFill/>
-          <a:ln>
-            <a:noFill/>
-          </a:ln>
           <a:extLst>
             <a:ext uri="{909E8E84-426E-40DD-AFC4-6F175D3DCCD1}">
               <a14:hiddenFill xmlns:a14="http://schemas.microsoft.com/office/drawing/2010/main">
                 <a:solidFill>
-                  <a:schemeClr val="accent1"/>
+                  <a:srgbClr val="FFFFFF"/>
                 </a:solidFill>
               </a14:hiddenFill>
-            </a:ext>
-            <a:ext uri="{91240B29-F687-4F45-9708-019B960494DF}">
-              <a14:hiddenLine xmlns:a14="http://schemas.microsoft.com/office/drawing/2010/main" w="9525">
-                <a:solidFill>
-                  <a:schemeClr val="tx1"/>
-                </a:solidFill>
-                <a:miter lim="800000"/>
-                <a:headEnd/>
-                <a:tailEnd/>
-              </a14:hiddenLine>
             </a:ext>
           </a:extLst>
         </p:spPr>
@@ -10458,7 +10911,7 @@
 </p:sld>
 </file>
 
-<file path=ppt/slides/slide21.xml><?xml version="1.0" encoding="utf-8"?>
+<file path=ppt/slides/slide22.xml><?xml version="1.0" encoding="utf-8"?>
 <p:sld xmlns:a="http://schemas.openxmlformats.org/drawingml/2006/main" xmlns:r="http://schemas.openxmlformats.org/officeDocument/2006/relationships" xmlns:p="http://schemas.openxmlformats.org/presentationml/2006/main">
   <p:cSld>
     <p:spTree>
@@ -11007,7 +11460,7 @@
 </p:sld>
 </file>
 
-<file path=ppt/slides/slide22.xml><?xml version="1.0" encoding="utf-8"?>
+<file path=ppt/slides/slide23.xml><?xml version="1.0" encoding="utf-8"?>
 <p:sld xmlns:a="http://schemas.openxmlformats.org/drawingml/2006/main" xmlns:r="http://schemas.openxmlformats.org/officeDocument/2006/relationships" xmlns:p="http://schemas.openxmlformats.org/presentationml/2006/main">
   <p:cSld>
     <p:spTree>
@@ -11694,7 +12147,7 @@
 </p:sld>
 </file>
 
-<file path=ppt/slides/slide23.xml><?xml version="1.0" encoding="utf-8"?>
+<file path=ppt/slides/slide24.xml><?xml version="1.0" encoding="utf-8"?>
 <p:sld xmlns:a="http://schemas.openxmlformats.org/drawingml/2006/main" xmlns:r="http://schemas.openxmlformats.org/officeDocument/2006/relationships" xmlns:p="http://schemas.openxmlformats.org/presentationml/2006/main">
   <p:cSld>
     <p:spTree>
@@ -12785,7 +13238,7 @@
 </p:sld>
 </file>
 
-<file path=ppt/slides/slide24.xml><?xml version="1.0" encoding="utf-8"?>
+<file path=ppt/slides/slide25.xml><?xml version="1.0" encoding="utf-8"?>
 <p:sld xmlns:a="http://schemas.openxmlformats.org/drawingml/2006/main" xmlns:r="http://schemas.openxmlformats.org/officeDocument/2006/relationships" xmlns:p="http://schemas.openxmlformats.org/presentationml/2006/main">
   <p:cSld>
     <p:spTree>
@@ -14185,7 +14638,7 @@
 </p:sld>
 </file>
 
-<file path=ppt/slides/slide25.xml><?xml version="1.0" encoding="utf-8"?>
+<file path=ppt/slides/slide26.xml><?xml version="1.0" encoding="utf-8"?>
 <p:sld xmlns:a="http://schemas.openxmlformats.org/drawingml/2006/main" xmlns:r="http://schemas.openxmlformats.org/officeDocument/2006/relationships" xmlns:p="http://schemas.openxmlformats.org/presentationml/2006/main">
   <p:cSld>
     <p:spTree>
@@ -14255,8 +14708,12 @@
           <a:lstStyle/>
           <a:p>
             <a:r>
+              <a:rPr lang="en-US" sz="2500" dirty="0" err="1" smtClean="0"/>
+              <a:t>Phonegap</a:t>
+            </a:r>
+            <a:r>
               <a:rPr lang="en-US" sz="2500" dirty="0" smtClean="0"/>
-              <a:t>NOTABLE PHONEGAP BUILD FEATURES</a:t>
+              <a:t> build site</a:t>
             </a:r>
             <a:endParaRPr lang="en-US" sz="2500" dirty="0"/>
           </a:p>
@@ -14366,7 +14823,94 @@
 </p:sld>
 </file>
 
-<file path=ppt/slides/slide26.xml><?xml version="1.0" encoding="utf-8"?>
+<file path=ppt/slides/slide27.xml><?xml version="1.0" encoding="utf-8"?>
+<p:sld xmlns:a="http://schemas.openxmlformats.org/drawingml/2006/main" xmlns:r="http://schemas.openxmlformats.org/officeDocument/2006/relationships" xmlns:p="http://schemas.openxmlformats.org/presentationml/2006/main">
+  <p:cSld>
+    <p:spTree>
+      <p:nvGrpSpPr>
+        <p:cNvPr id="1" name=""/>
+        <p:cNvGrpSpPr/>
+        <p:nvPr/>
+      </p:nvGrpSpPr>
+      <p:grpSpPr>
+        <a:xfrm>
+          <a:off x="0" y="0"/>
+          <a:ext cx="0" cy="0"/>
+          <a:chOff x="0" y="0"/>
+          <a:chExt cx="0" cy="0"/>
+        </a:xfrm>
+      </p:grpSpPr>
+      <p:sp>
+        <p:nvSpPr>
+          <p:cNvPr id="3" name="Title 2"/>
+          <p:cNvSpPr>
+            <a:spLocks noGrp="1"/>
+          </p:cNvSpPr>
+          <p:nvPr>
+            <p:ph type="title"/>
+          </p:nvPr>
+        </p:nvSpPr>
+        <p:spPr/>
+        <p:txBody>
+          <a:bodyPr/>
+          <a:lstStyle/>
+          <a:p>
+            <a:r>
+              <a:rPr lang="en-US" dirty="0" err="1" smtClean="0"/>
+              <a:t>Phonegap</a:t>
+            </a:r>
+            <a:r>
+              <a:rPr lang="en-US" dirty="0" smtClean="0"/>
+              <a:t> build site</a:t>
+            </a:r>
+            <a:endParaRPr lang="en-US" dirty="0"/>
+          </a:p>
+        </p:txBody>
+      </p:sp>
+      <p:sp>
+        <p:nvSpPr>
+          <p:cNvPr id="4" name="TextBox 3"/>
+          <p:cNvSpPr txBox="1"/>
+          <p:nvPr/>
+        </p:nvSpPr>
+        <p:spPr>
+          <a:xfrm>
+            <a:off x="8001000" y="6504801"/>
+            <a:ext cx="1509713" cy="276999"/>
+          </a:xfrm>
+          <a:prstGeom prst="rect">
+            <a:avLst/>
+          </a:prstGeom>
+          <a:noFill/>
+        </p:spPr>
+        <p:txBody>
+          <a:bodyPr wrap="square" rtlCol="0">
+            <a:spAutoFit/>
+          </a:bodyPr>
+          <a:lstStyle/>
+          <a:p>
+            <a:r>
+              <a:rPr lang="en-US" sz="1200" dirty="0" smtClean="0"/>
+              <a:t>No Internet</a:t>
+            </a:r>
+            <a:endParaRPr lang="en-US" sz="1200" dirty="0"/>
+          </a:p>
+        </p:txBody>
+      </p:sp>
+    </p:spTree>
+    <p:extLst>
+      <p:ext uri="{BB962C8B-B14F-4D97-AF65-F5344CB8AC3E}">
+        <p14:creationId xmlns:p14="http://schemas.microsoft.com/office/powerpoint/2010/main" val="3536839575"/>
+      </p:ext>
+    </p:extLst>
+  </p:cSld>
+  <p:clrMapOvr>
+    <a:masterClrMapping/>
+  </p:clrMapOvr>
+</p:sld>
+</file>
+
+<file path=ppt/slides/slide28.xml><?xml version="1.0" encoding="utf-8"?>
 <p:sld xmlns:a="http://schemas.openxmlformats.org/drawingml/2006/main" xmlns:r="http://schemas.openxmlformats.org/officeDocument/2006/relationships" xmlns:p="http://schemas.openxmlformats.org/presentationml/2006/main">
   <p:cSld>
     <p:spTree>
@@ -15336,7 +15880,7 @@
 </p:sld>
 </file>
 
-<file path=ppt/slides/slide27.xml><?xml version="1.0" encoding="utf-8"?>
+<file path=ppt/slides/slide29.xml><?xml version="1.0" encoding="utf-8"?>
 <p:sld xmlns:a="http://schemas.openxmlformats.org/drawingml/2006/main" xmlns:r="http://schemas.openxmlformats.org/officeDocument/2006/relationships" xmlns:p="http://schemas.openxmlformats.org/presentationml/2006/main">
   <p:cSld>
     <p:spTree>
@@ -15355,6 +15899,29 @@
       </p:grpSpPr>
       <p:sp>
         <p:nvSpPr>
+          <p:cNvPr id="2" name="Content Placeholder 1"/>
+          <p:cNvSpPr>
+            <a:spLocks noGrp="1"/>
+          </p:cNvSpPr>
+          <p:nvPr>
+            <p:ph sz="quarter" idx="13"/>
+          </p:nvPr>
+        </p:nvSpPr>
+        <p:spPr/>
+        <p:txBody>
+          <a:bodyPr/>
+          <a:lstStyle/>
+          <a:p>
+            <a:r>
+              <a:rPr lang="en-US" dirty="0" smtClean="0"/>
+              <a:t>TODO!</a:t>
+            </a:r>
+            <a:endParaRPr lang="en-US" dirty="0"/>
+          </a:p>
+        </p:txBody>
+      </p:sp>
+      <p:sp>
+        <p:nvSpPr>
           <p:cNvPr id="3" name="Title 2"/>
           <p:cNvSpPr>
             <a:spLocks noGrp="1"/>
@@ -15363,486 +15930,23 @@
             <p:ph type="title"/>
           </p:nvPr>
         </p:nvSpPr>
-        <p:spPr>
-          <a:xfrm>
-            <a:off x="2322512" y="290945"/>
-            <a:ext cx="4306888" cy="471055"/>
-          </a:xfrm>
-        </p:spPr>
+        <p:spPr/>
         <p:txBody>
-          <a:bodyPr>
-            <a:noAutofit/>
-          </a:bodyPr>
+          <a:bodyPr/>
           <a:lstStyle/>
           <a:p>
             <a:r>
-              <a:rPr lang="en-US" dirty="0" err="1" smtClean="0"/>
-              <a:t>fitwatchr</a:t>
-            </a:r>
-            <a:endParaRPr lang="en-US" sz="2500" dirty="0"/>
-          </a:p>
-        </p:txBody>
-      </p:sp>
-      <p:sp>
-        <p:nvSpPr>
-          <p:cNvPr id="4" name="AutoShape 6" descr="Fitwatchr for Fitbit - screenshot"/>
-          <p:cNvSpPr>
-            <a:spLocks noChangeAspect="1" noChangeArrowheads="1"/>
-          </p:cNvSpPr>
-          <p:nvPr/>
-        </p:nvSpPr>
-        <p:spPr bwMode="auto">
-          <a:xfrm>
-            <a:off x="155575" y="-144463"/>
-            <a:ext cx="304800" cy="304801"/>
-          </a:xfrm>
-          <a:prstGeom prst="rect">
-            <a:avLst/>
-          </a:prstGeom>
-          <a:noFill/>
-          <a:extLst>
-            <a:ext uri="{909E8E84-426E-40DD-AFC4-6F175D3DCCD1}">
-              <a14:hiddenFill xmlns:a14="http://schemas.microsoft.com/office/drawing/2010/main">
-                <a:solidFill>
-                  <a:srgbClr val="FFFFFF"/>
-                </a:solidFill>
-              </a14:hiddenFill>
-            </a:ext>
-          </a:extLst>
-        </p:spPr>
-        <p:txBody>
-          <a:bodyPr vert="horz" wrap="square" lIns="91440" tIns="45720" rIns="91440" bIns="45720" numCol="1" anchor="t" anchorCtr="0" compatLnSpc="1">
-            <a:prstTxWarp prst="textNoShape">
-              <a:avLst/>
-            </a:prstTxWarp>
-          </a:bodyPr>
-          <a:lstStyle/>
-          <a:p>
-            <a:endParaRPr lang="en-US"/>
-          </a:p>
-        </p:txBody>
-      </p:sp>
-      <p:sp>
-        <p:nvSpPr>
-          <p:cNvPr id="5" name="AutoShape 8" descr="Fitwatchr for Fitbit - screenshot"/>
-          <p:cNvSpPr>
-            <a:spLocks noChangeAspect="1" noChangeArrowheads="1"/>
-          </p:cNvSpPr>
-          <p:nvPr/>
-        </p:nvSpPr>
-        <p:spPr bwMode="auto">
-          <a:xfrm>
-            <a:off x="307975" y="7937"/>
-            <a:ext cx="304800" cy="304801"/>
-          </a:xfrm>
-          <a:prstGeom prst="rect">
-            <a:avLst/>
-          </a:prstGeom>
-          <a:noFill/>
-          <a:extLst>
-            <a:ext uri="{909E8E84-426E-40DD-AFC4-6F175D3DCCD1}">
-              <a14:hiddenFill xmlns:a14="http://schemas.microsoft.com/office/drawing/2010/main">
-                <a:solidFill>
-                  <a:srgbClr val="FFFFFF"/>
-                </a:solidFill>
-              </a14:hiddenFill>
-            </a:ext>
-          </a:extLst>
-        </p:spPr>
-        <p:txBody>
-          <a:bodyPr vert="horz" wrap="square" lIns="91440" tIns="45720" rIns="91440" bIns="45720" numCol="1" anchor="t" anchorCtr="0" compatLnSpc="1">
-            <a:prstTxWarp prst="textNoShape">
-              <a:avLst/>
-            </a:prstTxWarp>
-          </a:bodyPr>
-          <a:lstStyle/>
-          <a:p>
-            <a:endParaRPr lang="en-US"/>
-          </a:p>
-        </p:txBody>
-      </p:sp>
-      <p:sp>
-        <p:nvSpPr>
-          <p:cNvPr id="6" name="AutoShape 10" descr="Fitwatchr for Fitbit - screenshot"/>
-          <p:cNvSpPr>
-            <a:spLocks noChangeAspect="1" noChangeArrowheads="1"/>
-          </p:cNvSpPr>
-          <p:nvPr/>
-        </p:nvSpPr>
-        <p:spPr bwMode="auto">
-          <a:xfrm>
-            <a:off x="460375" y="160337"/>
-            <a:ext cx="304800" cy="304801"/>
-          </a:xfrm>
-          <a:prstGeom prst="rect">
-            <a:avLst/>
-          </a:prstGeom>
-          <a:noFill/>
-          <a:extLst>
-            <a:ext uri="{909E8E84-426E-40DD-AFC4-6F175D3DCCD1}">
-              <a14:hiddenFill xmlns:a14="http://schemas.microsoft.com/office/drawing/2010/main">
-                <a:solidFill>
-                  <a:srgbClr val="FFFFFF"/>
-                </a:solidFill>
-              </a14:hiddenFill>
-            </a:ext>
-          </a:extLst>
-        </p:spPr>
-        <p:txBody>
-          <a:bodyPr vert="horz" wrap="square" lIns="91440" tIns="45720" rIns="91440" bIns="45720" numCol="1" anchor="t" anchorCtr="0" compatLnSpc="1">
-            <a:prstTxWarp prst="textNoShape">
-              <a:avLst/>
-            </a:prstTxWarp>
-          </a:bodyPr>
-          <a:lstStyle/>
-          <a:p>
-            <a:endParaRPr lang="en-US"/>
-          </a:p>
-        </p:txBody>
-      </p:sp>
-      <p:sp>
-        <p:nvSpPr>
-          <p:cNvPr id="10" name="TextBox 9"/>
-          <p:cNvSpPr txBox="1"/>
-          <p:nvPr/>
-        </p:nvSpPr>
-        <p:spPr>
-          <a:xfrm>
-            <a:off x="590031" y="3590221"/>
-            <a:ext cx="8249169" cy="369332"/>
-          </a:xfrm>
-          <a:prstGeom prst="rect">
-            <a:avLst/>
-          </a:prstGeom>
-          <a:noFill/>
-        </p:spPr>
-        <p:txBody>
-          <a:bodyPr wrap="square" rtlCol="0">
-            <a:spAutoFit/>
-          </a:bodyPr>
-          <a:lstStyle/>
-          <a:p>
-            <a:r>
-              <a:rPr lang="en-US" dirty="0" smtClean="0">
-                <a:solidFill>
-                  <a:schemeClr val="bg1"/>
-                </a:solidFill>
-              </a:rPr>
-              <a:t>    </a:t>
-            </a:r>
-            <a:r>
-              <a:rPr lang="en-US" dirty="0" err="1" smtClean="0">
-                <a:solidFill>
-                  <a:schemeClr val="bg1"/>
-                </a:solidFill>
-              </a:rPr>
-              <a:t>Fitbit</a:t>
-            </a:r>
-            <a:r>
-              <a:rPr lang="en-US" dirty="0" smtClean="0">
-                <a:solidFill>
-                  <a:schemeClr val="bg1"/>
-                </a:solidFill>
-              </a:rPr>
-              <a:t> user                           Weight Watchers member                         </a:t>
-            </a:r>
-            <a:r>
-              <a:rPr lang="en-US" dirty="0" err="1" smtClean="0">
-                <a:solidFill>
-                  <a:schemeClr val="bg1"/>
-                </a:solidFill>
-              </a:rPr>
-              <a:t>Fitwatchr</a:t>
-            </a:r>
-            <a:endParaRPr lang="en-US" dirty="0" smtClean="0">
-              <a:solidFill>
-                <a:schemeClr val="bg1"/>
-              </a:solidFill>
-            </a:endParaRPr>
-          </a:p>
-        </p:txBody>
-      </p:sp>
-      <p:pic>
-        <p:nvPicPr>
-          <p:cNvPr id="11" name="Picture 2" descr="https://static5.fitbit.com/simple.b-dis-png.hc7f9c46912e04e7947281b48d1d37891.pack?items=%2Fcontent%2Fassets%2Fonezip%2Fimages%2Fproducts%2Fflex%2FflexProductShot_navy.png"/>
-          <p:cNvPicPr>
-            <a:picLocks noChangeAspect="1" noChangeArrowheads="1"/>
-          </p:cNvPicPr>
-          <p:nvPr/>
-        </p:nvPicPr>
-        <p:blipFill>
-          <a:blip r:embed="rId3">
-            <a:extLst>
-              <a:ext uri="{28A0092B-C50C-407E-A947-70E740481C1C}">
-                <a14:useLocalDpi xmlns:a14="http://schemas.microsoft.com/office/drawing/2010/main" val="0"/>
-              </a:ext>
-            </a:extLst>
-          </a:blip>
-          <a:srcRect/>
-          <a:stretch>
-            <a:fillRect/>
-          </a:stretch>
-        </p:blipFill>
-        <p:spPr bwMode="auto">
-          <a:xfrm>
-            <a:off x="510128" y="1474788"/>
-            <a:ext cx="1657350" cy="2085976"/>
-          </a:xfrm>
-          <a:prstGeom prst="rect">
-            <a:avLst/>
-          </a:prstGeom>
-          <a:noFill/>
-          <a:extLst>
-            <a:ext uri="{909E8E84-426E-40DD-AFC4-6F175D3DCCD1}">
-              <a14:hiddenFill xmlns:a14="http://schemas.microsoft.com/office/drawing/2010/main">
-                <a:solidFill>
-                  <a:srgbClr val="FFFFFF"/>
-                </a:solidFill>
-              </a14:hiddenFill>
-            </a:ext>
-          </a:extLst>
-        </p:spPr>
-      </p:pic>
-      <p:pic>
-        <p:nvPicPr>
-          <p:cNvPr id="12" name="Picture 3" descr="C:\sourcecode\fitwatcher\fitwatcher\Fitwatcher\icon.png"/>
-          <p:cNvPicPr>
-            <a:picLocks noChangeAspect="1" noChangeArrowheads="1"/>
-          </p:cNvPicPr>
-          <p:nvPr/>
-        </p:nvPicPr>
-        <p:blipFill>
-          <a:blip r:embed="rId4" cstate="print">
-            <a:extLst>
-              <a:ext uri="{28A0092B-C50C-407E-A947-70E740481C1C}">
-                <a14:useLocalDpi xmlns:a14="http://schemas.microsoft.com/office/drawing/2010/main" val="0"/>
-              </a:ext>
-            </a:extLst>
-          </a:blip>
-          <a:srcRect/>
-          <a:stretch>
-            <a:fillRect/>
-          </a:stretch>
-        </p:blipFill>
-        <p:spPr bwMode="auto">
-          <a:xfrm>
-            <a:off x="6614595" y="1350302"/>
-            <a:ext cx="1975634" cy="1975634"/>
-          </a:xfrm>
-          <a:prstGeom prst="rect">
-            <a:avLst/>
-          </a:prstGeom>
-          <a:noFill/>
-          <a:extLst>
-            <a:ext uri="{909E8E84-426E-40DD-AFC4-6F175D3DCCD1}">
-              <a14:hiddenFill xmlns:a14="http://schemas.microsoft.com/office/drawing/2010/main">
-                <a:solidFill>
-                  <a:srgbClr val="FFFFFF"/>
-                </a:solidFill>
-              </a14:hiddenFill>
-            </a:ext>
-          </a:extLst>
-        </p:spPr>
-      </p:pic>
-      <p:sp>
-        <p:nvSpPr>
-          <p:cNvPr id="13" name="TextBox 12"/>
-          <p:cNvSpPr txBox="1"/>
-          <p:nvPr/>
-        </p:nvSpPr>
-        <p:spPr>
-          <a:xfrm>
-            <a:off x="5547795" y="1676400"/>
-            <a:ext cx="914400" cy="1323439"/>
-          </a:xfrm>
-          <a:prstGeom prst="rect">
-            <a:avLst/>
-          </a:prstGeom>
-          <a:noFill/>
-        </p:spPr>
-        <p:txBody>
-          <a:bodyPr wrap="square" rtlCol="0">
-            <a:spAutoFit/>
-          </a:bodyPr>
-          <a:lstStyle/>
-          <a:p>
-            <a:r>
-              <a:rPr lang="en-US" sz="8000" dirty="0" smtClean="0"/>
-              <a:t>=</a:t>
-            </a:r>
-            <a:endParaRPr lang="en-US" sz="8000" dirty="0"/>
-          </a:p>
-        </p:txBody>
-      </p:sp>
-      <p:pic>
-        <p:nvPicPr>
-          <p:cNvPr id="14" name="Picture 6" descr="https://lh4.ggpht.com/tbqpZU8R_tpObw9pZhDsW6qVvBdc1x5l7A5yH3o-lyDbVZ7sSHVpcWVb3wU1tP4TOvc=w300"/>
-          <p:cNvPicPr>
-            <a:picLocks noChangeAspect="1" noChangeArrowheads="1"/>
-          </p:cNvPicPr>
-          <p:nvPr/>
-        </p:nvPicPr>
-        <p:blipFill>
-          <a:blip r:embed="rId5">
-            <a:extLst>
-              <a:ext uri="{28A0092B-C50C-407E-A947-70E740481C1C}">
-                <a14:useLocalDpi xmlns:a14="http://schemas.microsoft.com/office/drawing/2010/main" val="0"/>
-              </a:ext>
-            </a:extLst>
-          </a:blip>
-          <a:srcRect/>
-          <a:stretch>
-            <a:fillRect/>
-          </a:stretch>
-        </p:blipFill>
-        <p:spPr bwMode="auto">
-          <a:xfrm>
-            <a:off x="3414195" y="1524000"/>
-            <a:ext cx="1781176" cy="1781176"/>
-          </a:xfrm>
-          <a:prstGeom prst="rect">
-            <a:avLst/>
-          </a:prstGeom>
-          <a:noFill/>
-          <a:extLst>
-            <a:ext uri="{909E8E84-426E-40DD-AFC4-6F175D3DCCD1}">
-              <a14:hiddenFill xmlns:a14="http://schemas.microsoft.com/office/drawing/2010/main">
-                <a:solidFill>
-                  <a:srgbClr val="FFFFFF"/>
-                </a:solidFill>
-              </a14:hiddenFill>
-            </a:ext>
-          </a:extLst>
-        </p:spPr>
-      </p:pic>
-      <p:sp>
-        <p:nvSpPr>
-          <p:cNvPr id="15" name="TextBox 14"/>
-          <p:cNvSpPr txBox="1"/>
-          <p:nvPr/>
-        </p:nvSpPr>
-        <p:spPr>
-          <a:xfrm>
-            <a:off x="2347395" y="1752868"/>
-            <a:ext cx="828675" cy="1323439"/>
-          </a:xfrm>
-          <a:prstGeom prst="rect">
-            <a:avLst/>
-          </a:prstGeom>
-          <a:noFill/>
-        </p:spPr>
-        <p:txBody>
-          <a:bodyPr wrap="square" rtlCol="0">
-            <a:spAutoFit/>
-          </a:bodyPr>
-          <a:lstStyle/>
-          <a:p>
-            <a:r>
-              <a:rPr lang="en-US" sz="8000" dirty="0" smtClean="0"/>
-              <a:t>+</a:t>
-            </a:r>
-            <a:endParaRPr lang="en-US" sz="8000" dirty="0"/>
-          </a:p>
-        </p:txBody>
-      </p:sp>
-      <p:sp>
-        <p:nvSpPr>
-          <p:cNvPr id="16" name="TextBox 15"/>
-          <p:cNvSpPr txBox="1"/>
-          <p:nvPr/>
-        </p:nvSpPr>
-        <p:spPr>
-          <a:xfrm>
-            <a:off x="685800" y="4495800"/>
-            <a:ext cx="8074025" cy="1477328"/>
-          </a:xfrm>
-          <a:prstGeom prst="rect">
-            <a:avLst/>
-          </a:prstGeom>
-          <a:noFill/>
-        </p:spPr>
-        <p:txBody>
-          <a:bodyPr wrap="square" rtlCol="0">
-            <a:spAutoFit/>
-          </a:bodyPr>
-          <a:lstStyle/>
-          <a:p>
-            <a:r>
-              <a:rPr lang="en-US" dirty="0" smtClean="0">
-                <a:solidFill>
-                  <a:schemeClr val="bg1"/>
-                </a:solidFill>
-              </a:rPr>
-              <a:t>Notable Features:</a:t>
-            </a:r>
-          </a:p>
-          <a:p>
-            <a:pPr marL="285750" indent="-285750">
-              <a:buFont typeface="Arial" panose="020B0604020202020204" pitchFamily="34" charset="0"/>
-              <a:buChar char="•"/>
-            </a:pPr>
-            <a:r>
-              <a:rPr lang="en-US" dirty="0" smtClean="0">
-                <a:solidFill>
-                  <a:schemeClr val="bg1"/>
-                </a:solidFill>
-              </a:rPr>
-              <a:t>Initial version created in days</a:t>
-            </a:r>
-          </a:p>
-          <a:p>
-            <a:pPr marL="285750" indent="-285750">
-              <a:buFont typeface="Arial" panose="020B0604020202020204" pitchFamily="34" charset="0"/>
-              <a:buChar char="•"/>
-            </a:pPr>
-            <a:r>
-              <a:rPr lang="en-US" dirty="0" smtClean="0">
-                <a:solidFill>
-                  <a:schemeClr val="bg1"/>
-                </a:solidFill>
-              </a:rPr>
-              <a:t>Available for iOS, Android, and Windows Phone 8</a:t>
-            </a:r>
-          </a:p>
-          <a:p>
-            <a:pPr marL="285750" indent="-285750">
-              <a:buFont typeface="Arial" panose="020B0604020202020204" pitchFamily="34" charset="0"/>
-              <a:buChar char="•"/>
-            </a:pPr>
-            <a:r>
-              <a:rPr lang="en-US" dirty="0" smtClean="0">
-                <a:solidFill>
-                  <a:schemeClr val="bg1"/>
-                </a:solidFill>
-              </a:rPr>
-              <a:t>Price varies: from $0.99 to $2.99</a:t>
-            </a:r>
-          </a:p>
-          <a:p>
-            <a:pPr marL="285750" indent="-285750">
-              <a:buFont typeface="Arial" panose="020B0604020202020204" pitchFamily="34" charset="0"/>
-              <a:buChar char="•"/>
-            </a:pPr>
-            <a:r>
-              <a:rPr lang="en-US" dirty="0" smtClean="0">
-                <a:solidFill>
-                  <a:schemeClr val="bg1"/>
-                </a:solidFill>
-              </a:rPr>
-              <a:t>Over 10,000 paying users in 1 year</a:t>
-            </a:r>
-            <a:endParaRPr lang="en-US" dirty="0">
-              <a:solidFill>
-                <a:schemeClr val="bg1"/>
-              </a:solidFill>
-            </a:endParaRPr>
+              <a:rPr lang="en-US" dirty="0" smtClean="0"/>
+              <a:t>Other popular hybrid apps</a:t>
+            </a:r>
+            <a:endParaRPr lang="en-US" dirty="0"/>
           </a:p>
         </p:txBody>
       </p:sp>
     </p:spTree>
     <p:extLst>
       <p:ext uri="{BB962C8B-B14F-4D97-AF65-F5344CB8AC3E}">
-        <p14:creationId xmlns:p14="http://schemas.microsoft.com/office/powerpoint/2010/main" val="649986062"/>
+        <p14:creationId xmlns:p14="http://schemas.microsoft.com/office/powerpoint/2010/main" val="2645036454"/>
       </p:ext>
     </p:extLst>
   </p:cSld>
@@ -15859,7 +15963,7 @@
 </p:sld>
 </file>
 
-<file path=ppt/slides/slide28.xml><?xml version="1.0" encoding="utf-8"?>
+<file path=ppt/slides/slide3.xml><?xml version="1.0" encoding="utf-8"?>
 <p:sld xmlns:a="http://schemas.openxmlformats.org/drawingml/2006/main" xmlns:r="http://schemas.openxmlformats.org/officeDocument/2006/relationships" xmlns:p="http://schemas.openxmlformats.org/presentationml/2006/main">
   <p:cSld>
     <p:spTree>
@@ -15888,291 +15992,35 @@
         </p:nvSpPr>
         <p:spPr>
           <a:xfrm>
-            <a:off x="2590800" y="290945"/>
-            <a:ext cx="4306888" cy="471055"/>
+            <a:off x="3429000" y="152400"/>
+            <a:ext cx="2073348" cy="609600"/>
           </a:xfrm>
         </p:spPr>
         <p:txBody>
           <a:bodyPr>
-            <a:noAutofit/>
+            <a:normAutofit/>
           </a:bodyPr>
           <a:lstStyle/>
           <a:p>
-            <a:r>
-              <a:rPr lang="en-US" dirty="0" err="1" smtClean="0"/>
-              <a:t>Fitwatchr</a:t>
-            </a:r>
-            <a:r>
-              <a:rPr lang="en-US" dirty="0" smtClean="0"/>
-              <a:t> versions</a:t>
+            <a:pPr algn="ctr"/>
+            <a:r>
+              <a:rPr lang="en-US" sz="2500" dirty="0" smtClean="0"/>
+              <a:t>About me</a:t>
             </a:r>
             <a:endParaRPr lang="en-US" sz="2500" dirty="0"/>
           </a:p>
         </p:txBody>
       </p:sp>
-      <p:pic>
-        <p:nvPicPr>
-          <p:cNvPr id="2050" name="Picture 2" descr="https://s4.mzstatic.com/us/r30/Purple/v4/19/a1/11/19a11158-9c6c-bdcb-ae3f-85d89d51a539/mzl.ckfjgpxo.png?downloadKey=1402969696_b1547a092671ba7d7c1ded8edb08406c"/>
-          <p:cNvPicPr>
-            <a:picLocks noChangeAspect="1" noChangeArrowheads="1"/>
-          </p:cNvPicPr>
-          <p:nvPr/>
-        </p:nvPicPr>
-        <p:blipFill>
-          <a:blip r:embed="rId3">
-            <a:extLst>
-              <a:ext uri="{28A0092B-C50C-407E-A947-70E740481C1C}">
-                <a14:useLocalDpi xmlns:a14="http://schemas.microsoft.com/office/drawing/2010/main" val="0"/>
-              </a:ext>
-            </a:extLst>
-          </a:blip>
-          <a:srcRect/>
-          <a:stretch>
-            <a:fillRect/>
-          </a:stretch>
-        </p:blipFill>
-        <p:spPr bwMode="auto">
-          <a:xfrm>
-            <a:off x="3119907" y="1676400"/>
-            <a:ext cx="2747493" cy="4876800"/>
-          </a:xfrm>
-          <a:prstGeom prst="rect">
-            <a:avLst/>
-          </a:prstGeom>
-          <a:noFill/>
-          <a:extLst>
-            <a:ext uri="{909E8E84-426E-40DD-AFC4-6F175D3DCCD1}">
-              <a14:hiddenFill xmlns:a14="http://schemas.microsoft.com/office/drawing/2010/main">
-                <a:solidFill>
-                  <a:srgbClr val="FFFFFF"/>
-                </a:solidFill>
-              </a14:hiddenFill>
-            </a:ext>
-          </a:extLst>
-        </p:spPr>
-      </p:pic>
-      <p:pic>
-        <p:nvPicPr>
-          <p:cNvPr id="2052" name="Picture 4" descr="1 of 4"/>
-          <p:cNvPicPr>
-            <a:picLocks noChangeAspect="1" noChangeArrowheads="1"/>
-          </p:cNvPicPr>
-          <p:nvPr/>
-        </p:nvPicPr>
-        <p:blipFill>
-          <a:blip r:embed="rId4">
-            <a:extLst>
-              <a:ext uri="{28A0092B-C50C-407E-A947-70E740481C1C}">
-                <a14:useLocalDpi xmlns:a14="http://schemas.microsoft.com/office/drawing/2010/main" val="0"/>
-              </a:ext>
-            </a:extLst>
-          </a:blip>
-          <a:srcRect/>
-          <a:stretch>
-            <a:fillRect/>
-          </a:stretch>
-        </p:blipFill>
-        <p:spPr bwMode="auto">
-          <a:xfrm>
-            <a:off x="6096000" y="1676400"/>
-            <a:ext cx="2927860" cy="4876800"/>
-          </a:xfrm>
-          <a:prstGeom prst="rect">
-            <a:avLst/>
-          </a:prstGeom>
-          <a:noFill/>
-          <a:extLst>
-            <a:ext uri="{909E8E84-426E-40DD-AFC4-6F175D3DCCD1}">
-              <a14:hiddenFill xmlns:a14="http://schemas.microsoft.com/office/drawing/2010/main">
-                <a:solidFill>
-                  <a:srgbClr val="FFFFFF"/>
-                </a:solidFill>
-              </a14:hiddenFill>
-            </a:ext>
-          </a:extLst>
-        </p:spPr>
-      </p:pic>
-      <p:sp>
-        <p:nvSpPr>
-          <p:cNvPr id="4" name="AutoShape 6" descr="Fitwatchr for Fitbit - screenshot"/>
-          <p:cNvSpPr>
-            <a:spLocks noChangeAspect="1" noChangeArrowheads="1"/>
-          </p:cNvSpPr>
-          <p:nvPr/>
-        </p:nvSpPr>
-        <p:spPr bwMode="auto">
-          <a:xfrm>
-            <a:off x="155575" y="-144463"/>
-            <a:ext cx="304800" cy="304801"/>
-          </a:xfrm>
-          <a:prstGeom prst="rect">
-            <a:avLst/>
-          </a:prstGeom>
-          <a:noFill/>
-          <a:extLst>
-            <a:ext uri="{909E8E84-426E-40DD-AFC4-6F175D3DCCD1}">
-              <a14:hiddenFill xmlns:a14="http://schemas.microsoft.com/office/drawing/2010/main">
-                <a:solidFill>
-                  <a:srgbClr val="FFFFFF"/>
-                </a:solidFill>
-              </a14:hiddenFill>
-            </a:ext>
-          </a:extLst>
-        </p:spPr>
-        <p:txBody>
-          <a:bodyPr vert="horz" wrap="square" lIns="91440" tIns="45720" rIns="91440" bIns="45720" numCol="1" anchor="t" anchorCtr="0" compatLnSpc="1">
-            <a:prstTxWarp prst="textNoShape">
-              <a:avLst/>
-            </a:prstTxWarp>
-          </a:bodyPr>
-          <a:lstStyle/>
-          <a:p>
-            <a:endParaRPr lang="en-US"/>
-          </a:p>
-        </p:txBody>
-      </p:sp>
-      <p:sp>
-        <p:nvSpPr>
-          <p:cNvPr id="5" name="AutoShape 8" descr="Fitwatchr for Fitbit - screenshot"/>
-          <p:cNvSpPr>
-            <a:spLocks noChangeAspect="1" noChangeArrowheads="1"/>
-          </p:cNvSpPr>
-          <p:nvPr/>
-        </p:nvSpPr>
-        <p:spPr bwMode="auto">
-          <a:xfrm>
-            <a:off x="307975" y="7937"/>
-            <a:ext cx="304800" cy="304801"/>
-          </a:xfrm>
-          <a:prstGeom prst="rect">
-            <a:avLst/>
-          </a:prstGeom>
-          <a:noFill/>
-          <a:extLst>
-            <a:ext uri="{909E8E84-426E-40DD-AFC4-6F175D3DCCD1}">
-              <a14:hiddenFill xmlns:a14="http://schemas.microsoft.com/office/drawing/2010/main">
-                <a:solidFill>
-                  <a:srgbClr val="FFFFFF"/>
-                </a:solidFill>
-              </a14:hiddenFill>
-            </a:ext>
-          </a:extLst>
-        </p:spPr>
-        <p:txBody>
-          <a:bodyPr vert="horz" wrap="square" lIns="91440" tIns="45720" rIns="91440" bIns="45720" numCol="1" anchor="t" anchorCtr="0" compatLnSpc="1">
-            <a:prstTxWarp prst="textNoShape">
-              <a:avLst/>
-            </a:prstTxWarp>
-          </a:bodyPr>
-          <a:lstStyle/>
-          <a:p>
-            <a:endParaRPr lang="en-US"/>
-          </a:p>
-        </p:txBody>
-      </p:sp>
-      <p:sp>
-        <p:nvSpPr>
-          <p:cNvPr id="6" name="AutoShape 10" descr="Fitwatchr for Fitbit - screenshot"/>
-          <p:cNvSpPr>
-            <a:spLocks noChangeAspect="1" noChangeArrowheads="1"/>
-          </p:cNvSpPr>
-          <p:nvPr/>
-        </p:nvSpPr>
-        <p:spPr bwMode="auto">
-          <a:xfrm>
-            <a:off x="460375" y="160337"/>
-            <a:ext cx="304800" cy="304801"/>
-          </a:xfrm>
-          <a:prstGeom prst="rect">
-            <a:avLst/>
-          </a:prstGeom>
-          <a:noFill/>
-          <a:extLst>
-            <a:ext uri="{909E8E84-426E-40DD-AFC4-6F175D3DCCD1}">
-              <a14:hiddenFill xmlns:a14="http://schemas.microsoft.com/office/drawing/2010/main">
-                <a:solidFill>
-                  <a:srgbClr val="FFFFFF"/>
-                </a:solidFill>
-              </a14:hiddenFill>
-            </a:ext>
-          </a:extLst>
-        </p:spPr>
-        <p:txBody>
-          <a:bodyPr vert="horz" wrap="square" lIns="91440" tIns="45720" rIns="91440" bIns="45720" numCol="1" anchor="t" anchorCtr="0" compatLnSpc="1">
-            <a:prstTxWarp prst="textNoShape">
-              <a:avLst/>
-            </a:prstTxWarp>
-          </a:bodyPr>
-          <a:lstStyle/>
-          <a:p>
-            <a:endParaRPr lang="en-US"/>
-          </a:p>
-        </p:txBody>
-      </p:sp>
-      <p:pic>
-        <p:nvPicPr>
-          <p:cNvPr id="2059" name="Picture 11"/>
-          <p:cNvPicPr>
-            <a:picLocks noChangeAspect="1" noChangeArrowheads="1"/>
-          </p:cNvPicPr>
-          <p:nvPr/>
-        </p:nvPicPr>
-        <p:blipFill>
-          <a:blip r:embed="rId5">
-            <a:extLst>
-              <a:ext uri="{28A0092B-C50C-407E-A947-70E740481C1C}">
-                <a14:useLocalDpi xmlns:a14="http://schemas.microsoft.com/office/drawing/2010/main" val="0"/>
-              </a:ext>
-            </a:extLst>
-          </a:blip>
-          <a:srcRect/>
-          <a:stretch>
-            <a:fillRect/>
-          </a:stretch>
-        </p:blipFill>
-        <p:spPr bwMode="auto">
-          <a:xfrm>
-            <a:off x="207500" y="1676400"/>
-            <a:ext cx="2688100" cy="4836688"/>
-          </a:xfrm>
-          <a:prstGeom prst="rect">
-            <a:avLst/>
-          </a:prstGeom>
-          <a:noFill/>
-          <a:ln>
-            <a:noFill/>
-          </a:ln>
-          <a:extLst>
-            <a:ext uri="{909E8E84-426E-40DD-AFC4-6F175D3DCCD1}">
-              <a14:hiddenFill xmlns:a14="http://schemas.microsoft.com/office/drawing/2010/main">
-                <a:solidFill>
-                  <a:schemeClr val="accent1"/>
-                </a:solidFill>
-              </a14:hiddenFill>
-            </a:ext>
-            <a:ext uri="{91240B29-F687-4F45-9708-019B960494DF}">
-              <a14:hiddenLine xmlns:a14="http://schemas.microsoft.com/office/drawing/2010/main" w="9525">
-                <a:solidFill>
-                  <a:schemeClr val="tx1"/>
-                </a:solidFill>
-                <a:miter lim="800000"/>
-                <a:headEnd/>
-                <a:tailEnd/>
-              </a14:hiddenLine>
-            </a:ext>
-          </a:extLst>
-        </p:spPr>
-      </p:pic>
-      <p:sp>
-        <p:nvSpPr>
-          <p:cNvPr id="7" name="TextBox 6"/>
+      <p:sp>
+        <p:nvSpPr>
+          <p:cNvPr id="4" name="TextBox 3"/>
           <p:cNvSpPr txBox="1"/>
           <p:nvPr/>
         </p:nvSpPr>
         <p:spPr>
           <a:xfrm>
-            <a:off x="381000" y="1078468"/>
-            <a:ext cx="8455025" cy="369332"/>
+            <a:off x="457200" y="1143000"/>
+            <a:ext cx="7924800" cy="5293757"/>
           </a:xfrm>
           <a:prstGeom prst="rect">
             <a:avLst/>
@@ -16186,17 +16034,178 @@
           <a:lstStyle/>
           <a:p>
             <a:r>
-              <a:rPr lang="en-US" dirty="0" smtClean="0"/>
-              <a:t>            Android			iPhone			Windows Phone</a:t>
-            </a:r>
-            <a:endParaRPr lang="en-US" dirty="0"/>
+              <a:rPr lang="en-US" sz="2600" b="1" dirty="0" smtClean="0">
+                <a:solidFill>
+                  <a:schemeClr val="bg1"/>
+                </a:solidFill>
+              </a:rPr>
+              <a:t>Senior Developer for The SAVO Group </a:t>
+            </a:r>
+            <a:r>
+              <a:rPr lang="en-US" sz="2600" dirty="0" smtClean="0">
+                <a:solidFill>
+                  <a:schemeClr val="bg1"/>
+                </a:solidFill>
+              </a:rPr>
+              <a:t>– 5 years</a:t>
+            </a:r>
+          </a:p>
+          <a:p>
+            <a:pPr marL="742950" lvl="1" indent="-285750">
+              <a:buFont typeface="Arial" panose="020B0604020202020204" pitchFamily="34" charset="0"/>
+              <a:buChar char="•"/>
+            </a:pPr>
+            <a:r>
+              <a:rPr lang="en-US" sz="2600" dirty="0" smtClean="0">
+                <a:solidFill>
+                  <a:schemeClr val="bg1"/>
+                </a:solidFill>
+              </a:rPr>
+              <a:t>Sales Productivity SaaS</a:t>
+            </a:r>
+          </a:p>
+          <a:p>
+            <a:pPr marL="742950" lvl="1" indent="-285750">
+              <a:buFont typeface="Arial" panose="020B0604020202020204" pitchFamily="34" charset="0"/>
+              <a:buChar char="•"/>
+            </a:pPr>
+            <a:r>
+              <a:rPr lang="en-US" sz="2600" dirty="0" smtClean="0">
+                <a:solidFill>
+                  <a:schemeClr val="bg1"/>
+                </a:solidFill>
+              </a:rPr>
+              <a:t>Backend .NET C# development: user/document automation, tools</a:t>
+            </a:r>
+          </a:p>
+          <a:p>
+            <a:pPr marL="742950" lvl="1" indent="-285750">
+              <a:buFont typeface="Arial" panose="020B0604020202020204" pitchFamily="34" charset="0"/>
+              <a:buChar char="•"/>
+            </a:pPr>
+            <a:endParaRPr lang="en-US" sz="2600" dirty="0" smtClean="0">
+              <a:solidFill>
+                <a:schemeClr val="bg1"/>
+              </a:solidFill>
+            </a:endParaRPr>
+          </a:p>
+          <a:p>
+            <a:r>
+              <a:rPr lang="en-US" sz="2600" b="1" dirty="0" smtClean="0">
+                <a:solidFill>
+                  <a:schemeClr val="bg1"/>
+                </a:solidFill>
+              </a:rPr>
+              <a:t>Mobile app development for Netkosoft </a:t>
+            </a:r>
+            <a:r>
+              <a:rPr lang="en-US" sz="2600" dirty="0" smtClean="0">
+                <a:solidFill>
+                  <a:schemeClr val="bg1"/>
+                </a:solidFill>
+              </a:rPr>
+              <a:t>– 1 year</a:t>
+            </a:r>
+          </a:p>
+          <a:p>
+            <a:pPr marL="742950" lvl="1" indent="-285750">
+              <a:buFont typeface="Arial" panose="020B0604020202020204" pitchFamily="34" charset="0"/>
+              <a:buChar char="•"/>
+            </a:pPr>
+            <a:r>
+              <a:rPr lang="en-US" sz="2600" dirty="0" smtClean="0">
+                <a:solidFill>
+                  <a:schemeClr val="bg1"/>
+                </a:solidFill>
+              </a:rPr>
+              <a:t>Focus on front-end development</a:t>
+            </a:r>
+          </a:p>
+          <a:p>
+            <a:pPr marL="742950" lvl="1" indent="-285750">
+              <a:buFont typeface="Arial" panose="020B0604020202020204" pitchFamily="34" charset="0"/>
+              <a:buChar char="•"/>
+            </a:pPr>
+            <a:r>
+              <a:rPr lang="en-US" sz="2600" dirty="0" smtClean="0">
+                <a:solidFill>
+                  <a:schemeClr val="bg1"/>
+                </a:solidFill>
+              </a:rPr>
+              <a:t>Entirely PhoneGap-based, Hybrid apps</a:t>
+            </a:r>
+          </a:p>
+          <a:p>
+            <a:pPr marL="742950" lvl="1" indent="-285750">
+              <a:buFont typeface="Arial" panose="020B0604020202020204" pitchFamily="34" charset="0"/>
+              <a:buChar char="•"/>
+            </a:pPr>
+            <a:r>
+              <a:rPr lang="en-US" sz="2600" dirty="0" smtClean="0">
+                <a:solidFill>
+                  <a:schemeClr val="bg1"/>
+                </a:solidFill>
+              </a:rPr>
+              <a:t>Team of Two (Partnered with Graphic Designer)</a:t>
+            </a:r>
+          </a:p>
+          <a:p>
+            <a:pPr marL="742950" lvl="1" indent="-285750">
+              <a:buFont typeface="Arial" panose="020B0604020202020204" pitchFamily="34" charset="0"/>
+              <a:buChar char="•"/>
+            </a:pPr>
+            <a:endParaRPr lang="en-US" sz="2600" dirty="0">
+              <a:solidFill>
+                <a:schemeClr val="bg1"/>
+              </a:solidFill>
+            </a:endParaRPr>
+          </a:p>
+          <a:p>
+            <a:r>
+              <a:rPr lang="en-US" sz="2600" b="1" dirty="0" smtClean="0">
+                <a:solidFill>
+                  <a:schemeClr val="bg1"/>
+                </a:solidFill>
+              </a:rPr>
+              <a:t>Netkow.com Blog</a:t>
+            </a:r>
+            <a:endParaRPr lang="en-US" sz="2600" dirty="0">
+              <a:solidFill>
+                <a:schemeClr val="bg1"/>
+              </a:solidFill>
+            </a:endParaRPr>
+          </a:p>
+          <a:p>
+            <a:pPr marL="742950" lvl="1" indent="-285750">
+              <a:buFont typeface="Arial" panose="020B0604020202020204" pitchFamily="34" charset="0"/>
+              <a:buChar char="•"/>
+            </a:pPr>
+            <a:r>
+              <a:rPr lang="en-US" sz="2600" dirty="0" smtClean="0">
+                <a:solidFill>
+                  <a:schemeClr val="bg1"/>
+                </a:solidFill>
+              </a:rPr>
+              <a:t>Technology trends, programming, PhoneGap</a:t>
+            </a:r>
+          </a:p>
+          <a:p>
+            <a:pPr marL="285750" indent="-285750">
+              <a:buFont typeface="Arial" panose="020B0604020202020204" pitchFamily="34" charset="0"/>
+              <a:buChar char="•"/>
+            </a:pPr>
+            <a:endParaRPr lang="en-US" sz="2600" dirty="0">
+              <a:solidFill>
+                <a:schemeClr val="bg1"/>
+              </a:solidFill>
+            </a:endParaRPr>
           </a:p>
         </p:txBody>
       </p:sp>
     </p:spTree>
     <p:extLst>
       <p:ext uri="{BB962C8B-B14F-4D97-AF65-F5344CB8AC3E}">
-        <p14:creationId xmlns:p14="http://schemas.microsoft.com/office/powerpoint/2010/main" val="3426371216"/>
+        <p14:creationId xmlns:p14="http://schemas.microsoft.com/office/powerpoint/2010/main" val="1034644854"/>
       </p:ext>
     </p:extLst>
   </p:cSld>
@@ -16213,7 +16222,7 @@
 </p:sld>
 </file>
 
-<file path=ppt/slides/slide29.xml><?xml version="1.0" encoding="utf-8"?>
+<file path=ppt/slides/slide30.xml><?xml version="1.0" encoding="utf-8"?>
 <p:sld xmlns:a="http://schemas.openxmlformats.org/drawingml/2006/main" xmlns:r="http://schemas.openxmlformats.org/officeDocument/2006/relationships" xmlns:p="http://schemas.openxmlformats.org/presentationml/2006/main">
   <p:cSld>
     <p:spTree>
@@ -17130,431 +17139,6 @@
             </p:seq>
           </p:childTnLst>
         </p:cTn>
-      </p:par>
-    </p:tnLst>
-  </p:timing>
-</p:sld>
-</file>
-
-<file path=ppt/slides/slide3.xml><?xml version="1.0" encoding="utf-8"?>
-<p:sld xmlns:a="http://schemas.openxmlformats.org/drawingml/2006/main" xmlns:r="http://schemas.openxmlformats.org/officeDocument/2006/relationships" xmlns:p="http://schemas.openxmlformats.org/presentationml/2006/main">
-  <p:cSld>
-    <p:spTree>
-      <p:nvGrpSpPr>
-        <p:cNvPr id="1" name=""/>
-        <p:cNvGrpSpPr/>
-        <p:nvPr/>
-      </p:nvGrpSpPr>
-      <p:grpSpPr>
-        <a:xfrm>
-          <a:off x="0" y="0"/>
-          <a:ext cx="0" cy="0"/>
-          <a:chOff x="0" y="0"/>
-          <a:chExt cx="0" cy="0"/>
-        </a:xfrm>
-      </p:grpSpPr>
-      <p:sp>
-        <p:nvSpPr>
-          <p:cNvPr id="3" name="Title 2"/>
-          <p:cNvSpPr>
-            <a:spLocks noGrp="1"/>
-          </p:cNvSpPr>
-          <p:nvPr>
-            <p:ph type="title"/>
-          </p:nvPr>
-        </p:nvSpPr>
-        <p:spPr>
-          <a:xfrm>
-            <a:off x="3429000" y="152400"/>
-            <a:ext cx="2073348" cy="609600"/>
-          </a:xfrm>
-        </p:spPr>
-        <p:txBody>
-          <a:bodyPr>
-            <a:normAutofit/>
-          </a:bodyPr>
-          <a:lstStyle/>
-          <a:p>
-            <a:pPr algn="ctr"/>
-            <a:r>
-              <a:rPr lang="en-US" sz="2500" dirty="0" smtClean="0"/>
-              <a:t>About me</a:t>
-            </a:r>
-            <a:endParaRPr lang="en-US" sz="2500" dirty="0"/>
-          </a:p>
-        </p:txBody>
-      </p:sp>
-      <p:sp>
-        <p:nvSpPr>
-          <p:cNvPr id="4" name="TextBox 3"/>
-          <p:cNvSpPr txBox="1"/>
-          <p:nvPr/>
-        </p:nvSpPr>
-        <p:spPr>
-          <a:xfrm>
-            <a:off x="457200" y="1143000"/>
-            <a:ext cx="7924800" cy="5293757"/>
-          </a:xfrm>
-          <a:prstGeom prst="rect">
-            <a:avLst/>
-          </a:prstGeom>
-          <a:noFill/>
-        </p:spPr>
-        <p:txBody>
-          <a:bodyPr wrap="square" rtlCol="0">
-            <a:spAutoFit/>
-          </a:bodyPr>
-          <a:lstStyle/>
-          <a:p>
-            <a:r>
-              <a:rPr lang="en-US" sz="2600" b="1" dirty="0" smtClean="0">
-                <a:solidFill>
-                  <a:schemeClr val="bg1"/>
-                </a:solidFill>
-              </a:rPr>
-              <a:t>Senior Developer for The SAVO Group </a:t>
-            </a:r>
-            <a:r>
-              <a:rPr lang="en-US" sz="2600" dirty="0" smtClean="0">
-                <a:solidFill>
-                  <a:schemeClr val="bg1"/>
-                </a:solidFill>
-              </a:rPr>
-              <a:t>– 5 years</a:t>
-            </a:r>
-          </a:p>
-          <a:p>
-            <a:pPr marL="742950" lvl="1" indent="-285750">
-              <a:buFont typeface="Arial" panose="020B0604020202020204" pitchFamily="34" charset="0"/>
-              <a:buChar char="•"/>
-            </a:pPr>
-            <a:r>
-              <a:rPr lang="en-US" sz="2600" dirty="0" smtClean="0">
-                <a:solidFill>
-                  <a:schemeClr val="bg1"/>
-                </a:solidFill>
-              </a:rPr>
-              <a:t>Sales Productivity SaaS</a:t>
-            </a:r>
-          </a:p>
-          <a:p>
-            <a:pPr marL="742950" lvl="1" indent="-285750">
-              <a:buFont typeface="Arial" panose="020B0604020202020204" pitchFamily="34" charset="0"/>
-              <a:buChar char="•"/>
-            </a:pPr>
-            <a:r>
-              <a:rPr lang="en-US" sz="2600" dirty="0" smtClean="0">
-                <a:solidFill>
-                  <a:schemeClr val="bg1"/>
-                </a:solidFill>
-              </a:rPr>
-              <a:t>Backend .NET C# development: user/document automation, tools</a:t>
-            </a:r>
-          </a:p>
-          <a:p>
-            <a:pPr marL="742950" lvl="1" indent="-285750">
-              <a:buFont typeface="Arial" panose="020B0604020202020204" pitchFamily="34" charset="0"/>
-              <a:buChar char="•"/>
-            </a:pPr>
-            <a:endParaRPr lang="en-US" sz="2600" dirty="0" smtClean="0">
-              <a:solidFill>
-                <a:schemeClr val="bg1"/>
-              </a:solidFill>
-            </a:endParaRPr>
-          </a:p>
-          <a:p>
-            <a:r>
-              <a:rPr lang="en-US" sz="2600" b="1" dirty="0" smtClean="0">
-                <a:solidFill>
-                  <a:schemeClr val="bg1"/>
-                </a:solidFill>
-              </a:rPr>
-              <a:t>Mobile app development for Netkosoft </a:t>
-            </a:r>
-            <a:r>
-              <a:rPr lang="en-US" sz="2600" dirty="0" smtClean="0">
-                <a:solidFill>
-                  <a:schemeClr val="bg1"/>
-                </a:solidFill>
-              </a:rPr>
-              <a:t>– 1 year</a:t>
-            </a:r>
-          </a:p>
-          <a:p>
-            <a:pPr marL="742950" lvl="1" indent="-285750">
-              <a:buFont typeface="Arial" panose="020B0604020202020204" pitchFamily="34" charset="0"/>
-              <a:buChar char="•"/>
-            </a:pPr>
-            <a:r>
-              <a:rPr lang="en-US" sz="2600" dirty="0" smtClean="0">
-                <a:solidFill>
-                  <a:schemeClr val="bg1"/>
-                </a:solidFill>
-              </a:rPr>
-              <a:t>Focus on front-end development</a:t>
-            </a:r>
-          </a:p>
-          <a:p>
-            <a:pPr marL="742950" lvl="1" indent="-285750">
-              <a:buFont typeface="Arial" panose="020B0604020202020204" pitchFamily="34" charset="0"/>
-              <a:buChar char="•"/>
-            </a:pPr>
-            <a:r>
-              <a:rPr lang="en-US" sz="2600" dirty="0" smtClean="0">
-                <a:solidFill>
-                  <a:schemeClr val="bg1"/>
-                </a:solidFill>
-              </a:rPr>
-              <a:t>Entirely PhoneGap-based, Hybrid apps</a:t>
-            </a:r>
-          </a:p>
-          <a:p>
-            <a:pPr marL="742950" lvl="1" indent="-285750">
-              <a:buFont typeface="Arial" panose="020B0604020202020204" pitchFamily="34" charset="0"/>
-              <a:buChar char="•"/>
-            </a:pPr>
-            <a:r>
-              <a:rPr lang="en-US" sz="2600" dirty="0" smtClean="0">
-                <a:solidFill>
-                  <a:schemeClr val="bg1"/>
-                </a:solidFill>
-              </a:rPr>
-              <a:t>Team of Two (Partnered with Graphic Designer)</a:t>
-            </a:r>
-          </a:p>
-          <a:p>
-            <a:pPr marL="742950" lvl="1" indent="-285750">
-              <a:buFont typeface="Arial" panose="020B0604020202020204" pitchFamily="34" charset="0"/>
-              <a:buChar char="•"/>
-            </a:pPr>
-            <a:endParaRPr lang="en-US" sz="2600" dirty="0">
-              <a:solidFill>
-                <a:schemeClr val="bg1"/>
-              </a:solidFill>
-            </a:endParaRPr>
-          </a:p>
-          <a:p>
-            <a:r>
-              <a:rPr lang="en-US" sz="2600" b="1" dirty="0" smtClean="0">
-                <a:solidFill>
-                  <a:schemeClr val="bg1"/>
-                </a:solidFill>
-              </a:rPr>
-              <a:t>Netkow.com Blog</a:t>
-            </a:r>
-            <a:endParaRPr lang="en-US" sz="2600" dirty="0">
-              <a:solidFill>
-                <a:schemeClr val="bg1"/>
-              </a:solidFill>
-            </a:endParaRPr>
-          </a:p>
-          <a:p>
-            <a:pPr marL="742950" lvl="1" indent="-285750">
-              <a:buFont typeface="Arial" panose="020B0604020202020204" pitchFamily="34" charset="0"/>
-              <a:buChar char="•"/>
-            </a:pPr>
-            <a:r>
-              <a:rPr lang="en-US" sz="2600" dirty="0" smtClean="0">
-                <a:solidFill>
-                  <a:schemeClr val="bg1"/>
-                </a:solidFill>
-              </a:rPr>
-              <a:t>Technology trends, programming, PhoneGap</a:t>
-            </a:r>
-          </a:p>
-          <a:p>
-            <a:pPr marL="285750" indent="-285750">
-              <a:buFont typeface="Arial" panose="020B0604020202020204" pitchFamily="34" charset="0"/>
-              <a:buChar char="•"/>
-            </a:pPr>
-            <a:endParaRPr lang="en-US" sz="2600" dirty="0">
-              <a:solidFill>
-                <a:schemeClr val="bg1"/>
-              </a:solidFill>
-            </a:endParaRPr>
-          </a:p>
-        </p:txBody>
-      </p:sp>
-    </p:spTree>
-    <p:extLst>
-      <p:ext uri="{BB962C8B-B14F-4D97-AF65-F5344CB8AC3E}">
-        <p14:creationId xmlns:p14="http://schemas.microsoft.com/office/powerpoint/2010/main" val="1034644854"/>
-      </p:ext>
-    </p:extLst>
-  </p:cSld>
-  <p:clrMapOvr>
-    <a:masterClrMapping/>
-  </p:clrMapOvr>
-  <p:timing>
-    <p:tnLst>
-      <p:par>
-        <p:cTn id="1" dur="indefinite" restart="never" nodeType="tmRoot"/>
-      </p:par>
-    </p:tnLst>
-  </p:timing>
-</p:sld>
-</file>
-
-<file path=ppt/slides/slide30.xml><?xml version="1.0" encoding="utf-8"?>
-<p:sld xmlns:a="http://schemas.openxmlformats.org/drawingml/2006/main" xmlns:r="http://schemas.openxmlformats.org/officeDocument/2006/relationships" xmlns:p="http://schemas.openxmlformats.org/presentationml/2006/main">
-  <p:cSld>
-    <p:spTree>
-      <p:nvGrpSpPr>
-        <p:cNvPr id="1" name=""/>
-        <p:cNvGrpSpPr/>
-        <p:nvPr/>
-      </p:nvGrpSpPr>
-      <p:grpSpPr>
-        <a:xfrm>
-          <a:off x="0" y="0"/>
-          <a:ext cx="0" cy="0"/>
-          <a:chOff x="0" y="0"/>
-          <a:chExt cx="0" cy="0"/>
-        </a:xfrm>
-      </p:grpSpPr>
-      <p:sp>
-        <p:nvSpPr>
-          <p:cNvPr id="2" name="Content Placeholder 1"/>
-          <p:cNvSpPr>
-            <a:spLocks noGrp="1"/>
-          </p:cNvSpPr>
-          <p:nvPr>
-            <p:ph sz="quarter" idx="13"/>
-          </p:nvPr>
-        </p:nvSpPr>
-        <p:spPr>
-          <a:xfrm>
-            <a:off x="1033272" y="1219200"/>
-            <a:ext cx="7424928" cy="5257800"/>
-          </a:xfrm>
-        </p:spPr>
-        <p:txBody>
-          <a:bodyPr>
-            <a:normAutofit/>
-          </a:bodyPr>
-          <a:lstStyle/>
-          <a:p>
-            <a:pPr marL="0" indent="0">
-              <a:buNone/>
-            </a:pPr>
-            <a:r>
-              <a:rPr lang="en-US" sz="4000" b="1" dirty="0" smtClean="0"/>
-              <a:t>Pick Hybrid!</a:t>
-            </a:r>
-          </a:p>
-          <a:p>
-            <a:pPr marL="0" indent="0">
-              <a:buNone/>
-            </a:pPr>
-            <a:endParaRPr lang="en-US" sz="4000" dirty="0" smtClean="0"/>
-          </a:p>
-          <a:p>
-            <a:pPr marL="0" indent="0">
-              <a:buNone/>
-            </a:pPr>
-            <a:r>
-              <a:rPr lang="en-US" dirty="0" smtClean="0"/>
-              <a:t>	Expand your Web development skills</a:t>
-            </a:r>
-            <a:endParaRPr lang="en-US" dirty="0"/>
-          </a:p>
-          <a:p>
-            <a:pPr marL="0" indent="0">
-              <a:buNone/>
-            </a:pPr>
-            <a:endParaRPr lang="en-US" dirty="0" smtClean="0"/>
-          </a:p>
-          <a:p>
-            <a:pPr marL="0" indent="0">
-              <a:buNone/>
-            </a:pPr>
-            <a:r>
-              <a:rPr lang="en-US" dirty="0" smtClean="0"/>
-              <a:t>	Create beautiful UIs</a:t>
-            </a:r>
-            <a:endParaRPr lang="en-US" dirty="0"/>
-          </a:p>
-          <a:p>
-            <a:pPr lvl="3"/>
-            <a:r>
-              <a:rPr lang="en-US" dirty="0" smtClean="0"/>
-              <a:t>KendoUI Mobile</a:t>
-            </a:r>
-          </a:p>
-          <a:p>
-            <a:pPr lvl="1"/>
-            <a:endParaRPr lang="en-US" dirty="0" smtClean="0"/>
-          </a:p>
-          <a:p>
-            <a:pPr marL="0" indent="0">
-              <a:buNone/>
-            </a:pPr>
-            <a:r>
-              <a:rPr lang="en-US" dirty="0" smtClean="0"/>
-              <a:t>	Build for all devices</a:t>
-            </a:r>
-          </a:p>
-          <a:p>
-            <a:pPr lvl="3"/>
-            <a:r>
-              <a:rPr lang="en-US" dirty="0" smtClean="0"/>
-              <a:t>PhoneGap Build</a:t>
-            </a:r>
-          </a:p>
-          <a:p>
-            <a:pPr lvl="1"/>
-            <a:endParaRPr lang="en-US" dirty="0" smtClean="0"/>
-          </a:p>
-          <a:p>
-            <a:pPr lvl="1"/>
-            <a:endParaRPr lang="en-US" dirty="0" smtClean="0"/>
-          </a:p>
-        </p:txBody>
-      </p:sp>
-      <p:sp>
-        <p:nvSpPr>
-          <p:cNvPr id="3" name="Title 2"/>
-          <p:cNvSpPr>
-            <a:spLocks noGrp="1"/>
-          </p:cNvSpPr>
-          <p:nvPr>
-            <p:ph type="title"/>
-          </p:nvPr>
-        </p:nvSpPr>
-        <p:spPr>
-          <a:xfrm>
-            <a:off x="2133600" y="152400"/>
-            <a:ext cx="5486400" cy="660400"/>
-          </a:xfrm>
-        </p:spPr>
-        <p:txBody>
-          <a:bodyPr>
-            <a:noAutofit/>
-          </a:bodyPr>
-          <a:lstStyle/>
-          <a:p>
-            <a:r>
-              <a:rPr lang="en-US" sz="2500" dirty="0" smtClean="0"/>
-              <a:t>Key takeaways</a:t>
-            </a:r>
-            <a:endParaRPr lang="en-US" sz="2500" dirty="0"/>
-          </a:p>
-        </p:txBody>
-      </p:sp>
-    </p:spTree>
-    <p:extLst>
-      <p:ext uri="{BB962C8B-B14F-4D97-AF65-F5344CB8AC3E}">
-        <p14:creationId xmlns:p14="http://schemas.microsoft.com/office/powerpoint/2010/main" val="952258492"/>
-      </p:ext>
-    </p:extLst>
-  </p:cSld>
-  <p:clrMapOvr>
-    <a:masterClrMapping/>
-  </p:clrMapOvr>
-  <p:timing>
-    <p:tnLst>
-      <p:par>
-        <p:cTn id="1" dur="indefinite" restart="never" nodeType="tmRoot"/>
       </p:par>
     </p:tnLst>
   </p:timing>
@@ -17859,6 +17443,172 @@
         </p:nvSpPr>
         <p:spPr>
           <a:xfrm>
+            <a:off x="1033272" y="1219200"/>
+            <a:ext cx="7424928" cy="5257800"/>
+          </a:xfrm>
+        </p:spPr>
+        <p:txBody>
+          <a:bodyPr>
+            <a:normAutofit/>
+          </a:bodyPr>
+          <a:lstStyle/>
+          <a:p>
+            <a:pPr marL="0" indent="0">
+              <a:buNone/>
+            </a:pPr>
+            <a:r>
+              <a:rPr lang="en-US" sz="4000" b="1" dirty="0" smtClean="0"/>
+              <a:t>Pick Hybrid!</a:t>
+            </a:r>
+          </a:p>
+          <a:p>
+            <a:pPr marL="0" indent="0">
+              <a:buNone/>
+            </a:pPr>
+            <a:endParaRPr lang="en-US" sz="4000" dirty="0" smtClean="0"/>
+          </a:p>
+          <a:p>
+            <a:pPr marL="0" indent="0">
+              <a:buNone/>
+            </a:pPr>
+            <a:r>
+              <a:rPr lang="en-US" dirty="0" smtClean="0"/>
+              <a:t>	Expand your Web development skills</a:t>
+            </a:r>
+            <a:endParaRPr lang="en-US" dirty="0"/>
+          </a:p>
+          <a:p>
+            <a:pPr marL="0" indent="0">
+              <a:buNone/>
+            </a:pPr>
+            <a:endParaRPr lang="en-US" dirty="0" smtClean="0"/>
+          </a:p>
+          <a:p>
+            <a:pPr marL="0" indent="0">
+              <a:buNone/>
+            </a:pPr>
+            <a:r>
+              <a:rPr lang="en-US" dirty="0" smtClean="0"/>
+              <a:t>	Create beautiful UIs</a:t>
+            </a:r>
+            <a:endParaRPr lang="en-US" dirty="0"/>
+          </a:p>
+          <a:p>
+            <a:pPr lvl="3"/>
+            <a:r>
+              <a:rPr lang="en-US" dirty="0" smtClean="0"/>
+              <a:t>KendoUI Mobile</a:t>
+            </a:r>
+          </a:p>
+          <a:p>
+            <a:pPr lvl="1"/>
+            <a:endParaRPr lang="en-US" dirty="0" smtClean="0"/>
+          </a:p>
+          <a:p>
+            <a:pPr marL="0" indent="0">
+              <a:buNone/>
+            </a:pPr>
+            <a:r>
+              <a:rPr lang="en-US" dirty="0" smtClean="0"/>
+              <a:t>	Build for all devices</a:t>
+            </a:r>
+          </a:p>
+          <a:p>
+            <a:pPr lvl="3"/>
+            <a:r>
+              <a:rPr lang="en-US" dirty="0" smtClean="0"/>
+              <a:t>PhoneGap Build</a:t>
+            </a:r>
+          </a:p>
+          <a:p>
+            <a:pPr lvl="1"/>
+            <a:endParaRPr lang="en-US" dirty="0" smtClean="0"/>
+          </a:p>
+          <a:p>
+            <a:pPr lvl="1"/>
+            <a:endParaRPr lang="en-US" dirty="0" smtClean="0"/>
+          </a:p>
+        </p:txBody>
+      </p:sp>
+      <p:sp>
+        <p:nvSpPr>
+          <p:cNvPr id="3" name="Title 2"/>
+          <p:cNvSpPr>
+            <a:spLocks noGrp="1"/>
+          </p:cNvSpPr>
+          <p:nvPr>
+            <p:ph type="title"/>
+          </p:nvPr>
+        </p:nvSpPr>
+        <p:spPr>
+          <a:xfrm>
+            <a:off x="2133600" y="152400"/>
+            <a:ext cx="5486400" cy="660400"/>
+          </a:xfrm>
+        </p:spPr>
+        <p:txBody>
+          <a:bodyPr>
+            <a:noAutofit/>
+          </a:bodyPr>
+          <a:lstStyle/>
+          <a:p>
+            <a:r>
+              <a:rPr lang="en-US" sz="2500" dirty="0" smtClean="0"/>
+              <a:t>Key takeaways</a:t>
+            </a:r>
+            <a:endParaRPr lang="en-US" sz="2500" dirty="0"/>
+          </a:p>
+        </p:txBody>
+      </p:sp>
+    </p:spTree>
+    <p:extLst>
+      <p:ext uri="{BB962C8B-B14F-4D97-AF65-F5344CB8AC3E}">
+        <p14:creationId xmlns:p14="http://schemas.microsoft.com/office/powerpoint/2010/main" val="952258492"/>
+      </p:ext>
+    </p:extLst>
+  </p:cSld>
+  <p:clrMapOvr>
+    <a:masterClrMapping/>
+  </p:clrMapOvr>
+  <p:timing>
+    <p:tnLst>
+      <p:par>
+        <p:cTn id="1" dur="indefinite" restart="never" nodeType="tmRoot"/>
+      </p:par>
+    </p:tnLst>
+  </p:timing>
+</p:sld>
+</file>
+
+<file path=ppt/slides/slide33.xml><?xml version="1.0" encoding="utf-8"?>
+<p:sld xmlns:a="http://schemas.openxmlformats.org/drawingml/2006/main" xmlns:r="http://schemas.openxmlformats.org/officeDocument/2006/relationships" xmlns:p="http://schemas.openxmlformats.org/presentationml/2006/main">
+  <p:cSld>
+    <p:spTree>
+      <p:nvGrpSpPr>
+        <p:cNvPr id="1" name=""/>
+        <p:cNvGrpSpPr/>
+        <p:nvPr/>
+      </p:nvGrpSpPr>
+      <p:grpSpPr>
+        <a:xfrm>
+          <a:off x="0" y="0"/>
+          <a:ext cx="0" cy="0"/>
+          <a:chOff x="0" y="0"/>
+          <a:chExt cx="0" cy="0"/>
+        </a:xfrm>
+      </p:grpSpPr>
+      <p:sp>
+        <p:nvSpPr>
+          <p:cNvPr id="2" name="Content Placeholder 1"/>
+          <p:cNvSpPr>
+            <a:spLocks noGrp="1"/>
+          </p:cNvSpPr>
+          <p:nvPr>
+            <p:ph sz="quarter" idx="13"/>
+          </p:nvPr>
+        </p:nvSpPr>
+        <p:spPr>
+          <a:xfrm>
             <a:off x="685800" y="1545336"/>
             <a:ext cx="7696200" cy="4931664"/>
           </a:xfrm>
@@ -17940,13 +17690,7 @@
               <a:rPr lang="en-US" dirty="0" smtClean="0">
                 <a:hlinkClick r:id="rId6"/>
               </a:rPr>
-              <a:t>This </a:t>
-            </a:r>
-            <a:r>
-              <a:rPr lang="en-US" dirty="0" smtClean="0">
-                <a:hlinkClick r:id="rId6"/>
-              </a:rPr>
-              <a:t>Presentation</a:t>
+              <a:t>This Presentation</a:t>
             </a:r>
             <a:r>
               <a:rPr lang="en-US" dirty="0" smtClean="0"/>
@@ -17999,7 +17743,7 @@
 </p:sld>
 </file>
 
-<file path=ppt/slides/slide33.xml><?xml version="1.0" encoding="utf-8"?>
+<file path=ppt/slides/slide34.xml><?xml version="1.0" encoding="utf-8"?>
 <p:sld xmlns:a="http://schemas.openxmlformats.org/drawingml/2006/main" xmlns:r="http://schemas.openxmlformats.org/officeDocument/2006/relationships" xmlns:p="http://schemas.openxmlformats.org/presentationml/2006/main">
   <p:cSld>
     <p:spTree>
@@ -18758,8 +18502,8 @@
         </p:nvSpPr>
         <p:spPr>
           <a:xfrm>
-            <a:off x="685800" y="4495800"/>
-            <a:ext cx="8074025" cy="1477328"/>
+            <a:off x="457201" y="4572000"/>
+            <a:ext cx="3847582" cy="1477328"/>
           </a:xfrm>
           <a:prstGeom prst="rect">
             <a:avLst/>
@@ -18792,22 +18536,48 @@
                   <a:schemeClr val="bg1"/>
                 </a:solidFill>
               </a:rPr>
-              <a:t>Challenging calorie tracking, WW points, &amp; motivational weight loss</a:t>
-            </a:r>
-          </a:p>
-          <a:p>
-            <a:pPr marL="285750" indent="-285750">
-              <a:buFont typeface="Arial" panose="020B0604020202020204" pitchFamily="34" charset="0"/>
-              <a:buChar char="•"/>
-            </a:pPr>
+              <a:t>Challenging calorie </a:t>
+            </a:r>
             <a:r>
               <a:rPr lang="en-US" dirty="0" smtClean="0">
                 <a:solidFill>
                   <a:schemeClr val="bg1"/>
                 </a:solidFill>
               </a:rPr>
-              <a:t>Available for iOS, Android, and Windows Phone 8</a:t>
-            </a:r>
+              <a:t>tracking</a:t>
+            </a:r>
+            <a:endParaRPr lang="en-US" dirty="0" smtClean="0">
+              <a:solidFill>
+                <a:schemeClr val="bg1"/>
+              </a:solidFill>
+            </a:endParaRPr>
+          </a:p>
+          <a:p>
+            <a:pPr marL="285750" indent="-285750">
+              <a:buFont typeface="Arial" panose="020B0604020202020204" pitchFamily="34" charset="0"/>
+              <a:buChar char="•"/>
+            </a:pPr>
+            <a:r>
+              <a:rPr lang="en-US" dirty="0" smtClean="0">
+                <a:solidFill>
+                  <a:schemeClr val="bg1"/>
+                </a:solidFill>
+              </a:rPr>
+              <a:t>Available for </a:t>
+            </a:r>
+            <a:r>
+              <a:rPr lang="en-US" dirty="0" smtClean="0">
+                <a:solidFill>
+                  <a:schemeClr val="bg1"/>
+                </a:solidFill>
+              </a:rPr>
+              <a:t>multiple platforms</a:t>
+            </a:r>
+            <a:endParaRPr lang="en-US" dirty="0" smtClean="0">
+              <a:solidFill>
+                <a:schemeClr val="bg1"/>
+              </a:solidFill>
+            </a:endParaRPr>
           </a:p>
           <a:p>
             <a:pPr marL="285750" indent="-285750">
@@ -18836,54 +18606,6 @@
               </a:rPr>
               <a:t>Fast development cycles</a:t>
             </a:r>
-          </a:p>
-        </p:txBody>
-      </p:sp>
-      <p:sp>
-        <p:nvSpPr>
-          <p:cNvPr id="2" name="TextBox 1"/>
-          <p:cNvSpPr txBox="1"/>
-          <p:nvPr/>
-        </p:nvSpPr>
-        <p:spPr>
-          <a:xfrm>
-            <a:off x="6573570" y="2006416"/>
-            <a:ext cx="2359025" cy="1015663"/>
-          </a:xfrm>
-          <a:prstGeom prst="rect">
-            <a:avLst/>
-          </a:prstGeom>
-          <a:noFill/>
-        </p:spPr>
-        <p:txBody>
-          <a:bodyPr wrap="square" rtlCol="0">
-            <a:spAutoFit/>
-          </a:bodyPr>
-          <a:lstStyle/>
-          <a:p>
-            <a:r>
-              <a:rPr lang="en-US" sz="4800" b="1" dirty="0" smtClean="0">
-                <a:solidFill>
-                  <a:schemeClr val="bg1"/>
-                </a:solidFill>
-              </a:rPr>
-              <a:t>PROFIT!</a:t>
-            </a:r>
-          </a:p>
-          <a:p>
-            <a:r>
-              <a:rPr lang="en-US" sz="1200" b="1" dirty="0" smtClean="0">
-                <a:solidFill>
-                  <a:schemeClr val="bg1"/>
-                </a:solidFill>
-              </a:rPr>
-              <a:t>                     (hopefully)</a:t>
-            </a:r>
-            <a:endParaRPr lang="en-US" sz="1200" b="1" dirty="0">
-              <a:solidFill>
-                <a:schemeClr val="bg1"/>
-              </a:solidFill>
-            </a:endParaRPr>
           </a:p>
         </p:txBody>
       </p:sp>
@@ -18933,8 +18655,8 @@
         </p:nvSpPr>
         <p:spPr>
           <a:xfrm>
-            <a:off x="7469188" y="3560764"/>
-            <a:ext cx="912812" cy="369332"/>
+            <a:off x="7011988" y="3560764"/>
+            <a:ext cx="1217612" cy="369332"/>
           </a:xfrm>
           <a:prstGeom prst="rect">
             <a:avLst/>
@@ -18948,12 +18670,12 @@
           <a:lstStyle/>
           <a:p>
             <a:r>
-              <a:rPr lang="en-US" dirty="0" smtClean="0">
+              <a:rPr lang="en-US" dirty="0" err="1" smtClean="0">
                 <a:solidFill>
                   <a:schemeClr val="bg1"/>
                 </a:solidFill>
               </a:rPr>
-              <a:t>???</a:t>
+              <a:t>Fitwatchr</a:t>
             </a:r>
             <a:endParaRPr lang="en-US" dirty="0">
               <a:solidFill>
@@ -18992,6 +18714,146 @@
                 </a:solidFill>
               </a:rPr>
               <a:t>Weight Watchers member</a:t>
+            </a:r>
+            <a:endParaRPr lang="en-US" dirty="0">
+              <a:solidFill>
+                <a:schemeClr val="bg1"/>
+              </a:solidFill>
+            </a:endParaRPr>
+          </a:p>
+        </p:txBody>
+      </p:sp>
+      <p:pic>
+        <p:nvPicPr>
+          <p:cNvPr id="14" name="Picture 3" descr="C:\sourcecode\fitwatcher\fitwatcher\Fitwatcher\icon.png"/>
+          <p:cNvPicPr>
+            <a:picLocks noChangeAspect="1" noChangeArrowheads="1"/>
+          </p:cNvPicPr>
+          <p:nvPr/>
+        </p:nvPicPr>
+        <p:blipFill>
+          <a:blip r:embed="rId5" cstate="print">
+            <a:extLst>
+              <a:ext uri="{28A0092B-C50C-407E-A947-70E740481C1C}">
+                <a14:useLocalDpi xmlns:a14="http://schemas.microsoft.com/office/drawing/2010/main" val="0"/>
+              </a:ext>
+            </a:extLst>
+          </a:blip>
+          <a:srcRect/>
+          <a:stretch>
+            <a:fillRect/>
+          </a:stretch>
+        </p:blipFill>
+        <p:spPr bwMode="auto">
+          <a:xfrm>
+            <a:off x="6614595" y="1350302"/>
+            <a:ext cx="1975634" cy="1975634"/>
+          </a:xfrm>
+          <a:prstGeom prst="rect">
+            <a:avLst/>
+          </a:prstGeom>
+          <a:noFill/>
+          <a:extLst>
+            <a:ext uri="{909E8E84-426E-40DD-AFC4-6F175D3DCCD1}">
+              <a14:hiddenFill xmlns:a14="http://schemas.microsoft.com/office/drawing/2010/main">
+                <a:solidFill>
+                  <a:srgbClr val="FFFFFF"/>
+                </a:solidFill>
+              </a14:hiddenFill>
+            </a:ext>
+          </a:extLst>
+        </p:spPr>
+      </p:pic>
+      <p:sp>
+        <p:nvSpPr>
+          <p:cNvPr id="15" name="TextBox 14"/>
+          <p:cNvSpPr txBox="1"/>
+          <p:nvPr/>
+        </p:nvSpPr>
+        <p:spPr>
+          <a:xfrm>
+            <a:off x="4724400" y="4495800"/>
+            <a:ext cx="4187825" cy="1754326"/>
+          </a:xfrm>
+          <a:prstGeom prst="rect">
+            <a:avLst/>
+          </a:prstGeom>
+          <a:noFill/>
+        </p:spPr>
+        <p:txBody>
+          <a:bodyPr wrap="square" rtlCol="0">
+            <a:spAutoFit/>
+          </a:bodyPr>
+          <a:lstStyle/>
+          <a:p>
+            <a:r>
+              <a:rPr lang="en-US" dirty="0" smtClean="0">
+                <a:solidFill>
+                  <a:schemeClr val="bg1"/>
+                </a:solidFill>
+              </a:rPr>
+              <a:t>Results:</a:t>
+            </a:r>
+            <a:endParaRPr lang="en-US" dirty="0" smtClean="0">
+              <a:solidFill>
+                <a:schemeClr val="bg1"/>
+              </a:solidFill>
+            </a:endParaRPr>
+          </a:p>
+          <a:p>
+            <a:pPr marL="285750" indent="-285750">
+              <a:buFont typeface="Arial" panose="020B0604020202020204" pitchFamily="34" charset="0"/>
+              <a:buChar char="•"/>
+            </a:pPr>
+            <a:r>
+              <a:rPr lang="en-US" dirty="0" smtClean="0">
+                <a:solidFill>
+                  <a:schemeClr val="bg1"/>
+                </a:solidFill>
+              </a:rPr>
+              <a:t>Initial version created in days</a:t>
+            </a:r>
+          </a:p>
+          <a:p>
+            <a:pPr marL="285750" indent="-285750">
+              <a:buFont typeface="Arial" panose="020B0604020202020204" pitchFamily="34" charset="0"/>
+              <a:buChar char="•"/>
+            </a:pPr>
+            <a:r>
+              <a:rPr lang="en-US" dirty="0" smtClean="0">
+                <a:solidFill>
+                  <a:schemeClr val="bg1"/>
+                </a:solidFill>
+              </a:rPr>
+              <a:t>Available for iOS, Android, and Windows Phone 8</a:t>
+            </a:r>
+          </a:p>
+          <a:p>
+            <a:pPr marL="285750" indent="-285750">
+              <a:buFont typeface="Arial" panose="020B0604020202020204" pitchFamily="34" charset="0"/>
+              <a:buChar char="•"/>
+            </a:pPr>
+            <a:r>
+              <a:rPr lang="en-US" dirty="0" smtClean="0">
+                <a:solidFill>
+                  <a:schemeClr val="bg1"/>
+                </a:solidFill>
+              </a:rPr>
+              <a:t>Price varies: from $0.99 to $2.99</a:t>
+            </a:r>
+          </a:p>
+          <a:p>
+            <a:pPr marL="285750" indent="-285750">
+              <a:buFont typeface="Arial" panose="020B0604020202020204" pitchFamily="34" charset="0"/>
+              <a:buChar char="•"/>
+            </a:pPr>
+            <a:r>
+              <a:rPr lang="en-US" dirty="0" smtClean="0">
+                <a:solidFill>
+                  <a:schemeClr val="bg1"/>
+                </a:solidFill>
+              </a:rPr>
+              <a:t>Over 10,000 paying users in 1 year</a:t>
             </a:r>
             <a:endParaRPr lang="en-US" dirty="0">
               <a:solidFill>
@@ -19554,7 +19416,7 @@
                                 </p:cTn>
                               </p:par>
                               <p:par>
-                                <p:cTn id="39" presetID="42" presetClass="entr" presetSubtype="0" fill="hold" grpId="0" nodeType="withEffect">
+                                <p:cTn id="39" presetID="42" presetClass="entr" presetSubtype="0" fill="hold" nodeType="withEffect">
                                   <p:stCondLst>
                                     <p:cond delay="0"/>
                                   </p:stCondLst>
@@ -19567,7 +19429,7 @@
                                           </p:stCondLst>
                                         </p:cTn>
                                         <p:tgtEl>
-                                          <p:spTgt spid="2"/>
+                                          <p:spTgt spid="14"/>
                                         </p:tgtEl>
                                         <p:attrNameLst>
                                           <p:attrName>style.visibility</p:attrName>
@@ -19581,7 +19443,7 @@
                                       <p:cBhvr>
                                         <p:cTn id="41" dur="1000"/>
                                         <p:tgtEl>
-                                          <p:spTgt spid="2"/>
+                                          <p:spTgt spid="14"/>
                                         </p:tgtEl>
                                       </p:cBhvr>
                                     </p:animEffect>
@@ -19589,7 +19451,7 @@
                                       <p:cBhvr>
                                         <p:cTn id="42" dur="1000" fill="hold"/>
                                         <p:tgtEl>
-                                          <p:spTgt spid="2"/>
+                                          <p:spTgt spid="14"/>
                                         </p:tgtEl>
                                         <p:attrNameLst>
                                           <p:attrName>ppt_x</p:attrName>
@@ -19612,7 +19474,7 @@
                                       <p:cBhvr>
                                         <p:cTn id="43" dur="1000" fill="hold"/>
                                         <p:tgtEl>
-                                          <p:spTgt spid="2"/>
+                                          <p:spTgt spid="14"/>
                                         </p:tgtEl>
                                         <p:attrNameLst>
                                           <p:attrName>ppt_y</p:attrName>
@@ -19793,6 +19655,105 @@
                                         <p:cTn id="55" dur="1000" fill="hold"/>
                                         <p:tgtEl>
                                           <p:spTgt spid="12"/>
+                                        </p:tgtEl>
+                                        <p:attrNameLst>
+                                          <p:attrName>ppt_y</p:attrName>
+                                        </p:attrNameLst>
+                                      </p:cBhvr>
+                                      <p:tavLst>
+                                        <p:tav tm="0">
+                                          <p:val>
+                                            <p:strVal val="#ppt_y+.1"/>
+                                          </p:val>
+                                        </p:tav>
+                                        <p:tav tm="100000">
+                                          <p:val>
+                                            <p:strVal val="#ppt_y"/>
+                                          </p:val>
+                                        </p:tav>
+                                      </p:tavLst>
+                                    </p:anim>
+                                  </p:childTnLst>
+                                </p:cTn>
+                              </p:par>
+                            </p:childTnLst>
+                          </p:cTn>
+                        </p:par>
+                      </p:childTnLst>
+                    </p:cTn>
+                  </p:par>
+                  <p:par>
+                    <p:cTn id="56" fill="hold">
+                      <p:stCondLst>
+                        <p:cond delay="indefinite"/>
+                      </p:stCondLst>
+                      <p:childTnLst>
+                        <p:par>
+                          <p:cTn id="57" fill="hold">
+                            <p:stCondLst>
+                              <p:cond delay="0"/>
+                            </p:stCondLst>
+                            <p:childTnLst>
+                              <p:par>
+                                <p:cTn id="58" presetID="42" presetClass="entr" presetSubtype="0" fill="hold" grpId="0" nodeType="clickEffect">
+                                  <p:stCondLst>
+                                    <p:cond delay="0"/>
+                                  </p:stCondLst>
+                                  <p:childTnLst>
+                                    <p:set>
+                                      <p:cBhvr>
+                                        <p:cTn id="59" dur="1" fill="hold">
+                                          <p:stCondLst>
+                                            <p:cond delay="0"/>
+                                          </p:stCondLst>
+                                        </p:cTn>
+                                        <p:tgtEl>
+                                          <p:spTgt spid="15"/>
+                                        </p:tgtEl>
+                                        <p:attrNameLst>
+                                          <p:attrName>style.visibility</p:attrName>
+                                        </p:attrNameLst>
+                                      </p:cBhvr>
+                                      <p:to>
+                                        <p:strVal val="visible"/>
+                                      </p:to>
+                                    </p:set>
+                                    <p:animEffect transition="in" filter="fade">
+                                      <p:cBhvr>
+                                        <p:cTn id="60" dur="1000"/>
+                                        <p:tgtEl>
+                                          <p:spTgt spid="15"/>
+                                        </p:tgtEl>
+                                      </p:cBhvr>
+                                    </p:animEffect>
+                                    <p:anim calcmode="lin" valueType="num">
+                                      <p:cBhvr>
+                                        <p:cTn id="61" dur="1000" fill="hold"/>
+                                        <p:tgtEl>
+                                          <p:spTgt spid="15"/>
+                                        </p:tgtEl>
+                                        <p:attrNameLst>
+                                          <p:attrName>ppt_x</p:attrName>
+                                        </p:attrNameLst>
+                                      </p:cBhvr>
+                                      <p:tavLst>
+                                        <p:tav tm="0">
+                                          <p:val>
+                                            <p:strVal val="#ppt_x"/>
+                                          </p:val>
+                                        </p:tav>
+                                        <p:tav tm="100000">
+                                          <p:val>
+                                            <p:strVal val="#ppt_x"/>
+                                          </p:val>
+                                        </p:tav>
+                                      </p:tavLst>
+                                    </p:anim>
+                                    <p:anim calcmode="lin" valueType="num">
+                                      <p:cBhvr>
+                                        <p:cTn id="62" dur="1000" fill="hold"/>
+                                        <p:tgtEl>
+                                          <p:spTgt spid="15"/>
                                         </p:tgtEl>
                                         <p:attrNameLst>
                                           <p:attrName>ppt_y</p:attrName>
@@ -19846,15 +19807,369 @@
       <p:bldP spid="6" grpId="0"/>
       <p:bldP spid="9" grpId="0"/>
       <p:bldP spid="12" grpId="0"/>
-      <p:bldP spid="2" grpId="0"/>
       <p:bldP spid="7" grpId="0"/>
       <p:bldP spid="10" grpId="0"/>
+      <p:bldP spid="15" grpId="0"/>
     </p:bldLst>
   </p:timing>
 </p:sld>
 </file>
 
 <file path=ppt/slides/slide6.xml><?xml version="1.0" encoding="utf-8"?>
+<p:sld xmlns:a="http://schemas.openxmlformats.org/drawingml/2006/main" xmlns:r="http://schemas.openxmlformats.org/officeDocument/2006/relationships" xmlns:p="http://schemas.openxmlformats.org/presentationml/2006/main">
+  <p:cSld>
+    <p:spTree>
+      <p:nvGrpSpPr>
+        <p:cNvPr id="1" name=""/>
+        <p:cNvGrpSpPr/>
+        <p:nvPr/>
+      </p:nvGrpSpPr>
+      <p:grpSpPr>
+        <a:xfrm>
+          <a:off x="0" y="0"/>
+          <a:ext cx="0" cy="0"/>
+          <a:chOff x="0" y="0"/>
+          <a:chExt cx="0" cy="0"/>
+        </a:xfrm>
+      </p:grpSpPr>
+      <p:sp>
+        <p:nvSpPr>
+          <p:cNvPr id="3" name="Title 2"/>
+          <p:cNvSpPr>
+            <a:spLocks noGrp="1"/>
+          </p:cNvSpPr>
+          <p:nvPr>
+            <p:ph type="title"/>
+          </p:nvPr>
+        </p:nvSpPr>
+        <p:spPr>
+          <a:xfrm>
+            <a:off x="2590800" y="290945"/>
+            <a:ext cx="4306888" cy="471055"/>
+          </a:xfrm>
+        </p:spPr>
+        <p:txBody>
+          <a:bodyPr>
+            <a:noAutofit/>
+          </a:bodyPr>
+          <a:lstStyle/>
+          <a:p>
+            <a:r>
+              <a:rPr lang="en-US" dirty="0" err="1" smtClean="0"/>
+              <a:t>Fitwatchr</a:t>
+            </a:r>
+            <a:r>
+              <a:rPr lang="en-US" dirty="0" smtClean="0"/>
+              <a:t> versions</a:t>
+            </a:r>
+            <a:endParaRPr lang="en-US" sz="2500" dirty="0"/>
+          </a:p>
+        </p:txBody>
+      </p:sp>
+      <p:pic>
+        <p:nvPicPr>
+          <p:cNvPr id="2050" name="Picture 2" descr="https://s4.mzstatic.com/us/r30/Purple/v4/19/a1/11/19a11158-9c6c-bdcb-ae3f-85d89d51a539/mzl.ckfjgpxo.png?downloadKey=1402969696_b1547a092671ba7d7c1ded8edb08406c"/>
+          <p:cNvPicPr>
+            <a:picLocks noChangeAspect="1" noChangeArrowheads="1"/>
+          </p:cNvPicPr>
+          <p:nvPr/>
+        </p:nvPicPr>
+        <p:blipFill>
+          <a:blip r:embed="rId3">
+            <a:extLst>
+              <a:ext uri="{28A0092B-C50C-407E-A947-70E740481C1C}">
+                <a14:useLocalDpi xmlns:a14="http://schemas.microsoft.com/office/drawing/2010/main" val="0"/>
+              </a:ext>
+            </a:extLst>
+          </a:blip>
+          <a:srcRect/>
+          <a:stretch>
+            <a:fillRect/>
+          </a:stretch>
+        </p:blipFill>
+        <p:spPr bwMode="auto">
+          <a:xfrm>
+            <a:off x="3119907" y="1676400"/>
+            <a:ext cx="2747493" cy="4876800"/>
+          </a:xfrm>
+          <a:prstGeom prst="rect">
+            <a:avLst/>
+          </a:prstGeom>
+          <a:noFill/>
+          <a:extLst>
+            <a:ext uri="{909E8E84-426E-40DD-AFC4-6F175D3DCCD1}">
+              <a14:hiddenFill xmlns:a14="http://schemas.microsoft.com/office/drawing/2010/main">
+                <a:solidFill>
+                  <a:srgbClr val="FFFFFF"/>
+                </a:solidFill>
+              </a14:hiddenFill>
+            </a:ext>
+          </a:extLst>
+        </p:spPr>
+      </p:pic>
+      <p:pic>
+        <p:nvPicPr>
+          <p:cNvPr id="2052" name="Picture 4" descr="1 of 4"/>
+          <p:cNvPicPr>
+            <a:picLocks noChangeAspect="1" noChangeArrowheads="1"/>
+          </p:cNvPicPr>
+          <p:nvPr/>
+        </p:nvPicPr>
+        <p:blipFill>
+          <a:blip r:embed="rId4">
+            <a:extLst>
+              <a:ext uri="{28A0092B-C50C-407E-A947-70E740481C1C}">
+                <a14:useLocalDpi xmlns:a14="http://schemas.microsoft.com/office/drawing/2010/main" val="0"/>
+              </a:ext>
+            </a:extLst>
+          </a:blip>
+          <a:srcRect/>
+          <a:stretch>
+            <a:fillRect/>
+          </a:stretch>
+        </p:blipFill>
+        <p:spPr bwMode="auto">
+          <a:xfrm>
+            <a:off x="6096000" y="1676400"/>
+            <a:ext cx="2927860" cy="4876800"/>
+          </a:xfrm>
+          <a:prstGeom prst="rect">
+            <a:avLst/>
+          </a:prstGeom>
+          <a:noFill/>
+          <a:extLst>
+            <a:ext uri="{909E8E84-426E-40DD-AFC4-6F175D3DCCD1}">
+              <a14:hiddenFill xmlns:a14="http://schemas.microsoft.com/office/drawing/2010/main">
+                <a:solidFill>
+                  <a:srgbClr val="FFFFFF"/>
+                </a:solidFill>
+              </a14:hiddenFill>
+            </a:ext>
+          </a:extLst>
+        </p:spPr>
+      </p:pic>
+      <p:sp>
+        <p:nvSpPr>
+          <p:cNvPr id="4" name="AutoShape 6" descr="Fitwatchr for Fitbit - screenshot"/>
+          <p:cNvSpPr>
+            <a:spLocks noChangeAspect="1" noChangeArrowheads="1"/>
+          </p:cNvSpPr>
+          <p:nvPr/>
+        </p:nvSpPr>
+        <p:spPr bwMode="auto">
+          <a:xfrm>
+            <a:off x="155575" y="-144463"/>
+            <a:ext cx="304800" cy="304801"/>
+          </a:xfrm>
+          <a:prstGeom prst="rect">
+            <a:avLst/>
+          </a:prstGeom>
+          <a:noFill/>
+          <a:extLst>
+            <a:ext uri="{909E8E84-426E-40DD-AFC4-6F175D3DCCD1}">
+              <a14:hiddenFill xmlns:a14="http://schemas.microsoft.com/office/drawing/2010/main">
+                <a:solidFill>
+                  <a:srgbClr val="FFFFFF"/>
+                </a:solidFill>
+              </a14:hiddenFill>
+            </a:ext>
+          </a:extLst>
+        </p:spPr>
+        <p:txBody>
+          <a:bodyPr vert="horz" wrap="square" lIns="91440" tIns="45720" rIns="91440" bIns="45720" numCol="1" anchor="t" anchorCtr="0" compatLnSpc="1">
+            <a:prstTxWarp prst="textNoShape">
+              <a:avLst/>
+            </a:prstTxWarp>
+          </a:bodyPr>
+          <a:lstStyle/>
+          <a:p>
+            <a:endParaRPr lang="en-US"/>
+          </a:p>
+        </p:txBody>
+      </p:sp>
+      <p:sp>
+        <p:nvSpPr>
+          <p:cNvPr id="5" name="AutoShape 8" descr="Fitwatchr for Fitbit - screenshot"/>
+          <p:cNvSpPr>
+            <a:spLocks noChangeAspect="1" noChangeArrowheads="1"/>
+          </p:cNvSpPr>
+          <p:nvPr/>
+        </p:nvSpPr>
+        <p:spPr bwMode="auto">
+          <a:xfrm>
+            <a:off x="307975" y="7937"/>
+            <a:ext cx="304800" cy="304801"/>
+          </a:xfrm>
+          <a:prstGeom prst="rect">
+            <a:avLst/>
+          </a:prstGeom>
+          <a:noFill/>
+          <a:extLst>
+            <a:ext uri="{909E8E84-426E-40DD-AFC4-6F175D3DCCD1}">
+              <a14:hiddenFill xmlns:a14="http://schemas.microsoft.com/office/drawing/2010/main">
+                <a:solidFill>
+                  <a:srgbClr val="FFFFFF"/>
+                </a:solidFill>
+              </a14:hiddenFill>
+            </a:ext>
+          </a:extLst>
+        </p:spPr>
+        <p:txBody>
+          <a:bodyPr vert="horz" wrap="square" lIns="91440" tIns="45720" rIns="91440" bIns="45720" numCol="1" anchor="t" anchorCtr="0" compatLnSpc="1">
+            <a:prstTxWarp prst="textNoShape">
+              <a:avLst/>
+            </a:prstTxWarp>
+          </a:bodyPr>
+          <a:lstStyle/>
+          <a:p>
+            <a:endParaRPr lang="en-US"/>
+          </a:p>
+        </p:txBody>
+      </p:sp>
+      <p:sp>
+        <p:nvSpPr>
+          <p:cNvPr id="6" name="AutoShape 10" descr="Fitwatchr for Fitbit - screenshot"/>
+          <p:cNvSpPr>
+            <a:spLocks noChangeAspect="1" noChangeArrowheads="1"/>
+          </p:cNvSpPr>
+          <p:nvPr/>
+        </p:nvSpPr>
+        <p:spPr bwMode="auto">
+          <a:xfrm>
+            <a:off x="460375" y="160337"/>
+            <a:ext cx="304800" cy="304801"/>
+          </a:xfrm>
+          <a:prstGeom prst="rect">
+            <a:avLst/>
+          </a:prstGeom>
+          <a:noFill/>
+          <a:extLst>
+            <a:ext uri="{909E8E84-426E-40DD-AFC4-6F175D3DCCD1}">
+              <a14:hiddenFill xmlns:a14="http://schemas.microsoft.com/office/drawing/2010/main">
+                <a:solidFill>
+                  <a:srgbClr val="FFFFFF"/>
+                </a:solidFill>
+              </a14:hiddenFill>
+            </a:ext>
+          </a:extLst>
+        </p:spPr>
+        <p:txBody>
+          <a:bodyPr vert="horz" wrap="square" lIns="91440" tIns="45720" rIns="91440" bIns="45720" numCol="1" anchor="t" anchorCtr="0" compatLnSpc="1">
+            <a:prstTxWarp prst="textNoShape">
+              <a:avLst/>
+            </a:prstTxWarp>
+          </a:bodyPr>
+          <a:lstStyle/>
+          <a:p>
+            <a:endParaRPr lang="en-US"/>
+          </a:p>
+        </p:txBody>
+      </p:sp>
+      <p:pic>
+        <p:nvPicPr>
+          <p:cNvPr id="2059" name="Picture 11"/>
+          <p:cNvPicPr>
+            <a:picLocks noChangeAspect="1" noChangeArrowheads="1"/>
+          </p:cNvPicPr>
+          <p:nvPr/>
+        </p:nvPicPr>
+        <p:blipFill>
+          <a:blip r:embed="rId5">
+            <a:extLst>
+              <a:ext uri="{28A0092B-C50C-407E-A947-70E740481C1C}">
+                <a14:useLocalDpi xmlns:a14="http://schemas.microsoft.com/office/drawing/2010/main" val="0"/>
+              </a:ext>
+            </a:extLst>
+          </a:blip>
+          <a:srcRect/>
+          <a:stretch>
+            <a:fillRect/>
+          </a:stretch>
+        </p:blipFill>
+        <p:spPr bwMode="auto">
+          <a:xfrm>
+            <a:off x="207500" y="1676400"/>
+            <a:ext cx="2688100" cy="4836688"/>
+          </a:xfrm>
+          <a:prstGeom prst="rect">
+            <a:avLst/>
+          </a:prstGeom>
+          <a:noFill/>
+          <a:ln>
+            <a:noFill/>
+          </a:ln>
+          <a:extLst>
+            <a:ext uri="{909E8E84-426E-40DD-AFC4-6F175D3DCCD1}">
+              <a14:hiddenFill xmlns:a14="http://schemas.microsoft.com/office/drawing/2010/main">
+                <a:solidFill>
+                  <a:schemeClr val="accent1"/>
+                </a:solidFill>
+              </a14:hiddenFill>
+            </a:ext>
+            <a:ext uri="{91240B29-F687-4F45-9708-019B960494DF}">
+              <a14:hiddenLine xmlns:a14="http://schemas.microsoft.com/office/drawing/2010/main" w="9525">
+                <a:solidFill>
+                  <a:schemeClr val="tx1"/>
+                </a:solidFill>
+                <a:miter lim="800000"/>
+                <a:headEnd/>
+                <a:tailEnd/>
+              </a14:hiddenLine>
+            </a:ext>
+          </a:extLst>
+        </p:spPr>
+      </p:pic>
+      <p:sp>
+        <p:nvSpPr>
+          <p:cNvPr id="7" name="TextBox 6"/>
+          <p:cNvSpPr txBox="1"/>
+          <p:nvPr/>
+        </p:nvSpPr>
+        <p:spPr>
+          <a:xfrm>
+            <a:off x="381000" y="1078468"/>
+            <a:ext cx="8455025" cy="369332"/>
+          </a:xfrm>
+          <a:prstGeom prst="rect">
+            <a:avLst/>
+          </a:prstGeom>
+          <a:noFill/>
+        </p:spPr>
+        <p:txBody>
+          <a:bodyPr wrap="square" rtlCol="0">
+            <a:spAutoFit/>
+          </a:bodyPr>
+          <a:lstStyle/>
+          <a:p>
+            <a:r>
+              <a:rPr lang="en-US" dirty="0" smtClean="0"/>
+              <a:t>            Android			iPhone			Windows Phone</a:t>
+            </a:r>
+            <a:endParaRPr lang="en-US" dirty="0"/>
+          </a:p>
+        </p:txBody>
+      </p:sp>
+    </p:spTree>
+    <p:extLst>
+      <p:ext uri="{BB962C8B-B14F-4D97-AF65-F5344CB8AC3E}">
+        <p14:creationId xmlns:p14="http://schemas.microsoft.com/office/powerpoint/2010/main" val="3426371216"/>
+      </p:ext>
+    </p:extLst>
+  </p:cSld>
+  <p:clrMapOvr>
+    <a:masterClrMapping/>
+  </p:clrMapOvr>
+  <p:timing>
+    <p:tnLst>
+      <p:par>
+        <p:cTn id="1" dur="indefinite" restart="never" nodeType="tmRoot"/>
+      </p:par>
+    </p:tnLst>
+  </p:timing>
+</p:sld>
+</file>
+
+<file path=ppt/slides/slide7.xml><?xml version="1.0" encoding="utf-8"?>
 <p:sld xmlns:a="http://schemas.openxmlformats.org/drawingml/2006/main" xmlns:r="http://schemas.openxmlformats.org/officeDocument/2006/relationships" xmlns:p="http://schemas.openxmlformats.org/presentationml/2006/main">
   <p:cSld>
     <p:spTree>
@@ -20344,7 +20659,7 @@
 </p:sld>
 </file>
 
-<file path=ppt/slides/slide7.xml><?xml version="1.0" encoding="utf-8"?>
+<file path=ppt/slides/slide8.xml><?xml version="1.0" encoding="utf-8"?>
 <p:sld xmlns:a="http://schemas.openxmlformats.org/drawingml/2006/main" xmlns:r="http://schemas.openxmlformats.org/officeDocument/2006/relationships" xmlns:p="http://schemas.openxmlformats.org/presentationml/2006/main">
   <p:cSld>
     <p:spTree>
@@ -20610,186 +20925,6 @@
 </p:sld>
 </file>
 
-<file path=ppt/slides/slide8.xml><?xml version="1.0" encoding="utf-8"?>
-<p:sld xmlns:a="http://schemas.openxmlformats.org/drawingml/2006/main" xmlns:r="http://schemas.openxmlformats.org/officeDocument/2006/relationships" xmlns:p="http://schemas.openxmlformats.org/presentationml/2006/main">
-  <p:cSld>
-    <p:spTree>
-      <p:nvGrpSpPr>
-        <p:cNvPr id="1" name=""/>
-        <p:cNvGrpSpPr/>
-        <p:nvPr/>
-      </p:nvGrpSpPr>
-      <p:grpSpPr>
-        <a:xfrm>
-          <a:off x="0" y="0"/>
-          <a:ext cx="0" cy="0"/>
-          <a:chOff x="0" y="0"/>
-          <a:chExt cx="0" cy="0"/>
-        </a:xfrm>
-      </p:grpSpPr>
-      <p:sp>
-        <p:nvSpPr>
-          <p:cNvPr id="2" name="Content Placeholder 1"/>
-          <p:cNvSpPr>
-            <a:spLocks noGrp="1"/>
-          </p:cNvSpPr>
-          <p:nvPr>
-            <p:ph sz="quarter" idx="13"/>
-          </p:nvPr>
-        </p:nvSpPr>
-        <p:spPr>
-          <a:xfrm>
-            <a:off x="685800" y="1143000"/>
-            <a:ext cx="7696200" cy="5562600"/>
-          </a:xfrm>
-        </p:spPr>
-        <p:txBody>
-          <a:bodyPr>
-            <a:normAutofit/>
-          </a:bodyPr>
-          <a:lstStyle/>
-          <a:p>
-            <a:pPr marL="0" indent="0">
-              <a:buNone/>
-            </a:pPr>
-            <a:r>
-              <a:rPr lang="en-US" i="0" dirty="0"/>
-              <a:t>Lower Cost: </a:t>
-            </a:r>
-          </a:p>
-          <a:p>
-            <a:pPr lvl="1"/>
-            <a:r>
-              <a:rPr lang="en-US" i="0" dirty="0"/>
-              <a:t>Single codebase</a:t>
-            </a:r>
-          </a:p>
-          <a:p>
-            <a:pPr lvl="1"/>
-            <a:r>
-              <a:rPr lang="en-US" i="0" dirty="0"/>
-              <a:t>Single technology stack</a:t>
-            </a:r>
-          </a:p>
-          <a:p>
-            <a:pPr lvl="1"/>
-            <a:r>
-              <a:rPr lang="en-US" i="0" dirty="0"/>
-              <a:t>Reuse business logic code</a:t>
-            </a:r>
-            <a:r>
-              <a:rPr lang="en-US" i="0" dirty="0" smtClean="0"/>
-              <a:t>*</a:t>
-            </a:r>
-            <a:endParaRPr lang="en-US" i="0" dirty="0"/>
-          </a:p>
-          <a:p>
-            <a:pPr marL="0" indent="0">
-              <a:buNone/>
-            </a:pPr>
-            <a:endParaRPr lang="en-US" i="0" dirty="0" smtClean="0"/>
-          </a:p>
-          <a:p>
-            <a:pPr marL="0" indent="0">
-              <a:buNone/>
-            </a:pPr>
-            <a:r>
-              <a:rPr lang="en-US" i="0" dirty="0" smtClean="0"/>
-              <a:t>This matters because:</a:t>
-            </a:r>
-          </a:p>
-          <a:p>
-            <a:pPr lvl="1"/>
-            <a:r>
-              <a:rPr lang="en-US" i="0" dirty="0" smtClean="0"/>
-              <a:t>BYOD </a:t>
-            </a:r>
-            <a:r>
-              <a:rPr lang="en-US" i="0" dirty="0"/>
-              <a:t>trend </a:t>
-            </a:r>
-            <a:r>
-              <a:rPr lang="en-US" i="0" dirty="0" smtClean="0"/>
-              <a:t>continues to gain momentum</a:t>
-            </a:r>
-          </a:p>
-          <a:p>
-            <a:pPr lvl="1"/>
-            <a:r>
-              <a:rPr lang="en-US" i="0" dirty="0" smtClean="0"/>
-              <a:t>Mobile/remote </a:t>
-            </a:r>
-            <a:r>
-              <a:rPr lang="en-US" i="0" dirty="0"/>
-              <a:t>work </a:t>
-            </a:r>
-            <a:r>
-              <a:rPr lang="en-US" i="0" dirty="0" smtClean="0"/>
-              <a:t>increasing across </a:t>
-            </a:r>
-            <a:r>
-              <a:rPr lang="en-US" i="0" dirty="0"/>
-              <a:t>many industries</a:t>
-            </a:r>
-          </a:p>
-          <a:p>
-            <a:pPr marL="0" indent="0">
-              <a:buNone/>
-            </a:pPr>
-            <a:endParaRPr lang="en-US" i="0" dirty="0" smtClean="0"/>
-          </a:p>
-          <a:p>
-            <a:endParaRPr lang="en-US" dirty="0"/>
-          </a:p>
-        </p:txBody>
-      </p:sp>
-      <p:sp>
-        <p:nvSpPr>
-          <p:cNvPr id="3" name="Title 2"/>
-          <p:cNvSpPr>
-            <a:spLocks noGrp="1"/>
-          </p:cNvSpPr>
-          <p:nvPr>
-            <p:ph type="title"/>
-          </p:nvPr>
-        </p:nvSpPr>
-        <p:spPr/>
-        <p:txBody>
-          <a:bodyPr/>
-          <a:lstStyle/>
-          <a:p>
-            <a:r>
-              <a:rPr lang="en-US" dirty="0" smtClean="0"/>
-              <a:t>Why hybrid? </a:t>
-            </a:r>
-            <a:r>
-              <a:rPr lang="en-US" i="1" dirty="0" smtClean="0"/>
-              <a:t>business</a:t>
-            </a:r>
-            <a:endParaRPr lang="en-US" i="1" dirty="0"/>
-          </a:p>
-        </p:txBody>
-      </p:sp>
-    </p:spTree>
-    <p:extLst>
-      <p:ext uri="{BB962C8B-B14F-4D97-AF65-F5344CB8AC3E}">
-        <p14:creationId xmlns:p14="http://schemas.microsoft.com/office/powerpoint/2010/main" val="845217067"/>
-      </p:ext>
-    </p:extLst>
-  </p:cSld>
-  <p:clrMapOvr>
-    <a:masterClrMapping/>
-  </p:clrMapOvr>
-  <p:timing>
-    <p:tnLst>
-      <p:par>
-        <p:cTn id="1" dur="indefinite" restart="never" nodeType="tmRoot"/>
-      </p:par>
-    </p:tnLst>
-  </p:timing>
-</p:sld>
-</file>
-
 <file path=ppt/slides/slide9.xml><?xml version="1.0" encoding="utf-8"?>
 <p:sld xmlns:a="http://schemas.openxmlformats.org/drawingml/2006/main" xmlns:r="http://schemas.openxmlformats.org/officeDocument/2006/relationships" xmlns:p="http://schemas.openxmlformats.org/presentationml/2006/main">
   <p:cSld>
@@ -20819,8 +20954,8 @@
         </p:nvSpPr>
         <p:spPr>
           <a:xfrm>
-            <a:off x="685800" y="1219200"/>
-            <a:ext cx="7543800" cy="5084064"/>
+            <a:off x="685800" y="1143000"/>
+            <a:ext cx="7696200" cy="5562600"/>
           </a:xfrm>
         </p:spPr>
         <p:txBody>
@@ -20834,31 +20969,32 @@
             </a:pPr>
             <a:r>
               <a:rPr lang="en-US" i="0" dirty="0"/>
-              <a:t>M</a:t>
+              <a:t>Lower Cost: </a:t>
+            </a:r>
+          </a:p>
+          <a:p>
+            <a:pPr lvl="1"/>
+            <a:r>
+              <a:rPr lang="en-US" i="0" dirty="0"/>
+              <a:t>Single codebase</a:t>
+            </a:r>
+          </a:p>
+          <a:p>
+            <a:pPr lvl="1"/>
+            <a:r>
+              <a:rPr lang="en-US" i="0" dirty="0"/>
+              <a:t>Single technology stack</a:t>
+            </a:r>
+          </a:p>
+          <a:p>
+            <a:pPr lvl="1"/>
+            <a:r>
+              <a:rPr lang="en-US" i="0" dirty="0"/>
+              <a:t>Reuse business logic code</a:t>
             </a:r>
             <a:r>
               <a:rPr lang="en-US" i="0" dirty="0" smtClean="0"/>
-              <a:t>ore </a:t>
-            </a:r>
-            <a:r>
-              <a:rPr lang="en-US" i="0" dirty="0"/>
-              <a:t>opportunities: web technology increasing across devices </a:t>
-            </a:r>
-            <a:endParaRPr lang="en-US" i="0" dirty="0" smtClean="0"/>
-          </a:p>
-          <a:p>
-            <a:pPr lvl="1"/>
-            <a:r>
-              <a:rPr lang="en-US" i="0" dirty="0" smtClean="0"/>
-              <a:t>TV, </a:t>
-            </a:r>
-            <a:r>
-              <a:rPr lang="en-US" i="0" dirty="0"/>
-              <a:t>cars, </a:t>
-            </a:r>
-            <a:r>
-              <a:rPr lang="en-US" i="0" dirty="0" err="1" smtClean="0"/>
-              <a:t>smartwatches</a:t>
+              <a:t>*</a:t>
             </a:r>
             <a:endParaRPr lang="en-US" i="0" dirty="0"/>
           </a:p>
@@ -20866,7 +21002,7 @@
             <a:pPr marL="0" indent="0">
               <a:buNone/>
             </a:pPr>
-            <a:endParaRPr lang="en-US" i="0" dirty="0"/>
+            <a:endParaRPr lang="en-US" i="0" dirty="0" smtClean="0"/>
           </a:p>
           <a:p>
             <a:pPr marL="0" indent="0">
@@ -20874,36 +21010,48 @@
             </a:pPr>
             <a:r>
               <a:rPr lang="en-US" i="0" dirty="0" smtClean="0"/>
-              <a:t>Constantly </a:t>
+              <a:t>This matters because:</a:t>
+            </a:r>
+          </a:p>
+          <a:p>
+            <a:pPr lvl="1"/>
+            <a:r>
+              <a:rPr lang="en-US" i="0" dirty="0" smtClean="0"/>
+              <a:t>BYOD </a:t>
             </a:r>
             <a:r>
               <a:rPr lang="en-US" i="0" dirty="0"/>
-              <a:t>getting </a:t>
+              <a:t>trend </a:t>
             </a:r>
             <a:r>
               <a:rPr lang="en-US" i="0" dirty="0" smtClean="0"/>
-              <a:t>better: tools, frameworks, lower barrier to entry</a:t>
-            </a:r>
-            <a:endParaRPr lang="en-US" i="0" dirty="0"/>
+              <a:t>continues to gain momentum</a:t>
+            </a:r>
+          </a:p>
+          <a:p>
+            <a:pPr lvl="1"/>
+            <a:r>
+              <a:rPr lang="en-US" i="0" dirty="0" smtClean="0"/>
+              <a:t>Mobile/remote </a:t>
+            </a:r>
+            <a:r>
+              <a:rPr lang="en-US" i="0" dirty="0"/>
+              <a:t>work </a:t>
+            </a:r>
+            <a:r>
+              <a:rPr lang="en-US" i="0" dirty="0" smtClean="0"/>
+              <a:t>increasing across </a:t>
+            </a:r>
+            <a:r>
+              <a:rPr lang="en-US" i="0" dirty="0"/>
+              <a:t>many industries</a:t>
+            </a:r>
           </a:p>
           <a:p>
             <a:pPr marL="0" indent="0">
               <a:buNone/>
             </a:pPr>
-            <a:endParaRPr lang="en-US" i="0" dirty="0"/>
-          </a:p>
-          <a:p>
-            <a:pPr marL="0" indent="0">
-              <a:buNone/>
-            </a:pPr>
-            <a:r>
-              <a:rPr lang="en-US" i="0" dirty="0" smtClean="0"/>
-              <a:t>Career</a:t>
-            </a:r>
-            <a:r>
-              <a:rPr lang="en-US" i="0" dirty="0"/>
-              <a:t>: developers who are strong in both frontend &amp; backend are desirable</a:t>
-            </a:r>
+            <a:endParaRPr lang="en-US" i="0" dirty="0" smtClean="0"/>
           </a:p>
           <a:p>
             <a:endParaRPr lang="en-US" dirty="0"/>
@@ -20931,7 +21079,7 @@
             </a:r>
             <a:r>
               <a:rPr lang="en-US" i="1" dirty="0" smtClean="0"/>
-              <a:t>individual</a:t>
+              <a:t>business</a:t>
             </a:r>
             <a:endParaRPr lang="en-US" i="1" dirty="0"/>
           </a:p>
@@ -20940,7 +21088,7 @@
     </p:spTree>
     <p:extLst>
       <p:ext uri="{BB962C8B-B14F-4D97-AF65-F5344CB8AC3E}">
-        <p14:creationId xmlns:p14="http://schemas.microsoft.com/office/powerpoint/2010/main" val="939529157"/>
+        <p14:creationId xmlns:p14="http://schemas.microsoft.com/office/powerpoint/2010/main" val="845217067"/>
       </p:ext>
     </p:extLst>
   </p:cSld>

--- a/2014-08-11 That Conference - Hybrid Apps/Building PhoneGap Mobile App w KendoUI.pptx
+++ b/2014-08-11 That Conference - Hybrid Apps/Building PhoneGap Mobile App w KendoUI.pptx
@@ -5,43 +5,50 @@
     <p:sldMasterId id="2147483660" r:id="rId1"/>
   </p:sldMasterIdLst>
   <p:notesMasterIdLst>
-    <p:notesMasterId r:id="rId36"/>
+    <p:notesMasterId r:id="rId43"/>
   </p:notesMasterIdLst>
   <p:sldIdLst>
     <p:sldId id="256" r:id="rId2"/>
     <p:sldId id="292" r:id="rId3"/>
-    <p:sldId id="258" r:id="rId4"/>
-    <p:sldId id="287" r:id="rId5"/>
-    <p:sldId id="260" r:id="rId6"/>
-    <p:sldId id="257" r:id="rId7"/>
-    <p:sldId id="269" r:id="rId8"/>
-    <p:sldId id="270" r:id="rId9"/>
-    <p:sldId id="274" r:id="rId10"/>
-    <p:sldId id="275" r:id="rId11"/>
-    <p:sldId id="276" r:id="rId12"/>
-    <p:sldId id="277" r:id="rId13"/>
-    <p:sldId id="279" r:id="rId14"/>
-    <p:sldId id="278" r:id="rId15"/>
-    <p:sldId id="280" r:id="rId16"/>
-    <p:sldId id="266" r:id="rId17"/>
-    <p:sldId id="265" r:id="rId18"/>
-    <p:sldId id="282" r:id="rId19"/>
-    <p:sldId id="288" r:id="rId20"/>
-    <p:sldId id="289" r:id="rId21"/>
-    <p:sldId id="285" r:id="rId22"/>
-    <p:sldId id="284" r:id="rId23"/>
-    <p:sldId id="283" r:id="rId24"/>
-    <p:sldId id="273" r:id="rId25"/>
-    <p:sldId id="262" r:id="rId26"/>
-    <p:sldId id="261" r:id="rId27"/>
-    <p:sldId id="294" r:id="rId28"/>
-    <p:sldId id="281" r:id="rId29"/>
-    <p:sldId id="293" r:id="rId30"/>
-    <p:sldId id="286" r:id="rId31"/>
-    <p:sldId id="290" r:id="rId32"/>
-    <p:sldId id="263" r:id="rId33"/>
-    <p:sldId id="291" r:id="rId34"/>
-    <p:sldId id="264" r:id="rId35"/>
+    <p:sldId id="295" r:id="rId4"/>
+    <p:sldId id="300" r:id="rId5"/>
+    <p:sldId id="287" r:id="rId6"/>
+    <p:sldId id="260" r:id="rId7"/>
+    <p:sldId id="257" r:id="rId8"/>
+    <p:sldId id="258" r:id="rId9"/>
+    <p:sldId id="269" r:id="rId10"/>
+    <p:sldId id="296" r:id="rId11"/>
+    <p:sldId id="270" r:id="rId12"/>
+    <p:sldId id="274" r:id="rId13"/>
+    <p:sldId id="275" r:id="rId14"/>
+    <p:sldId id="297" r:id="rId15"/>
+    <p:sldId id="276" r:id="rId16"/>
+    <p:sldId id="299" r:id="rId17"/>
+    <p:sldId id="277" r:id="rId18"/>
+    <p:sldId id="279" r:id="rId19"/>
+    <p:sldId id="278" r:id="rId20"/>
+    <p:sldId id="280" r:id="rId21"/>
+    <p:sldId id="266" r:id="rId22"/>
+    <p:sldId id="265" r:id="rId23"/>
+    <p:sldId id="282" r:id="rId24"/>
+    <p:sldId id="288" r:id="rId25"/>
+    <p:sldId id="289" r:id="rId26"/>
+    <p:sldId id="285" r:id="rId27"/>
+    <p:sldId id="284" r:id="rId28"/>
+    <p:sldId id="298" r:id="rId29"/>
+    <p:sldId id="283" r:id="rId30"/>
+    <p:sldId id="273" r:id="rId31"/>
+    <p:sldId id="262" r:id="rId32"/>
+    <p:sldId id="261" r:id="rId33"/>
+    <p:sldId id="294" r:id="rId34"/>
+    <p:sldId id="281" r:id="rId35"/>
+    <p:sldId id="301" r:id="rId36"/>
+    <p:sldId id="286" r:id="rId37"/>
+    <p:sldId id="302" r:id="rId38"/>
+    <p:sldId id="290" r:id="rId39"/>
+    <p:sldId id="263" r:id="rId40"/>
+    <p:sldId id="291" r:id="rId41"/>
+    <p:sldId id="264" r:id="rId42"/>
   </p:sldIdLst>
   <p:sldSz cx="9144000" cy="6858000" type="screen4x3"/>
   <p:notesSz cx="6858000" cy="9144000"/>
@@ -225,7 +232,7 @@
           <a:p>
             <a:fld id="{EC2BCC37-2920-4C1D-8057-51EE69B1718A}" type="datetimeFigureOut">
               <a:rPr lang="en-US" smtClean="0"/>
-              <a:t>8/3/2014</a:t>
+              <a:t>8/5/2014</a:t>
             </a:fld>
             <a:endParaRPr lang="en-US"/>
           </a:p>
@@ -537,10 +544,6 @@
           <a:bodyPr/>
           <a:lstStyle/>
           <a:p>
-            <a:r>
-              <a:rPr lang="en-US" dirty="0" smtClean="0"/>
-              <a:t>Explain the title…</a:t>
-            </a:r>
             <a:endParaRPr lang="en-US" dirty="0"/>
           </a:p>
         </p:txBody>
@@ -646,7 +649,7 @@
           <a:p>
             <a:fld id="{8E70A4CB-D5A4-4016-9063-EAE2719754C8}" type="slidenum">
               <a:rPr lang="en-US" smtClean="0"/>
-              <a:t>21</a:t>
+              <a:t>20</a:t>
             </a:fld>
             <a:endParaRPr lang="en-US"/>
           </a:p>
@@ -655,7 +658,7 @@
     </p:spTree>
     <p:extLst>
       <p:ext uri="{BB962C8B-B14F-4D97-AF65-F5344CB8AC3E}">
-        <p14:creationId xmlns:p14="http://schemas.microsoft.com/office/powerpoint/2010/main" val="3385583576"/>
+        <p14:creationId xmlns:p14="http://schemas.microsoft.com/office/powerpoint/2010/main" val="4185907973"/>
       </p:ext>
     </p:extLst>
   </p:cSld>
@@ -711,11 +714,11 @@
           <a:p>
             <a:r>
               <a:rPr lang="en-US" dirty="0" smtClean="0"/>
-              <a:t>How do</a:t>
+              <a:t>KendoUI Mobile is part of the</a:t>
             </a:r>
             <a:r>
               <a:rPr lang="en-US" baseline="0" dirty="0" smtClean="0"/>
-              <a:t> we transform our web app into a native one?</a:t>
+              <a:t> larger KendoUI framework suite</a:t>
             </a:r>
             <a:endParaRPr lang="en-US" dirty="0"/>
           </a:p>
@@ -738,7 +741,7 @@
           <a:p>
             <a:fld id="{8E70A4CB-D5A4-4016-9063-EAE2719754C8}" type="slidenum">
               <a:rPr lang="en-US" smtClean="0"/>
-              <a:t>23</a:t>
+              <a:t>22</a:t>
             </a:fld>
             <a:endParaRPr lang="en-US"/>
           </a:p>
@@ -747,7 +750,7 @@
     </p:spTree>
     <p:extLst>
       <p:ext uri="{BB962C8B-B14F-4D97-AF65-F5344CB8AC3E}">
-        <p14:creationId xmlns:p14="http://schemas.microsoft.com/office/powerpoint/2010/main" val="2771626486"/>
+        <p14:creationId xmlns:p14="http://schemas.microsoft.com/office/powerpoint/2010/main" val="3755059056"/>
       </p:ext>
     </p:extLst>
   </p:cSld>
@@ -822,7 +825,7 @@
           <a:p>
             <a:fld id="{8E70A4CB-D5A4-4016-9063-EAE2719754C8}" type="slidenum">
               <a:rPr lang="en-US" smtClean="0"/>
-              <a:t>24</a:t>
+              <a:t>26</a:t>
             </a:fld>
             <a:endParaRPr lang="en-US"/>
           </a:p>
@@ -831,7 +834,7 @@
     </p:spTree>
     <p:extLst>
       <p:ext uri="{BB962C8B-B14F-4D97-AF65-F5344CB8AC3E}">
-        <p14:creationId xmlns:p14="http://schemas.microsoft.com/office/powerpoint/2010/main" val="1612502210"/>
+        <p14:creationId xmlns:p14="http://schemas.microsoft.com/office/powerpoint/2010/main" val="3385583576"/>
       </p:ext>
     </p:extLst>
   </p:cSld>
@@ -887,25 +890,12 @@
           <a:p>
             <a:r>
               <a:rPr lang="en-US" dirty="0" smtClean="0"/>
-              <a:t>First,</a:t>
+              <a:t>How do</a:t>
             </a:r>
             <a:r>
               <a:rPr lang="en-US" baseline="0" dirty="0" smtClean="0"/>
-              <a:t> you zip up your code and upload it here. The Build service starts running, takes only a few minutes tops. All selected app platforms are here. You can download each compiled app here, and load it onto a device.</a:t>
-            </a:r>
-            <a:endParaRPr lang="en-US" dirty="0" smtClean="0"/>
-          </a:p>
-          <a:p>
-            <a:r>
-              <a:rPr lang="en-US" dirty="0" smtClean="0"/>
-              <a:t>TODO: prep</a:t>
-            </a:r>
-            <a:r>
-              <a:rPr lang="en-US" baseline="0" dirty="0" smtClean="0"/>
-              <a:t> other slides like this in case of No Internet</a:t>
-            </a:r>
-          </a:p>
-          <a:p>
+              <a:t> we transform our web app into a native one?</a:t>
+            </a:r>
             <a:endParaRPr lang="en-US" dirty="0"/>
           </a:p>
         </p:txBody>
@@ -927,7 +917,7 @@
           <a:p>
             <a:fld id="{8E70A4CB-D5A4-4016-9063-EAE2719754C8}" type="slidenum">
               <a:rPr lang="en-US" smtClean="0"/>
-              <a:t>26</a:t>
+              <a:t>29</a:t>
             </a:fld>
             <a:endParaRPr lang="en-US"/>
           </a:p>
@@ -936,7 +926,7 @@
     </p:spTree>
     <p:extLst>
       <p:ext uri="{BB962C8B-B14F-4D97-AF65-F5344CB8AC3E}">
-        <p14:creationId xmlns:p14="http://schemas.microsoft.com/office/powerpoint/2010/main" val="1727237859"/>
+        <p14:creationId xmlns:p14="http://schemas.microsoft.com/office/powerpoint/2010/main" val="2771626486"/>
       </p:ext>
     </p:extLst>
   </p:cSld>
@@ -990,14 +980,6 @@
           <a:bodyPr/>
           <a:lstStyle/>
           <a:p>
-            <a:r>
-              <a:rPr lang="en-US" dirty="0" smtClean="0"/>
-              <a:t>Using KendoUI Mobile, PG Build and PhoneGap</a:t>
-            </a:r>
-            <a:r>
-              <a:rPr lang="en-US" baseline="0" dirty="0" smtClean="0"/>
-              <a:t> we cover all the parts of a hybrid app!</a:t>
-            </a:r>
             <a:endParaRPr lang="en-US" dirty="0"/>
           </a:p>
         </p:txBody>
@@ -1019,7 +1001,7 @@
           <a:p>
             <a:fld id="{8E70A4CB-D5A4-4016-9063-EAE2719754C8}" type="slidenum">
               <a:rPr lang="en-US" smtClean="0"/>
-              <a:t>28</a:t>
+              <a:t>30</a:t>
             </a:fld>
             <a:endParaRPr lang="en-US"/>
           </a:p>
@@ -1028,7 +1010,7 @@
     </p:spTree>
     <p:extLst>
       <p:ext uri="{BB962C8B-B14F-4D97-AF65-F5344CB8AC3E}">
-        <p14:creationId xmlns:p14="http://schemas.microsoft.com/office/powerpoint/2010/main" val="4002310454"/>
+        <p14:creationId xmlns:p14="http://schemas.microsoft.com/office/powerpoint/2010/main" val="1612502210"/>
       </p:ext>
     </p:extLst>
   </p:cSld>
@@ -1084,8 +1066,25 @@
           <a:p>
             <a:r>
               <a:rPr lang="en-US" dirty="0" smtClean="0"/>
-              <a:t>TODO</a:t>
-            </a:r>
+              <a:t>First,</a:t>
+            </a:r>
+            <a:r>
+              <a:rPr lang="en-US" baseline="0" dirty="0" smtClean="0"/>
+              <a:t> you zip up your code and upload it here. The Build service starts running, takes only a few minutes tops. All selected app platforms are here. You can download each compiled app here, and load it onto a device.</a:t>
+            </a:r>
+            <a:endParaRPr lang="en-US" dirty="0" smtClean="0"/>
+          </a:p>
+          <a:p>
+            <a:r>
+              <a:rPr lang="en-US" dirty="0" smtClean="0"/>
+              <a:t>TODO: prep</a:t>
+            </a:r>
+            <a:r>
+              <a:rPr lang="en-US" baseline="0" dirty="0" smtClean="0"/>
+              <a:t> other slides like this in case of No Internet</a:t>
+            </a:r>
+          </a:p>
+          <a:p>
             <a:endParaRPr lang="en-US" dirty="0"/>
           </a:p>
         </p:txBody>
@@ -1107,7 +1106,7 @@
           <a:p>
             <a:fld id="{8E70A4CB-D5A4-4016-9063-EAE2719754C8}" type="slidenum">
               <a:rPr lang="en-US" smtClean="0"/>
-              <a:t>29</a:t>
+              <a:t>32</a:t>
             </a:fld>
             <a:endParaRPr lang="en-US"/>
           </a:p>
@@ -1116,7 +1115,7 @@
     </p:spTree>
     <p:extLst>
       <p:ext uri="{BB962C8B-B14F-4D97-AF65-F5344CB8AC3E}">
-        <p14:creationId xmlns:p14="http://schemas.microsoft.com/office/powerpoint/2010/main" val="2138734457"/>
+        <p14:creationId xmlns:p14="http://schemas.microsoft.com/office/powerpoint/2010/main" val="1727237859"/>
       </p:ext>
     </p:extLst>
   </p:cSld>
@@ -1171,8 +1170,12 @@
           <a:lstStyle/>
           <a:p>
             <a:r>
+              <a:rPr lang="en-US" dirty="0" smtClean="0"/>
+              <a:t>Using KendoUI Mobile, PG Build and PhoneGap</a:t>
+            </a:r>
+            <a:r>
               <a:rPr lang="en-US" baseline="0" dirty="0" smtClean="0"/>
-              <a:t>Nix this?</a:t>
+              <a:t> we cover all the parts of a hybrid app!</a:t>
             </a:r>
             <a:endParaRPr lang="en-US" dirty="0"/>
           </a:p>
@@ -1195,7 +1198,7 @@
           <a:p>
             <a:fld id="{8E70A4CB-D5A4-4016-9063-EAE2719754C8}" type="slidenum">
               <a:rPr lang="en-US" smtClean="0"/>
-              <a:t>30</a:t>
+              <a:t>34</a:t>
             </a:fld>
             <a:endParaRPr lang="en-US"/>
           </a:p>
@@ -1204,7 +1207,7 @@
     </p:spTree>
     <p:extLst>
       <p:ext uri="{BB962C8B-B14F-4D97-AF65-F5344CB8AC3E}">
-        <p14:creationId xmlns:p14="http://schemas.microsoft.com/office/powerpoint/2010/main" val="387615304"/>
+        <p14:creationId xmlns:p14="http://schemas.microsoft.com/office/powerpoint/2010/main" val="4002310454"/>
       </p:ext>
     </p:extLst>
   </p:cSld>
@@ -1258,14 +1261,6 @@
           <a:bodyPr/>
           <a:lstStyle/>
           <a:p>
-            <a:r>
-              <a:rPr lang="en-US" dirty="0" smtClean="0"/>
-              <a:t>TODO: orange/red</a:t>
-            </a:r>
-            <a:r>
-              <a:rPr lang="en-US" baseline="0" dirty="0" smtClean="0"/>
-              <a:t> checkmarks</a:t>
-            </a:r>
             <a:endParaRPr lang="en-US" dirty="0"/>
           </a:p>
         </p:txBody>
@@ -1287,7 +1282,7 @@
           <a:p>
             <a:fld id="{8E70A4CB-D5A4-4016-9063-EAE2719754C8}" type="slidenum">
               <a:rPr lang="en-US" smtClean="0"/>
-              <a:t>31</a:t>
+              <a:t>36</a:t>
             </a:fld>
             <a:endParaRPr lang="en-US"/>
           </a:p>
@@ -1296,7 +1291,7 @@
     </p:spTree>
     <p:extLst>
       <p:ext uri="{BB962C8B-B14F-4D97-AF65-F5344CB8AC3E}">
-        <p14:creationId xmlns:p14="http://schemas.microsoft.com/office/powerpoint/2010/main" val="1543007744"/>
+        <p14:creationId xmlns:p14="http://schemas.microsoft.com/office/powerpoint/2010/main" val="387615304"/>
       </p:ext>
     </p:extLst>
   </p:cSld>
@@ -1371,7 +1366,91 @@
           <a:p>
             <a:fld id="{8E70A4CB-D5A4-4016-9063-EAE2719754C8}" type="slidenum">
               <a:rPr lang="en-US" smtClean="0"/>
-              <a:t>33</a:t>
+              <a:t>38</a:t>
+            </a:fld>
+            <a:endParaRPr lang="en-US"/>
+          </a:p>
+        </p:txBody>
+      </p:sp>
+    </p:spTree>
+    <p:extLst>
+      <p:ext uri="{BB962C8B-B14F-4D97-AF65-F5344CB8AC3E}">
+        <p14:creationId xmlns:p14="http://schemas.microsoft.com/office/powerpoint/2010/main" val="1543007744"/>
+      </p:ext>
+    </p:extLst>
+  </p:cSld>
+  <p:clrMapOvr>
+    <a:masterClrMapping/>
+  </p:clrMapOvr>
+</p:notes>
+</file>
+
+<file path=ppt/notesSlides/notesSlide19.xml><?xml version="1.0" encoding="utf-8"?>
+<p:notes xmlns:a="http://schemas.openxmlformats.org/drawingml/2006/main" xmlns:r="http://schemas.openxmlformats.org/officeDocument/2006/relationships" xmlns:p="http://schemas.openxmlformats.org/presentationml/2006/main">
+  <p:cSld>
+    <p:spTree>
+      <p:nvGrpSpPr>
+        <p:cNvPr id="1" name=""/>
+        <p:cNvGrpSpPr/>
+        <p:nvPr/>
+      </p:nvGrpSpPr>
+      <p:grpSpPr>
+        <a:xfrm>
+          <a:off x="0" y="0"/>
+          <a:ext cx="0" cy="0"/>
+          <a:chOff x="0" y="0"/>
+          <a:chExt cx="0" cy="0"/>
+        </a:xfrm>
+      </p:grpSpPr>
+      <p:sp>
+        <p:nvSpPr>
+          <p:cNvPr id="2" name="Slide Image Placeholder 1"/>
+          <p:cNvSpPr>
+            <a:spLocks noGrp="1" noRot="1" noChangeAspect="1"/>
+          </p:cNvSpPr>
+          <p:nvPr>
+            <p:ph type="sldImg"/>
+          </p:nvPr>
+        </p:nvSpPr>
+        <p:spPr/>
+      </p:sp>
+      <p:sp>
+        <p:nvSpPr>
+          <p:cNvPr id="3" name="Notes Placeholder 2"/>
+          <p:cNvSpPr>
+            <a:spLocks noGrp="1"/>
+          </p:cNvSpPr>
+          <p:nvPr>
+            <p:ph type="body" idx="1"/>
+          </p:nvPr>
+        </p:nvSpPr>
+        <p:spPr/>
+        <p:txBody>
+          <a:bodyPr/>
+          <a:lstStyle/>
+          <a:p>
+            <a:endParaRPr lang="en-US" dirty="0"/>
+          </a:p>
+        </p:txBody>
+      </p:sp>
+      <p:sp>
+        <p:nvSpPr>
+          <p:cNvPr id="4" name="Slide Number Placeholder 3"/>
+          <p:cNvSpPr>
+            <a:spLocks noGrp="1"/>
+          </p:cNvSpPr>
+          <p:nvPr>
+            <p:ph type="sldNum" sz="quarter" idx="10"/>
+          </p:nvPr>
+        </p:nvSpPr>
+        <p:spPr/>
+        <p:txBody>
+          <a:bodyPr/>
+          <a:lstStyle/>
+          <a:p>
+            <a:fld id="{8E70A4CB-D5A4-4016-9063-EAE2719754C8}" type="slidenum">
+              <a:rPr lang="en-US" smtClean="0"/>
+              <a:t>40</a:t>
             </a:fld>
             <a:endParaRPr lang="en-US"/>
           </a:p>
@@ -1419,8 +1498,8 @@
         </p:nvSpPr>
         <p:spPr>
           <a:xfrm>
-            <a:off x="381000" y="685800"/>
-            <a:ext cx="6096000" cy="3429000"/>
+            <a:off x="1143000" y="685800"/>
+            <a:ext cx="4572000" cy="3429000"/>
           </a:xfrm>
           <a:prstGeom prst="rect">
             <a:avLst/>
@@ -1532,6 +1611,14 @@
           <a:bodyPr/>
           <a:lstStyle/>
           <a:p>
+            <a:r>
+              <a:rPr lang="en-US" dirty="0" smtClean="0"/>
+              <a:t>Why</a:t>
+            </a:r>
+            <a:r>
+              <a:rPr lang="en-US" baseline="0" dirty="0" smtClean="0"/>
+              <a:t> might this be? </a:t>
+            </a:r>
             <a:endParaRPr lang="en-US" dirty="0"/>
           </a:p>
         </p:txBody>
@@ -1562,7 +1649,7 @@
     </p:spTree>
     <p:extLst>
       <p:ext uri="{BB962C8B-B14F-4D97-AF65-F5344CB8AC3E}">
-        <p14:creationId xmlns:p14="http://schemas.microsoft.com/office/powerpoint/2010/main" val="1511137842"/>
+        <p14:creationId xmlns:p14="http://schemas.microsoft.com/office/powerpoint/2010/main" val="3480921922"/>
       </p:ext>
     </p:extLst>
   </p:cSld>
@@ -1646,7 +1733,7 @@
     </p:spTree>
     <p:extLst>
       <p:ext uri="{BB962C8B-B14F-4D97-AF65-F5344CB8AC3E}">
-        <p14:creationId xmlns:p14="http://schemas.microsoft.com/office/powerpoint/2010/main" val="6760467"/>
+        <p14:creationId xmlns:p14="http://schemas.microsoft.com/office/powerpoint/2010/main" val="1511137842"/>
       </p:ext>
     </p:extLst>
   </p:cSld>
@@ -1700,14 +1787,6 @@
           <a:bodyPr/>
           <a:lstStyle/>
           <a:p>
-            <a:r>
-              <a:rPr lang="en-US" dirty="0" smtClean="0"/>
-              <a:t>Simpler</a:t>
-            </a:r>
-            <a:r>
-              <a:rPr lang="en-US" baseline="0" dirty="0" smtClean="0"/>
-              <a:t> slide. Explain image better – the axis.</a:t>
-            </a:r>
             <a:endParaRPr lang="en-US" dirty="0"/>
           </a:p>
         </p:txBody>
@@ -1738,7 +1817,7 @@
     </p:spTree>
     <p:extLst>
       <p:ext uri="{BB962C8B-B14F-4D97-AF65-F5344CB8AC3E}">
-        <p14:creationId xmlns:p14="http://schemas.microsoft.com/office/powerpoint/2010/main" val="1023796823"/>
+        <p14:creationId xmlns:p14="http://schemas.microsoft.com/office/powerpoint/2010/main" val="6760467"/>
       </p:ext>
     </p:extLst>
   </p:cSld>
@@ -1794,11 +1873,11 @@
           <a:p>
             <a:r>
               <a:rPr lang="en-US" dirty="0" smtClean="0"/>
-              <a:t>In order to create an app,</a:t>
+              <a:t>This underlines</a:t>
             </a:r>
             <a:r>
               <a:rPr lang="en-US" baseline="0" dirty="0" smtClean="0"/>
-              <a:t> we have two major parts: Web and Native.</a:t>
+              <a:t> that I was able to use my existing skills to create a hybrid app without learning extra languages.</a:t>
             </a:r>
             <a:endParaRPr lang="en-US" dirty="0"/>
           </a:p>
@@ -1821,7 +1900,7 @@
           <a:p>
             <a:fld id="{8E70A4CB-D5A4-4016-9063-EAE2719754C8}" type="slidenum">
               <a:rPr lang="en-US" smtClean="0"/>
-              <a:t>11</a:t>
+              <a:t>8</a:t>
             </a:fld>
             <a:endParaRPr lang="en-US"/>
           </a:p>
@@ -1830,7 +1909,7 @@
     </p:spTree>
     <p:extLst>
       <p:ext uri="{BB962C8B-B14F-4D97-AF65-F5344CB8AC3E}">
-        <p14:creationId xmlns:p14="http://schemas.microsoft.com/office/powerpoint/2010/main" val="4002310454"/>
+        <p14:creationId xmlns:p14="http://schemas.microsoft.com/office/powerpoint/2010/main" val="2767084436"/>
       </p:ext>
     </p:extLst>
   </p:cSld>
@@ -1884,30 +1963,6 @@
           <a:bodyPr/>
           <a:lstStyle/>
           <a:p>
-            <a:r>
-              <a:rPr lang="en-US" dirty="0" smtClean="0"/>
-              <a:t>Reference split between </a:t>
-            </a:r>
-            <a:r>
-              <a:rPr lang="en-US" dirty="0" err="1" smtClean="0"/>
-              <a:t>dev</a:t>
-            </a:r>
-            <a:r>
-              <a:rPr lang="en-US" dirty="0" smtClean="0"/>
-              <a:t> &amp; designers.. Mobile teams smaller. More</a:t>
-            </a:r>
-            <a:r>
-              <a:rPr lang="en-US" baseline="0" dirty="0" smtClean="0"/>
-              <a:t> relevant than ever for </a:t>
-            </a:r>
-            <a:r>
-              <a:rPr lang="en-US" baseline="0" dirty="0" err="1" smtClean="0"/>
-              <a:t>devs</a:t>
-            </a:r>
-            <a:r>
-              <a:rPr lang="en-US" baseline="0" dirty="0" smtClean="0"/>
-              <a:t>.</a:t>
-            </a:r>
             <a:endParaRPr lang="en-US" dirty="0"/>
           </a:p>
         </p:txBody>
@@ -1929,7 +1984,7 @@
           <a:p>
             <a:fld id="{8E70A4CB-D5A4-4016-9063-EAE2719754C8}" type="slidenum">
               <a:rPr lang="en-US" smtClean="0"/>
-              <a:t>13</a:t>
+              <a:t>9</a:t>
             </a:fld>
             <a:endParaRPr lang="en-US"/>
           </a:p>
@@ -1938,7 +1993,7 @@
     </p:spTree>
     <p:extLst>
       <p:ext uri="{BB962C8B-B14F-4D97-AF65-F5344CB8AC3E}">
-        <p14:creationId xmlns:p14="http://schemas.microsoft.com/office/powerpoint/2010/main" val="4116950798"/>
+        <p14:creationId xmlns:p14="http://schemas.microsoft.com/office/powerpoint/2010/main" val="1023796823"/>
       </p:ext>
     </p:extLst>
   </p:cSld>
@@ -1994,7 +2049,11 @@
           <a:p>
             <a:r>
               <a:rPr lang="en-US" dirty="0" smtClean="0"/>
-              <a:t>animation</a:t>
+              <a:t>In order to create an app,</a:t>
+            </a:r>
+            <a:r>
+              <a:rPr lang="en-US" baseline="0" dirty="0" smtClean="0"/>
+              <a:t> we have two major parts: Web and Native.</a:t>
             </a:r>
             <a:endParaRPr lang="en-US" dirty="0"/>
           </a:p>
@@ -2026,7 +2085,7 @@
     </p:spTree>
     <p:extLst>
       <p:ext uri="{BB962C8B-B14F-4D97-AF65-F5344CB8AC3E}">
-        <p14:creationId xmlns:p14="http://schemas.microsoft.com/office/powerpoint/2010/main" val="4185907973"/>
+        <p14:creationId xmlns:p14="http://schemas.microsoft.com/office/powerpoint/2010/main" val="4002310454"/>
       </p:ext>
     </p:extLst>
   </p:cSld>
@@ -2080,14 +2139,6 @@
           <a:bodyPr/>
           <a:lstStyle/>
           <a:p>
-            <a:r>
-              <a:rPr lang="en-US" dirty="0" smtClean="0"/>
-              <a:t>KendoUI Mobile is part of the</a:t>
-            </a:r>
-            <a:r>
-              <a:rPr lang="en-US" baseline="0" dirty="0" smtClean="0"/>
-              <a:t> larger KendoUI framework suite</a:t>
-            </a:r>
             <a:endParaRPr lang="en-US" dirty="0"/>
           </a:p>
         </p:txBody>
@@ -2109,7 +2160,7 @@
           <a:p>
             <a:fld id="{8E70A4CB-D5A4-4016-9063-EAE2719754C8}" type="slidenum">
               <a:rPr lang="en-US" smtClean="0"/>
-              <a:t>17</a:t>
+              <a:t>18</a:t>
             </a:fld>
             <a:endParaRPr lang="en-US"/>
           </a:p>
@@ -2118,7 +2169,7 @@
     </p:spTree>
     <p:extLst>
       <p:ext uri="{BB962C8B-B14F-4D97-AF65-F5344CB8AC3E}">
-        <p14:creationId xmlns:p14="http://schemas.microsoft.com/office/powerpoint/2010/main" val="3755059056"/>
+        <p14:creationId xmlns:p14="http://schemas.microsoft.com/office/powerpoint/2010/main" val="4116950798"/>
       </p:ext>
     </p:extLst>
   </p:cSld>
@@ -2325,7 +2376,7 @@
           <a:p>
             <a:fld id="{34ED9B13-E5A7-4F15-9144-85834FFDF6F3}" type="datetimeFigureOut">
               <a:rPr lang="en-US" smtClean="0"/>
-              <a:t>8/3/2014</a:t>
+              <a:t>8/5/2014</a:t>
             </a:fld>
             <a:endParaRPr lang="en-US"/>
           </a:p>
@@ -2510,7 +2561,7 @@
           <a:p>
             <a:fld id="{34ED9B13-E5A7-4F15-9144-85834FFDF6F3}" type="datetimeFigureOut">
               <a:rPr lang="en-US" smtClean="0"/>
-              <a:t>8/3/2014</a:t>
+              <a:t>8/5/2014</a:t>
             </a:fld>
             <a:endParaRPr lang="en-US"/>
           </a:p>
@@ -2716,7 +2767,7 @@
           <a:p>
             <a:fld id="{34ED9B13-E5A7-4F15-9144-85834FFDF6F3}" type="datetimeFigureOut">
               <a:rPr lang="en-US" smtClean="0"/>
-              <a:t>8/3/2014</a:t>
+              <a:t>8/5/2014</a:t>
             </a:fld>
             <a:endParaRPr lang="en-US"/>
           </a:p>
@@ -3059,7 +3110,7 @@
           <a:p>
             <a:fld id="{34ED9B13-E5A7-4F15-9144-85834FFDF6F3}" type="datetimeFigureOut">
               <a:rPr lang="en-US" smtClean="0"/>
-              <a:t>8/3/2014</a:t>
+              <a:t>8/5/2014</a:t>
             </a:fld>
             <a:endParaRPr lang="en-US"/>
           </a:p>
@@ -3346,7 +3397,7 @@
           <a:p>
             <a:fld id="{34ED9B13-E5A7-4F15-9144-85834FFDF6F3}" type="datetimeFigureOut">
               <a:rPr lang="en-US" smtClean="0"/>
-              <a:t>8/3/2014</a:t>
+              <a:t>8/5/2014</a:t>
             </a:fld>
             <a:endParaRPr lang="en-US"/>
           </a:p>
@@ -3653,7 +3704,7 @@
           <a:p>
             <a:fld id="{34ED9B13-E5A7-4F15-9144-85834FFDF6F3}" type="datetimeFigureOut">
               <a:rPr lang="en-US" smtClean="0"/>
-              <a:t>8/3/2014</a:t>
+              <a:t>8/5/2014</a:t>
             </a:fld>
             <a:endParaRPr lang="en-US"/>
           </a:p>
@@ -4103,7 +4154,7 @@
           <a:p>
             <a:fld id="{34ED9B13-E5A7-4F15-9144-85834FFDF6F3}" type="datetimeFigureOut">
               <a:rPr lang="en-US" smtClean="0"/>
-              <a:t>8/3/2014</a:t>
+              <a:t>8/5/2014</a:t>
             </a:fld>
             <a:endParaRPr lang="en-US"/>
           </a:p>
@@ -4213,7 +4264,7 @@
           <a:p>
             <a:fld id="{34ED9B13-E5A7-4F15-9144-85834FFDF6F3}" type="datetimeFigureOut">
               <a:rPr lang="en-US" smtClean="0"/>
-              <a:t>8/3/2014</a:t>
+              <a:t>8/5/2014</a:t>
             </a:fld>
             <a:endParaRPr lang="en-US"/>
           </a:p>
@@ -4341,7 +4392,7 @@
           <a:p>
             <a:fld id="{34ED9B13-E5A7-4F15-9144-85834FFDF6F3}" type="datetimeFigureOut">
               <a:rPr lang="en-US" smtClean="0"/>
-              <a:t>8/3/2014</a:t>
+              <a:t>8/5/2014</a:t>
             </a:fld>
             <a:endParaRPr lang="en-US"/>
           </a:p>
@@ -4634,7 +4685,7 @@
           <a:p>
             <a:fld id="{34ED9B13-E5A7-4F15-9144-85834FFDF6F3}" type="datetimeFigureOut">
               <a:rPr lang="en-US" smtClean="0"/>
-              <a:t>8/3/2014</a:t>
+              <a:t>8/5/2014</a:t>
             </a:fld>
             <a:endParaRPr lang="en-US"/>
           </a:p>
@@ -4913,7 +4964,7 @@
           <a:p>
             <a:fld id="{34ED9B13-E5A7-4F15-9144-85834FFDF6F3}" type="datetimeFigureOut">
               <a:rPr lang="en-US" smtClean="0"/>
-              <a:t>8/3/2014</a:t>
+              <a:t>8/5/2014</a:t>
             </a:fld>
             <a:endParaRPr lang="en-US"/>
           </a:p>
@@ -5769,117 +5820,6 @@
       </p:grpSpPr>
       <p:sp>
         <p:nvSpPr>
-          <p:cNvPr id="2" name="Content Placeholder 1"/>
-          <p:cNvSpPr>
-            <a:spLocks noGrp="1"/>
-          </p:cNvSpPr>
-          <p:nvPr>
-            <p:ph sz="quarter" idx="13"/>
-          </p:nvPr>
-        </p:nvSpPr>
-        <p:spPr>
-          <a:xfrm>
-            <a:off x="685800" y="1219200"/>
-            <a:ext cx="7543800" cy="5084064"/>
-          </a:xfrm>
-        </p:spPr>
-        <p:txBody>
-          <a:bodyPr>
-            <a:normAutofit/>
-          </a:bodyPr>
-          <a:lstStyle/>
-          <a:p>
-            <a:pPr marL="0" indent="0">
-              <a:buNone/>
-            </a:pPr>
-            <a:r>
-              <a:rPr lang="en-US" i="0" dirty="0"/>
-              <a:t>M</a:t>
-            </a:r>
-            <a:r>
-              <a:rPr lang="en-US" i="0" dirty="0" smtClean="0"/>
-              <a:t>ore </a:t>
-            </a:r>
-            <a:r>
-              <a:rPr lang="en-US" i="0" dirty="0"/>
-              <a:t>opportunities: web technology </a:t>
-            </a:r>
-            <a:r>
-              <a:rPr lang="en-US" i="0" dirty="0" smtClean="0"/>
-              <a:t>usage increasing </a:t>
-            </a:r>
-            <a:r>
-              <a:rPr lang="en-US" i="0" dirty="0"/>
-              <a:t>across devices </a:t>
-            </a:r>
-            <a:endParaRPr lang="en-US" i="0" dirty="0" smtClean="0"/>
-          </a:p>
-          <a:p>
-            <a:pPr lvl="1"/>
-            <a:r>
-              <a:rPr lang="en-US" i="0" dirty="0" smtClean="0"/>
-              <a:t>TV, </a:t>
-            </a:r>
-            <a:r>
-              <a:rPr lang="en-US" i="0" dirty="0"/>
-              <a:t>cars, </a:t>
-            </a:r>
-            <a:r>
-              <a:rPr lang="en-US" i="0" dirty="0" err="1" smtClean="0"/>
-              <a:t>smartwatches</a:t>
-            </a:r>
-            <a:endParaRPr lang="en-US" i="0" dirty="0"/>
-          </a:p>
-          <a:p>
-            <a:pPr marL="0" indent="0">
-              <a:buNone/>
-            </a:pPr>
-            <a:endParaRPr lang="en-US" i="0" dirty="0"/>
-          </a:p>
-          <a:p>
-            <a:pPr marL="0" indent="0">
-              <a:buNone/>
-            </a:pPr>
-            <a:r>
-              <a:rPr lang="en-US" i="0" dirty="0" smtClean="0"/>
-              <a:t>Constantly </a:t>
-            </a:r>
-            <a:r>
-              <a:rPr lang="en-US" i="0" dirty="0"/>
-              <a:t>getting </a:t>
-            </a:r>
-            <a:r>
-              <a:rPr lang="en-US" i="0" dirty="0" smtClean="0"/>
-              <a:t>better: tools, frameworks, lower barrier to entry</a:t>
-            </a:r>
-            <a:endParaRPr lang="en-US" i="0" dirty="0"/>
-          </a:p>
-          <a:p>
-            <a:pPr marL="0" indent="0">
-              <a:buNone/>
-            </a:pPr>
-            <a:endParaRPr lang="en-US" i="0" dirty="0"/>
-          </a:p>
-          <a:p>
-            <a:pPr marL="0" indent="0">
-              <a:buNone/>
-            </a:pPr>
-            <a:r>
-              <a:rPr lang="en-US" i="0" dirty="0" smtClean="0"/>
-              <a:t>Career</a:t>
-            </a:r>
-            <a:r>
-              <a:rPr lang="en-US" i="0" dirty="0"/>
-              <a:t>: developers who are strong in both frontend &amp; backend are desirable</a:t>
-            </a:r>
-          </a:p>
-          <a:p>
-            <a:endParaRPr lang="en-US" dirty="0"/>
-          </a:p>
-        </p:txBody>
-      </p:sp>
-      <p:sp>
-        <p:nvSpPr>
           <p:cNvPr id="3" name="Title 2"/>
           <p:cNvSpPr>
             <a:spLocks noGrp="1"/>
@@ -5888,27 +5828,30 @@
             <p:ph type="title"/>
           </p:nvPr>
         </p:nvSpPr>
-        <p:spPr/>
+        <p:spPr>
+          <a:xfrm>
+            <a:off x="1828800" y="2667000"/>
+            <a:ext cx="5562600" cy="838200"/>
+          </a:xfrm>
+        </p:spPr>
         <p:txBody>
-          <a:bodyPr/>
+          <a:bodyPr>
+            <a:noAutofit/>
+          </a:bodyPr>
           <a:lstStyle/>
           <a:p>
             <a:r>
-              <a:rPr lang="en-US" dirty="0" smtClean="0"/>
-              <a:t>Why hybrid? </a:t>
-            </a:r>
-            <a:r>
-              <a:rPr lang="en-US" i="1" dirty="0" smtClean="0"/>
-              <a:t>individual</a:t>
-            </a:r>
-            <a:endParaRPr lang="en-US" i="1" dirty="0"/>
+              <a:rPr lang="en-US" sz="5500" dirty="0" smtClean="0"/>
+              <a:t>Why hybrid?</a:t>
+            </a:r>
+            <a:endParaRPr lang="en-US" sz="5500" dirty="0"/>
           </a:p>
         </p:txBody>
       </p:sp>
     </p:spTree>
     <p:extLst>
       <p:ext uri="{BB962C8B-B14F-4D97-AF65-F5344CB8AC3E}">
-        <p14:creationId xmlns:p14="http://schemas.microsoft.com/office/powerpoint/2010/main" val="939529157"/>
+        <p14:creationId xmlns:p14="http://schemas.microsoft.com/office/powerpoint/2010/main" val="1864894465"/>
       </p:ext>
     </p:extLst>
   </p:cSld>
@@ -5954,6 +5897,576 @@
         </p:nvSpPr>
         <p:spPr>
           <a:xfrm>
+            <a:off x="1066800" y="1447800"/>
+            <a:ext cx="7696200" cy="5334000"/>
+          </a:xfrm>
+        </p:spPr>
+        <p:txBody>
+          <a:bodyPr/>
+          <a:lstStyle/>
+          <a:p>
+            <a:pPr marL="0" indent="0">
+              <a:buNone/>
+            </a:pPr>
+            <a:r>
+              <a:rPr lang="en-US" dirty="0" smtClean="0"/>
+              <a:t>Use existing HTML5, CSS3, JavaScript knowledge </a:t>
+            </a:r>
+          </a:p>
+          <a:p>
+            <a:pPr lvl="1"/>
+            <a:r>
+              <a:rPr lang="en-US" dirty="0" smtClean="0"/>
+              <a:t>Native optional</a:t>
+            </a:r>
+            <a:r>
+              <a:rPr lang="en-US" dirty="0" smtClean="0"/>
+              <a:t>! Objective C, Java, C#</a:t>
+            </a:r>
+            <a:endParaRPr lang="en-US" dirty="0" smtClean="0"/>
+          </a:p>
+          <a:p>
+            <a:pPr marL="0" indent="0">
+              <a:buNone/>
+            </a:pPr>
+            <a:endParaRPr lang="en-US" dirty="0"/>
+          </a:p>
+          <a:p>
+            <a:pPr marL="0" indent="0">
+              <a:buNone/>
+            </a:pPr>
+            <a:r>
+              <a:rPr lang="en-US" dirty="0" smtClean="0"/>
+              <a:t>Full Capabilities: Device APIs</a:t>
+            </a:r>
+          </a:p>
+          <a:p>
+            <a:pPr marL="0" indent="0">
+              <a:buNone/>
+            </a:pPr>
+            <a:endParaRPr lang="en-US" dirty="0"/>
+          </a:p>
+          <a:p>
+            <a:pPr marL="0" indent="0">
+              <a:buNone/>
+            </a:pPr>
+            <a:r>
+              <a:rPr lang="en-US" dirty="0" smtClean="0"/>
+              <a:t>Multiple Platforms: iOS, Android, Windows Phone</a:t>
+            </a:r>
+          </a:p>
+          <a:p>
+            <a:pPr marL="0" indent="0">
+              <a:buNone/>
+            </a:pPr>
+            <a:endParaRPr lang="en-US" dirty="0"/>
+          </a:p>
+          <a:p>
+            <a:pPr marL="0" indent="0">
+              <a:buNone/>
+            </a:pPr>
+            <a:endParaRPr lang="en-US" dirty="0"/>
+          </a:p>
+        </p:txBody>
+      </p:sp>
+      <p:sp>
+        <p:nvSpPr>
+          <p:cNvPr id="3" name="Title 2"/>
+          <p:cNvSpPr>
+            <a:spLocks noGrp="1"/>
+          </p:cNvSpPr>
+          <p:nvPr>
+            <p:ph type="title"/>
+          </p:nvPr>
+        </p:nvSpPr>
+        <p:spPr/>
+        <p:txBody>
+          <a:bodyPr/>
+          <a:lstStyle/>
+          <a:p>
+            <a:r>
+              <a:rPr lang="en-US" dirty="0" smtClean="0"/>
+              <a:t>Why Hybrid? </a:t>
+            </a:r>
+            <a:r>
+              <a:rPr lang="en-US" i="1" dirty="0" smtClean="0"/>
+              <a:t>technology</a:t>
+            </a:r>
+            <a:endParaRPr lang="en-US" i="1" dirty="0"/>
+          </a:p>
+        </p:txBody>
+      </p:sp>
+    </p:spTree>
+    <p:extLst>
+      <p:ext uri="{BB962C8B-B14F-4D97-AF65-F5344CB8AC3E}">
+        <p14:creationId xmlns:p14="http://schemas.microsoft.com/office/powerpoint/2010/main" val="3961661780"/>
+      </p:ext>
+    </p:extLst>
+  </p:cSld>
+  <p:clrMapOvr>
+    <a:masterClrMapping/>
+  </p:clrMapOvr>
+  <p:timing>
+    <p:tnLst>
+      <p:par>
+        <p:cTn id="1" dur="indefinite" restart="never" nodeType="tmRoot"/>
+      </p:par>
+    </p:tnLst>
+  </p:timing>
+</p:sld>
+</file>
+
+<file path=ppt/slides/slide12.xml><?xml version="1.0" encoding="utf-8"?>
+<p:sld xmlns:a="http://schemas.openxmlformats.org/drawingml/2006/main" xmlns:r="http://schemas.openxmlformats.org/officeDocument/2006/relationships" xmlns:p="http://schemas.openxmlformats.org/presentationml/2006/main">
+  <p:cSld>
+    <p:spTree>
+      <p:nvGrpSpPr>
+        <p:cNvPr id="1" name=""/>
+        <p:cNvGrpSpPr/>
+        <p:nvPr/>
+      </p:nvGrpSpPr>
+      <p:grpSpPr>
+        <a:xfrm>
+          <a:off x="0" y="0"/>
+          <a:ext cx="0" cy="0"/>
+          <a:chOff x="0" y="0"/>
+          <a:chExt cx="0" cy="0"/>
+        </a:xfrm>
+      </p:grpSpPr>
+      <p:sp>
+        <p:nvSpPr>
+          <p:cNvPr id="2" name="Content Placeholder 1"/>
+          <p:cNvSpPr>
+            <a:spLocks noGrp="1"/>
+          </p:cNvSpPr>
+          <p:nvPr>
+            <p:ph sz="quarter" idx="13"/>
+          </p:nvPr>
+        </p:nvSpPr>
+        <p:spPr>
+          <a:xfrm>
+            <a:off x="685800" y="1143000"/>
+            <a:ext cx="7696200" cy="5562600"/>
+          </a:xfrm>
+        </p:spPr>
+        <p:txBody>
+          <a:bodyPr>
+            <a:normAutofit/>
+          </a:bodyPr>
+          <a:lstStyle/>
+          <a:p>
+            <a:pPr marL="0" indent="0">
+              <a:buNone/>
+            </a:pPr>
+            <a:r>
+              <a:rPr lang="en-US" i="0" dirty="0"/>
+              <a:t>Lower Cost: </a:t>
+            </a:r>
+          </a:p>
+          <a:p>
+            <a:pPr lvl="1"/>
+            <a:r>
+              <a:rPr lang="en-US" i="0" dirty="0"/>
+              <a:t>Single codebase</a:t>
+            </a:r>
+          </a:p>
+          <a:p>
+            <a:pPr lvl="1"/>
+            <a:r>
+              <a:rPr lang="en-US" i="0" dirty="0"/>
+              <a:t>Single technology stack</a:t>
+            </a:r>
+          </a:p>
+          <a:p>
+            <a:pPr lvl="1"/>
+            <a:r>
+              <a:rPr lang="en-US" i="0" dirty="0"/>
+              <a:t>Reuse business logic code</a:t>
+            </a:r>
+            <a:r>
+              <a:rPr lang="en-US" i="0" dirty="0" smtClean="0"/>
+              <a:t>*</a:t>
+            </a:r>
+            <a:endParaRPr lang="en-US" i="0" dirty="0"/>
+          </a:p>
+          <a:p>
+            <a:pPr marL="0" indent="0">
+              <a:buNone/>
+            </a:pPr>
+            <a:endParaRPr lang="en-US" i="0" dirty="0" smtClean="0"/>
+          </a:p>
+          <a:p>
+            <a:pPr marL="0" indent="0">
+              <a:buNone/>
+            </a:pPr>
+            <a:r>
+              <a:rPr lang="en-US" i="0" dirty="0" smtClean="0"/>
+              <a:t>This matters because:</a:t>
+            </a:r>
+          </a:p>
+          <a:p>
+            <a:pPr lvl="1"/>
+            <a:r>
+              <a:rPr lang="en-US" i="0" dirty="0" smtClean="0"/>
+              <a:t>BYOD </a:t>
+            </a:r>
+            <a:r>
+              <a:rPr lang="en-US" i="0" dirty="0"/>
+              <a:t>trend </a:t>
+            </a:r>
+            <a:r>
+              <a:rPr lang="en-US" i="0" dirty="0" smtClean="0"/>
+              <a:t>continues to gain momentum</a:t>
+            </a:r>
+          </a:p>
+          <a:p>
+            <a:pPr lvl="1"/>
+            <a:r>
+              <a:rPr lang="en-US" i="0" dirty="0" smtClean="0"/>
+              <a:t>Mobile/remote </a:t>
+            </a:r>
+            <a:r>
+              <a:rPr lang="en-US" i="0" dirty="0"/>
+              <a:t>work </a:t>
+            </a:r>
+            <a:r>
+              <a:rPr lang="en-US" i="0" dirty="0" smtClean="0"/>
+              <a:t>increasing across </a:t>
+            </a:r>
+            <a:r>
+              <a:rPr lang="en-US" i="0" dirty="0"/>
+              <a:t>many industries</a:t>
+            </a:r>
+          </a:p>
+          <a:p>
+            <a:pPr marL="0" indent="0">
+              <a:buNone/>
+            </a:pPr>
+            <a:endParaRPr lang="en-US" i="0" dirty="0" smtClean="0"/>
+          </a:p>
+          <a:p>
+            <a:endParaRPr lang="en-US" dirty="0"/>
+          </a:p>
+        </p:txBody>
+      </p:sp>
+      <p:sp>
+        <p:nvSpPr>
+          <p:cNvPr id="3" name="Title 2"/>
+          <p:cNvSpPr>
+            <a:spLocks noGrp="1"/>
+          </p:cNvSpPr>
+          <p:nvPr>
+            <p:ph type="title"/>
+          </p:nvPr>
+        </p:nvSpPr>
+        <p:spPr/>
+        <p:txBody>
+          <a:bodyPr/>
+          <a:lstStyle/>
+          <a:p>
+            <a:r>
+              <a:rPr lang="en-US" dirty="0" smtClean="0"/>
+              <a:t>Why hybrid? </a:t>
+            </a:r>
+            <a:r>
+              <a:rPr lang="en-US" i="1" dirty="0" smtClean="0"/>
+              <a:t>business</a:t>
+            </a:r>
+            <a:endParaRPr lang="en-US" i="1" dirty="0"/>
+          </a:p>
+        </p:txBody>
+      </p:sp>
+    </p:spTree>
+    <p:extLst>
+      <p:ext uri="{BB962C8B-B14F-4D97-AF65-F5344CB8AC3E}">
+        <p14:creationId xmlns:p14="http://schemas.microsoft.com/office/powerpoint/2010/main" val="845217067"/>
+      </p:ext>
+    </p:extLst>
+  </p:cSld>
+  <p:clrMapOvr>
+    <a:masterClrMapping/>
+  </p:clrMapOvr>
+  <p:timing>
+    <p:tnLst>
+      <p:par>
+        <p:cTn id="1" dur="indefinite" restart="never" nodeType="tmRoot"/>
+      </p:par>
+    </p:tnLst>
+  </p:timing>
+</p:sld>
+</file>
+
+<file path=ppt/slides/slide13.xml><?xml version="1.0" encoding="utf-8"?>
+<p:sld xmlns:a="http://schemas.openxmlformats.org/drawingml/2006/main" xmlns:r="http://schemas.openxmlformats.org/officeDocument/2006/relationships" xmlns:p="http://schemas.openxmlformats.org/presentationml/2006/main">
+  <p:cSld>
+    <p:spTree>
+      <p:nvGrpSpPr>
+        <p:cNvPr id="1" name=""/>
+        <p:cNvGrpSpPr/>
+        <p:nvPr/>
+      </p:nvGrpSpPr>
+      <p:grpSpPr>
+        <a:xfrm>
+          <a:off x="0" y="0"/>
+          <a:ext cx="0" cy="0"/>
+          <a:chOff x="0" y="0"/>
+          <a:chExt cx="0" cy="0"/>
+        </a:xfrm>
+      </p:grpSpPr>
+      <p:sp>
+        <p:nvSpPr>
+          <p:cNvPr id="2" name="Content Placeholder 1"/>
+          <p:cNvSpPr>
+            <a:spLocks noGrp="1"/>
+          </p:cNvSpPr>
+          <p:nvPr>
+            <p:ph sz="quarter" idx="13"/>
+          </p:nvPr>
+        </p:nvSpPr>
+        <p:spPr>
+          <a:xfrm>
+            <a:off x="685800" y="1219200"/>
+            <a:ext cx="7543800" cy="5084064"/>
+          </a:xfrm>
+        </p:spPr>
+        <p:txBody>
+          <a:bodyPr>
+            <a:normAutofit/>
+          </a:bodyPr>
+          <a:lstStyle/>
+          <a:p>
+            <a:pPr marL="0" indent="0">
+              <a:buNone/>
+            </a:pPr>
+            <a:r>
+              <a:rPr lang="en-US" i="0" dirty="0"/>
+              <a:t>M</a:t>
+            </a:r>
+            <a:r>
+              <a:rPr lang="en-US" i="0" dirty="0" smtClean="0"/>
+              <a:t>ore </a:t>
+            </a:r>
+            <a:r>
+              <a:rPr lang="en-US" i="0" dirty="0"/>
+              <a:t>opportunities: web technology </a:t>
+            </a:r>
+            <a:r>
+              <a:rPr lang="en-US" i="0" dirty="0" smtClean="0"/>
+              <a:t>usage increasing </a:t>
+            </a:r>
+            <a:r>
+              <a:rPr lang="en-US" i="0" dirty="0"/>
+              <a:t>across devices </a:t>
+            </a:r>
+            <a:endParaRPr lang="en-US" i="0" dirty="0" smtClean="0"/>
+          </a:p>
+          <a:p>
+            <a:pPr lvl="1"/>
+            <a:r>
+              <a:rPr lang="en-US" i="0" dirty="0" smtClean="0"/>
+              <a:t>TV, </a:t>
+            </a:r>
+            <a:r>
+              <a:rPr lang="en-US" i="0" dirty="0"/>
+              <a:t>cars, </a:t>
+            </a:r>
+            <a:r>
+              <a:rPr lang="en-US" i="0" dirty="0" smtClean="0"/>
+              <a:t>smart watches</a:t>
+            </a:r>
+            <a:endParaRPr lang="en-US" i="0" dirty="0"/>
+          </a:p>
+          <a:p>
+            <a:pPr marL="0" indent="0">
+              <a:buNone/>
+            </a:pPr>
+            <a:endParaRPr lang="en-US" i="0" dirty="0"/>
+          </a:p>
+          <a:p>
+            <a:pPr marL="0" indent="0">
+              <a:buNone/>
+            </a:pPr>
+            <a:r>
+              <a:rPr lang="en-US" i="0" dirty="0" smtClean="0"/>
+              <a:t>Constantly </a:t>
+            </a:r>
+            <a:r>
+              <a:rPr lang="en-US" i="0" dirty="0"/>
+              <a:t>getting </a:t>
+            </a:r>
+            <a:r>
+              <a:rPr lang="en-US" i="0" dirty="0" smtClean="0"/>
+              <a:t>better: tools, frameworks, lower barrier to entry</a:t>
+            </a:r>
+            <a:endParaRPr lang="en-US" i="0" dirty="0"/>
+          </a:p>
+          <a:p>
+            <a:pPr marL="0" indent="0">
+              <a:buNone/>
+            </a:pPr>
+            <a:endParaRPr lang="en-US" i="0" dirty="0"/>
+          </a:p>
+          <a:p>
+            <a:pPr marL="0" indent="0">
+              <a:buNone/>
+            </a:pPr>
+            <a:r>
+              <a:rPr lang="en-US" i="0" dirty="0" smtClean="0"/>
+              <a:t>Career</a:t>
+            </a:r>
+            <a:r>
+              <a:rPr lang="en-US" i="0" dirty="0"/>
+              <a:t>: developers who are strong in both frontend &amp; backend are desirable</a:t>
+            </a:r>
+          </a:p>
+          <a:p>
+            <a:endParaRPr lang="en-US" dirty="0"/>
+          </a:p>
+        </p:txBody>
+      </p:sp>
+      <p:sp>
+        <p:nvSpPr>
+          <p:cNvPr id="3" name="Title 2"/>
+          <p:cNvSpPr>
+            <a:spLocks noGrp="1"/>
+          </p:cNvSpPr>
+          <p:nvPr>
+            <p:ph type="title"/>
+          </p:nvPr>
+        </p:nvSpPr>
+        <p:spPr/>
+        <p:txBody>
+          <a:bodyPr/>
+          <a:lstStyle/>
+          <a:p>
+            <a:r>
+              <a:rPr lang="en-US" dirty="0" smtClean="0"/>
+              <a:t>Why hybrid? </a:t>
+            </a:r>
+            <a:r>
+              <a:rPr lang="en-US" i="1" dirty="0" smtClean="0"/>
+              <a:t>individual</a:t>
+            </a:r>
+            <a:endParaRPr lang="en-US" i="1" dirty="0"/>
+          </a:p>
+        </p:txBody>
+      </p:sp>
+    </p:spTree>
+    <p:extLst>
+      <p:ext uri="{BB962C8B-B14F-4D97-AF65-F5344CB8AC3E}">
+        <p14:creationId xmlns:p14="http://schemas.microsoft.com/office/powerpoint/2010/main" val="939529157"/>
+      </p:ext>
+    </p:extLst>
+  </p:cSld>
+  <p:clrMapOvr>
+    <a:masterClrMapping/>
+  </p:clrMapOvr>
+  <p:timing>
+    <p:tnLst>
+      <p:par>
+        <p:cTn id="1" dur="indefinite" restart="never" nodeType="tmRoot"/>
+      </p:par>
+    </p:tnLst>
+  </p:timing>
+</p:sld>
+</file>
+
+<file path=ppt/slides/slide14.xml><?xml version="1.0" encoding="utf-8"?>
+<p:sld xmlns:a="http://schemas.openxmlformats.org/drawingml/2006/main" xmlns:r="http://schemas.openxmlformats.org/officeDocument/2006/relationships" xmlns:p="http://schemas.openxmlformats.org/presentationml/2006/main">
+  <p:cSld>
+    <p:spTree>
+      <p:nvGrpSpPr>
+        <p:cNvPr id="1" name=""/>
+        <p:cNvGrpSpPr/>
+        <p:nvPr/>
+      </p:nvGrpSpPr>
+      <p:grpSpPr>
+        <a:xfrm>
+          <a:off x="0" y="0"/>
+          <a:ext cx="0" cy="0"/>
+          <a:chOff x="0" y="0"/>
+          <a:chExt cx="0" cy="0"/>
+        </a:xfrm>
+      </p:grpSpPr>
+      <p:sp>
+        <p:nvSpPr>
+          <p:cNvPr id="3" name="Title 2"/>
+          <p:cNvSpPr>
+            <a:spLocks noGrp="1"/>
+          </p:cNvSpPr>
+          <p:nvPr>
+            <p:ph type="title"/>
+          </p:nvPr>
+        </p:nvSpPr>
+        <p:spPr>
+          <a:xfrm>
+            <a:off x="1828800" y="2286000"/>
+            <a:ext cx="5562600" cy="838200"/>
+          </a:xfrm>
+        </p:spPr>
+        <p:txBody>
+          <a:bodyPr>
+            <a:noAutofit/>
+          </a:bodyPr>
+          <a:lstStyle/>
+          <a:p>
+            <a:r>
+              <a:rPr lang="en-US" sz="5500" dirty="0" smtClean="0"/>
+              <a:t>Creating a hybrid app</a:t>
+            </a:r>
+            <a:endParaRPr lang="en-US" sz="5500" dirty="0"/>
+          </a:p>
+        </p:txBody>
+      </p:sp>
+    </p:spTree>
+    <p:extLst>
+      <p:ext uri="{BB962C8B-B14F-4D97-AF65-F5344CB8AC3E}">
+        <p14:creationId xmlns:p14="http://schemas.microsoft.com/office/powerpoint/2010/main" val="3210901081"/>
+      </p:ext>
+    </p:extLst>
+  </p:cSld>
+  <p:clrMapOvr>
+    <a:masterClrMapping/>
+  </p:clrMapOvr>
+  <p:timing>
+    <p:tnLst>
+      <p:par>
+        <p:cTn id="1" dur="indefinite" restart="never" nodeType="tmRoot"/>
+      </p:par>
+    </p:tnLst>
+  </p:timing>
+</p:sld>
+</file>
+
+<file path=ppt/slides/slide15.xml><?xml version="1.0" encoding="utf-8"?>
+<p:sld xmlns:a="http://schemas.openxmlformats.org/drawingml/2006/main" xmlns:r="http://schemas.openxmlformats.org/officeDocument/2006/relationships" xmlns:p="http://schemas.openxmlformats.org/presentationml/2006/main">
+  <p:cSld>
+    <p:spTree>
+      <p:nvGrpSpPr>
+        <p:cNvPr id="1" name=""/>
+        <p:cNvGrpSpPr/>
+        <p:nvPr/>
+      </p:nvGrpSpPr>
+      <p:grpSpPr>
+        <a:xfrm>
+          <a:off x="0" y="0"/>
+          <a:ext cx="0" cy="0"/>
+          <a:chOff x="0" y="0"/>
+          <a:chExt cx="0" cy="0"/>
+        </a:xfrm>
+      </p:grpSpPr>
+      <p:sp>
+        <p:nvSpPr>
+          <p:cNvPr id="2" name="Content Placeholder 1"/>
+          <p:cNvSpPr>
+            <a:spLocks noGrp="1"/>
+          </p:cNvSpPr>
+          <p:nvPr>
+            <p:ph sz="quarter" idx="13"/>
+          </p:nvPr>
+        </p:nvSpPr>
+        <p:spPr>
+          <a:xfrm>
             <a:off x="685800" y="1545336"/>
             <a:ext cx="4953000" cy="2493264"/>
           </a:xfrm>
@@ -5969,7 +6482,7 @@
             </a:pPr>
             <a:r>
               <a:rPr lang="en-US" dirty="0" smtClean="0"/>
-              <a:t>Web</a:t>
+              <a:t>1. Web</a:t>
             </a:r>
             <a:r>
               <a:rPr lang="en-US" i="0" dirty="0" smtClean="0"/>
@@ -6127,7 +6640,23 @@
                   <a:srgbClr val="3F3F3F"/>
                 </a:solidFill>
               </a:rPr>
-              <a:t>Native Code </a:t>
+              <a:t>2. </a:t>
+            </a:r>
+            <a:r>
+              <a:rPr lang="en-US" sz="3200" i="1" dirty="0" smtClean="0">
+                <a:solidFill>
+                  <a:srgbClr val="3F3F3F"/>
+                </a:solidFill>
+              </a:rPr>
+              <a:t>Native </a:t>
+            </a:r>
+            <a:r>
+              <a:rPr lang="en-US" sz="3200" i="1" dirty="0" smtClean="0">
+                <a:solidFill>
+                  <a:srgbClr val="3F3F3F"/>
+                </a:solidFill>
+              </a:rPr>
+              <a:t>Code </a:t>
             </a:r>
             <a:r>
               <a:rPr lang="en-US" sz="3200" i="1" dirty="0">
@@ -6799,7 +7328,74 @@
 </p:sld>
 </file>
 
-<file path=ppt/slides/slide12.xml><?xml version="1.0" encoding="utf-8"?>
+<file path=ppt/slides/slide16.xml><?xml version="1.0" encoding="utf-8"?>
+<p:sld xmlns:a="http://schemas.openxmlformats.org/drawingml/2006/main" xmlns:r="http://schemas.openxmlformats.org/officeDocument/2006/relationships" xmlns:p="http://schemas.openxmlformats.org/presentationml/2006/main">
+  <p:cSld>
+    <p:spTree>
+      <p:nvGrpSpPr>
+        <p:cNvPr id="1" name=""/>
+        <p:cNvGrpSpPr/>
+        <p:nvPr/>
+      </p:nvGrpSpPr>
+      <p:grpSpPr>
+        <a:xfrm>
+          <a:off x="0" y="0"/>
+          <a:ext cx="0" cy="0"/>
+          <a:chOff x="0" y="0"/>
+          <a:chExt cx="0" cy="0"/>
+        </a:xfrm>
+      </p:grpSpPr>
+      <p:sp>
+        <p:nvSpPr>
+          <p:cNvPr id="3" name="Title 2"/>
+          <p:cNvSpPr>
+            <a:spLocks noGrp="1"/>
+          </p:cNvSpPr>
+          <p:nvPr>
+            <p:ph type="title"/>
+          </p:nvPr>
+        </p:nvSpPr>
+        <p:spPr>
+          <a:xfrm>
+            <a:off x="1828800" y="1752600"/>
+            <a:ext cx="5562600" cy="838200"/>
+          </a:xfrm>
+        </p:spPr>
+        <p:txBody>
+          <a:bodyPr>
+            <a:noAutofit/>
+          </a:bodyPr>
+          <a:lstStyle/>
+          <a:p>
+            <a:r>
+              <a:rPr lang="en-US" sz="5500" dirty="0" smtClean="0"/>
+              <a:t>Creating a hybrid app: web</a:t>
+            </a:r>
+            <a:endParaRPr lang="en-US" sz="5500" dirty="0"/>
+          </a:p>
+        </p:txBody>
+      </p:sp>
+    </p:spTree>
+    <p:extLst>
+      <p:ext uri="{BB962C8B-B14F-4D97-AF65-F5344CB8AC3E}">
+        <p14:creationId xmlns:p14="http://schemas.microsoft.com/office/powerpoint/2010/main" val="3192238598"/>
+      </p:ext>
+    </p:extLst>
+  </p:cSld>
+  <p:clrMapOvr>
+    <a:masterClrMapping/>
+  </p:clrMapOvr>
+  <p:timing>
+    <p:tnLst>
+      <p:par>
+        <p:cTn id="1" dur="indefinite" restart="never" nodeType="tmRoot"/>
+      </p:par>
+    </p:tnLst>
+  </p:timing>
+</p:sld>
+</file>
+
+<file path=ppt/slides/slide17.xml><?xml version="1.0" encoding="utf-8"?>
 <p:sld xmlns:a="http://schemas.openxmlformats.org/drawingml/2006/main" xmlns:r="http://schemas.openxmlformats.org/officeDocument/2006/relationships" xmlns:p="http://schemas.openxmlformats.org/presentationml/2006/main">
   <p:cSld>
     <p:spTree>
@@ -7523,7 +8119,7 @@
 </p:sld>
 </file>
 
-<file path=ppt/slides/slide13.xml><?xml version="1.0" encoding="utf-8"?>
+<file path=ppt/slides/slide18.xml><?xml version="1.0" encoding="utf-8"?>
 <p:sld xmlns:a="http://schemas.openxmlformats.org/drawingml/2006/main" xmlns:r="http://schemas.openxmlformats.org/officeDocument/2006/relationships" xmlns:p="http://schemas.openxmlformats.org/presentationml/2006/main">
   <p:cSld>
     <p:spTree>
@@ -7586,8 +8182,8 @@
         </p:blipFill>
         <p:spPr bwMode="auto">
           <a:xfrm>
-            <a:off x="990599" y="1574704"/>
-            <a:ext cx="3078537" cy="5130895"/>
+            <a:off x="1295400" y="2082706"/>
+            <a:ext cx="2773736" cy="4622893"/>
           </a:xfrm>
           <a:prstGeom prst="rect">
             <a:avLst/>
@@ -7627,8 +8223,8 @@
         </p:blipFill>
         <p:spPr bwMode="auto">
           <a:xfrm>
-            <a:off x="4887535" y="1574705"/>
-            <a:ext cx="3078760" cy="5130895"/>
+            <a:off x="5192357" y="2082706"/>
+            <a:ext cx="2773937" cy="4622894"/>
           </a:xfrm>
           <a:prstGeom prst="rect">
             <a:avLst/>
@@ -7654,7 +8250,7 @@
         <p:spPr>
           <a:xfrm>
             <a:off x="914400" y="1002268"/>
-            <a:ext cx="4346062" cy="369332"/>
+            <a:ext cx="8044190" cy="369332"/>
           </a:xfrm>
           <a:prstGeom prst="rect">
             <a:avLst/>
@@ -7667,20 +8263,50 @@
           <a:lstStyle/>
           <a:p>
             <a:r>
-              <a:rPr lang="en-US" dirty="0">
-                <a:solidFill>
-                  <a:schemeClr val="bg1"/>
-                </a:solidFill>
-              </a:rPr>
-              <a:t>Most developers </a:t>
-            </a:r>
-            <a:r>
               <a:rPr lang="en-US" dirty="0" smtClean="0">
                 <a:solidFill>
                   <a:schemeClr val="bg1"/>
                 </a:solidFill>
               </a:rPr>
-              <a:t>are not good designers…</a:t>
+              <a:t>Mobile teams are often small. Understanding design is more important than ever!</a:t>
+            </a:r>
+            <a:endParaRPr lang="en-US" dirty="0">
+              <a:solidFill>
+                <a:schemeClr val="bg1"/>
+              </a:solidFill>
+            </a:endParaRPr>
+          </a:p>
+        </p:txBody>
+      </p:sp>
+      <p:sp>
+        <p:nvSpPr>
+          <p:cNvPr id="2" name="TextBox 1"/>
+          <p:cNvSpPr txBox="1"/>
+          <p:nvPr/>
+        </p:nvSpPr>
+        <p:spPr>
+          <a:xfrm>
+            <a:off x="1219200" y="1611868"/>
+            <a:ext cx="2286000" cy="369332"/>
+          </a:xfrm>
+          <a:prstGeom prst="rect">
+            <a:avLst/>
+          </a:prstGeom>
+          <a:noFill/>
+        </p:spPr>
+        <p:txBody>
+          <a:bodyPr wrap="square" rtlCol="0">
+            <a:spAutoFit/>
+          </a:bodyPr>
+          <a:lstStyle/>
+          <a:p>
+            <a:r>
+              <a:rPr lang="en-US" dirty="0" smtClean="0">
+                <a:solidFill>
+                  <a:schemeClr val="bg1"/>
+                </a:solidFill>
+              </a:rPr>
+              <a:t>Case in point:</a:t>
             </a:r>
             <a:endParaRPr lang="en-US" dirty="0">
               <a:solidFill>
@@ -7820,7 +8446,7 @@
                             </p:stCondLst>
                             <p:childTnLst>
                               <p:par>
-                                <p:cTn id="12" presetID="42" presetClass="entr" presetSubtype="0" fill="hold" nodeType="clickEffect">
+                                <p:cTn id="12" presetID="42" presetClass="entr" presetSubtype="0" fill="hold" grpId="0" nodeType="clickEffect">
                                   <p:stCondLst>
                                     <p:cond delay="0"/>
                                   </p:stCondLst>
@@ -7833,7 +8459,7 @@
                                           </p:stCondLst>
                                         </p:cTn>
                                         <p:tgtEl>
-                                          <p:spTgt spid="7170"/>
+                                          <p:spTgt spid="2"/>
                                         </p:tgtEl>
                                         <p:attrNameLst>
                                           <p:attrName>style.visibility</p:attrName>
@@ -7847,7 +8473,7 @@
                                       <p:cBhvr>
                                         <p:cTn id="14" dur="1000"/>
                                         <p:tgtEl>
-                                          <p:spTgt spid="7170"/>
+                                          <p:spTgt spid="2"/>
                                         </p:tgtEl>
                                       </p:cBhvr>
                                     </p:animEffect>
@@ -7855,7 +8481,7 @@
                                       <p:cBhvr>
                                         <p:cTn id="15" dur="1000" fill="hold"/>
                                         <p:tgtEl>
-                                          <p:spTgt spid="7170"/>
+                                          <p:spTgt spid="2"/>
                                         </p:tgtEl>
                                         <p:attrNameLst>
                                           <p:attrName>ppt_x</p:attrName>
@@ -7878,7 +8504,7 @@
                                       <p:cBhvr>
                                         <p:cTn id="16" dur="1000" fill="hold"/>
                                         <p:tgtEl>
-                                          <p:spTgt spid="7170"/>
+                                          <p:spTgt spid="2"/>
                                         </p:tgtEl>
                                         <p:attrNameLst>
                                           <p:attrName>ppt_y</p:attrName>
@@ -7914,7 +8540,7 @@
                                           </p:stCondLst>
                                         </p:cTn>
                                         <p:tgtEl>
-                                          <p:spTgt spid="7171"/>
+                                          <p:spTgt spid="7170"/>
                                         </p:tgtEl>
                                         <p:attrNameLst>
                                           <p:attrName>style.visibility</p:attrName>
@@ -7928,7 +8554,7 @@
                                       <p:cBhvr>
                                         <p:cTn id="19" dur="1000"/>
                                         <p:tgtEl>
-                                          <p:spTgt spid="7171"/>
+                                          <p:spTgt spid="7170"/>
                                         </p:tgtEl>
                                       </p:cBhvr>
                                     </p:animEffect>
@@ -7936,7 +8562,7 @@
                                       <p:cBhvr>
                                         <p:cTn id="20" dur="1000" fill="hold"/>
                                         <p:tgtEl>
-                                          <p:spTgt spid="7171"/>
+                                          <p:spTgt spid="7170"/>
                                         </p:tgtEl>
                                         <p:attrNameLst>
                                           <p:attrName>ppt_x</p:attrName>
@@ -7958,6 +8584,87 @@
                                     <p:anim calcmode="lin" valueType="num">
                                       <p:cBhvr>
                                         <p:cTn id="21" dur="1000" fill="hold"/>
+                                        <p:tgtEl>
+                                          <p:spTgt spid="7170"/>
+                                        </p:tgtEl>
+                                        <p:attrNameLst>
+                                          <p:attrName>ppt_y</p:attrName>
+                                        </p:attrNameLst>
+                                      </p:cBhvr>
+                                      <p:tavLst>
+                                        <p:tav tm="0">
+                                          <p:val>
+                                            <p:strVal val="#ppt_y+.1"/>
+                                          </p:val>
+                                        </p:tav>
+                                        <p:tav tm="100000">
+                                          <p:val>
+                                            <p:strVal val="#ppt_y"/>
+                                          </p:val>
+                                        </p:tav>
+                                      </p:tavLst>
+                                    </p:anim>
+                                  </p:childTnLst>
+                                </p:cTn>
+                              </p:par>
+                              <p:par>
+                                <p:cTn id="22" presetID="42" presetClass="entr" presetSubtype="0" fill="hold" nodeType="withEffect">
+                                  <p:stCondLst>
+                                    <p:cond delay="0"/>
+                                  </p:stCondLst>
+                                  <p:childTnLst>
+                                    <p:set>
+                                      <p:cBhvr>
+                                        <p:cTn id="23" dur="1" fill="hold">
+                                          <p:stCondLst>
+                                            <p:cond delay="0"/>
+                                          </p:stCondLst>
+                                        </p:cTn>
+                                        <p:tgtEl>
+                                          <p:spTgt spid="7171"/>
+                                        </p:tgtEl>
+                                        <p:attrNameLst>
+                                          <p:attrName>style.visibility</p:attrName>
+                                        </p:attrNameLst>
+                                      </p:cBhvr>
+                                      <p:to>
+                                        <p:strVal val="visible"/>
+                                      </p:to>
+                                    </p:set>
+                                    <p:animEffect transition="in" filter="fade">
+                                      <p:cBhvr>
+                                        <p:cTn id="24" dur="1000"/>
+                                        <p:tgtEl>
+                                          <p:spTgt spid="7171"/>
+                                        </p:tgtEl>
+                                      </p:cBhvr>
+                                    </p:animEffect>
+                                    <p:anim calcmode="lin" valueType="num">
+                                      <p:cBhvr>
+                                        <p:cTn id="25" dur="1000" fill="hold"/>
+                                        <p:tgtEl>
+                                          <p:spTgt spid="7171"/>
+                                        </p:tgtEl>
+                                        <p:attrNameLst>
+                                          <p:attrName>ppt_x</p:attrName>
+                                        </p:attrNameLst>
+                                      </p:cBhvr>
+                                      <p:tavLst>
+                                        <p:tav tm="0">
+                                          <p:val>
+                                            <p:strVal val="#ppt_x"/>
+                                          </p:val>
+                                        </p:tav>
+                                        <p:tav tm="100000">
+                                          <p:val>
+                                            <p:strVal val="#ppt_x"/>
+                                          </p:val>
+                                        </p:tav>
+                                      </p:tavLst>
+                                    </p:anim>
+                                    <p:anim calcmode="lin" valueType="num">
+                                      <p:cBhvr>
+                                        <p:cTn id="26" dur="1000" fill="hold"/>
                                         <p:tgtEl>
                                           <p:spTgt spid="7171"/>
                                         </p:tgtEl>
@@ -8010,12 +8717,13 @@
     </p:tnLst>
     <p:bldLst>
       <p:bldP spid="4" grpId="0"/>
+      <p:bldP spid="2" grpId="0"/>
     </p:bldLst>
   </p:timing>
 </p:sld>
 </file>
 
-<file path=ppt/slides/slide14.xml><?xml version="1.0" encoding="utf-8"?>
+<file path=ppt/slides/slide19.xml><?xml version="1.0" encoding="utf-8"?>
 <p:sld xmlns:a="http://schemas.openxmlformats.org/drawingml/2006/main" xmlns:r="http://schemas.openxmlformats.org/officeDocument/2006/relationships" xmlns:p="http://schemas.openxmlformats.org/presentationml/2006/main">
   <p:cSld>
     <p:spTree>
@@ -8281,1721 +8989,6 @@
     <p:extLst>
       <p:ext uri="{BB962C8B-B14F-4D97-AF65-F5344CB8AC3E}">
         <p14:creationId xmlns:p14="http://schemas.microsoft.com/office/powerpoint/2010/main" val="1192497816"/>
-      </p:ext>
-    </p:extLst>
-  </p:cSld>
-  <p:clrMapOvr>
-    <a:masterClrMapping/>
-  </p:clrMapOvr>
-  <p:timing>
-    <p:tnLst>
-      <p:par>
-        <p:cTn id="1" dur="indefinite" restart="never" nodeType="tmRoot"/>
-      </p:par>
-    </p:tnLst>
-  </p:timing>
-</p:sld>
-</file>
-
-<file path=ppt/slides/slide15.xml><?xml version="1.0" encoding="utf-8"?>
-<p:sld xmlns:a="http://schemas.openxmlformats.org/drawingml/2006/main" xmlns:r="http://schemas.openxmlformats.org/officeDocument/2006/relationships" xmlns:p="http://schemas.openxmlformats.org/presentationml/2006/main">
-  <p:cSld>
-    <p:spTree>
-      <p:nvGrpSpPr>
-        <p:cNvPr id="1" name=""/>
-        <p:cNvGrpSpPr/>
-        <p:nvPr/>
-      </p:nvGrpSpPr>
-      <p:grpSpPr>
-        <a:xfrm>
-          <a:off x="0" y="0"/>
-          <a:ext cx="0" cy="0"/>
-          <a:chOff x="0" y="0"/>
-          <a:chExt cx="0" cy="0"/>
-        </a:xfrm>
-      </p:grpSpPr>
-      <p:sp>
-        <p:nvSpPr>
-          <p:cNvPr id="8" name="Rectangle 7"/>
-          <p:cNvSpPr/>
-          <p:nvPr/>
-        </p:nvSpPr>
-        <p:spPr>
-          <a:xfrm>
-            <a:off x="5105400" y="4648200"/>
-            <a:ext cx="3581400" cy="1447800"/>
-          </a:xfrm>
-          <a:prstGeom prst="rect">
-            <a:avLst/>
-          </a:prstGeom>
-          <a:solidFill>
-            <a:schemeClr val="tx1"/>
-          </a:solidFill>
-          <a:ln>
-            <a:noFill/>
-          </a:ln>
-        </p:spPr>
-        <p:style>
-          <a:lnRef idx="2">
-            <a:schemeClr val="accent1">
-              <a:shade val="50000"/>
-            </a:schemeClr>
-          </a:lnRef>
-          <a:fillRef idx="1">
-            <a:schemeClr val="accent1"/>
-          </a:fillRef>
-          <a:effectRef idx="0">
-            <a:schemeClr val="accent1"/>
-          </a:effectRef>
-          <a:fontRef idx="minor">
-            <a:schemeClr val="lt1"/>
-          </a:fontRef>
-        </p:style>
-        <p:txBody>
-          <a:bodyPr rtlCol="0" anchor="ctr"/>
-          <a:lstStyle/>
-          <a:p>
-            <a:pPr algn="ctr"/>
-            <a:endParaRPr lang="en-US"/>
-          </a:p>
-        </p:txBody>
-      </p:sp>
-      <p:sp>
-        <p:nvSpPr>
-          <p:cNvPr id="7" name="Rounded Rectangle 6"/>
-          <p:cNvSpPr/>
-          <p:nvPr/>
-        </p:nvSpPr>
-        <p:spPr>
-          <a:xfrm>
-            <a:off x="1371600" y="2286000"/>
-            <a:ext cx="2743200" cy="2209800"/>
-          </a:xfrm>
-          <a:prstGeom prst="roundRect">
-            <a:avLst/>
-          </a:prstGeom>
-          <a:noFill/>
-          <a:ln>
-            <a:solidFill>
-              <a:srgbClr val="FF0000"/>
-            </a:solidFill>
-          </a:ln>
-        </p:spPr>
-        <p:style>
-          <a:lnRef idx="2">
-            <a:schemeClr val="accent1">
-              <a:shade val="50000"/>
-            </a:schemeClr>
-          </a:lnRef>
-          <a:fillRef idx="1">
-            <a:schemeClr val="accent1"/>
-          </a:fillRef>
-          <a:effectRef idx="0">
-            <a:schemeClr val="accent1"/>
-          </a:effectRef>
-          <a:fontRef idx="minor">
-            <a:schemeClr val="lt1"/>
-          </a:fontRef>
-        </p:style>
-        <p:txBody>
-          <a:bodyPr rtlCol="0" anchor="ctr"/>
-          <a:lstStyle/>
-          <a:p>
-            <a:pPr algn="ctr"/>
-            <a:endParaRPr lang="en-US"/>
-          </a:p>
-        </p:txBody>
-      </p:sp>
-      <p:sp>
-        <p:nvSpPr>
-          <p:cNvPr id="2" name="Content Placeholder 1"/>
-          <p:cNvSpPr>
-            <a:spLocks noGrp="1"/>
-          </p:cNvSpPr>
-          <p:nvPr>
-            <p:ph sz="quarter" idx="13"/>
-          </p:nvPr>
-        </p:nvSpPr>
-        <p:spPr>
-          <a:xfrm>
-            <a:off x="990600" y="1524000"/>
-            <a:ext cx="7391400" cy="609600"/>
-          </a:xfrm>
-        </p:spPr>
-        <p:txBody>
-          <a:bodyPr>
-            <a:normAutofit fontScale="92500"/>
-          </a:bodyPr>
-          <a:lstStyle/>
-          <a:p>
-            <a:pPr marL="0" indent="0">
-              <a:buNone/>
-            </a:pPr>
-            <a:r>
-              <a:rPr lang="en-US" b="1" dirty="0" smtClean="0"/>
-              <a:t>Let a mobile framework do the heavy lifting!</a:t>
-            </a:r>
-            <a:endParaRPr lang="en-US" b="1" dirty="0"/>
-          </a:p>
-        </p:txBody>
-      </p:sp>
-      <p:sp>
-        <p:nvSpPr>
-          <p:cNvPr id="3" name="Title 2"/>
-          <p:cNvSpPr>
-            <a:spLocks noGrp="1"/>
-          </p:cNvSpPr>
-          <p:nvPr>
-            <p:ph type="title"/>
-          </p:nvPr>
-        </p:nvSpPr>
-        <p:spPr/>
-        <p:txBody>
-          <a:bodyPr>
-            <a:normAutofit fontScale="90000"/>
-          </a:bodyPr>
-          <a:lstStyle/>
-          <a:p>
-            <a:r>
-              <a:rPr lang="en-US" dirty="0" smtClean="0"/>
-              <a:t>Web: layout &amp; styling</a:t>
-            </a:r>
-            <a:br>
-              <a:rPr lang="en-US" dirty="0" smtClean="0"/>
-            </a:br>
-            <a:r>
-              <a:rPr lang="en-US" i="1" dirty="0" smtClean="0"/>
-              <a:t>The solution?</a:t>
-            </a:r>
-            <a:endParaRPr lang="en-US" i="1" dirty="0"/>
-          </a:p>
-        </p:txBody>
-      </p:sp>
-      <p:pic>
-        <p:nvPicPr>
-          <p:cNvPr id="4" name="Picture 8" descr="https://lh6.googleusercontent.com/-95XOZAfaeOc/AAAAAAAAAAI/AAAAAAAAAX8/tPCUmEbNrx8/photo.jpg"/>
-          <p:cNvPicPr>
-            <a:picLocks noChangeAspect="1" noChangeArrowheads="1"/>
-          </p:cNvPicPr>
-          <p:nvPr/>
-        </p:nvPicPr>
-        <p:blipFill>
-          <a:blip r:embed="rId3" cstate="print">
-            <a:extLst>
-              <a:ext uri="{28A0092B-C50C-407E-A947-70E740481C1C}">
-                <a14:useLocalDpi xmlns:a14="http://schemas.microsoft.com/office/drawing/2010/main" val="0"/>
-              </a:ext>
-            </a:extLst>
-          </a:blip>
-          <a:srcRect/>
-          <a:stretch>
-            <a:fillRect/>
-          </a:stretch>
-        </p:blipFill>
-        <p:spPr bwMode="auto">
-          <a:xfrm>
-            <a:off x="1981200" y="2641269"/>
-            <a:ext cx="1424253" cy="1424253"/>
-          </a:xfrm>
-          <a:prstGeom prst="rect">
-            <a:avLst/>
-          </a:prstGeom>
-          <a:noFill/>
-          <a:extLst>
-            <a:ext uri="{909E8E84-426E-40DD-AFC4-6F175D3DCCD1}">
-              <a14:hiddenFill xmlns:a14="http://schemas.microsoft.com/office/drawing/2010/main">
-                <a:solidFill>
-                  <a:srgbClr val="FFFFFF"/>
-                </a:solidFill>
-              </a14:hiddenFill>
-            </a:ext>
-          </a:extLst>
-        </p:spPr>
-      </p:pic>
-      <p:pic>
-        <p:nvPicPr>
-          <p:cNvPr id="9219" name="Picture 3"/>
-          <p:cNvPicPr>
-            <a:picLocks noChangeAspect="1" noChangeArrowheads="1"/>
-          </p:cNvPicPr>
-          <p:nvPr/>
-        </p:nvPicPr>
-        <p:blipFill>
-          <a:blip r:embed="rId4">
-            <a:extLst>
-              <a:ext uri="{28A0092B-C50C-407E-A947-70E740481C1C}">
-                <a14:useLocalDpi xmlns:a14="http://schemas.microsoft.com/office/drawing/2010/main" val="0"/>
-              </a:ext>
-            </a:extLst>
-          </a:blip>
-          <a:srcRect/>
-          <a:stretch>
-            <a:fillRect/>
-          </a:stretch>
-        </p:blipFill>
-        <p:spPr bwMode="auto">
-          <a:xfrm>
-            <a:off x="5105400" y="4495800"/>
-            <a:ext cx="3257550" cy="1712302"/>
-          </a:xfrm>
-          <a:prstGeom prst="rect">
-            <a:avLst/>
-          </a:prstGeom>
-          <a:noFill/>
-          <a:ln>
-            <a:noFill/>
-          </a:ln>
-          <a:effectLst/>
-          <a:extLst>
-            <a:ext uri="{909E8E84-426E-40DD-AFC4-6F175D3DCCD1}">
-              <a14:hiddenFill xmlns:a14="http://schemas.microsoft.com/office/drawing/2010/main">
-                <a:solidFill>
-                  <a:schemeClr val="accent1"/>
-                </a:solidFill>
-              </a14:hiddenFill>
-            </a:ext>
-            <a:ext uri="{91240B29-F687-4F45-9708-019B960494DF}">
-              <a14:hiddenLine xmlns:a14="http://schemas.microsoft.com/office/drawing/2010/main" w="9525">
-                <a:solidFill>
-                  <a:schemeClr val="tx1"/>
-                </a:solidFill>
-                <a:miter lim="800000"/>
-                <a:headEnd/>
-                <a:tailEnd/>
-              </a14:hiddenLine>
-            </a:ext>
-            <a:ext uri="{AF507438-7753-43E0-B8FC-AC1667EBCBE1}">
-              <a14:hiddenEffects xmlns:a14="http://schemas.microsoft.com/office/drawing/2010/main">
-                <a:effectLst>
-                  <a:outerShdw dist="35921" dir="2700000" algn="ctr" rotWithShape="0">
-                    <a:schemeClr val="bg2"/>
-                  </a:outerShdw>
-                </a:effectLst>
-              </a14:hiddenEffects>
-            </a:ext>
-          </a:extLst>
-        </p:spPr>
-      </p:pic>
-      <p:pic>
-        <p:nvPicPr>
-          <p:cNvPr id="9220" name="Picture 4"/>
-          <p:cNvPicPr>
-            <a:picLocks noChangeAspect="1" noChangeArrowheads="1"/>
-          </p:cNvPicPr>
-          <p:nvPr/>
-        </p:nvPicPr>
-        <p:blipFill>
-          <a:blip r:embed="rId5">
-            <a:extLst>
-              <a:ext uri="{28A0092B-C50C-407E-A947-70E740481C1C}">
-                <a14:useLocalDpi xmlns:a14="http://schemas.microsoft.com/office/drawing/2010/main" val="0"/>
-              </a:ext>
-            </a:extLst>
-          </a:blip>
-          <a:srcRect/>
-          <a:stretch>
-            <a:fillRect/>
-          </a:stretch>
-        </p:blipFill>
-        <p:spPr bwMode="auto">
-          <a:xfrm>
-            <a:off x="857249" y="4876800"/>
-            <a:ext cx="3819525" cy="1114425"/>
-          </a:xfrm>
-          <a:prstGeom prst="rect">
-            <a:avLst/>
-          </a:prstGeom>
-          <a:noFill/>
-          <a:ln>
-            <a:noFill/>
-          </a:ln>
-          <a:effectLst/>
-          <a:extLst>
-            <a:ext uri="{909E8E84-426E-40DD-AFC4-6F175D3DCCD1}">
-              <a14:hiddenFill xmlns:a14="http://schemas.microsoft.com/office/drawing/2010/main">
-                <a:solidFill>
-                  <a:schemeClr val="accent1"/>
-                </a:solidFill>
-              </a14:hiddenFill>
-            </a:ext>
-            <a:ext uri="{91240B29-F687-4F45-9708-019B960494DF}">
-              <a14:hiddenLine xmlns:a14="http://schemas.microsoft.com/office/drawing/2010/main" w="9525">
-                <a:solidFill>
-                  <a:schemeClr val="tx1"/>
-                </a:solidFill>
-                <a:miter lim="800000"/>
-                <a:headEnd/>
-                <a:tailEnd/>
-              </a14:hiddenLine>
-            </a:ext>
-            <a:ext uri="{AF507438-7753-43E0-B8FC-AC1667EBCBE1}">
-              <a14:hiddenEffects xmlns:a14="http://schemas.microsoft.com/office/drawing/2010/main">
-                <a:effectLst>
-                  <a:outerShdw dist="35921" dir="2700000" algn="ctr" rotWithShape="0">
-                    <a:schemeClr val="bg2"/>
-                  </a:outerShdw>
-                </a:effectLst>
-              </a14:hiddenEffects>
-            </a:ext>
-          </a:extLst>
-        </p:spPr>
-      </p:pic>
-      <p:pic>
-        <p:nvPicPr>
-          <p:cNvPr id="9222" name="Picture 6" descr="http://www.sencha.com/img/sencha-large.png"/>
-          <p:cNvPicPr>
-            <a:picLocks noChangeAspect="1" noChangeArrowheads="1"/>
-          </p:cNvPicPr>
-          <p:nvPr/>
-        </p:nvPicPr>
-        <p:blipFill>
-          <a:blip r:embed="rId6">
-            <a:extLst>
-              <a:ext uri="{28A0092B-C50C-407E-A947-70E740481C1C}">
-                <a14:useLocalDpi xmlns:a14="http://schemas.microsoft.com/office/drawing/2010/main" val="0"/>
-              </a:ext>
-            </a:extLst>
-          </a:blip>
-          <a:srcRect/>
-          <a:stretch>
-            <a:fillRect/>
-          </a:stretch>
-        </p:blipFill>
-        <p:spPr bwMode="auto">
-          <a:xfrm>
-            <a:off x="4702425" y="2916064"/>
-            <a:ext cx="2324100" cy="874662"/>
-          </a:xfrm>
-          <a:prstGeom prst="rect">
-            <a:avLst/>
-          </a:prstGeom>
-          <a:noFill/>
-          <a:extLst>
-            <a:ext uri="{909E8E84-426E-40DD-AFC4-6F175D3DCCD1}">
-              <a14:hiddenFill xmlns:a14="http://schemas.microsoft.com/office/drawing/2010/main">
-                <a:solidFill>
-                  <a:srgbClr val="FFFFFF"/>
-                </a:solidFill>
-              </a14:hiddenFill>
-            </a:ext>
-          </a:extLst>
-        </p:spPr>
-      </p:pic>
-    </p:spTree>
-    <p:extLst>
-      <p:ext uri="{BB962C8B-B14F-4D97-AF65-F5344CB8AC3E}">
-        <p14:creationId xmlns:p14="http://schemas.microsoft.com/office/powerpoint/2010/main" val="2830509778"/>
-      </p:ext>
-    </p:extLst>
-  </p:cSld>
-  <p:clrMapOvr>
-    <a:masterClrMapping/>
-  </p:clrMapOvr>
-  <p:timing>
-    <p:tnLst>
-      <p:par>
-        <p:cTn id="1" dur="indefinite" restart="never" nodeType="tmRoot">
-          <p:childTnLst>
-            <p:seq concurrent="1" nextAc="seek">
-              <p:cTn id="2" dur="indefinite" nodeType="mainSeq">
-                <p:childTnLst>
-                  <p:par>
-                    <p:cTn id="3" fill="hold">
-                      <p:stCondLst>
-                        <p:cond delay="indefinite"/>
-                      </p:stCondLst>
-                      <p:childTnLst>
-                        <p:par>
-                          <p:cTn id="4" fill="hold">
-                            <p:stCondLst>
-                              <p:cond delay="0"/>
-                            </p:stCondLst>
-                            <p:childTnLst>
-                              <p:par>
-                                <p:cTn id="5" presetID="42" presetClass="entr" presetSubtype="0" fill="hold" grpId="0" nodeType="clickEffect">
-                                  <p:stCondLst>
-                                    <p:cond delay="0"/>
-                                  </p:stCondLst>
-                                  <p:childTnLst>
-                                    <p:set>
-                                      <p:cBhvr>
-                                        <p:cTn id="6" dur="1" fill="hold">
-                                          <p:stCondLst>
-                                            <p:cond delay="0"/>
-                                          </p:stCondLst>
-                                        </p:cTn>
-                                        <p:tgtEl>
-                                          <p:spTgt spid="7"/>
-                                        </p:tgtEl>
-                                        <p:attrNameLst>
-                                          <p:attrName>style.visibility</p:attrName>
-                                        </p:attrNameLst>
-                                      </p:cBhvr>
-                                      <p:to>
-                                        <p:strVal val="visible"/>
-                                      </p:to>
-                                    </p:set>
-                                    <p:animEffect transition="in" filter="fade">
-                                      <p:cBhvr>
-                                        <p:cTn id="7" dur="1000"/>
-                                        <p:tgtEl>
-                                          <p:spTgt spid="7"/>
-                                        </p:tgtEl>
-                                      </p:cBhvr>
-                                    </p:animEffect>
-                                    <p:anim calcmode="lin" valueType="num">
-                                      <p:cBhvr>
-                                        <p:cTn id="8" dur="1000" fill="hold"/>
-                                        <p:tgtEl>
-                                          <p:spTgt spid="7"/>
-                                        </p:tgtEl>
-                                        <p:attrNameLst>
-                                          <p:attrName>ppt_x</p:attrName>
-                                        </p:attrNameLst>
-                                      </p:cBhvr>
-                                      <p:tavLst>
-                                        <p:tav tm="0">
-                                          <p:val>
-                                            <p:strVal val="#ppt_x"/>
-                                          </p:val>
-                                        </p:tav>
-                                        <p:tav tm="100000">
-                                          <p:val>
-                                            <p:strVal val="#ppt_x"/>
-                                          </p:val>
-                                        </p:tav>
-                                      </p:tavLst>
-                                    </p:anim>
-                                    <p:anim calcmode="lin" valueType="num">
-                                      <p:cBhvr>
-                                        <p:cTn id="9" dur="1000" fill="hold"/>
-                                        <p:tgtEl>
-                                          <p:spTgt spid="7"/>
-                                        </p:tgtEl>
-                                        <p:attrNameLst>
-                                          <p:attrName>ppt_y</p:attrName>
-                                        </p:attrNameLst>
-                                      </p:cBhvr>
-                                      <p:tavLst>
-                                        <p:tav tm="0">
-                                          <p:val>
-                                            <p:strVal val="#ppt_y+.1"/>
-                                          </p:val>
-                                        </p:tav>
-                                        <p:tav tm="100000">
-                                          <p:val>
-                                            <p:strVal val="#ppt_y"/>
-                                          </p:val>
-                                        </p:tav>
-                                      </p:tavLst>
-                                    </p:anim>
-                                  </p:childTnLst>
-                                </p:cTn>
-                              </p:par>
-                            </p:childTnLst>
-                          </p:cTn>
-                        </p:par>
-                      </p:childTnLst>
-                    </p:cTn>
-                  </p:par>
-                </p:childTnLst>
-              </p:cTn>
-              <p:prevCondLst>
-                <p:cond evt="onPrev" delay="0">
-                  <p:tgtEl>
-                    <p:sldTgt/>
-                  </p:tgtEl>
-                </p:cond>
-              </p:prevCondLst>
-              <p:nextCondLst>
-                <p:cond evt="onNext" delay="0">
-                  <p:tgtEl>
-                    <p:sldTgt/>
-                  </p:tgtEl>
-                </p:cond>
-              </p:nextCondLst>
-            </p:seq>
-          </p:childTnLst>
-        </p:cTn>
-      </p:par>
-    </p:tnLst>
-    <p:bldLst>
-      <p:bldP spid="7" grpId="0" animBg="1"/>
-    </p:bldLst>
-  </p:timing>
-</p:sld>
-</file>
-
-<file path=ppt/slides/slide16.xml><?xml version="1.0" encoding="utf-8"?>
-<p:sld xmlns:a="http://schemas.openxmlformats.org/drawingml/2006/main" xmlns:r="http://schemas.openxmlformats.org/officeDocument/2006/relationships" xmlns:p="http://schemas.openxmlformats.org/presentationml/2006/main">
-  <p:cSld>
-    <p:spTree>
-      <p:nvGrpSpPr>
-        <p:cNvPr id="1" name=""/>
-        <p:cNvGrpSpPr/>
-        <p:nvPr/>
-      </p:nvGrpSpPr>
-      <p:grpSpPr>
-        <a:xfrm>
-          <a:off x="0" y="0"/>
-          <a:ext cx="0" cy="0"/>
-          <a:chOff x="0" y="0"/>
-          <a:chExt cx="0" cy="0"/>
-        </a:xfrm>
-      </p:grpSpPr>
-      <p:sp>
-        <p:nvSpPr>
-          <p:cNvPr id="4" name="Rectangle 3"/>
-          <p:cNvSpPr/>
-          <p:nvPr/>
-        </p:nvSpPr>
-        <p:spPr>
-          <a:xfrm>
-            <a:off x="152400" y="1066800"/>
-            <a:ext cx="8867775" cy="5105400"/>
-          </a:xfrm>
-          <a:prstGeom prst="rect">
-            <a:avLst/>
-          </a:prstGeom>
-          <a:solidFill>
-            <a:schemeClr val="tx1"/>
-          </a:solidFill>
-          <a:ln>
-            <a:solidFill>
-              <a:schemeClr val="tx1"/>
-            </a:solidFill>
-          </a:ln>
-        </p:spPr>
-        <p:style>
-          <a:lnRef idx="2">
-            <a:schemeClr val="accent1">
-              <a:shade val="50000"/>
-            </a:schemeClr>
-          </a:lnRef>
-          <a:fillRef idx="1">
-            <a:schemeClr val="accent1"/>
-          </a:fillRef>
-          <a:effectRef idx="0">
-            <a:schemeClr val="accent1"/>
-          </a:effectRef>
-          <a:fontRef idx="minor">
-            <a:schemeClr val="lt1"/>
-          </a:fontRef>
-        </p:style>
-        <p:txBody>
-          <a:bodyPr rtlCol="0" anchor="ctr"/>
-          <a:lstStyle/>
-          <a:p>
-            <a:pPr algn="ctr"/>
-            <a:endParaRPr lang="en-US"/>
-          </a:p>
-        </p:txBody>
-      </p:sp>
-      <p:sp>
-        <p:nvSpPr>
-          <p:cNvPr id="3" name="Title 2"/>
-          <p:cNvSpPr>
-            <a:spLocks noGrp="1"/>
-          </p:cNvSpPr>
-          <p:nvPr>
-            <p:ph type="title"/>
-          </p:nvPr>
-        </p:nvSpPr>
-        <p:spPr>
-          <a:xfrm>
-            <a:off x="2971800" y="381000"/>
-            <a:ext cx="3429000" cy="685800"/>
-          </a:xfrm>
-        </p:spPr>
-        <p:txBody>
-          <a:bodyPr/>
-          <a:lstStyle/>
-          <a:p>
-            <a:r>
-              <a:rPr lang="en-US" dirty="0" smtClean="0"/>
-              <a:t>Kendo UI Mobile</a:t>
-            </a:r>
-            <a:endParaRPr lang="en-US" dirty="0"/>
-          </a:p>
-        </p:txBody>
-      </p:sp>
-      <p:pic>
-        <p:nvPicPr>
-          <p:cNvPr id="1027" name="Picture 3"/>
-          <p:cNvPicPr>
-            <a:picLocks noChangeAspect="1" noChangeArrowheads="1"/>
-          </p:cNvPicPr>
-          <p:nvPr/>
-        </p:nvPicPr>
-        <p:blipFill>
-          <a:blip r:embed="rId2">
-            <a:extLst>
-              <a:ext uri="{28A0092B-C50C-407E-A947-70E740481C1C}">
-                <a14:useLocalDpi xmlns:a14="http://schemas.microsoft.com/office/drawing/2010/main" val="0"/>
-              </a:ext>
-            </a:extLst>
-          </a:blip>
-          <a:srcRect/>
-          <a:stretch>
-            <a:fillRect/>
-          </a:stretch>
-        </p:blipFill>
-        <p:spPr bwMode="auto">
-          <a:xfrm>
-            <a:off x="304800" y="1219200"/>
-            <a:ext cx="3724275" cy="1809750"/>
-          </a:xfrm>
-          <a:prstGeom prst="rect">
-            <a:avLst/>
-          </a:prstGeom>
-          <a:noFill/>
-          <a:ln>
-            <a:noFill/>
-          </a:ln>
-          <a:extLst>
-            <a:ext uri="{909E8E84-426E-40DD-AFC4-6F175D3DCCD1}">
-              <a14:hiddenFill xmlns:a14="http://schemas.microsoft.com/office/drawing/2010/main">
-                <a:solidFill>
-                  <a:schemeClr val="accent1"/>
-                </a:solidFill>
-              </a14:hiddenFill>
-            </a:ext>
-            <a:ext uri="{91240B29-F687-4F45-9708-019B960494DF}">
-              <a14:hiddenLine xmlns:a14="http://schemas.microsoft.com/office/drawing/2010/main" w="9525">
-                <a:solidFill>
-                  <a:schemeClr val="tx1"/>
-                </a:solidFill>
-                <a:miter lim="800000"/>
-                <a:headEnd/>
-                <a:tailEnd/>
-              </a14:hiddenLine>
-            </a:ext>
-          </a:extLst>
-        </p:spPr>
-      </p:pic>
-      <p:pic>
-        <p:nvPicPr>
-          <p:cNvPr id="1028" name="Picture 4"/>
-          <p:cNvPicPr>
-            <a:picLocks noChangeAspect="1" noChangeArrowheads="1"/>
-          </p:cNvPicPr>
-          <p:nvPr/>
-        </p:nvPicPr>
-        <p:blipFill>
-          <a:blip r:embed="rId3">
-            <a:extLst>
-              <a:ext uri="{28A0092B-C50C-407E-A947-70E740481C1C}">
-                <a14:useLocalDpi xmlns:a14="http://schemas.microsoft.com/office/drawing/2010/main" val="0"/>
-              </a:ext>
-            </a:extLst>
-          </a:blip>
-          <a:srcRect/>
-          <a:stretch>
-            <a:fillRect/>
-          </a:stretch>
-        </p:blipFill>
-        <p:spPr bwMode="auto">
-          <a:xfrm>
-            <a:off x="4724400" y="1219200"/>
-            <a:ext cx="3781425" cy="1666875"/>
-          </a:xfrm>
-          <a:prstGeom prst="rect">
-            <a:avLst/>
-          </a:prstGeom>
-          <a:noFill/>
-          <a:ln>
-            <a:noFill/>
-          </a:ln>
-          <a:extLst>
-            <a:ext uri="{909E8E84-426E-40DD-AFC4-6F175D3DCCD1}">
-              <a14:hiddenFill xmlns:a14="http://schemas.microsoft.com/office/drawing/2010/main">
-                <a:solidFill>
-                  <a:schemeClr val="accent1"/>
-                </a:solidFill>
-              </a14:hiddenFill>
-            </a:ext>
-            <a:ext uri="{91240B29-F687-4F45-9708-019B960494DF}">
-              <a14:hiddenLine xmlns:a14="http://schemas.microsoft.com/office/drawing/2010/main" w="9525">
-                <a:solidFill>
-                  <a:schemeClr val="tx1"/>
-                </a:solidFill>
-                <a:miter lim="800000"/>
-                <a:headEnd/>
-                <a:tailEnd/>
-              </a14:hiddenLine>
-            </a:ext>
-          </a:extLst>
-        </p:spPr>
-      </p:pic>
-      <p:pic>
-        <p:nvPicPr>
-          <p:cNvPr id="1029" name="Picture 5"/>
-          <p:cNvPicPr>
-            <a:picLocks noChangeAspect="1" noChangeArrowheads="1"/>
-          </p:cNvPicPr>
-          <p:nvPr/>
-        </p:nvPicPr>
-        <p:blipFill>
-          <a:blip r:embed="rId4">
-            <a:extLst>
-              <a:ext uri="{28A0092B-C50C-407E-A947-70E740481C1C}">
-                <a14:useLocalDpi xmlns:a14="http://schemas.microsoft.com/office/drawing/2010/main" val="0"/>
-              </a:ext>
-            </a:extLst>
-          </a:blip>
-          <a:srcRect/>
-          <a:stretch>
-            <a:fillRect/>
-          </a:stretch>
-        </p:blipFill>
-        <p:spPr bwMode="auto">
-          <a:xfrm>
-            <a:off x="381000" y="3733800"/>
-            <a:ext cx="3867150" cy="2019300"/>
-          </a:xfrm>
-          <a:prstGeom prst="rect">
-            <a:avLst/>
-          </a:prstGeom>
-          <a:noFill/>
-          <a:ln>
-            <a:noFill/>
-          </a:ln>
-          <a:extLst>
-            <a:ext uri="{909E8E84-426E-40DD-AFC4-6F175D3DCCD1}">
-              <a14:hiddenFill xmlns:a14="http://schemas.microsoft.com/office/drawing/2010/main">
-                <a:solidFill>
-                  <a:schemeClr val="accent1"/>
-                </a:solidFill>
-              </a14:hiddenFill>
-            </a:ext>
-            <a:ext uri="{91240B29-F687-4F45-9708-019B960494DF}">
-              <a14:hiddenLine xmlns:a14="http://schemas.microsoft.com/office/drawing/2010/main" w="9525">
-                <a:solidFill>
-                  <a:schemeClr val="tx1"/>
-                </a:solidFill>
-                <a:miter lim="800000"/>
-                <a:headEnd/>
-                <a:tailEnd/>
-              </a14:hiddenLine>
-            </a:ext>
-          </a:extLst>
-        </p:spPr>
-      </p:pic>
-      <p:pic>
-        <p:nvPicPr>
-          <p:cNvPr id="1030" name="Picture 6"/>
-          <p:cNvPicPr>
-            <a:picLocks noChangeAspect="1" noChangeArrowheads="1"/>
-          </p:cNvPicPr>
-          <p:nvPr/>
-        </p:nvPicPr>
-        <p:blipFill>
-          <a:blip r:embed="rId5">
-            <a:extLst>
-              <a:ext uri="{28A0092B-C50C-407E-A947-70E740481C1C}">
-                <a14:useLocalDpi xmlns:a14="http://schemas.microsoft.com/office/drawing/2010/main" val="0"/>
-              </a:ext>
-            </a:extLst>
-          </a:blip>
-          <a:srcRect/>
-          <a:stretch>
-            <a:fillRect/>
-          </a:stretch>
-        </p:blipFill>
-        <p:spPr bwMode="auto">
-          <a:xfrm>
-            <a:off x="4572000" y="3760107"/>
-            <a:ext cx="4448175" cy="1885950"/>
-          </a:xfrm>
-          <a:prstGeom prst="rect">
-            <a:avLst/>
-          </a:prstGeom>
-          <a:noFill/>
-          <a:ln>
-            <a:noFill/>
-          </a:ln>
-          <a:extLst>
-            <a:ext uri="{909E8E84-426E-40DD-AFC4-6F175D3DCCD1}">
-              <a14:hiddenFill xmlns:a14="http://schemas.microsoft.com/office/drawing/2010/main">
-                <a:solidFill>
-                  <a:schemeClr val="accent1"/>
-                </a:solidFill>
-              </a14:hiddenFill>
-            </a:ext>
-            <a:ext uri="{91240B29-F687-4F45-9708-019B960494DF}">
-              <a14:hiddenLine xmlns:a14="http://schemas.microsoft.com/office/drawing/2010/main" w="9525">
-                <a:solidFill>
-                  <a:schemeClr val="tx1"/>
-                </a:solidFill>
-                <a:miter lim="800000"/>
-                <a:headEnd/>
-                <a:tailEnd/>
-              </a14:hiddenLine>
-            </a:ext>
-          </a:extLst>
-        </p:spPr>
-      </p:pic>
-      <p:sp>
-        <p:nvSpPr>
-          <p:cNvPr id="2" name="TextBox 1"/>
-          <p:cNvSpPr txBox="1"/>
-          <p:nvPr/>
-        </p:nvSpPr>
-        <p:spPr>
-          <a:xfrm>
-            <a:off x="0" y="6477000"/>
-            <a:ext cx="1600200" cy="369332"/>
-          </a:xfrm>
-          <a:prstGeom prst="rect">
-            <a:avLst/>
-          </a:prstGeom>
-          <a:noFill/>
-        </p:spPr>
-        <p:txBody>
-          <a:bodyPr wrap="square" rtlCol="0">
-            <a:spAutoFit/>
-          </a:bodyPr>
-          <a:lstStyle/>
-          <a:p>
-            <a:r>
-              <a:rPr lang="en-US" dirty="0" smtClean="0">
-                <a:hlinkClick r:id="rId6"/>
-              </a:rPr>
-              <a:t>KendoUI.com</a:t>
-            </a:r>
-            <a:endParaRPr lang="en-US" dirty="0"/>
-          </a:p>
-        </p:txBody>
-      </p:sp>
-    </p:spTree>
-    <p:extLst>
-      <p:ext uri="{BB962C8B-B14F-4D97-AF65-F5344CB8AC3E}">
-        <p14:creationId xmlns:p14="http://schemas.microsoft.com/office/powerpoint/2010/main" val="3383838965"/>
-      </p:ext>
-    </p:extLst>
-  </p:cSld>
-  <p:clrMapOvr>
-    <a:masterClrMapping/>
-  </p:clrMapOvr>
-  <p:timing>
-    <p:tnLst>
-      <p:par>
-        <p:cTn id="1" dur="indefinite" restart="never" nodeType="tmRoot"/>
-      </p:par>
-    </p:tnLst>
-  </p:timing>
-</p:sld>
-</file>
-
-<file path=ppt/slides/slide17.xml><?xml version="1.0" encoding="utf-8"?>
-<p:sld xmlns:a="http://schemas.openxmlformats.org/drawingml/2006/main" xmlns:r="http://schemas.openxmlformats.org/officeDocument/2006/relationships" xmlns:p="http://schemas.openxmlformats.org/presentationml/2006/main">
-  <p:cSld>
-    <p:spTree>
-      <p:nvGrpSpPr>
-        <p:cNvPr id="1" name=""/>
-        <p:cNvGrpSpPr/>
-        <p:nvPr/>
-      </p:nvGrpSpPr>
-      <p:grpSpPr>
-        <a:xfrm>
-          <a:off x="0" y="0"/>
-          <a:ext cx="0" cy="0"/>
-          <a:chOff x="0" y="0"/>
-          <a:chExt cx="0" cy="0"/>
-        </a:xfrm>
-      </p:grpSpPr>
-      <p:sp>
-        <p:nvSpPr>
-          <p:cNvPr id="7" name="Rectangle 6"/>
-          <p:cNvSpPr/>
-          <p:nvPr/>
-        </p:nvSpPr>
-        <p:spPr>
-          <a:xfrm>
-            <a:off x="2362199" y="1371600"/>
-            <a:ext cx="5257801" cy="5133975"/>
-          </a:xfrm>
-          <a:prstGeom prst="rect">
-            <a:avLst/>
-          </a:prstGeom>
-          <a:solidFill>
-            <a:schemeClr val="tx1"/>
-          </a:solidFill>
-          <a:ln>
-            <a:solidFill>
-              <a:schemeClr val="tx1"/>
-            </a:solidFill>
-          </a:ln>
-        </p:spPr>
-        <p:style>
-          <a:lnRef idx="2">
-            <a:schemeClr val="accent1">
-              <a:shade val="50000"/>
-            </a:schemeClr>
-          </a:lnRef>
-          <a:fillRef idx="1">
-            <a:schemeClr val="accent1"/>
-          </a:fillRef>
-          <a:effectRef idx="0">
-            <a:schemeClr val="accent1"/>
-          </a:effectRef>
-          <a:fontRef idx="minor">
-            <a:schemeClr val="lt1"/>
-          </a:fontRef>
-        </p:style>
-        <p:txBody>
-          <a:bodyPr rtlCol="0" anchor="ctr"/>
-          <a:lstStyle/>
-          <a:p>
-            <a:pPr algn="ctr"/>
-            <a:endParaRPr lang="en-US"/>
-          </a:p>
-        </p:txBody>
-      </p:sp>
-      <p:sp>
-        <p:nvSpPr>
-          <p:cNvPr id="3" name="Title 2"/>
-          <p:cNvSpPr>
-            <a:spLocks noGrp="1"/>
-          </p:cNvSpPr>
-          <p:nvPr>
-            <p:ph type="title"/>
-          </p:nvPr>
-        </p:nvSpPr>
-        <p:spPr>
-          <a:xfrm>
-            <a:off x="2743200" y="457200"/>
-            <a:ext cx="3886200" cy="457200"/>
-          </a:xfrm>
-        </p:spPr>
-        <p:txBody>
-          <a:bodyPr>
-            <a:normAutofit fontScale="90000"/>
-          </a:bodyPr>
-          <a:lstStyle/>
-          <a:p>
-            <a:r>
-              <a:rPr lang="en-US" dirty="0" smtClean="0"/>
-              <a:t>Kendo UI Framework</a:t>
-            </a:r>
-            <a:endParaRPr lang="en-US" dirty="0"/>
-          </a:p>
-        </p:txBody>
-      </p:sp>
-      <p:pic>
-        <p:nvPicPr>
-          <p:cNvPr id="2050" name="Picture 2"/>
-          <p:cNvPicPr>
-            <a:picLocks noChangeAspect="1" noChangeArrowheads="1"/>
-          </p:cNvPicPr>
-          <p:nvPr/>
-        </p:nvPicPr>
-        <p:blipFill>
-          <a:blip r:embed="rId3">
-            <a:extLst>
-              <a:ext uri="{28A0092B-C50C-407E-A947-70E740481C1C}">
-                <a14:useLocalDpi xmlns:a14="http://schemas.microsoft.com/office/drawing/2010/main" val="0"/>
-              </a:ext>
-            </a:extLst>
-          </a:blip>
-          <a:srcRect/>
-          <a:stretch>
-            <a:fillRect/>
-          </a:stretch>
-        </p:blipFill>
-        <p:spPr bwMode="auto">
-          <a:xfrm>
-            <a:off x="2762250" y="1447800"/>
-            <a:ext cx="4552950" cy="1619250"/>
-          </a:xfrm>
-          <a:prstGeom prst="rect">
-            <a:avLst/>
-          </a:prstGeom>
-          <a:noFill/>
-          <a:ln>
-            <a:noFill/>
-          </a:ln>
-          <a:extLst>
-            <a:ext uri="{909E8E84-426E-40DD-AFC4-6F175D3DCCD1}">
-              <a14:hiddenFill xmlns:a14="http://schemas.microsoft.com/office/drawing/2010/main">
-                <a:solidFill>
-                  <a:schemeClr val="accent1"/>
-                </a:solidFill>
-              </a14:hiddenFill>
-            </a:ext>
-            <a:ext uri="{91240B29-F687-4F45-9708-019B960494DF}">
-              <a14:hiddenLine xmlns:a14="http://schemas.microsoft.com/office/drawing/2010/main" w="9525">
-                <a:solidFill>
-                  <a:schemeClr val="tx1"/>
-                </a:solidFill>
-                <a:miter lim="800000"/>
-                <a:headEnd/>
-                <a:tailEnd/>
-              </a14:hiddenLine>
-            </a:ext>
-          </a:extLst>
-        </p:spPr>
-      </p:pic>
-      <p:pic>
-        <p:nvPicPr>
-          <p:cNvPr id="2051" name="Picture 3"/>
-          <p:cNvPicPr>
-            <a:picLocks noChangeAspect="1" noChangeArrowheads="1"/>
-          </p:cNvPicPr>
-          <p:nvPr/>
-        </p:nvPicPr>
-        <p:blipFill>
-          <a:blip r:embed="rId4">
-            <a:extLst>
-              <a:ext uri="{28A0092B-C50C-407E-A947-70E740481C1C}">
-                <a14:useLocalDpi xmlns:a14="http://schemas.microsoft.com/office/drawing/2010/main" val="0"/>
-              </a:ext>
-            </a:extLst>
-          </a:blip>
-          <a:srcRect/>
-          <a:stretch>
-            <a:fillRect/>
-          </a:stretch>
-        </p:blipFill>
-        <p:spPr bwMode="auto">
-          <a:xfrm>
-            <a:off x="2590800" y="3276600"/>
-            <a:ext cx="4476750" cy="1581150"/>
-          </a:xfrm>
-          <a:prstGeom prst="rect">
-            <a:avLst/>
-          </a:prstGeom>
-          <a:noFill/>
-          <a:ln>
-            <a:noFill/>
-          </a:ln>
-          <a:extLst>
-            <a:ext uri="{909E8E84-426E-40DD-AFC4-6F175D3DCCD1}">
-              <a14:hiddenFill xmlns:a14="http://schemas.microsoft.com/office/drawing/2010/main">
-                <a:solidFill>
-                  <a:schemeClr val="accent1"/>
-                </a:solidFill>
-              </a14:hiddenFill>
-            </a:ext>
-            <a:ext uri="{91240B29-F687-4F45-9708-019B960494DF}">
-              <a14:hiddenLine xmlns:a14="http://schemas.microsoft.com/office/drawing/2010/main" w="9525">
-                <a:solidFill>
-                  <a:schemeClr val="tx1"/>
-                </a:solidFill>
-                <a:miter lim="800000"/>
-                <a:headEnd/>
-                <a:tailEnd/>
-              </a14:hiddenLine>
-            </a:ext>
-          </a:extLst>
-        </p:spPr>
-      </p:pic>
-      <p:pic>
-        <p:nvPicPr>
-          <p:cNvPr id="2052" name="Picture 4"/>
-          <p:cNvPicPr>
-            <a:picLocks noChangeAspect="1" noChangeArrowheads="1"/>
-          </p:cNvPicPr>
-          <p:nvPr/>
-        </p:nvPicPr>
-        <p:blipFill>
-          <a:blip r:embed="rId5">
-            <a:extLst>
-              <a:ext uri="{28A0092B-C50C-407E-A947-70E740481C1C}">
-                <a14:useLocalDpi xmlns:a14="http://schemas.microsoft.com/office/drawing/2010/main" val="0"/>
-              </a:ext>
-            </a:extLst>
-          </a:blip>
-          <a:srcRect/>
-          <a:stretch>
-            <a:fillRect/>
-          </a:stretch>
-        </p:blipFill>
-        <p:spPr bwMode="auto">
-          <a:xfrm>
-            <a:off x="2590800" y="5029200"/>
-            <a:ext cx="4476750" cy="1476375"/>
-          </a:xfrm>
-          <a:prstGeom prst="rect">
-            <a:avLst/>
-          </a:prstGeom>
-          <a:noFill/>
-          <a:ln>
-            <a:noFill/>
-          </a:ln>
-          <a:extLst>
-            <a:ext uri="{909E8E84-426E-40DD-AFC4-6F175D3DCCD1}">
-              <a14:hiddenFill xmlns:a14="http://schemas.microsoft.com/office/drawing/2010/main">
-                <a:solidFill>
-                  <a:schemeClr val="accent1"/>
-                </a:solidFill>
-              </a14:hiddenFill>
-            </a:ext>
-            <a:ext uri="{91240B29-F687-4F45-9708-019B960494DF}">
-              <a14:hiddenLine xmlns:a14="http://schemas.microsoft.com/office/drawing/2010/main" w="9525">
-                <a:solidFill>
-                  <a:schemeClr val="tx1"/>
-                </a:solidFill>
-                <a:miter lim="800000"/>
-                <a:headEnd/>
-                <a:tailEnd/>
-              </a14:hiddenLine>
-            </a:ext>
-          </a:extLst>
-        </p:spPr>
-      </p:pic>
-      <p:sp>
-        <p:nvSpPr>
-          <p:cNvPr id="2" name="TextBox 1"/>
-          <p:cNvSpPr txBox="1"/>
-          <p:nvPr/>
-        </p:nvSpPr>
-        <p:spPr>
-          <a:xfrm>
-            <a:off x="8382000" y="6474023"/>
-            <a:ext cx="838200" cy="307777"/>
-          </a:xfrm>
-          <a:prstGeom prst="rect">
-            <a:avLst/>
-          </a:prstGeom>
-          <a:noFill/>
-        </p:spPr>
-        <p:txBody>
-          <a:bodyPr wrap="square" rtlCol="0">
-            <a:spAutoFit/>
-          </a:bodyPr>
-          <a:lstStyle/>
-          <a:p>
-            <a:r>
-              <a:rPr lang="en-US" sz="1400" dirty="0" smtClean="0"/>
-              <a:t>Demo</a:t>
-            </a:r>
-            <a:endParaRPr lang="en-US" sz="1400" dirty="0"/>
-          </a:p>
-        </p:txBody>
-      </p:sp>
-      <p:sp>
-        <p:nvSpPr>
-          <p:cNvPr id="8" name="TextBox 7"/>
-          <p:cNvSpPr txBox="1"/>
-          <p:nvPr/>
-        </p:nvSpPr>
-        <p:spPr>
-          <a:xfrm>
-            <a:off x="0" y="6477000"/>
-            <a:ext cx="1600200" cy="369332"/>
-          </a:xfrm>
-          <a:prstGeom prst="rect">
-            <a:avLst/>
-          </a:prstGeom>
-          <a:noFill/>
-        </p:spPr>
-        <p:txBody>
-          <a:bodyPr wrap="square" rtlCol="0">
-            <a:spAutoFit/>
-          </a:bodyPr>
-          <a:lstStyle/>
-          <a:p>
-            <a:r>
-              <a:rPr lang="en-US" dirty="0" smtClean="0">
-                <a:hlinkClick r:id="rId6"/>
-              </a:rPr>
-              <a:t>KendoUI.com</a:t>
-            </a:r>
-            <a:endParaRPr lang="en-US" dirty="0"/>
-          </a:p>
-        </p:txBody>
-      </p:sp>
-    </p:spTree>
-    <p:extLst>
-      <p:ext uri="{BB962C8B-B14F-4D97-AF65-F5344CB8AC3E}">
-        <p14:creationId xmlns:p14="http://schemas.microsoft.com/office/powerpoint/2010/main" val="4182239172"/>
-      </p:ext>
-    </p:extLst>
-  </p:cSld>
-  <p:clrMapOvr>
-    <a:masterClrMapping/>
-  </p:clrMapOvr>
-  <p:timing>
-    <p:tnLst>
-      <p:par>
-        <p:cTn id="1" dur="indefinite" restart="never" nodeType="tmRoot"/>
-      </p:par>
-    </p:tnLst>
-  </p:timing>
-</p:sld>
-</file>
-
-<file path=ppt/slides/slide18.xml><?xml version="1.0" encoding="utf-8"?>
-<p:sld xmlns:a="http://schemas.openxmlformats.org/drawingml/2006/main" xmlns:r="http://schemas.openxmlformats.org/officeDocument/2006/relationships" xmlns:p="http://schemas.openxmlformats.org/presentationml/2006/main">
-  <p:cSld>
-    <p:spTree>
-      <p:nvGrpSpPr>
-        <p:cNvPr id="1" name=""/>
-        <p:cNvGrpSpPr/>
-        <p:nvPr/>
-      </p:nvGrpSpPr>
-      <p:grpSpPr>
-        <a:xfrm>
-          <a:off x="0" y="0"/>
-          <a:ext cx="0" cy="0"/>
-          <a:chOff x="0" y="0"/>
-          <a:chExt cx="0" cy="0"/>
-        </a:xfrm>
-      </p:grpSpPr>
-      <p:sp>
-        <p:nvSpPr>
-          <p:cNvPr id="2" name="Content Placeholder 1"/>
-          <p:cNvSpPr>
-            <a:spLocks noGrp="1"/>
-          </p:cNvSpPr>
-          <p:nvPr>
-            <p:ph sz="quarter" idx="13"/>
-          </p:nvPr>
-        </p:nvSpPr>
-        <p:spPr>
-          <a:xfrm>
-            <a:off x="685800" y="1066800"/>
-            <a:ext cx="7848600" cy="5486400"/>
-          </a:xfrm>
-        </p:spPr>
-        <p:txBody>
-          <a:bodyPr>
-            <a:noAutofit/>
-          </a:bodyPr>
-          <a:lstStyle/>
-          <a:p>
-            <a:pPr marL="0" indent="0">
-              <a:buNone/>
-            </a:pPr>
-            <a:r>
-              <a:rPr lang="en-US" sz="2800" dirty="0" smtClean="0"/>
-              <a:t>/* </a:t>
-            </a:r>
-            <a:r>
-              <a:rPr lang="en-US" sz="2800" dirty="0"/>
-              <a:t>Phones */</a:t>
-            </a:r>
-          </a:p>
-          <a:p>
-            <a:pPr marL="0" indent="0">
-              <a:buNone/>
-            </a:pPr>
-            <a:r>
-              <a:rPr lang="en-US" sz="2800" dirty="0" smtClean="0"/>
-              <a:t>@</a:t>
-            </a:r>
-            <a:r>
-              <a:rPr lang="en-US" sz="2800" dirty="0"/>
-              <a:t>media only screen </a:t>
-            </a:r>
-            <a:r>
-              <a:rPr lang="en-US" sz="2800" dirty="0" smtClean="0"/>
-              <a:t> </a:t>
-            </a:r>
-          </a:p>
-          <a:p>
-            <a:pPr marL="0" indent="0">
-              <a:buNone/>
-            </a:pPr>
-            <a:r>
-              <a:rPr lang="en-US" sz="2800" dirty="0" smtClean="0"/>
-              <a:t>	and </a:t>
-            </a:r>
-            <a:r>
-              <a:rPr lang="en-US" sz="2800" dirty="0"/>
-              <a:t>(min-device-width : 320px) </a:t>
-            </a:r>
-          </a:p>
-          <a:p>
-            <a:pPr marL="0" indent="0">
-              <a:buNone/>
-            </a:pPr>
-            <a:r>
-              <a:rPr lang="en-US" sz="2800" dirty="0"/>
-              <a:t>	</a:t>
-            </a:r>
-            <a:r>
-              <a:rPr lang="en-US" sz="2800" dirty="0" smtClean="0"/>
-              <a:t>and </a:t>
-            </a:r>
-            <a:r>
-              <a:rPr lang="en-US" sz="2800" dirty="0"/>
-              <a:t>(max-device-width : 480px) {</a:t>
-            </a:r>
-          </a:p>
-          <a:p>
-            <a:pPr marL="0" indent="0">
-              <a:buNone/>
-            </a:pPr>
-            <a:r>
-              <a:rPr lang="en-US" sz="2800" dirty="0"/>
-              <a:t>	</a:t>
-            </a:r>
-            <a:r>
-              <a:rPr lang="en-US" sz="2800" dirty="0" smtClean="0"/>
-              <a:t>	</a:t>
-            </a:r>
-          </a:p>
-          <a:p>
-            <a:pPr marL="0" indent="0">
-              <a:buNone/>
-            </a:pPr>
-            <a:r>
-              <a:rPr lang="en-US" sz="2800" dirty="0"/>
-              <a:t>	</a:t>
-            </a:r>
-            <a:r>
-              <a:rPr lang="en-US" sz="2800" dirty="0" smtClean="0"/>
-              <a:t>	.</a:t>
-            </a:r>
-            <a:r>
-              <a:rPr lang="en-US" sz="2800" dirty="0" err="1" smtClean="0"/>
-              <a:t>img</a:t>
-            </a:r>
-            <a:r>
-              <a:rPr lang="en-US" sz="2800" dirty="0" smtClean="0"/>
-              <a:t>-round  </a:t>
-            </a:r>
-            <a:r>
-              <a:rPr lang="en-US" sz="2800" dirty="0"/>
-              <a:t>{</a:t>
-            </a:r>
-          </a:p>
-          <a:p>
-            <a:pPr marL="0" indent="0">
-              <a:buNone/>
-            </a:pPr>
-            <a:r>
-              <a:rPr lang="en-US" sz="2800" dirty="0"/>
-              <a:t>			height: 40%;</a:t>
-            </a:r>
-          </a:p>
-          <a:p>
-            <a:pPr marL="0" indent="0">
-              <a:buNone/>
-            </a:pPr>
-            <a:r>
-              <a:rPr lang="en-US" sz="2800" dirty="0"/>
-              <a:t>			width: 75%;</a:t>
-            </a:r>
-          </a:p>
-          <a:p>
-            <a:pPr marL="0" indent="0">
-              <a:buNone/>
-            </a:pPr>
-            <a:r>
-              <a:rPr lang="en-US" sz="2800" dirty="0"/>
-              <a:t>	</a:t>
-            </a:r>
-            <a:r>
-              <a:rPr lang="en-US" sz="2800" dirty="0" smtClean="0"/>
-              <a:t>	}</a:t>
-            </a:r>
-            <a:endParaRPr lang="en-US" sz="2800" dirty="0"/>
-          </a:p>
-          <a:p>
-            <a:pPr marL="0" indent="0">
-              <a:buNone/>
-            </a:pPr>
-            <a:r>
-              <a:rPr lang="en-US" sz="2800" dirty="0" smtClean="0"/>
-              <a:t>}</a:t>
-            </a:r>
-            <a:endParaRPr lang="en-US" sz="2800" dirty="0"/>
-          </a:p>
-          <a:p>
-            <a:pPr marL="0" indent="0">
-              <a:buNone/>
-            </a:pPr>
-            <a:endParaRPr lang="en-US" sz="2800" dirty="0"/>
-          </a:p>
-          <a:p>
-            <a:pPr marL="0" indent="0">
-              <a:buNone/>
-            </a:pPr>
-            <a:r>
-              <a:rPr lang="en-US" sz="2800" dirty="0"/>
-              <a:t>			</a:t>
-            </a:r>
-          </a:p>
-          <a:p>
-            <a:pPr marL="0" indent="0">
-              <a:buNone/>
-            </a:pPr>
-            <a:r>
-              <a:rPr lang="en-US" sz="2800" dirty="0"/>
-              <a:t>			</a:t>
-            </a:r>
-          </a:p>
-        </p:txBody>
-      </p:sp>
-      <p:sp>
-        <p:nvSpPr>
-          <p:cNvPr id="3" name="Title 2"/>
-          <p:cNvSpPr>
-            <a:spLocks noGrp="1"/>
-          </p:cNvSpPr>
-          <p:nvPr>
-            <p:ph type="title"/>
-          </p:nvPr>
-        </p:nvSpPr>
-        <p:spPr/>
-        <p:txBody>
-          <a:bodyPr/>
-          <a:lstStyle/>
-          <a:p>
-            <a:r>
-              <a:rPr lang="en-US" dirty="0" smtClean="0"/>
-              <a:t>Responsive UI?</a:t>
-            </a:r>
-            <a:endParaRPr lang="en-US" dirty="0"/>
-          </a:p>
-        </p:txBody>
-      </p:sp>
-    </p:spTree>
-    <p:extLst>
-      <p:ext uri="{BB962C8B-B14F-4D97-AF65-F5344CB8AC3E}">
-        <p14:creationId xmlns:p14="http://schemas.microsoft.com/office/powerpoint/2010/main" val="1466882383"/>
-      </p:ext>
-    </p:extLst>
-  </p:cSld>
-  <p:clrMapOvr>
-    <a:masterClrMapping/>
-  </p:clrMapOvr>
-  <p:timing>
-    <p:tnLst>
-      <p:par>
-        <p:cTn id="1" dur="indefinite" restart="never" nodeType="tmRoot"/>
-      </p:par>
-    </p:tnLst>
-  </p:timing>
-</p:sld>
-</file>
-
-<file path=ppt/slides/slide19.xml><?xml version="1.0" encoding="utf-8"?>
-<p:sld xmlns:a="http://schemas.openxmlformats.org/drawingml/2006/main" xmlns:r="http://schemas.openxmlformats.org/officeDocument/2006/relationships" xmlns:p="http://schemas.openxmlformats.org/presentationml/2006/main">
-  <p:cSld>
-    <p:spTree>
-      <p:nvGrpSpPr>
-        <p:cNvPr id="1" name=""/>
-        <p:cNvGrpSpPr/>
-        <p:nvPr/>
-      </p:nvGrpSpPr>
-      <p:grpSpPr>
-        <a:xfrm>
-          <a:off x="0" y="0"/>
-          <a:ext cx="0" cy="0"/>
-          <a:chOff x="0" y="0"/>
-          <a:chExt cx="0" cy="0"/>
-        </a:xfrm>
-      </p:grpSpPr>
-      <p:sp>
-        <p:nvSpPr>
-          <p:cNvPr id="2" name="Content Placeholder 1"/>
-          <p:cNvSpPr>
-            <a:spLocks noGrp="1"/>
-          </p:cNvSpPr>
-          <p:nvPr>
-            <p:ph sz="quarter" idx="13"/>
-          </p:nvPr>
-        </p:nvSpPr>
-        <p:spPr>
-          <a:xfrm>
-            <a:off x="685800" y="990600"/>
-            <a:ext cx="7772400" cy="5562600"/>
-          </a:xfrm>
-        </p:spPr>
-        <p:txBody>
-          <a:bodyPr>
-            <a:normAutofit lnSpcReduction="10000"/>
-          </a:bodyPr>
-          <a:lstStyle/>
-          <a:p>
-            <a:pPr marL="0" indent="0">
-              <a:buNone/>
-            </a:pPr>
-            <a:r>
-              <a:rPr lang="en-US" dirty="0"/>
-              <a:t>/* </a:t>
-            </a:r>
-            <a:r>
-              <a:rPr lang="en-US" dirty="0" smtClean="0"/>
-              <a:t>iPads/tablets </a:t>
-            </a:r>
-            <a:r>
-              <a:rPr lang="en-US" dirty="0"/>
-              <a:t>*/</a:t>
-            </a:r>
-          </a:p>
-          <a:p>
-            <a:pPr marL="0" indent="0">
-              <a:buNone/>
-            </a:pPr>
-            <a:r>
-              <a:rPr lang="en-US" dirty="0" smtClean="0"/>
-              <a:t>@</a:t>
-            </a:r>
-            <a:r>
-              <a:rPr lang="en-US" dirty="0"/>
-              <a:t>media only screen </a:t>
-            </a:r>
-          </a:p>
-          <a:p>
-            <a:pPr marL="0" indent="0">
-              <a:buNone/>
-            </a:pPr>
-            <a:r>
-              <a:rPr lang="en-US" dirty="0" smtClean="0"/>
-              <a:t>	and </a:t>
-            </a:r>
-            <a:r>
-              <a:rPr lang="en-US" dirty="0"/>
-              <a:t>(min-device-width : 768px) </a:t>
-            </a:r>
-          </a:p>
-          <a:p>
-            <a:pPr marL="0" indent="0">
-              <a:buNone/>
-            </a:pPr>
-            <a:r>
-              <a:rPr lang="en-US" dirty="0"/>
-              <a:t>	</a:t>
-            </a:r>
-            <a:r>
-              <a:rPr lang="en-US" dirty="0" smtClean="0"/>
-              <a:t>and </a:t>
-            </a:r>
-            <a:r>
-              <a:rPr lang="en-US" dirty="0"/>
-              <a:t>(max-device-width : 1024px) </a:t>
-            </a:r>
-            <a:r>
-              <a:rPr lang="en-US" dirty="0" smtClean="0"/>
-              <a:t>{</a:t>
-            </a:r>
-            <a:r>
-              <a:rPr lang="en-US" dirty="0"/>
-              <a:t>	</a:t>
-            </a:r>
-            <a:endParaRPr lang="en-US" dirty="0" smtClean="0"/>
-          </a:p>
-          <a:p>
-            <a:pPr marL="0" indent="0">
-              <a:buNone/>
-            </a:pPr>
-            <a:r>
-              <a:rPr lang="en-US" dirty="0" smtClean="0"/>
-              <a:t>		</a:t>
-            </a:r>
-          </a:p>
-          <a:p>
-            <a:pPr marL="0" indent="0">
-              <a:buNone/>
-            </a:pPr>
-            <a:r>
-              <a:rPr lang="en-US" dirty="0"/>
-              <a:t>	</a:t>
-            </a:r>
-            <a:r>
-              <a:rPr lang="en-US" dirty="0" smtClean="0"/>
-              <a:t>	.</a:t>
-            </a:r>
-            <a:r>
-              <a:rPr lang="en-US" dirty="0" err="1"/>
-              <a:t>img</a:t>
-            </a:r>
-            <a:r>
-              <a:rPr lang="en-US" dirty="0"/>
-              <a:t>-round  {</a:t>
-            </a:r>
-          </a:p>
-          <a:p>
-            <a:pPr marL="0" indent="0">
-              <a:buNone/>
-            </a:pPr>
-            <a:r>
-              <a:rPr lang="en-US" dirty="0"/>
-              <a:t>			height: </a:t>
-            </a:r>
-            <a:r>
-              <a:rPr lang="en-US" dirty="0" smtClean="0"/>
-              <a:t>60</a:t>
-            </a:r>
-            <a:r>
-              <a:rPr lang="en-US" dirty="0"/>
-              <a:t>%;</a:t>
-            </a:r>
-          </a:p>
-          <a:p>
-            <a:pPr marL="0" indent="0">
-              <a:buNone/>
-            </a:pPr>
-            <a:r>
-              <a:rPr lang="en-US" dirty="0"/>
-              <a:t>			width: </a:t>
-            </a:r>
-            <a:r>
-              <a:rPr lang="en-US" dirty="0" smtClean="0"/>
-              <a:t>80%;</a:t>
-            </a:r>
-            <a:endParaRPr lang="en-US" dirty="0"/>
-          </a:p>
-          <a:p>
-            <a:pPr marL="0" indent="0">
-              <a:buNone/>
-            </a:pPr>
-            <a:r>
-              <a:rPr lang="en-US" dirty="0"/>
-              <a:t>		</a:t>
-            </a:r>
-            <a:r>
-              <a:rPr lang="en-US" dirty="0" smtClean="0"/>
-              <a:t>}</a:t>
-            </a:r>
-          </a:p>
-          <a:p>
-            <a:pPr marL="0" indent="0">
-              <a:buNone/>
-            </a:pPr>
-            <a:r>
-              <a:rPr lang="en-US" dirty="0" smtClean="0"/>
-              <a:t>}</a:t>
-            </a:r>
-            <a:endParaRPr lang="en-US" dirty="0"/>
-          </a:p>
-          <a:p>
-            <a:endParaRPr lang="en-US" dirty="0"/>
-          </a:p>
-        </p:txBody>
-      </p:sp>
-      <p:sp>
-        <p:nvSpPr>
-          <p:cNvPr id="3" name="Title 2"/>
-          <p:cNvSpPr>
-            <a:spLocks noGrp="1"/>
-          </p:cNvSpPr>
-          <p:nvPr>
-            <p:ph type="title"/>
-          </p:nvPr>
-        </p:nvSpPr>
-        <p:spPr/>
-        <p:txBody>
-          <a:bodyPr/>
-          <a:lstStyle/>
-          <a:p>
-            <a:r>
-              <a:rPr lang="en-US" dirty="0" smtClean="0"/>
-              <a:t>Responsive UI?</a:t>
-            </a:r>
-            <a:endParaRPr lang="en-US" dirty="0"/>
-          </a:p>
-        </p:txBody>
-      </p:sp>
-    </p:spTree>
-    <p:extLst>
-      <p:ext uri="{BB962C8B-B14F-4D97-AF65-F5344CB8AC3E}">
-        <p14:creationId xmlns:p14="http://schemas.microsoft.com/office/powerpoint/2010/main" val="227727531"/>
       </p:ext>
     </p:extLst>
   </p:cSld>
@@ -10326,6 +9319,34 @@
           </a:ln>
         </p:spPr>
       </p:pic>
+      <p:sp>
+        <p:nvSpPr>
+          <p:cNvPr id="2" name="Title 1"/>
+          <p:cNvSpPr>
+            <a:spLocks noGrp="1"/>
+          </p:cNvSpPr>
+          <p:nvPr>
+            <p:ph type="title"/>
+          </p:nvPr>
+        </p:nvSpPr>
+        <p:spPr>
+          <a:xfrm>
+            <a:off x="2667000" y="-304800"/>
+            <a:ext cx="5518547" cy="827971"/>
+          </a:xfrm>
+        </p:spPr>
+        <p:txBody>
+          <a:bodyPr/>
+          <a:lstStyle/>
+          <a:p>
+            <a:r>
+              <a:rPr lang="en-US" dirty="0" smtClean="0"/>
+              <a:t>That conference sponsors</a:t>
+            </a:r>
+            <a:endParaRPr lang="en-US" dirty="0"/>
+          </a:p>
+        </p:txBody>
+      </p:sp>
     </p:spTree>
     <p:extLst>
       <p:ext uri="{BB962C8B-B14F-4D97-AF65-F5344CB8AC3E}">
@@ -10366,6 +9387,2145 @@
       </p:grpSpPr>
       <p:sp>
         <p:nvSpPr>
+          <p:cNvPr id="8" name="Rectangle 7"/>
+          <p:cNvSpPr/>
+          <p:nvPr/>
+        </p:nvSpPr>
+        <p:spPr>
+          <a:xfrm>
+            <a:off x="5105400" y="4648200"/>
+            <a:ext cx="3581400" cy="1447800"/>
+          </a:xfrm>
+          <a:prstGeom prst="rect">
+            <a:avLst/>
+          </a:prstGeom>
+          <a:solidFill>
+            <a:schemeClr val="tx1"/>
+          </a:solidFill>
+          <a:ln>
+            <a:noFill/>
+          </a:ln>
+        </p:spPr>
+        <p:style>
+          <a:lnRef idx="2">
+            <a:schemeClr val="accent1">
+              <a:shade val="50000"/>
+            </a:schemeClr>
+          </a:lnRef>
+          <a:fillRef idx="1">
+            <a:schemeClr val="accent1"/>
+          </a:fillRef>
+          <a:effectRef idx="0">
+            <a:schemeClr val="accent1"/>
+          </a:effectRef>
+          <a:fontRef idx="minor">
+            <a:schemeClr val="lt1"/>
+          </a:fontRef>
+        </p:style>
+        <p:txBody>
+          <a:bodyPr rtlCol="0" anchor="ctr"/>
+          <a:lstStyle/>
+          <a:p>
+            <a:pPr algn="ctr"/>
+            <a:endParaRPr lang="en-US"/>
+          </a:p>
+        </p:txBody>
+      </p:sp>
+      <p:sp>
+        <p:nvSpPr>
+          <p:cNvPr id="7" name="Rounded Rectangle 6"/>
+          <p:cNvSpPr/>
+          <p:nvPr/>
+        </p:nvSpPr>
+        <p:spPr>
+          <a:xfrm>
+            <a:off x="1371600" y="2286000"/>
+            <a:ext cx="2743200" cy="2209800"/>
+          </a:xfrm>
+          <a:prstGeom prst="roundRect">
+            <a:avLst/>
+          </a:prstGeom>
+          <a:noFill/>
+          <a:ln>
+            <a:solidFill>
+              <a:srgbClr val="FF0000"/>
+            </a:solidFill>
+          </a:ln>
+        </p:spPr>
+        <p:style>
+          <a:lnRef idx="2">
+            <a:schemeClr val="accent1">
+              <a:shade val="50000"/>
+            </a:schemeClr>
+          </a:lnRef>
+          <a:fillRef idx="1">
+            <a:schemeClr val="accent1"/>
+          </a:fillRef>
+          <a:effectRef idx="0">
+            <a:schemeClr val="accent1"/>
+          </a:effectRef>
+          <a:fontRef idx="minor">
+            <a:schemeClr val="lt1"/>
+          </a:fontRef>
+        </p:style>
+        <p:txBody>
+          <a:bodyPr rtlCol="0" anchor="ctr"/>
+          <a:lstStyle/>
+          <a:p>
+            <a:pPr algn="ctr"/>
+            <a:endParaRPr lang="en-US"/>
+          </a:p>
+        </p:txBody>
+      </p:sp>
+      <p:sp>
+        <p:nvSpPr>
+          <p:cNvPr id="2" name="Content Placeholder 1"/>
+          <p:cNvSpPr>
+            <a:spLocks noGrp="1"/>
+          </p:cNvSpPr>
+          <p:nvPr>
+            <p:ph sz="quarter" idx="13"/>
+          </p:nvPr>
+        </p:nvSpPr>
+        <p:spPr>
+          <a:xfrm>
+            <a:off x="990600" y="1524000"/>
+            <a:ext cx="7391400" cy="609600"/>
+          </a:xfrm>
+        </p:spPr>
+        <p:txBody>
+          <a:bodyPr>
+            <a:normAutofit fontScale="92500"/>
+          </a:bodyPr>
+          <a:lstStyle/>
+          <a:p>
+            <a:pPr marL="0" indent="0">
+              <a:buNone/>
+            </a:pPr>
+            <a:r>
+              <a:rPr lang="en-US" b="1" dirty="0" smtClean="0"/>
+              <a:t>Let a mobile framework do the heavy lifting!</a:t>
+            </a:r>
+            <a:endParaRPr lang="en-US" b="1" dirty="0"/>
+          </a:p>
+        </p:txBody>
+      </p:sp>
+      <p:sp>
+        <p:nvSpPr>
+          <p:cNvPr id="3" name="Title 2"/>
+          <p:cNvSpPr>
+            <a:spLocks noGrp="1"/>
+          </p:cNvSpPr>
+          <p:nvPr>
+            <p:ph type="title"/>
+          </p:nvPr>
+        </p:nvSpPr>
+        <p:spPr/>
+        <p:txBody>
+          <a:bodyPr>
+            <a:normAutofit fontScale="90000"/>
+          </a:bodyPr>
+          <a:lstStyle/>
+          <a:p>
+            <a:r>
+              <a:rPr lang="en-US" dirty="0" smtClean="0"/>
+              <a:t>Web: layout &amp; styling</a:t>
+            </a:r>
+            <a:br>
+              <a:rPr lang="en-US" dirty="0" smtClean="0"/>
+            </a:br>
+            <a:r>
+              <a:rPr lang="en-US" i="1" dirty="0" smtClean="0"/>
+              <a:t>The solution?</a:t>
+            </a:r>
+            <a:endParaRPr lang="en-US" i="1" dirty="0"/>
+          </a:p>
+        </p:txBody>
+      </p:sp>
+      <p:pic>
+        <p:nvPicPr>
+          <p:cNvPr id="4" name="Picture 8" descr="https://lh6.googleusercontent.com/-95XOZAfaeOc/AAAAAAAAAAI/AAAAAAAAAX8/tPCUmEbNrx8/photo.jpg"/>
+          <p:cNvPicPr>
+            <a:picLocks noChangeAspect="1" noChangeArrowheads="1"/>
+          </p:cNvPicPr>
+          <p:nvPr/>
+        </p:nvPicPr>
+        <p:blipFill>
+          <a:blip r:embed="rId3" cstate="print">
+            <a:extLst>
+              <a:ext uri="{28A0092B-C50C-407E-A947-70E740481C1C}">
+                <a14:useLocalDpi xmlns:a14="http://schemas.microsoft.com/office/drawing/2010/main" val="0"/>
+              </a:ext>
+            </a:extLst>
+          </a:blip>
+          <a:srcRect/>
+          <a:stretch>
+            <a:fillRect/>
+          </a:stretch>
+        </p:blipFill>
+        <p:spPr bwMode="auto">
+          <a:xfrm>
+            <a:off x="1981200" y="2641269"/>
+            <a:ext cx="1424253" cy="1424253"/>
+          </a:xfrm>
+          <a:prstGeom prst="rect">
+            <a:avLst/>
+          </a:prstGeom>
+          <a:noFill/>
+          <a:extLst>
+            <a:ext uri="{909E8E84-426E-40DD-AFC4-6F175D3DCCD1}">
+              <a14:hiddenFill xmlns:a14="http://schemas.microsoft.com/office/drawing/2010/main">
+                <a:solidFill>
+                  <a:srgbClr val="FFFFFF"/>
+                </a:solidFill>
+              </a14:hiddenFill>
+            </a:ext>
+          </a:extLst>
+        </p:spPr>
+      </p:pic>
+      <p:pic>
+        <p:nvPicPr>
+          <p:cNvPr id="9219" name="Picture 3"/>
+          <p:cNvPicPr>
+            <a:picLocks noChangeAspect="1" noChangeArrowheads="1"/>
+          </p:cNvPicPr>
+          <p:nvPr/>
+        </p:nvPicPr>
+        <p:blipFill>
+          <a:blip r:embed="rId4">
+            <a:extLst>
+              <a:ext uri="{28A0092B-C50C-407E-A947-70E740481C1C}">
+                <a14:useLocalDpi xmlns:a14="http://schemas.microsoft.com/office/drawing/2010/main" val="0"/>
+              </a:ext>
+            </a:extLst>
+          </a:blip>
+          <a:srcRect/>
+          <a:stretch>
+            <a:fillRect/>
+          </a:stretch>
+        </p:blipFill>
+        <p:spPr bwMode="auto">
+          <a:xfrm>
+            <a:off x="5105400" y="4495800"/>
+            <a:ext cx="3257550" cy="1712302"/>
+          </a:xfrm>
+          <a:prstGeom prst="rect">
+            <a:avLst/>
+          </a:prstGeom>
+          <a:noFill/>
+          <a:ln>
+            <a:noFill/>
+          </a:ln>
+          <a:effectLst/>
+          <a:extLst>
+            <a:ext uri="{909E8E84-426E-40DD-AFC4-6F175D3DCCD1}">
+              <a14:hiddenFill xmlns:a14="http://schemas.microsoft.com/office/drawing/2010/main">
+                <a:solidFill>
+                  <a:schemeClr val="accent1"/>
+                </a:solidFill>
+              </a14:hiddenFill>
+            </a:ext>
+            <a:ext uri="{91240B29-F687-4F45-9708-019B960494DF}">
+              <a14:hiddenLine xmlns:a14="http://schemas.microsoft.com/office/drawing/2010/main" w="9525">
+                <a:solidFill>
+                  <a:schemeClr val="tx1"/>
+                </a:solidFill>
+                <a:miter lim="800000"/>
+                <a:headEnd/>
+                <a:tailEnd/>
+              </a14:hiddenLine>
+            </a:ext>
+            <a:ext uri="{AF507438-7753-43E0-B8FC-AC1667EBCBE1}">
+              <a14:hiddenEffects xmlns:a14="http://schemas.microsoft.com/office/drawing/2010/main">
+                <a:effectLst>
+                  <a:outerShdw dist="35921" dir="2700000" algn="ctr" rotWithShape="0">
+                    <a:schemeClr val="bg2"/>
+                  </a:outerShdw>
+                </a:effectLst>
+              </a14:hiddenEffects>
+            </a:ext>
+          </a:extLst>
+        </p:spPr>
+      </p:pic>
+      <p:pic>
+        <p:nvPicPr>
+          <p:cNvPr id="9220" name="Picture 4"/>
+          <p:cNvPicPr>
+            <a:picLocks noChangeAspect="1" noChangeArrowheads="1"/>
+          </p:cNvPicPr>
+          <p:nvPr/>
+        </p:nvPicPr>
+        <p:blipFill>
+          <a:blip r:embed="rId5">
+            <a:extLst>
+              <a:ext uri="{28A0092B-C50C-407E-A947-70E740481C1C}">
+                <a14:useLocalDpi xmlns:a14="http://schemas.microsoft.com/office/drawing/2010/main" val="0"/>
+              </a:ext>
+            </a:extLst>
+          </a:blip>
+          <a:srcRect/>
+          <a:stretch>
+            <a:fillRect/>
+          </a:stretch>
+        </p:blipFill>
+        <p:spPr bwMode="auto">
+          <a:xfrm>
+            <a:off x="857249" y="4876800"/>
+            <a:ext cx="3819525" cy="1114425"/>
+          </a:xfrm>
+          <a:prstGeom prst="rect">
+            <a:avLst/>
+          </a:prstGeom>
+          <a:noFill/>
+          <a:ln>
+            <a:noFill/>
+          </a:ln>
+          <a:effectLst/>
+          <a:extLst>
+            <a:ext uri="{909E8E84-426E-40DD-AFC4-6F175D3DCCD1}">
+              <a14:hiddenFill xmlns:a14="http://schemas.microsoft.com/office/drawing/2010/main">
+                <a:solidFill>
+                  <a:schemeClr val="accent1"/>
+                </a:solidFill>
+              </a14:hiddenFill>
+            </a:ext>
+            <a:ext uri="{91240B29-F687-4F45-9708-019B960494DF}">
+              <a14:hiddenLine xmlns:a14="http://schemas.microsoft.com/office/drawing/2010/main" w="9525">
+                <a:solidFill>
+                  <a:schemeClr val="tx1"/>
+                </a:solidFill>
+                <a:miter lim="800000"/>
+                <a:headEnd/>
+                <a:tailEnd/>
+              </a14:hiddenLine>
+            </a:ext>
+            <a:ext uri="{AF507438-7753-43E0-B8FC-AC1667EBCBE1}">
+              <a14:hiddenEffects xmlns:a14="http://schemas.microsoft.com/office/drawing/2010/main">
+                <a:effectLst>
+                  <a:outerShdw dist="35921" dir="2700000" algn="ctr" rotWithShape="0">
+                    <a:schemeClr val="bg2"/>
+                  </a:outerShdw>
+                </a:effectLst>
+              </a14:hiddenEffects>
+            </a:ext>
+          </a:extLst>
+        </p:spPr>
+      </p:pic>
+      <p:pic>
+        <p:nvPicPr>
+          <p:cNvPr id="9222" name="Picture 6" descr="http://www.sencha.com/img/sencha-large.png"/>
+          <p:cNvPicPr>
+            <a:picLocks noChangeAspect="1" noChangeArrowheads="1"/>
+          </p:cNvPicPr>
+          <p:nvPr/>
+        </p:nvPicPr>
+        <p:blipFill>
+          <a:blip r:embed="rId6">
+            <a:extLst>
+              <a:ext uri="{28A0092B-C50C-407E-A947-70E740481C1C}">
+                <a14:useLocalDpi xmlns:a14="http://schemas.microsoft.com/office/drawing/2010/main" val="0"/>
+              </a:ext>
+            </a:extLst>
+          </a:blip>
+          <a:srcRect/>
+          <a:stretch>
+            <a:fillRect/>
+          </a:stretch>
+        </p:blipFill>
+        <p:spPr bwMode="auto">
+          <a:xfrm>
+            <a:off x="4702425" y="2916064"/>
+            <a:ext cx="2324100" cy="874662"/>
+          </a:xfrm>
+          <a:prstGeom prst="rect">
+            <a:avLst/>
+          </a:prstGeom>
+          <a:noFill/>
+          <a:extLst>
+            <a:ext uri="{909E8E84-426E-40DD-AFC4-6F175D3DCCD1}">
+              <a14:hiddenFill xmlns:a14="http://schemas.microsoft.com/office/drawing/2010/main">
+                <a:solidFill>
+                  <a:srgbClr val="FFFFFF"/>
+                </a:solidFill>
+              </a14:hiddenFill>
+            </a:ext>
+          </a:extLst>
+        </p:spPr>
+      </p:pic>
+    </p:spTree>
+    <p:extLst>
+      <p:ext uri="{BB962C8B-B14F-4D97-AF65-F5344CB8AC3E}">
+        <p14:creationId xmlns:p14="http://schemas.microsoft.com/office/powerpoint/2010/main" val="2830509778"/>
+      </p:ext>
+    </p:extLst>
+  </p:cSld>
+  <p:clrMapOvr>
+    <a:masterClrMapping/>
+  </p:clrMapOvr>
+  <p:timing>
+    <p:tnLst>
+      <p:par>
+        <p:cTn id="1" dur="indefinite" restart="never" nodeType="tmRoot">
+          <p:childTnLst>
+            <p:seq concurrent="1" nextAc="seek">
+              <p:cTn id="2" dur="indefinite" nodeType="mainSeq">
+                <p:childTnLst>
+                  <p:par>
+                    <p:cTn id="3" fill="hold">
+                      <p:stCondLst>
+                        <p:cond delay="indefinite"/>
+                      </p:stCondLst>
+                      <p:childTnLst>
+                        <p:par>
+                          <p:cTn id="4" fill="hold">
+                            <p:stCondLst>
+                              <p:cond delay="0"/>
+                            </p:stCondLst>
+                            <p:childTnLst>
+                              <p:par>
+                                <p:cTn id="5" presetID="42" presetClass="entr" presetSubtype="0" fill="hold" nodeType="clickEffect">
+                                  <p:stCondLst>
+                                    <p:cond delay="0"/>
+                                  </p:stCondLst>
+                                  <p:childTnLst>
+                                    <p:set>
+                                      <p:cBhvr>
+                                        <p:cTn id="6" dur="1" fill="hold">
+                                          <p:stCondLst>
+                                            <p:cond delay="0"/>
+                                          </p:stCondLst>
+                                        </p:cTn>
+                                        <p:tgtEl>
+                                          <p:spTgt spid="4"/>
+                                        </p:tgtEl>
+                                        <p:attrNameLst>
+                                          <p:attrName>style.visibility</p:attrName>
+                                        </p:attrNameLst>
+                                      </p:cBhvr>
+                                      <p:to>
+                                        <p:strVal val="visible"/>
+                                      </p:to>
+                                    </p:set>
+                                    <p:animEffect transition="in" filter="fade">
+                                      <p:cBhvr>
+                                        <p:cTn id="7" dur="1000"/>
+                                        <p:tgtEl>
+                                          <p:spTgt spid="4"/>
+                                        </p:tgtEl>
+                                      </p:cBhvr>
+                                    </p:animEffect>
+                                    <p:anim calcmode="lin" valueType="num">
+                                      <p:cBhvr>
+                                        <p:cTn id="8" dur="1000" fill="hold"/>
+                                        <p:tgtEl>
+                                          <p:spTgt spid="4"/>
+                                        </p:tgtEl>
+                                        <p:attrNameLst>
+                                          <p:attrName>ppt_x</p:attrName>
+                                        </p:attrNameLst>
+                                      </p:cBhvr>
+                                      <p:tavLst>
+                                        <p:tav tm="0">
+                                          <p:val>
+                                            <p:strVal val="#ppt_x"/>
+                                          </p:val>
+                                        </p:tav>
+                                        <p:tav tm="100000">
+                                          <p:val>
+                                            <p:strVal val="#ppt_x"/>
+                                          </p:val>
+                                        </p:tav>
+                                      </p:tavLst>
+                                    </p:anim>
+                                    <p:anim calcmode="lin" valueType="num">
+                                      <p:cBhvr>
+                                        <p:cTn id="9" dur="1000" fill="hold"/>
+                                        <p:tgtEl>
+                                          <p:spTgt spid="4"/>
+                                        </p:tgtEl>
+                                        <p:attrNameLst>
+                                          <p:attrName>ppt_y</p:attrName>
+                                        </p:attrNameLst>
+                                      </p:cBhvr>
+                                      <p:tavLst>
+                                        <p:tav tm="0">
+                                          <p:val>
+                                            <p:strVal val="#ppt_y+.1"/>
+                                          </p:val>
+                                        </p:tav>
+                                        <p:tav tm="100000">
+                                          <p:val>
+                                            <p:strVal val="#ppt_y"/>
+                                          </p:val>
+                                        </p:tav>
+                                      </p:tavLst>
+                                    </p:anim>
+                                  </p:childTnLst>
+                                </p:cTn>
+                              </p:par>
+                              <p:par>
+                                <p:cTn id="10" presetID="42" presetClass="entr" presetSubtype="0" fill="hold" nodeType="withEffect">
+                                  <p:stCondLst>
+                                    <p:cond delay="0"/>
+                                  </p:stCondLst>
+                                  <p:childTnLst>
+                                    <p:set>
+                                      <p:cBhvr>
+                                        <p:cTn id="11" dur="1" fill="hold">
+                                          <p:stCondLst>
+                                            <p:cond delay="0"/>
+                                          </p:stCondLst>
+                                        </p:cTn>
+                                        <p:tgtEl>
+                                          <p:spTgt spid="9222"/>
+                                        </p:tgtEl>
+                                        <p:attrNameLst>
+                                          <p:attrName>style.visibility</p:attrName>
+                                        </p:attrNameLst>
+                                      </p:cBhvr>
+                                      <p:to>
+                                        <p:strVal val="visible"/>
+                                      </p:to>
+                                    </p:set>
+                                    <p:animEffect transition="in" filter="fade">
+                                      <p:cBhvr>
+                                        <p:cTn id="12" dur="1000"/>
+                                        <p:tgtEl>
+                                          <p:spTgt spid="9222"/>
+                                        </p:tgtEl>
+                                      </p:cBhvr>
+                                    </p:animEffect>
+                                    <p:anim calcmode="lin" valueType="num">
+                                      <p:cBhvr>
+                                        <p:cTn id="13" dur="1000" fill="hold"/>
+                                        <p:tgtEl>
+                                          <p:spTgt spid="9222"/>
+                                        </p:tgtEl>
+                                        <p:attrNameLst>
+                                          <p:attrName>ppt_x</p:attrName>
+                                        </p:attrNameLst>
+                                      </p:cBhvr>
+                                      <p:tavLst>
+                                        <p:tav tm="0">
+                                          <p:val>
+                                            <p:strVal val="#ppt_x"/>
+                                          </p:val>
+                                        </p:tav>
+                                        <p:tav tm="100000">
+                                          <p:val>
+                                            <p:strVal val="#ppt_x"/>
+                                          </p:val>
+                                        </p:tav>
+                                      </p:tavLst>
+                                    </p:anim>
+                                    <p:anim calcmode="lin" valueType="num">
+                                      <p:cBhvr>
+                                        <p:cTn id="14" dur="1000" fill="hold"/>
+                                        <p:tgtEl>
+                                          <p:spTgt spid="9222"/>
+                                        </p:tgtEl>
+                                        <p:attrNameLst>
+                                          <p:attrName>ppt_y</p:attrName>
+                                        </p:attrNameLst>
+                                      </p:cBhvr>
+                                      <p:tavLst>
+                                        <p:tav tm="0">
+                                          <p:val>
+                                            <p:strVal val="#ppt_y+.1"/>
+                                          </p:val>
+                                        </p:tav>
+                                        <p:tav tm="100000">
+                                          <p:val>
+                                            <p:strVal val="#ppt_y"/>
+                                          </p:val>
+                                        </p:tav>
+                                      </p:tavLst>
+                                    </p:anim>
+                                  </p:childTnLst>
+                                </p:cTn>
+                              </p:par>
+                              <p:par>
+                                <p:cTn id="15" presetID="42" presetClass="entr" presetSubtype="0" fill="hold" nodeType="withEffect">
+                                  <p:stCondLst>
+                                    <p:cond delay="0"/>
+                                  </p:stCondLst>
+                                  <p:childTnLst>
+                                    <p:set>
+                                      <p:cBhvr>
+                                        <p:cTn id="16" dur="1" fill="hold">
+                                          <p:stCondLst>
+                                            <p:cond delay="0"/>
+                                          </p:stCondLst>
+                                        </p:cTn>
+                                        <p:tgtEl>
+                                          <p:spTgt spid="9219"/>
+                                        </p:tgtEl>
+                                        <p:attrNameLst>
+                                          <p:attrName>style.visibility</p:attrName>
+                                        </p:attrNameLst>
+                                      </p:cBhvr>
+                                      <p:to>
+                                        <p:strVal val="visible"/>
+                                      </p:to>
+                                    </p:set>
+                                    <p:animEffect transition="in" filter="fade">
+                                      <p:cBhvr>
+                                        <p:cTn id="17" dur="1000"/>
+                                        <p:tgtEl>
+                                          <p:spTgt spid="9219"/>
+                                        </p:tgtEl>
+                                      </p:cBhvr>
+                                    </p:animEffect>
+                                    <p:anim calcmode="lin" valueType="num">
+                                      <p:cBhvr>
+                                        <p:cTn id="18" dur="1000" fill="hold"/>
+                                        <p:tgtEl>
+                                          <p:spTgt spid="9219"/>
+                                        </p:tgtEl>
+                                        <p:attrNameLst>
+                                          <p:attrName>ppt_x</p:attrName>
+                                        </p:attrNameLst>
+                                      </p:cBhvr>
+                                      <p:tavLst>
+                                        <p:tav tm="0">
+                                          <p:val>
+                                            <p:strVal val="#ppt_x"/>
+                                          </p:val>
+                                        </p:tav>
+                                        <p:tav tm="100000">
+                                          <p:val>
+                                            <p:strVal val="#ppt_x"/>
+                                          </p:val>
+                                        </p:tav>
+                                      </p:tavLst>
+                                    </p:anim>
+                                    <p:anim calcmode="lin" valueType="num">
+                                      <p:cBhvr>
+                                        <p:cTn id="19" dur="1000" fill="hold"/>
+                                        <p:tgtEl>
+                                          <p:spTgt spid="9219"/>
+                                        </p:tgtEl>
+                                        <p:attrNameLst>
+                                          <p:attrName>ppt_y</p:attrName>
+                                        </p:attrNameLst>
+                                      </p:cBhvr>
+                                      <p:tavLst>
+                                        <p:tav tm="0">
+                                          <p:val>
+                                            <p:strVal val="#ppt_y+.1"/>
+                                          </p:val>
+                                        </p:tav>
+                                        <p:tav tm="100000">
+                                          <p:val>
+                                            <p:strVal val="#ppt_y"/>
+                                          </p:val>
+                                        </p:tav>
+                                      </p:tavLst>
+                                    </p:anim>
+                                  </p:childTnLst>
+                                </p:cTn>
+                              </p:par>
+                              <p:par>
+                                <p:cTn id="20" presetID="42" presetClass="entr" presetSubtype="0" fill="hold" nodeType="withEffect">
+                                  <p:stCondLst>
+                                    <p:cond delay="0"/>
+                                  </p:stCondLst>
+                                  <p:childTnLst>
+                                    <p:set>
+                                      <p:cBhvr>
+                                        <p:cTn id="21" dur="1" fill="hold">
+                                          <p:stCondLst>
+                                            <p:cond delay="0"/>
+                                          </p:stCondLst>
+                                        </p:cTn>
+                                        <p:tgtEl>
+                                          <p:spTgt spid="9220"/>
+                                        </p:tgtEl>
+                                        <p:attrNameLst>
+                                          <p:attrName>style.visibility</p:attrName>
+                                        </p:attrNameLst>
+                                      </p:cBhvr>
+                                      <p:to>
+                                        <p:strVal val="visible"/>
+                                      </p:to>
+                                    </p:set>
+                                    <p:animEffect transition="in" filter="fade">
+                                      <p:cBhvr>
+                                        <p:cTn id="22" dur="1000"/>
+                                        <p:tgtEl>
+                                          <p:spTgt spid="9220"/>
+                                        </p:tgtEl>
+                                      </p:cBhvr>
+                                    </p:animEffect>
+                                    <p:anim calcmode="lin" valueType="num">
+                                      <p:cBhvr>
+                                        <p:cTn id="23" dur="1000" fill="hold"/>
+                                        <p:tgtEl>
+                                          <p:spTgt spid="9220"/>
+                                        </p:tgtEl>
+                                        <p:attrNameLst>
+                                          <p:attrName>ppt_x</p:attrName>
+                                        </p:attrNameLst>
+                                      </p:cBhvr>
+                                      <p:tavLst>
+                                        <p:tav tm="0">
+                                          <p:val>
+                                            <p:strVal val="#ppt_x"/>
+                                          </p:val>
+                                        </p:tav>
+                                        <p:tav tm="100000">
+                                          <p:val>
+                                            <p:strVal val="#ppt_x"/>
+                                          </p:val>
+                                        </p:tav>
+                                      </p:tavLst>
+                                    </p:anim>
+                                    <p:anim calcmode="lin" valueType="num">
+                                      <p:cBhvr>
+                                        <p:cTn id="24" dur="1000" fill="hold"/>
+                                        <p:tgtEl>
+                                          <p:spTgt spid="9220"/>
+                                        </p:tgtEl>
+                                        <p:attrNameLst>
+                                          <p:attrName>ppt_y</p:attrName>
+                                        </p:attrNameLst>
+                                      </p:cBhvr>
+                                      <p:tavLst>
+                                        <p:tav tm="0">
+                                          <p:val>
+                                            <p:strVal val="#ppt_y+.1"/>
+                                          </p:val>
+                                        </p:tav>
+                                        <p:tav tm="100000">
+                                          <p:val>
+                                            <p:strVal val="#ppt_y"/>
+                                          </p:val>
+                                        </p:tav>
+                                      </p:tavLst>
+                                    </p:anim>
+                                  </p:childTnLst>
+                                </p:cTn>
+                              </p:par>
+                              <p:par>
+                                <p:cTn id="25" presetID="42" presetClass="entr" presetSubtype="0" fill="hold" grpId="0" nodeType="withEffect">
+                                  <p:stCondLst>
+                                    <p:cond delay="0"/>
+                                  </p:stCondLst>
+                                  <p:childTnLst>
+                                    <p:set>
+                                      <p:cBhvr>
+                                        <p:cTn id="26" dur="1" fill="hold">
+                                          <p:stCondLst>
+                                            <p:cond delay="0"/>
+                                          </p:stCondLst>
+                                        </p:cTn>
+                                        <p:tgtEl>
+                                          <p:spTgt spid="8"/>
+                                        </p:tgtEl>
+                                        <p:attrNameLst>
+                                          <p:attrName>style.visibility</p:attrName>
+                                        </p:attrNameLst>
+                                      </p:cBhvr>
+                                      <p:to>
+                                        <p:strVal val="visible"/>
+                                      </p:to>
+                                    </p:set>
+                                    <p:animEffect transition="in" filter="fade">
+                                      <p:cBhvr>
+                                        <p:cTn id="27" dur="1000"/>
+                                        <p:tgtEl>
+                                          <p:spTgt spid="8"/>
+                                        </p:tgtEl>
+                                      </p:cBhvr>
+                                    </p:animEffect>
+                                    <p:anim calcmode="lin" valueType="num">
+                                      <p:cBhvr>
+                                        <p:cTn id="28" dur="1000" fill="hold"/>
+                                        <p:tgtEl>
+                                          <p:spTgt spid="8"/>
+                                        </p:tgtEl>
+                                        <p:attrNameLst>
+                                          <p:attrName>ppt_x</p:attrName>
+                                        </p:attrNameLst>
+                                      </p:cBhvr>
+                                      <p:tavLst>
+                                        <p:tav tm="0">
+                                          <p:val>
+                                            <p:strVal val="#ppt_x"/>
+                                          </p:val>
+                                        </p:tav>
+                                        <p:tav tm="100000">
+                                          <p:val>
+                                            <p:strVal val="#ppt_x"/>
+                                          </p:val>
+                                        </p:tav>
+                                      </p:tavLst>
+                                    </p:anim>
+                                    <p:anim calcmode="lin" valueType="num">
+                                      <p:cBhvr>
+                                        <p:cTn id="29" dur="1000" fill="hold"/>
+                                        <p:tgtEl>
+                                          <p:spTgt spid="8"/>
+                                        </p:tgtEl>
+                                        <p:attrNameLst>
+                                          <p:attrName>ppt_y</p:attrName>
+                                        </p:attrNameLst>
+                                      </p:cBhvr>
+                                      <p:tavLst>
+                                        <p:tav tm="0">
+                                          <p:val>
+                                            <p:strVal val="#ppt_y+.1"/>
+                                          </p:val>
+                                        </p:tav>
+                                        <p:tav tm="100000">
+                                          <p:val>
+                                            <p:strVal val="#ppt_y"/>
+                                          </p:val>
+                                        </p:tav>
+                                      </p:tavLst>
+                                    </p:anim>
+                                  </p:childTnLst>
+                                </p:cTn>
+                              </p:par>
+                            </p:childTnLst>
+                          </p:cTn>
+                        </p:par>
+                      </p:childTnLst>
+                    </p:cTn>
+                  </p:par>
+                  <p:par>
+                    <p:cTn id="30" fill="hold">
+                      <p:stCondLst>
+                        <p:cond delay="indefinite"/>
+                      </p:stCondLst>
+                      <p:childTnLst>
+                        <p:par>
+                          <p:cTn id="31" fill="hold">
+                            <p:stCondLst>
+                              <p:cond delay="0"/>
+                            </p:stCondLst>
+                            <p:childTnLst>
+                              <p:par>
+                                <p:cTn id="32" presetID="42" presetClass="entr" presetSubtype="0" fill="hold" grpId="0" nodeType="clickEffect">
+                                  <p:stCondLst>
+                                    <p:cond delay="0"/>
+                                  </p:stCondLst>
+                                  <p:childTnLst>
+                                    <p:set>
+                                      <p:cBhvr>
+                                        <p:cTn id="33" dur="1" fill="hold">
+                                          <p:stCondLst>
+                                            <p:cond delay="0"/>
+                                          </p:stCondLst>
+                                        </p:cTn>
+                                        <p:tgtEl>
+                                          <p:spTgt spid="7"/>
+                                        </p:tgtEl>
+                                        <p:attrNameLst>
+                                          <p:attrName>style.visibility</p:attrName>
+                                        </p:attrNameLst>
+                                      </p:cBhvr>
+                                      <p:to>
+                                        <p:strVal val="visible"/>
+                                      </p:to>
+                                    </p:set>
+                                    <p:animEffect transition="in" filter="fade">
+                                      <p:cBhvr>
+                                        <p:cTn id="34" dur="1000"/>
+                                        <p:tgtEl>
+                                          <p:spTgt spid="7"/>
+                                        </p:tgtEl>
+                                      </p:cBhvr>
+                                    </p:animEffect>
+                                    <p:anim calcmode="lin" valueType="num">
+                                      <p:cBhvr>
+                                        <p:cTn id="35" dur="1000" fill="hold"/>
+                                        <p:tgtEl>
+                                          <p:spTgt spid="7"/>
+                                        </p:tgtEl>
+                                        <p:attrNameLst>
+                                          <p:attrName>ppt_x</p:attrName>
+                                        </p:attrNameLst>
+                                      </p:cBhvr>
+                                      <p:tavLst>
+                                        <p:tav tm="0">
+                                          <p:val>
+                                            <p:strVal val="#ppt_x"/>
+                                          </p:val>
+                                        </p:tav>
+                                        <p:tav tm="100000">
+                                          <p:val>
+                                            <p:strVal val="#ppt_x"/>
+                                          </p:val>
+                                        </p:tav>
+                                      </p:tavLst>
+                                    </p:anim>
+                                    <p:anim calcmode="lin" valueType="num">
+                                      <p:cBhvr>
+                                        <p:cTn id="36" dur="1000" fill="hold"/>
+                                        <p:tgtEl>
+                                          <p:spTgt spid="7"/>
+                                        </p:tgtEl>
+                                        <p:attrNameLst>
+                                          <p:attrName>ppt_y</p:attrName>
+                                        </p:attrNameLst>
+                                      </p:cBhvr>
+                                      <p:tavLst>
+                                        <p:tav tm="0">
+                                          <p:val>
+                                            <p:strVal val="#ppt_y+.1"/>
+                                          </p:val>
+                                        </p:tav>
+                                        <p:tav tm="100000">
+                                          <p:val>
+                                            <p:strVal val="#ppt_y"/>
+                                          </p:val>
+                                        </p:tav>
+                                      </p:tavLst>
+                                    </p:anim>
+                                  </p:childTnLst>
+                                </p:cTn>
+                              </p:par>
+                            </p:childTnLst>
+                          </p:cTn>
+                        </p:par>
+                      </p:childTnLst>
+                    </p:cTn>
+                  </p:par>
+                </p:childTnLst>
+              </p:cTn>
+              <p:prevCondLst>
+                <p:cond evt="onPrev" delay="0">
+                  <p:tgtEl>
+                    <p:sldTgt/>
+                  </p:tgtEl>
+                </p:cond>
+              </p:prevCondLst>
+              <p:nextCondLst>
+                <p:cond evt="onNext" delay="0">
+                  <p:tgtEl>
+                    <p:sldTgt/>
+                  </p:tgtEl>
+                </p:cond>
+              </p:nextCondLst>
+            </p:seq>
+          </p:childTnLst>
+        </p:cTn>
+      </p:par>
+    </p:tnLst>
+    <p:bldLst>
+      <p:bldP spid="8" grpId="0" animBg="1"/>
+      <p:bldP spid="7" grpId="0" animBg="1"/>
+    </p:bldLst>
+  </p:timing>
+</p:sld>
+</file>
+
+<file path=ppt/slides/slide21.xml><?xml version="1.0" encoding="utf-8"?>
+<p:sld xmlns:a="http://schemas.openxmlformats.org/drawingml/2006/main" xmlns:r="http://schemas.openxmlformats.org/officeDocument/2006/relationships" xmlns:p="http://schemas.openxmlformats.org/presentationml/2006/main">
+  <p:cSld>
+    <p:spTree>
+      <p:nvGrpSpPr>
+        <p:cNvPr id="1" name=""/>
+        <p:cNvGrpSpPr/>
+        <p:nvPr/>
+      </p:nvGrpSpPr>
+      <p:grpSpPr>
+        <a:xfrm>
+          <a:off x="0" y="0"/>
+          <a:ext cx="0" cy="0"/>
+          <a:chOff x="0" y="0"/>
+          <a:chExt cx="0" cy="0"/>
+        </a:xfrm>
+      </p:grpSpPr>
+      <p:sp>
+        <p:nvSpPr>
+          <p:cNvPr id="4" name="Rectangle 3"/>
+          <p:cNvSpPr/>
+          <p:nvPr/>
+        </p:nvSpPr>
+        <p:spPr>
+          <a:xfrm>
+            <a:off x="152400" y="1066800"/>
+            <a:ext cx="8867775" cy="5105400"/>
+          </a:xfrm>
+          <a:prstGeom prst="rect">
+            <a:avLst/>
+          </a:prstGeom>
+          <a:solidFill>
+            <a:schemeClr val="tx1"/>
+          </a:solidFill>
+          <a:ln>
+            <a:solidFill>
+              <a:schemeClr val="tx1"/>
+            </a:solidFill>
+          </a:ln>
+        </p:spPr>
+        <p:style>
+          <a:lnRef idx="2">
+            <a:schemeClr val="accent1">
+              <a:shade val="50000"/>
+            </a:schemeClr>
+          </a:lnRef>
+          <a:fillRef idx="1">
+            <a:schemeClr val="accent1"/>
+          </a:fillRef>
+          <a:effectRef idx="0">
+            <a:schemeClr val="accent1"/>
+          </a:effectRef>
+          <a:fontRef idx="minor">
+            <a:schemeClr val="lt1"/>
+          </a:fontRef>
+        </p:style>
+        <p:txBody>
+          <a:bodyPr rtlCol="0" anchor="ctr"/>
+          <a:lstStyle/>
+          <a:p>
+            <a:pPr algn="ctr"/>
+            <a:endParaRPr lang="en-US"/>
+          </a:p>
+        </p:txBody>
+      </p:sp>
+      <p:sp>
+        <p:nvSpPr>
+          <p:cNvPr id="3" name="Title 2"/>
+          <p:cNvSpPr>
+            <a:spLocks noGrp="1"/>
+          </p:cNvSpPr>
+          <p:nvPr>
+            <p:ph type="title"/>
+          </p:nvPr>
+        </p:nvSpPr>
+        <p:spPr>
+          <a:xfrm>
+            <a:off x="2971800" y="381000"/>
+            <a:ext cx="3429000" cy="685800"/>
+          </a:xfrm>
+        </p:spPr>
+        <p:txBody>
+          <a:bodyPr/>
+          <a:lstStyle/>
+          <a:p>
+            <a:r>
+              <a:rPr lang="en-US" dirty="0" smtClean="0"/>
+              <a:t>Kendo UI Mobile</a:t>
+            </a:r>
+            <a:endParaRPr lang="en-US" dirty="0"/>
+          </a:p>
+        </p:txBody>
+      </p:sp>
+      <p:pic>
+        <p:nvPicPr>
+          <p:cNvPr id="1027" name="Picture 3"/>
+          <p:cNvPicPr>
+            <a:picLocks noChangeAspect="1" noChangeArrowheads="1"/>
+          </p:cNvPicPr>
+          <p:nvPr/>
+        </p:nvPicPr>
+        <p:blipFill>
+          <a:blip r:embed="rId2">
+            <a:extLst>
+              <a:ext uri="{28A0092B-C50C-407E-A947-70E740481C1C}">
+                <a14:useLocalDpi xmlns:a14="http://schemas.microsoft.com/office/drawing/2010/main" val="0"/>
+              </a:ext>
+            </a:extLst>
+          </a:blip>
+          <a:srcRect/>
+          <a:stretch>
+            <a:fillRect/>
+          </a:stretch>
+        </p:blipFill>
+        <p:spPr bwMode="auto">
+          <a:xfrm>
+            <a:off x="304800" y="1219200"/>
+            <a:ext cx="3724275" cy="1809750"/>
+          </a:xfrm>
+          <a:prstGeom prst="rect">
+            <a:avLst/>
+          </a:prstGeom>
+          <a:noFill/>
+          <a:ln>
+            <a:noFill/>
+          </a:ln>
+          <a:extLst>
+            <a:ext uri="{909E8E84-426E-40DD-AFC4-6F175D3DCCD1}">
+              <a14:hiddenFill xmlns:a14="http://schemas.microsoft.com/office/drawing/2010/main">
+                <a:solidFill>
+                  <a:schemeClr val="accent1"/>
+                </a:solidFill>
+              </a14:hiddenFill>
+            </a:ext>
+            <a:ext uri="{91240B29-F687-4F45-9708-019B960494DF}">
+              <a14:hiddenLine xmlns:a14="http://schemas.microsoft.com/office/drawing/2010/main" w="9525">
+                <a:solidFill>
+                  <a:schemeClr val="tx1"/>
+                </a:solidFill>
+                <a:miter lim="800000"/>
+                <a:headEnd/>
+                <a:tailEnd/>
+              </a14:hiddenLine>
+            </a:ext>
+          </a:extLst>
+        </p:spPr>
+      </p:pic>
+      <p:pic>
+        <p:nvPicPr>
+          <p:cNvPr id="1028" name="Picture 4"/>
+          <p:cNvPicPr>
+            <a:picLocks noChangeAspect="1" noChangeArrowheads="1"/>
+          </p:cNvPicPr>
+          <p:nvPr/>
+        </p:nvPicPr>
+        <p:blipFill>
+          <a:blip r:embed="rId3">
+            <a:extLst>
+              <a:ext uri="{28A0092B-C50C-407E-A947-70E740481C1C}">
+                <a14:useLocalDpi xmlns:a14="http://schemas.microsoft.com/office/drawing/2010/main" val="0"/>
+              </a:ext>
+            </a:extLst>
+          </a:blip>
+          <a:srcRect/>
+          <a:stretch>
+            <a:fillRect/>
+          </a:stretch>
+        </p:blipFill>
+        <p:spPr bwMode="auto">
+          <a:xfrm>
+            <a:off x="4724400" y="1219200"/>
+            <a:ext cx="3781425" cy="1666875"/>
+          </a:xfrm>
+          <a:prstGeom prst="rect">
+            <a:avLst/>
+          </a:prstGeom>
+          <a:noFill/>
+          <a:ln>
+            <a:noFill/>
+          </a:ln>
+          <a:extLst>
+            <a:ext uri="{909E8E84-426E-40DD-AFC4-6F175D3DCCD1}">
+              <a14:hiddenFill xmlns:a14="http://schemas.microsoft.com/office/drawing/2010/main">
+                <a:solidFill>
+                  <a:schemeClr val="accent1"/>
+                </a:solidFill>
+              </a14:hiddenFill>
+            </a:ext>
+            <a:ext uri="{91240B29-F687-4F45-9708-019B960494DF}">
+              <a14:hiddenLine xmlns:a14="http://schemas.microsoft.com/office/drawing/2010/main" w="9525">
+                <a:solidFill>
+                  <a:schemeClr val="tx1"/>
+                </a:solidFill>
+                <a:miter lim="800000"/>
+                <a:headEnd/>
+                <a:tailEnd/>
+              </a14:hiddenLine>
+            </a:ext>
+          </a:extLst>
+        </p:spPr>
+      </p:pic>
+      <p:pic>
+        <p:nvPicPr>
+          <p:cNvPr id="1029" name="Picture 5"/>
+          <p:cNvPicPr>
+            <a:picLocks noChangeAspect="1" noChangeArrowheads="1"/>
+          </p:cNvPicPr>
+          <p:nvPr/>
+        </p:nvPicPr>
+        <p:blipFill>
+          <a:blip r:embed="rId4">
+            <a:extLst>
+              <a:ext uri="{28A0092B-C50C-407E-A947-70E740481C1C}">
+                <a14:useLocalDpi xmlns:a14="http://schemas.microsoft.com/office/drawing/2010/main" val="0"/>
+              </a:ext>
+            </a:extLst>
+          </a:blip>
+          <a:srcRect/>
+          <a:stretch>
+            <a:fillRect/>
+          </a:stretch>
+        </p:blipFill>
+        <p:spPr bwMode="auto">
+          <a:xfrm>
+            <a:off x="381000" y="3733800"/>
+            <a:ext cx="3867150" cy="2019300"/>
+          </a:xfrm>
+          <a:prstGeom prst="rect">
+            <a:avLst/>
+          </a:prstGeom>
+          <a:noFill/>
+          <a:ln>
+            <a:noFill/>
+          </a:ln>
+          <a:extLst>
+            <a:ext uri="{909E8E84-426E-40DD-AFC4-6F175D3DCCD1}">
+              <a14:hiddenFill xmlns:a14="http://schemas.microsoft.com/office/drawing/2010/main">
+                <a:solidFill>
+                  <a:schemeClr val="accent1"/>
+                </a:solidFill>
+              </a14:hiddenFill>
+            </a:ext>
+            <a:ext uri="{91240B29-F687-4F45-9708-019B960494DF}">
+              <a14:hiddenLine xmlns:a14="http://schemas.microsoft.com/office/drawing/2010/main" w="9525">
+                <a:solidFill>
+                  <a:schemeClr val="tx1"/>
+                </a:solidFill>
+                <a:miter lim="800000"/>
+                <a:headEnd/>
+                <a:tailEnd/>
+              </a14:hiddenLine>
+            </a:ext>
+          </a:extLst>
+        </p:spPr>
+      </p:pic>
+      <p:pic>
+        <p:nvPicPr>
+          <p:cNvPr id="1030" name="Picture 6"/>
+          <p:cNvPicPr>
+            <a:picLocks noChangeAspect="1" noChangeArrowheads="1"/>
+          </p:cNvPicPr>
+          <p:nvPr/>
+        </p:nvPicPr>
+        <p:blipFill>
+          <a:blip r:embed="rId5">
+            <a:extLst>
+              <a:ext uri="{28A0092B-C50C-407E-A947-70E740481C1C}">
+                <a14:useLocalDpi xmlns:a14="http://schemas.microsoft.com/office/drawing/2010/main" val="0"/>
+              </a:ext>
+            </a:extLst>
+          </a:blip>
+          <a:srcRect/>
+          <a:stretch>
+            <a:fillRect/>
+          </a:stretch>
+        </p:blipFill>
+        <p:spPr bwMode="auto">
+          <a:xfrm>
+            <a:off x="4572000" y="3760107"/>
+            <a:ext cx="4448175" cy="1885950"/>
+          </a:xfrm>
+          <a:prstGeom prst="rect">
+            <a:avLst/>
+          </a:prstGeom>
+          <a:noFill/>
+          <a:ln>
+            <a:noFill/>
+          </a:ln>
+          <a:extLst>
+            <a:ext uri="{909E8E84-426E-40DD-AFC4-6F175D3DCCD1}">
+              <a14:hiddenFill xmlns:a14="http://schemas.microsoft.com/office/drawing/2010/main">
+                <a:solidFill>
+                  <a:schemeClr val="accent1"/>
+                </a:solidFill>
+              </a14:hiddenFill>
+            </a:ext>
+            <a:ext uri="{91240B29-F687-4F45-9708-019B960494DF}">
+              <a14:hiddenLine xmlns:a14="http://schemas.microsoft.com/office/drawing/2010/main" w="9525">
+                <a:solidFill>
+                  <a:schemeClr val="tx1"/>
+                </a:solidFill>
+                <a:miter lim="800000"/>
+                <a:headEnd/>
+                <a:tailEnd/>
+              </a14:hiddenLine>
+            </a:ext>
+          </a:extLst>
+        </p:spPr>
+      </p:pic>
+      <p:sp>
+        <p:nvSpPr>
+          <p:cNvPr id="2" name="TextBox 1"/>
+          <p:cNvSpPr txBox="1"/>
+          <p:nvPr/>
+        </p:nvSpPr>
+        <p:spPr>
+          <a:xfrm>
+            <a:off x="0" y="6477000"/>
+            <a:ext cx="1600200" cy="369332"/>
+          </a:xfrm>
+          <a:prstGeom prst="rect">
+            <a:avLst/>
+          </a:prstGeom>
+          <a:noFill/>
+        </p:spPr>
+        <p:txBody>
+          <a:bodyPr wrap="square" rtlCol="0">
+            <a:spAutoFit/>
+          </a:bodyPr>
+          <a:lstStyle/>
+          <a:p>
+            <a:r>
+              <a:rPr lang="en-US" dirty="0" smtClean="0">
+                <a:hlinkClick r:id="rId6"/>
+              </a:rPr>
+              <a:t>KendoUI.com</a:t>
+            </a:r>
+            <a:endParaRPr lang="en-US" dirty="0"/>
+          </a:p>
+        </p:txBody>
+      </p:sp>
+    </p:spTree>
+    <p:extLst>
+      <p:ext uri="{BB962C8B-B14F-4D97-AF65-F5344CB8AC3E}">
+        <p14:creationId xmlns:p14="http://schemas.microsoft.com/office/powerpoint/2010/main" val="3383838965"/>
+      </p:ext>
+    </p:extLst>
+  </p:cSld>
+  <p:clrMapOvr>
+    <a:masterClrMapping/>
+  </p:clrMapOvr>
+  <p:timing>
+    <p:tnLst>
+      <p:par>
+        <p:cTn id="1" dur="indefinite" restart="never" nodeType="tmRoot"/>
+      </p:par>
+    </p:tnLst>
+  </p:timing>
+</p:sld>
+</file>
+
+<file path=ppt/slides/slide22.xml><?xml version="1.0" encoding="utf-8"?>
+<p:sld xmlns:a="http://schemas.openxmlformats.org/drawingml/2006/main" xmlns:r="http://schemas.openxmlformats.org/officeDocument/2006/relationships" xmlns:p="http://schemas.openxmlformats.org/presentationml/2006/main">
+  <p:cSld>
+    <p:spTree>
+      <p:nvGrpSpPr>
+        <p:cNvPr id="1" name=""/>
+        <p:cNvGrpSpPr/>
+        <p:nvPr/>
+      </p:nvGrpSpPr>
+      <p:grpSpPr>
+        <a:xfrm>
+          <a:off x="0" y="0"/>
+          <a:ext cx="0" cy="0"/>
+          <a:chOff x="0" y="0"/>
+          <a:chExt cx="0" cy="0"/>
+        </a:xfrm>
+      </p:grpSpPr>
+      <p:sp>
+        <p:nvSpPr>
+          <p:cNvPr id="7" name="Rectangle 6"/>
+          <p:cNvSpPr/>
+          <p:nvPr/>
+        </p:nvSpPr>
+        <p:spPr>
+          <a:xfrm>
+            <a:off x="2362199" y="1371600"/>
+            <a:ext cx="5257801" cy="5133975"/>
+          </a:xfrm>
+          <a:prstGeom prst="rect">
+            <a:avLst/>
+          </a:prstGeom>
+          <a:solidFill>
+            <a:schemeClr val="tx1"/>
+          </a:solidFill>
+          <a:ln>
+            <a:solidFill>
+              <a:schemeClr val="tx1"/>
+            </a:solidFill>
+          </a:ln>
+        </p:spPr>
+        <p:style>
+          <a:lnRef idx="2">
+            <a:schemeClr val="accent1">
+              <a:shade val="50000"/>
+            </a:schemeClr>
+          </a:lnRef>
+          <a:fillRef idx="1">
+            <a:schemeClr val="accent1"/>
+          </a:fillRef>
+          <a:effectRef idx="0">
+            <a:schemeClr val="accent1"/>
+          </a:effectRef>
+          <a:fontRef idx="minor">
+            <a:schemeClr val="lt1"/>
+          </a:fontRef>
+        </p:style>
+        <p:txBody>
+          <a:bodyPr rtlCol="0" anchor="ctr"/>
+          <a:lstStyle/>
+          <a:p>
+            <a:pPr algn="ctr"/>
+            <a:endParaRPr lang="en-US"/>
+          </a:p>
+        </p:txBody>
+      </p:sp>
+      <p:sp>
+        <p:nvSpPr>
+          <p:cNvPr id="3" name="Title 2"/>
+          <p:cNvSpPr>
+            <a:spLocks noGrp="1"/>
+          </p:cNvSpPr>
+          <p:nvPr>
+            <p:ph type="title"/>
+          </p:nvPr>
+        </p:nvSpPr>
+        <p:spPr>
+          <a:xfrm>
+            <a:off x="2743200" y="457200"/>
+            <a:ext cx="3886200" cy="457200"/>
+          </a:xfrm>
+        </p:spPr>
+        <p:txBody>
+          <a:bodyPr>
+            <a:normAutofit fontScale="90000"/>
+          </a:bodyPr>
+          <a:lstStyle/>
+          <a:p>
+            <a:r>
+              <a:rPr lang="en-US" dirty="0" smtClean="0"/>
+              <a:t>Kendo UI Framework</a:t>
+            </a:r>
+            <a:endParaRPr lang="en-US" dirty="0"/>
+          </a:p>
+        </p:txBody>
+      </p:sp>
+      <p:pic>
+        <p:nvPicPr>
+          <p:cNvPr id="2050" name="Picture 2"/>
+          <p:cNvPicPr>
+            <a:picLocks noChangeAspect="1" noChangeArrowheads="1"/>
+          </p:cNvPicPr>
+          <p:nvPr/>
+        </p:nvPicPr>
+        <p:blipFill>
+          <a:blip r:embed="rId3">
+            <a:extLst>
+              <a:ext uri="{28A0092B-C50C-407E-A947-70E740481C1C}">
+                <a14:useLocalDpi xmlns:a14="http://schemas.microsoft.com/office/drawing/2010/main" val="0"/>
+              </a:ext>
+            </a:extLst>
+          </a:blip>
+          <a:srcRect/>
+          <a:stretch>
+            <a:fillRect/>
+          </a:stretch>
+        </p:blipFill>
+        <p:spPr bwMode="auto">
+          <a:xfrm>
+            <a:off x="2762250" y="1447800"/>
+            <a:ext cx="4552950" cy="1619250"/>
+          </a:xfrm>
+          <a:prstGeom prst="rect">
+            <a:avLst/>
+          </a:prstGeom>
+          <a:noFill/>
+          <a:ln>
+            <a:noFill/>
+          </a:ln>
+          <a:extLst>
+            <a:ext uri="{909E8E84-426E-40DD-AFC4-6F175D3DCCD1}">
+              <a14:hiddenFill xmlns:a14="http://schemas.microsoft.com/office/drawing/2010/main">
+                <a:solidFill>
+                  <a:schemeClr val="accent1"/>
+                </a:solidFill>
+              </a14:hiddenFill>
+            </a:ext>
+            <a:ext uri="{91240B29-F687-4F45-9708-019B960494DF}">
+              <a14:hiddenLine xmlns:a14="http://schemas.microsoft.com/office/drawing/2010/main" w="9525">
+                <a:solidFill>
+                  <a:schemeClr val="tx1"/>
+                </a:solidFill>
+                <a:miter lim="800000"/>
+                <a:headEnd/>
+                <a:tailEnd/>
+              </a14:hiddenLine>
+            </a:ext>
+          </a:extLst>
+        </p:spPr>
+      </p:pic>
+      <p:pic>
+        <p:nvPicPr>
+          <p:cNvPr id="2051" name="Picture 3"/>
+          <p:cNvPicPr>
+            <a:picLocks noChangeAspect="1" noChangeArrowheads="1"/>
+          </p:cNvPicPr>
+          <p:nvPr/>
+        </p:nvPicPr>
+        <p:blipFill>
+          <a:blip r:embed="rId4">
+            <a:extLst>
+              <a:ext uri="{28A0092B-C50C-407E-A947-70E740481C1C}">
+                <a14:useLocalDpi xmlns:a14="http://schemas.microsoft.com/office/drawing/2010/main" val="0"/>
+              </a:ext>
+            </a:extLst>
+          </a:blip>
+          <a:srcRect/>
+          <a:stretch>
+            <a:fillRect/>
+          </a:stretch>
+        </p:blipFill>
+        <p:spPr bwMode="auto">
+          <a:xfrm>
+            <a:off x="2590800" y="3276600"/>
+            <a:ext cx="4476750" cy="1581150"/>
+          </a:xfrm>
+          <a:prstGeom prst="rect">
+            <a:avLst/>
+          </a:prstGeom>
+          <a:noFill/>
+          <a:ln>
+            <a:noFill/>
+          </a:ln>
+          <a:extLst>
+            <a:ext uri="{909E8E84-426E-40DD-AFC4-6F175D3DCCD1}">
+              <a14:hiddenFill xmlns:a14="http://schemas.microsoft.com/office/drawing/2010/main">
+                <a:solidFill>
+                  <a:schemeClr val="accent1"/>
+                </a:solidFill>
+              </a14:hiddenFill>
+            </a:ext>
+            <a:ext uri="{91240B29-F687-4F45-9708-019B960494DF}">
+              <a14:hiddenLine xmlns:a14="http://schemas.microsoft.com/office/drawing/2010/main" w="9525">
+                <a:solidFill>
+                  <a:schemeClr val="tx1"/>
+                </a:solidFill>
+                <a:miter lim="800000"/>
+                <a:headEnd/>
+                <a:tailEnd/>
+              </a14:hiddenLine>
+            </a:ext>
+          </a:extLst>
+        </p:spPr>
+      </p:pic>
+      <p:pic>
+        <p:nvPicPr>
+          <p:cNvPr id="2052" name="Picture 4"/>
+          <p:cNvPicPr>
+            <a:picLocks noChangeAspect="1" noChangeArrowheads="1"/>
+          </p:cNvPicPr>
+          <p:nvPr/>
+        </p:nvPicPr>
+        <p:blipFill>
+          <a:blip r:embed="rId5">
+            <a:extLst>
+              <a:ext uri="{28A0092B-C50C-407E-A947-70E740481C1C}">
+                <a14:useLocalDpi xmlns:a14="http://schemas.microsoft.com/office/drawing/2010/main" val="0"/>
+              </a:ext>
+            </a:extLst>
+          </a:blip>
+          <a:srcRect/>
+          <a:stretch>
+            <a:fillRect/>
+          </a:stretch>
+        </p:blipFill>
+        <p:spPr bwMode="auto">
+          <a:xfrm>
+            <a:off x="2590800" y="5029200"/>
+            <a:ext cx="4476750" cy="1476375"/>
+          </a:xfrm>
+          <a:prstGeom prst="rect">
+            <a:avLst/>
+          </a:prstGeom>
+          <a:noFill/>
+          <a:ln>
+            <a:noFill/>
+          </a:ln>
+          <a:extLst>
+            <a:ext uri="{909E8E84-426E-40DD-AFC4-6F175D3DCCD1}">
+              <a14:hiddenFill xmlns:a14="http://schemas.microsoft.com/office/drawing/2010/main">
+                <a:solidFill>
+                  <a:schemeClr val="accent1"/>
+                </a:solidFill>
+              </a14:hiddenFill>
+            </a:ext>
+            <a:ext uri="{91240B29-F687-4F45-9708-019B960494DF}">
+              <a14:hiddenLine xmlns:a14="http://schemas.microsoft.com/office/drawing/2010/main" w="9525">
+                <a:solidFill>
+                  <a:schemeClr val="tx1"/>
+                </a:solidFill>
+                <a:miter lim="800000"/>
+                <a:headEnd/>
+                <a:tailEnd/>
+              </a14:hiddenLine>
+            </a:ext>
+          </a:extLst>
+        </p:spPr>
+      </p:pic>
+      <p:sp>
+        <p:nvSpPr>
+          <p:cNvPr id="2" name="TextBox 1"/>
+          <p:cNvSpPr txBox="1"/>
+          <p:nvPr/>
+        </p:nvSpPr>
+        <p:spPr>
+          <a:xfrm>
+            <a:off x="8382000" y="6474023"/>
+            <a:ext cx="838200" cy="307777"/>
+          </a:xfrm>
+          <a:prstGeom prst="rect">
+            <a:avLst/>
+          </a:prstGeom>
+          <a:noFill/>
+        </p:spPr>
+        <p:txBody>
+          <a:bodyPr wrap="square" rtlCol="0">
+            <a:spAutoFit/>
+          </a:bodyPr>
+          <a:lstStyle/>
+          <a:p>
+            <a:r>
+              <a:rPr lang="en-US" sz="1400" dirty="0" smtClean="0"/>
+              <a:t>Demo</a:t>
+            </a:r>
+            <a:endParaRPr lang="en-US" sz="1400" dirty="0"/>
+          </a:p>
+        </p:txBody>
+      </p:sp>
+      <p:sp>
+        <p:nvSpPr>
+          <p:cNvPr id="8" name="TextBox 7"/>
+          <p:cNvSpPr txBox="1"/>
+          <p:nvPr/>
+        </p:nvSpPr>
+        <p:spPr>
+          <a:xfrm>
+            <a:off x="0" y="6477000"/>
+            <a:ext cx="1600200" cy="369332"/>
+          </a:xfrm>
+          <a:prstGeom prst="rect">
+            <a:avLst/>
+          </a:prstGeom>
+          <a:noFill/>
+        </p:spPr>
+        <p:txBody>
+          <a:bodyPr wrap="square" rtlCol="0">
+            <a:spAutoFit/>
+          </a:bodyPr>
+          <a:lstStyle/>
+          <a:p>
+            <a:r>
+              <a:rPr lang="en-US" dirty="0" smtClean="0">
+                <a:hlinkClick r:id="rId6"/>
+              </a:rPr>
+              <a:t>KendoUI.com</a:t>
+            </a:r>
+            <a:endParaRPr lang="en-US" dirty="0"/>
+          </a:p>
+        </p:txBody>
+      </p:sp>
+    </p:spTree>
+    <p:extLst>
+      <p:ext uri="{BB962C8B-B14F-4D97-AF65-F5344CB8AC3E}">
+        <p14:creationId xmlns:p14="http://schemas.microsoft.com/office/powerpoint/2010/main" val="4182239172"/>
+      </p:ext>
+    </p:extLst>
+  </p:cSld>
+  <p:clrMapOvr>
+    <a:masterClrMapping/>
+  </p:clrMapOvr>
+  <p:timing>
+    <p:tnLst>
+      <p:par>
+        <p:cTn id="1" dur="indefinite" restart="never" nodeType="tmRoot"/>
+      </p:par>
+    </p:tnLst>
+  </p:timing>
+</p:sld>
+</file>
+
+<file path=ppt/slides/slide23.xml><?xml version="1.0" encoding="utf-8"?>
+<p:sld xmlns:a="http://schemas.openxmlformats.org/drawingml/2006/main" xmlns:r="http://schemas.openxmlformats.org/officeDocument/2006/relationships" xmlns:p="http://schemas.openxmlformats.org/presentationml/2006/main">
+  <p:cSld>
+    <p:spTree>
+      <p:nvGrpSpPr>
+        <p:cNvPr id="1" name=""/>
+        <p:cNvGrpSpPr/>
+        <p:nvPr/>
+      </p:nvGrpSpPr>
+      <p:grpSpPr>
+        <a:xfrm>
+          <a:off x="0" y="0"/>
+          <a:ext cx="0" cy="0"/>
+          <a:chOff x="0" y="0"/>
+          <a:chExt cx="0" cy="0"/>
+        </a:xfrm>
+      </p:grpSpPr>
+      <p:sp>
+        <p:nvSpPr>
+          <p:cNvPr id="2" name="Content Placeholder 1"/>
+          <p:cNvSpPr>
+            <a:spLocks noGrp="1"/>
+          </p:cNvSpPr>
+          <p:nvPr>
+            <p:ph sz="quarter" idx="13"/>
+          </p:nvPr>
+        </p:nvSpPr>
+        <p:spPr>
+          <a:xfrm>
+            <a:off x="685800" y="1066800"/>
+            <a:ext cx="7848600" cy="5486400"/>
+          </a:xfrm>
+        </p:spPr>
+        <p:txBody>
+          <a:bodyPr>
+            <a:noAutofit/>
+          </a:bodyPr>
+          <a:lstStyle/>
+          <a:p>
+            <a:pPr marL="0" indent="0">
+              <a:buNone/>
+            </a:pPr>
+            <a:r>
+              <a:rPr lang="en-US" sz="2800" dirty="0" smtClean="0"/>
+              <a:t>/* </a:t>
+            </a:r>
+            <a:r>
+              <a:rPr lang="en-US" sz="2800" dirty="0"/>
+              <a:t>Phones */</a:t>
+            </a:r>
+          </a:p>
+          <a:p>
+            <a:pPr marL="0" indent="0">
+              <a:buNone/>
+            </a:pPr>
+            <a:r>
+              <a:rPr lang="en-US" sz="2800" dirty="0" smtClean="0"/>
+              <a:t>@</a:t>
+            </a:r>
+            <a:r>
+              <a:rPr lang="en-US" sz="2800" dirty="0"/>
+              <a:t>media only screen </a:t>
+            </a:r>
+            <a:r>
+              <a:rPr lang="en-US" sz="2800" dirty="0" smtClean="0"/>
+              <a:t> </a:t>
+            </a:r>
+          </a:p>
+          <a:p>
+            <a:pPr marL="0" indent="0">
+              <a:buNone/>
+            </a:pPr>
+            <a:r>
+              <a:rPr lang="en-US" sz="2800" dirty="0" smtClean="0"/>
+              <a:t>	and </a:t>
+            </a:r>
+            <a:r>
+              <a:rPr lang="en-US" sz="2800" dirty="0"/>
+              <a:t>(min-device-width : 320px) </a:t>
+            </a:r>
+          </a:p>
+          <a:p>
+            <a:pPr marL="0" indent="0">
+              <a:buNone/>
+            </a:pPr>
+            <a:r>
+              <a:rPr lang="en-US" sz="2800" dirty="0"/>
+              <a:t>	</a:t>
+            </a:r>
+            <a:r>
+              <a:rPr lang="en-US" sz="2800" dirty="0" smtClean="0"/>
+              <a:t>and </a:t>
+            </a:r>
+            <a:r>
+              <a:rPr lang="en-US" sz="2800" dirty="0"/>
+              <a:t>(max-device-width : 480px) {</a:t>
+            </a:r>
+          </a:p>
+          <a:p>
+            <a:pPr marL="0" indent="0">
+              <a:buNone/>
+            </a:pPr>
+            <a:r>
+              <a:rPr lang="en-US" sz="2800" dirty="0"/>
+              <a:t>	</a:t>
+            </a:r>
+            <a:r>
+              <a:rPr lang="en-US" sz="2800" dirty="0" smtClean="0"/>
+              <a:t>	</a:t>
+            </a:r>
+          </a:p>
+          <a:p>
+            <a:pPr marL="0" indent="0">
+              <a:buNone/>
+            </a:pPr>
+            <a:r>
+              <a:rPr lang="en-US" sz="2800" dirty="0"/>
+              <a:t>	</a:t>
+            </a:r>
+            <a:r>
+              <a:rPr lang="en-US" sz="2800" dirty="0" smtClean="0"/>
+              <a:t>	.</a:t>
+            </a:r>
+            <a:r>
+              <a:rPr lang="en-US" sz="2800" dirty="0" err="1" smtClean="0"/>
+              <a:t>img</a:t>
+            </a:r>
+            <a:r>
+              <a:rPr lang="en-US" sz="2800" dirty="0" smtClean="0"/>
+              <a:t>-round  </a:t>
+            </a:r>
+            <a:r>
+              <a:rPr lang="en-US" sz="2800" dirty="0"/>
+              <a:t>{</a:t>
+            </a:r>
+          </a:p>
+          <a:p>
+            <a:pPr marL="0" indent="0">
+              <a:buNone/>
+            </a:pPr>
+            <a:r>
+              <a:rPr lang="en-US" sz="2800" dirty="0"/>
+              <a:t>			height: 40%;</a:t>
+            </a:r>
+          </a:p>
+          <a:p>
+            <a:pPr marL="0" indent="0">
+              <a:buNone/>
+            </a:pPr>
+            <a:r>
+              <a:rPr lang="en-US" sz="2800" dirty="0"/>
+              <a:t>			width: 75%;</a:t>
+            </a:r>
+          </a:p>
+          <a:p>
+            <a:pPr marL="0" indent="0">
+              <a:buNone/>
+            </a:pPr>
+            <a:r>
+              <a:rPr lang="en-US" sz="2800" dirty="0"/>
+              <a:t>	</a:t>
+            </a:r>
+            <a:r>
+              <a:rPr lang="en-US" sz="2800" dirty="0" smtClean="0"/>
+              <a:t>	}</a:t>
+            </a:r>
+            <a:endParaRPr lang="en-US" sz="2800" dirty="0"/>
+          </a:p>
+          <a:p>
+            <a:pPr marL="0" indent="0">
+              <a:buNone/>
+            </a:pPr>
+            <a:r>
+              <a:rPr lang="en-US" sz="2800" dirty="0" smtClean="0"/>
+              <a:t>}</a:t>
+            </a:r>
+            <a:endParaRPr lang="en-US" sz="2800" dirty="0"/>
+          </a:p>
+          <a:p>
+            <a:pPr marL="0" indent="0">
+              <a:buNone/>
+            </a:pPr>
+            <a:endParaRPr lang="en-US" sz="2800" dirty="0"/>
+          </a:p>
+          <a:p>
+            <a:pPr marL="0" indent="0">
+              <a:buNone/>
+            </a:pPr>
+            <a:r>
+              <a:rPr lang="en-US" sz="2800" dirty="0"/>
+              <a:t>			</a:t>
+            </a:r>
+          </a:p>
+          <a:p>
+            <a:pPr marL="0" indent="0">
+              <a:buNone/>
+            </a:pPr>
+            <a:r>
+              <a:rPr lang="en-US" sz="2800" dirty="0"/>
+              <a:t>			</a:t>
+            </a:r>
+          </a:p>
+        </p:txBody>
+      </p:sp>
+      <p:sp>
+        <p:nvSpPr>
+          <p:cNvPr id="3" name="Title 2"/>
+          <p:cNvSpPr>
+            <a:spLocks noGrp="1"/>
+          </p:cNvSpPr>
+          <p:nvPr>
+            <p:ph type="title"/>
+          </p:nvPr>
+        </p:nvSpPr>
+        <p:spPr/>
+        <p:txBody>
+          <a:bodyPr/>
+          <a:lstStyle/>
+          <a:p>
+            <a:r>
+              <a:rPr lang="en-US" dirty="0" smtClean="0"/>
+              <a:t>Responsive UI?</a:t>
+            </a:r>
+            <a:endParaRPr lang="en-US" dirty="0"/>
+          </a:p>
+        </p:txBody>
+      </p:sp>
+    </p:spTree>
+    <p:extLst>
+      <p:ext uri="{BB962C8B-B14F-4D97-AF65-F5344CB8AC3E}">
+        <p14:creationId xmlns:p14="http://schemas.microsoft.com/office/powerpoint/2010/main" val="1466882383"/>
+      </p:ext>
+    </p:extLst>
+  </p:cSld>
+  <p:clrMapOvr>
+    <a:masterClrMapping/>
+  </p:clrMapOvr>
+  <p:timing>
+    <p:tnLst>
+      <p:par>
+        <p:cTn id="1" dur="indefinite" restart="never" nodeType="tmRoot"/>
+      </p:par>
+    </p:tnLst>
+  </p:timing>
+</p:sld>
+</file>
+
+<file path=ppt/slides/slide24.xml><?xml version="1.0" encoding="utf-8"?>
+<p:sld xmlns:a="http://schemas.openxmlformats.org/drawingml/2006/main" xmlns:r="http://schemas.openxmlformats.org/officeDocument/2006/relationships" xmlns:p="http://schemas.openxmlformats.org/presentationml/2006/main">
+  <p:cSld>
+    <p:spTree>
+      <p:nvGrpSpPr>
+        <p:cNvPr id="1" name=""/>
+        <p:cNvGrpSpPr/>
+        <p:nvPr/>
+      </p:nvGrpSpPr>
+      <p:grpSpPr>
+        <a:xfrm>
+          <a:off x="0" y="0"/>
+          <a:ext cx="0" cy="0"/>
+          <a:chOff x="0" y="0"/>
+          <a:chExt cx="0" cy="0"/>
+        </a:xfrm>
+      </p:grpSpPr>
+      <p:sp>
+        <p:nvSpPr>
+          <p:cNvPr id="2" name="Content Placeholder 1"/>
+          <p:cNvSpPr>
+            <a:spLocks noGrp="1"/>
+          </p:cNvSpPr>
+          <p:nvPr>
+            <p:ph sz="quarter" idx="13"/>
+          </p:nvPr>
+        </p:nvSpPr>
+        <p:spPr>
+          <a:xfrm>
+            <a:off x="685800" y="990600"/>
+            <a:ext cx="7772400" cy="5562600"/>
+          </a:xfrm>
+        </p:spPr>
+        <p:txBody>
+          <a:bodyPr>
+            <a:normAutofit lnSpcReduction="10000"/>
+          </a:bodyPr>
+          <a:lstStyle/>
+          <a:p>
+            <a:pPr marL="0" indent="0">
+              <a:buNone/>
+            </a:pPr>
+            <a:r>
+              <a:rPr lang="en-US" dirty="0"/>
+              <a:t>/* </a:t>
+            </a:r>
+            <a:r>
+              <a:rPr lang="en-US" dirty="0" smtClean="0"/>
+              <a:t>iPads/tablets </a:t>
+            </a:r>
+            <a:r>
+              <a:rPr lang="en-US" dirty="0"/>
+              <a:t>*/</a:t>
+            </a:r>
+          </a:p>
+          <a:p>
+            <a:pPr marL="0" indent="0">
+              <a:buNone/>
+            </a:pPr>
+            <a:r>
+              <a:rPr lang="en-US" dirty="0" smtClean="0"/>
+              <a:t>@</a:t>
+            </a:r>
+            <a:r>
+              <a:rPr lang="en-US" dirty="0"/>
+              <a:t>media only screen </a:t>
+            </a:r>
+          </a:p>
+          <a:p>
+            <a:pPr marL="0" indent="0">
+              <a:buNone/>
+            </a:pPr>
+            <a:r>
+              <a:rPr lang="en-US" dirty="0" smtClean="0"/>
+              <a:t>	and </a:t>
+            </a:r>
+            <a:r>
+              <a:rPr lang="en-US" dirty="0"/>
+              <a:t>(min-device-width : 768px) </a:t>
+            </a:r>
+          </a:p>
+          <a:p>
+            <a:pPr marL="0" indent="0">
+              <a:buNone/>
+            </a:pPr>
+            <a:r>
+              <a:rPr lang="en-US" dirty="0"/>
+              <a:t>	</a:t>
+            </a:r>
+            <a:r>
+              <a:rPr lang="en-US" dirty="0" smtClean="0"/>
+              <a:t>and </a:t>
+            </a:r>
+            <a:r>
+              <a:rPr lang="en-US" dirty="0"/>
+              <a:t>(max-device-width : 1024px) </a:t>
+            </a:r>
+            <a:r>
+              <a:rPr lang="en-US" dirty="0" smtClean="0"/>
+              <a:t>{</a:t>
+            </a:r>
+            <a:r>
+              <a:rPr lang="en-US" dirty="0"/>
+              <a:t>	</a:t>
+            </a:r>
+            <a:endParaRPr lang="en-US" dirty="0" smtClean="0"/>
+          </a:p>
+          <a:p>
+            <a:pPr marL="0" indent="0">
+              <a:buNone/>
+            </a:pPr>
+            <a:r>
+              <a:rPr lang="en-US" dirty="0" smtClean="0"/>
+              <a:t>		</a:t>
+            </a:r>
+          </a:p>
+          <a:p>
+            <a:pPr marL="0" indent="0">
+              <a:buNone/>
+            </a:pPr>
+            <a:r>
+              <a:rPr lang="en-US" dirty="0"/>
+              <a:t>	</a:t>
+            </a:r>
+            <a:r>
+              <a:rPr lang="en-US" dirty="0" smtClean="0"/>
+              <a:t>	.</a:t>
+            </a:r>
+            <a:r>
+              <a:rPr lang="en-US" dirty="0" err="1"/>
+              <a:t>img</a:t>
+            </a:r>
+            <a:r>
+              <a:rPr lang="en-US" dirty="0"/>
+              <a:t>-round  {</a:t>
+            </a:r>
+          </a:p>
+          <a:p>
+            <a:pPr marL="0" indent="0">
+              <a:buNone/>
+            </a:pPr>
+            <a:r>
+              <a:rPr lang="en-US" dirty="0"/>
+              <a:t>			height: </a:t>
+            </a:r>
+            <a:r>
+              <a:rPr lang="en-US" dirty="0" smtClean="0"/>
+              <a:t>60</a:t>
+            </a:r>
+            <a:r>
+              <a:rPr lang="en-US" dirty="0"/>
+              <a:t>%;</a:t>
+            </a:r>
+          </a:p>
+          <a:p>
+            <a:pPr marL="0" indent="0">
+              <a:buNone/>
+            </a:pPr>
+            <a:r>
+              <a:rPr lang="en-US" dirty="0"/>
+              <a:t>			width: </a:t>
+            </a:r>
+            <a:r>
+              <a:rPr lang="en-US" dirty="0" smtClean="0"/>
+              <a:t>80%;</a:t>
+            </a:r>
+            <a:endParaRPr lang="en-US" dirty="0"/>
+          </a:p>
+          <a:p>
+            <a:pPr marL="0" indent="0">
+              <a:buNone/>
+            </a:pPr>
+            <a:r>
+              <a:rPr lang="en-US" dirty="0"/>
+              <a:t>		</a:t>
+            </a:r>
+            <a:r>
+              <a:rPr lang="en-US" dirty="0" smtClean="0"/>
+              <a:t>}</a:t>
+            </a:r>
+          </a:p>
+          <a:p>
+            <a:pPr marL="0" indent="0">
+              <a:buNone/>
+            </a:pPr>
+            <a:r>
+              <a:rPr lang="en-US" dirty="0" smtClean="0"/>
+              <a:t>}</a:t>
+            </a:r>
+            <a:endParaRPr lang="en-US" dirty="0"/>
+          </a:p>
+          <a:p>
+            <a:endParaRPr lang="en-US" dirty="0"/>
+          </a:p>
+        </p:txBody>
+      </p:sp>
+      <p:sp>
+        <p:nvSpPr>
+          <p:cNvPr id="3" name="Title 2"/>
+          <p:cNvSpPr>
+            <a:spLocks noGrp="1"/>
+          </p:cNvSpPr>
+          <p:nvPr>
+            <p:ph type="title"/>
+          </p:nvPr>
+        </p:nvSpPr>
+        <p:spPr/>
+        <p:txBody>
+          <a:bodyPr/>
+          <a:lstStyle/>
+          <a:p>
+            <a:r>
+              <a:rPr lang="en-US" dirty="0" smtClean="0"/>
+              <a:t>Responsive UI?</a:t>
+            </a:r>
+            <a:endParaRPr lang="en-US" dirty="0"/>
+          </a:p>
+        </p:txBody>
+      </p:sp>
+    </p:spTree>
+    <p:extLst>
+      <p:ext uri="{BB962C8B-B14F-4D97-AF65-F5344CB8AC3E}">
+        <p14:creationId xmlns:p14="http://schemas.microsoft.com/office/powerpoint/2010/main" val="227727531"/>
+      </p:ext>
+    </p:extLst>
+  </p:cSld>
+  <p:clrMapOvr>
+    <a:masterClrMapping/>
+  </p:clrMapOvr>
+  <p:timing>
+    <p:tnLst>
+      <p:par>
+        <p:cTn id="1" dur="indefinite" restart="never" nodeType="tmRoot"/>
+      </p:par>
+    </p:tnLst>
+  </p:timing>
+</p:sld>
+</file>
+
+<file path=ppt/slides/slide25.xml><?xml version="1.0" encoding="utf-8"?>
+<p:sld xmlns:a="http://schemas.openxmlformats.org/drawingml/2006/main" xmlns:r="http://schemas.openxmlformats.org/officeDocument/2006/relationships" xmlns:p="http://schemas.openxmlformats.org/presentationml/2006/main">
+  <p:cSld>
+    <p:spTree>
+      <p:nvGrpSpPr>
+        <p:cNvPr id="1" name=""/>
+        <p:cNvGrpSpPr/>
+        <p:nvPr/>
+      </p:nvGrpSpPr>
+      <p:grpSpPr>
+        <a:xfrm>
+          <a:off x="0" y="0"/>
+          <a:ext cx="0" cy="0"/>
+          <a:chOff x="0" y="0"/>
+          <a:chExt cx="0" cy="0"/>
+        </a:xfrm>
+      </p:grpSpPr>
+      <p:sp>
+        <p:nvSpPr>
           <p:cNvPr id="2" name="Content Placeholder 1"/>
           <p:cNvSpPr>
             <a:spLocks noGrp="1"/>
@@ -10559,7 +11719,7 @@
 </p:sld>
 </file>
 
-<file path=ppt/slides/slide21.xml><?xml version="1.0" encoding="utf-8"?>
+<file path=ppt/slides/slide26.xml><?xml version="1.0" encoding="utf-8"?>
 <p:sld xmlns:a="http://schemas.openxmlformats.org/drawingml/2006/main" xmlns:r="http://schemas.openxmlformats.org/officeDocument/2006/relationships" xmlns:p="http://schemas.openxmlformats.org/presentationml/2006/main">
   <p:cSld>
     <p:spTree>
@@ -10601,11 +11761,7 @@
             </a:pPr>
             <a:r>
               <a:rPr lang="en-US" dirty="0" smtClean="0"/>
-              <a:t>Before</a:t>
-            </a:r>
-            <a:r>
-              <a:rPr lang="en-US" dirty="0" smtClean="0"/>
-              <a:t>:</a:t>
+              <a:t>Before:</a:t>
             </a:r>
             <a:endParaRPr lang="en-US" dirty="0"/>
           </a:p>
@@ -10840,11 +11996,7 @@
             </a:pPr>
             <a:r>
               <a:rPr lang="en-US" dirty="0" smtClean="0"/>
-              <a:t>After</a:t>
-            </a:r>
-            <a:r>
-              <a:rPr lang="en-US" dirty="0" smtClean="0"/>
-              <a:t>:</a:t>
+              <a:t>After:</a:t>
             </a:r>
             <a:endParaRPr lang="en-US" dirty="0"/>
           </a:p>
@@ -10911,7 +12063,7 @@
 </p:sld>
 </file>
 
-<file path=ppt/slides/slide22.xml><?xml version="1.0" encoding="utf-8"?>
+<file path=ppt/slides/slide27.xml><?xml version="1.0" encoding="utf-8"?>
 <p:sld xmlns:a="http://schemas.openxmlformats.org/drawingml/2006/main" xmlns:r="http://schemas.openxmlformats.org/officeDocument/2006/relationships" xmlns:p="http://schemas.openxmlformats.org/presentationml/2006/main">
   <p:cSld>
     <p:spTree>
@@ -11460,7 +12612,81 @@
 </p:sld>
 </file>
 
-<file path=ppt/slides/slide23.xml><?xml version="1.0" encoding="utf-8"?>
+<file path=ppt/slides/slide28.xml><?xml version="1.0" encoding="utf-8"?>
+<p:sld xmlns:a="http://schemas.openxmlformats.org/drawingml/2006/main" xmlns:r="http://schemas.openxmlformats.org/officeDocument/2006/relationships" xmlns:p="http://schemas.openxmlformats.org/presentationml/2006/main">
+  <p:cSld>
+    <p:spTree>
+      <p:nvGrpSpPr>
+        <p:cNvPr id="1" name=""/>
+        <p:cNvGrpSpPr/>
+        <p:nvPr/>
+      </p:nvGrpSpPr>
+      <p:grpSpPr>
+        <a:xfrm>
+          <a:off x="0" y="0"/>
+          <a:ext cx="0" cy="0"/>
+          <a:chOff x="0" y="0"/>
+          <a:chExt cx="0" cy="0"/>
+        </a:xfrm>
+      </p:grpSpPr>
+      <p:sp>
+        <p:nvSpPr>
+          <p:cNvPr id="3" name="Title 2"/>
+          <p:cNvSpPr>
+            <a:spLocks noGrp="1"/>
+          </p:cNvSpPr>
+          <p:nvPr>
+            <p:ph type="title"/>
+          </p:nvPr>
+        </p:nvSpPr>
+        <p:spPr>
+          <a:xfrm>
+            <a:off x="1828800" y="2133600"/>
+            <a:ext cx="5562600" cy="838200"/>
+          </a:xfrm>
+        </p:spPr>
+        <p:txBody>
+          <a:bodyPr>
+            <a:noAutofit/>
+          </a:bodyPr>
+          <a:lstStyle/>
+          <a:p>
+            <a:r>
+              <a:rPr lang="en-US" sz="5500" dirty="0" smtClean="0"/>
+              <a:t>Creating a hybrid app:</a:t>
+            </a:r>
+            <a:br>
+              <a:rPr lang="en-US" sz="5500" dirty="0" smtClean="0"/>
+            </a:br>
+            <a:r>
+              <a:rPr lang="en-US" sz="5500" dirty="0" smtClean="0"/>
+              <a:t>native</a:t>
+            </a:r>
+            <a:endParaRPr lang="en-US" sz="5500" dirty="0"/>
+          </a:p>
+        </p:txBody>
+      </p:sp>
+    </p:spTree>
+    <p:extLst>
+      <p:ext uri="{BB962C8B-B14F-4D97-AF65-F5344CB8AC3E}">
+        <p14:creationId xmlns:p14="http://schemas.microsoft.com/office/powerpoint/2010/main" val="758045927"/>
+      </p:ext>
+    </p:extLst>
+  </p:cSld>
+  <p:clrMapOvr>
+    <a:masterClrMapping/>
+  </p:clrMapOvr>
+  <p:timing>
+    <p:tnLst>
+      <p:par>
+        <p:cTn id="1" dur="indefinite" restart="never" nodeType="tmRoot"/>
+      </p:par>
+    </p:tnLst>
+  </p:timing>
+</p:sld>
+</file>
+
+<file path=ppt/slides/slide29.xml><?xml version="1.0" encoding="utf-8"?>
 <p:sld xmlns:a="http://schemas.openxmlformats.org/drawingml/2006/main" xmlns:r="http://schemas.openxmlformats.org/officeDocument/2006/relationships" xmlns:p="http://schemas.openxmlformats.org/presentationml/2006/main">
   <p:cSld>
     <p:spTree>
@@ -12147,7 +13373,180 @@
 </p:sld>
 </file>
 
-<file path=ppt/slides/slide24.xml><?xml version="1.0" encoding="utf-8"?>
+<file path=ppt/slides/slide3.xml><?xml version="1.0" encoding="utf-8"?>
+<p:sld xmlns:a="http://schemas.openxmlformats.org/drawingml/2006/main" xmlns:r="http://schemas.openxmlformats.org/officeDocument/2006/relationships" xmlns:p="http://schemas.openxmlformats.org/presentationml/2006/main">
+  <p:cSld>
+    <p:spTree>
+      <p:nvGrpSpPr>
+        <p:cNvPr id="1" name=""/>
+        <p:cNvGrpSpPr/>
+        <p:nvPr/>
+      </p:nvGrpSpPr>
+      <p:grpSpPr>
+        <a:xfrm>
+          <a:off x="0" y="0"/>
+          <a:ext cx="0" cy="0"/>
+          <a:chOff x="0" y="0"/>
+          <a:chExt cx="0" cy="0"/>
+        </a:xfrm>
+      </p:grpSpPr>
+      <p:sp>
+        <p:nvSpPr>
+          <p:cNvPr id="2" name="Content Placeholder 1"/>
+          <p:cNvSpPr>
+            <a:spLocks noGrp="1"/>
+          </p:cNvSpPr>
+          <p:nvPr>
+            <p:ph sz="quarter" idx="13"/>
+          </p:nvPr>
+        </p:nvSpPr>
+        <p:spPr>
+          <a:xfrm>
+            <a:off x="685800" y="1143000"/>
+            <a:ext cx="7696200" cy="5562600"/>
+          </a:xfrm>
+        </p:spPr>
+        <p:txBody>
+          <a:bodyPr>
+            <a:normAutofit fontScale="92500" lnSpcReduction="10000"/>
+          </a:bodyPr>
+          <a:lstStyle/>
+          <a:p>
+            <a:pPr marL="0" indent="0">
+              <a:buNone/>
+            </a:pPr>
+            <a:r>
+              <a:rPr lang="en-US" dirty="0" smtClean="0"/>
+              <a:t>My Mobile App &amp; Background</a:t>
+            </a:r>
+          </a:p>
+          <a:p>
+            <a:pPr marL="0" indent="0">
+              <a:buNone/>
+            </a:pPr>
+            <a:endParaRPr lang="en-US" dirty="0"/>
+          </a:p>
+          <a:p>
+            <a:pPr marL="0" indent="0">
+              <a:buNone/>
+            </a:pPr>
+            <a:r>
+              <a:rPr lang="en-US" dirty="0" smtClean="0"/>
+              <a:t>Why Hybrid?</a:t>
+            </a:r>
+          </a:p>
+          <a:p>
+            <a:pPr marL="0" indent="0">
+              <a:buNone/>
+            </a:pPr>
+            <a:endParaRPr lang="en-US" dirty="0"/>
+          </a:p>
+          <a:p>
+            <a:pPr marL="0" indent="0">
+              <a:buNone/>
+            </a:pPr>
+            <a:r>
+              <a:rPr lang="en-US" dirty="0" smtClean="0"/>
+              <a:t>Building an app</a:t>
+            </a:r>
+          </a:p>
+          <a:p>
+            <a:pPr lvl="1"/>
+            <a:r>
+              <a:rPr lang="en-US" dirty="0" smtClean="0"/>
+              <a:t>Web</a:t>
+            </a:r>
+          </a:p>
+          <a:p>
+            <a:pPr lvl="1"/>
+            <a:r>
+              <a:rPr lang="en-US" dirty="0" smtClean="0"/>
+              <a:t>Native</a:t>
+            </a:r>
+          </a:p>
+          <a:p>
+            <a:pPr marL="0" indent="0">
+              <a:buNone/>
+            </a:pPr>
+            <a:endParaRPr lang="en-US" dirty="0" smtClean="0"/>
+          </a:p>
+          <a:p>
+            <a:pPr marL="0" indent="0">
+              <a:buNone/>
+            </a:pPr>
+            <a:r>
+              <a:rPr lang="en-US" dirty="0" smtClean="0"/>
+              <a:t>Performance</a:t>
+            </a:r>
+          </a:p>
+          <a:p>
+            <a:pPr marL="0" indent="0">
+              <a:buNone/>
+            </a:pPr>
+            <a:endParaRPr lang="en-US" dirty="0" smtClean="0"/>
+          </a:p>
+          <a:p>
+            <a:pPr marL="0" indent="0">
+              <a:buNone/>
+            </a:pPr>
+            <a:r>
+              <a:rPr lang="en-US" dirty="0" smtClean="0"/>
+              <a:t>Key Takeaways</a:t>
+            </a:r>
+            <a:endParaRPr lang="en-US" dirty="0"/>
+          </a:p>
+          <a:p>
+            <a:pPr marL="0" indent="0">
+              <a:buNone/>
+            </a:pPr>
+            <a:endParaRPr lang="en-US" dirty="0"/>
+          </a:p>
+        </p:txBody>
+      </p:sp>
+      <p:sp>
+        <p:nvSpPr>
+          <p:cNvPr id="3" name="Title 2"/>
+          <p:cNvSpPr>
+            <a:spLocks noGrp="1"/>
+          </p:cNvSpPr>
+          <p:nvPr>
+            <p:ph type="title"/>
+          </p:nvPr>
+        </p:nvSpPr>
+        <p:spPr/>
+        <p:txBody>
+          <a:bodyPr/>
+          <a:lstStyle/>
+          <a:p>
+            <a:r>
+              <a:rPr lang="en-US" dirty="0" smtClean="0"/>
+              <a:t>Agenda – seeing the forest</a:t>
+            </a:r>
+            <a:endParaRPr lang="en-US" dirty="0"/>
+          </a:p>
+        </p:txBody>
+      </p:sp>
+    </p:spTree>
+    <p:extLst>
+      <p:ext uri="{BB962C8B-B14F-4D97-AF65-F5344CB8AC3E}">
+        <p14:creationId xmlns:p14="http://schemas.microsoft.com/office/powerpoint/2010/main" val="4027049270"/>
+      </p:ext>
+    </p:extLst>
+  </p:cSld>
+  <p:clrMapOvr>
+    <a:masterClrMapping/>
+  </p:clrMapOvr>
+  <p:timing>
+    <p:tnLst>
+      <p:par>
+        <p:cTn id="1" dur="indefinite" restart="never" nodeType="tmRoot"/>
+      </p:par>
+    </p:tnLst>
+  </p:timing>
+</p:sld>
+</file>
+
+<file path=ppt/slides/slide30.xml><?xml version="1.0" encoding="utf-8"?>
 <p:sld xmlns:a="http://schemas.openxmlformats.org/drawingml/2006/main" xmlns:r="http://schemas.openxmlformats.org/officeDocument/2006/relationships" xmlns:p="http://schemas.openxmlformats.org/presentationml/2006/main">
   <p:cSld>
     <p:spTree>
@@ -13238,7 +14637,7 @@
 </p:sld>
 </file>
 
-<file path=ppt/slides/slide25.xml><?xml version="1.0" encoding="utf-8"?>
+<file path=ppt/slides/slide31.xml><?xml version="1.0" encoding="utf-8"?>
 <p:sld xmlns:a="http://schemas.openxmlformats.org/drawingml/2006/main" xmlns:r="http://schemas.openxmlformats.org/officeDocument/2006/relationships" xmlns:p="http://schemas.openxmlformats.org/presentationml/2006/main">
   <p:cSld>
     <p:spTree>
@@ -14638,7 +16037,7 @@
 </p:sld>
 </file>
 
-<file path=ppt/slides/slide26.xml><?xml version="1.0" encoding="utf-8"?>
+<file path=ppt/slides/slide32.xml><?xml version="1.0" encoding="utf-8"?>
 <p:sld xmlns:a="http://schemas.openxmlformats.org/drawingml/2006/main" xmlns:r="http://schemas.openxmlformats.org/officeDocument/2006/relationships" xmlns:p="http://schemas.openxmlformats.org/presentationml/2006/main">
   <p:cSld>
     <p:spTree>
@@ -14823,7 +16222,7 @@
 </p:sld>
 </file>
 
-<file path=ppt/slides/slide27.xml><?xml version="1.0" encoding="utf-8"?>
+<file path=ppt/slides/slide33.xml><?xml version="1.0" encoding="utf-8"?>
 <p:sld xmlns:a="http://schemas.openxmlformats.org/drawingml/2006/main" xmlns:r="http://schemas.openxmlformats.org/officeDocument/2006/relationships" xmlns:p="http://schemas.openxmlformats.org/presentationml/2006/main">
   <p:cSld>
     <p:spTree>
@@ -14907,10 +16306,17 @@
   <p:clrMapOvr>
     <a:masterClrMapping/>
   </p:clrMapOvr>
+  <p:timing>
+    <p:tnLst>
+      <p:par>
+        <p:cTn id="1" dur="indefinite" restart="never" nodeType="tmRoot"/>
+      </p:par>
+    </p:tnLst>
+  </p:timing>
 </p:sld>
 </file>
 
-<file path=ppt/slides/slide28.xml><?xml version="1.0" encoding="utf-8"?>
+<file path=ppt/slides/slide34.xml><?xml version="1.0" encoding="utf-8"?>
 <p:sld xmlns:a="http://schemas.openxmlformats.org/drawingml/2006/main" xmlns:r="http://schemas.openxmlformats.org/officeDocument/2006/relationships" xmlns:p="http://schemas.openxmlformats.org/presentationml/2006/main">
   <p:cSld>
     <p:spTree>
@@ -15880,90 +17286,7 @@
 </p:sld>
 </file>
 
-<file path=ppt/slides/slide29.xml><?xml version="1.0" encoding="utf-8"?>
-<p:sld xmlns:a="http://schemas.openxmlformats.org/drawingml/2006/main" xmlns:r="http://schemas.openxmlformats.org/officeDocument/2006/relationships" xmlns:p="http://schemas.openxmlformats.org/presentationml/2006/main">
-  <p:cSld>
-    <p:spTree>
-      <p:nvGrpSpPr>
-        <p:cNvPr id="1" name=""/>
-        <p:cNvGrpSpPr/>
-        <p:nvPr/>
-      </p:nvGrpSpPr>
-      <p:grpSpPr>
-        <a:xfrm>
-          <a:off x="0" y="0"/>
-          <a:ext cx="0" cy="0"/>
-          <a:chOff x="0" y="0"/>
-          <a:chExt cx="0" cy="0"/>
-        </a:xfrm>
-      </p:grpSpPr>
-      <p:sp>
-        <p:nvSpPr>
-          <p:cNvPr id="2" name="Content Placeholder 1"/>
-          <p:cNvSpPr>
-            <a:spLocks noGrp="1"/>
-          </p:cNvSpPr>
-          <p:nvPr>
-            <p:ph sz="quarter" idx="13"/>
-          </p:nvPr>
-        </p:nvSpPr>
-        <p:spPr/>
-        <p:txBody>
-          <a:bodyPr/>
-          <a:lstStyle/>
-          <a:p>
-            <a:r>
-              <a:rPr lang="en-US" dirty="0" smtClean="0"/>
-              <a:t>TODO!</a:t>
-            </a:r>
-            <a:endParaRPr lang="en-US" dirty="0"/>
-          </a:p>
-        </p:txBody>
-      </p:sp>
-      <p:sp>
-        <p:nvSpPr>
-          <p:cNvPr id="3" name="Title 2"/>
-          <p:cNvSpPr>
-            <a:spLocks noGrp="1"/>
-          </p:cNvSpPr>
-          <p:nvPr>
-            <p:ph type="title"/>
-          </p:nvPr>
-        </p:nvSpPr>
-        <p:spPr/>
-        <p:txBody>
-          <a:bodyPr/>
-          <a:lstStyle/>
-          <a:p>
-            <a:r>
-              <a:rPr lang="en-US" dirty="0" smtClean="0"/>
-              <a:t>Other popular hybrid apps</a:t>
-            </a:r>
-            <a:endParaRPr lang="en-US" dirty="0"/>
-          </a:p>
-        </p:txBody>
-      </p:sp>
-    </p:spTree>
-    <p:extLst>
-      <p:ext uri="{BB962C8B-B14F-4D97-AF65-F5344CB8AC3E}">
-        <p14:creationId xmlns:p14="http://schemas.microsoft.com/office/powerpoint/2010/main" val="2645036454"/>
-      </p:ext>
-    </p:extLst>
-  </p:cSld>
-  <p:clrMapOvr>
-    <a:masterClrMapping/>
-  </p:clrMapOvr>
-  <p:timing>
-    <p:tnLst>
-      <p:par>
-        <p:cTn id="1" dur="indefinite" restart="never" nodeType="tmRoot"/>
-      </p:par>
-    </p:tnLst>
-  </p:timing>
-</p:sld>
-</file>
-
-<file path=ppt/slides/slide3.xml><?xml version="1.0" encoding="utf-8"?>
+<file path=ppt/slides/slide35.xml><?xml version="1.0" encoding="utf-8"?>
 <p:sld xmlns:a="http://schemas.openxmlformats.org/drawingml/2006/main" xmlns:r="http://schemas.openxmlformats.org/officeDocument/2006/relationships" xmlns:p="http://schemas.openxmlformats.org/presentationml/2006/main">
   <p:cSld>
     <p:spTree>
@@ -15992,220 +17315,28 @@
         </p:nvSpPr>
         <p:spPr>
           <a:xfrm>
-            <a:off x="3429000" y="152400"/>
-            <a:ext cx="2073348" cy="609600"/>
+            <a:off x="1219200" y="1600200"/>
+            <a:ext cx="6858000" cy="838200"/>
           </a:xfrm>
         </p:spPr>
         <p:txBody>
           <a:bodyPr>
-            <a:normAutofit/>
+            <a:noAutofit/>
           </a:bodyPr>
           <a:lstStyle/>
           <a:p>
-            <a:pPr algn="ctr"/>
-            <a:r>
-              <a:rPr lang="en-US" sz="2500" dirty="0" smtClean="0"/>
-              <a:t>About me</a:t>
-            </a:r>
-            <a:endParaRPr lang="en-US" sz="2500" dirty="0"/>
-          </a:p>
-        </p:txBody>
-      </p:sp>
-      <p:sp>
-        <p:nvSpPr>
-          <p:cNvPr id="4" name="TextBox 3"/>
-          <p:cNvSpPr txBox="1"/>
-          <p:nvPr/>
-        </p:nvSpPr>
-        <p:spPr>
-          <a:xfrm>
-            <a:off x="457200" y="1143000"/>
-            <a:ext cx="7924800" cy="5293757"/>
-          </a:xfrm>
-          <a:prstGeom prst="rect">
-            <a:avLst/>
-          </a:prstGeom>
-          <a:noFill/>
-        </p:spPr>
-        <p:txBody>
-          <a:bodyPr wrap="square" rtlCol="0">
-            <a:spAutoFit/>
-          </a:bodyPr>
-          <a:lstStyle/>
-          <a:p>
-            <a:r>
-              <a:rPr lang="en-US" sz="2600" b="1" dirty="0" smtClean="0">
-                <a:solidFill>
-                  <a:schemeClr val="bg1"/>
-                </a:solidFill>
-              </a:rPr>
-              <a:t>Senior Developer for The SAVO Group </a:t>
-            </a:r>
-            <a:r>
-              <a:rPr lang="en-US" sz="2600" dirty="0" smtClean="0">
-                <a:solidFill>
-                  <a:schemeClr val="bg1"/>
-                </a:solidFill>
-              </a:rPr>
-              <a:t>– 5 years</a:t>
-            </a:r>
-          </a:p>
-          <a:p>
-            <a:pPr marL="742950" lvl="1" indent="-285750">
-              <a:buFont typeface="Arial" panose="020B0604020202020204" pitchFamily="34" charset="0"/>
-              <a:buChar char="•"/>
-            </a:pPr>
-            <a:r>
-              <a:rPr lang="en-US" sz="2600" dirty="0" smtClean="0">
-                <a:solidFill>
-                  <a:schemeClr val="bg1"/>
-                </a:solidFill>
-              </a:rPr>
-              <a:t>Sales Productivity SaaS</a:t>
-            </a:r>
-          </a:p>
-          <a:p>
-            <a:pPr marL="742950" lvl="1" indent="-285750">
-              <a:buFont typeface="Arial" panose="020B0604020202020204" pitchFamily="34" charset="0"/>
-              <a:buChar char="•"/>
-            </a:pPr>
-            <a:r>
-              <a:rPr lang="en-US" sz="2600" dirty="0" smtClean="0">
-                <a:solidFill>
-                  <a:schemeClr val="bg1"/>
-                </a:solidFill>
-              </a:rPr>
-              <a:t>Backend .NET C# development: user/document automation, tools</a:t>
-            </a:r>
-          </a:p>
-          <a:p>
-            <a:pPr marL="742950" lvl="1" indent="-285750">
-              <a:buFont typeface="Arial" panose="020B0604020202020204" pitchFamily="34" charset="0"/>
-              <a:buChar char="•"/>
-            </a:pPr>
-            <a:endParaRPr lang="en-US" sz="2600" dirty="0" smtClean="0">
-              <a:solidFill>
-                <a:schemeClr val="bg1"/>
-              </a:solidFill>
-            </a:endParaRPr>
-          </a:p>
-          <a:p>
-            <a:r>
-              <a:rPr lang="en-US" sz="2600" b="1" dirty="0" smtClean="0">
-                <a:solidFill>
-                  <a:schemeClr val="bg1"/>
-                </a:solidFill>
-              </a:rPr>
-              <a:t>Mobile app development for Netkosoft </a:t>
-            </a:r>
-            <a:r>
-              <a:rPr lang="en-US" sz="2600" dirty="0" smtClean="0">
-                <a:solidFill>
-                  <a:schemeClr val="bg1"/>
-                </a:solidFill>
-              </a:rPr>
-              <a:t>– 1 year</a:t>
-            </a:r>
-          </a:p>
-          <a:p>
-            <a:pPr marL="742950" lvl="1" indent="-285750">
-              <a:buFont typeface="Arial" panose="020B0604020202020204" pitchFamily="34" charset="0"/>
-              <a:buChar char="•"/>
-            </a:pPr>
-            <a:r>
-              <a:rPr lang="en-US" sz="2600" dirty="0" smtClean="0">
-                <a:solidFill>
-                  <a:schemeClr val="bg1"/>
-                </a:solidFill>
-              </a:rPr>
-              <a:t>Focus on front-end development</a:t>
-            </a:r>
-          </a:p>
-          <a:p>
-            <a:pPr marL="742950" lvl="1" indent="-285750">
-              <a:buFont typeface="Arial" panose="020B0604020202020204" pitchFamily="34" charset="0"/>
-              <a:buChar char="•"/>
-            </a:pPr>
-            <a:r>
-              <a:rPr lang="en-US" sz="2600" dirty="0" smtClean="0">
-                <a:solidFill>
-                  <a:schemeClr val="bg1"/>
-                </a:solidFill>
-              </a:rPr>
-              <a:t>Entirely PhoneGap-based, Hybrid apps</a:t>
-            </a:r>
-          </a:p>
-          <a:p>
-            <a:pPr marL="742950" lvl="1" indent="-285750">
-              <a:buFont typeface="Arial" panose="020B0604020202020204" pitchFamily="34" charset="0"/>
-              <a:buChar char="•"/>
-            </a:pPr>
-            <a:r>
-              <a:rPr lang="en-US" sz="2600" dirty="0" smtClean="0">
-                <a:solidFill>
-                  <a:schemeClr val="bg1"/>
-                </a:solidFill>
-              </a:rPr>
-              <a:t>Team of Two (Partnered with Graphic Designer)</a:t>
-            </a:r>
-          </a:p>
-          <a:p>
-            <a:pPr marL="742950" lvl="1" indent="-285750">
-              <a:buFont typeface="Arial" panose="020B0604020202020204" pitchFamily="34" charset="0"/>
-              <a:buChar char="•"/>
-            </a:pPr>
-            <a:endParaRPr lang="en-US" sz="2600" dirty="0">
-              <a:solidFill>
-                <a:schemeClr val="bg1"/>
-              </a:solidFill>
-            </a:endParaRPr>
-          </a:p>
-          <a:p>
-            <a:r>
-              <a:rPr lang="en-US" sz="2600" b="1" dirty="0" smtClean="0">
-                <a:solidFill>
-                  <a:schemeClr val="bg1"/>
-                </a:solidFill>
-              </a:rPr>
-              <a:t>Netkow.com Blog</a:t>
-            </a:r>
-            <a:endParaRPr lang="en-US" sz="2600" dirty="0">
-              <a:solidFill>
-                <a:schemeClr val="bg1"/>
-              </a:solidFill>
-            </a:endParaRPr>
-          </a:p>
-          <a:p>
-            <a:pPr marL="742950" lvl="1" indent="-285750">
-              <a:buFont typeface="Arial" panose="020B0604020202020204" pitchFamily="34" charset="0"/>
-              <a:buChar char="•"/>
-            </a:pPr>
-            <a:r>
-              <a:rPr lang="en-US" sz="2600" dirty="0" smtClean="0">
-                <a:solidFill>
-                  <a:schemeClr val="bg1"/>
-                </a:solidFill>
-              </a:rPr>
-              <a:t>Technology trends, programming, PhoneGap</a:t>
-            </a:r>
-          </a:p>
-          <a:p>
-            <a:pPr marL="285750" indent="-285750">
-              <a:buFont typeface="Arial" panose="020B0604020202020204" pitchFamily="34" charset="0"/>
-              <a:buChar char="•"/>
-            </a:pPr>
-            <a:endParaRPr lang="en-US" sz="2600" dirty="0">
-              <a:solidFill>
-                <a:schemeClr val="bg1"/>
-              </a:solidFill>
-            </a:endParaRPr>
+            <a:r>
+              <a:rPr lang="en-US" sz="5500" dirty="0" smtClean="0"/>
+              <a:t>Performance considerations</a:t>
+            </a:r>
+            <a:endParaRPr lang="en-US" sz="5500" dirty="0"/>
           </a:p>
         </p:txBody>
       </p:sp>
     </p:spTree>
     <p:extLst>
       <p:ext uri="{BB962C8B-B14F-4D97-AF65-F5344CB8AC3E}">
-        <p14:creationId xmlns:p14="http://schemas.microsoft.com/office/powerpoint/2010/main" val="1034644854"/>
+        <p14:creationId xmlns:p14="http://schemas.microsoft.com/office/powerpoint/2010/main" val="2049059685"/>
       </p:ext>
     </p:extLst>
   </p:cSld>
@@ -16222,7 +17353,7 @@
 </p:sld>
 </file>
 
-<file path=ppt/slides/slide30.xml><?xml version="1.0" encoding="utf-8"?>
+<file path=ppt/slides/slide36.xml><?xml version="1.0" encoding="utf-8"?>
 <p:sld xmlns:a="http://schemas.openxmlformats.org/drawingml/2006/main" xmlns:r="http://schemas.openxmlformats.org/officeDocument/2006/relationships" xmlns:p="http://schemas.openxmlformats.org/presentationml/2006/main">
   <p:cSld>
     <p:spTree>
@@ -17145,7 +18276,74 @@
 </p:sld>
 </file>
 
-<file path=ppt/slides/slide31.xml><?xml version="1.0" encoding="utf-8"?>
+<file path=ppt/slides/slide37.xml><?xml version="1.0" encoding="utf-8"?>
+<p:sld xmlns:a="http://schemas.openxmlformats.org/drawingml/2006/main" xmlns:r="http://schemas.openxmlformats.org/officeDocument/2006/relationships" xmlns:p="http://schemas.openxmlformats.org/presentationml/2006/main">
+  <p:cSld>
+    <p:spTree>
+      <p:nvGrpSpPr>
+        <p:cNvPr id="1" name=""/>
+        <p:cNvGrpSpPr/>
+        <p:nvPr/>
+      </p:nvGrpSpPr>
+      <p:grpSpPr>
+        <a:xfrm>
+          <a:off x="0" y="0"/>
+          <a:ext cx="0" cy="0"/>
+          <a:chOff x="0" y="0"/>
+          <a:chExt cx="0" cy="0"/>
+        </a:xfrm>
+      </p:grpSpPr>
+      <p:sp>
+        <p:nvSpPr>
+          <p:cNvPr id="3" name="Title 2"/>
+          <p:cNvSpPr>
+            <a:spLocks noGrp="1"/>
+          </p:cNvSpPr>
+          <p:nvPr>
+            <p:ph type="title"/>
+          </p:nvPr>
+        </p:nvSpPr>
+        <p:spPr>
+          <a:xfrm>
+            <a:off x="1828800" y="1905000"/>
+            <a:ext cx="5562600" cy="838200"/>
+          </a:xfrm>
+        </p:spPr>
+        <p:txBody>
+          <a:bodyPr>
+            <a:noAutofit/>
+          </a:bodyPr>
+          <a:lstStyle/>
+          <a:p>
+            <a:r>
+              <a:rPr lang="en-US" sz="5500" dirty="0" smtClean="0"/>
+              <a:t>Key takeaways</a:t>
+            </a:r>
+            <a:endParaRPr lang="en-US" sz="5500" dirty="0"/>
+          </a:p>
+        </p:txBody>
+      </p:sp>
+    </p:spTree>
+    <p:extLst>
+      <p:ext uri="{BB962C8B-B14F-4D97-AF65-F5344CB8AC3E}">
+        <p14:creationId xmlns:p14="http://schemas.microsoft.com/office/powerpoint/2010/main" val="4028235951"/>
+      </p:ext>
+    </p:extLst>
+  </p:cSld>
+  <p:clrMapOvr>
+    <a:masterClrMapping/>
+  </p:clrMapOvr>
+  <p:timing>
+    <p:tnLst>
+      <p:par>
+        <p:cTn id="1" dur="indefinite" restart="never" nodeType="tmRoot"/>
+      </p:par>
+    </p:tnLst>
+  </p:timing>
+</p:sld>
+</file>
+
+<file path=ppt/slides/slide38.xml><?xml version="1.0" encoding="utf-8"?>
 <p:sld xmlns:a="http://schemas.openxmlformats.org/drawingml/2006/main" xmlns:r="http://schemas.openxmlformats.org/officeDocument/2006/relationships" xmlns:p="http://schemas.openxmlformats.org/presentationml/2006/main">
   <p:cSld>
     <p:spTree>
@@ -17240,7 +18438,7 @@
             <a:pPr marL="0" indent="0">
               <a:buNone/>
             </a:pPr>
-            <a:endParaRPr lang="en-US" dirty="0"/>
+            <a:endParaRPr lang="en-US" sz="2800" dirty="0"/>
           </a:p>
           <a:p>
             <a:pPr marL="0" indent="0">
@@ -17394,6 +18592,103 @@
           <a:extLst/>
         </p:spPr>
       </p:pic>
+      <p:pic>
+        <p:nvPicPr>
+          <p:cNvPr id="8" name="Picture 2" descr="C:\Users\dotNetkow\AppData\Local\Microsoft\Windows\INetCache\IE\NAXYECB7\MC900441310[1].png"/>
+          <p:cNvPicPr>
+            <a:picLocks noChangeAspect="1" noChangeArrowheads="1"/>
+          </p:cNvPicPr>
+          <p:nvPr/>
+        </p:nvPicPr>
+        <p:blipFill>
+          <a:blip r:embed="rId3" cstate="print">
+            <a:extLst>
+              <a:ext uri="{28A0092B-C50C-407E-A947-70E740481C1C}">
+                <a14:useLocalDpi xmlns:a14="http://schemas.microsoft.com/office/drawing/2010/main" val="0"/>
+              </a:ext>
+            </a:extLst>
+          </a:blip>
+          <a:srcRect/>
+          <a:stretch>
+            <a:fillRect/>
+          </a:stretch>
+        </p:blipFill>
+        <p:spPr bwMode="auto">
+          <a:xfrm>
+            <a:off x="381000" y="4495800"/>
+            <a:ext cx="990600" cy="990600"/>
+          </a:xfrm>
+          <a:prstGeom prst="rect">
+            <a:avLst/>
+          </a:prstGeom>
+          <a:noFill/>
+          <a:extLst/>
+        </p:spPr>
+      </p:pic>
+      <p:pic>
+        <p:nvPicPr>
+          <p:cNvPr id="1029" name="Picture 5"/>
+          <p:cNvPicPr>
+            <a:picLocks noChangeAspect="1" noChangeArrowheads="1"/>
+          </p:cNvPicPr>
+          <p:nvPr/>
+        </p:nvPicPr>
+        <p:blipFill>
+          <a:blip r:embed="rId4" cstate="print">
+            <a:extLst>
+              <a:ext uri="{28A0092B-C50C-407E-A947-70E740481C1C}">
+                <a14:useLocalDpi xmlns:a14="http://schemas.microsoft.com/office/drawing/2010/main" val="0"/>
+              </a:ext>
+            </a:extLst>
+          </a:blip>
+          <a:srcRect/>
+          <a:stretch>
+            <a:fillRect/>
+          </a:stretch>
+        </p:blipFill>
+        <p:spPr bwMode="auto">
+          <a:xfrm>
+            <a:off x="623808" y="5867400"/>
+            <a:ext cx="671592" cy="619124"/>
+          </a:xfrm>
+          <a:prstGeom prst="rect">
+            <a:avLst/>
+          </a:prstGeom>
+          <a:noFill/>
+          <a:ln>
+            <a:noFill/>
+          </a:ln>
+          <a:effectLst/>
+          <a:extLst>
+            <a:ext uri="{909E8E84-426E-40DD-AFC4-6F175D3DCCD1}">
+              <a14:hiddenFill xmlns:a14="http://schemas.microsoft.com/office/drawing/2010/main">
+                <a:solidFill>
+                  <a:schemeClr val="accent1"/>
+                </a:solidFill>
+              </a14:hiddenFill>
+            </a:ext>
+            <a:ext uri="{91240B29-F687-4F45-9708-019B960494DF}">
+              <a14:hiddenLine xmlns:a14="http://schemas.microsoft.com/office/drawing/2010/main" w="9525">
+                <a:solidFill>
+                  <a:schemeClr val="tx1"/>
+                </a:solidFill>
+                <a:miter lim="800000"/>
+                <a:headEnd/>
+                <a:tailEnd/>
+              </a14:hiddenLine>
+            </a:ext>
+            <a:ext uri="{AF507438-7753-43E0-B8FC-AC1667EBCBE1}">
+              <a14:hiddenEffects xmlns:a14="http://schemas.microsoft.com/office/drawing/2010/main">
+                <a:effectLst>
+                  <a:outerShdw dist="35921" dir="2700000" algn="ctr" rotWithShape="0">
+                    <a:schemeClr val="bg2"/>
+                  </a:outerShdw>
+                </a:effectLst>
+              </a14:hiddenEffects>
+            </a:ext>
+          </a:extLst>
+        </p:spPr>
+      </p:pic>
     </p:spTree>
     <p:extLst>
       <p:ext uri="{BB962C8B-B14F-4D97-AF65-F5344CB8AC3E}">
@@ -17407,14 +18702,1184 @@
   <p:timing>
     <p:tnLst>
       <p:par>
-        <p:cTn id="1" dur="indefinite" restart="never" nodeType="tmRoot"/>
+        <p:cTn id="1" dur="indefinite" restart="never" nodeType="tmRoot">
+          <p:childTnLst>
+            <p:seq concurrent="1" nextAc="seek">
+              <p:cTn id="2" dur="indefinite" nodeType="mainSeq">
+                <p:childTnLst>
+                  <p:par>
+                    <p:cTn id="3" fill="hold">
+                      <p:stCondLst>
+                        <p:cond delay="indefinite"/>
+                      </p:stCondLst>
+                      <p:childTnLst>
+                        <p:par>
+                          <p:cTn id="4" fill="hold">
+                            <p:stCondLst>
+                              <p:cond delay="0"/>
+                            </p:stCondLst>
+                            <p:childTnLst>
+                              <p:par>
+                                <p:cTn id="5" presetID="42" presetClass="entr" presetSubtype="0" fill="hold" nodeType="clickEffect">
+                                  <p:stCondLst>
+                                    <p:cond delay="0"/>
+                                  </p:stCondLst>
+                                  <p:childTnLst>
+                                    <p:set>
+                                      <p:cBhvr>
+                                        <p:cTn id="6" dur="1" fill="hold">
+                                          <p:stCondLst>
+                                            <p:cond delay="0"/>
+                                          </p:stCondLst>
+                                        </p:cTn>
+                                        <p:tgtEl>
+                                          <p:spTgt spid="2">
+                                            <p:txEl>
+                                              <p:pRg st="0" end="0"/>
+                                            </p:txEl>
+                                          </p:spTgt>
+                                        </p:tgtEl>
+                                        <p:attrNameLst>
+                                          <p:attrName>style.visibility</p:attrName>
+                                        </p:attrNameLst>
+                                      </p:cBhvr>
+                                      <p:to>
+                                        <p:strVal val="visible"/>
+                                      </p:to>
+                                    </p:set>
+                                    <p:animEffect transition="in" filter="fade">
+                                      <p:cBhvr>
+                                        <p:cTn id="7" dur="1000"/>
+                                        <p:tgtEl>
+                                          <p:spTgt spid="2">
+                                            <p:txEl>
+                                              <p:pRg st="0" end="0"/>
+                                            </p:txEl>
+                                          </p:spTgt>
+                                        </p:tgtEl>
+                                      </p:cBhvr>
+                                    </p:animEffect>
+                                    <p:anim calcmode="lin" valueType="num">
+                                      <p:cBhvr>
+                                        <p:cTn id="8" dur="1000" fill="hold"/>
+                                        <p:tgtEl>
+                                          <p:spTgt spid="2">
+                                            <p:txEl>
+                                              <p:pRg st="0" end="0"/>
+                                            </p:txEl>
+                                          </p:spTgt>
+                                        </p:tgtEl>
+                                        <p:attrNameLst>
+                                          <p:attrName>ppt_x</p:attrName>
+                                        </p:attrNameLst>
+                                      </p:cBhvr>
+                                      <p:tavLst>
+                                        <p:tav tm="0">
+                                          <p:val>
+                                            <p:strVal val="#ppt_x"/>
+                                          </p:val>
+                                        </p:tav>
+                                        <p:tav tm="100000">
+                                          <p:val>
+                                            <p:strVal val="#ppt_x"/>
+                                          </p:val>
+                                        </p:tav>
+                                      </p:tavLst>
+                                    </p:anim>
+                                    <p:anim calcmode="lin" valueType="num">
+                                      <p:cBhvr>
+                                        <p:cTn id="9" dur="1000" fill="hold"/>
+                                        <p:tgtEl>
+                                          <p:spTgt spid="2">
+                                            <p:txEl>
+                                              <p:pRg st="0" end="0"/>
+                                            </p:txEl>
+                                          </p:spTgt>
+                                        </p:tgtEl>
+                                        <p:attrNameLst>
+                                          <p:attrName>ppt_y</p:attrName>
+                                        </p:attrNameLst>
+                                      </p:cBhvr>
+                                      <p:tavLst>
+                                        <p:tav tm="0">
+                                          <p:val>
+                                            <p:strVal val="#ppt_y+.1"/>
+                                          </p:val>
+                                        </p:tav>
+                                        <p:tav tm="100000">
+                                          <p:val>
+                                            <p:strVal val="#ppt_y"/>
+                                          </p:val>
+                                        </p:tav>
+                                      </p:tavLst>
+                                    </p:anim>
+                                  </p:childTnLst>
+                                </p:cTn>
+                              </p:par>
+                              <p:par>
+                                <p:cTn id="10" presetID="42" presetClass="entr" presetSubtype="0" fill="hold" nodeType="withEffect">
+                                  <p:stCondLst>
+                                    <p:cond delay="0"/>
+                                  </p:stCondLst>
+                                  <p:childTnLst>
+                                    <p:set>
+                                      <p:cBhvr>
+                                        <p:cTn id="11" dur="1" fill="hold">
+                                          <p:stCondLst>
+                                            <p:cond delay="0"/>
+                                          </p:stCondLst>
+                                        </p:cTn>
+                                        <p:tgtEl>
+                                          <p:spTgt spid="2">
+                                            <p:txEl>
+                                              <p:pRg st="1" end="1"/>
+                                            </p:txEl>
+                                          </p:spTgt>
+                                        </p:tgtEl>
+                                        <p:attrNameLst>
+                                          <p:attrName>style.visibility</p:attrName>
+                                        </p:attrNameLst>
+                                      </p:cBhvr>
+                                      <p:to>
+                                        <p:strVal val="visible"/>
+                                      </p:to>
+                                    </p:set>
+                                    <p:animEffect transition="in" filter="fade">
+                                      <p:cBhvr>
+                                        <p:cTn id="12" dur="1000"/>
+                                        <p:tgtEl>
+                                          <p:spTgt spid="2">
+                                            <p:txEl>
+                                              <p:pRg st="1" end="1"/>
+                                            </p:txEl>
+                                          </p:spTgt>
+                                        </p:tgtEl>
+                                      </p:cBhvr>
+                                    </p:animEffect>
+                                    <p:anim calcmode="lin" valueType="num">
+                                      <p:cBhvr>
+                                        <p:cTn id="13" dur="1000" fill="hold"/>
+                                        <p:tgtEl>
+                                          <p:spTgt spid="2">
+                                            <p:txEl>
+                                              <p:pRg st="1" end="1"/>
+                                            </p:txEl>
+                                          </p:spTgt>
+                                        </p:tgtEl>
+                                        <p:attrNameLst>
+                                          <p:attrName>ppt_x</p:attrName>
+                                        </p:attrNameLst>
+                                      </p:cBhvr>
+                                      <p:tavLst>
+                                        <p:tav tm="0">
+                                          <p:val>
+                                            <p:strVal val="#ppt_x"/>
+                                          </p:val>
+                                        </p:tav>
+                                        <p:tav tm="100000">
+                                          <p:val>
+                                            <p:strVal val="#ppt_x"/>
+                                          </p:val>
+                                        </p:tav>
+                                      </p:tavLst>
+                                    </p:anim>
+                                    <p:anim calcmode="lin" valueType="num">
+                                      <p:cBhvr>
+                                        <p:cTn id="14" dur="1000" fill="hold"/>
+                                        <p:tgtEl>
+                                          <p:spTgt spid="2">
+                                            <p:txEl>
+                                              <p:pRg st="1" end="1"/>
+                                            </p:txEl>
+                                          </p:spTgt>
+                                        </p:tgtEl>
+                                        <p:attrNameLst>
+                                          <p:attrName>ppt_y</p:attrName>
+                                        </p:attrNameLst>
+                                      </p:cBhvr>
+                                      <p:tavLst>
+                                        <p:tav tm="0">
+                                          <p:val>
+                                            <p:strVal val="#ppt_y+.1"/>
+                                          </p:val>
+                                        </p:tav>
+                                        <p:tav tm="100000">
+                                          <p:val>
+                                            <p:strVal val="#ppt_y"/>
+                                          </p:val>
+                                        </p:tav>
+                                      </p:tavLst>
+                                    </p:anim>
+                                  </p:childTnLst>
+                                </p:cTn>
+                              </p:par>
+                            </p:childTnLst>
+                          </p:cTn>
+                        </p:par>
+                      </p:childTnLst>
+                    </p:cTn>
+                  </p:par>
+                  <p:par>
+                    <p:cTn id="15" fill="hold">
+                      <p:stCondLst>
+                        <p:cond delay="indefinite"/>
+                      </p:stCondLst>
+                      <p:childTnLst>
+                        <p:par>
+                          <p:cTn id="16" fill="hold">
+                            <p:stCondLst>
+                              <p:cond delay="0"/>
+                            </p:stCondLst>
+                            <p:childTnLst>
+                              <p:par>
+                                <p:cTn id="17" presetID="42" presetClass="entr" presetSubtype="0" fill="hold" nodeType="clickEffect">
+                                  <p:stCondLst>
+                                    <p:cond delay="0"/>
+                                  </p:stCondLst>
+                                  <p:childTnLst>
+                                    <p:set>
+                                      <p:cBhvr>
+                                        <p:cTn id="18" dur="1" fill="hold">
+                                          <p:stCondLst>
+                                            <p:cond delay="0"/>
+                                          </p:stCondLst>
+                                        </p:cTn>
+                                        <p:tgtEl>
+                                          <p:spTgt spid="7"/>
+                                        </p:tgtEl>
+                                        <p:attrNameLst>
+                                          <p:attrName>style.visibility</p:attrName>
+                                        </p:attrNameLst>
+                                      </p:cBhvr>
+                                      <p:to>
+                                        <p:strVal val="visible"/>
+                                      </p:to>
+                                    </p:set>
+                                    <p:animEffect transition="in" filter="fade">
+                                      <p:cBhvr>
+                                        <p:cTn id="19" dur="1000"/>
+                                        <p:tgtEl>
+                                          <p:spTgt spid="7"/>
+                                        </p:tgtEl>
+                                      </p:cBhvr>
+                                    </p:animEffect>
+                                    <p:anim calcmode="lin" valueType="num">
+                                      <p:cBhvr>
+                                        <p:cTn id="20" dur="1000" fill="hold"/>
+                                        <p:tgtEl>
+                                          <p:spTgt spid="7"/>
+                                        </p:tgtEl>
+                                        <p:attrNameLst>
+                                          <p:attrName>ppt_x</p:attrName>
+                                        </p:attrNameLst>
+                                      </p:cBhvr>
+                                      <p:tavLst>
+                                        <p:tav tm="0">
+                                          <p:val>
+                                            <p:strVal val="#ppt_x"/>
+                                          </p:val>
+                                        </p:tav>
+                                        <p:tav tm="100000">
+                                          <p:val>
+                                            <p:strVal val="#ppt_x"/>
+                                          </p:val>
+                                        </p:tav>
+                                      </p:tavLst>
+                                    </p:anim>
+                                    <p:anim calcmode="lin" valueType="num">
+                                      <p:cBhvr>
+                                        <p:cTn id="21" dur="1000" fill="hold"/>
+                                        <p:tgtEl>
+                                          <p:spTgt spid="7"/>
+                                        </p:tgtEl>
+                                        <p:attrNameLst>
+                                          <p:attrName>ppt_y</p:attrName>
+                                        </p:attrNameLst>
+                                      </p:cBhvr>
+                                      <p:tavLst>
+                                        <p:tav tm="0">
+                                          <p:val>
+                                            <p:strVal val="#ppt_y+.1"/>
+                                          </p:val>
+                                        </p:tav>
+                                        <p:tav tm="100000">
+                                          <p:val>
+                                            <p:strVal val="#ppt_y"/>
+                                          </p:val>
+                                        </p:tav>
+                                      </p:tavLst>
+                                    </p:anim>
+                                  </p:childTnLst>
+                                </p:cTn>
+                              </p:par>
+                            </p:childTnLst>
+                          </p:cTn>
+                        </p:par>
+                      </p:childTnLst>
+                    </p:cTn>
+                  </p:par>
+                  <p:par>
+                    <p:cTn id="22" fill="hold">
+                      <p:stCondLst>
+                        <p:cond delay="indefinite"/>
+                      </p:stCondLst>
+                      <p:childTnLst>
+                        <p:par>
+                          <p:cTn id="23" fill="hold">
+                            <p:stCondLst>
+                              <p:cond delay="0"/>
+                            </p:stCondLst>
+                            <p:childTnLst>
+                              <p:par>
+                                <p:cTn id="24" presetID="42" presetClass="entr" presetSubtype="0" fill="hold" nodeType="clickEffect">
+                                  <p:stCondLst>
+                                    <p:cond delay="0"/>
+                                  </p:stCondLst>
+                                  <p:childTnLst>
+                                    <p:set>
+                                      <p:cBhvr>
+                                        <p:cTn id="25" dur="1" fill="hold">
+                                          <p:stCondLst>
+                                            <p:cond delay="0"/>
+                                          </p:stCondLst>
+                                        </p:cTn>
+                                        <p:tgtEl>
+                                          <p:spTgt spid="2">
+                                            <p:txEl>
+                                              <p:pRg st="3" end="3"/>
+                                            </p:txEl>
+                                          </p:spTgt>
+                                        </p:tgtEl>
+                                        <p:attrNameLst>
+                                          <p:attrName>style.visibility</p:attrName>
+                                        </p:attrNameLst>
+                                      </p:cBhvr>
+                                      <p:to>
+                                        <p:strVal val="visible"/>
+                                      </p:to>
+                                    </p:set>
+                                    <p:animEffect transition="in" filter="fade">
+                                      <p:cBhvr>
+                                        <p:cTn id="26" dur="1000"/>
+                                        <p:tgtEl>
+                                          <p:spTgt spid="2">
+                                            <p:txEl>
+                                              <p:pRg st="3" end="3"/>
+                                            </p:txEl>
+                                          </p:spTgt>
+                                        </p:tgtEl>
+                                      </p:cBhvr>
+                                    </p:animEffect>
+                                    <p:anim calcmode="lin" valueType="num">
+                                      <p:cBhvr>
+                                        <p:cTn id="27" dur="1000" fill="hold"/>
+                                        <p:tgtEl>
+                                          <p:spTgt spid="2">
+                                            <p:txEl>
+                                              <p:pRg st="3" end="3"/>
+                                            </p:txEl>
+                                          </p:spTgt>
+                                        </p:tgtEl>
+                                        <p:attrNameLst>
+                                          <p:attrName>ppt_x</p:attrName>
+                                        </p:attrNameLst>
+                                      </p:cBhvr>
+                                      <p:tavLst>
+                                        <p:tav tm="0">
+                                          <p:val>
+                                            <p:strVal val="#ppt_x"/>
+                                          </p:val>
+                                        </p:tav>
+                                        <p:tav tm="100000">
+                                          <p:val>
+                                            <p:strVal val="#ppt_x"/>
+                                          </p:val>
+                                        </p:tav>
+                                      </p:tavLst>
+                                    </p:anim>
+                                    <p:anim calcmode="lin" valueType="num">
+                                      <p:cBhvr>
+                                        <p:cTn id="28" dur="1000" fill="hold"/>
+                                        <p:tgtEl>
+                                          <p:spTgt spid="2">
+                                            <p:txEl>
+                                              <p:pRg st="3" end="3"/>
+                                            </p:txEl>
+                                          </p:spTgt>
+                                        </p:tgtEl>
+                                        <p:attrNameLst>
+                                          <p:attrName>ppt_y</p:attrName>
+                                        </p:attrNameLst>
+                                      </p:cBhvr>
+                                      <p:tavLst>
+                                        <p:tav tm="0">
+                                          <p:val>
+                                            <p:strVal val="#ppt_y+.1"/>
+                                          </p:val>
+                                        </p:tav>
+                                        <p:tav tm="100000">
+                                          <p:val>
+                                            <p:strVal val="#ppt_y"/>
+                                          </p:val>
+                                        </p:tav>
+                                      </p:tavLst>
+                                    </p:anim>
+                                  </p:childTnLst>
+                                </p:cTn>
+                              </p:par>
+                              <p:par>
+                                <p:cTn id="29" presetID="42" presetClass="entr" presetSubtype="0" fill="hold" nodeType="withEffect">
+                                  <p:stCondLst>
+                                    <p:cond delay="0"/>
+                                  </p:stCondLst>
+                                  <p:childTnLst>
+                                    <p:set>
+                                      <p:cBhvr>
+                                        <p:cTn id="30" dur="1" fill="hold">
+                                          <p:stCondLst>
+                                            <p:cond delay="0"/>
+                                          </p:stCondLst>
+                                        </p:cTn>
+                                        <p:tgtEl>
+                                          <p:spTgt spid="2">
+                                            <p:txEl>
+                                              <p:pRg st="4" end="4"/>
+                                            </p:txEl>
+                                          </p:spTgt>
+                                        </p:tgtEl>
+                                        <p:attrNameLst>
+                                          <p:attrName>style.visibility</p:attrName>
+                                        </p:attrNameLst>
+                                      </p:cBhvr>
+                                      <p:to>
+                                        <p:strVal val="visible"/>
+                                      </p:to>
+                                    </p:set>
+                                    <p:animEffect transition="in" filter="fade">
+                                      <p:cBhvr>
+                                        <p:cTn id="31" dur="1000"/>
+                                        <p:tgtEl>
+                                          <p:spTgt spid="2">
+                                            <p:txEl>
+                                              <p:pRg st="4" end="4"/>
+                                            </p:txEl>
+                                          </p:spTgt>
+                                        </p:tgtEl>
+                                      </p:cBhvr>
+                                    </p:animEffect>
+                                    <p:anim calcmode="lin" valueType="num">
+                                      <p:cBhvr>
+                                        <p:cTn id="32" dur="1000" fill="hold"/>
+                                        <p:tgtEl>
+                                          <p:spTgt spid="2">
+                                            <p:txEl>
+                                              <p:pRg st="4" end="4"/>
+                                            </p:txEl>
+                                          </p:spTgt>
+                                        </p:tgtEl>
+                                        <p:attrNameLst>
+                                          <p:attrName>ppt_x</p:attrName>
+                                        </p:attrNameLst>
+                                      </p:cBhvr>
+                                      <p:tavLst>
+                                        <p:tav tm="0">
+                                          <p:val>
+                                            <p:strVal val="#ppt_x"/>
+                                          </p:val>
+                                        </p:tav>
+                                        <p:tav tm="100000">
+                                          <p:val>
+                                            <p:strVal val="#ppt_x"/>
+                                          </p:val>
+                                        </p:tav>
+                                      </p:tavLst>
+                                    </p:anim>
+                                    <p:anim calcmode="lin" valueType="num">
+                                      <p:cBhvr>
+                                        <p:cTn id="33" dur="1000" fill="hold"/>
+                                        <p:tgtEl>
+                                          <p:spTgt spid="2">
+                                            <p:txEl>
+                                              <p:pRg st="4" end="4"/>
+                                            </p:txEl>
+                                          </p:spTgt>
+                                        </p:tgtEl>
+                                        <p:attrNameLst>
+                                          <p:attrName>ppt_y</p:attrName>
+                                        </p:attrNameLst>
+                                      </p:cBhvr>
+                                      <p:tavLst>
+                                        <p:tav tm="0">
+                                          <p:val>
+                                            <p:strVal val="#ppt_y+.1"/>
+                                          </p:val>
+                                        </p:tav>
+                                        <p:tav tm="100000">
+                                          <p:val>
+                                            <p:strVal val="#ppt_y"/>
+                                          </p:val>
+                                        </p:tav>
+                                      </p:tavLst>
+                                    </p:anim>
+                                  </p:childTnLst>
+                                </p:cTn>
+                              </p:par>
+                              <p:par>
+                                <p:cTn id="34" presetID="42" presetClass="entr" presetSubtype="0" fill="hold" nodeType="withEffect">
+                                  <p:stCondLst>
+                                    <p:cond delay="0"/>
+                                  </p:stCondLst>
+                                  <p:childTnLst>
+                                    <p:set>
+                                      <p:cBhvr>
+                                        <p:cTn id="35" dur="1" fill="hold">
+                                          <p:stCondLst>
+                                            <p:cond delay="0"/>
+                                          </p:stCondLst>
+                                        </p:cTn>
+                                        <p:tgtEl>
+                                          <p:spTgt spid="2">
+                                            <p:txEl>
+                                              <p:pRg st="5" end="5"/>
+                                            </p:txEl>
+                                          </p:spTgt>
+                                        </p:tgtEl>
+                                        <p:attrNameLst>
+                                          <p:attrName>style.visibility</p:attrName>
+                                        </p:attrNameLst>
+                                      </p:cBhvr>
+                                      <p:to>
+                                        <p:strVal val="visible"/>
+                                      </p:to>
+                                    </p:set>
+                                    <p:animEffect transition="in" filter="fade">
+                                      <p:cBhvr>
+                                        <p:cTn id="36" dur="1000"/>
+                                        <p:tgtEl>
+                                          <p:spTgt spid="2">
+                                            <p:txEl>
+                                              <p:pRg st="5" end="5"/>
+                                            </p:txEl>
+                                          </p:spTgt>
+                                        </p:tgtEl>
+                                      </p:cBhvr>
+                                    </p:animEffect>
+                                    <p:anim calcmode="lin" valueType="num">
+                                      <p:cBhvr>
+                                        <p:cTn id="37" dur="1000" fill="hold"/>
+                                        <p:tgtEl>
+                                          <p:spTgt spid="2">
+                                            <p:txEl>
+                                              <p:pRg st="5" end="5"/>
+                                            </p:txEl>
+                                          </p:spTgt>
+                                        </p:tgtEl>
+                                        <p:attrNameLst>
+                                          <p:attrName>ppt_x</p:attrName>
+                                        </p:attrNameLst>
+                                      </p:cBhvr>
+                                      <p:tavLst>
+                                        <p:tav tm="0">
+                                          <p:val>
+                                            <p:strVal val="#ppt_x"/>
+                                          </p:val>
+                                        </p:tav>
+                                        <p:tav tm="100000">
+                                          <p:val>
+                                            <p:strVal val="#ppt_x"/>
+                                          </p:val>
+                                        </p:tav>
+                                      </p:tavLst>
+                                    </p:anim>
+                                    <p:anim calcmode="lin" valueType="num">
+                                      <p:cBhvr>
+                                        <p:cTn id="38" dur="1000" fill="hold"/>
+                                        <p:tgtEl>
+                                          <p:spTgt spid="2">
+                                            <p:txEl>
+                                              <p:pRg st="5" end="5"/>
+                                            </p:txEl>
+                                          </p:spTgt>
+                                        </p:tgtEl>
+                                        <p:attrNameLst>
+                                          <p:attrName>ppt_y</p:attrName>
+                                        </p:attrNameLst>
+                                      </p:cBhvr>
+                                      <p:tavLst>
+                                        <p:tav tm="0">
+                                          <p:val>
+                                            <p:strVal val="#ppt_y+.1"/>
+                                          </p:val>
+                                        </p:tav>
+                                        <p:tav tm="100000">
+                                          <p:val>
+                                            <p:strVal val="#ppt_y"/>
+                                          </p:val>
+                                        </p:tav>
+                                      </p:tavLst>
+                                    </p:anim>
+                                  </p:childTnLst>
+                                </p:cTn>
+                              </p:par>
+                            </p:childTnLst>
+                          </p:cTn>
+                        </p:par>
+                      </p:childTnLst>
+                    </p:cTn>
+                  </p:par>
+                  <p:par>
+                    <p:cTn id="39" fill="hold">
+                      <p:stCondLst>
+                        <p:cond delay="indefinite"/>
+                      </p:stCondLst>
+                      <p:childTnLst>
+                        <p:par>
+                          <p:cTn id="40" fill="hold">
+                            <p:stCondLst>
+                              <p:cond delay="0"/>
+                            </p:stCondLst>
+                            <p:childTnLst>
+                              <p:par>
+                                <p:cTn id="41" presetID="42" presetClass="entr" presetSubtype="0" fill="hold" nodeType="clickEffect">
+                                  <p:stCondLst>
+                                    <p:cond delay="0"/>
+                                  </p:stCondLst>
+                                  <p:childTnLst>
+                                    <p:set>
+                                      <p:cBhvr>
+                                        <p:cTn id="42" dur="1" fill="hold">
+                                          <p:stCondLst>
+                                            <p:cond delay="0"/>
+                                          </p:stCondLst>
+                                        </p:cTn>
+                                        <p:tgtEl>
+                                          <p:spTgt spid="5"/>
+                                        </p:tgtEl>
+                                        <p:attrNameLst>
+                                          <p:attrName>style.visibility</p:attrName>
+                                        </p:attrNameLst>
+                                      </p:cBhvr>
+                                      <p:to>
+                                        <p:strVal val="visible"/>
+                                      </p:to>
+                                    </p:set>
+                                    <p:animEffect transition="in" filter="fade">
+                                      <p:cBhvr>
+                                        <p:cTn id="43" dur="1000"/>
+                                        <p:tgtEl>
+                                          <p:spTgt spid="5"/>
+                                        </p:tgtEl>
+                                      </p:cBhvr>
+                                    </p:animEffect>
+                                    <p:anim calcmode="lin" valueType="num">
+                                      <p:cBhvr>
+                                        <p:cTn id="44" dur="1000" fill="hold"/>
+                                        <p:tgtEl>
+                                          <p:spTgt spid="5"/>
+                                        </p:tgtEl>
+                                        <p:attrNameLst>
+                                          <p:attrName>ppt_x</p:attrName>
+                                        </p:attrNameLst>
+                                      </p:cBhvr>
+                                      <p:tavLst>
+                                        <p:tav tm="0">
+                                          <p:val>
+                                            <p:strVal val="#ppt_x"/>
+                                          </p:val>
+                                        </p:tav>
+                                        <p:tav tm="100000">
+                                          <p:val>
+                                            <p:strVal val="#ppt_x"/>
+                                          </p:val>
+                                        </p:tav>
+                                      </p:tavLst>
+                                    </p:anim>
+                                    <p:anim calcmode="lin" valueType="num">
+                                      <p:cBhvr>
+                                        <p:cTn id="45" dur="1000" fill="hold"/>
+                                        <p:tgtEl>
+                                          <p:spTgt spid="5"/>
+                                        </p:tgtEl>
+                                        <p:attrNameLst>
+                                          <p:attrName>ppt_y</p:attrName>
+                                        </p:attrNameLst>
+                                      </p:cBhvr>
+                                      <p:tavLst>
+                                        <p:tav tm="0">
+                                          <p:val>
+                                            <p:strVal val="#ppt_y+.1"/>
+                                          </p:val>
+                                        </p:tav>
+                                        <p:tav tm="100000">
+                                          <p:val>
+                                            <p:strVal val="#ppt_y"/>
+                                          </p:val>
+                                        </p:tav>
+                                      </p:tavLst>
+                                    </p:anim>
+                                  </p:childTnLst>
+                                </p:cTn>
+                              </p:par>
+                            </p:childTnLst>
+                          </p:cTn>
+                        </p:par>
+                      </p:childTnLst>
+                    </p:cTn>
+                  </p:par>
+                  <p:par>
+                    <p:cTn id="46" fill="hold">
+                      <p:stCondLst>
+                        <p:cond delay="indefinite"/>
+                      </p:stCondLst>
+                      <p:childTnLst>
+                        <p:par>
+                          <p:cTn id="47" fill="hold">
+                            <p:stCondLst>
+                              <p:cond delay="0"/>
+                            </p:stCondLst>
+                            <p:childTnLst>
+                              <p:par>
+                                <p:cTn id="48" presetID="42" presetClass="entr" presetSubtype="0" fill="hold" nodeType="clickEffect">
+                                  <p:stCondLst>
+                                    <p:cond delay="0"/>
+                                  </p:stCondLst>
+                                  <p:childTnLst>
+                                    <p:set>
+                                      <p:cBhvr>
+                                        <p:cTn id="49" dur="1" fill="hold">
+                                          <p:stCondLst>
+                                            <p:cond delay="0"/>
+                                          </p:stCondLst>
+                                        </p:cTn>
+                                        <p:tgtEl>
+                                          <p:spTgt spid="2">
+                                            <p:txEl>
+                                              <p:pRg st="7" end="7"/>
+                                            </p:txEl>
+                                          </p:spTgt>
+                                        </p:tgtEl>
+                                        <p:attrNameLst>
+                                          <p:attrName>style.visibility</p:attrName>
+                                        </p:attrNameLst>
+                                      </p:cBhvr>
+                                      <p:to>
+                                        <p:strVal val="visible"/>
+                                      </p:to>
+                                    </p:set>
+                                    <p:animEffect transition="in" filter="fade">
+                                      <p:cBhvr>
+                                        <p:cTn id="50" dur="1000"/>
+                                        <p:tgtEl>
+                                          <p:spTgt spid="2">
+                                            <p:txEl>
+                                              <p:pRg st="7" end="7"/>
+                                            </p:txEl>
+                                          </p:spTgt>
+                                        </p:tgtEl>
+                                      </p:cBhvr>
+                                    </p:animEffect>
+                                    <p:anim calcmode="lin" valueType="num">
+                                      <p:cBhvr>
+                                        <p:cTn id="51" dur="1000" fill="hold"/>
+                                        <p:tgtEl>
+                                          <p:spTgt spid="2">
+                                            <p:txEl>
+                                              <p:pRg st="7" end="7"/>
+                                            </p:txEl>
+                                          </p:spTgt>
+                                        </p:tgtEl>
+                                        <p:attrNameLst>
+                                          <p:attrName>ppt_x</p:attrName>
+                                        </p:attrNameLst>
+                                      </p:cBhvr>
+                                      <p:tavLst>
+                                        <p:tav tm="0">
+                                          <p:val>
+                                            <p:strVal val="#ppt_x"/>
+                                          </p:val>
+                                        </p:tav>
+                                        <p:tav tm="100000">
+                                          <p:val>
+                                            <p:strVal val="#ppt_x"/>
+                                          </p:val>
+                                        </p:tav>
+                                      </p:tavLst>
+                                    </p:anim>
+                                    <p:anim calcmode="lin" valueType="num">
+                                      <p:cBhvr>
+                                        <p:cTn id="52" dur="1000" fill="hold"/>
+                                        <p:tgtEl>
+                                          <p:spTgt spid="2">
+                                            <p:txEl>
+                                              <p:pRg st="7" end="7"/>
+                                            </p:txEl>
+                                          </p:spTgt>
+                                        </p:tgtEl>
+                                        <p:attrNameLst>
+                                          <p:attrName>ppt_y</p:attrName>
+                                        </p:attrNameLst>
+                                      </p:cBhvr>
+                                      <p:tavLst>
+                                        <p:tav tm="0">
+                                          <p:val>
+                                            <p:strVal val="#ppt_y+.1"/>
+                                          </p:val>
+                                        </p:tav>
+                                        <p:tav tm="100000">
+                                          <p:val>
+                                            <p:strVal val="#ppt_y"/>
+                                          </p:val>
+                                        </p:tav>
+                                      </p:tavLst>
+                                    </p:anim>
+                                  </p:childTnLst>
+                                </p:cTn>
+                              </p:par>
+                            </p:childTnLst>
+                          </p:cTn>
+                        </p:par>
+                      </p:childTnLst>
+                    </p:cTn>
+                  </p:par>
+                  <p:par>
+                    <p:cTn id="53" fill="hold">
+                      <p:stCondLst>
+                        <p:cond delay="indefinite"/>
+                      </p:stCondLst>
+                      <p:childTnLst>
+                        <p:par>
+                          <p:cTn id="54" fill="hold">
+                            <p:stCondLst>
+                              <p:cond delay="0"/>
+                            </p:stCondLst>
+                            <p:childTnLst>
+                              <p:par>
+                                <p:cTn id="55" presetID="42" presetClass="entr" presetSubtype="0" fill="hold" nodeType="clickEffect">
+                                  <p:stCondLst>
+                                    <p:cond delay="0"/>
+                                  </p:stCondLst>
+                                  <p:childTnLst>
+                                    <p:set>
+                                      <p:cBhvr>
+                                        <p:cTn id="56" dur="1" fill="hold">
+                                          <p:stCondLst>
+                                            <p:cond delay="0"/>
+                                          </p:stCondLst>
+                                        </p:cTn>
+                                        <p:tgtEl>
+                                          <p:spTgt spid="8"/>
+                                        </p:tgtEl>
+                                        <p:attrNameLst>
+                                          <p:attrName>style.visibility</p:attrName>
+                                        </p:attrNameLst>
+                                      </p:cBhvr>
+                                      <p:to>
+                                        <p:strVal val="visible"/>
+                                      </p:to>
+                                    </p:set>
+                                    <p:animEffect transition="in" filter="fade">
+                                      <p:cBhvr>
+                                        <p:cTn id="57" dur="1000"/>
+                                        <p:tgtEl>
+                                          <p:spTgt spid="8"/>
+                                        </p:tgtEl>
+                                      </p:cBhvr>
+                                    </p:animEffect>
+                                    <p:anim calcmode="lin" valueType="num">
+                                      <p:cBhvr>
+                                        <p:cTn id="58" dur="1000" fill="hold"/>
+                                        <p:tgtEl>
+                                          <p:spTgt spid="8"/>
+                                        </p:tgtEl>
+                                        <p:attrNameLst>
+                                          <p:attrName>ppt_x</p:attrName>
+                                        </p:attrNameLst>
+                                      </p:cBhvr>
+                                      <p:tavLst>
+                                        <p:tav tm="0">
+                                          <p:val>
+                                            <p:strVal val="#ppt_x"/>
+                                          </p:val>
+                                        </p:tav>
+                                        <p:tav tm="100000">
+                                          <p:val>
+                                            <p:strVal val="#ppt_x"/>
+                                          </p:val>
+                                        </p:tav>
+                                      </p:tavLst>
+                                    </p:anim>
+                                    <p:anim calcmode="lin" valueType="num">
+                                      <p:cBhvr>
+                                        <p:cTn id="59" dur="1000" fill="hold"/>
+                                        <p:tgtEl>
+                                          <p:spTgt spid="8"/>
+                                        </p:tgtEl>
+                                        <p:attrNameLst>
+                                          <p:attrName>ppt_y</p:attrName>
+                                        </p:attrNameLst>
+                                      </p:cBhvr>
+                                      <p:tavLst>
+                                        <p:tav tm="0">
+                                          <p:val>
+                                            <p:strVal val="#ppt_y+.1"/>
+                                          </p:val>
+                                        </p:tav>
+                                        <p:tav tm="100000">
+                                          <p:val>
+                                            <p:strVal val="#ppt_y"/>
+                                          </p:val>
+                                        </p:tav>
+                                      </p:tavLst>
+                                    </p:anim>
+                                  </p:childTnLst>
+                                </p:cTn>
+                              </p:par>
+                            </p:childTnLst>
+                          </p:cTn>
+                        </p:par>
+                      </p:childTnLst>
+                    </p:cTn>
+                  </p:par>
+                  <p:par>
+                    <p:cTn id="60" fill="hold">
+                      <p:stCondLst>
+                        <p:cond delay="indefinite"/>
+                      </p:stCondLst>
+                      <p:childTnLst>
+                        <p:par>
+                          <p:cTn id="61" fill="hold">
+                            <p:stCondLst>
+                              <p:cond delay="0"/>
+                            </p:stCondLst>
+                            <p:childTnLst>
+                              <p:par>
+                                <p:cTn id="62" presetID="42" presetClass="entr" presetSubtype="0" fill="hold" nodeType="clickEffect">
+                                  <p:stCondLst>
+                                    <p:cond delay="0"/>
+                                  </p:stCondLst>
+                                  <p:childTnLst>
+                                    <p:set>
+                                      <p:cBhvr>
+                                        <p:cTn id="63" dur="1" fill="hold">
+                                          <p:stCondLst>
+                                            <p:cond delay="0"/>
+                                          </p:stCondLst>
+                                        </p:cTn>
+                                        <p:tgtEl>
+                                          <p:spTgt spid="2">
+                                            <p:txEl>
+                                              <p:pRg st="9" end="9"/>
+                                            </p:txEl>
+                                          </p:spTgt>
+                                        </p:tgtEl>
+                                        <p:attrNameLst>
+                                          <p:attrName>style.visibility</p:attrName>
+                                        </p:attrNameLst>
+                                      </p:cBhvr>
+                                      <p:to>
+                                        <p:strVal val="visible"/>
+                                      </p:to>
+                                    </p:set>
+                                    <p:animEffect transition="in" filter="fade">
+                                      <p:cBhvr>
+                                        <p:cTn id="64" dur="1000"/>
+                                        <p:tgtEl>
+                                          <p:spTgt spid="2">
+                                            <p:txEl>
+                                              <p:pRg st="9" end="9"/>
+                                            </p:txEl>
+                                          </p:spTgt>
+                                        </p:tgtEl>
+                                      </p:cBhvr>
+                                    </p:animEffect>
+                                    <p:anim calcmode="lin" valueType="num">
+                                      <p:cBhvr>
+                                        <p:cTn id="65" dur="1000" fill="hold"/>
+                                        <p:tgtEl>
+                                          <p:spTgt spid="2">
+                                            <p:txEl>
+                                              <p:pRg st="9" end="9"/>
+                                            </p:txEl>
+                                          </p:spTgt>
+                                        </p:tgtEl>
+                                        <p:attrNameLst>
+                                          <p:attrName>ppt_x</p:attrName>
+                                        </p:attrNameLst>
+                                      </p:cBhvr>
+                                      <p:tavLst>
+                                        <p:tav tm="0">
+                                          <p:val>
+                                            <p:strVal val="#ppt_x"/>
+                                          </p:val>
+                                        </p:tav>
+                                        <p:tav tm="100000">
+                                          <p:val>
+                                            <p:strVal val="#ppt_x"/>
+                                          </p:val>
+                                        </p:tav>
+                                      </p:tavLst>
+                                    </p:anim>
+                                    <p:anim calcmode="lin" valueType="num">
+                                      <p:cBhvr>
+                                        <p:cTn id="66" dur="1000" fill="hold"/>
+                                        <p:tgtEl>
+                                          <p:spTgt spid="2">
+                                            <p:txEl>
+                                              <p:pRg st="9" end="9"/>
+                                            </p:txEl>
+                                          </p:spTgt>
+                                        </p:tgtEl>
+                                        <p:attrNameLst>
+                                          <p:attrName>ppt_y</p:attrName>
+                                        </p:attrNameLst>
+                                      </p:cBhvr>
+                                      <p:tavLst>
+                                        <p:tav tm="0">
+                                          <p:val>
+                                            <p:strVal val="#ppt_y+.1"/>
+                                          </p:val>
+                                        </p:tav>
+                                        <p:tav tm="100000">
+                                          <p:val>
+                                            <p:strVal val="#ppt_y"/>
+                                          </p:val>
+                                        </p:tav>
+                                      </p:tavLst>
+                                    </p:anim>
+                                  </p:childTnLst>
+                                </p:cTn>
+                              </p:par>
+                            </p:childTnLst>
+                          </p:cTn>
+                        </p:par>
+                      </p:childTnLst>
+                    </p:cTn>
+                  </p:par>
+                  <p:par>
+                    <p:cTn id="67" fill="hold">
+                      <p:stCondLst>
+                        <p:cond delay="indefinite"/>
+                      </p:stCondLst>
+                      <p:childTnLst>
+                        <p:par>
+                          <p:cTn id="68" fill="hold">
+                            <p:stCondLst>
+                              <p:cond delay="0"/>
+                            </p:stCondLst>
+                            <p:childTnLst>
+                              <p:par>
+                                <p:cTn id="69" presetID="42" presetClass="entr" presetSubtype="0" fill="hold" nodeType="clickEffect">
+                                  <p:stCondLst>
+                                    <p:cond delay="0"/>
+                                  </p:stCondLst>
+                                  <p:childTnLst>
+                                    <p:set>
+                                      <p:cBhvr>
+                                        <p:cTn id="70" dur="1" fill="hold">
+                                          <p:stCondLst>
+                                            <p:cond delay="0"/>
+                                          </p:stCondLst>
+                                        </p:cTn>
+                                        <p:tgtEl>
+                                          <p:spTgt spid="1029"/>
+                                        </p:tgtEl>
+                                        <p:attrNameLst>
+                                          <p:attrName>style.visibility</p:attrName>
+                                        </p:attrNameLst>
+                                      </p:cBhvr>
+                                      <p:to>
+                                        <p:strVal val="visible"/>
+                                      </p:to>
+                                    </p:set>
+                                    <p:animEffect transition="in" filter="fade">
+                                      <p:cBhvr>
+                                        <p:cTn id="71" dur="1000"/>
+                                        <p:tgtEl>
+                                          <p:spTgt spid="1029"/>
+                                        </p:tgtEl>
+                                      </p:cBhvr>
+                                    </p:animEffect>
+                                    <p:anim calcmode="lin" valueType="num">
+                                      <p:cBhvr>
+                                        <p:cTn id="72" dur="1000" fill="hold"/>
+                                        <p:tgtEl>
+                                          <p:spTgt spid="1029"/>
+                                        </p:tgtEl>
+                                        <p:attrNameLst>
+                                          <p:attrName>ppt_x</p:attrName>
+                                        </p:attrNameLst>
+                                      </p:cBhvr>
+                                      <p:tavLst>
+                                        <p:tav tm="0">
+                                          <p:val>
+                                            <p:strVal val="#ppt_x"/>
+                                          </p:val>
+                                        </p:tav>
+                                        <p:tav tm="100000">
+                                          <p:val>
+                                            <p:strVal val="#ppt_x"/>
+                                          </p:val>
+                                        </p:tav>
+                                      </p:tavLst>
+                                    </p:anim>
+                                    <p:anim calcmode="lin" valueType="num">
+                                      <p:cBhvr>
+                                        <p:cTn id="73" dur="1000" fill="hold"/>
+                                        <p:tgtEl>
+                                          <p:spTgt spid="1029"/>
+                                        </p:tgtEl>
+                                        <p:attrNameLst>
+                                          <p:attrName>ppt_y</p:attrName>
+                                        </p:attrNameLst>
+                                      </p:cBhvr>
+                                      <p:tavLst>
+                                        <p:tav tm="0">
+                                          <p:val>
+                                            <p:strVal val="#ppt_y+.1"/>
+                                          </p:val>
+                                        </p:tav>
+                                        <p:tav tm="100000">
+                                          <p:val>
+                                            <p:strVal val="#ppt_y"/>
+                                          </p:val>
+                                        </p:tav>
+                                      </p:tavLst>
+                                    </p:anim>
+                                  </p:childTnLst>
+                                </p:cTn>
+                              </p:par>
+                            </p:childTnLst>
+                          </p:cTn>
+                        </p:par>
+                      </p:childTnLst>
+                    </p:cTn>
+                  </p:par>
+                </p:childTnLst>
+              </p:cTn>
+              <p:prevCondLst>
+                <p:cond evt="onPrev" delay="0">
+                  <p:tgtEl>
+                    <p:sldTgt/>
+                  </p:tgtEl>
+                </p:cond>
+              </p:prevCondLst>
+              <p:nextCondLst>
+                <p:cond evt="onNext" delay="0">
+                  <p:tgtEl>
+                    <p:sldTgt/>
+                  </p:tgtEl>
+                </p:cond>
+              </p:nextCondLst>
+            </p:seq>
+          </p:childTnLst>
+        </p:cTn>
       </p:par>
     </p:tnLst>
   </p:timing>
 </p:sld>
 </file>
 
-<file path=ppt/slides/slide32.xml><?xml version="1.0" encoding="utf-8"?>
+<file path=ppt/slides/slide39.xml><?xml version="1.0" encoding="utf-8"?>
 <p:sld xmlns:a="http://schemas.openxmlformats.org/drawingml/2006/main" xmlns:r="http://schemas.openxmlformats.org/officeDocument/2006/relationships" xmlns:p="http://schemas.openxmlformats.org/presentationml/2006/main">
   <p:cSld>
     <p:spTree>
@@ -17580,7 +20045,74 @@
 </p:sld>
 </file>
 
-<file path=ppt/slides/slide33.xml><?xml version="1.0" encoding="utf-8"?>
+<file path=ppt/slides/slide4.xml><?xml version="1.0" encoding="utf-8"?>
+<p:sld xmlns:a="http://schemas.openxmlformats.org/drawingml/2006/main" xmlns:r="http://schemas.openxmlformats.org/officeDocument/2006/relationships" xmlns:p="http://schemas.openxmlformats.org/presentationml/2006/main">
+  <p:cSld>
+    <p:spTree>
+      <p:nvGrpSpPr>
+        <p:cNvPr id="1" name=""/>
+        <p:cNvGrpSpPr/>
+        <p:nvPr/>
+      </p:nvGrpSpPr>
+      <p:grpSpPr>
+        <a:xfrm>
+          <a:off x="0" y="0"/>
+          <a:ext cx="0" cy="0"/>
+          <a:chOff x="0" y="0"/>
+          <a:chExt cx="0" cy="0"/>
+        </a:xfrm>
+      </p:grpSpPr>
+      <p:sp>
+        <p:nvSpPr>
+          <p:cNvPr id="3" name="Title 2"/>
+          <p:cNvSpPr>
+            <a:spLocks noGrp="1"/>
+          </p:cNvSpPr>
+          <p:nvPr>
+            <p:ph type="title"/>
+          </p:nvPr>
+        </p:nvSpPr>
+        <p:spPr>
+          <a:xfrm>
+            <a:off x="1600200" y="2286000"/>
+            <a:ext cx="6096000" cy="838200"/>
+          </a:xfrm>
+        </p:spPr>
+        <p:txBody>
+          <a:bodyPr>
+            <a:noAutofit/>
+          </a:bodyPr>
+          <a:lstStyle/>
+          <a:p>
+            <a:r>
+              <a:rPr lang="en-US" sz="5500" dirty="0" smtClean="0"/>
+              <a:t>My mobile app &amp; background</a:t>
+            </a:r>
+            <a:endParaRPr lang="en-US" sz="5500" dirty="0"/>
+          </a:p>
+        </p:txBody>
+      </p:sp>
+    </p:spTree>
+    <p:extLst>
+      <p:ext uri="{BB962C8B-B14F-4D97-AF65-F5344CB8AC3E}">
+        <p14:creationId xmlns:p14="http://schemas.microsoft.com/office/powerpoint/2010/main" val="447548115"/>
+      </p:ext>
+    </p:extLst>
+  </p:cSld>
+  <p:clrMapOvr>
+    <a:masterClrMapping/>
+  </p:clrMapOvr>
+  <p:timing>
+    <p:tnLst>
+      <p:par>
+        <p:cTn id="1" dur="indefinite" restart="never" nodeType="tmRoot"/>
+      </p:par>
+    </p:tnLst>
+  </p:timing>
+</p:sld>
+</file>
+
+<file path=ppt/slides/slide40.xml><?xml version="1.0" encoding="utf-8"?>
 <p:sld xmlns:a="http://schemas.openxmlformats.org/drawingml/2006/main" xmlns:r="http://schemas.openxmlformats.org/officeDocument/2006/relationships" xmlns:p="http://schemas.openxmlformats.org/presentationml/2006/main">
   <p:cSld>
     <p:spTree>
@@ -17743,7 +20275,7 @@
 </p:sld>
 </file>
 
-<file path=ppt/slides/slide34.xml><?xml version="1.0" encoding="utf-8"?>
+<file path=ppt/slides/slide41.xml><?xml version="1.0" encoding="utf-8"?>
 <p:sld xmlns:a="http://schemas.openxmlformats.org/drawingml/2006/main" xmlns:r="http://schemas.openxmlformats.org/officeDocument/2006/relationships" xmlns:p="http://schemas.openxmlformats.org/presentationml/2006/main">
   <p:cSld>
     <p:spTree>
@@ -17916,7 +20448,7 @@
 </p:sld>
 </file>
 
-<file path=ppt/slides/slide4.xml><?xml version="1.0" encoding="utf-8"?>
+<file path=ppt/slides/slide5.xml><?xml version="1.0" encoding="utf-8"?>
 <p:sld xmlns:a="http://schemas.openxmlformats.org/drawingml/2006/main" xmlns:r="http://schemas.openxmlformats.org/officeDocument/2006/relationships" xmlns:p="http://schemas.openxmlformats.org/presentationml/2006/main">
   <p:cSld>
     <p:spTree>
@@ -17945,13 +20477,13 @@
         </p:nvSpPr>
         <p:spPr>
           <a:xfrm>
-            <a:off x="685800" y="1545336"/>
-            <a:ext cx="7772400" cy="4626864"/>
+            <a:off x="685800" y="1066800"/>
+            <a:ext cx="7772400" cy="5345668"/>
           </a:xfrm>
         </p:spPr>
         <p:txBody>
           <a:bodyPr>
-            <a:normAutofit/>
+            <a:normAutofit fontScale="92500" lnSpcReduction="10000"/>
           </a:bodyPr>
           <a:lstStyle/>
           <a:p>
@@ -17993,10 +20525,20 @@
             <a:endParaRPr lang="en-US" sz="8000" i="0" dirty="0"/>
           </a:p>
           <a:p>
-            <a:pPr marL="0" indent="0">
+            <a:pPr marL="0" indent="0" algn="ctr">
               <a:buNone/>
             </a:pPr>
-            <a:endParaRPr lang="en-US" sz="8000" dirty="0"/>
+            <a:endParaRPr lang="en-US" sz="5900" b="1" dirty="0" smtClean="0"/>
+          </a:p>
+          <a:p>
+            <a:pPr marL="0" indent="0" algn="ctr">
+              <a:buNone/>
+            </a:pPr>
+            <a:r>
+              <a:rPr lang="en-US" sz="8000" b="1" dirty="0" smtClean="0"/>
+              <a:t>Why?</a:t>
+            </a:r>
+            <a:endParaRPr lang="en-US" sz="8000" b="1" dirty="0"/>
           </a:p>
         </p:txBody>
       </p:sp>
@@ -18015,10 +20557,6 @@
           <a:bodyPr/>
           <a:lstStyle/>
           <a:p>
-            <a:r>
-              <a:rPr lang="en-US" dirty="0" smtClean="0"/>
-              <a:t>Why this talk?</a:t>
-            </a:r>
             <a:endParaRPr lang="en-US" dirty="0"/>
           </a:p>
         </p:txBody>
@@ -18047,7 +20585,7 @@
           <a:p>
             <a:r>
               <a:rPr lang="en-US" dirty="0">
-                <a:hlinkClick r:id="rId2"/>
+                <a:hlinkClick r:id="rId3"/>
               </a:rPr>
               <a:t>Gartner</a:t>
             </a:r>
@@ -18188,6 +20726,121 @@
                       </p:childTnLst>
                     </p:cTn>
                   </p:par>
+                  <p:par>
+                    <p:cTn id="10" fill="hold">
+                      <p:stCondLst>
+                        <p:cond delay="indefinite"/>
+                      </p:stCondLst>
+                      <p:childTnLst>
+                        <p:par>
+                          <p:cTn id="11" fill="hold">
+                            <p:stCondLst>
+                              <p:cond delay="0"/>
+                            </p:stCondLst>
+                            <p:childTnLst>
+                              <p:par>
+                                <p:cTn id="12" presetID="42" presetClass="entr" presetSubtype="0" fill="hold" grpId="0" nodeType="clickEffect">
+                                  <p:stCondLst>
+                                    <p:cond delay="0"/>
+                                  </p:stCondLst>
+                                  <p:childTnLst>
+                                    <p:set>
+                                      <p:cBhvr>
+                                        <p:cTn id="13" dur="1" fill="hold">
+                                          <p:stCondLst>
+                                            <p:cond delay="0"/>
+                                          </p:stCondLst>
+                                        </p:cTn>
+                                        <p:tgtEl>
+                                          <p:spTgt spid="2">
+                                            <p:txEl>
+                                              <p:pRg st="2" end="2"/>
+                                            </p:txEl>
+                                          </p:spTgt>
+                                        </p:tgtEl>
+                                        <p:attrNameLst>
+                                          <p:attrName>style.visibility</p:attrName>
+                                        </p:attrNameLst>
+                                      </p:cBhvr>
+                                      <p:to>
+                                        <p:strVal val="visible"/>
+                                      </p:to>
+                                    </p:set>
+                                    <p:animEffect transition="in" filter="fade">
+                                      <p:cBhvr>
+                                        <p:cTn id="14" dur="1000"/>
+                                        <p:tgtEl>
+                                          <p:spTgt spid="2">
+                                            <p:txEl>
+                                              <p:pRg st="2" end="2"/>
+                                            </p:txEl>
+                                          </p:spTgt>
+                                        </p:tgtEl>
+                                      </p:cBhvr>
+                                    </p:animEffect>
+                                    <p:anim calcmode="lin" valueType="num">
+                                      <p:cBhvr>
+                                        <p:cTn id="15" dur="1000" fill="hold"/>
+                                        <p:tgtEl>
+                                          <p:spTgt spid="2">
+                                            <p:txEl>
+                                              <p:pRg st="2" end="2"/>
+                                            </p:txEl>
+                                          </p:spTgt>
+                                        </p:tgtEl>
+                                        <p:attrNameLst>
+                                          <p:attrName>ppt_x</p:attrName>
+                                        </p:attrNameLst>
+                                      </p:cBhvr>
+                                      <p:tavLst>
+                                        <p:tav tm="0">
+                                          <p:val>
+                                            <p:strVal val="#ppt_x"/>
+                                          </p:val>
+                                        </p:tav>
+                                        <p:tav tm="100000">
+                                          <p:val>
+                                            <p:strVal val="#ppt_x"/>
+                                          </p:val>
+                                        </p:tav>
+                                      </p:tavLst>
+                                    </p:anim>
+                                    <p:anim calcmode="lin" valueType="num">
+                                      <p:cBhvr>
+                                        <p:cTn id="16" dur="1000" fill="hold"/>
+                                        <p:tgtEl>
+                                          <p:spTgt spid="2">
+                                            <p:txEl>
+                                              <p:pRg st="2" end="2"/>
+                                            </p:txEl>
+                                          </p:spTgt>
+                                        </p:tgtEl>
+                                        <p:attrNameLst>
+                                          <p:attrName>ppt_y</p:attrName>
+                                        </p:attrNameLst>
+                                      </p:cBhvr>
+                                      <p:tavLst>
+                                        <p:tav tm="0">
+                                          <p:val>
+                                            <p:strVal val="#ppt_y+.1"/>
+                                          </p:val>
+                                        </p:tav>
+                                        <p:tav tm="100000">
+                                          <p:val>
+                                            <p:strVal val="#ppt_y"/>
+                                          </p:val>
+                                        </p:tav>
+                                      </p:tavLst>
+                                    </p:anim>
+                                  </p:childTnLst>
+                                </p:cTn>
+                              </p:par>
+                            </p:childTnLst>
+                          </p:cTn>
+                        </p:par>
+                      </p:childTnLst>
+                    </p:cTn>
+                  </p:par>
                 </p:childTnLst>
               </p:cTn>
               <p:prevCondLst>
@@ -18216,7 +20869,7 @@
 </p:sld>
 </file>
 
-<file path=ppt/slides/slide5.xml><?xml version="1.0" encoding="utf-8"?>
+<file path=ppt/slides/slide6.xml><?xml version="1.0" encoding="utf-8"?>
 <p:sld xmlns:a="http://schemas.openxmlformats.org/drawingml/2006/main" xmlns:r="http://schemas.openxmlformats.org/officeDocument/2006/relationships" xmlns:p="http://schemas.openxmlformats.org/presentationml/2006/main">
   <p:cSld>
     <p:spTree>
@@ -18536,48 +21189,22 @@
                   <a:schemeClr val="bg1"/>
                 </a:solidFill>
               </a:rPr>
-              <a:t>Challenging calorie </a:t>
-            </a:r>
+              <a:t>Challenging calorie tracking</a:t>
+            </a:r>
+          </a:p>
+          <a:p>
+            <a:pPr marL="285750" indent="-285750">
+              <a:buFont typeface="Arial" panose="020B0604020202020204" pitchFamily="34" charset="0"/>
+              <a:buChar char="•"/>
+            </a:pPr>
             <a:r>
               <a:rPr lang="en-US" dirty="0" smtClean="0">
                 <a:solidFill>
                   <a:schemeClr val="bg1"/>
                 </a:solidFill>
               </a:rPr>
-              <a:t>tracking</a:t>
-            </a:r>
-            <a:endParaRPr lang="en-US" dirty="0" smtClean="0">
-              <a:solidFill>
-                <a:schemeClr val="bg1"/>
-              </a:solidFill>
-            </a:endParaRPr>
-          </a:p>
-          <a:p>
-            <a:pPr marL="285750" indent="-285750">
-              <a:buFont typeface="Arial" panose="020B0604020202020204" pitchFamily="34" charset="0"/>
-              <a:buChar char="•"/>
-            </a:pPr>
-            <a:r>
-              <a:rPr lang="en-US" dirty="0" smtClean="0">
-                <a:solidFill>
-                  <a:schemeClr val="bg1"/>
-                </a:solidFill>
-              </a:rPr>
-              <a:t>Available for </a:t>
-            </a:r>
-            <a:r>
-              <a:rPr lang="en-US" dirty="0" smtClean="0">
-                <a:solidFill>
-                  <a:schemeClr val="bg1"/>
-                </a:solidFill>
-              </a:rPr>
-              <a:t>multiple platforms</a:t>
-            </a:r>
-            <a:endParaRPr lang="en-US" dirty="0" smtClean="0">
-              <a:solidFill>
-                <a:schemeClr val="bg1"/>
-              </a:solidFill>
-            </a:endParaRPr>
+              <a:t>Available for multiple platforms</a:t>
+            </a:r>
           </a:p>
           <a:p>
             <a:pPr marL="285750" indent="-285750">
@@ -18794,11 +21421,6 @@
               </a:rPr>
               <a:t>Results:</a:t>
             </a:r>
-            <a:endParaRPr lang="en-US" dirty="0" smtClean="0">
-              <a:solidFill>
-                <a:schemeClr val="bg1"/>
-              </a:solidFill>
-            </a:endParaRPr>
           </a:p>
           <a:p>
             <a:pPr marL="285750" indent="-285750">
@@ -19815,7 +22437,7 @@
 </p:sld>
 </file>
 
-<file path=ppt/slides/slide6.xml><?xml version="1.0" encoding="utf-8"?>
+<file path=ppt/slides/slide7.xml><?xml version="1.0" encoding="utf-8"?>
 <p:sld xmlns:a="http://schemas.openxmlformats.org/drawingml/2006/main" xmlns:r="http://schemas.openxmlformats.org/officeDocument/2006/relationships" xmlns:p="http://schemas.openxmlformats.org/presentationml/2006/main">
   <p:cSld>
     <p:spTree>
@@ -20169,7 +22791,266 @@
 </p:sld>
 </file>
 
-<file path=ppt/slides/slide7.xml><?xml version="1.0" encoding="utf-8"?>
+<file path=ppt/slides/slide8.xml><?xml version="1.0" encoding="utf-8"?>
+<p:sld xmlns:a="http://schemas.openxmlformats.org/drawingml/2006/main" xmlns:r="http://schemas.openxmlformats.org/officeDocument/2006/relationships" xmlns:p="http://schemas.openxmlformats.org/presentationml/2006/main">
+  <p:cSld>
+    <p:spTree>
+      <p:nvGrpSpPr>
+        <p:cNvPr id="1" name=""/>
+        <p:cNvGrpSpPr/>
+        <p:nvPr/>
+      </p:nvGrpSpPr>
+      <p:grpSpPr>
+        <a:xfrm>
+          <a:off x="0" y="0"/>
+          <a:ext cx="0" cy="0"/>
+          <a:chOff x="0" y="0"/>
+          <a:chExt cx="0" cy="0"/>
+        </a:xfrm>
+      </p:grpSpPr>
+      <p:sp>
+        <p:nvSpPr>
+          <p:cNvPr id="3" name="Title 2"/>
+          <p:cNvSpPr>
+            <a:spLocks noGrp="1"/>
+          </p:cNvSpPr>
+          <p:nvPr>
+            <p:ph type="title"/>
+          </p:nvPr>
+        </p:nvSpPr>
+        <p:spPr>
+          <a:xfrm>
+            <a:off x="3429000" y="152400"/>
+            <a:ext cx="2073348" cy="609600"/>
+          </a:xfrm>
+        </p:spPr>
+        <p:txBody>
+          <a:bodyPr>
+            <a:normAutofit/>
+          </a:bodyPr>
+          <a:lstStyle/>
+          <a:p>
+            <a:pPr algn="ctr"/>
+            <a:r>
+              <a:rPr lang="en-US" sz="2500" dirty="0" smtClean="0"/>
+              <a:t>About me</a:t>
+            </a:r>
+            <a:endParaRPr lang="en-US" sz="2500" dirty="0"/>
+          </a:p>
+        </p:txBody>
+      </p:sp>
+      <p:sp>
+        <p:nvSpPr>
+          <p:cNvPr id="4" name="TextBox 3"/>
+          <p:cNvSpPr txBox="1"/>
+          <p:nvPr/>
+        </p:nvSpPr>
+        <p:spPr>
+          <a:xfrm>
+            <a:off x="457200" y="1143000"/>
+            <a:ext cx="7924800" cy="5293757"/>
+          </a:xfrm>
+          <a:prstGeom prst="rect">
+            <a:avLst/>
+          </a:prstGeom>
+          <a:noFill/>
+        </p:spPr>
+        <p:txBody>
+          <a:bodyPr wrap="square" rtlCol="0">
+            <a:spAutoFit/>
+          </a:bodyPr>
+          <a:lstStyle/>
+          <a:p>
+            <a:r>
+              <a:rPr lang="en-US" sz="2600" b="1" dirty="0" smtClean="0">
+                <a:solidFill>
+                  <a:schemeClr val="bg1"/>
+                </a:solidFill>
+              </a:rPr>
+              <a:t>Senior Developer for The SAVO Group </a:t>
+            </a:r>
+            <a:r>
+              <a:rPr lang="en-US" sz="2600" dirty="0" smtClean="0">
+                <a:solidFill>
+                  <a:schemeClr val="bg1"/>
+                </a:solidFill>
+              </a:rPr>
+              <a:t>– 5 years</a:t>
+            </a:r>
+          </a:p>
+          <a:p>
+            <a:pPr marL="742950" lvl="1" indent="-285750">
+              <a:buFont typeface="Arial" panose="020B0604020202020204" pitchFamily="34" charset="0"/>
+              <a:buChar char="•"/>
+            </a:pPr>
+            <a:r>
+              <a:rPr lang="en-US" sz="2600" dirty="0" smtClean="0">
+                <a:solidFill>
+                  <a:schemeClr val="bg1"/>
+                </a:solidFill>
+              </a:rPr>
+              <a:t>Sales Productivity SaaS</a:t>
+            </a:r>
+          </a:p>
+          <a:p>
+            <a:pPr marL="742950" lvl="1" indent="-285750">
+              <a:buFont typeface="Arial" panose="020B0604020202020204" pitchFamily="34" charset="0"/>
+              <a:buChar char="•"/>
+            </a:pPr>
+            <a:r>
+              <a:rPr lang="en-US" sz="2600" dirty="0" smtClean="0">
+                <a:solidFill>
+                  <a:schemeClr val="bg1"/>
+                </a:solidFill>
+              </a:rPr>
+              <a:t>Backend .NET C# development: user/document automation, tools</a:t>
+            </a:r>
+          </a:p>
+          <a:p>
+            <a:pPr marL="742950" lvl="1" indent="-285750">
+              <a:buFont typeface="Arial" panose="020B0604020202020204" pitchFamily="34" charset="0"/>
+              <a:buChar char="•"/>
+            </a:pPr>
+            <a:endParaRPr lang="en-US" sz="2600" dirty="0" smtClean="0">
+              <a:solidFill>
+                <a:schemeClr val="bg1"/>
+              </a:solidFill>
+            </a:endParaRPr>
+          </a:p>
+          <a:p>
+            <a:r>
+              <a:rPr lang="en-US" sz="2600" b="1" dirty="0" smtClean="0">
+                <a:solidFill>
+                  <a:schemeClr val="bg1"/>
+                </a:solidFill>
+              </a:rPr>
+              <a:t>Mobile app development for Netkosoft </a:t>
+            </a:r>
+            <a:r>
+              <a:rPr lang="en-US" sz="2600" dirty="0" smtClean="0">
+                <a:solidFill>
+                  <a:schemeClr val="bg1"/>
+                </a:solidFill>
+              </a:rPr>
+              <a:t>– 1 year</a:t>
+            </a:r>
+          </a:p>
+          <a:p>
+            <a:pPr marL="742950" lvl="1" indent="-285750">
+              <a:buFont typeface="Arial" panose="020B0604020202020204" pitchFamily="34" charset="0"/>
+              <a:buChar char="•"/>
+            </a:pPr>
+            <a:r>
+              <a:rPr lang="en-US" sz="2600" dirty="0" smtClean="0">
+                <a:solidFill>
+                  <a:schemeClr val="bg1"/>
+                </a:solidFill>
+              </a:rPr>
+              <a:t>Focus on front-end development</a:t>
+            </a:r>
+          </a:p>
+          <a:p>
+            <a:pPr marL="742950" lvl="1" indent="-285750">
+              <a:buFont typeface="Arial" panose="020B0604020202020204" pitchFamily="34" charset="0"/>
+              <a:buChar char="•"/>
+            </a:pPr>
+            <a:r>
+              <a:rPr lang="en-US" sz="2600" dirty="0" smtClean="0">
+                <a:solidFill>
+                  <a:schemeClr val="bg1"/>
+                </a:solidFill>
+              </a:rPr>
+              <a:t>Entirely PhoneGap-based, Hybrid apps</a:t>
+            </a:r>
+          </a:p>
+          <a:p>
+            <a:pPr marL="742950" lvl="1" indent="-285750">
+              <a:buFont typeface="Arial" panose="020B0604020202020204" pitchFamily="34" charset="0"/>
+              <a:buChar char="•"/>
+            </a:pPr>
+            <a:r>
+              <a:rPr lang="en-US" sz="2600" dirty="0" smtClean="0">
+                <a:solidFill>
+                  <a:schemeClr val="bg1"/>
+                </a:solidFill>
+              </a:rPr>
+              <a:t>Team of Two (Partnered with Graphic Designer)</a:t>
+            </a:r>
+          </a:p>
+          <a:p>
+            <a:pPr marL="742950" lvl="1" indent="-285750">
+              <a:buFont typeface="Arial" panose="020B0604020202020204" pitchFamily="34" charset="0"/>
+              <a:buChar char="•"/>
+            </a:pPr>
+            <a:endParaRPr lang="en-US" sz="2600" dirty="0">
+              <a:solidFill>
+                <a:schemeClr val="bg1"/>
+              </a:solidFill>
+            </a:endParaRPr>
+          </a:p>
+          <a:p>
+            <a:r>
+              <a:rPr lang="en-US" sz="2600" b="1" dirty="0" smtClean="0">
+                <a:solidFill>
+                  <a:schemeClr val="bg1"/>
+                </a:solidFill>
+              </a:rPr>
+              <a:t>Netkow.com Blog</a:t>
+            </a:r>
+            <a:endParaRPr lang="en-US" sz="2600" dirty="0">
+              <a:solidFill>
+                <a:schemeClr val="bg1"/>
+              </a:solidFill>
+            </a:endParaRPr>
+          </a:p>
+          <a:p>
+            <a:pPr marL="742950" lvl="1" indent="-285750">
+              <a:buFont typeface="Arial" panose="020B0604020202020204" pitchFamily="34" charset="0"/>
+              <a:buChar char="•"/>
+            </a:pPr>
+            <a:r>
+              <a:rPr lang="en-US" sz="2600" dirty="0" smtClean="0">
+                <a:solidFill>
+                  <a:schemeClr val="bg1"/>
+                </a:solidFill>
+              </a:rPr>
+              <a:t>Technology trends, programming, PhoneGap</a:t>
+            </a:r>
+          </a:p>
+          <a:p>
+            <a:pPr marL="285750" indent="-285750">
+              <a:buFont typeface="Arial" panose="020B0604020202020204" pitchFamily="34" charset="0"/>
+              <a:buChar char="•"/>
+            </a:pPr>
+            <a:endParaRPr lang="en-US" sz="2600" dirty="0">
+              <a:solidFill>
+                <a:schemeClr val="bg1"/>
+              </a:solidFill>
+            </a:endParaRPr>
+          </a:p>
+        </p:txBody>
+      </p:sp>
+    </p:spTree>
+    <p:extLst>
+      <p:ext uri="{BB962C8B-B14F-4D97-AF65-F5344CB8AC3E}">
+        <p14:creationId xmlns:p14="http://schemas.microsoft.com/office/powerpoint/2010/main" val="1034644854"/>
+      </p:ext>
+    </p:extLst>
+  </p:cSld>
+  <p:clrMapOvr>
+    <a:masterClrMapping/>
+  </p:clrMapOvr>
+  <p:timing>
+    <p:tnLst>
+      <p:par>
+        <p:cTn id="1" dur="indefinite" restart="never" nodeType="tmRoot"/>
+      </p:par>
+    </p:tnLst>
+  </p:timing>
+</p:sld>
+</file>
+
+<file path=ppt/slides/slide9.xml><?xml version="1.0" encoding="utf-8"?>
 <p:sld xmlns:a="http://schemas.openxmlformats.org/drawingml/2006/main" xmlns:r="http://schemas.openxmlformats.org/officeDocument/2006/relationships" xmlns:p="http://schemas.openxmlformats.org/presentationml/2006/main">
   <p:cSld>
     <p:spTree>
@@ -20291,804 +23172,10 @@
           </a:p>
         </p:txBody>
       </p:sp>
-      <p:sp>
-        <p:nvSpPr>
-          <p:cNvPr id="4" name="Right Arrow 3"/>
-          <p:cNvSpPr/>
-          <p:nvPr/>
-        </p:nvSpPr>
-        <p:spPr>
-          <a:xfrm>
-            <a:off x="38100" y="1329871"/>
-            <a:ext cx="904969" cy="381000"/>
-          </a:xfrm>
-          <a:prstGeom prst="rightArrow">
-            <a:avLst/>
-          </a:prstGeom>
-          <a:solidFill>
-            <a:srgbClr val="FF0000"/>
-          </a:solidFill>
-        </p:spPr>
-        <p:style>
-          <a:lnRef idx="2">
-            <a:schemeClr val="accent1">
-              <a:shade val="50000"/>
-            </a:schemeClr>
-          </a:lnRef>
-          <a:fillRef idx="1">
-            <a:schemeClr val="accent1"/>
-          </a:fillRef>
-          <a:effectRef idx="0">
-            <a:schemeClr val="accent1"/>
-          </a:effectRef>
-          <a:fontRef idx="minor">
-            <a:schemeClr val="lt1"/>
-          </a:fontRef>
-        </p:style>
-        <p:txBody>
-          <a:bodyPr rtlCol="0" anchor="ctr"/>
-          <a:lstStyle/>
-          <a:p>
-            <a:pPr algn="ctr"/>
-            <a:endParaRPr lang="en-US"/>
-          </a:p>
-        </p:txBody>
-      </p:sp>
-      <p:sp>
-        <p:nvSpPr>
-          <p:cNvPr id="6" name="Right Arrow 5"/>
-          <p:cNvSpPr/>
-          <p:nvPr/>
-        </p:nvSpPr>
-        <p:spPr>
-          <a:xfrm>
-            <a:off x="5410200" y="4572000"/>
-            <a:ext cx="904969" cy="381000"/>
-          </a:xfrm>
-          <a:prstGeom prst="rightArrow">
-            <a:avLst/>
-          </a:prstGeom>
-          <a:solidFill>
-            <a:srgbClr val="FF0000"/>
-          </a:solidFill>
-        </p:spPr>
-        <p:style>
-          <a:lnRef idx="2">
-            <a:schemeClr val="accent1">
-              <a:shade val="50000"/>
-            </a:schemeClr>
-          </a:lnRef>
-          <a:fillRef idx="1">
-            <a:schemeClr val="accent1"/>
-          </a:fillRef>
-          <a:effectRef idx="0">
-            <a:schemeClr val="accent1"/>
-          </a:effectRef>
-          <a:fontRef idx="minor">
-            <a:schemeClr val="lt1"/>
-          </a:fontRef>
-        </p:style>
-        <p:txBody>
-          <a:bodyPr rtlCol="0" anchor="ctr"/>
-          <a:lstStyle/>
-          <a:p>
-            <a:pPr algn="ctr"/>
-            <a:endParaRPr lang="en-US"/>
-          </a:p>
-        </p:txBody>
-      </p:sp>
-      <p:sp>
-        <p:nvSpPr>
-          <p:cNvPr id="7" name="Right Arrow 6"/>
-          <p:cNvSpPr/>
-          <p:nvPr/>
-        </p:nvSpPr>
-        <p:spPr>
-          <a:xfrm>
-            <a:off x="5638800" y="1329871"/>
-            <a:ext cx="904969" cy="381000"/>
-          </a:xfrm>
-          <a:prstGeom prst="rightArrow">
-            <a:avLst/>
-          </a:prstGeom>
-          <a:solidFill>
-            <a:srgbClr val="FF0000"/>
-          </a:solidFill>
-        </p:spPr>
-        <p:style>
-          <a:lnRef idx="2">
-            <a:schemeClr val="accent1">
-              <a:shade val="50000"/>
-            </a:schemeClr>
-          </a:lnRef>
-          <a:fillRef idx="1">
-            <a:schemeClr val="accent1"/>
-          </a:fillRef>
-          <a:effectRef idx="0">
-            <a:schemeClr val="accent1"/>
-          </a:effectRef>
-          <a:fontRef idx="minor">
-            <a:schemeClr val="lt1"/>
-          </a:fontRef>
-        </p:style>
-        <p:txBody>
-          <a:bodyPr rtlCol="0" anchor="ctr"/>
-          <a:lstStyle/>
-          <a:p>
-            <a:pPr algn="ctr"/>
-            <a:endParaRPr lang="en-US"/>
-          </a:p>
-        </p:txBody>
-      </p:sp>
     </p:spTree>
     <p:extLst>
       <p:ext uri="{BB962C8B-B14F-4D97-AF65-F5344CB8AC3E}">
         <p14:creationId xmlns:p14="http://schemas.microsoft.com/office/powerpoint/2010/main" val="1553000137"/>
-      </p:ext>
-    </p:extLst>
-  </p:cSld>
-  <p:clrMapOvr>
-    <a:masterClrMapping/>
-  </p:clrMapOvr>
-  <p:timing>
-    <p:tnLst>
-      <p:par>
-        <p:cTn id="1" dur="indefinite" restart="never" nodeType="tmRoot">
-          <p:childTnLst>
-            <p:seq concurrent="1" nextAc="seek">
-              <p:cTn id="2" dur="indefinite" nodeType="mainSeq">
-                <p:childTnLst>
-                  <p:par>
-                    <p:cTn id="3" fill="hold">
-                      <p:stCondLst>
-                        <p:cond delay="indefinite"/>
-                      </p:stCondLst>
-                      <p:childTnLst>
-                        <p:par>
-                          <p:cTn id="4" fill="hold">
-                            <p:stCondLst>
-                              <p:cond delay="0"/>
-                            </p:stCondLst>
-                            <p:childTnLst>
-                              <p:par>
-                                <p:cTn id="5" presetID="10" presetClass="entr" presetSubtype="0" fill="hold" grpId="0" nodeType="clickEffect">
-                                  <p:stCondLst>
-                                    <p:cond delay="0"/>
-                                  </p:stCondLst>
-                                  <p:childTnLst>
-                                    <p:set>
-                                      <p:cBhvr>
-                                        <p:cTn id="6" dur="1" fill="hold">
-                                          <p:stCondLst>
-                                            <p:cond delay="0"/>
-                                          </p:stCondLst>
-                                        </p:cTn>
-                                        <p:tgtEl>
-                                          <p:spTgt spid="4"/>
-                                        </p:tgtEl>
-                                        <p:attrNameLst>
-                                          <p:attrName>style.visibility</p:attrName>
-                                        </p:attrNameLst>
-                                      </p:cBhvr>
-                                      <p:to>
-                                        <p:strVal val="visible"/>
-                                      </p:to>
-                                    </p:set>
-                                    <p:animEffect transition="in" filter="fade">
-                                      <p:cBhvr>
-                                        <p:cTn id="7" dur="500"/>
-                                        <p:tgtEl>
-                                          <p:spTgt spid="4"/>
-                                        </p:tgtEl>
-                                      </p:cBhvr>
-                                    </p:animEffect>
-                                  </p:childTnLst>
-                                  <p:subTnLst>
-                                    <p:set>
-                                      <p:cBhvr override="childStyle">
-                                        <p:cTn dur="1" fill="hold" display="0" masterRel="nextClick" afterEffect="1"/>
-                                        <p:tgtEl>
-                                          <p:spTgt spid="4"/>
-                                        </p:tgtEl>
-                                        <p:attrNameLst>
-                                          <p:attrName>style.visibility</p:attrName>
-                                        </p:attrNameLst>
-                                      </p:cBhvr>
-                                      <p:to>
-                                        <p:strVal val="hidden"/>
-                                      </p:to>
-                                    </p:set>
-                                  </p:subTnLst>
-                                </p:cTn>
-                              </p:par>
-                            </p:childTnLst>
-                          </p:cTn>
-                        </p:par>
-                      </p:childTnLst>
-                    </p:cTn>
-                  </p:par>
-                  <p:par>
-                    <p:cTn id="8" fill="hold">
-                      <p:stCondLst>
-                        <p:cond delay="indefinite"/>
-                      </p:stCondLst>
-                      <p:childTnLst>
-                        <p:par>
-                          <p:cTn id="9" fill="hold">
-                            <p:stCondLst>
-                              <p:cond delay="0"/>
-                            </p:stCondLst>
-                            <p:childTnLst>
-                              <p:par>
-                                <p:cTn id="10" presetID="10" presetClass="entr" presetSubtype="0" fill="hold" grpId="0" nodeType="clickEffect">
-                                  <p:stCondLst>
-                                    <p:cond delay="0"/>
-                                  </p:stCondLst>
-                                  <p:childTnLst>
-                                    <p:set>
-                                      <p:cBhvr>
-                                        <p:cTn id="11" dur="1" fill="hold">
-                                          <p:stCondLst>
-                                            <p:cond delay="0"/>
-                                          </p:stCondLst>
-                                        </p:cTn>
-                                        <p:tgtEl>
-                                          <p:spTgt spid="6"/>
-                                        </p:tgtEl>
-                                        <p:attrNameLst>
-                                          <p:attrName>style.visibility</p:attrName>
-                                        </p:attrNameLst>
-                                      </p:cBhvr>
-                                      <p:to>
-                                        <p:strVal val="visible"/>
-                                      </p:to>
-                                    </p:set>
-                                    <p:animEffect transition="in" filter="fade">
-                                      <p:cBhvr>
-                                        <p:cTn id="12" dur="500"/>
-                                        <p:tgtEl>
-                                          <p:spTgt spid="6"/>
-                                        </p:tgtEl>
-                                      </p:cBhvr>
-                                    </p:animEffect>
-                                  </p:childTnLst>
-                                  <p:subTnLst>
-                                    <p:set>
-                                      <p:cBhvr override="childStyle">
-                                        <p:cTn dur="1" fill="hold" display="0" masterRel="nextClick" afterEffect="1"/>
-                                        <p:tgtEl>
-                                          <p:spTgt spid="6"/>
-                                        </p:tgtEl>
-                                        <p:attrNameLst>
-                                          <p:attrName>style.visibility</p:attrName>
-                                        </p:attrNameLst>
-                                      </p:cBhvr>
-                                      <p:to>
-                                        <p:strVal val="hidden"/>
-                                      </p:to>
-                                    </p:set>
-                                  </p:subTnLst>
-                                </p:cTn>
-                              </p:par>
-                            </p:childTnLst>
-                          </p:cTn>
-                        </p:par>
-                      </p:childTnLst>
-                    </p:cTn>
-                  </p:par>
-                  <p:par>
-                    <p:cTn id="13" fill="hold">
-                      <p:stCondLst>
-                        <p:cond delay="indefinite"/>
-                      </p:stCondLst>
-                      <p:childTnLst>
-                        <p:par>
-                          <p:cTn id="14" fill="hold">
-                            <p:stCondLst>
-                              <p:cond delay="0"/>
-                            </p:stCondLst>
-                            <p:childTnLst>
-                              <p:par>
-                                <p:cTn id="15" presetID="10" presetClass="entr" presetSubtype="0" fill="hold" grpId="0" nodeType="clickEffect">
-                                  <p:stCondLst>
-                                    <p:cond delay="0"/>
-                                  </p:stCondLst>
-                                  <p:childTnLst>
-                                    <p:set>
-                                      <p:cBhvr>
-                                        <p:cTn id="16" dur="1" fill="hold">
-                                          <p:stCondLst>
-                                            <p:cond delay="0"/>
-                                          </p:stCondLst>
-                                        </p:cTn>
-                                        <p:tgtEl>
-                                          <p:spTgt spid="7"/>
-                                        </p:tgtEl>
-                                        <p:attrNameLst>
-                                          <p:attrName>style.visibility</p:attrName>
-                                        </p:attrNameLst>
-                                      </p:cBhvr>
-                                      <p:to>
-                                        <p:strVal val="visible"/>
-                                      </p:to>
-                                    </p:set>
-                                    <p:animEffect transition="in" filter="fade">
-                                      <p:cBhvr>
-                                        <p:cTn id="17" dur="500"/>
-                                        <p:tgtEl>
-                                          <p:spTgt spid="7"/>
-                                        </p:tgtEl>
-                                      </p:cBhvr>
-                                    </p:animEffect>
-                                  </p:childTnLst>
-                                </p:cTn>
-                              </p:par>
-                            </p:childTnLst>
-                          </p:cTn>
-                        </p:par>
-                      </p:childTnLst>
-                    </p:cTn>
-                  </p:par>
-                </p:childTnLst>
-              </p:cTn>
-              <p:prevCondLst>
-                <p:cond evt="onPrev" delay="0">
-                  <p:tgtEl>
-                    <p:sldTgt/>
-                  </p:tgtEl>
-                </p:cond>
-              </p:prevCondLst>
-              <p:nextCondLst>
-                <p:cond evt="onNext" delay="0">
-                  <p:tgtEl>
-                    <p:sldTgt/>
-                  </p:tgtEl>
-                </p:cond>
-              </p:nextCondLst>
-            </p:seq>
-          </p:childTnLst>
-        </p:cTn>
-      </p:par>
-    </p:tnLst>
-    <p:bldLst>
-      <p:bldP spid="4" grpId="0" animBg="1"/>
-      <p:bldP spid="6" grpId="0" animBg="1"/>
-      <p:bldP spid="7" grpId="0" animBg="1"/>
-    </p:bldLst>
-  </p:timing>
-</p:sld>
-</file>
-
-<file path=ppt/slides/slide8.xml><?xml version="1.0" encoding="utf-8"?>
-<p:sld xmlns:a="http://schemas.openxmlformats.org/drawingml/2006/main" xmlns:r="http://schemas.openxmlformats.org/officeDocument/2006/relationships" xmlns:p="http://schemas.openxmlformats.org/presentationml/2006/main">
-  <p:cSld>
-    <p:spTree>
-      <p:nvGrpSpPr>
-        <p:cNvPr id="1" name=""/>
-        <p:cNvGrpSpPr/>
-        <p:nvPr/>
-      </p:nvGrpSpPr>
-      <p:grpSpPr>
-        <a:xfrm>
-          <a:off x="0" y="0"/>
-          <a:ext cx="0" cy="0"/>
-          <a:chOff x="0" y="0"/>
-          <a:chExt cx="0" cy="0"/>
-        </a:xfrm>
-      </p:grpSpPr>
-      <p:sp>
-        <p:nvSpPr>
-          <p:cNvPr id="2" name="Content Placeholder 1"/>
-          <p:cNvSpPr>
-            <a:spLocks noGrp="1"/>
-          </p:cNvSpPr>
-          <p:nvPr>
-            <p:ph sz="quarter" idx="13"/>
-          </p:nvPr>
-        </p:nvSpPr>
-        <p:spPr>
-          <a:xfrm>
-            <a:off x="1371600" y="1447800"/>
-            <a:ext cx="7696200" cy="5334000"/>
-          </a:xfrm>
-        </p:spPr>
-        <p:txBody>
-          <a:bodyPr/>
-          <a:lstStyle/>
-          <a:p>
-            <a:pPr marL="0" indent="0">
-              <a:buNone/>
-            </a:pPr>
-            <a:r>
-              <a:rPr lang="en-US" dirty="0" smtClean="0"/>
-              <a:t>Use existing HTML5, CSS3, JavaScript knowledge </a:t>
-            </a:r>
-          </a:p>
-          <a:p>
-            <a:pPr lvl="1"/>
-            <a:r>
-              <a:rPr lang="en-US" dirty="0" smtClean="0"/>
-              <a:t>Native optional!</a:t>
-            </a:r>
-          </a:p>
-          <a:p>
-            <a:pPr marL="0" indent="0">
-              <a:buNone/>
-            </a:pPr>
-            <a:endParaRPr lang="en-US" dirty="0"/>
-          </a:p>
-          <a:p>
-            <a:pPr marL="0" indent="0">
-              <a:buNone/>
-            </a:pPr>
-            <a:r>
-              <a:rPr lang="en-US" dirty="0" smtClean="0"/>
-              <a:t>Full Capabilities: Device APIs</a:t>
-            </a:r>
-          </a:p>
-          <a:p>
-            <a:pPr marL="0" indent="0">
-              <a:buNone/>
-            </a:pPr>
-            <a:endParaRPr lang="en-US" dirty="0"/>
-          </a:p>
-          <a:p>
-            <a:pPr marL="0" indent="0">
-              <a:buNone/>
-            </a:pPr>
-            <a:r>
-              <a:rPr lang="en-US" dirty="0" smtClean="0"/>
-              <a:t>Multiple Platforms: iOS, Android, Windows Phone</a:t>
-            </a:r>
-          </a:p>
-          <a:p>
-            <a:pPr marL="0" indent="0">
-              <a:buNone/>
-            </a:pPr>
-            <a:endParaRPr lang="en-US" dirty="0"/>
-          </a:p>
-          <a:p>
-            <a:pPr marL="0" indent="0">
-              <a:buNone/>
-            </a:pPr>
-            <a:endParaRPr lang="en-US" dirty="0"/>
-          </a:p>
-        </p:txBody>
-      </p:sp>
-      <p:sp>
-        <p:nvSpPr>
-          <p:cNvPr id="3" name="Title 2"/>
-          <p:cNvSpPr>
-            <a:spLocks noGrp="1"/>
-          </p:cNvSpPr>
-          <p:nvPr>
-            <p:ph type="title"/>
-          </p:nvPr>
-        </p:nvSpPr>
-        <p:spPr/>
-        <p:txBody>
-          <a:bodyPr/>
-          <a:lstStyle/>
-          <a:p>
-            <a:r>
-              <a:rPr lang="en-US" dirty="0" smtClean="0"/>
-              <a:t>Why Hybrid? </a:t>
-            </a:r>
-            <a:r>
-              <a:rPr lang="en-US" i="1" dirty="0" smtClean="0"/>
-              <a:t>technology</a:t>
-            </a:r>
-            <a:endParaRPr lang="en-US" i="1" dirty="0"/>
-          </a:p>
-        </p:txBody>
-      </p:sp>
-      <p:pic>
-        <p:nvPicPr>
-          <p:cNvPr id="3074" name="Picture 2" descr="C:\Users\dotNetkow\AppData\Local\Microsoft\Windows\INetCache\IE\NAXYECB7\MC900441310[1].png"/>
-          <p:cNvPicPr>
-            <a:picLocks noChangeAspect="1" noChangeArrowheads="1"/>
-          </p:cNvPicPr>
-          <p:nvPr/>
-        </p:nvPicPr>
-        <p:blipFill>
-          <a:blip r:embed="rId2" cstate="print">
-            <a:extLst>
-              <a:ext uri="{28A0092B-C50C-407E-A947-70E740481C1C}">
-                <a14:useLocalDpi xmlns:a14="http://schemas.microsoft.com/office/drawing/2010/main" val="0"/>
-              </a:ext>
-            </a:extLst>
-          </a:blip>
-          <a:srcRect/>
-          <a:stretch>
-            <a:fillRect/>
-          </a:stretch>
-        </p:blipFill>
-        <p:spPr bwMode="auto">
-          <a:xfrm>
-            <a:off x="304800" y="1295400"/>
-            <a:ext cx="990600" cy="990600"/>
-          </a:xfrm>
-          <a:prstGeom prst="rect">
-            <a:avLst/>
-          </a:prstGeom>
-          <a:noFill/>
-          <a:extLst>
-            <a:ext uri="{909E8E84-426E-40DD-AFC4-6F175D3DCCD1}">
-              <a14:hiddenFill xmlns:a14="http://schemas.microsoft.com/office/drawing/2010/main">
-                <a:solidFill>
-                  <a:srgbClr val="FFFFFF"/>
-                </a:solidFill>
-              </a14:hiddenFill>
-            </a:ext>
-          </a:extLst>
-        </p:spPr>
-      </p:pic>
-      <p:pic>
-        <p:nvPicPr>
-          <p:cNvPr id="5" name="Picture 2" descr="C:\Users\dotNetkow\AppData\Local\Microsoft\Windows\INetCache\IE\NAXYECB7\MC900441310[1].png"/>
-          <p:cNvPicPr>
-            <a:picLocks noChangeAspect="1" noChangeArrowheads="1"/>
-          </p:cNvPicPr>
-          <p:nvPr/>
-        </p:nvPicPr>
-        <p:blipFill>
-          <a:blip r:embed="rId2" cstate="print">
-            <a:extLst>
-              <a:ext uri="{28A0092B-C50C-407E-A947-70E740481C1C}">
-                <a14:useLocalDpi xmlns:a14="http://schemas.microsoft.com/office/drawing/2010/main" val="0"/>
-              </a:ext>
-            </a:extLst>
-          </a:blip>
-          <a:srcRect/>
-          <a:stretch>
-            <a:fillRect/>
-          </a:stretch>
-        </p:blipFill>
-        <p:spPr bwMode="auto">
-          <a:xfrm>
-            <a:off x="323284" y="3318850"/>
-            <a:ext cx="990600" cy="990600"/>
-          </a:xfrm>
-          <a:prstGeom prst="rect">
-            <a:avLst/>
-          </a:prstGeom>
-          <a:noFill/>
-          <a:extLst>
-            <a:ext uri="{909E8E84-426E-40DD-AFC4-6F175D3DCCD1}">
-              <a14:hiddenFill xmlns:a14="http://schemas.microsoft.com/office/drawing/2010/main">
-                <a:solidFill>
-                  <a:srgbClr val="FFFFFF"/>
-                </a:solidFill>
-              </a14:hiddenFill>
-            </a:ext>
-          </a:extLst>
-        </p:spPr>
-      </p:pic>
-      <p:pic>
-        <p:nvPicPr>
-          <p:cNvPr id="6" name="Picture 2" descr="C:\Users\dotNetkow\AppData\Local\Microsoft\Windows\INetCache\IE\NAXYECB7\MC900441310[1].png"/>
-          <p:cNvPicPr>
-            <a:picLocks noChangeAspect="1" noChangeArrowheads="1"/>
-          </p:cNvPicPr>
-          <p:nvPr/>
-        </p:nvPicPr>
-        <p:blipFill>
-          <a:blip r:embed="rId2" cstate="print">
-            <a:extLst>
-              <a:ext uri="{28A0092B-C50C-407E-A947-70E740481C1C}">
-                <a14:useLocalDpi xmlns:a14="http://schemas.microsoft.com/office/drawing/2010/main" val="0"/>
-              </a:ext>
-            </a:extLst>
-          </a:blip>
-          <a:srcRect/>
-          <a:stretch>
-            <a:fillRect/>
-          </a:stretch>
-        </p:blipFill>
-        <p:spPr bwMode="auto">
-          <a:xfrm>
-            <a:off x="342900" y="4648200"/>
-            <a:ext cx="990600" cy="990600"/>
-          </a:xfrm>
-          <a:prstGeom prst="rect">
-            <a:avLst/>
-          </a:prstGeom>
-          <a:noFill/>
-          <a:extLst>
-            <a:ext uri="{909E8E84-426E-40DD-AFC4-6F175D3DCCD1}">
-              <a14:hiddenFill xmlns:a14="http://schemas.microsoft.com/office/drawing/2010/main">
-                <a:solidFill>
-                  <a:srgbClr val="FFFFFF"/>
-                </a:solidFill>
-              </a14:hiddenFill>
-            </a:ext>
-          </a:extLst>
-        </p:spPr>
-      </p:pic>
-    </p:spTree>
-    <p:extLst>
-      <p:ext uri="{BB962C8B-B14F-4D97-AF65-F5344CB8AC3E}">
-        <p14:creationId xmlns:p14="http://schemas.microsoft.com/office/powerpoint/2010/main" val="3961661780"/>
-      </p:ext>
-    </p:extLst>
-  </p:cSld>
-  <p:clrMapOvr>
-    <a:masterClrMapping/>
-  </p:clrMapOvr>
-  <p:timing>
-    <p:tnLst>
-      <p:par>
-        <p:cTn id="1" dur="indefinite" restart="never" nodeType="tmRoot"/>
-      </p:par>
-    </p:tnLst>
-  </p:timing>
-</p:sld>
-</file>
-
-<file path=ppt/slides/slide9.xml><?xml version="1.0" encoding="utf-8"?>
-<p:sld xmlns:a="http://schemas.openxmlformats.org/drawingml/2006/main" xmlns:r="http://schemas.openxmlformats.org/officeDocument/2006/relationships" xmlns:p="http://schemas.openxmlformats.org/presentationml/2006/main">
-  <p:cSld>
-    <p:spTree>
-      <p:nvGrpSpPr>
-        <p:cNvPr id="1" name=""/>
-        <p:cNvGrpSpPr/>
-        <p:nvPr/>
-      </p:nvGrpSpPr>
-      <p:grpSpPr>
-        <a:xfrm>
-          <a:off x="0" y="0"/>
-          <a:ext cx="0" cy="0"/>
-          <a:chOff x="0" y="0"/>
-          <a:chExt cx="0" cy="0"/>
-        </a:xfrm>
-      </p:grpSpPr>
-      <p:sp>
-        <p:nvSpPr>
-          <p:cNvPr id="2" name="Content Placeholder 1"/>
-          <p:cNvSpPr>
-            <a:spLocks noGrp="1"/>
-          </p:cNvSpPr>
-          <p:nvPr>
-            <p:ph sz="quarter" idx="13"/>
-          </p:nvPr>
-        </p:nvSpPr>
-        <p:spPr>
-          <a:xfrm>
-            <a:off x="685800" y="1143000"/>
-            <a:ext cx="7696200" cy="5562600"/>
-          </a:xfrm>
-        </p:spPr>
-        <p:txBody>
-          <a:bodyPr>
-            <a:normAutofit/>
-          </a:bodyPr>
-          <a:lstStyle/>
-          <a:p>
-            <a:pPr marL="0" indent="0">
-              <a:buNone/>
-            </a:pPr>
-            <a:r>
-              <a:rPr lang="en-US" i="0" dirty="0"/>
-              <a:t>Lower Cost: </a:t>
-            </a:r>
-          </a:p>
-          <a:p>
-            <a:pPr lvl="1"/>
-            <a:r>
-              <a:rPr lang="en-US" i="0" dirty="0"/>
-              <a:t>Single codebase</a:t>
-            </a:r>
-          </a:p>
-          <a:p>
-            <a:pPr lvl="1"/>
-            <a:r>
-              <a:rPr lang="en-US" i="0" dirty="0"/>
-              <a:t>Single technology stack</a:t>
-            </a:r>
-          </a:p>
-          <a:p>
-            <a:pPr lvl="1"/>
-            <a:r>
-              <a:rPr lang="en-US" i="0" dirty="0"/>
-              <a:t>Reuse business logic code</a:t>
-            </a:r>
-            <a:r>
-              <a:rPr lang="en-US" i="0" dirty="0" smtClean="0"/>
-              <a:t>*</a:t>
-            </a:r>
-            <a:endParaRPr lang="en-US" i="0" dirty="0"/>
-          </a:p>
-          <a:p>
-            <a:pPr marL="0" indent="0">
-              <a:buNone/>
-            </a:pPr>
-            <a:endParaRPr lang="en-US" i="0" dirty="0" smtClean="0"/>
-          </a:p>
-          <a:p>
-            <a:pPr marL="0" indent="0">
-              <a:buNone/>
-            </a:pPr>
-            <a:r>
-              <a:rPr lang="en-US" i="0" dirty="0" smtClean="0"/>
-              <a:t>This matters because:</a:t>
-            </a:r>
-          </a:p>
-          <a:p>
-            <a:pPr lvl="1"/>
-            <a:r>
-              <a:rPr lang="en-US" i="0" dirty="0" smtClean="0"/>
-              <a:t>BYOD </a:t>
-            </a:r>
-            <a:r>
-              <a:rPr lang="en-US" i="0" dirty="0"/>
-              <a:t>trend </a:t>
-            </a:r>
-            <a:r>
-              <a:rPr lang="en-US" i="0" dirty="0" smtClean="0"/>
-              <a:t>continues to gain momentum</a:t>
-            </a:r>
-          </a:p>
-          <a:p>
-            <a:pPr lvl="1"/>
-            <a:r>
-              <a:rPr lang="en-US" i="0" dirty="0" smtClean="0"/>
-              <a:t>Mobile/remote </a:t>
-            </a:r>
-            <a:r>
-              <a:rPr lang="en-US" i="0" dirty="0"/>
-              <a:t>work </a:t>
-            </a:r>
-            <a:r>
-              <a:rPr lang="en-US" i="0" dirty="0" smtClean="0"/>
-              <a:t>increasing across </a:t>
-            </a:r>
-            <a:r>
-              <a:rPr lang="en-US" i="0" dirty="0"/>
-              <a:t>many industries</a:t>
-            </a:r>
-          </a:p>
-          <a:p>
-            <a:pPr marL="0" indent="0">
-              <a:buNone/>
-            </a:pPr>
-            <a:endParaRPr lang="en-US" i="0" dirty="0" smtClean="0"/>
-          </a:p>
-          <a:p>
-            <a:endParaRPr lang="en-US" dirty="0"/>
-          </a:p>
-        </p:txBody>
-      </p:sp>
-      <p:sp>
-        <p:nvSpPr>
-          <p:cNvPr id="3" name="Title 2"/>
-          <p:cNvSpPr>
-            <a:spLocks noGrp="1"/>
-          </p:cNvSpPr>
-          <p:nvPr>
-            <p:ph type="title"/>
-          </p:nvPr>
-        </p:nvSpPr>
-        <p:spPr/>
-        <p:txBody>
-          <a:bodyPr/>
-          <a:lstStyle/>
-          <a:p>
-            <a:r>
-              <a:rPr lang="en-US" dirty="0" smtClean="0"/>
-              <a:t>Why hybrid? </a:t>
-            </a:r>
-            <a:r>
-              <a:rPr lang="en-US" i="1" dirty="0" smtClean="0"/>
-              <a:t>business</a:t>
-            </a:r>
-            <a:endParaRPr lang="en-US" i="1" dirty="0"/>
-          </a:p>
-        </p:txBody>
-      </p:sp>
-    </p:spTree>
-    <p:extLst>
-      <p:ext uri="{BB962C8B-B14F-4D97-AF65-F5344CB8AC3E}">
-        <p14:creationId xmlns:p14="http://schemas.microsoft.com/office/powerpoint/2010/main" val="845217067"/>
       </p:ext>
     </p:extLst>
   </p:cSld>

--- a/2014-08-11 That Conference - Hybrid Apps/Building PhoneGap Mobile App w KendoUI.pptx
+++ b/2014-08-11 That Conference - Hybrid Apps/Building PhoneGap Mobile App w KendoUI.pptx
@@ -50,7 +50,7 @@
     <p:sldId id="264" r:id="rId41"/>
     <p:sldId id="292" r:id="rId42"/>
   </p:sldIdLst>
-  <p:sldSz cx="9144000" cy="6858000" type="screen4x3"/>
+  <p:sldSz cx="9144000" cy="5143500" type="screen16x9"/>
   <p:notesSz cx="6858000" cy="9144000"/>
   <p:defaultTextStyle>
     <a:defPPr>
@@ -232,7 +232,7 @@
           <a:p>
             <a:fld id="{EC2BCC37-2920-4C1D-8057-51EE69B1718A}" type="datetimeFigureOut">
               <a:rPr lang="en-US" smtClean="0"/>
-              <a:t>8/7/2014</a:t>
+              <a:t>8/9/2014</a:t>
             </a:fld>
             <a:endParaRPr lang="en-US"/>
           </a:p>
@@ -250,8 +250,8 @@
         </p:nvSpPr>
         <p:spPr>
           <a:xfrm>
-            <a:off x="1143000" y="685800"/>
-            <a:ext cx="4572000" cy="3429000"/>
+            <a:off x="381000" y="685800"/>
+            <a:ext cx="6096000" cy="3429000"/>
           </a:xfrm>
           <a:prstGeom prst="rect">
             <a:avLst/>
@@ -527,7 +527,12 @@
             <p:ph type="sldImg"/>
           </p:nvPr>
         </p:nvSpPr>
-        <p:spPr/>
+        <p:spPr>
+          <a:xfrm>
+            <a:off x="381000" y="685800"/>
+            <a:ext cx="6096000" cy="3429000"/>
+          </a:xfrm>
+        </p:spPr>
       </p:sp>
       <p:sp>
         <p:nvSpPr>
@@ -544,14 +549,6 @@
           <a:bodyPr/>
           <a:lstStyle/>
           <a:p>
-            <a:r>
-              <a:rPr lang="en-US" dirty="0" smtClean="0"/>
-              <a:t>Why</a:t>
-            </a:r>
-            <a:r>
-              <a:rPr lang="en-US" baseline="0" dirty="0" smtClean="0"/>
-              <a:t> might this be? </a:t>
-            </a:r>
             <a:endParaRPr lang="en-US" dirty="0"/>
           </a:p>
         </p:txBody>
@@ -619,7 +616,12 @@
             <p:ph type="sldImg"/>
           </p:nvPr>
         </p:nvSpPr>
-        <p:spPr/>
+        <p:spPr>
+          <a:xfrm>
+            <a:off x="381000" y="685800"/>
+            <a:ext cx="6096000" cy="3429000"/>
+          </a:xfrm>
+        </p:spPr>
       </p:sp>
       <p:sp>
         <p:nvSpPr>
@@ -703,7 +705,12 @@
             <p:ph type="sldImg"/>
           </p:nvPr>
         </p:nvSpPr>
-        <p:spPr/>
+        <p:spPr>
+          <a:xfrm>
+            <a:off x="381000" y="685800"/>
+            <a:ext cx="6096000" cy="3429000"/>
+          </a:xfrm>
+        </p:spPr>
       </p:sp>
       <p:sp>
         <p:nvSpPr>
@@ -795,7 +802,12 @@
             <p:ph type="sldImg"/>
           </p:nvPr>
         </p:nvSpPr>
-        <p:spPr/>
+        <p:spPr>
+          <a:xfrm>
+            <a:off x="381000" y="685800"/>
+            <a:ext cx="6096000" cy="3429000"/>
+          </a:xfrm>
+        </p:spPr>
       </p:sp>
       <p:sp>
         <p:nvSpPr>
@@ -879,7 +891,12 @@
             <p:ph type="sldImg"/>
           </p:nvPr>
         </p:nvSpPr>
-        <p:spPr/>
+        <p:spPr>
+          <a:xfrm>
+            <a:off x="381000" y="685800"/>
+            <a:ext cx="6096000" cy="3429000"/>
+          </a:xfrm>
+        </p:spPr>
       </p:sp>
       <p:sp>
         <p:nvSpPr>
@@ -971,7 +988,12 @@
             <p:ph type="sldImg"/>
           </p:nvPr>
         </p:nvSpPr>
-        <p:spPr/>
+        <p:spPr>
+          <a:xfrm>
+            <a:off x="381000" y="685800"/>
+            <a:ext cx="6096000" cy="3429000"/>
+          </a:xfrm>
+        </p:spPr>
       </p:sp>
       <p:sp>
         <p:nvSpPr>
@@ -1055,7 +1077,12 @@
             <p:ph type="sldImg"/>
           </p:nvPr>
         </p:nvSpPr>
-        <p:spPr/>
+        <p:spPr>
+          <a:xfrm>
+            <a:off x="381000" y="685800"/>
+            <a:ext cx="6096000" cy="3429000"/>
+          </a:xfrm>
+        </p:spPr>
       </p:sp>
       <p:sp>
         <p:nvSpPr>
@@ -1078,22 +1105,21 @@
             </a:r>
             <a:r>
               <a:rPr lang="en-US" baseline="0" dirty="0" smtClean="0"/>
-              <a:t> you zip up your code and upload it here. The Build service starts running, takes only a few minutes tops. All selected app platforms are here. You can download each compiled app here, and load it onto a device.</a:t>
+              <a:t> you zip up your code and upload it here. The Build service starts running, takes only a few minutes tops. All selected app platforms are here. You can download each compiled </a:t>
+            </a:r>
+            <a:r>
+              <a:rPr lang="en-US" baseline="0" dirty="0" smtClean="0"/>
+              <a:t>app, </a:t>
+            </a:r>
+            <a:r>
+              <a:rPr lang="en-US" baseline="0" dirty="0" smtClean="0"/>
+              <a:t>and load it onto a device</a:t>
+            </a:r>
+            <a:r>
+              <a:rPr lang="en-US" baseline="0" dirty="0" smtClean="0"/>
+              <a:t>.</a:t>
             </a:r>
             <a:endParaRPr lang="en-US" dirty="0" smtClean="0"/>
-          </a:p>
-          <a:p>
-            <a:r>
-              <a:rPr lang="en-US" dirty="0" smtClean="0"/>
-              <a:t>TODO: prep</a:t>
-            </a:r>
-            <a:r>
-              <a:rPr lang="en-US" baseline="0" dirty="0" smtClean="0"/>
-              <a:t> other slides like this in case of No Internet</a:t>
-            </a:r>
-          </a:p>
-          <a:p>
-            <a:endParaRPr lang="en-US" dirty="0"/>
           </a:p>
         </p:txBody>
       </p:sp>
@@ -1160,7 +1186,12 @@
             <p:ph type="sldImg"/>
           </p:nvPr>
         </p:nvSpPr>
-        <p:spPr/>
+        <p:spPr>
+          <a:xfrm>
+            <a:off x="381000" y="685800"/>
+            <a:ext cx="6096000" cy="3429000"/>
+          </a:xfrm>
+        </p:spPr>
       </p:sp>
       <p:sp>
         <p:nvSpPr>
@@ -1252,7 +1283,12 @@
             <p:ph type="sldImg"/>
           </p:nvPr>
         </p:nvSpPr>
-        <p:spPr/>
+        <p:spPr>
+          <a:xfrm>
+            <a:off x="381000" y="685800"/>
+            <a:ext cx="6096000" cy="3429000"/>
+          </a:xfrm>
+        </p:spPr>
       </p:sp>
       <p:sp>
         <p:nvSpPr>
@@ -1336,7 +1372,12 @@
             <p:ph type="sldImg"/>
           </p:nvPr>
         </p:nvSpPr>
-        <p:spPr/>
+        <p:spPr>
+          <a:xfrm>
+            <a:off x="381000" y="685800"/>
+            <a:ext cx="6096000" cy="3429000"/>
+          </a:xfrm>
+        </p:spPr>
       </p:sp>
       <p:sp>
         <p:nvSpPr>
@@ -1420,7 +1461,12 @@
             <p:ph type="sldImg"/>
           </p:nvPr>
         </p:nvSpPr>
-        <p:spPr/>
+        <p:spPr>
+          <a:xfrm>
+            <a:off x="381000" y="685800"/>
+            <a:ext cx="6096000" cy="3429000"/>
+          </a:xfrm>
+        </p:spPr>
       </p:sp>
       <p:sp>
         <p:nvSpPr>
@@ -1504,7 +1550,12 @@
             <p:ph type="sldImg"/>
           </p:nvPr>
         </p:nvSpPr>
-        <p:spPr/>
+        <p:spPr>
+          <a:xfrm>
+            <a:off x="381000" y="685800"/>
+            <a:ext cx="6096000" cy="3429000"/>
+          </a:xfrm>
+        </p:spPr>
       </p:sp>
       <p:sp>
         <p:nvSpPr>
@@ -1590,8 +1641,8 @@
         </p:nvSpPr>
         <p:spPr>
           <a:xfrm>
-            <a:off x="1143000" y="685800"/>
-            <a:ext cx="4572000" cy="3429000"/>
+            <a:off x="381000" y="685800"/>
+            <a:ext cx="6096000" cy="3429000"/>
           </a:xfrm>
           <a:prstGeom prst="rect">
             <a:avLst/>
@@ -1686,7 +1737,12 @@
             <p:ph type="sldImg"/>
           </p:nvPr>
         </p:nvSpPr>
-        <p:spPr/>
+        <p:spPr>
+          <a:xfrm>
+            <a:off x="381000" y="685800"/>
+            <a:ext cx="6096000" cy="3429000"/>
+          </a:xfrm>
+        </p:spPr>
       </p:sp>
       <p:sp>
         <p:nvSpPr>
@@ -1703,10 +1759,6 @@
           <a:bodyPr/>
           <a:lstStyle/>
           <a:p>
-            <a:r>
-              <a:rPr lang="en-US" dirty="0" smtClean="0"/>
-              <a:t>Couple notes about me….</a:t>
-            </a:r>
             <a:endParaRPr lang="en-US" dirty="0"/>
           </a:p>
         </p:txBody>
@@ -1774,7 +1826,12 @@
             <p:ph type="sldImg"/>
           </p:nvPr>
         </p:nvSpPr>
-        <p:spPr/>
+        <p:spPr>
+          <a:xfrm>
+            <a:off x="381000" y="685800"/>
+            <a:ext cx="6096000" cy="3429000"/>
+          </a:xfrm>
+        </p:spPr>
       </p:sp>
       <p:sp>
         <p:nvSpPr>
@@ -1858,7 +1915,12 @@
             <p:ph type="sldImg"/>
           </p:nvPr>
         </p:nvSpPr>
-        <p:spPr/>
+        <p:spPr>
+          <a:xfrm>
+            <a:off x="381000" y="685800"/>
+            <a:ext cx="6096000" cy="3429000"/>
+          </a:xfrm>
+        </p:spPr>
       </p:sp>
       <p:sp>
         <p:nvSpPr>
@@ -1942,7 +2004,12 @@
             <p:ph type="sldImg"/>
           </p:nvPr>
         </p:nvSpPr>
-        <p:spPr/>
+        <p:spPr>
+          <a:xfrm>
+            <a:off x="381000" y="685800"/>
+            <a:ext cx="6096000" cy="3429000"/>
+          </a:xfrm>
+        </p:spPr>
       </p:sp>
       <p:sp>
         <p:nvSpPr>
@@ -2034,7 +2101,12 @@
             <p:ph type="sldImg"/>
           </p:nvPr>
         </p:nvSpPr>
-        <p:spPr/>
+        <p:spPr>
+          <a:xfrm>
+            <a:off x="381000" y="685800"/>
+            <a:ext cx="6096000" cy="3429000"/>
+          </a:xfrm>
+        </p:spPr>
       </p:sp>
       <p:sp>
         <p:nvSpPr>
@@ -2118,7 +2190,12 @@
             <p:ph type="sldImg"/>
           </p:nvPr>
         </p:nvSpPr>
-        <p:spPr/>
+        <p:spPr>
+          <a:xfrm>
+            <a:off x="381000" y="685800"/>
+            <a:ext cx="6096000" cy="3429000"/>
+          </a:xfrm>
+        </p:spPr>
       </p:sp>
       <p:sp>
         <p:nvSpPr>
@@ -2210,7 +2287,12 @@
             <p:ph type="sldImg"/>
           </p:nvPr>
         </p:nvSpPr>
-        <p:spPr/>
+        <p:spPr>
+          <a:xfrm>
+            <a:off x="381000" y="685800"/>
+            <a:ext cx="6096000" cy="3429000"/>
+          </a:xfrm>
+        </p:spPr>
       </p:sp>
       <p:sp>
         <p:nvSpPr>
@@ -2296,8 +2378,8 @@
         </p:nvSpPr>
         <p:spPr>
           <a:xfrm>
-            <a:off x="1066800" y="1406020"/>
-            <a:ext cx="6172199" cy="2251579"/>
+            <a:off x="1066801" y="1054516"/>
+            <a:ext cx="6172199" cy="1688684"/>
           </a:xfrm>
         </p:spPr>
         <p:txBody>
@@ -2330,8 +2412,8 @@
         </p:nvSpPr>
         <p:spPr>
           <a:xfrm>
-            <a:off x="1066800" y="3905864"/>
-            <a:ext cx="6172200" cy="1123336"/>
+            <a:off x="1066800" y="2929398"/>
+            <a:ext cx="6172200" cy="842502"/>
           </a:xfrm>
         </p:spPr>
         <p:txBody>
@@ -2451,8 +2533,8 @@
         </p:nvSpPr>
         <p:spPr>
           <a:xfrm>
-            <a:off x="7162800" y="189468"/>
-            <a:ext cx="1828800" cy="365125"/>
+            <a:off x="7162800" y="142101"/>
+            <a:ext cx="1828800" cy="273844"/>
           </a:xfrm>
           <a:prstGeom prst="rect">
             <a:avLst/>
@@ -2464,7 +2546,7 @@
           <a:p>
             <a:fld id="{34ED9B13-E5A7-4F15-9144-85834FFDF6F3}" type="datetimeFigureOut">
               <a:rPr lang="en-US" smtClean="0"/>
-              <a:t>8/7/2014</a:t>
+              <a:t>8/9/2014</a:t>
             </a:fld>
             <a:endParaRPr lang="en-US"/>
           </a:p>
@@ -2579,8 +2661,8 @@
         </p:nvSpPr>
         <p:spPr>
           <a:xfrm>
-            <a:off x="3454400" y="1554480"/>
-            <a:ext cx="4222308" cy="3886202"/>
+            <a:off x="3454400" y="1165860"/>
+            <a:ext cx="4222308" cy="2914652"/>
           </a:xfrm>
         </p:spPr>
         <p:txBody>
@@ -2636,8 +2718,8 @@
         </p:nvSpPr>
         <p:spPr>
           <a:xfrm>
-            <a:off x="7162800" y="189468"/>
-            <a:ext cx="1828800" cy="365125"/>
+            <a:off x="7162800" y="142101"/>
+            <a:ext cx="1828800" cy="273844"/>
           </a:xfrm>
           <a:prstGeom prst="rect">
             <a:avLst/>
@@ -2649,7 +2731,7 @@
           <a:p>
             <a:fld id="{34ED9B13-E5A7-4F15-9144-85834FFDF6F3}" type="datetimeFigureOut">
               <a:rPr lang="en-US" smtClean="0"/>
-              <a:t>8/7/2014</a:t>
+              <a:t>8/9/2014</a:t>
             </a:fld>
             <a:endParaRPr lang="en-US"/>
           </a:p>
@@ -2741,8 +2823,8 @@
         </p:nvSpPr>
         <p:spPr>
           <a:xfrm>
-            <a:off x="1069848" y="1554480"/>
-            <a:ext cx="2075688" cy="3886200"/>
+            <a:off x="1069848" y="1165860"/>
+            <a:ext cx="2075688" cy="2914650"/>
           </a:xfrm>
         </p:spPr>
         <p:txBody>
@@ -2769,8 +2851,8 @@
         </p:nvSpPr>
         <p:spPr>
           <a:xfrm>
-            <a:off x="3456432" y="1554480"/>
-            <a:ext cx="4224528" cy="3886200"/>
+            <a:off x="3456432" y="1165860"/>
+            <a:ext cx="4224528" cy="2914650"/>
           </a:xfrm>
         </p:spPr>
         <p:txBody>
@@ -2842,8 +2924,8 @@
         </p:nvSpPr>
         <p:spPr>
           <a:xfrm>
-            <a:off x="7162800" y="189468"/>
-            <a:ext cx="1828800" cy="365125"/>
+            <a:off x="7162800" y="142101"/>
+            <a:ext cx="1828800" cy="273844"/>
           </a:xfrm>
           <a:prstGeom prst="rect">
             <a:avLst/>
@@ -2855,7 +2937,7 @@
           <a:p>
             <a:fld id="{34ED9B13-E5A7-4F15-9144-85834FFDF6F3}" type="datetimeFigureOut">
               <a:rPr lang="en-US" smtClean="0"/>
-              <a:t>8/7/2014</a:t>
+              <a:t>8/9/2014</a:t>
             </a:fld>
             <a:endParaRPr lang="en-US"/>
           </a:p>
@@ -2947,8 +3029,8 @@
         </p:nvSpPr>
         <p:spPr>
           <a:xfrm>
-            <a:off x="1812727" y="1151930"/>
-            <a:ext cx="5518547" cy="2321719"/>
+            <a:off x="1812728" y="863948"/>
+            <a:ext cx="5518547" cy="1741289"/>
           </a:xfrm>
           <a:prstGeom prst="rect">
             <a:avLst/>
@@ -2980,8 +3062,8 @@
         </p:nvSpPr>
         <p:spPr>
           <a:xfrm>
-            <a:off x="1812727" y="3536156"/>
-            <a:ext cx="5518547" cy="794743"/>
+            <a:off x="1812728" y="2652118"/>
+            <a:ext cx="5518547" cy="596057"/>
           </a:xfrm>
           <a:prstGeom prst="rect">
             <a:avLst/>
@@ -3121,8 +3203,8 @@
         </p:nvSpPr>
         <p:spPr>
           <a:xfrm>
-            <a:off x="685800" y="1545336"/>
-            <a:ext cx="4224528" cy="3886200"/>
+            <a:off x="685800" y="1159002"/>
+            <a:ext cx="4224528" cy="2914650"/>
           </a:xfrm>
         </p:spPr>
         <p:txBody>
@@ -3185,8 +3267,8 @@
         </p:nvSpPr>
         <p:spPr>
           <a:xfrm>
-            <a:off x="7162800" y="189468"/>
-            <a:ext cx="1828800" cy="365125"/>
+            <a:off x="7162800" y="142101"/>
+            <a:ext cx="1828800" cy="273844"/>
           </a:xfrm>
           <a:prstGeom prst="rect">
             <a:avLst/>
@@ -3198,7 +3280,7 @@
           <a:p>
             <a:fld id="{34ED9B13-E5A7-4F15-9144-85834FFDF6F3}" type="datetimeFigureOut">
               <a:rPr lang="en-US" smtClean="0"/>
-              <a:t>8/7/2014</a:t>
+              <a:t>8/9/2014</a:t>
             </a:fld>
             <a:endParaRPr lang="en-US"/>
           </a:p>
@@ -3317,8 +3399,8 @@
         </p:nvSpPr>
         <p:spPr>
           <a:xfrm>
-            <a:off x="1069848" y="1472184"/>
-            <a:ext cx="6172200" cy="2130552"/>
+            <a:off x="1069848" y="1104138"/>
+            <a:ext cx="6172200" cy="1597914"/>
           </a:xfrm>
         </p:spPr>
         <p:txBody>
@@ -3351,8 +3433,8 @@
         </p:nvSpPr>
         <p:spPr>
           <a:xfrm>
-            <a:off x="1069848" y="3886200"/>
-            <a:ext cx="6172200" cy="914400"/>
+            <a:off x="1069848" y="2914650"/>
+            <a:ext cx="6172200" cy="685800"/>
           </a:xfrm>
         </p:spPr>
         <p:txBody>
@@ -3472,8 +3554,8 @@
         </p:nvSpPr>
         <p:spPr>
           <a:xfrm>
-            <a:off x="7162800" y="189468"/>
-            <a:ext cx="1828800" cy="365125"/>
+            <a:off x="7162800" y="142101"/>
+            <a:ext cx="1828800" cy="273844"/>
           </a:xfrm>
           <a:prstGeom prst="rect">
             <a:avLst/>
@@ -3485,7 +3567,7 @@
           <a:p>
             <a:fld id="{34ED9B13-E5A7-4F15-9144-85834FFDF6F3}" type="datetimeFigureOut">
               <a:rPr lang="en-US" smtClean="0"/>
-              <a:t>8/7/2014</a:t>
+              <a:t>8/9/2014</a:t>
             </a:fld>
             <a:endParaRPr lang="en-US"/>
           </a:p>
@@ -3577,8 +3659,8 @@
         </p:nvSpPr>
         <p:spPr>
           <a:xfrm>
-            <a:off x="493776" y="609600"/>
-            <a:ext cx="3616325" cy="1066800"/>
+            <a:off x="493777" y="457200"/>
+            <a:ext cx="3616325" cy="800100"/>
           </a:xfrm>
         </p:spPr>
         <p:txBody>
@@ -3605,8 +3687,8 @@
         </p:nvSpPr>
         <p:spPr>
           <a:xfrm>
-            <a:off x="4486998" y="1915859"/>
-            <a:ext cx="3646966" cy="2881426"/>
+            <a:off x="4486998" y="1436894"/>
+            <a:ext cx="3646966" cy="2161070"/>
           </a:xfrm>
         </p:spPr>
         <p:txBody>
@@ -3692,8 +3774,8 @@
         </p:nvSpPr>
         <p:spPr>
           <a:xfrm>
-            <a:off x="496754" y="1915881"/>
-            <a:ext cx="3639311" cy="2881398"/>
+            <a:off x="496755" y="1436911"/>
+            <a:ext cx="3639311" cy="2161049"/>
           </a:xfrm>
         </p:spPr>
         <p:txBody>
@@ -3779,8 +3861,8 @@
         </p:nvSpPr>
         <p:spPr>
           <a:xfrm>
-            <a:off x="7162800" y="189468"/>
-            <a:ext cx="1828800" cy="365125"/>
+            <a:off x="7162800" y="142101"/>
+            <a:ext cx="1828800" cy="273844"/>
           </a:xfrm>
           <a:prstGeom prst="rect">
             <a:avLst/>
@@ -3792,7 +3874,7 @@
           <a:p>
             <a:fld id="{34ED9B13-E5A7-4F15-9144-85834FFDF6F3}" type="datetimeFigureOut">
               <a:rPr lang="en-US" smtClean="0"/>
-              <a:t>8/7/2014</a:t>
+              <a:t>8/9/2014</a:t>
             </a:fld>
             <a:endParaRPr lang="en-US"/>
           </a:p>
@@ -3833,8 +3915,8 @@
         </p:nvSpPr>
         <p:spPr>
           <a:xfrm>
-            <a:off x="493776" y="6356350"/>
-            <a:ext cx="5102352" cy="365125"/>
+            <a:off x="493776" y="4767263"/>
+            <a:ext cx="5102352" cy="273844"/>
           </a:xfrm>
         </p:spPr>
         <p:txBody>
@@ -3889,8 +3971,8 @@
         </p:nvSpPr>
         <p:spPr>
           <a:xfrm>
-            <a:off x="493776" y="609600"/>
-            <a:ext cx="3615734" cy="1066799"/>
+            <a:off x="493776" y="457201"/>
+            <a:ext cx="3615734" cy="800099"/>
           </a:xfrm>
         </p:spPr>
         <p:txBody>
@@ -3921,8 +4003,8 @@
         </p:nvSpPr>
         <p:spPr>
           <a:xfrm>
-            <a:off x="495301" y="1916113"/>
-            <a:ext cx="3638550" cy="646112"/>
+            <a:off x="495301" y="1437085"/>
+            <a:ext cx="3638550" cy="484584"/>
           </a:xfrm>
         </p:spPr>
         <p:txBody>
@@ -3988,8 +4070,8 @@
         </p:nvSpPr>
         <p:spPr>
           <a:xfrm>
-            <a:off x="495300" y="2860676"/>
-            <a:ext cx="3638550" cy="2882899"/>
+            <a:off x="495300" y="2145508"/>
+            <a:ext cx="3638550" cy="2162174"/>
           </a:xfrm>
         </p:spPr>
         <p:txBody>
@@ -4075,8 +4157,8 @@
         </p:nvSpPr>
         <p:spPr>
           <a:xfrm>
-            <a:off x="4492625" y="1916113"/>
-            <a:ext cx="3660775" cy="646112"/>
+            <a:off x="4492626" y="1437085"/>
+            <a:ext cx="3660775" cy="484584"/>
           </a:xfrm>
         </p:spPr>
         <p:txBody>
@@ -4142,8 +4224,8 @@
         </p:nvSpPr>
         <p:spPr>
           <a:xfrm>
-            <a:off x="4492626" y="2860676"/>
-            <a:ext cx="3651250" cy="2882900"/>
+            <a:off x="4492626" y="2145507"/>
+            <a:ext cx="3651250" cy="2162175"/>
           </a:xfrm>
         </p:spPr>
         <p:txBody>
@@ -4229,8 +4311,8 @@
         </p:nvSpPr>
         <p:spPr>
           <a:xfrm>
-            <a:off x="7162800" y="189468"/>
-            <a:ext cx="1828800" cy="365125"/>
+            <a:off x="7162800" y="142101"/>
+            <a:ext cx="1828800" cy="273844"/>
           </a:xfrm>
           <a:prstGeom prst="rect">
             <a:avLst/>
@@ -4242,7 +4324,7 @@
           <a:p>
             <a:fld id="{34ED9B13-E5A7-4F15-9144-85834FFDF6F3}" type="datetimeFigureOut">
               <a:rPr lang="en-US" smtClean="0"/>
-              <a:t>8/7/2014</a:t>
+              <a:t>8/9/2014</a:t>
             </a:fld>
             <a:endParaRPr lang="en-US"/>
           </a:p>
@@ -4283,8 +4365,8 @@
         </p:nvSpPr>
         <p:spPr>
           <a:xfrm>
-            <a:off x="493776" y="6356350"/>
-            <a:ext cx="5102352" cy="365125"/>
+            <a:off x="493776" y="4767263"/>
+            <a:ext cx="5102352" cy="273844"/>
           </a:xfrm>
         </p:spPr>
         <p:txBody>
@@ -4339,8 +4421,8 @@
         </p:nvSpPr>
         <p:spPr>
           <a:xfrm>
-            <a:off x="7162800" y="1551543"/>
-            <a:ext cx="1828800" cy="365125"/>
+            <a:off x="7162800" y="1163658"/>
+            <a:ext cx="1828800" cy="273844"/>
           </a:xfrm>
           <a:prstGeom prst="rect">
             <a:avLst/>
@@ -4352,7 +4434,7 @@
           <a:p>
             <a:fld id="{34ED9B13-E5A7-4F15-9144-85834FFDF6F3}" type="datetimeFigureOut">
               <a:rPr lang="en-US" smtClean="0"/>
-              <a:t>8/7/2014</a:t>
+              <a:t>8/9/2014</a:t>
             </a:fld>
             <a:endParaRPr lang="en-US"/>
           </a:p>
@@ -4467,8 +4549,8 @@
         </p:nvSpPr>
         <p:spPr>
           <a:xfrm>
-            <a:off x="7162800" y="189468"/>
-            <a:ext cx="1828800" cy="365125"/>
+            <a:off x="7162800" y="142101"/>
+            <a:ext cx="1828800" cy="273844"/>
           </a:xfrm>
           <a:prstGeom prst="rect">
             <a:avLst/>
@@ -4480,7 +4562,7 @@
           <a:p>
             <a:fld id="{34ED9B13-E5A7-4F15-9144-85834FFDF6F3}" type="datetimeFigureOut">
               <a:rPr lang="en-US" smtClean="0"/>
-              <a:t>8/7/2014</a:t>
+              <a:t>8/9/2014</a:t>
             </a:fld>
             <a:endParaRPr lang="en-US"/>
           </a:p>
@@ -4572,8 +4654,8 @@
         </p:nvSpPr>
         <p:spPr>
           <a:xfrm>
-            <a:off x="4489450" y="1920876"/>
-            <a:ext cx="3654425" cy="2889249"/>
+            <a:off x="4489451" y="1440657"/>
+            <a:ext cx="3654425" cy="2166937"/>
           </a:xfrm>
         </p:spPr>
         <p:txBody>
@@ -4659,8 +4741,8 @@
         </p:nvSpPr>
         <p:spPr>
           <a:xfrm>
-            <a:off x="493776" y="606425"/>
-            <a:ext cx="3629025" cy="1041400"/>
+            <a:off x="493777" y="454819"/>
+            <a:ext cx="3629025" cy="781050"/>
           </a:xfrm>
         </p:spPr>
         <p:txBody>
@@ -4693,8 +4775,8 @@
         </p:nvSpPr>
         <p:spPr>
           <a:xfrm>
-            <a:off x="495300" y="1920875"/>
-            <a:ext cx="3629025" cy="1812925"/>
+            <a:off x="495301" y="1440657"/>
+            <a:ext cx="3629025" cy="1359694"/>
           </a:xfrm>
         </p:spPr>
         <p:txBody>
@@ -4760,8 +4842,8 @@
         </p:nvSpPr>
         <p:spPr>
           <a:xfrm>
-            <a:off x="7162800" y="189468"/>
-            <a:ext cx="1828800" cy="365125"/>
+            <a:off x="7162800" y="142101"/>
+            <a:ext cx="1828800" cy="273844"/>
           </a:xfrm>
           <a:prstGeom prst="rect">
             <a:avLst/>
@@ -4773,7 +4855,7 @@
           <a:p>
             <a:fld id="{34ED9B13-E5A7-4F15-9144-85834FFDF6F3}" type="datetimeFigureOut">
               <a:rPr lang="en-US" smtClean="0"/>
-              <a:t>8/7/2014</a:t>
+              <a:t>8/9/2014</a:t>
             </a:fld>
             <a:endParaRPr lang="en-US"/>
           </a:p>
@@ -4814,8 +4896,8 @@
         </p:nvSpPr>
         <p:spPr>
           <a:xfrm>
-            <a:off x="493776" y="6356350"/>
-            <a:ext cx="5102352" cy="365125"/>
+            <a:off x="493776" y="4767263"/>
+            <a:ext cx="5102352" cy="273844"/>
           </a:xfrm>
         </p:spPr>
         <p:txBody>
@@ -4870,8 +4952,8 @@
         </p:nvSpPr>
         <p:spPr>
           <a:xfrm>
-            <a:off x="493776" y="600074"/>
-            <a:ext cx="2074862" cy="1981201"/>
+            <a:off x="493776" y="450056"/>
+            <a:ext cx="2074862" cy="1485901"/>
           </a:xfrm>
           <a:ln>
             <a:noFill/>
@@ -4907,8 +4989,8 @@
         </p:nvSpPr>
         <p:spPr>
           <a:xfrm>
-            <a:off x="2963862" y="1650999"/>
-            <a:ext cx="5627687" cy="4220765"/>
+            <a:off x="2963863" y="1238250"/>
+            <a:ext cx="5627687" cy="3165574"/>
           </a:xfrm>
         </p:spPr>
         <p:txBody>
@@ -4972,8 +5054,8 @@
         </p:nvSpPr>
         <p:spPr>
           <a:xfrm>
-            <a:off x="2963862" y="614363"/>
-            <a:ext cx="3741738" cy="909637"/>
+            <a:off x="2963862" y="460773"/>
+            <a:ext cx="3741738" cy="682228"/>
           </a:xfrm>
         </p:spPr>
         <p:txBody>
@@ -5039,8 +5121,8 @@
         </p:nvSpPr>
         <p:spPr>
           <a:xfrm>
-            <a:off x="7162800" y="189468"/>
-            <a:ext cx="1828800" cy="365125"/>
+            <a:off x="7162800" y="142101"/>
+            <a:ext cx="1828800" cy="273844"/>
           </a:xfrm>
           <a:prstGeom prst="rect">
             <a:avLst/>
@@ -5052,7 +5134,7 @@
           <a:p>
             <a:fld id="{34ED9B13-E5A7-4F15-9144-85834FFDF6F3}" type="datetimeFigureOut">
               <a:rPr lang="en-US" smtClean="0"/>
-              <a:t>8/7/2014</a:t>
+              <a:t>8/9/2014</a:t>
             </a:fld>
             <a:endParaRPr lang="en-US"/>
           </a:p>
@@ -5093,8 +5175,8 @@
         </p:nvSpPr>
         <p:spPr>
           <a:xfrm>
-            <a:off x="493776" y="6356350"/>
-            <a:ext cx="5102352" cy="365125"/>
+            <a:off x="493776" y="4767263"/>
+            <a:ext cx="5102352" cy="273844"/>
           </a:xfrm>
         </p:spPr>
         <p:txBody>
@@ -5154,8 +5236,8 @@
         </p:nvSpPr>
         <p:spPr>
           <a:xfrm>
-            <a:off x="1828800" y="304800"/>
-            <a:ext cx="5562600" cy="838200"/>
+            <a:off x="1828800" y="228600"/>
+            <a:ext cx="5562600" cy="628650"/>
           </a:xfrm>
           <a:prstGeom prst="rect">
             <a:avLst/>
@@ -5187,8 +5269,8 @@
         </p:nvSpPr>
         <p:spPr>
           <a:xfrm>
-            <a:off x="609600" y="1547036"/>
-            <a:ext cx="7696200" cy="3886202"/>
+            <a:off x="609600" y="1160277"/>
+            <a:ext cx="7696200" cy="2914652"/>
           </a:xfrm>
           <a:prstGeom prst="rect">
             <a:avLst/>
@@ -5249,8 +5331,8 @@
         </p:nvSpPr>
         <p:spPr>
           <a:xfrm>
-            <a:off x="1066800" y="6019800"/>
-            <a:ext cx="5102352" cy="365125"/>
+            <a:off x="1066800" y="4514850"/>
+            <a:ext cx="5102352" cy="273844"/>
           </a:xfrm>
           <a:prstGeom prst="rect">
             <a:avLst/>
@@ -5284,8 +5366,8 @@
         </p:nvSpPr>
         <p:spPr>
           <a:xfrm>
-            <a:off x="7159752" y="6356350"/>
-            <a:ext cx="1137684" cy="365125"/>
+            <a:off x="7159752" y="4767263"/>
+            <a:ext cx="1137684" cy="273844"/>
           </a:xfrm>
           <a:prstGeom prst="rect">
             <a:avLst/>
@@ -5674,13 +5756,13 @@
         </p:nvSpPr>
         <p:spPr>
           <a:xfrm>
-            <a:off x="685800" y="1066800"/>
-            <a:ext cx="7772400" cy="5345668"/>
+            <a:off x="685800" y="800100"/>
+            <a:ext cx="7772400" cy="4009251"/>
           </a:xfrm>
         </p:spPr>
         <p:txBody>
           <a:bodyPr>
-            <a:normAutofit fontScale="92500" lnSpcReduction="10000"/>
+            <a:normAutofit fontScale="77500" lnSpcReduction="20000"/>
           </a:bodyPr>
           <a:lstStyle/>
           <a:p>
@@ -5688,8 +5770,12 @@
               <a:buNone/>
             </a:pPr>
             <a:r>
+              <a:rPr lang="en-US" sz="8000" i="0" dirty="0" smtClean="0"/>
+              <a:t>By </a:t>
+            </a:r>
+            <a:r>
               <a:rPr lang="en-US" sz="8000" i="0" dirty="0"/>
-              <a:t>By 2016, </a:t>
+              <a:t>2016, </a:t>
             </a:r>
             <a:r>
               <a:rPr lang="en-US" sz="8000" dirty="0" smtClean="0"/>
@@ -5717,7 +5803,11 @@
             </a:r>
             <a:r>
               <a:rPr lang="en-US" sz="8000" i="0" dirty="0" smtClean="0"/>
-              <a:t>hybrid.</a:t>
+              <a:t>hybrid</a:t>
+            </a:r>
+            <a:r>
+              <a:rPr lang="en-US" sz="8000" i="0" dirty="0" smtClean="0"/>
+              <a:t>.</a:t>
             </a:r>
             <a:endParaRPr lang="en-US" sz="8000" i="0" dirty="0"/>
           </a:p>
@@ -5766,8 +5856,8 @@
         </p:nvSpPr>
         <p:spPr>
           <a:xfrm>
-            <a:off x="0" y="6412468"/>
-            <a:ext cx="1752600" cy="369332"/>
+            <a:off x="0" y="4809351"/>
+            <a:ext cx="1752600" cy="246221"/>
           </a:xfrm>
           <a:prstGeom prst="rect">
             <a:avLst/>
@@ -5781,12 +5871,12 @@
           <a:lstStyle/>
           <a:p>
             <a:r>
-              <a:rPr lang="en-US" dirty="0">
+              <a:rPr lang="en-US" sz="1000" dirty="0">
                 <a:hlinkClick r:id="rId3"/>
               </a:rPr>
               <a:t>Gartner</a:t>
             </a:r>
-            <a:endParaRPr lang="en-US" dirty="0"/>
+            <a:endParaRPr lang="en-US" sz="1000" dirty="0"/>
           </a:p>
         </p:txBody>
       </p:sp>
@@ -5803,265 +5893,9 @@
   <p:timing>
     <p:tnLst>
       <p:par>
-        <p:cTn id="1" dur="indefinite" restart="never" nodeType="tmRoot">
-          <p:childTnLst>
-            <p:seq concurrent="1" nextAc="seek">
-              <p:cTn id="2" dur="indefinite" nodeType="mainSeq">
-                <p:childTnLst>
-                  <p:par>
-                    <p:cTn id="3" fill="hold">
-                      <p:stCondLst>
-                        <p:cond delay="indefinite"/>
-                      </p:stCondLst>
-                      <p:childTnLst>
-                        <p:par>
-                          <p:cTn id="4" fill="hold">
-                            <p:stCondLst>
-                              <p:cond delay="0"/>
-                            </p:stCondLst>
-                            <p:childTnLst>
-                              <p:par>
-                                <p:cTn id="5" presetID="42" presetClass="entr" presetSubtype="0" fill="hold" grpId="0" nodeType="clickEffect">
-                                  <p:stCondLst>
-                                    <p:cond delay="0"/>
-                                  </p:stCondLst>
-                                  <p:childTnLst>
-                                    <p:set>
-                                      <p:cBhvr>
-                                        <p:cTn id="6" dur="1" fill="hold">
-                                          <p:stCondLst>
-                                            <p:cond delay="0"/>
-                                          </p:stCondLst>
-                                        </p:cTn>
-                                        <p:tgtEl>
-                                          <p:spTgt spid="2">
-                                            <p:txEl>
-                                              <p:pRg st="0" end="0"/>
-                                            </p:txEl>
-                                          </p:spTgt>
-                                        </p:tgtEl>
-                                        <p:attrNameLst>
-                                          <p:attrName>style.visibility</p:attrName>
-                                        </p:attrNameLst>
-                                      </p:cBhvr>
-                                      <p:to>
-                                        <p:strVal val="visible"/>
-                                      </p:to>
-                                    </p:set>
-                                    <p:animEffect transition="in" filter="fade">
-                                      <p:cBhvr>
-                                        <p:cTn id="7" dur="1000"/>
-                                        <p:tgtEl>
-                                          <p:spTgt spid="2">
-                                            <p:txEl>
-                                              <p:pRg st="0" end="0"/>
-                                            </p:txEl>
-                                          </p:spTgt>
-                                        </p:tgtEl>
-                                      </p:cBhvr>
-                                    </p:animEffect>
-                                    <p:anim calcmode="lin" valueType="num">
-                                      <p:cBhvr>
-                                        <p:cTn id="8" dur="1000" fill="hold"/>
-                                        <p:tgtEl>
-                                          <p:spTgt spid="2">
-                                            <p:txEl>
-                                              <p:pRg st="0" end="0"/>
-                                            </p:txEl>
-                                          </p:spTgt>
-                                        </p:tgtEl>
-                                        <p:attrNameLst>
-                                          <p:attrName>ppt_x</p:attrName>
-                                        </p:attrNameLst>
-                                      </p:cBhvr>
-                                      <p:tavLst>
-                                        <p:tav tm="0">
-                                          <p:val>
-                                            <p:strVal val="#ppt_x"/>
-                                          </p:val>
-                                        </p:tav>
-                                        <p:tav tm="100000">
-                                          <p:val>
-                                            <p:strVal val="#ppt_x"/>
-                                          </p:val>
-                                        </p:tav>
-                                      </p:tavLst>
-                                    </p:anim>
-                                    <p:anim calcmode="lin" valueType="num">
-                                      <p:cBhvr>
-                                        <p:cTn id="9" dur="1000" fill="hold"/>
-                                        <p:tgtEl>
-                                          <p:spTgt spid="2">
-                                            <p:txEl>
-                                              <p:pRg st="0" end="0"/>
-                                            </p:txEl>
-                                          </p:spTgt>
-                                        </p:tgtEl>
-                                        <p:attrNameLst>
-                                          <p:attrName>ppt_y</p:attrName>
-                                        </p:attrNameLst>
-                                      </p:cBhvr>
-                                      <p:tavLst>
-                                        <p:tav tm="0">
-                                          <p:val>
-                                            <p:strVal val="#ppt_y+.1"/>
-                                          </p:val>
-                                        </p:tav>
-                                        <p:tav tm="100000">
-                                          <p:val>
-                                            <p:strVal val="#ppt_y"/>
-                                          </p:val>
-                                        </p:tav>
-                                      </p:tavLst>
-                                    </p:anim>
-                                  </p:childTnLst>
-                                </p:cTn>
-                              </p:par>
-                            </p:childTnLst>
-                          </p:cTn>
-                        </p:par>
-                      </p:childTnLst>
-                    </p:cTn>
-                  </p:par>
-                  <p:par>
-                    <p:cTn id="10" fill="hold">
-                      <p:stCondLst>
-                        <p:cond delay="indefinite"/>
-                      </p:stCondLst>
-                      <p:childTnLst>
-                        <p:par>
-                          <p:cTn id="11" fill="hold">
-                            <p:stCondLst>
-                              <p:cond delay="0"/>
-                            </p:stCondLst>
-                            <p:childTnLst>
-                              <p:par>
-                                <p:cTn id="12" presetID="42" presetClass="entr" presetSubtype="0" fill="hold" grpId="0" nodeType="clickEffect">
-                                  <p:stCondLst>
-                                    <p:cond delay="0"/>
-                                  </p:stCondLst>
-                                  <p:childTnLst>
-                                    <p:set>
-                                      <p:cBhvr>
-                                        <p:cTn id="13" dur="1" fill="hold">
-                                          <p:stCondLst>
-                                            <p:cond delay="0"/>
-                                          </p:stCondLst>
-                                        </p:cTn>
-                                        <p:tgtEl>
-                                          <p:spTgt spid="2">
-                                            <p:txEl>
-                                              <p:pRg st="2" end="2"/>
-                                            </p:txEl>
-                                          </p:spTgt>
-                                        </p:tgtEl>
-                                        <p:attrNameLst>
-                                          <p:attrName>style.visibility</p:attrName>
-                                        </p:attrNameLst>
-                                      </p:cBhvr>
-                                      <p:to>
-                                        <p:strVal val="visible"/>
-                                      </p:to>
-                                    </p:set>
-                                    <p:animEffect transition="in" filter="fade">
-                                      <p:cBhvr>
-                                        <p:cTn id="14" dur="1000"/>
-                                        <p:tgtEl>
-                                          <p:spTgt spid="2">
-                                            <p:txEl>
-                                              <p:pRg st="2" end="2"/>
-                                            </p:txEl>
-                                          </p:spTgt>
-                                        </p:tgtEl>
-                                      </p:cBhvr>
-                                    </p:animEffect>
-                                    <p:anim calcmode="lin" valueType="num">
-                                      <p:cBhvr>
-                                        <p:cTn id="15" dur="1000" fill="hold"/>
-                                        <p:tgtEl>
-                                          <p:spTgt spid="2">
-                                            <p:txEl>
-                                              <p:pRg st="2" end="2"/>
-                                            </p:txEl>
-                                          </p:spTgt>
-                                        </p:tgtEl>
-                                        <p:attrNameLst>
-                                          <p:attrName>ppt_x</p:attrName>
-                                        </p:attrNameLst>
-                                      </p:cBhvr>
-                                      <p:tavLst>
-                                        <p:tav tm="0">
-                                          <p:val>
-                                            <p:strVal val="#ppt_x"/>
-                                          </p:val>
-                                        </p:tav>
-                                        <p:tav tm="100000">
-                                          <p:val>
-                                            <p:strVal val="#ppt_x"/>
-                                          </p:val>
-                                        </p:tav>
-                                      </p:tavLst>
-                                    </p:anim>
-                                    <p:anim calcmode="lin" valueType="num">
-                                      <p:cBhvr>
-                                        <p:cTn id="16" dur="1000" fill="hold"/>
-                                        <p:tgtEl>
-                                          <p:spTgt spid="2">
-                                            <p:txEl>
-                                              <p:pRg st="2" end="2"/>
-                                            </p:txEl>
-                                          </p:spTgt>
-                                        </p:tgtEl>
-                                        <p:attrNameLst>
-                                          <p:attrName>ppt_y</p:attrName>
-                                        </p:attrNameLst>
-                                      </p:cBhvr>
-                                      <p:tavLst>
-                                        <p:tav tm="0">
-                                          <p:val>
-                                            <p:strVal val="#ppt_y+.1"/>
-                                          </p:val>
-                                        </p:tav>
-                                        <p:tav tm="100000">
-                                          <p:val>
-                                            <p:strVal val="#ppt_y"/>
-                                          </p:val>
-                                        </p:tav>
-                                      </p:tavLst>
-                                    </p:anim>
-                                  </p:childTnLst>
-                                </p:cTn>
-                              </p:par>
-                            </p:childTnLst>
-                          </p:cTn>
-                        </p:par>
-                      </p:childTnLst>
-                    </p:cTn>
-                  </p:par>
-                </p:childTnLst>
-              </p:cTn>
-              <p:prevCondLst>
-                <p:cond evt="onPrev" delay="0">
-                  <p:tgtEl>
-                    <p:sldTgt/>
-                  </p:tgtEl>
-                </p:cond>
-              </p:prevCondLst>
-              <p:nextCondLst>
-                <p:cond evt="onNext" delay="0">
-                  <p:tgtEl>
-                    <p:sldTgt/>
-                  </p:tgtEl>
-                </p:cond>
-              </p:nextCondLst>
-            </p:seq>
-          </p:childTnLst>
-        </p:cTn>
+        <p:cTn id="1" dur="indefinite" restart="never" nodeType="tmRoot"/>
       </p:par>
     </p:tnLst>
-    <p:bldLst>
-      <p:bldP spid="2" grpId="0" uiExpand="1" build="p"/>
-    </p:bldLst>
   </p:timing>
 </p:sld>
 </file>
@@ -6095,12 +5929,14 @@
         </p:nvSpPr>
         <p:spPr>
           <a:xfrm>
-            <a:off x="1066800" y="1447800"/>
-            <a:ext cx="7696200" cy="5334000"/>
+            <a:off x="1066800" y="1085850"/>
+            <a:ext cx="7696200" cy="4000500"/>
           </a:xfrm>
         </p:spPr>
         <p:txBody>
-          <a:bodyPr/>
+          <a:bodyPr>
+            <a:normAutofit fontScale="92500" lnSpcReduction="10000"/>
+          </a:bodyPr>
           <a:lstStyle/>
           <a:p>
             <a:pPr marL="0" indent="0">
@@ -6238,13 +6074,13 @@
         </p:nvSpPr>
         <p:spPr>
           <a:xfrm>
-            <a:off x="685800" y="1143000"/>
-            <a:ext cx="7696200" cy="5562600"/>
+            <a:off x="1219200" y="857250"/>
+            <a:ext cx="7696200" cy="4171950"/>
           </a:xfrm>
         </p:spPr>
         <p:txBody>
           <a:bodyPr>
-            <a:normAutofit/>
+            <a:normAutofit fontScale="92500" lnSpcReduction="10000"/>
           </a:bodyPr>
           <a:lstStyle/>
           <a:p>
@@ -6324,12 +6160,12 @@
               <a:t>Mobile/remote </a:t>
             </a:r>
             <a:r>
-              <a:rPr lang="en-US" i="0" dirty="0"/>
-              <a:t>work  </a:t>
-            </a:r>
-            <a:r>
               <a:rPr lang="en-US" i="0" dirty="0" smtClean="0"/>
-              <a:t>is increasing across multiple industries</a:t>
+              <a:t>work is </a:t>
+            </a:r>
+            <a:r>
+              <a:rPr lang="en-US" i="0" dirty="0" smtClean="0"/>
+              <a:t>increasing across multiple industries</a:t>
             </a:r>
             <a:endParaRPr lang="en-US" i="0" dirty="0"/>
           </a:p>
@@ -6420,13 +6256,13 @@
         </p:nvSpPr>
         <p:spPr>
           <a:xfrm>
-            <a:off x="685800" y="1219200"/>
-            <a:ext cx="7543800" cy="5084064"/>
+            <a:off x="685800" y="914400"/>
+            <a:ext cx="7543800" cy="3813048"/>
           </a:xfrm>
         </p:spPr>
         <p:txBody>
           <a:bodyPr>
-            <a:normAutofit/>
+            <a:normAutofit fontScale="92500" lnSpcReduction="20000"/>
           </a:bodyPr>
           <a:lstStyle/>
           <a:p>
@@ -6603,8 +6439,8 @@
         </p:nvSpPr>
         <p:spPr>
           <a:xfrm>
-            <a:off x="1828800" y="2286000"/>
-            <a:ext cx="5562600" cy="838200"/>
+            <a:off x="914400" y="1200150"/>
+            <a:ext cx="7620000" cy="2686050"/>
           </a:xfrm>
         </p:spPr>
         <p:txBody>
@@ -6614,10 +6450,10 @@
           <a:lstStyle/>
           <a:p>
             <a:r>
-              <a:rPr lang="en-US" sz="5500" dirty="0" smtClean="0"/>
+              <a:rPr lang="en-US" sz="7200" dirty="0" smtClean="0"/>
               <a:t>Creating a hybrid app</a:t>
             </a:r>
-            <a:endParaRPr lang="en-US" sz="5500" dirty="0"/>
+            <a:endParaRPr lang="en-US" sz="7200" dirty="0"/>
           </a:p>
         </p:txBody>
       </p:sp>
@@ -6670,13 +6506,13 @@
         </p:nvSpPr>
         <p:spPr>
           <a:xfrm>
-            <a:off x="685800" y="1545336"/>
-            <a:ext cx="4953000" cy="2493264"/>
+            <a:off x="990600" y="971550"/>
+            <a:ext cx="4953000" cy="1869948"/>
           </a:xfrm>
         </p:spPr>
         <p:txBody>
           <a:bodyPr>
-            <a:normAutofit/>
+            <a:normAutofit fontScale="92500" lnSpcReduction="10000"/>
           </a:bodyPr>
           <a:lstStyle/>
           <a:p>
@@ -6738,8 +6574,8 @@
         </p:nvSpPr>
         <p:spPr>
           <a:xfrm>
-            <a:off x="1828800" y="304800"/>
-            <a:ext cx="5867400" cy="838200"/>
+            <a:off x="1828800" y="228600"/>
+            <a:ext cx="5867400" cy="628650"/>
           </a:xfrm>
         </p:spPr>
         <p:txBody>
@@ -6779,8 +6615,8 @@
         </p:blipFill>
         <p:spPr bwMode="auto">
           <a:xfrm>
-            <a:off x="5901350" y="1676400"/>
-            <a:ext cx="2000250" cy="4094629"/>
+            <a:off x="6647497" y="1089279"/>
+            <a:ext cx="1505903" cy="3082671"/>
           </a:xfrm>
           <a:prstGeom prst="rect">
             <a:avLst/>
@@ -6818,7 +6654,7 @@
         </p:nvSpPr>
         <p:spPr>
           <a:xfrm>
-            <a:off x="609600" y="4114800"/>
+            <a:off x="956650" y="2800350"/>
             <a:ext cx="5291750" cy="2412968"/>
           </a:xfrm>
           <a:prstGeom prst="rect">
@@ -6939,8 +6775,8 @@
         </p:nvSpPr>
         <p:spPr>
           <a:xfrm>
-            <a:off x="76200" y="6412468"/>
-            <a:ext cx="1752600" cy="369332"/>
+            <a:off x="76200" y="4809351"/>
+            <a:ext cx="762000" cy="246221"/>
           </a:xfrm>
           <a:prstGeom prst="rect">
             <a:avLst/>
@@ -6954,12 +6790,12 @@
           <a:lstStyle/>
           <a:p>
             <a:r>
-              <a:rPr lang="en-US" dirty="0" smtClean="0">
+              <a:rPr lang="en-US" sz="1000" dirty="0" smtClean="0">
                 <a:hlinkClick r:id="rId4"/>
               </a:rPr>
               <a:t>IBM</a:t>
             </a:r>
-            <a:endParaRPr lang="en-US" dirty="0"/>
+            <a:endParaRPr lang="en-US" sz="1000" dirty="0"/>
           </a:p>
         </p:txBody>
       </p:sp>
@@ -7544,8 +7380,8 @@
         </p:nvSpPr>
         <p:spPr>
           <a:xfrm>
-            <a:off x="1828800" y="1752600"/>
-            <a:ext cx="5562600" cy="838200"/>
+            <a:off x="1371600" y="895350"/>
+            <a:ext cx="6781800" cy="3314700"/>
           </a:xfrm>
         </p:spPr>
         <p:txBody>
@@ -7555,10 +7391,10 @@
           <a:lstStyle/>
           <a:p>
             <a:r>
-              <a:rPr lang="en-US" sz="5500" dirty="0" smtClean="0"/>
+              <a:rPr lang="en-US" sz="7200" dirty="0" smtClean="0"/>
               <a:t>Creating a hybrid app: web</a:t>
             </a:r>
-            <a:endParaRPr lang="en-US" sz="5500" dirty="0"/>
+            <a:endParaRPr lang="en-US" sz="7200" dirty="0"/>
           </a:p>
         </p:txBody>
       </p:sp>
@@ -7611,8 +7447,8 @@
         </p:nvSpPr>
         <p:spPr>
           <a:xfrm>
-            <a:off x="685800" y="2286000"/>
-            <a:ext cx="7162800" cy="3886200"/>
+            <a:off x="1219200" y="1714500"/>
+            <a:ext cx="7162800" cy="2914650"/>
           </a:xfrm>
         </p:spPr>
         <p:txBody>
@@ -7697,7 +7533,7 @@
         </p:nvSpPr>
         <p:spPr>
           <a:xfrm>
-            <a:off x="2895600" y="1219200"/>
+            <a:off x="3048000" y="914401"/>
             <a:ext cx="3200400" cy="584775"/>
           </a:xfrm>
           <a:prstGeom prst="rect">
@@ -8369,8 +8205,8 @@
         </p:blipFill>
         <p:spPr bwMode="auto">
           <a:xfrm>
-            <a:off x="1295400" y="2082706"/>
-            <a:ext cx="2773736" cy="4622893"/>
+            <a:off x="1904713" y="1562030"/>
+            <a:ext cx="2057687" cy="3429479"/>
           </a:xfrm>
           <a:prstGeom prst="rect">
             <a:avLst/>
@@ -8410,8 +8246,8 @@
         </p:blipFill>
         <p:spPr bwMode="auto">
           <a:xfrm>
-            <a:off x="5192357" y="2082706"/>
-            <a:ext cx="2773937" cy="4622894"/>
+            <a:off x="4876800" y="1562029"/>
+            <a:ext cx="2062891" cy="3438151"/>
           </a:xfrm>
           <a:prstGeom prst="rect">
             <a:avLst/>
@@ -8436,8 +8272,8 @@
         </p:nvSpPr>
         <p:spPr>
           <a:xfrm>
-            <a:off x="914400" y="1002268"/>
-            <a:ext cx="8044190" cy="369332"/>
+            <a:off x="914400" y="754618"/>
+            <a:ext cx="7762061" cy="369332"/>
           </a:xfrm>
           <a:prstGeom prst="rect">
             <a:avLst/>
@@ -8455,7 +8291,15 @@
                   <a:schemeClr val="bg1"/>
                 </a:solidFill>
               </a:rPr>
-              <a:t>Mobile teams are often small. Understanding design is more important than ever!</a:t>
+              <a:t>Small mobile teams means understanding </a:t>
+            </a:r>
+            <a:r>
+              <a:rPr lang="en-US" dirty="0" smtClean="0">
+                <a:solidFill>
+                  <a:schemeClr val="bg1"/>
+                </a:solidFill>
+              </a:rPr>
+              <a:t>design is more important than ever!</a:t>
             </a:r>
             <a:endParaRPr lang="en-US" dirty="0">
               <a:solidFill>
@@ -8473,7 +8317,7 @@
         </p:nvSpPr>
         <p:spPr>
           <a:xfrm>
-            <a:off x="1219200" y="1611868"/>
+            <a:off x="1828800" y="1208901"/>
             <a:ext cx="2286000" cy="369332"/>
           </a:xfrm>
           <a:prstGeom prst="rect">
@@ -8939,8 +8783,8 @@
         </p:nvSpPr>
         <p:spPr>
           <a:xfrm>
-            <a:off x="457200" y="1066800"/>
-            <a:ext cx="4800600" cy="2895600"/>
+            <a:off x="457200" y="800100"/>
+            <a:ext cx="4800600" cy="2171700"/>
           </a:xfrm>
         </p:spPr>
         <p:txBody>
@@ -9025,8 +8869,8 @@
         </p:blipFill>
         <p:spPr bwMode="auto">
           <a:xfrm>
-            <a:off x="5715000" y="1506647"/>
-            <a:ext cx="2897109" cy="4828515"/>
+            <a:off x="5715001" y="1199639"/>
+            <a:ext cx="2194866" cy="3658111"/>
           </a:xfrm>
           <a:prstGeom prst="rect">
             <a:avLst/>
@@ -9051,7 +8895,7 @@
         </p:nvSpPr>
         <p:spPr>
           <a:xfrm>
-            <a:off x="5638800" y="1143000"/>
+            <a:off x="5638800" y="857250"/>
             <a:ext cx="1828800" cy="369332"/>
           </a:xfrm>
           <a:prstGeom prst="rect">
@@ -9104,8 +8948,8 @@
         </p:blipFill>
         <p:spPr bwMode="auto">
           <a:xfrm>
-            <a:off x="1447800" y="4038600"/>
-            <a:ext cx="4038600" cy="2560622"/>
+            <a:off x="1447800" y="3028950"/>
+            <a:ext cx="3276600" cy="1905266"/>
           </a:xfrm>
           <a:prstGeom prst="rect">
             <a:avLst/>
@@ -9130,7 +8974,7 @@
         </p:nvSpPr>
         <p:spPr>
           <a:xfrm>
-            <a:off x="609600" y="3962400"/>
+            <a:off x="609600" y="2971800"/>
             <a:ext cx="914400" cy="369332"/>
           </a:xfrm>
           <a:prstGeom prst="rect">
@@ -9205,8 +9049,8 @@
         </p:nvSpPr>
         <p:spPr>
           <a:xfrm>
-            <a:off x="5105400" y="4648200"/>
-            <a:ext cx="3581400" cy="1447800"/>
+            <a:off x="4724400" y="3486150"/>
+            <a:ext cx="3581400" cy="1085850"/>
           </a:xfrm>
           <a:prstGeom prst="rect">
             <a:avLst/>
@@ -9251,8 +9095,8 @@
         </p:nvSpPr>
         <p:spPr>
           <a:xfrm>
-            <a:off x="1371600" y="2286000"/>
-            <a:ext cx="2743200" cy="2209800"/>
+            <a:off x="1371600" y="1828800"/>
+            <a:ext cx="2362200" cy="1657350"/>
           </a:xfrm>
           <a:prstGeom prst="roundRect">
             <a:avLst/>
@@ -9301,13 +9145,13 @@
         </p:nvSpPr>
         <p:spPr>
           <a:xfrm>
-            <a:off x="990600" y="1524000"/>
-            <a:ext cx="7391400" cy="609600"/>
+            <a:off x="990600" y="1143000"/>
+            <a:ext cx="7391400" cy="457200"/>
           </a:xfrm>
         </p:spPr>
         <p:txBody>
           <a:bodyPr>
-            <a:normAutofit fontScale="92500"/>
+            <a:normAutofit fontScale="92500" lnSpcReduction="20000"/>
           </a:bodyPr>
           <a:lstStyle/>
           <a:p>
@@ -9377,8 +9221,8 @@
         </p:blipFill>
         <p:spPr bwMode="auto">
           <a:xfrm>
-            <a:off x="1981200" y="2641269"/>
-            <a:ext cx="1424253" cy="1424253"/>
+            <a:off x="1981202" y="1980953"/>
+            <a:ext cx="1219198" cy="1219198"/>
           </a:xfrm>
           <a:prstGeom prst="rect">
             <a:avLst/>
@@ -9418,8 +9262,8 @@
         </p:blipFill>
         <p:spPr bwMode="auto">
           <a:xfrm>
-            <a:off x="5105400" y="4495800"/>
-            <a:ext cx="3257550" cy="1712302"/>
+            <a:off x="5105401" y="3371850"/>
+            <a:ext cx="2452077" cy="1288913"/>
           </a:xfrm>
           <a:prstGeom prst="rect">
             <a:avLst/>
@@ -9482,8 +9326,8 @@
         </p:blipFill>
         <p:spPr bwMode="auto">
           <a:xfrm>
-            <a:off x="857249" y="4876800"/>
-            <a:ext cx="3819525" cy="1114425"/>
+            <a:off x="1209429" y="3638549"/>
+            <a:ext cx="3133971" cy="914401"/>
           </a:xfrm>
           <a:prstGeom prst="rect">
             <a:avLst/>
@@ -9546,8 +9390,8 @@
         </p:blipFill>
         <p:spPr bwMode="auto">
           <a:xfrm>
-            <a:off x="4702425" y="2916064"/>
-            <a:ext cx="2324100" cy="874662"/>
+            <a:off x="5257800" y="2114550"/>
+            <a:ext cx="2283102" cy="859232"/>
           </a:xfrm>
           <a:prstGeom prst="rect">
             <a:avLst/>
@@ -10278,8 +10122,8 @@
         </p:nvSpPr>
         <p:spPr>
           <a:xfrm>
-            <a:off x="0" y="76200"/>
-            <a:ext cx="9067800" cy="2667000"/>
+            <a:off x="0" y="57150"/>
+            <a:ext cx="9067800" cy="2000250"/>
           </a:xfrm>
         </p:spPr>
         <p:txBody>
@@ -10329,7 +10173,7 @@
         </p:nvSpPr>
         <p:spPr>
           <a:xfrm>
-            <a:off x="4800600" y="2523067"/>
+            <a:off x="4800600" y="1892301"/>
             <a:ext cx="4343400" cy="2246769"/>
           </a:xfrm>
           <a:prstGeom prst="rect">
@@ -10428,8 +10272,8 @@
         </p:blipFill>
         <p:spPr bwMode="auto">
           <a:xfrm>
-            <a:off x="685800" y="2523067"/>
-            <a:ext cx="3535891" cy="3673654"/>
+            <a:off x="685801" y="1892300"/>
+            <a:ext cx="3535891" cy="2755241"/>
           </a:xfrm>
           <a:prstGeom prst="rect">
             <a:avLst/>
@@ -10462,8 +10306,8 @@
         </p:blipFill>
         <p:spPr>
           <a:xfrm>
-            <a:off x="6143171" y="4664171"/>
-            <a:ext cx="2971800" cy="2161172"/>
+            <a:off x="6858000" y="3638550"/>
+            <a:ext cx="2133600" cy="1371600"/>
           </a:xfrm>
           <a:prstGeom prst="rect">
             <a:avLst/>
@@ -10518,8 +10362,8 @@
         </p:nvSpPr>
         <p:spPr>
           <a:xfrm>
-            <a:off x="152400" y="1066800"/>
-            <a:ext cx="8867775" cy="5105400"/>
+            <a:off x="1066800" y="800100"/>
+            <a:ext cx="7315200" cy="3829050"/>
           </a:xfrm>
           <a:prstGeom prst="rect">
             <a:avLst/>
@@ -10570,8 +10414,8 @@
         </p:nvSpPr>
         <p:spPr>
           <a:xfrm>
-            <a:off x="2971800" y="381000"/>
-            <a:ext cx="3429000" cy="685800"/>
+            <a:off x="2971800" y="285750"/>
+            <a:ext cx="3429000" cy="514350"/>
           </a:xfrm>
         </p:spPr>
         <p:txBody>
@@ -10609,8 +10453,8 @@
         </p:blipFill>
         <p:spPr bwMode="auto">
           <a:xfrm>
-            <a:off x="304800" y="1219200"/>
-            <a:ext cx="3724275" cy="1809750"/>
+            <a:off x="1219200" y="1138237"/>
+            <a:ext cx="2793206" cy="1357313"/>
           </a:xfrm>
           <a:prstGeom prst="rect">
             <a:avLst/>
@@ -10663,8 +10507,8 @@
         </p:blipFill>
         <p:spPr bwMode="auto">
           <a:xfrm>
-            <a:off x="4724400" y="1219200"/>
-            <a:ext cx="3781425" cy="1666875"/>
+            <a:off x="4936331" y="1047750"/>
+            <a:ext cx="2836069" cy="1250156"/>
           </a:xfrm>
           <a:prstGeom prst="rect">
             <a:avLst/>
@@ -10717,8 +10561,8 @@
         </p:blipFill>
         <p:spPr bwMode="auto">
           <a:xfrm>
-            <a:off x="381000" y="3733800"/>
-            <a:ext cx="3867150" cy="2019300"/>
+            <a:off x="1066800" y="2800350"/>
+            <a:ext cx="2900363" cy="1514475"/>
           </a:xfrm>
           <a:prstGeom prst="rect">
             <a:avLst/>
@@ -10771,8 +10615,8 @@
         </p:blipFill>
         <p:spPr bwMode="auto">
           <a:xfrm>
-            <a:off x="4572000" y="3760107"/>
-            <a:ext cx="4448175" cy="1885950"/>
+            <a:off x="4953000" y="2820080"/>
+            <a:ext cx="3336131" cy="1414463"/>
           </a:xfrm>
           <a:prstGeom prst="rect">
             <a:avLst/>
@@ -10810,8 +10654,8 @@
         </p:nvSpPr>
         <p:spPr>
           <a:xfrm>
-            <a:off x="0" y="6477000"/>
-            <a:ext cx="1600200" cy="369332"/>
+            <a:off x="0" y="4857750"/>
+            <a:ext cx="1600200" cy="246221"/>
           </a:xfrm>
           <a:prstGeom prst="rect">
             <a:avLst/>
@@ -10825,12 +10669,12 @@
           <a:lstStyle/>
           <a:p>
             <a:r>
-              <a:rPr lang="en-US" dirty="0" smtClean="0">
+              <a:rPr lang="en-US" sz="1000" dirty="0" smtClean="0">
                 <a:hlinkClick r:id="rId6"/>
               </a:rPr>
               <a:t>KendoUI.com</a:t>
             </a:r>
-            <a:endParaRPr lang="en-US" dirty="0"/>
+            <a:endParaRPr lang="en-US" sz="1000" dirty="0"/>
           </a:p>
         </p:txBody>
       </p:sp>
@@ -10879,8 +10723,8 @@
         </p:nvSpPr>
         <p:spPr>
           <a:xfrm>
-            <a:off x="2362199" y="1371600"/>
-            <a:ext cx="5257801" cy="5133975"/>
+            <a:off x="2362199" y="1028700"/>
+            <a:ext cx="5257801" cy="3850481"/>
           </a:xfrm>
           <a:prstGeom prst="rect">
             <a:avLst/>
@@ -10931,8 +10775,8 @@
         </p:nvSpPr>
         <p:spPr>
           <a:xfrm>
-            <a:off x="2743200" y="457200"/>
-            <a:ext cx="3886200" cy="457200"/>
+            <a:off x="2743200" y="342900"/>
+            <a:ext cx="3886200" cy="342900"/>
           </a:xfrm>
         </p:spPr>
         <p:txBody>
@@ -10972,8 +10816,8 @@
         </p:blipFill>
         <p:spPr bwMode="auto">
           <a:xfrm>
-            <a:off x="2762250" y="1447800"/>
-            <a:ext cx="4552950" cy="1619250"/>
+            <a:off x="3367087" y="1085850"/>
+            <a:ext cx="3414713" cy="1214438"/>
           </a:xfrm>
           <a:prstGeom prst="rect">
             <a:avLst/>
@@ -11026,8 +10870,8 @@
         </p:blipFill>
         <p:spPr bwMode="auto">
           <a:xfrm>
-            <a:off x="2590800" y="3276600"/>
-            <a:ext cx="4476750" cy="1581150"/>
+            <a:off x="3276600" y="2457450"/>
+            <a:ext cx="3357563" cy="1185863"/>
           </a:xfrm>
           <a:prstGeom prst="rect">
             <a:avLst/>
@@ -11080,8 +10924,8 @@
         </p:blipFill>
         <p:spPr bwMode="auto">
           <a:xfrm>
-            <a:off x="2590800" y="5029200"/>
-            <a:ext cx="4476750" cy="1476375"/>
+            <a:off x="3271837" y="3750469"/>
+            <a:ext cx="3357563" cy="1107281"/>
           </a:xfrm>
           <a:prstGeom prst="rect">
             <a:avLst/>
@@ -11119,8 +10963,8 @@
         </p:nvSpPr>
         <p:spPr>
           <a:xfrm>
-            <a:off x="8382000" y="6474023"/>
-            <a:ext cx="838200" cy="307777"/>
+            <a:off x="8534400" y="4855518"/>
+            <a:ext cx="838200" cy="246221"/>
           </a:xfrm>
           <a:prstGeom prst="rect">
             <a:avLst/>
@@ -11134,10 +10978,10 @@
           <a:lstStyle/>
           <a:p>
             <a:r>
-              <a:rPr lang="en-US" sz="1400" dirty="0" smtClean="0"/>
+              <a:rPr lang="en-US" sz="1000" dirty="0" smtClean="0"/>
               <a:t>Demo</a:t>
             </a:r>
-            <a:endParaRPr lang="en-US" sz="1400" dirty="0"/>
+            <a:endParaRPr lang="en-US" sz="1000" dirty="0"/>
           </a:p>
         </p:txBody>
       </p:sp>
@@ -11149,8 +10993,8 @@
         </p:nvSpPr>
         <p:spPr>
           <a:xfrm>
-            <a:off x="0" y="6477000"/>
-            <a:ext cx="1600200" cy="369332"/>
+            <a:off x="0" y="4857750"/>
+            <a:ext cx="1600200" cy="246221"/>
           </a:xfrm>
           <a:prstGeom prst="rect">
             <a:avLst/>
@@ -11164,12 +11008,12 @@
           <a:lstStyle/>
           <a:p>
             <a:r>
-              <a:rPr lang="en-US" dirty="0" smtClean="0">
+              <a:rPr lang="en-US" sz="1000" dirty="0" smtClean="0">
                 <a:hlinkClick r:id="rId6"/>
               </a:rPr>
               <a:t>KendoUI.com</a:t>
             </a:r>
-            <a:endParaRPr lang="en-US" dirty="0"/>
+            <a:endParaRPr lang="en-US" sz="1000" dirty="0"/>
           </a:p>
         </p:txBody>
       </p:sp>
@@ -11222,8 +11066,8 @@
         </p:nvSpPr>
         <p:spPr>
           <a:xfrm>
-            <a:off x="685800" y="1066800"/>
-            <a:ext cx="7848600" cy="5486400"/>
+            <a:off x="2133600" y="800100"/>
+            <a:ext cx="5486400" cy="4114800"/>
           </a:xfrm>
         </p:spPr>
         <p:txBody>
@@ -11236,11 +11080,11 @@
               <a:buNone/>
             </a:pPr>
             <a:r>
-              <a:rPr lang="en-US" sz="2800" dirty="0" smtClean="0"/>
+              <a:rPr lang="en-US" sz="2300" dirty="0" smtClean="0"/>
               <a:t>/* </a:t>
             </a:r>
             <a:r>
-              <a:rPr lang="en-US" sz="2800" dirty="0"/>
+              <a:rPr lang="en-US" sz="2300" dirty="0"/>
               <a:t>Phones */</a:t>
             </a:r>
           </a:p>
@@ -11249,15 +11093,15 @@
               <a:buNone/>
             </a:pPr>
             <a:r>
-              <a:rPr lang="en-US" sz="2800" dirty="0" smtClean="0"/>
+              <a:rPr lang="en-US" sz="2300" dirty="0" smtClean="0"/>
               <a:t>@</a:t>
             </a:r>
             <a:r>
-              <a:rPr lang="en-US" sz="2800" dirty="0"/>
+              <a:rPr lang="en-US" sz="2300" dirty="0"/>
               <a:t>media only screen </a:t>
             </a:r>
             <a:r>
-              <a:rPr lang="en-US" sz="2800" dirty="0" smtClean="0"/>
+              <a:rPr lang="en-US" sz="2300" dirty="0" smtClean="0"/>
               <a:t> </a:t>
             </a:r>
           </a:p>
@@ -11266,11 +11110,11 @@
               <a:buNone/>
             </a:pPr>
             <a:r>
-              <a:rPr lang="en-US" sz="2800" dirty="0" smtClean="0"/>
+              <a:rPr lang="en-US" sz="2300" dirty="0" smtClean="0"/>
               <a:t>	and </a:t>
             </a:r>
             <a:r>
-              <a:rPr lang="en-US" sz="2800" dirty="0"/>
+              <a:rPr lang="en-US" sz="2300" dirty="0"/>
               <a:t>(min-device-width : 320px) </a:t>
             </a:r>
           </a:p>
@@ -11279,15 +11123,15 @@
               <a:buNone/>
             </a:pPr>
             <a:r>
-              <a:rPr lang="en-US" sz="2800" dirty="0"/>
+              <a:rPr lang="en-US" sz="2300" dirty="0"/>
               <a:t>	</a:t>
             </a:r>
             <a:r>
-              <a:rPr lang="en-US" sz="2800" dirty="0" smtClean="0"/>
+              <a:rPr lang="en-US" sz="2300" dirty="0" smtClean="0"/>
               <a:t>and </a:t>
             </a:r>
             <a:r>
-              <a:rPr lang="en-US" sz="2800" dirty="0"/>
+              <a:rPr lang="en-US" sz="2300" dirty="0"/>
               <a:t>(max-device-width : 480px) {</a:t>
             </a:r>
           </a:p>
@@ -11296,11 +11140,11 @@
               <a:buNone/>
             </a:pPr>
             <a:r>
-              <a:rPr lang="en-US" sz="2800" dirty="0"/>
+              <a:rPr lang="en-US" sz="2300" dirty="0"/>
               <a:t>	</a:t>
             </a:r>
             <a:r>
-              <a:rPr lang="en-US" sz="2800" dirty="0" smtClean="0"/>
+              <a:rPr lang="en-US" sz="2300" dirty="0" smtClean="0"/>
               <a:t>	</a:t>
             </a:r>
           </a:p>
@@ -11309,23 +11153,23 @@
               <a:buNone/>
             </a:pPr>
             <a:r>
-              <a:rPr lang="en-US" sz="2800" dirty="0"/>
+              <a:rPr lang="en-US" sz="2300" dirty="0"/>
               <a:t>	</a:t>
             </a:r>
             <a:r>
-              <a:rPr lang="en-US" sz="2800" dirty="0" smtClean="0"/>
+              <a:rPr lang="en-US" sz="2300" dirty="0" smtClean="0"/>
               <a:t>	.</a:t>
             </a:r>
             <a:r>
-              <a:rPr lang="en-US" sz="2800" dirty="0" err="1" smtClean="0"/>
+              <a:rPr lang="en-US" sz="2300" dirty="0" err="1" smtClean="0"/>
               <a:t>img</a:t>
             </a:r>
             <a:r>
-              <a:rPr lang="en-US" sz="2800" dirty="0" smtClean="0"/>
+              <a:rPr lang="en-US" sz="2300" dirty="0" smtClean="0"/>
               <a:t>-round  </a:t>
             </a:r>
             <a:r>
-              <a:rPr lang="en-US" sz="2800" dirty="0"/>
+              <a:rPr lang="en-US" sz="2300" dirty="0"/>
               <a:t>{</a:t>
             </a:r>
           </a:p>
@@ -11334,7 +11178,7 @@
               <a:buNone/>
             </a:pPr>
             <a:r>
-              <a:rPr lang="en-US" sz="2800" dirty="0"/>
+              <a:rPr lang="en-US" sz="2300" dirty="0"/>
               <a:t>			height: 40%;</a:t>
             </a:r>
           </a:p>
@@ -11343,7 +11187,7 @@
               <a:buNone/>
             </a:pPr>
             <a:r>
-              <a:rPr lang="en-US" sz="2800" dirty="0"/>
+              <a:rPr lang="en-US" sz="2300" dirty="0"/>
               <a:t>			width: 75%;</a:t>
             </a:r>
           </a:p>
@@ -11352,47 +11196,26 @@
               <a:buNone/>
             </a:pPr>
             <a:r>
-              <a:rPr lang="en-US" sz="2800" dirty="0"/>
+              <a:rPr lang="en-US" sz="2300" dirty="0"/>
               <a:t>	</a:t>
             </a:r>
             <a:r>
-              <a:rPr lang="en-US" sz="2800" dirty="0" smtClean="0"/>
+              <a:rPr lang="en-US" sz="2300" dirty="0" smtClean="0"/>
               <a:t>	}</a:t>
             </a:r>
-            <a:endParaRPr lang="en-US" sz="2800" dirty="0"/>
+            <a:endParaRPr lang="en-US" sz="2300" dirty="0"/>
           </a:p>
           <a:p>
             <a:pPr marL="0" indent="0">
               <a:buNone/>
             </a:pPr>
             <a:r>
-              <a:rPr lang="en-US" sz="2800" dirty="0" smtClean="0"/>
+              <a:rPr lang="en-US" sz="2300" dirty="0" smtClean="0"/>
               <a:t>}</a:t>
             </a:r>
-            <a:endParaRPr lang="en-US" sz="2800" dirty="0"/>
-          </a:p>
-          <a:p>
-            <a:pPr marL="0" indent="0">
-              <a:buNone/>
-            </a:pPr>
-            <a:endParaRPr lang="en-US" sz="2800" dirty="0"/>
-          </a:p>
-          <a:p>
-            <a:pPr marL="0" indent="0">
-              <a:buNone/>
-            </a:pPr>
-            <a:r>
-              <a:rPr lang="en-US" sz="2800" dirty="0"/>
-              <a:t>			</a:t>
-            </a:r>
-          </a:p>
-          <a:p>
-            <a:pPr marL="0" indent="0">
-              <a:buNone/>
-            </a:pPr>
-            <a:r>
-              <a:rPr lang="en-US" sz="2800" dirty="0"/>
-              <a:t>			</a:t>
+            <a:r>
+              <a:rPr lang="en-US" sz="2300" dirty="0"/>
+              <a:t>	</a:t>
             </a:r>
           </a:p>
         </p:txBody>
@@ -11433,7 +11256,1018 @@
   <p:timing>
     <p:tnLst>
       <p:par>
-        <p:cTn id="1" dur="indefinite" restart="never" nodeType="tmRoot"/>
+        <p:cTn id="1" dur="indefinite" restart="never" nodeType="tmRoot">
+          <p:childTnLst>
+            <p:seq concurrent="1" nextAc="seek">
+              <p:cTn id="2" dur="indefinite" nodeType="mainSeq">
+                <p:childTnLst>
+                  <p:par>
+                    <p:cTn id="3" fill="hold">
+                      <p:stCondLst>
+                        <p:cond delay="indefinite"/>
+                      </p:stCondLst>
+                      <p:childTnLst>
+                        <p:par>
+                          <p:cTn id="4" fill="hold">
+                            <p:stCondLst>
+                              <p:cond delay="0"/>
+                            </p:stCondLst>
+                            <p:childTnLst>
+                              <p:par>
+                                <p:cTn id="5" presetID="42" presetClass="entr" presetSubtype="0" fill="hold" nodeType="clickEffect">
+                                  <p:stCondLst>
+                                    <p:cond delay="0"/>
+                                  </p:stCondLst>
+                                  <p:childTnLst>
+                                    <p:set>
+                                      <p:cBhvr>
+                                        <p:cTn id="6" dur="1" fill="hold">
+                                          <p:stCondLst>
+                                            <p:cond delay="0"/>
+                                          </p:stCondLst>
+                                        </p:cTn>
+                                        <p:tgtEl>
+                                          <p:spTgt spid="2">
+                                            <p:txEl>
+                                              <p:pRg st="0" end="0"/>
+                                            </p:txEl>
+                                          </p:spTgt>
+                                        </p:tgtEl>
+                                        <p:attrNameLst>
+                                          <p:attrName>style.visibility</p:attrName>
+                                        </p:attrNameLst>
+                                      </p:cBhvr>
+                                      <p:to>
+                                        <p:strVal val="visible"/>
+                                      </p:to>
+                                    </p:set>
+                                    <p:animEffect transition="in" filter="fade">
+                                      <p:cBhvr>
+                                        <p:cTn id="7" dur="1000"/>
+                                        <p:tgtEl>
+                                          <p:spTgt spid="2">
+                                            <p:txEl>
+                                              <p:pRg st="0" end="0"/>
+                                            </p:txEl>
+                                          </p:spTgt>
+                                        </p:tgtEl>
+                                      </p:cBhvr>
+                                    </p:animEffect>
+                                    <p:anim calcmode="lin" valueType="num">
+                                      <p:cBhvr>
+                                        <p:cTn id="8" dur="1000" fill="hold"/>
+                                        <p:tgtEl>
+                                          <p:spTgt spid="2">
+                                            <p:txEl>
+                                              <p:pRg st="0" end="0"/>
+                                            </p:txEl>
+                                          </p:spTgt>
+                                        </p:tgtEl>
+                                        <p:attrNameLst>
+                                          <p:attrName>ppt_x</p:attrName>
+                                        </p:attrNameLst>
+                                      </p:cBhvr>
+                                      <p:tavLst>
+                                        <p:tav tm="0">
+                                          <p:val>
+                                            <p:strVal val="#ppt_x"/>
+                                          </p:val>
+                                        </p:tav>
+                                        <p:tav tm="100000">
+                                          <p:val>
+                                            <p:strVal val="#ppt_x"/>
+                                          </p:val>
+                                        </p:tav>
+                                      </p:tavLst>
+                                    </p:anim>
+                                    <p:anim calcmode="lin" valueType="num">
+                                      <p:cBhvr>
+                                        <p:cTn id="9" dur="1000" fill="hold"/>
+                                        <p:tgtEl>
+                                          <p:spTgt spid="2">
+                                            <p:txEl>
+                                              <p:pRg st="0" end="0"/>
+                                            </p:txEl>
+                                          </p:spTgt>
+                                        </p:tgtEl>
+                                        <p:attrNameLst>
+                                          <p:attrName>ppt_y</p:attrName>
+                                        </p:attrNameLst>
+                                      </p:cBhvr>
+                                      <p:tavLst>
+                                        <p:tav tm="0">
+                                          <p:val>
+                                            <p:strVal val="#ppt_y+.1"/>
+                                          </p:val>
+                                        </p:tav>
+                                        <p:tav tm="100000">
+                                          <p:val>
+                                            <p:strVal val="#ppt_y"/>
+                                          </p:val>
+                                        </p:tav>
+                                      </p:tavLst>
+                                    </p:anim>
+                                  </p:childTnLst>
+                                </p:cTn>
+                              </p:par>
+                              <p:par>
+                                <p:cTn id="10" presetID="42" presetClass="entr" presetSubtype="0" fill="hold" nodeType="withEffect">
+                                  <p:stCondLst>
+                                    <p:cond delay="0"/>
+                                  </p:stCondLst>
+                                  <p:childTnLst>
+                                    <p:set>
+                                      <p:cBhvr>
+                                        <p:cTn id="11" dur="1" fill="hold">
+                                          <p:stCondLst>
+                                            <p:cond delay="0"/>
+                                          </p:stCondLst>
+                                        </p:cTn>
+                                        <p:tgtEl>
+                                          <p:spTgt spid="2">
+                                            <p:txEl>
+                                              <p:pRg st="1" end="1"/>
+                                            </p:txEl>
+                                          </p:spTgt>
+                                        </p:tgtEl>
+                                        <p:attrNameLst>
+                                          <p:attrName>style.visibility</p:attrName>
+                                        </p:attrNameLst>
+                                      </p:cBhvr>
+                                      <p:to>
+                                        <p:strVal val="visible"/>
+                                      </p:to>
+                                    </p:set>
+                                    <p:animEffect transition="in" filter="fade">
+                                      <p:cBhvr>
+                                        <p:cTn id="12" dur="1000"/>
+                                        <p:tgtEl>
+                                          <p:spTgt spid="2">
+                                            <p:txEl>
+                                              <p:pRg st="1" end="1"/>
+                                            </p:txEl>
+                                          </p:spTgt>
+                                        </p:tgtEl>
+                                      </p:cBhvr>
+                                    </p:animEffect>
+                                    <p:anim calcmode="lin" valueType="num">
+                                      <p:cBhvr>
+                                        <p:cTn id="13" dur="1000" fill="hold"/>
+                                        <p:tgtEl>
+                                          <p:spTgt spid="2">
+                                            <p:txEl>
+                                              <p:pRg st="1" end="1"/>
+                                            </p:txEl>
+                                          </p:spTgt>
+                                        </p:tgtEl>
+                                        <p:attrNameLst>
+                                          <p:attrName>ppt_x</p:attrName>
+                                        </p:attrNameLst>
+                                      </p:cBhvr>
+                                      <p:tavLst>
+                                        <p:tav tm="0">
+                                          <p:val>
+                                            <p:strVal val="#ppt_x"/>
+                                          </p:val>
+                                        </p:tav>
+                                        <p:tav tm="100000">
+                                          <p:val>
+                                            <p:strVal val="#ppt_x"/>
+                                          </p:val>
+                                        </p:tav>
+                                      </p:tavLst>
+                                    </p:anim>
+                                    <p:anim calcmode="lin" valueType="num">
+                                      <p:cBhvr>
+                                        <p:cTn id="14" dur="1000" fill="hold"/>
+                                        <p:tgtEl>
+                                          <p:spTgt spid="2">
+                                            <p:txEl>
+                                              <p:pRg st="1" end="1"/>
+                                            </p:txEl>
+                                          </p:spTgt>
+                                        </p:tgtEl>
+                                        <p:attrNameLst>
+                                          <p:attrName>ppt_y</p:attrName>
+                                        </p:attrNameLst>
+                                      </p:cBhvr>
+                                      <p:tavLst>
+                                        <p:tav tm="0">
+                                          <p:val>
+                                            <p:strVal val="#ppt_y+.1"/>
+                                          </p:val>
+                                        </p:tav>
+                                        <p:tav tm="100000">
+                                          <p:val>
+                                            <p:strVal val="#ppt_y"/>
+                                          </p:val>
+                                        </p:tav>
+                                      </p:tavLst>
+                                    </p:anim>
+                                  </p:childTnLst>
+                                </p:cTn>
+                              </p:par>
+                              <p:par>
+                                <p:cTn id="15" presetID="42" presetClass="entr" presetSubtype="0" fill="hold" nodeType="withEffect">
+                                  <p:stCondLst>
+                                    <p:cond delay="0"/>
+                                  </p:stCondLst>
+                                  <p:childTnLst>
+                                    <p:set>
+                                      <p:cBhvr>
+                                        <p:cTn id="16" dur="1" fill="hold">
+                                          <p:stCondLst>
+                                            <p:cond delay="0"/>
+                                          </p:stCondLst>
+                                        </p:cTn>
+                                        <p:tgtEl>
+                                          <p:spTgt spid="2">
+                                            <p:txEl>
+                                              <p:pRg st="2" end="2"/>
+                                            </p:txEl>
+                                          </p:spTgt>
+                                        </p:tgtEl>
+                                        <p:attrNameLst>
+                                          <p:attrName>style.visibility</p:attrName>
+                                        </p:attrNameLst>
+                                      </p:cBhvr>
+                                      <p:to>
+                                        <p:strVal val="visible"/>
+                                      </p:to>
+                                    </p:set>
+                                    <p:animEffect transition="in" filter="fade">
+                                      <p:cBhvr>
+                                        <p:cTn id="17" dur="1000"/>
+                                        <p:tgtEl>
+                                          <p:spTgt spid="2">
+                                            <p:txEl>
+                                              <p:pRg st="2" end="2"/>
+                                            </p:txEl>
+                                          </p:spTgt>
+                                        </p:tgtEl>
+                                      </p:cBhvr>
+                                    </p:animEffect>
+                                    <p:anim calcmode="lin" valueType="num">
+                                      <p:cBhvr>
+                                        <p:cTn id="18" dur="1000" fill="hold"/>
+                                        <p:tgtEl>
+                                          <p:spTgt spid="2">
+                                            <p:txEl>
+                                              <p:pRg st="2" end="2"/>
+                                            </p:txEl>
+                                          </p:spTgt>
+                                        </p:tgtEl>
+                                        <p:attrNameLst>
+                                          <p:attrName>ppt_x</p:attrName>
+                                        </p:attrNameLst>
+                                      </p:cBhvr>
+                                      <p:tavLst>
+                                        <p:tav tm="0">
+                                          <p:val>
+                                            <p:strVal val="#ppt_x"/>
+                                          </p:val>
+                                        </p:tav>
+                                        <p:tav tm="100000">
+                                          <p:val>
+                                            <p:strVal val="#ppt_x"/>
+                                          </p:val>
+                                        </p:tav>
+                                      </p:tavLst>
+                                    </p:anim>
+                                    <p:anim calcmode="lin" valueType="num">
+                                      <p:cBhvr>
+                                        <p:cTn id="19" dur="1000" fill="hold"/>
+                                        <p:tgtEl>
+                                          <p:spTgt spid="2">
+                                            <p:txEl>
+                                              <p:pRg st="2" end="2"/>
+                                            </p:txEl>
+                                          </p:spTgt>
+                                        </p:tgtEl>
+                                        <p:attrNameLst>
+                                          <p:attrName>ppt_y</p:attrName>
+                                        </p:attrNameLst>
+                                      </p:cBhvr>
+                                      <p:tavLst>
+                                        <p:tav tm="0">
+                                          <p:val>
+                                            <p:strVal val="#ppt_y+.1"/>
+                                          </p:val>
+                                        </p:tav>
+                                        <p:tav tm="100000">
+                                          <p:val>
+                                            <p:strVal val="#ppt_y"/>
+                                          </p:val>
+                                        </p:tav>
+                                      </p:tavLst>
+                                    </p:anim>
+                                  </p:childTnLst>
+                                </p:cTn>
+                              </p:par>
+                              <p:par>
+                                <p:cTn id="20" presetID="42" presetClass="entr" presetSubtype="0" fill="hold" nodeType="withEffect">
+                                  <p:stCondLst>
+                                    <p:cond delay="0"/>
+                                  </p:stCondLst>
+                                  <p:childTnLst>
+                                    <p:set>
+                                      <p:cBhvr>
+                                        <p:cTn id="21" dur="1" fill="hold">
+                                          <p:stCondLst>
+                                            <p:cond delay="0"/>
+                                          </p:stCondLst>
+                                        </p:cTn>
+                                        <p:tgtEl>
+                                          <p:spTgt spid="2">
+                                            <p:txEl>
+                                              <p:pRg st="3" end="3"/>
+                                            </p:txEl>
+                                          </p:spTgt>
+                                        </p:tgtEl>
+                                        <p:attrNameLst>
+                                          <p:attrName>style.visibility</p:attrName>
+                                        </p:attrNameLst>
+                                      </p:cBhvr>
+                                      <p:to>
+                                        <p:strVal val="visible"/>
+                                      </p:to>
+                                    </p:set>
+                                    <p:animEffect transition="in" filter="fade">
+                                      <p:cBhvr>
+                                        <p:cTn id="22" dur="1000"/>
+                                        <p:tgtEl>
+                                          <p:spTgt spid="2">
+                                            <p:txEl>
+                                              <p:pRg st="3" end="3"/>
+                                            </p:txEl>
+                                          </p:spTgt>
+                                        </p:tgtEl>
+                                      </p:cBhvr>
+                                    </p:animEffect>
+                                    <p:anim calcmode="lin" valueType="num">
+                                      <p:cBhvr>
+                                        <p:cTn id="23" dur="1000" fill="hold"/>
+                                        <p:tgtEl>
+                                          <p:spTgt spid="2">
+                                            <p:txEl>
+                                              <p:pRg st="3" end="3"/>
+                                            </p:txEl>
+                                          </p:spTgt>
+                                        </p:tgtEl>
+                                        <p:attrNameLst>
+                                          <p:attrName>ppt_x</p:attrName>
+                                        </p:attrNameLst>
+                                      </p:cBhvr>
+                                      <p:tavLst>
+                                        <p:tav tm="0">
+                                          <p:val>
+                                            <p:strVal val="#ppt_x"/>
+                                          </p:val>
+                                        </p:tav>
+                                        <p:tav tm="100000">
+                                          <p:val>
+                                            <p:strVal val="#ppt_x"/>
+                                          </p:val>
+                                        </p:tav>
+                                      </p:tavLst>
+                                    </p:anim>
+                                    <p:anim calcmode="lin" valueType="num">
+                                      <p:cBhvr>
+                                        <p:cTn id="24" dur="1000" fill="hold"/>
+                                        <p:tgtEl>
+                                          <p:spTgt spid="2">
+                                            <p:txEl>
+                                              <p:pRg st="3" end="3"/>
+                                            </p:txEl>
+                                          </p:spTgt>
+                                        </p:tgtEl>
+                                        <p:attrNameLst>
+                                          <p:attrName>ppt_y</p:attrName>
+                                        </p:attrNameLst>
+                                      </p:cBhvr>
+                                      <p:tavLst>
+                                        <p:tav tm="0">
+                                          <p:val>
+                                            <p:strVal val="#ppt_y+.1"/>
+                                          </p:val>
+                                        </p:tav>
+                                        <p:tav tm="100000">
+                                          <p:val>
+                                            <p:strVal val="#ppt_y"/>
+                                          </p:val>
+                                        </p:tav>
+                                      </p:tavLst>
+                                    </p:anim>
+                                  </p:childTnLst>
+                                </p:cTn>
+                              </p:par>
+                              <p:par>
+                                <p:cTn id="25" presetID="42" presetClass="entr" presetSubtype="0" fill="hold" nodeType="withEffect">
+                                  <p:stCondLst>
+                                    <p:cond delay="0"/>
+                                  </p:stCondLst>
+                                  <p:childTnLst>
+                                    <p:set>
+                                      <p:cBhvr>
+                                        <p:cTn id="26" dur="1" fill="hold">
+                                          <p:stCondLst>
+                                            <p:cond delay="0"/>
+                                          </p:stCondLst>
+                                        </p:cTn>
+                                        <p:tgtEl>
+                                          <p:spTgt spid="2">
+                                            <p:txEl>
+                                              <p:pRg st="4" end="4"/>
+                                            </p:txEl>
+                                          </p:spTgt>
+                                        </p:tgtEl>
+                                        <p:attrNameLst>
+                                          <p:attrName>style.visibility</p:attrName>
+                                        </p:attrNameLst>
+                                      </p:cBhvr>
+                                      <p:to>
+                                        <p:strVal val="visible"/>
+                                      </p:to>
+                                    </p:set>
+                                    <p:animEffect transition="in" filter="fade">
+                                      <p:cBhvr>
+                                        <p:cTn id="27" dur="1000"/>
+                                        <p:tgtEl>
+                                          <p:spTgt spid="2">
+                                            <p:txEl>
+                                              <p:pRg st="4" end="4"/>
+                                            </p:txEl>
+                                          </p:spTgt>
+                                        </p:tgtEl>
+                                      </p:cBhvr>
+                                    </p:animEffect>
+                                    <p:anim calcmode="lin" valueType="num">
+                                      <p:cBhvr>
+                                        <p:cTn id="28" dur="1000" fill="hold"/>
+                                        <p:tgtEl>
+                                          <p:spTgt spid="2">
+                                            <p:txEl>
+                                              <p:pRg st="4" end="4"/>
+                                            </p:txEl>
+                                          </p:spTgt>
+                                        </p:tgtEl>
+                                        <p:attrNameLst>
+                                          <p:attrName>ppt_x</p:attrName>
+                                        </p:attrNameLst>
+                                      </p:cBhvr>
+                                      <p:tavLst>
+                                        <p:tav tm="0">
+                                          <p:val>
+                                            <p:strVal val="#ppt_x"/>
+                                          </p:val>
+                                        </p:tav>
+                                        <p:tav tm="100000">
+                                          <p:val>
+                                            <p:strVal val="#ppt_x"/>
+                                          </p:val>
+                                        </p:tav>
+                                      </p:tavLst>
+                                    </p:anim>
+                                    <p:anim calcmode="lin" valueType="num">
+                                      <p:cBhvr>
+                                        <p:cTn id="29" dur="1000" fill="hold"/>
+                                        <p:tgtEl>
+                                          <p:spTgt spid="2">
+                                            <p:txEl>
+                                              <p:pRg st="4" end="4"/>
+                                            </p:txEl>
+                                          </p:spTgt>
+                                        </p:tgtEl>
+                                        <p:attrNameLst>
+                                          <p:attrName>ppt_y</p:attrName>
+                                        </p:attrNameLst>
+                                      </p:cBhvr>
+                                      <p:tavLst>
+                                        <p:tav tm="0">
+                                          <p:val>
+                                            <p:strVal val="#ppt_y+.1"/>
+                                          </p:val>
+                                        </p:tav>
+                                        <p:tav tm="100000">
+                                          <p:val>
+                                            <p:strVal val="#ppt_y"/>
+                                          </p:val>
+                                        </p:tav>
+                                      </p:tavLst>
+                                    </p:anim>
+                                  </p:childTnLst>
+                                </p:cTn>
+                              </p:par>
+                              <p:par>
+                                <p:cTn id="30" presetID="42" presetClass="entr" presetSubtype="0" fill="hold" nodeType="withEffect">
+                                  <p:stCondLst>
+                                    <p:cond delay="0"/>
+                                  </p:stCondLst>
+                                  <p:childTnLst>
+                                    <p:set>
+                                      <p:cBhvr>
+                                        <p:cTn id="31" dur="1" fill="hold">
+                                          <p:stCondLst>
+                                            <p:cond delay="0"/>
+                                          </p:stCondLst>
+                                        </p:cTn>
+                                        <p:tgtEl>
+                                          <p:spTgt spid="2">
+                                            <p:txEl>
+                                              <p:pRg st="5" end="5"/>
+                                            </p:txEl>
+                                          </p:spTgt>
+                                        </p:tgtEl>
+                                        <p:attrNameLst>
+                                          <p:attrName>style.visibility</p:attrName>
+                                        </p:attrNameLst>
+                                      </p:cBhvr>
+                                      <p:to>
+                                        <p:strVal val="visible"/>
+                                      </p:to>
+                                    </p:set>
+                                    <p:animEffect transition="in" filter="fade">
+                                      <p:cBhvr>
+                                        <p:cTn id="32" dur="1000"/>
+                                        <p:tgtEl>
+                                          <p:spTgt spid="2">
+                                            <p:txEl>
+                                              <p:pRg st="5" end="5"/>
+                                            </p:txEl>
+                                          </p:spTgt>
+                                        </p:tgtEl>
+                                      </p:cBhvr>
+                                    </p:animEffect>
+                                    <p:anim calcmode="lin" valueType="num">
+                                      <p:cBhvr>
+                                        <p:cTn id="33" dur="1000" fill="hold"/>
+                                        <p:tgtEl>
+                                          <p:spTgt spid="2">
+                                            <p:txEl>
+                                              <p:pRg st="5" end="5"/>
+                                            </p:txEl>
+                                          </p:spTgt>
+                                        </p:tgtEl>
+                                        <p:attrNameLst>
+                                          <p:attrName>ppt_x</p:attrName>
+                                        </p:attrNameLst>
+                                      </p:cBhvr>
+                                      <p:tavLst>
+                                        <p:tav tm="0">
+                                          <p:val>
+                                            <p:strVal val="#ppt_x"/>
+                                          </p:val>
+                                        </p:tav>
+                                        <p:tav tm="100000">
+                                          <p:val>
+                                            <p:strVal val="#ppt_x"/>
+                                          </p:val>
+                                        </p:tav>
+                                      </p:tavLst>
+                                    </p:anim>
+                                    <p:anim calcmode="lin" valueType="num">
+                                      <p:cBhvr>
+                                        <p:cTn id="34" dur="1000" fill="hold"/>
+                                        <p:tgtEl>
+                                          <p:spTgt spid="2">
+                                            <p:txEl>
+                                              <p:pRg st="5" end="5"/>
+                                            </p:txEl>
+                                          </p:spTgt>
+                                        </p:tgtEl>
+                                        <p:attrNameLst>
+                                          <p:attrName>ppt_y</p:attrName>
+                                        </p:attrNameLst>
+                                      </p:cBhvr>
+                                      <p:tavLst>
+                                        <p:tav tm="0">
+                                          <p:val>
+                                            <p:strVal val="#ppt_y+.1"/>
+                                          </p:val>
+                                        </p:tav>
+                                        <p:tav tm="100000">
+                                          <p:val>
+                                            <p:strVal val="#ppt_y"/>
+                                          </p:val>
+                                        </p:tav>
+                                      </p:tavLst>
+                                    </p:anim>
+                                  </p:childTnLst>
+                                </p:cTn>
+                              </p:par>
+                              <p:par>
+                                <p:cTn id="35" presetID="42" presetClass="entr" presetSubtype="0" fill="hold" nodeType="withEffect">
+                                  <p:stCondLst>
+                                    <p:cond delay="0"/>
+                                  </p:stCondLst>
+                                  <p:childTnLst>
+                                    <p:set>
+                                      <p:cBhvr>
+                                        <p:cTn id="36" dur="1" fill="hold">
+                                          <p:stCondLst>
+                                            <p:cond delay="0"/>
+                                          </p:stCondLst>
+                                        </p:cTn>
+                                        <p:tgtEl>
+                                          <p:spTgt spid="2">
+                                            <p:txEl>
+                                              <p:pRg st="6" end="6"/>
+                                            </p:txEl>
+                                          </p:spTgt>
+                                        </p:tgtEl>
+                                        <p:attrNameLst>
+                                          <p:attrName>style.visibility</p:attrName>
+                                        </p:attrNameLst>
+                                      </p:cBhvr>
+                                      <p:to>
+                                        <p:strVal val="visible"/>
+                                      </p:to>
+                                    </p:set>
+                                    <p:animEffect transition="in" filter="fade">
+                                      <p:cBhvr>
+                                        <p:cTn id="37" dur="1000"/>
+                                        <p:tgtEl>
+                                          <p:spTgt spid="2">
+                                            <p:txEl>
+                                              <p:pRg st="6" end="6"/>
+                                            </p:txEl>
+                                          </p:spTgt>
+                                        </p:tgtEl>
+                                      </p:cBhvr>
+                                    </p:animEffect>
+                                    <p:anim calcmode="lin" valueType="num">
+                                      <p:cBhvr>
+                                        <p:cTn id="38" dur="1000" fill="hold"/>
+                                        <p:tgtEl>
+                                          <p:spTgt spid="2">
+                                            <p:txEl>
+                                              <p:pRg st="6" end="6"/>
+                                            </p:txEl>
+                                          </p:spTgt>
+                                        </p:tgtEl>
+                                        <p:attrNameLst>
+                                          <p:attrName>ppt_x</p:attrName>
+                                        </p:attrNameLst>
+                                      </p:cBhvr>
+                                      <p:tavLst>
+                                        <p:tav tm="0">
+                                          <p:val>
+                                            <p:strVal val="#ppt_x"/>
+                                          </p:val>
+                                        </p:tav>
+                                        <p:tav tm="100000">
+                                          <p:val>
+                                            <p:strVal val="#ppt_x"/>
+                                          </p:val>
+                                        </p:tav>
+                                      </p:tavLst>
+                                    </p:anim>
+                                    <p:anim calcmode="lin" valueType="num">
+                                      <p:cBhvr>
+                                        <p:cTn id="39" dur="1000" fill="hold"/>
+                                        <p:tgtEl>
+                                          <p:spTgt spid="2">
+                                            <p:txEl>
+                                              <p:pRg st="6" end="6"/>
+                                            </p:txEl>
+                                          </p:spTgt>
+                                        </p:tgtEl>
+                                        <p:attrNameLst>
+                                          <p:attrName>ppt_y</p:attrName>
+                                        </p:attrNameLst>
+                                      </p:cBhvr>
+                                      <p:tavLst>
+                                        <p:tav tm="0">
+                                          <p:val>
+                                            <p:strVal val="#ppt_y+.1"/>
+                                          </p:val>
+                                        </p:tav>
+                                        <p:tav tm="100000">
+                                          <p:val>
+                                            <p:strVal val="#ppt_y"/>
+                                          </p:val>
+                                        </p:tav>
+                                      </p:tavLst>
+                                    </p:anim>
+                                  </p:childTnLst>
+                                </p:cTn>
+                              </p:par>
+                              <p:par>
+                                <p:cTn id="40" presetID="42" presetClass="entr" presetSubtype="0" fill="hold" nodeType="withEffect">
+                                  <p:stCondLst>
+                                    <p:cond delay="0"/>
+                                  </p:stCondLst>
+                                  <p:childTnLst>
+                                    <p:set>
+                                      <p:cBhvr>
+                                        <p:cTn id="41" dur="1" fill="hold">
+                                          <p:stCondLst>
+                                            <p:cond delay="0"/>
+                                          </p:stCondLst>
+                                        </p:cTn>
+                                        <p:tgtEl>
+                                          <p:spTgt spid="2">
+                                            <p:txEl>
+                                              <p:pRg st="7" end="7"/>
+                                            </p:txEl>
+                                          </p:spTgt>
+                                        </p:tgtEl>
+                                        <p:attrNameLst>
+                                          <p:attrName>style.visibility</p:attrName>
+                                        </p:attrNameLst>
+                                      </p:cBhvr>
+                                      <p:to>
+                                        <p:strVal val="visible"/>
+                                      </p:to>
+                                    </p:set>
+                                    <p:animEffect transition="in" filter="fade">
+                                      <p:cBhvr>
+                                        <p:cTn id="42" dur="1000"/>
+                                        <p:tgtEl>
+                                          <p:spTgt spid="2">
+                                            <p:txEl>
+                                              <p:pRg st="7" end="7"/>
+                                            </p:txEl>
+                                          </p:spTgt>
+                                        </p:tgtEl>
+                                      </p:cBhvr>
+                                    </p:animEffect>
+                                    <p:anim calcmode="lin" valueType="num">
+                                      <p:cBhvr>
+                                        <p:cTn id="43" dur="1000" fill="hold"/>
+                                        <p:tgtEl>
+                                          <p:spTgt spid="2">
+                                            <p:txEl>
+                                              <p:pRg st="7" end="7"/>
+                                            </p:txEl>
+                                          </p:spTgt>
+                                        </p:tgtEl>
+                                        <p:attrNameLst>
+                                          <p:attrName>ppt_x</p:attrName>
+                                        </p:attrNameLst>
+                                      </p:cBhvr>
+                                      <p:tavLst>
+                                        <p:tav tm="0">
+                                          <p:val>
+                                            <p:strVal val="#ppt_x"/>
+                                          </p:val>
+                                        </p:tav>
+                                        <p:tav tm="100000">
+                                          <p:val>
+                                            <p:strVal val="#ppt_x"/>
+                                          </p:val>
+                                        </p:tav>
+                                      </p:tavLst>
+                                    </p:anim>
+                                    <p:anim calcmode="lin" valueType="num">
+                                      <p:cBhvr>
+                                        <p:cTn id="44" dur="1000" fill="hold"/>
+                                        <p:tgtEl>
+                                          <p:spTgt spid="2">
+                                            <p:txEl>
+                                              <p:pRg st="7" end="7"/>
+                                            </p:txEl>
+                                          </p:spTgt>
+                                        </p:tgtEl>
+                                        <p:attrNameLst>
+                                          <p:attrName>ppt_y</p:attrName>
+                                        </p:attrNameLst>
+                                      </p:cBhvr>
+                                      <p:tavLst>
+                                        <p:tav tm="0">
+                                          <p:val>
+                                            <p:strVal val="#ppt_y+.1"/>
+                                          </p:val>
+                                        </p:tav>
+                                        <p:tav tm="100000">
+                                          <p:val>
+                                            <p:strVal val="#ppt_y"/>
+                                          </p:val>
+                                        </p:tav>
+                                      </p:tavLst>
+                                    </p:anim>
+                                  </p:childTnLst>
+                                </p:cTn>
+                              </p:par>
+                              <p:par>
+                                <p:cTn id="45" presetID="42" presetClass="entr" presetSubtype="0" fill="hold" nodeType="withEffect">
+                                  <p:stCondLst>
+                                    <p:cond delay="0"/>
+                                  </p:stCondLst>
+                                  <p:childTnLst>
+                                    <p:set>
+                                      <p:cBhvr>
+                                        <p:cTn id="46" dur="1" fill="hold">
+                                          <p:stCondLst>
+                                            <p:cond delay="0"/>
+                                          </p:stCondLst>
+                                        </p:cTn>
+                                        <p:tgtEl>
+                                          <p:spTgt spid="2">
+                                            <p:txEl>
+                                              <p:pRg st="8" end="8"/>
+                                            </p:txEl>
+                                          </p:spTgt>
+                                        </p:tgtEl>
+                                        <p:attrNameLst>
+                                          <p:attrName>style.visibility</p:attrName>
+                                        </p:attrNameLst>
+                                      </p:cBhvr>
+                                      <p:to>
+                                        <p:strVal val="visible"/>
+                                      </p:to>
+                                    </p:set>
+                                    <p:animEffect transition="in" filter="fade">
+                                      <p:cBhvr>
+                                        <p:cTn id="47" dur="1000"/>
+                                        <p:tgtEl>
+                                          <p:spTgt spid="2">
+                                            <p:txEl>
+                                              <p:pRg st="8" end="8"/>
+                                            </p:txEl>
+                                          </p:spTgt>
+                                        </p:tgtEl>
+                                      </p:cBhvr>
+                                    </p:animEffect>
+                                    <p:anim calcmode="lin" valueType="num">
+                                      <p:cBhvr>
+                                        <p:cTn id="48" dur="1000" fill="hold"/>
+                                        <p:tgtEl>
+                                          <p:spTgt spid="2">
+                                            <p:txEl>
+                                              <p:pRg st="8" end="8"/>
+                                            </p:txEl>
+                                          </p:spTgt>
+                                        </p:tgtEl>
+                                        <p:attrNameLst>
+                                          <p:attrName>ppt_x</p:attrName>
+                                        </p:attrNameLst>
+                                      </p:cBhvr>
+                                      <p:tavLst>
+                                        <p:tav tm="0">
+                                          <p:val>
+                                            <p:strVal val="#ppt_x"/>
+                                          </p:val>
+                                        </p:tav>
+                                        <p:tav tm="100000">
+                                          <p:val>
+                                            <p:strVal val="#ppt_x"/>
+                                          </p:val>
+                                        </p:tav>
+                                      </p:tavLst>
+                                    </p:anim>
+                                    <p:anim calcmode="lin" valueType="num">
+                                      <p:cBhvr>
+                                        <p:cTn id="49" dur="1000" fill="hold"/>
+                                        <p:tgtEl>
+                                          <p:spTgt spid="2">
+                                            <p:txEl>
+                                              <p:pRg st="8" end="8"/>
+                                            </p:txEl>
+                                          </p:spTgt>
+                                        </p:tgtEl>
+                                        <p:attrNameLst>
+                                          <p:attrName>ppt_y</p:attrName>
+                                        </p:attrNameLst>
+                                      </p:cBhvr>
+                                      <p:tavLst>
+                                        <p:tav tm="0">
+                                          <p:val>
+                                            <p:strVal val="#ppt_y+.1"/>
+                                          </p:val>
+                                        </p:tav>
+                                        <p:tav tm="100000">
+                                          <p:val>
+                                            <p:strVal val="#ppt_y"/>
+                                          </p:val>
+                                        </p:tav>
+                                      </p:tavLst>
+                                    </p:anim>
+                                  </p:childTnLst>
+                                </p:cTn>
+                              </p:par>
+                              <p:par>
+                                <p:cTn id="50" presetID="42" presetClass="entr" presetSubtype="0" fill="hold" nodeType="withEffect">
+                                  <p:stCondLst>
+                                    <p:cond delay="0"/>
+                                  </p:stCondLst>
+                                  <p:childTnLst>
+                                    <p:set>
+                                      <p:cBhvr>
+                                        <p:cTn id="51" dur="1" fill="hold">
+                                          <p:stCondLst>
+                                            <p:cond delay="0"/>
+                                          </p:stCondLst>
+                                        </p:cTn>
+                                        <p:tgtEl>
+                                          <p:spTgt spid="2">
+                                            <p:txEl>
+                                              <p:pRg st="9" end="9"/>
+                                            </p:txEl>
+                                          </p:spTgt>
+                                        </p:tgtEl>
+                                        <p:attrNameLst>
+                                          <p:attrName>style.visibility</p:attrName>
+                                        </p:attrNameLst>
+                                      </p:cBhvr>
+                                      <p:to>
+                                        <p:strVal val="visible"/>
+                                      </p:to>
+                                    </p:set>
+                                    <p:animEffect transition="in" filter="fade">
+                                      <p:cBhvr>
+                                        <p:cTn id="52" dur="1000"/>
+                                        <p:tgtEl>
+                                          <p:spTgt spid="2">
+                                            <p:txEl>
+                                              <p:pRg st="9" end="9"/>
+                                            </p:txEl>
+                                          </p:spTgt>
+                                        </p:tgtEl>
+                                      </p:cBhvr>
+                                    </p:animEffect>
+                                    <p:anim calcmode="lin" valueType="num">
+                                      <p:cBhvr>
+                                        <p:cTn id="53" dur="1000" fill="hold"/>
+                                        <p:tgtEl>
+                                          <p:spTgt spid="2">
+                                            <p:txEl>
+                                              <p:pRg st="9" end="9"/>
+                                            </p:txEl>
+                                          </p:spTgt>
+                                        </p:tgtEl>
+                                        <p:attrNameLst>
+                                          <p:attrName>ppt_x</p:attrName>
+                                        </p:attrNameLst>
+                                      </p:cBhvr>
+                                      <p:tavLst>
+                                        <p:tav tm="0">
+                                          <p:val>
+                                            <p:strVal val="#ppt_x"/>
+                                          </p:val>
+                                        </p:tav>
+                                        <p:tav tm="100000">
+                                          <p:val>
+                                            <p:strVal val="#ppt_x"/>
+                                          </p:val>
+                                        </p:tav>
+                                      </p:tavLst>
+                                    </p:anim>
+                                    <p:anim calcmode="lin" valueType="num">
+                                      <p:cBhvr>
+                                        <p:cTn id="54" dur="1000" fill="hold"/>
+                                        <p:tgtEl>
+                                          <p:spTgt spid="2">
+                                            <p:txEl>
+                                              <p:pRg st="9" end="9"/>
+                                            </p:txEl>
+                                          </p:spTgt>
+                                        </p:tgtEl>
+                                        <p:attrNameLst>
+                                          <p:attrName>ppt_y</p:attrName>
+                                        </p:attrNameLst>
+                                      </p:cBhvr>
+                                      <p:tavLst>
+                                        <p:tav tm="0">
+                                          <p:val>
+                                            <p:strVal val="#ppt_y+.1"/>
+                                          </p:val>
+                                        </p:tav>
+                                        <p:tav tm="100000">
+                                          <p:val>
+                                            <p:strVal val="#ppt_y"/>
+                                          </p:val>
+                                        </p:tav>
+                                      </p:tavLst>
+                                    </p:anim>
+                                  </p:childTnLst>
+                                </p:cTn>
+                              </p:par>
+                            </p:childTnLst>
+                          </p:cTn>
+                        </p:par>
+                      </p:childTnLst>
+                    </p:cTn>
+                  </p:par>
+                </p:childTnLst>
+              </p:cTn>
+              <p:prevCondLst>
+                <p:cond evt="onPrev" delay="0">
+                  <p:tgtEl>
+                    <p:sldTgt/>
+                  </p:tgtEl>
+                </p:cond>
+              </p:prevCondLst>
+              <p:nextCondLst>
+                <p:cond evt="onNext" delay="0">
+                  <p:tgtEl>
+                    <p:sldTgt/>
+                  </p:tgtEl>
+                </p:cond>
+              </p:nextCondLst>
+            </p:seq>
+          </p:childTnLst>
+        </p:cTn>
       </p:par>
     </p:tnLst>
   </p:timing>
@@ -11469,13 +12303,13 @@
         </p:nvSpPr>
         <p:spPr>
           <a:xfrm>
-            <a:off x="685800" y="990600"/>
-            <a:ext cx="7772400" cy="5562600"/>
+            <a:off x="1828800" y="742950"/>
+            <a:ext cx="6172200" cy="4171950"/>
           </a:xfrm>
         </p:spPr>
         <p:txBody>
           <a:bodyPr>
-            <a:normAutofit lnSpcReduction="10000"/>
+            <a:noAutofit/>
           </a:bodyPr>
           <a:lstStyle/>
           <a:p>
@@ -11483,15 +12317,15 @@
               <a:buNone/>
             </a:pPr>
             <a:r>
-              <a:rPr lang="en-US" dirty="0"/>
+              <a:rPr lang="en-US" sz="2300" dirty="0"/>
               <a:t>/* </a:t>
             </a:r>
             <a:r>
-              <a:rPr lang="en-US" dirty="0" smtClean="0"/>
+              <a:rPr lang="en-US" sz="2300" dirty="0" smtClean="0"/>
               <a:t>iPads/tablets </a:t>
             </a:r>
             <a:r>
-              <a:rPr lang="en-US" dirty="0"/>
+              <a:rPr lang="en-US" sz="2300" dirty="0"/>
               <a:t>*/</a:t>
             </a:r>
           </a:p>
@@ -11500,11 +12334,11 @@
               <a:buNone/>
             </a:pPr>
             <a:r>
-              <a:rPr lang="en-US" dirty="0" smtClean="0"/>
+              <a:rPr lang="en-US" sz="2300" dirty="0" smtClean="0"/>
               <a:t>@</a:t>
             </a:r>
             <a:r>
-              <a:rPr lang="en-US" dirty="0"/>
+              <a:rPr lang="en-US" sz="2300" dirty="0"/>
               <a:t>media only screen </a:t>
             </a:r>
           </a:p>
@@ -11513,11 +12347,11 @@
               <a:buNone/>
             </a:pPr>
             <a:r>
-              <a:rPr lang="en-US" dirty="0" smtClean="0"/>
+              <a:rPr lang="en-US" sz="2300" dirty="0" smtClean="0"/>
               <a:t>	and </a:t>
             </a:r>
             <a:r>
-              <a:rPr lang="en-US" dirty="0"/>
+              <a:rPr lang="en-US" sz="2300" dirty="0"/>
               <a:t>(min-device-width : 768px) </a:t>
             </a:r>
           </a:p>
@@ -11526,33 +12360,33 @@
               <a:buNone/>
             </a:pPr>
             <a:r>
-              <a:rPr lang="en-US" dirty="0"/>
+              <a:rPr lang="en-US" sz="2300" dirty="0"/>
               <a:t>	</a:t>
             </a:r>
             <a:r>
-              <a:rPr lang="en-US" dirty="0" smtClean="0"/>
+              <a:rPr lang="en-US" sz="2300" dirty="0" smtClean="0"/>
               <a:t>and </a:t>
             </a:r>
             <a:r>
-              <a:rPr lang="en-US" dirty="0"/>
+              <a:rPr lang="en-US" sz="2300" dirty="0"/>
               <a:t>(max-device-width : 1024px) </a:t>
             </a:r>
             <a:r>
-              <a:rPr lang="en-US" dirty="0" smtClean="0"/>
+              <a:rPr lang="en-US" sz="2300" dirty="0" smtClean="0"/>
               <a:t>{</a:t>
             </a:r>
             <a:r>
-              <a:rPr lang="en-US" dirty="0"/>
+              <a:rPr lang="en-US" sz="2300" dirty="0"/>
               <a:t>	</a:t>
             </a:r>
-            <a:endParaRPr lang="en-US" dirty="0" smtClean="0"/>
+            <a:endParaRPr lang="en-US" sz="2300" dirty="0" smtClean="0"/>
           </a:p>
           <a:p>
             <a:pPr marL="0" indent="0">
               <a:buNone/>
             </a:pPr>
             <a:r>
-              <a:rPr lang="en-US" dirty="0" smtClean="0"/>
+              <a:rPr lang="en-US" sz="2300" dirty="0" smtClean="0"/>
               <a:t>		</a:t>
             </a:r>
           </a:p>
@@ -11561,19 +12395,19 @@
               <a:buNone/>
             </a:pPr>
             <a:r>
-              <a:rPr lang="en-US" dirty="0"/>
+              <a:rPr lang="en-US" sz="2300" dirty="0"/>
               <a:t>	</a:t>
             </a:r>
             <a:r>
-              <a:rPr lang="en-US" dirty="0" smtClean="0"/>
+              <a:rPr lang="en-US" sz="2300" dirty="0" smtClean="0"/>
               <a:t>	.</a:t>
             </a:r>
             <a:r>
-              <a:rPr lang="en-US" dirty="0" err="1"/>
+              <a:rPr lang="en-US" sz="2300" dirty="0" err="1"/>
               <a:t>img</a:t>
             </a:r>
             <a:r>
-              <a:rPr lang="en-US" dirty="0"/>
+              <a:rPr lang="en-US" sz="2300" dirty="0"/>
               <a:t>-round  {</a:t>
             </a:r>
           </a:p>
@@ -11582,15 +12416,15 @@
               <a:buNone/>
             </a:pPr>
             <a:r>
-              <a:rPr lang="en-US" dirty="0"/>
+              <a:rPr lang="en-US" sz="2300" dirty="0"/>
               <a:t>			height: </a:t>
             </a:r>
             <a:r>
-              <a:rPr lang="en-US" dirty="0" smtClean="0"/>
+              <a:rPr lang="en-US" sz="2300" dirty="0" smtClean="0"/>
               <a:t>60</a:t>
             </a:r>
             <a:r>
-              <a:rPr lang="en-US" dirty="0"/>
+              <a:rPr lang="en-US" sz="2300" dirty="0"/>
               <a:t>%;</a:t>
             </a:r>
           </a:p>
@@ -11599,25 +12433,25 @@
               <a:buNone/>
             </a:pPr>
             <a:r>
-              <a:rPr lang="en-US" dirty="0"/>
+              <a:rPr lang="en-US" sz="2300" dirty="0"/>
               <a:t>			width: </a:t>
             </a:r>
             <a:r>
-              <a:rPr lang="en-US" dirty="0" smtClean="0"/>
+              <a:rPr lang="en-US" sz="2300" dirty="0" smtClean="0"/>
               <a:t>80%;</a:t>
             </a:r>
-            <a:endParaRPr lang="en-US" dirty="0"/>
+            <a:endParaRPr lang="en-US" sz="2300" dirty="0"/>
           </a:p>
           <a:p>
             <a:pPr marL="0" indent="0">
               <a:buNone/>
             </a:pPr>
             <a:r>
-              <a:rPr lang="en-US" dirty="0"/>
+              <a:rPr lang="en-US" sz="2300" dirty="0"/>
               <a:t>		</a:t>
             </a:r>
             <a:r>
-              <a:rPr lang="en-US" dirty="0" smtClean="0"/>
+              <a:rPr lang="en-US" sz="2300" dirty="0" smtClean="0"/>
               <a:t>}</a:t>
             </a:r>
           </a:p>
@@ -11626,13 +12460,10 @@
               <a:buNone/>
             </a:pPr>
             <a:r>
-              <a:rPr lang="en-US" dirty="0" smtClean="0"/>
+              <a:rPr lang="en-US" sz="2300" dirty="0" smtClean="0"/>
               <a:t>}</a:t>
             </a:r>
-            <a:endParaRPr lang="en-US" dirty="0"/>
-          </a:p>
-          <a:p>
-            <a:endParaRPr lang="en-US" dirty="0"/>
+            <a:endParaRPr lang="en-US" sz="2300" dirty="0"/>
           </a:p>
         </p:txBody>
       </p:sp>
@@ -11708,13 +12539,13 @@
         </p:nvSpPr>
         <p:spPr>
           <a:xfrm>
-            <a:off x="685800" y="1066800"/>
-            <a:ext cx="7772400" cy="5486400"/>
+            <a:off x="2057400" y="800100"/>
+            <a:ext cx="5257800" cy="4114800"/>
           </a:xfrm>
         </p:spPr>
         <p:txBody>
           <a:bodyPr>
-            <a:normAutofit lnSpcReduction="10000"/>
+            <a:noAutofit/>
           </a:bodyPr>
           <a:lstStyle/>
           <a:p>
@@ -11722,7 +12553,7 @@
               <a:buNone/>
             </a:pPr>
             <a:r>
-              <a:rPr lang="en-US" dirty="0"/>
+              <a:rPr lang="en-US" sz="2300" dirty="0"/>
               <a:t>/* Desktops and laptops ----------- */</a:t>
             </a:r>
           </a:p>
@@ -11731,11 +12562,11 @@
               <a:buNone/>
             </a:pPr>
             <a:r>
-              <a:rPr lang="en-US" dirty="0" smtClean="0"/>
+              <a:rPr lang="en-US" sz="2300" dirty="0" smtClean="0"/>
               <a:t>@</a:t>
             </a:r>
             <a:r>
-              <a:rPr lang="en-US" dirty="0"/>
+              <a:rPr lang="en-US" sz="2300" dirty="0"/>
               <a:t>media only screen </a:t>
             </a:r>
           </a:p>
@@ -11744,15 +12575,15 @@
               <a:buNone/>
             </a:pPr>
             <a:r>
-              <a:rPr lang="en-US" dirty="0"/>
+              <a:rPr lang="en-US" sz="2300" dirty="0"/>
               <a:t>	</a:t>
             </a:r>
             <a:r>
-              <a:rPr lang="en-US" dirty="0" smtClean="0"/>
+              <a:rPr lang="en-US" sz="2300" dirty="0" smtClean="0"/>
               <a:t>and </a:t>
             </a:r>
             <a:r>
-              <a:rPr lang="en-US" dirty="0"/>
+              <a:rPr lang="en-US" sz="2300" dirty="0"/>
               <a:t>(min-width : 1224px) {</a:t>
             </a:r>
           </a:p>
@@ -11761,25 +12592,25 @@
               <a:buNone/>
             </a:pPr>
             <a:r>
-              <a:rPr lang="en-US" dirty="0"/>
+              <a:rPr lang="en-US" sz="2300" dirty="0"/>
               <a:t>			</a:t>
             </a:r>
-            <a:endParaRPr lang="en-US" dirty="0" smtClean="0"/>
+            <a:endParaRPr lang="en-US" sz="2300" dirty="0" smtClean="0"/>
           </a:p>
           <a:p>
             <a:pPr marL="0" indent="0">
               <a:buNone/>
             </a:pPr>
             <a:r>
-              <a:rPr lang="en-US" dirty="0" smtClean="0"/>
+              <a:rPr lang="en-US" sz="2300" dirty="0" smtClean="0"/>
               <a:t>		.</a:t>
             </a:r>
             <a:r>
-              <a:rPr lang="en-US" dirty="0" err="1"/>
+              <a:rPr lang="en-US" sz="2300" dirty="0" err="1"/>
               <a:t>img</a:t>
             </a:r>
             <a:r>
-              <a:rPr lang="en-US" dirty="0"/>
+              <a:rPr lang="en-US" sz="2300" dirty="0"/>
               <a:t>-round  {</a:t>
             </a:r>
           </a:p>
@@ -11788,15 +12619,15 @@
               <a:buNone/>
             </a:pPr>
             <a:r>
-              <a:rPr lang="en-US" dirty="0"/>
+              <a:rPr lang="en-US" sz="2300" dirty="0"/>
               <a:t>			height: </a:t>
             </a:r>
             <a:r>
-              <a:rPr lang="en-US" dirty="0" smtClean="0"/>
+              <a:rPr lang="en-US" sz="2300" dirty="0" smtClean="0"/>
               <a:t>20</a:t>
             </a:r>
             <a:r>
-              <a:rPr lang="en-US" dirty="0"/>
+              <a:rPr lang="en-US" sz="2300" dirty="0"/>
               <a:t>%;</a:t>
             </a:r>
           </a:p>
@@ -11805,15 +12636,15 @@
               <a:buNone/>
             </a:pPr>
             <a:r>
-              <a:rPr lang="en-US" dirty="0"/>
+              <a:rPr lang="en-US" sz="2300" dirty="0"/>
               <a:t>			width: </a:t>
             </a:r>
             <a:r>
-              <a:rPr lang="en-US" dirty="0" smtClean="0"/>
+              <a:rPr lang="en-US" sz="2300" dirty="0" smtClean="0"/>
               <a:t>40</a:t>
             </a:r>
             <a:r>
-              <a:rPr lang="en-US" dirty="0"/>
+              <a:rPr lang="en-US" sz="2300" dirty="0"/>
               <a:t>%;</a:t>
             </a:r>
           </a:p>
@@ -11822,11 +12653,11 @@
               <a:buNone/>
             </a:pPr>
             <a:r>
-              <a:rPr lang="en-US" dirty="0"/>
+              <a:rPr lang="en-US" sz="2300" dirty="0"/>
               <a:t>		</a:t>
             </a:r>
             <a:r>
-              <a:rPr lang="en-US" dirty="0" smtClean="0"/>
+              <a:rPr lang="en-US" sz="2300" dirty="0" smtClean="0"/>
               <a:t>}</a:t>
             </a:r>
           </a:p>
@@ -11834,17 +12665,17 @@
             <a:pPr marL="0" indent="0">
               <a:buNone/>
             </a:pPr>
-            <a:endParaRPr lang="en-US" dirty="0"/>
+            <a:endParaRPr lang="en-US" sz="2300" dirty="0"/>
           </a:p>
           <a:p>
             <a:pPr marL="0" indent="0">
               <a:buNone/>
             </a:pPr>
             <a:r>
-              <a:rPr lang="en-US" dirty="0" smtClean="0"/>
+              <a:rPr lang="en-US" sz="2300" dirty="0" smtClean="0"/>
               <a:t>}</a:t>
             </a:r>
-            <a:endParaRPr lang="en-US" dirty="0"/>
+            <a:endParaRPr lang="en-US" sz="2300" dirty="0"/>
           </a:p>
         </p:txBody>
       </p:sp>
@@ -11920,12 +12751,14 @@
         </p:nvSpPr>
         <p:spPr>
           <a:xfrm>
-            <a:off x="914400" y="990600"/>
-            <a:ext cx="1981200" cy="609600"/>
+            <a:off x="1615440" y="742950"/>
+            <a:ext cx="1981200" cy="457200"/>
           </a:xfrm>
         </p:spPr>
         <p:txBody>
-          <a:bodyPr/>
+          <a:bodyPr>
+            <a:normAutofit fontScale="92500" lnSpcReduction="20000"/>
+          </a:bodyPr>
           <a:lstStyle/>
           <a:p>
             <a:pPr marL="0" indent="0">
@@ -11985,8 +12818,8 @@
         </p:blipFill>
         <p:spPr bwMode="auto">
           <a:xfrm>
-            <a:off x="990599" y="1574704"/>
-            <a:ext cx="3078537" cy="5130895"/>
+            <a:off x="1691640" y="1181029"/>
+            <a:ext cx="2286319" cy="3810532"/>
           </a:xfrm>
           <a:prstGeom prst="rect">
             <a:avLst/>
@@ -12013,8 +12846,8 @@
         </p:nvSpPr>
         <p:spPr>
           <a:xfrm>
-            <a:off x="4648200" y="994229"/>
-            <a:ext cx="1981200" cy="609600"/>
+            <a:off x="5029200" y="745672"/>
+            <a:ext cx="1981200" cy="457200"/>
           </a:xfrm>
           <a:prstGeom prst="rect">
             <a:avLst/>
@@ -12022,7 +12855,7 @@
         </p:spPr>
         <p:txBody>
           <a:bodyPr vert="horz" lIns="91440" tIns="45720" rIns="91440" bIns="45720" rtlCol="0">
-            <a:normAutofit/>
+            <a:normAutofit fontScale="92500" lnSpcReduction="20000"/>
           </a:bodyPr>
           <a:lstStyle>
             <a:lvl1pPr marL="274320" indent="-274320" algn="l" defTabSz="914400" rtl="0" eaLnBrk="1" latinLnBrk="0" hangingPunct="1">
@@ -12183,7 +13016,7 @@
           <p:nvPr/>
         </p:nvPicPr>
         <p:blipFill>
-          <a:blip r:embed="rId4">
+          <a:blip r:embed="rId4" cstate="print">
             <a:extLst>
               <a:ext uri="{28A0092B-C50C-407E-A947-70E740481C1C}">
                 <a14:useLocalDpi xmlns:a14="http://schemas.microsoft.com/office/drawing/2010/main" val="0"/>
@@ -12197,8 +13030,8 @@
         </p:blipFill>
         <p:spPr bwMode="auto">
           <a:xfrm>
-            <a:off x="4724400" y="1574704"/>
-            <a:ext cx="2895600" cy="5139690"/>
+            <a:off x="5105400" y="1181028"/>
+            <a:ext cx="2194560" cy="3895344"/>
           </a:xfrm>
           <a:prstGeom prst="rect">
             <a:avLst/>
@@ -12264,8 +13097,8 @@
         </p:nvSpPr>
         <p:spPr>
           <a:xfrm>
-            <a:off x="685800" y="1143000"/>
-            <a:ext cx="7924800" cy="4495800"/>
+            <a:off x="685800" y="857250"/>
+            <a:ext cx="7924800" cy="4610100"/>
           </a:xfrm>
         </p:spPr>
         <p:txBody>
@@ -12278,7 +13111,7 @@
               <a:buNone/>
             </a:pPr>
             <a:r>
-              <a:rPr lang="en-US" sz="4800" i="0" dirty="0" smtClean="0">
+              <a:rPr lang="en-US" sz="4600" i="0" dirty="0" smtClean="0">
                 <a:solidFill>
                   <a:srgbClr val="FF0000"/>
                 </a:solidFill>
@@ -12286,7 +13119,7 @@
               <a:t>~$700, </a:t>
             </a:r>
             <a:r>
-              <a:rPr lang="en-US" sz="4800" i="0" dirty="0">
+              <a:rPr lang="en-US" sz="4600" i="0" dirty="0">
                 <a:solidFill>
                   <a:srgbClr val="FF0000"/>
                 </a:solidFill>
@@ -12294,7 +13127,7 @@
               <a:t>E</a:t>
             </a:r>
             <a:r>
-              <a:rPr lang="en-US" sz="4800" i="0" dirty="0" smtClean="0">
+              <a:rPr lang="en-US" sz="4600" i="0" dirty="0" smtClean="0">
                 <a:solidFill>
                   <a:srgbClr val="FF0000"/>
                 </a:solidFill>
@@ -12306,14 +13139,14 @@
             <a:pPr marL="0" indent="0" algn="ctr">
               <a:buNone/>
             </a:pPr>
-            <a:endParaRPr lang="en-US" sz="4800" i="0" dirty="0" smtClean="0"/>
+            <a:endParaRPr lang="en-US" sz="4600" i="0" dirty="0" smtClean="0"/>
           </a:p>
           <a:p>
             <a:pPr marL="0" indent="0" algn="ctr">
               <a:buNone/>
             </a:pPr>
             <a:r>
-              <a:rPr lang="en-US" sz="4800" i="0" dirty="0" smtClean="0">
+              <a:rPr lang="en-US" sz="4600" i="0" dirty="0" smtClean="0">
                 <a:solidFill>
                   <a:srgbClr val="FFFF00"/>
                 </a:solidFill>
@@ -12321,7 +13154,7 @@
               <a:t>$199, </a:t>
             </a:r>
             <a:r>
-              <a:rPr lang="en-US" sz="4800" i="0" dirty="0">
+              <a:rPr lang="en-US" sz="4600" i="0" dirty="0">
                 <a:solidFill>
                   <a:srgbClr val="FFFF00"/>
                 </a:solidFill>
@@ -12329,7 +13162,7 @@
               <a:t>L</a:t>
             </a:r>
             <a:r>
-              <a:rPr lang="en-US" sz="4800" i="0" dirty="0" smtClean="0">
+              <a:rPr lang="en-US" sz="4600" i="0" dirty="0" smtClean="0">
                 <a:solidFill>
                   <a:srgbClr val="FFFF00"/>
                 </a:solidFill>
@@ -12341,7 +13174,7 @@
             <a:pPr marL="0" indent="0" algn="ctr">
               <a:buNone/>
             </a:pPr>
-            <a:endParaRPr lang="en-US" sz="4800" i="0" dirty="0" smtClean="0">
+            <a:endParaRPr lang="en-US" sz="4600" i="0" dirty="0" smtClean="0">
               <a:solidFill>
                 <a:schemeClr val="accent2">
                   <a:lumMod val="75000"/>
@@ -12354,14 +13187,14 @@
               <a:buNone/>
             </a:pPr>
             <a:r>
-              <a:rPr lang="en-US" sz="4800" i="0" dirty="0" smtClean="0">
+              <a:rPr lang="en-US" sz="4600" i="0" dirty="0" smtClean="0">
                 <a:solidFill>
                   <a:srgbClr val="66FF33"/>
                 </a:solidFill>
               </a:rPr>
               <a:t>Free/open-source, April 2014 </a:t>
             </a:r>
-            <a:endParaRPr lang="en-US" sz="4800" i="0" dirty="0">
+            <a:endParaRPr lang="en-US" sz="4600" i="0" dirty="0">
               <a:solidFill>
                 <a:srgbClr val="66FF33"/>
               </a:solidFill>
@@ -12408,8 +13241,8 @@
         </p:nvSpPr>
         <p:spPr>
           <a:xfrm>
-            <a:off x="152400" y="6400800"/>
-            <a:ext cx="2133600" cy="369332"/>
+            <a:off x="0" y="4840129"/>
+            <a:ext cx="990600" cy="246221"/>
           </a:xfrm>
           <a:prstGeom prst="rect">
             <a:avLst/>
@@ -12423,12 +13256,12 @@
           <a:lstStyle/>
           <a:p>
             <a:r>
-              <a:rPr lang="en-US" dirty="0" smtClean="0">
+              <a:rPr lang="en-US" sz="1000" dirty="0" smtClean="0">
                 <a:hlinkClick r:id="rId2"/>
               </a:rPr>
               <a:t>Telerik</a:t>
             </a:r>
-            <a:endParaRPr lang="en-US" dirty="0"/>
+            <a:endParaRPr lang="en-US" sz="1000" dirty="0"/>
           </a:p>
         </p:txBody>
       </p:sp>
@@ -12813,8 +13646,8 @@
         </p:nvSpPr>
         <p:spPr>
           <a:xfrm>
-            <a:off x="1828800" y="2133600"/>
-            <a:ext cx="5562600" cy="838200"/>
+            <a:off x="1295400" y="971550"/>
+            <a:ext cx="6629400" cy="3181350"/>
           </a:xfrm>
         </p:spPr>
         <p:txBody>
@@ -12824,17 +13657,17 @@
           <a:lstStyle/>
           <a:p>
             <a:r>
-              <a:rPr lang="en-US" sz="5500" dirty="0" smtClean="0"/>
+              <a:rPr lang="en-US" sz="7200" dirty="0" smtClean="0"/>
               <a:t>Creating a hybrid app:</a:t>
             </a:r>
             <a:br>
-              <a:rPr lang="en-US" sz="5500" dirty="0" smtClean="0"/>
+              <a:rPr lang="en-US" sz="7200" dirty="0" smtClean="0"/>
             </a:br>
             <a:r>
-              <a:rPr lang="en-US" sz="5500" dirty="0" smtClean="0"/>
+              <a:rPr lang="en-US" sz="7200" dirty="0" smtClean="0"/>
               <a:t>native</a:t>
             </a:r>
-            <a:endParaRPr lang="en-US" sz="5500" dirty="0"/>
+            <a:endParaRPr lang="en-US" sz="7200" dirty="0"/>
           </a:p>
         </p:txBody>
       </p:sp>
@@ -12921,8 +13754,8 @@
         </p:blipFill>
         <p:spPr bwMode="auto">
           <a:xfrm>
-            <a:off x="3429000" y="1240971"/>
-            <a:ext cx="2615105" cy="5353274"/>
+            <a:off x="3657600" y="930729"/>
+            <a:ext cx="1959293" cy="4010787"/>
           </a:xfrm>
           <a:prstGeom prst="rect">
             <a:avLst/>
@@ -12960,8 +13793,8 @@
         </p:nvSpPr>
         <p:spPr>
           <a:xfrm>
-            <a:off x="3962400" y="2819400"/>
-            <a:ext cx="774152" cy="1600200"/>
+            <a:off x="4038600" y="2114550"/>
+            <a:ext cx="598646" cy="1143000"/>
           </a:xfrm>
           <a:prstGeom prst="rect">
             <a:avLst/>
@@ -13006,8 +13839,8 @@
         </p:nvSpPr>
         <p:spPr>
           <a:xfrm>
-            <a:off x="3810000" y="2438400"/>
-            <a:ext cx="1828800" cy="2057400"/>
+            <a:off x="3962400" y="1828800"/>
+            <a:ext cx="1371600" cy="1543050"/>
           </a:xfrm>
           <a:prstGeom prst="rect">
             <a:avLst/>
@@ -13052,8 +13885,8 @@
         </p:nvSpPr>
         <p:spPr>
           <a:xfrm>
-            <a:off x="4800600" y="2819400"/>
-            <a:ext cx="685800" cy="1600200"/>
+            <a:off x="4648200" y="2114550"/>
+            <a:ext cx="533400" cy="1143000"/>
           </a:xfrm>
           <a:prstGeom prst="rect">
             <a:avLst/>
@@ -13098,8 +13931,8 @@
         </p:nvSpPr>
         <p:spPr>
           <a:xfrm>
-            <a:off x="3810000" y="5124450"/>
-            <a:ext cx="1828800" cy="400050"/>
+            <a:off x="3962400" y="3843337"/>
+            <a:ext cx="1371600" cy="300038"/>
           </a:xfrm>
           <a:prstGeom prst="rect">
             <a:avLst/>
@@ -13595,8 +14428,8 @@
         </p:nvSpPr>
         <p:spPr>
           <a:xfrm>
-            <a:off x="609600" y="990600"/>
-            <a:ext cx="7772400" cy="5293757"/>
+            <a:off x="990600" y="742950"/>
+            <a:ext cx="7772400" cy="4154984"/>
           </a:xfrm>
           <a:prstGeom prst="rect">
             <a:avLst/>
@@ -13610,7 +14443,7 @@
           <a:lstStyle/>
           <a:p>
             <a:r>
-              <a:rPr lang="en-US" sz="2600" b="1" dirty="0" smtClean="0">
+              <a:rPr lang="en-US" sz="2400" b="1" dirty="0" smtClean="0">
                 <a:solidFill>
                   <a:schemeClr val="bg1"/>
                 </a:solidFill>
@@ -13624,12 +14457,20 @@
               <a:buChar char="-"/>
             </a:pPr>
             <a:r>
-              <a:rPr lang="en-US" sz="2600" dirty="0" smtClean="0">
+              <a:rPr lang="en-US" sz="2400" dirty="0" smtClean="0">
                 <a:solidFill>
                   <a:schemeClr val="bg1"/>
                 </a:solidFill>
               </a:rPr>
-              <a:t>Implements native “wiring” for you</a:t>
+              <a:t>JS framework that implements </a:t>
+            </a:r>
+            <a:r>
+              <a:rPr lang="en-US" sz="2400" dirty="0" smtClean="0">
+                <a:solidFill>
+                  <a:schemeClr val="bg1"/>
+                </a:solidFill>
+              </a:rPr>
+              <a:t>native “wiring” for you</a:t>
             </a:r>
           </a:p>
           <a:p>
@@ -13638,7 +14479,7 @@
               <a:buChar char="-"/>
             </a:pPr>
             <a:r>
-              <a:rPr lang="en-US" sz="2600" dirty="0" smtClean="0">
+              <a:rPr lang="en-US" sz="2400" dirty="0" smtClean="0">
                 <a:solidFill>
                   <a:schemeClr val="bg1"/>
                 </a:solidFill>
@@ -13652,7 +14493,7 @@
               <a:buChar char="-"/>
             </a:pPr>
             <a:r>
-              <a:rPr lang="en-US" sz="2600" dirty="0" smtClean="0">
+              <a:rPr lang="en-US" sz="2400" dirty="0" smtClean="0">
                 <a:solidFill>
                   <a:schemeClr val="bg1"/>
                 </a:solidFill>
@@ -13661,14 +14502,14 @@
             </a:r>
           </a:p>
           <a:p>
-            <a:endParaRPr lang="en-US" sz="2600" dirty="0">
+            <a:endParaRPr lang="en-US" sz="2400" dirty="0">
               <a:solidFill>
                 <a:schemeClr val="bg1"/>
               </a:solidFill>
             </a:endParaRPr>
           </a:p>
           <a:p>
-            <a:endParaRPr lang="en-US" sz="2600" dirty="0" smtClean="0">
+            <a:endParaRPr lang="en-US" sz="2400" dirty="0" smtClean="0">
               <a:solidFill>
                 <a:schemeClr val="bg1"/>
               </a:solidFill>
@@ -13676,7 +14517,7 @@
           </a:p>
           <a:p>
             <a:r>
-              <a:rPr lang="en-US" sz="2600" b="1" dirty="0" smtClean="0">
+              <a:rPr lang="en-US" sz="2400" b="1" dirty="0" smtClean="0">
                 <a:solidFill>
                   <a:schemeClr val="bg1"/>
                 </a:solidFill>
@@ -13690,7 +14531,7 @@
               <a:buChar char="-"/>
             </a:pPr>
             <a:r>
-              <a:rPr lang="en-US" sz="2600" dirty="0">
+              <a:rPr lang="en-US" sz="2400" dirty="0">
                 <a:solidFill>
                   <a:schemeClr val="bg1"/>
                 </a:solidFill>
@@ -13698,7 +14539,7 @@
               <a:t>C</a:t>
             </a:r>
             <a:r>
-              <a:rPr lang="en-US" sz="2600" dirty="0" smtClean="0">
+              <a:rPr lang="en-US" sz="2400" dirty="0" smtClean="0">
                 <a:solidFill>
                   <a:schemeClr val="bg1"/>
                 </a:solidFill>
@@ -13706,7 +14547,7 @@
               <a:t>loud </a:t>
             </a:r>
             <a:r>
-              <a:rPr lang="en-US" sz="2600" dirty="0">
+              <a:rPr lang="en-US" sz="2400" dirty="0">
                 <a:solidFill>
                   <a:schemeClr val="bg1"/>
                 </a:solidFill>
@@ -13714,7 +14555,7 @@
               <a:t>service </a:t>
             </a:r>
             <a:r>
-              <a:rPr lang="en-US" sz="2600" dirty="0" smtClean="0">
+              <a:rPr lang="en-US" sz="2400" dirty="0" smtClean="0">
                 <a:solidFill>
                   <a:schemeClr val="bg1"/>
                 </a:solidFill>
@@ -13728,7 +14569,7 @@
               <a:buChar char="-"/>
             </a:pPr>
             <a:r>
-              <a:rPr lang="en-US" sz="2600" dirty="0" smtClean="0">
+              <a:rPr lang="en-US" sz="2400" dirty="0" smtClean="0">
                 <a:solidFill>
                   <a:schemeClr val="bg1"/>
                 </a:solidFill>
@@ -13736,7 +14577,7 @@
               <a:t>No SDKs</a:t>
             </a:r>
             <a:r>
-              <a:rPr lang="en-US" sz="2600" dirty="0">
+              <a:rPr lang="en-US" sz="2400" dirty="0">
                 <a:solidFill>
                   <a:schemeClr val="bg1"/>
                 </a:solidFill>
@@ -13744,7 +14585,7 @@
               <a:t>, </a:t>
             </a:r>
             <a:r>
-              <a:rPr lang="en-US" sz="2600" dirty="0" smtClean="0">
+              <a:rPr lang="en-US" sz="2400" dirty="0" smtClean="0">
                 <a:solidFill>
                   <a:schemeClr val="bg1"/>
                 </a:solidFill>
@@ -13758,14 +14599,14 @@
               <a:buChar char="-"/>
             </a:pPr>
             <a:r>
-              <a:rPr lang="en-US" sz="2600" dirty="0" smtClean="0">
+              <a:rPr lang="en-US" sz="2400" dirty="0" smtClean="0">
                 <a:solidFill>
                   <a:schemeClr val="bg1"/>
                 </a:solidFill>
               </a:rPr>
               <a:t>1 private app free, unlimited open source apps </a:t>
             </a:r>
-            <a:endParaRPr lang="en-US" sz="2600" dirty="0">
+            <a:endParaRPr lang="en-US" sz="2400" dirty="0">
               <a:solidFill>
                 <a:schemeClr val="bg1"/>
               </a:solidFill>
@@ -14657,13 +15498,13 @@
         </p:nvSpPr>
         <p:spPr>
           <a:xfrm>
-            <a:off x="685800" y="1143000"/>
-            <a:ext cx="7696200" cy="5562600"/>
+            <a:off x="2971800" y="819150"/>
+            <a:ext cx="5486400" cy="4171950"/>
           </a:xfrm>
         </p:spPr>
         <p:txBody>
           <a:bodyPr>
-            <a:normAutofit fontScale="92500" lnSpcReduction="10000"/>
+            <a:normAutofit fontScale="77500" lnSpcReduction="20000"/>
           </a:bodyPr>
           <a:lstStyle/>
           <a:p>
@@ -14768,7 +15609,12 @@
             <p:ph type="title"/>
           </p:nvPr>
         </p:nvSpPr>
-        <p:spPr/>
+        <p:spPr>
+          <a:xfrm>
+            <a:off x="1828800" y="133350"/>
+            <a:ext cx="5562600" cy="628650"/>
+          </a:xfrm>
+        </p:spPr>
         <p:txBody>
           <a:bodyPr/>
           <a:lstStyle/>
@@ -14830,13 +15676,13 @@
         </p:nvSpPr>
         <p:spPr>
           <a:xfrm>
-            <a:off x="838200" y="1219200"/>
-            <a:ext cx="7467600" cy="5290066"/>
+            <a:off x="838200" y="914400"/>
+            <a:ext cx="7467600" cy="3967550"/>
           </a:xfrm>
         </p:spPr>
         <p:txBody>
           <a:bodyPr>
-            <a:normAutofit fontScale="85000" lnSpcReduction="10000"/>
+            <a:normAutofit fontScale="70000" lnSpcReduction="20000"/>
           </a:bodyPr>
           <a:lstStyle/>
           <a:p>
@@ -14944,8 +15790,8 @@
         </p:nvSpPr>
         <p:spPr>
           <a:xfrm>
-            <a:off x="914400" y="228600"/>
-            <a:ext cx="7848600" cy="685800"/>
+            <a:off x="914400" y="171450"/>
+            <a:ext cx="7848600" cy="514350"/>
           </a:xfrm>
         </p:spPr>
         <p:txBody>
@@ -14974,8 +15820,8 @@
         </p:nvSpPr>
         <p:spPr>
           <a:xfrm>
-            <a:off x="8305800" y="6324600"/>
-            <a:ext cx="1143000" cy="369332"/>
+            <a:off x="8458200" y="4781550"/>
+            <a:ext cx="1143000" cy="246221"/>
           </a:xfrm>
           <a:prstGeom prst="rect">
             <a:avLst/>
@@ -14989,10 +15835,10 @@
           <a:lstStyle/>
           <a:p>
             <a:r>
-              <a:rPr lang="en-US" dirty="0" smtClean="0"/>
+              <a:rPr lang="en-US" sz="1000" dirty="0" smtClean="0"/>
               <a:t>demo</a:t>
             </a:r>
-            <a:endParaRPr lang="en-US" dirty="0"/>
+            <a:endParaRPr lang="en-US" sz="1000" dirty="0"/>
           </a:p>
         </p:txBody>
       </p:sp>
@@ -15019,8 +15865,8 @@
         </p:blipFill>
         <p:spPr bwMode="auto">
           <a:xfrm>
-            <a:off x="7038199" y="1386114"/>
-            <a:ext cx="1267601" cy="1072058"/>
+            <a:off x="6705600" y="1174173"/>
+            <a:ext cx="1143000" cy="966678"/>
           </a:xfrm>
           <a:prstGeom prst="rect">
             <a:avLst/>
@@ -16220,36 +17066,6 @@
       </p:grpSpPr>
       <p:sp>
         <p:nvSpPr>
-          <p:cNvPr id="2" name="Content Placeholder 1"/>
-          <p:cNvSpPr>
-            <a:spLocks noGrp="1"/>
-          </p:cNvSpPr>
-          <p:nvPr>
-            <p:ph sz="quarter" idx="13"/>
-          </p:nvPr>
-        </p:nvSpPr>
-        <p:spPr>
-          <a:xfrm>
-            <a:off x="533400" y="914400"/>
-            <a:ext cx="7924800" cy="762000"/>
-          </a:xfrm>
-        </p:spPr>
-        <p:txBody>
-          <a:bodyPr>
-            <a:normAutofit fontScale="85000" lnSpcReduction="20000"/>
-          </a:bodyPr>
-          <a:lstStyle/>
-          <a:p>
-            <a:r>
-              <a:rPr lang="en-US" dirty="0" smtClean="0"/>
-              <a:t>Easily build multiple versions of app from same codebase:</a:t>
-            </a:r>
-            <a:endParaRPr lang="en-US" dirty="0"/>
-          </a:p>
-        </p:txBody>
-      </p:sp>
-      <p:sp>
-        <p:nvSpPr>
           <p:cNvPr id="3" name="Title 2"/>
           <p:cNvSpPr>
             <a:spLocks noGrp="1"/>
@@ -16260,8 +17076,8 @@
         </p:nvSpPr>
         <p:spPr>
           <a:xfrm>
-            <a:off x="1219200" y="152400"/>
-            <a:ext cx="8077200" cy="533400"/>
+            <a:off x="1219200" y="114300"/>
+            <a:ext cx="8077200" cy="400050"/>
           </a:xfrm>
         </p:spPr>
         <p:txBody>
@@ -16305,8 +17121,8 @@
         </p:blipFill>
         <p:spPr bwMode="auto">
           <a:xfrm>
-            <a:off x="242888" y="881063"/>
-            <a:ext cx="8658225" cy="5095875"/>
+            <a:off x="1507332" y="819150"/>
+            <a:ext cx="6493669" cy="3821906"/>
           </a:xfrm>
           <a:prstGeom prst="rect">
             <a:avLst/>
@@ -16344,8 +17160,8 @@
         </p:nvSpPr>
         <p:spPr>
           <a:xfrm>
-            <a:off x="8001000" y="6504801"/>
-            <a:ext cx="1509713" cy="276999"/>
+            <a:off x="8320087" y="4878601"/>
+            <a:ext cx="1509713" cy="215444"/>
           </a:xfrm>
           <a:prstGeom prst="rect">
             <a:avLst/>
@@ -16359,10 +17175,10 @@
           <a:lstStyle/>
           <a:p>
             <a:r>
-              <a:rPr lang="en-US" sz="1200" dirty="0" smtClean="0"/>
+              <a:rPr lang="en-US" sz="800" dirty="0" smtClean="0"/>
               <a:t>No Internet</a:t>
             </a:r>
-            <a:endParaRPr lang="en-US" sz="1200" dirty="0"/>
+            <a:endParaRPr lang="en-US" sz="800" dirty="0"/>
           </a:p>
         </p:txBody>
       </p:sp>
@@ -16432,14 +17248,14 @@
       </p:sp>
       <p:sp>
         <p:nvSpPr>
-          <p:cNvPr id="4" name="TextBox 3"/>
+          <p:cNvPr id="5" name="TextBox 4"/>
           <p:cNvSpPr txBox="1"/>
           <p:nvPr/>
         </p:nvSpPr>
         <p:spPr>
           <a:xfrm>
-            <a:off x="8001000" y="6504801"/>
-            <a:ext cx="1509713" cy="276999"/>
+            <a:off x="8320087" y="4878601"/>
+            <a:ext cx="1509713" cy="215444"/>
           </a:xfrm>
           <a:prstGeom prst="rect">
             <a:avLst/>
@@ -16453,13 +17269,121 @@
           <a:lstStyle/>
           <a:p>
             <a:r>
-              <a:rPr lang="en-US" sz="1200" dirty="0" smtClean="0"/>
+              <a:rPr lang="en-US" sz="800" dirty="0" smtClean="0"/>
               <a:t>No Internet</a:t>
             </a:r>
-            <a:endParaRPr lang="en-US" sz="1200" dirty="0"/>
+            <a:endParaRPr lang="en-US" sz="800" dirty="0"/>
           </a:p>
         </p:txBody>
       </p:sp>
+      <p:pic>
+        <p:nvPicPr>
+          <p:cNvPr id="1026" name="Picture 2"/>
+          <p:cNvPicPr>
+            <a:picLocks noChangeAspect="1" noChangeArrowheads="1"/>
+          </p:cNvPicPr>
+          <p:nvPr/>
+        </p:nvPicPr>
+        <p:blipFill>
+          <a:blip r:embed="rId2">
+            <a:extLst>
+              <a:ext uri="{28A0092B-C50C-407E-A947-70E740481C1C}">
+                <a14:useLocalDpi xmlns:a14="http://schemas.microsoft.com/office/drawing/2010/main" val="0"/>
+              </a:ext>
+            </a:extLst>
+          </a:blip>
+          <a:srcRect/>
+          <a:stretch>
+            <a:fillRect/>
+          </a:stretch>
+        </p:blipFill>
+        <p:spPr bwMode="auto">
+          <a:xfrm>
+            <a:off x="182881" y="1656902"/>
+            <a:ext cx="4953000" cy="2344045"/>
+          </a:xfrm>
+          <a:prstGeom prst="rect">
+            <a:avLst/>
+          </a:prstGeom>
+          <a:noFill/>
+          <a:ln>
+            <a:noFill/>
+          </a:ln>
+          <a:extLst>
+            <a:ext uri="{909E8E84-426E-40DD-AFC4-6F175D3DCCD1}">
+              <a14:hiddenFill xmlns:a14="http://schemas.microsoft.com/office/drawing/2010/main">
+                <a:solidFill>
+                  <a:schemeClr val="accent1"/>
+                </a:solidFill>
+              </a14:hiddenFill>
+            </a:ext>
+            <a:ext uri="{91240B29-F687-4F45-9708-019B960494DF}">
+              <a14:hiddenLine xmlns:a14="http://schemas.microsoft.com/office/drawing/2010/main" w="9525">
+                <a:solidFill>
+                  <a:schemeClr val="tx1"/>
+                </a:solidFill>
+                <a:miter lim="800000"/>
+                <a:headEnd/>
+                <a:tailEnd/>
+              </a14:hiddenLine>
+            </a:ext>
+          </a:extLst>
+        </p:spPr>
+      </p:pic>
+      <p:pic>
+        <p:nvPicPr>
+          <p:cNvPr id="1027" name="Picture 3"/>
+          <p:cNvPicPr>
+            <a:picLocks noChangeAspect="1" noChangeArrowheads="1"/>
+          </p:cNvPicPr>
+          <p:nvPr/>
+        </p:nvPicPr>
+        <p:blipFill>
+          <a:blip r:embed="rId3">
+            <a:extLst>
+              <a:ext uri="{28A0092B-C50C-407E-A947-70E740481C1C}">
+                <a14:useLocalDpi xmlns:a14="http://schemas.microsoft.com/office/drawing/2010/main" val="0"/>
+              </a:ext>
+            </a:extLst>
+          </a:blip>
+          <a:srcRect/>
+          <a:stretch>
+            <a:fillRect/>
+          </a:stretch>
+        </p:blipFill>
+        <p:spPr bwMode="auto">
+          <a:xfrm>
+            <a:off x="5410200" y="1809750"/>
+            <a:ext cx="3276600" cy="1905414"/>
+          </a:xfrm>
+          <a:prstGeom prst="rect">
+            <a:avLst/>
+          </a:prstGeom>
+          <a:noFill/>
+          <a:ln>
+            <a:noFill/>
+          </a:ln>
+          <a:extLst>
+            <a:ext uri="{909E8E84-426E-40DD-AFC4-6F175D3DCCD1}">
+              <a14:hiddenFill xmlns:a14="http://schemas.microsoft.com/office/drawing/2010/main">
+                <a:solidFill>
+                  <a:schemeClr val="accent1"/>
+                </a:solidFill>
+              </a14:hiddenFill>
+            </a:ext>
+            <a:ext uri="{91240B29-F687-4F45-9708-019B960494DF}">
+              <a14:hiddenLine xmlns:a14="http://schemas.microsoft.com/office/drawing/2010/main" w="9525">
+                <a:solidFill>
+                  <a:schemeClr val="tx1"/>
+                </a:solidFill>
+                <a:miter lim="800000"/>
+                <a:headEnd/>
+                <a:tailEnd/>
+              </a14:hiddenLine>
+            </a:ext>
+          </a:extLst>
+        </p:spPr>
+      </p:pic>
     </p:spTree>
     <p:extLst>
       <p:ext uri="{BB962C8B-B14F-4D97-AF65-F5344CB8AC3E}">
@@ -16509,13 +17433,13 @@
         </p:nvSpPr>
         <p:spPr>
           <a:xfrm>
-            <a:off x="685800" y="1295400"/>
-            <a:ext cx="4953000" cy="5257800"/>
+            <a:off x="1371600" y="971550"/>
+            <a:ext cx="4953000" cy="3943350"/>
           </a:xfrm>
         </p:spPr>
         <p:txBody>
           <a:bodyPr>
-            <a:normAutofit/>
+            <a:normAutofit fontScale="85000" lnSpcReduction="20000"/>
           </a:bodyPr>
           <a:lstStyle/>
           <a:p>
@@ -16612,8 +17536,8 @@
         </p:nvSpPr>
         <p:spPr>
           <a:xfrm>
-            <a:off x="1828800" y="304800"/>
-            <a:ext cx="5867400" cy="838200"/>
+            <a:off x="1828800" y="228600"/>
+            <a:ext cx="5867400" cy="628650"/>
           </a:xfrm>
         </p:spPr>
         <p:txBody>
@@ -16653,8 +17577,8 @@
         </p:blipFill>
         <p:spPr bwMode="auto">
           <a:xfrm>
-            <a:off x="5901350" y="1676400"/>
-            <a:ext cx="2000250" cy="4094629"/>
+            <a:off x="6342697" y="1257301"/>
+            <a:ext cx="1505903" cy="3082671"/>
           </a:xfrm>
           <a:prstGeom prst="rect">
             <a:avLst/>
@@ -17471,8 +18395,8 @@
         </p:nvSpPr>
         <p:spPr>
           <a:xfrm>
-            <a:off x="1219200" y="1600200"/>
-            <a:ext cx="6858000" cy="838200"/>
+            <a:off x="152400" y="971550"/>
+            <a:ext cx="8839200" cy="3276600"/>
           </a:xfrm>
         </p:spPr>
         <p:txBody>
@@ -17482,10 +18406,10 @@
           <a:lstStyle/>
           <a:p>
             <a:r>
-              <a:rPr lang="en-US" sz="5500" dirty="0" smtClean="0"/>
+              <a:rPr lang="en-US" sz="7200" dirty="0" smtClean="0"/>
               <a:t>Performance considerations</a:t>
             </a:r>
-            <a:endParaRPr lang="en-US" sz="5500" dirty="0"/>
+            <a:endParaRPr lang="en-US" sz="7200" dirty="0"/>
           </a:p>
         </p:txBody>
       </p:sp>
@@ -17538,13 +18462,13 @@
         </p:nvSpPr>
         <p:spPr>
           <a:xfrm>
-            <a:off x="685800" y="1143000"/>
-            <a:ext cx="8382000" cy="5334000"/>
+            <a:off x="685800" y="857250"/>
+            <a:ext cx="8382000" cy="4000500"/>
           </a:xfrm>
         </p:spPr>
         <p:txBody>
           <a:bodyPr>
-            <a:normAutofit fontScale="92500" lnSpcReduction="20000"/>
+            <a:normAutofit fontScale="77500" lnSpcReduction="20000"/>
           </a:bodyPr>
           <a:lstStyle/>
           <a:p>
@@ -17693,8 +18617,8 @@
         </p:nvSpPr>
         <p:spPr>
           <a:xfrm>
-            <a:off x="152400" y="6412468"/>
-            <a:ext cx="2133600" cy="369332"/>
+            <a:off x="152400" y="4809351"/>
+            <a:ext cx="2133600" cy="246221"/>
           </a:xfrm>
           <a:prstGeom prst="rect">
             <a:avLst/>
@@ -17708,12 +18632,12 @@
           <a:lstStyle/>
           <a:p>
             <a:r>
-              <a:rPr lang="en-US" dirty="0">
+              <a:rPr lang="en-US" sz="1000" dirty="0">
                 <a:hlinkClick r:id="rId3"/>
               </a:rPr>
               <a:t>Apple</a:t>
             </a:r>
-            <a:endParaRPr lang="en-US" dirty="0"/>
+            <a:endParaRPr lang="en-US" sz="1000" dirty="0"/>
           </a:p>
         </p:txBody>
       </p:sp>
@@ -18461,8 +19385,8 @@
         </p:nvSpPr>
         <p:spPr>
           <a:xfrm>
-            <a:off x="1828800" y="1905000"/>
-            <a:ext cx="5562600" cy="838200"/>
+            <a:off x="1752600" y="1123950"/>
+            <a:ext cx="6096000" cy="2819400"/>
           </a:xfrm>
         </p:spPr>
         <p:txBody>
@@ -18472,10 +19396,10 @@
           <a:lstStyle/>
           <a:p>
             <a:r>
-              <a:rPr lang="en-US" sz="5500" dirty="0" smtClean="0"/>
+              <a:rPr lang="en-US" sz="7200" dirty="0" smtClean="0"/>
               <a:t>Key takeaways</a:t>
             </a:r>
-            <a:endParaRPr lang="en-US" sz="5500" dirty="0"/>
+            <a:endParaRPr lang="en-US" sz="7200" dirty="0"/>
           </a:p>
         </p:txBody>
       </p:sp>
@@ -18528,13 +19452,13 @@
         </p:nvSpPr>
         <p:spPr>
           <a:xfrm>
-            <a:off x="1524000" y="1295400"/>
-            <a:ext cx="7162800" cy="5257800"/>
+            <a:off x="2286000" y="1276350"/>
+            <a:ext cx="7162800" cy="3790950"/>
           </a:xfrm>
         </p:spPr>
         <p:txBody>
           <a:bodyPr>
-            <a:normAutofit fontScale="92500" lnSpcReduction="10000"/>
+            <a:normAutofit fontScale="70000" lnSpcReduction="20000"/>
           </a:bodyPr>
           <a:lstStyle/>
           <a:p>
@@ -18629,12 +19553,17 @@
             </a:pPr>
             <a:r>
               <a:rPr lang="en-US" b="1" i="0" dirty="0" smtClean="0"/>
-              <a:t>Complex Games:</a:t>
+              <a:t>Complex </a:t>
+            </a:r>
+            <a:r>
+              <a:rPr lang="en-US" b="1" i="0" dirty="0" smtClean="0"/>
+              <a:t>Games: </a:t>
             </a:r>
             <a:r>
               <a:rPr lang="en-US" i="0" dirty="0" smtClean="0"/>
-              <a:t> …Depends</a:t>
-            </a:r>
+              <a:t>It depends…</a:t>
+            </a:r>
+            <a:endParaRPr lang="en-US" i="0" dirty="0" smtClean="0"/>
           </a:p>
           <a:p>
             <a:pPr marL="0" indent="0">
@@ -18705,8 +19634,8 @@
         </p:blipFill>
         <p:spPr bwMode="auto">
           <a:xfrm>
-            <a:off x="381000" y="2667000"/>
-            <a:ext cx="990600" cy="990600"/>
+            <a:off x="1143000" y="2133600"/>
+            <a:ext cx="990600" cy="742950"/>
           </a:xfrm>
           <a:prstGeom prst="rect">
             <a:avLst/>
@@ -18738,8 +19667,8 @@
         </p:blipFill>
         <p:spPr bwMode="auto">
           <a:xfrm>
-            <a:off x="381000" y="914400"/>
-            <a:ext cx="990600" cy="990600"/>
+            <a:off x="1143000" y="914400"/>
+            <a:ext cx="990600" cy="742950"/>
           </a:xfrm>
           <a:prstGeom prst="rect">
             <a:avLst/>
@@ -18771,8 +19700,8 @@
         </p:blipFill>
         <p:spPr bwMode="auto">
           <a:xfrm>
-            <a:off x="381000" y="4495800"/>
-            <a:ext cx="990600" cy="990600"/>
+            <a:off x="1143000" y="3409950"/>
+            <a:ext cx="990600" cy="742950"/>
           </a:xfrm>
           <a:prstGeom prst="rect">
             <a:avLst/>
@@ -18804,8 +19733,8 @@
         </p:blipFill>
         <p:spPr bwMode="auto">
           <a:xfrm>
-            <a:off x="623808" y="5867400"/>
-            <a:ext cx="671592" cy="619124"/>
+            <a:off x="1385808" y="4248150"/>
+            <a:ext cx="671592" cy="464343"/>
           </a:xfrm>
           <a:prstGeom prst="rect">
             <a:avLst/>
@@ -20064,28 +20993,48 @@
         </p:nvSpPr>
         <p:spPr>
           <a:xfrm>
-            <a:off x="1033272" y="1219200"/>
-            <a:ext cx="7424928" cy="5257800"/>
+            <a:off x="1033272" y="914400"/>
+            <a:ext cx="7424928" cy="3943350"/>
           </a:xfrm>
         </p:spPr>
         <p:txBody>
           <a:bodyPr>
-            <a:normAutofit/>
+            <a:normAutofit fontScale="85000" lnSpcReduction="20000"/>
           </a:bodyPr>
           <a:lstStyle/>
           <a:p>
-            <a:pPr marL="0" indent="0">
+            <a:pPr marL="0" indent="0" algn="ctr">
               <a:buNone/>
             </a:pPr>
             <a:r>
-              <a:rPr lang="en-US" sz="4000" b="1" dirty="0" smtClean="0"/>
-              <a:t>Pick Hybrid</a:t>
-            </a:r>
-            <a:r>
-              <a:rPr lang="en-US" sz="4000" b="1" dirty="0" smtClean="0"/>
-              <a:t>! (TODO: quote)</a:t>
-            </a:r>
-            <a:endParaRPr lang="en-US" sz="4000" b="1" dirty="0" smtClean="0"/>
+              <a:rPr lang="en-US" sz="4000" i="0" dirty="0" smtClean="0"/>
+              <a:t>“By </a:t>
+            </a:r>
+            <a:r>
+              <a:rPr lang="en-US" sz="4000" i="0" dirty="0"/>
+              <a:t>2016, </a:t>
+            </a:r>
+            <a:r>
+              <a:rPr lang="en-US" sz="4000" dirty="0"/>
+              <a:t>&gt; </a:t>
+            </a:r>
+            <a:r>
+              <a:rPr lang="en-US" sz="4000" b="1" dirty="0"/>
+              <a:t>50%</a:t>
+            </a:r>
+            <a:r>
+              <a:rPr lang="en-US" sz="4000" dirty="0"/>
+              <a:t> </a:t>
+            </a:r>
+            <a:r>
+              <a:rPr lang="en-US" sz="4000" i="0" dirty="0"/>
+              <a:t>of mobile apps will be hybrid</a:t>
+            </a:r>
+            <a:r>
+              <a:rPr lang="en-US" sz="4000" i="0" dirty="0" smtClean="0"/>
+              <a:t>.”</a:t>
+            </a:r>
+            <a:endParaRPr lang="en-US" sz="4000" i="0" dirty="0"/>
           </a:p>
           <a:p>
             <a:pPr marL="0" indent="0">
@@ -20168,8 +21117,8 @@
         </p:nvSpPr>
         <p:spPr>
           <a:xfrm>
-            <a:off x="2133600" y="152400"/>
-            <a:ext cx="5486400" cy="660400"/>
+            <a:off x="2133600" y="114300"/>
+            <a:ext cx="5486400" cy="495300"/>
           </a:xfrm>
         </p:spPr>
         <p:txBody>
@@ -20235,12 +21184,14 @@
         </p:nvSpPr>
         <p:spPr>
           <a:xfrm>
-            <a:off x="685800" y="1545336"/>
-            <a:ext cx="7696200" cy="4931664"/>
+            <a:off x="838200" y="1159002"/>
+            <a:ext cx="7696200" cy="3698748"/>
           </a:xfrm>
         </p:spPr>
         <p:txBody>
-          <a:bodyPr/>
+          <a:bodyPr>
+            <a:normAutofit fontScale="92500" lnSpcReduction="10000"/>
+          </a:bodyPr>
           <a:lstStyle/>
           <a:p>
             <a:pPr marL="0" indent="0" algn="ctr">
@@ -20398,8 +21349,8 @@
         </p:nvSpPr>
         <p:spPr>
           <a:xfrm>
-            <a:off x="1600200" y="2286000"/>
-            <a:ext cx="6096000" cy="838200"/>
+            <a:off x="1447800" y="1047750"/>
+            <a:ext cx="6477000" cy="2457450"/>
           </a:xfrm>
         </p:spPr>
         <p:txBody>
@@ -20409,10 +21360,10 @@
           <a:lstStyle/>
           <a:p>
             <a:r>
-              <a:rPr lang="en-US" sz="5500" dirty="0" smtClean="0"/>
+              <a:rPr lang="en-US" sz="6600" dirty="0" smtClean="0"/>
               <a:t>My mobile app &amp; background</a:t>
             </a:r>
-            <a:endParaRPr lang="en-US" sz="5500" dirty="0"/>
+            <a:endParaRPr lang="en-US" sz="6600" dirty="0"/>
           </a:p>
         </p:txBody>
       </p:sp>
@@ -20465,8 +21416,8 @@
         </p:nvSpPr>
         <p:spPr>
           <a:xfrm>
-            <a:off x="1676400" y="304800"/>
-            <a:ext cx="6172199" cy="1295400"/>
+            <a:off x="1676401" y="228600"/>
+            <a:ext cx="6172199" cy="971550"/>
           </a:xfrm>
         </p:spPr>
         <p:txBody>
@@ -20489,8 +21440,8 @@
         </p:nvSpPr>
         <p:spPr>
           <a:xfrm>
-            <a:off x="-76200" y="2081748"/>
-            <a:ext cx="6553200" cy="3785652"/>
+            <a:off x="-76200" y="1561311"/>
+            <a:ext cx="6553200" cy="3400931"/>
           </a:xfrm>
           <a:prstGeom prst="rect">
             <a:avLst/>
@@ -20505,7 +21456,7 @@
           <a:p>
             <a:pPr algn="ctr"/>
             <a:r>
-              <a:rPr lang="en-US" sz="5400" dirty="0" smtClean="0">
+              <a:rPr lang="en-US" sz="5000" dirty="0" smtClean="0">
                 <a:solidFill>
                   <a:schemeClr val="bg1"/>
                 </a:solidFill>
@@ -20515,7 +21466,7 @@
           </a:p>
           <a:p>
             <a:pPr algn="ctr"/>
-            <a:endParaRPr lang="en-US" sz="5400" dirty="0">
+            <a:endParaRPr lang="en-US" sz="4500" dirty="0">
               <a:solidFill>
                 <a:schemeClr val="bg1"/>
               </a:solidFill>
@@ -20524,7 +21475,7 @@
           <a:p>
             <a:pPr algn="ctr"/>
             <a:r>
-              <a:rPr lang="en-US" sz="4400" dirty="0" smtClean="0">
+              <a:rPr lang="en-US" sz="4000" dirty="0" smtClean="0">
                 <a:solidFill>
                   <a:schemeClr val="bg1"/>
                 </a:solidFill>
@@ -20535,7 +21486,7 @@
           <a:p>
             <a:pPr algn="ctr"/>
             <a:r>
-              <a:rPr lang="en-US" sz="4400" dirty="0" smtClean="0">
+              <a:rPr lang="en-US" sz="4000" dirty="0" smtClean="0">
                 <a:solidFill>
                   <a:schemeClr val="bg1"/>
                 </a:solidFill>
@@ -20543,7 +21494,7 @@
               </a:rPr>
               <a:t>@dotNetkow</a:t>
             </a:r>
-            <a:endParaRPr lang="en-US" sz="4400" dirty="0" smtClean="0">
+            <a:endParaRPr lang="en-US" sz="4000" dirty="0" smtClean="0">
               <a:solidFill>
                 <a:schemeClr val="bg1"/>
               </a:solidFill>
@@ -20552,7 +21503,7 @@
           <a:p>
             <a:pPr algn="ctr"/>
             <a:r>
-              <a:rPr lang="en-US" sz="4400" dirty="0" smtClean="0">
+              <a:rPr lang="en-US" sz="4000" dirty="0" smtClean="0">
                 <a:solidFill>
                   <a:schemeClr val="bg1"/>
                 </a:solidFill>
@@ -20578,8 +21529,8 @@
         </p:blipFill>
         <p:spPr>
           <a:xfrm>
-            <a:off x="6105129" y="2819400"/>
-            <a:ext cx="2962671" cy="2438400"/>
+            <a:off x="5952729" y="2114550"/>
+            <a:ext cx="2962671" cy="1827036"/>
           </a:xfrm>
           <a:prstGeom prst="rect">
             <a:avLst/>
@@ -20642,8 +21593,8 @@
         </p:blipFill>
         <p:spPr>
           <a:xfrm>
-            <a:off x="2540776" y="2645678"/>
-            <a:ext cx="1933575" cy="1943101"/>
+            <a:off x="2540777" y="1984259"/>
+            <a:ext cx="1933575" cy="1457326"/>
           </a:xfrm>
           <a:prstGeom prst="rect">
             <a:avLst/>
@@ -20669,8 +21620,8 @@
         </p:blipFill>
         <p:spPr>
           <a:xfrm>
-            <a:off x="411902" y="2645678"/>
-            <a:ext cx="1933575" cy="1943101"/>
+            <a:off x="411903" y="1984259"/>
+            <a:ext cx="1933575" cy="1457326"/>
           </a:xfrm>
           <a:prstGeom prst="rect">
             <a:avLst/>
@@ -20696,8 +21647,8 @@
         </p:blipFill>
         <p:spPr>
           <a:xfrm>
-            <a:off x="6798524" y="2645678"/>
-            <a:ext cx="1933575" cy="1943101"/>
+            <a:off x="6798525" y="1984259"/>
+            <a:ext cx="1933575" cy="1457326"/>
           </a:xfrm>
           <a:prstGeom prst="rect">
             <a:avLst/>
@@ -20723,8 +21674,8 @@
         </p:blipFill>
         <p:spPr>
           <a:xfrm>
-            <a:off x="4669650" y="2645678"/>
-            <a:ext cx="1933575" cy="1943101"/>
+            <a:off x="4669651" y="1984259"/>
+            <a:ext cx="1933575" cy="1457326"/>
           </a:xfrm>
           <a:prstGeom prst="rect">
             <a:avLst/>
@@ -20750,8 +21701,8 @@
         </p:blipFill>
         <p:spPr>
           <a:xfrm>
-            <a:off x="872859" y="4701353"/>
-            <a:ext cx="952500" cy="1270001"/>
+            <a:off x="872859" y="3526015"/>
+            <a:ext cx="952500" cy="952501"/>
           </a:xfrm>
           <a:prstGeom prst="rect">
             <a:avLst/>
@@ -20777,8 +21728,8 @@
         </p:blipFill>
         <p:spPr>
           <a:xfrm>
-            <a:off x="7318641" y="4701353"/>
-            <a:ext cx="952500" cy="1270001"/>
+            <a:off x="7318641" y="3526015"/>
+            <a:ext cx="952500" cy="952501"/>
           </a:xfrm>
           <a:prstGeom prst="rect">
             <a:avLst/>
@@ -20804,8 +21755,8 @@
         </p:blipFill>
         <p:spPr>
           <a:xfrm>
-            <a:off x="2162016" y="4701353"/>
-            <a:ext cx="952500" cy="1270001"/>
+            <a:off x="2162016" y="3526015"/>
+            <a:ext cx="952500" cy="952501"/>
           </a:xfrm>
           <a:prstGeom prst="rect">
             <a:avLst/>
@@ -20831,8 +21782,8 @@
         </p:blipFill>
         <p:spPr>
           <a:xfrm>
-            <a:off x="3451172" y="4701353"/>
-            <a:ext cx="952500" cy="1270001"/>
+            <a:off x="3451172" y="3526015"/>
+            <a:ext cx="952500" cy="952501"/>
           </a:xfrm>
           <a:prstGeom prst="rect">
             <a:avLst/>
@@ -20858,8 +21809,8 @@
         </p:blipFill>
         <p:spPr>
           <a:xfrm>
-            <a:off x="4740329" y="4701353"/>
-            <a:ext cx="952500" cy="1270001"/>
+            <a:off x="4740329" y="3526015"/>
+            <a:ext cx="952500" cy="952501"/>
           </a:xfrm>
           <a:prstGeom prst="rect">
             <a:avLst/>
@@ -20885,8 +21836,8 @@
         </p:blipFill>
         <p:spPr>
           <a:xfrm>
-            <a:off x="6029485" y="4701353"/>
-            <a:ext cx="952500" cy="1270001"/>
+            <a:off x="6029485" y="3526015"/>
+            <a:ext cx="952500" cy="952501"/>
           </a:xfrm>
           <a:prstGeom prst="rect">
             <a:avLst/>
@@ -20912,8 +21863,8 @@
         </p:blipFill>
         <p:spPr>
           <a:xfrm>
-            <a:off x="2914363" y="761213"/>
-            <a:ext cx="3315275" cy="1771891"/>
+            <a:off x="2914364" y="570910"/>
+            <a:ext cx="3315275" cy="1328918"/>
           </a:xfrm>
           <a:prstGeom prst="rect">
             <a:avLst/>
@@ -20935,8 +21886,8 @@
         </p:nvSpPr>
         <p:spPr>
           <a:xfrm>
-            <a:off x="2667000" y="-304800"/>
-            <a:ext cx="5518547" cy="827971"/>
+            <a:off x="2667001" y="-228600"/>
+            <a:ext cx="5518547" cy="620978"/>
           </a:xfrm>
         </p:spPr>
         <p:txBody>
@@ -21001,8 +21952,8 @@
         </p:nvSpPr>
         <p:spPr>
           <a:xfrm>
-            <a:off x="1712912" y="49742"/>
-            <a:ext cx="6019800" cy="943146"/>
+            <a:off x="1712912" y="37306"/>
+            <a:ext cx="6019800" cy="707360"/>
           </a:xfrm>
         </p:spPr>
         <p:txBody>
@@ -21028,7 +21979,7 @@
         </p:nvSpPr>
         <p:spPr>
           <a:xfrm>
-            <a:off x="590031" y="3590221"/>
+            <a:off x="590032" y="2692666"/>
             <a:ext cx="1577447" cy="369332"/>
           </a:xfrm>
           <a:prstGeom prst="rect">
@@ -21092,8 +22043,8 @@
         </p:blipFill>
         <p:spPr bwMode="auto">
           <a:xfrm>
-            <a:off x="510128" y="1474788"/>
-            <a:ext cx="1657350" cy="2085976"/>
+            <a:off x="685800" y="1106091"/>
+            <a:ext cx="1243013" cy="1564481"/>
           </a:xfrm>
           <a:prstGeom prst="rect">
             <a:avLst/>
@@ -21118,7 +22069,7 @@
         </p:nvSpPr>
         <p:spPr>
           <a:xfrm>
-            <a:off x="5547795" y="1676400"/>
+            <a:off x="5547795" y="1257300"/>
             <a:ext cx="914400" cy="1323439"/>
           </a:xfrm>
           <a:prstGeom prst="rect">
@@ -21150,8 +22101,8 @@
         </p:nvSpPr>
         <p:spPr bwMode="auto">
           <a:xfrm>
-            <a:off x="155575" y="-144463"/>
-            <a:ext cx="304800" cy="304801"/>
+            <a:off x="155575" y="-108347"/>
+            <a:ext cx="304800" cy="228601"/>
           </a:xfrm>
           <a:prstGeom prst="rect">
             <a:avLst/>
@@ -21202,8 +22153,8 @@
         </p:blipFill>
         <p:spPr bwMode="auto">
           <a:xfrm>
-            <a:off x="3414195" y="1524000"/>
-            <a:ext cx="1781176" cy="1781176"/>
+            <a:off x="3629025" y="1192378"/>
+            <a:ext cx="1400175" cy="1400175"/>
           </a:xfrm>
           <a:prstGeom prst="rect">
             <a:avLst/>
@@ -21228,7 +22179,7 @@
         </p:nvSpPr>
         <p:spPr>
           <a:xfrm>
-            <a:off x="2347395" y="1752868"/>
+            <a:off x="2347396" y="1314652"/>
             <a:ext cx="828675" cy="1323439"/>
           </a:xfrm>
           <a:prstGeom prst="rect">
@@ -21258,7 +22209,7 @@
         </p:nvSpPr>
         <p:spPr>
           <a:xfrm>
-            <a:off x="457201" y="4572000"/>
+            <a:off x="457201" y="3429000"/>
             <a:ext cx="3847582" cy="1477328"/>
           </a:xfrm>
           <a:prstGeom prst="rect">
@@ -21347,7 +22298,7 @@
         </p:nvSpPr>
         <p:spPr>
           <a:xfrm>
-            <a:off x="3681145" y="914400"/>
+            <a:off x="3681146" y="685800"/>
             <a:ext cx="2892425" cy="369332"/>
           </a:xfrm>
           <a:prstGeom prst="rect">
@@ -21385,7 +22336,7 @@
         </p:nvSpPr>
         <p:spPr>
           <a:xfrm>
-            <a:off x="7011988" y="3560764"/>
+            <a:off x="7011988" y="2670573"/>
             <a:ext cx="1217612" cy="369332"/>
           </a:xfrm>
           <a:prstGeom prst="rect">
@@ -21423,7 +22374,7 @@
         </p:nvSpPr>
         <p:spPr>
           <a:xfrm>
-            <a:off x="3048000" y="3593068"/>
+            <a:off x="3048000" y="2694801"/>
             <a:ext cx="2962082" cy="369332"/>
           </a:xfrm>
           <a:prstGeom prst="rect">
@@ -21476,8 +22427,8 @@
         </p:blipFill>
         <p:spPr bwMode="auto">
           <a:xfrm>
-            <a:off x="6614595" y="1350302"/>
-            <a:ext cx="1975634" cy="1975634"/>
+            <a:off x="6810435" y="1076385"/>
+            <a:ext cx="1495365" cy="1495365"/>
           </a:xfrm>
           <a:prstGeom prst="rect">
             <a:avLst/>
@@ -21502,7 +22453,7 @@
         </p:nvSpPr>
         <p:spPr>
           <a:xfrm>
-            <a:off x="4724400" y="4495800"/>
+            <a:off x="4724401" y="3371850"/>
             <a:ext cx="4187825" cy="1754326"/>
           </a:xfrm>
           <a:prstGeom prst="rect">
@@ -22569,8 +23520,8 @@
         </p:nvSpPr>
         <p:spPr>
           <a:xfrm>
-            <a:off x="2590800" y="290945"/>
-            <a:ext cx="4306888" cy="471055"/>
+            <a:off x="2590800" y="218209"/>
+            <a:ext cx="4306888" cy="353291"/>
           </a:xfrm>
         </p:spPr>
         <p:txBody>
@@ -22600,7 +23551,7 @@
           <p:nvPr/>
         </p:nvPicPr>
         <p:blipFill>
-          <a:blip r:embed="rId3">
+          <a:blip r:embed="rId3" cstate="print">
             <a:extLst>
               <a:ext uri="{28A0092B-C50C-407E-A947-70E740481C1C}">
                 <a14:useLocalDpi xmlns:a14="http://schemas.microsoft.com/office/drawing/2010/main" val="0"/>
@@ -22614,8 +23565,8 @@
         </p:blipFill>
         <p:spPr bwMode="auto">
           <a:xfrm>
-            <a:off x="3119907" y="1676400"/>
-            <a:ext cx="2747493" cy="4876800"/>
+            <a:off x="3413760" y="1257300"/>
+            <a:ext cx="2072640" cy="3678936"/>
           </a:xfrm>
           <a:prstGeom prst="rect">
             <a:avLst/>
@@ -22655,8 +23606,8 @@
         </p:blipFill>
         <p:spPr bwMode="auto">
           <a:xfrm>
-            <a:off x="6096000" y="1676400"/>
-            <a:ext cx="2927860" cy="4876800"/>
+            <a:off x="6492887" y="1257300"/>
+            <a:ext cx="2193913" cy="3654300"/>
           </a:xfrm>
           <a:prstGeom prst="rect">
             <a:avLst/>
@@ -22683,8 +23634,8 @@
         </p:nvSpPr>
         <p:spPr bwMode="auto">
           <a:xfrm>
-            <a:off x="155575" y="-144463"/>
-            <a:ext cx="304800" cy="304801"/>
+            <a:off x="155575" y="-108347"/>
+            <a:ext cx="304800" cy="228601"/>
           </a:xfrm>
           <a:prstGeom prst="rect">
             <a:avLst/>
@@ -22722,8 +23673,8 @@
         </p:nvSpPr>
         <p:spPr bwMode="auto">
           <a:xfrm>
-            <a:off x="307975" y="7937"/>
-            <a:ext cx="304800" cy="304801"/>
+            <a:off x="307975" y="5953"/>
+            <a:ext cx="304800" cy="228601"/>
           </a:xfrm>
           <a:prstGeom prst="rect">
             <a:avLst/>
@@ -22761,8 +23712,8 @@
         </p:nvSpPr>
         <p:spPr bwMode="auto">
           <a:xfrm>
-            <a:off x="460375" y="160337"/>
-            <a:ext cx="304800" cy="304801"/>
+            <a:off x="460375" y="120253"/>
+            <a:ext cx="304800" cy="228601"/>
           </a:xfrm>
           <a:prstGeom prst="rect">
             <a:avLst/>
@@ -22813,8 +23764,8 @@
         </p:blipFill>
         <p:spPr bwMode="auto">
           <a:xfrm>
-            <a:off x="207500" y="1676400"/>
-            <a:ext cx="2688100" cy="4836688"/>
+            <a:off x="485775" y="1257300"/>
+            <a:ext cx="2028825" cy="3650456"/>
           </a:xfrm>
           <a:prstGeom prst="rect">
             <a:avLst/>
@@ -22852,7 +23803,7 @@
         </p:nvSpPr>
         <p:spPr>
           <a:xfrm>
-            <a:off x="381000" y="1078468"/>
+            <a:off x="381001" y="808851"/>
             <a:ext cx="8455025" cy="369332"/>
           </a:xfrm>
           <a:prstGeom prst="rect">
@@ -22931,13 +23882,13 @@
         </p:nvSpPr>
         <p:spPr>
           <a:xfrm>
-            <a:off x="3429000" y="152400"/>
-            <a:ext cx="2073348" cy="609600"/>
+            <a:off x="3429000" y="114300"/>
+            <a:ext cx="2073348" cy="457200"/>
           </a:xfrm>
         </p:spPr>
         <p:txBody>
           <a:bodyPr>
-            <a:normAutofit/>
+            <a:normAutofit fontScale="90000"/>
           </a:bodyPr>
           <a:lstStyle/>
           <a:p>
@@ -22958,8 +23909,8 @@
         </p:nvSpPr>
         <p:spPr>
           <a:xfrm>
-            <a:off x="457200" y="1143000"/>
-            <a:ext cx="7924800" cy="5293757"/>
+            <a:off x="1219200" y="819150"/>
+            <a:ext cx="7924800" cy="4493538"/>
           </a:xfrm>
           <a:prstGeom prst="rect">
             <a:avLst/>
@@ -22973,7 +23924,7 @@
           <a:lstStyle/>
           <a:p>
             <a:r>
-              <a:rPr lang="en-US" sz="2600" b="1" dirty="0" smtClean="0">
+              <a:rPr lang="en-US" sz="2200" b="1" dirty="0" smtClean="0">
                 <a:solidFill>
                   <a:schemeClr val="bg1"/>
                 </a:solidFill>
@@ -22981,7 +23932,7 @@
               <a:t>Senior Developer for The SAVO Group </a:t>
             </a:r>
             <a:r>
-              <a:rPr lang="en-US" sz="2600" dirty="0" smtClean="0">
+              <a:rPr lang="en-US" sz="2200" dirty="0" smtClean="0">
                 <a:solidFill>
                   <a:schemeClr val="bg1"/>
                 </a:solidFill>
@@ -22995,7 +23946,7 @@
               <a:buChar char="•"/>
             </a:pPr>
             <a:r>
-              <a:rPr lang="en-US" sz="2600" dirty="0" smtClean="0">
+              <a:rPr lang="en-US" sz="2200" dirty="0" smtClean="0">
                 <a:solidFill>
                   <a:schemeClr val="bg1"/>
                 </a:solidFill>
@@ -23009,7 +23960,7 @@
               <a:buChar char="•"/>
             </a:pPr>
             <a:r>
-              <a:rPr lang="en-US" sz="2600" dirty="0" smtClean="0">
+              <a:rPr lang="en-US" sz="2200" dirty="0" smtClean="0">
                 <a:solidFill>
                   <a:schemeClr val="bg1"/>
                 </a:solidFill>
@@ -23022,7 +23973,7 @@
               <a:buFont typeface="Arial" panose="020B0604020202020204" pitchFamily="34" charset="0"/>
               <a:buChar char="•"/>
             </a:pPr>
-            <a:endParaRPr lang="en-US" sz="2600" dirty="0" smtClean="0">
+            <a:endParaRPr lang="en-US" sz="2200" dirty="0" smtClean="0">
               <a:solidFill>
                 <a:schemeClr val="bg1"/>
               </a:solidFill>
@@ -23030,7 +23981,7 @@
           </a:p>
           <a:p>
             <a:r>
-              <a:rPr lang="en-US" sz="2600" b="1" dirty="0" smtClean="0">
+              <a:rPr lang="en-US" sz="2200" b="1" dirty="0" smtClean="0">
                 <a:solidFill>
                   <a:schemeClr val="bg1"/>
                 </a:solidFill>
@@ -23038,7 +23989,7 @@
               <a:t>Mobile app development for Netkosoft </a:t>
             </a:r>
             <a:r>
-              <a:rPr lang="en-US" sz="2600" dirty="0" smtClean="0">
+              <a:rPr lang="en-US" sz="2200" dirty="0" smtClean="0">
                 <a:solidFill>
                   <a:schemeClr val="bg1"/>
                 </a:solidFill>
@@ -23052,7 +24003,7 @@
               <a:buChar char="•"/>
             </a:pPr>
             <a:r>
-              <a:rPr lang="en-US" sz="2600" dirty="0" smtClean="0">
+              <a:rPr lang="en-US" sz="2200" dirty="0" smtClean="0">
                 <a:solidFill>
                   <a:schemeClr val="bg1"/>
                 </a:solidFill>
@@ -23066,7 +24017,7 @@
               <a:buChar char="•"/>
             </a:pPr>
             <a:r>
-              <a:rPr lang="en-US" sz="2600" dirty="0" smtClean="0">
+              <a:rPr lang="en-US" sz="2200" dirty="0" smtClean="0">
                 <a:solidFill>
                   <a:schemeClr val="bg1"/>
                 </a:solidFill>
@@ -23080,7 +24031,7 @@
               <a:buChar char="•"/>
             </a:pPr>
             <a:r>
-              <a:rPr lang="en-US" sz="2600" dirty="0" smtClean="0">
+              <a:rPr lang="en-US" sz="2200" dirty="0" smtClean="0">
                 <a:solidFill>
                   <a:schemeClr val="bg1"/>
                 </a:solidFill>
@@ -23093,7 +24044,7 @@
               <a:buFont typeface="Arial" panose="020B0604020202020204" pitchFamily="34" charset="0"/>
               <a:buChar char="•"/>
             </a:pPr>
-            <a:endParaRPr lang="en-US" sz="2600" dirty="0">
+            <a:endParaRPr lang="en-US" sz="2200" dirty="0">
               <a:solidFill>
                 <a:schemeClr val="bg1"/>
               </a:solidFill>
@@ -23101,14 +24052,14 @@
           </a:p>
           <a:p>
             <a:r>
-              <a:rPr lang="en-US" sz="2600" b="1" dirty="0" smtClean="0">
+              <a:rPr lang="en-US" sz="2200" b="1" dirty="0" smtClean="0">
                 <a:solidFill>
                   <a:schemeClr val="bg1"/>
                 </a:solidFill>
               </a:rPr>
               <a:t>Netkow.com Blog</a:t>
             </a:r>
-            <a:endParaRPr lang="en-US" sz="2600" dirty="0">
+            <a:endParaRPr lang="en-US" sz="2200" dirty="0">
               <a:solidFill>
                 <a:schemeClr val="bg1"/>
               </a:solidFill>
@@ -23120,7 +24071,7 @@
               <a:buChar char="•"/>
             </a:pPr>
             <a:r>
-              <a:rPr lang="en-US" sz="2600" dirty="0" smtClean="0">
+              <a:rPr lang="en-US" sz="2200" dirty="0" smtClean="0">
                 <a:solidFill>
                   <a:schemeClr val="bg1"/>
                 </a:solidFill>
@@ -23133,7 +24084,7 @@
               <a:buFont typeface="Arial" panose="020B0604020202020204" pitchFamily="34" charset="0"/>
               <a:buChar char="•"/>
             </a:pPr>
-            <a:endParaRPr lang="en-US" sz="2600" dirty="0">
+            <a:endParaRPr lang="en-US" sz="2200" dirty="0">
               <a:solidFill>
                 <a:schemeClr val="bg1"/>
               </a:solidFill>
@@ -23226,8 +24177,8 @@
         </p:blipFill>
         <p:spPr bwMode="auto">
           <a:xfrm>
-            <a:off x="943069" y="1295400"/>
-            <a:ext cx="8053916" cy="5334001"/>
+            <a:off x="1828800" y="895350"/>
+            <a:ext cx="6329591" cy="4192002"/>
           </a:xfrm>
           <a:prstGeom prst="rect">
             <a:avLst/>
@@ -23252,8 +24203,8 @@
         </p:nvSpPr>
         <p:spPr>
           <a:xfrm>
-            <a:off x="0" y="6488668"/>
-            <a:ext cx="3048000" cy="369332"/>
+            <a:off x="0" y="4781550"/>
+            <a:ext cx="3048000" cy="253916"/>
           </a:xfrm>
           <a:prstGeom prst="rect">
             <a:avLst/>
@@ -23267,7 +24218,7 @@
           <a:lstStyle/>
           <a:p>
             <a:r>
-              <a:rPr lang="en-US" dirty="0" smtClean="0">
+              <a:rPr lang="en-US" sz="1050" dirty="0" smtClean="0">
                 <a:solidFill>
                   <a:schemeClr val="bg1"/>
                 </a:solidFill>
@@ -23275,7 +24226,7 @@
               </a:rPr>
               <a:t>Salesforce.com</a:t>
             </a:r>
-            <a:endParaRPr lang="en-US" dirty="0">
+            <a:endParaRPr lang="en-US" sz="1050" dirty="0">
               <a:solidFill>
                 <a:schemeClr val="bg1"/>
               </a:solidFill>
@@ -23332,8 +24283,8 @@
         </p:nvSpPr>
         <p:spPr>
           <a:xfrm>
-            <a:off x="1828800" y="2667000"/>
-            <a:ext cx="5562600" cy="838200"/>
+            <a:off x="1828800" y="1200150"/>
+            <a:ext cx="5562600" cy="2857500"/>
           </a:xfrm>
         </p:spPr>
         <p:txBody>
@@ -23343,10 +24294,10 @@
           <a:lstStyle/>
           <a:p>
             <a:r>
-              <a:rPr lang="en-US" sz="5500" dirty="0" smtClean="0"/>
+              <a:rPr lang="en-US" sz="7200" dirty="0" smtClean="0"/>
               <a:t>Why hybrid?</a:t>
             </a:r>
-            <a:endParaRPr lang="en-US" sz="5500" dirty="0"/>
+            <a:endParaRPr lang="en-US" sz="7200" dirty="0"/>
           </a:p>
         </p:txBody>
       </p:sp>
